--- a/Telco churn prediction model presentation.pptx
+++ b/Telco churn prediction model presentation.pptx
@@ -5,10 +5,10 @@
     <p:sldMasterId id="2147483648" r:id="rId4"/>
   </p:sldMasterIdLst>
   <p:notesMasterIdLst>
-    <p:notesMasterId r:id="rId22"/>
+    <p:notesMasterId r:id="rId23"/>
   </p:notesMasterIdLst>
   <p:handoutMasterIdLst>
-    <p:handoutMasterId r:id="rId23"/>
+    <p:handoutMasterId r:id="rId24"/>
   </p:handoutMasterIdLst>
   <p:sldIdLst>
     <p:sldId id="292" r:id="rId5"/>
@@ -27,7 +27,8 @@
     <p:sldId id="307" r:id="rId18"/>
     <p:sldId id="308" r:id="rId19"/>
     <p:sldId id="310" r:id="rId20"/>
-    <p:sldId id="295" r:id="rId21"/>
+    <p:sldId id="314" r:id="rId21"/>
+    <p:sldId id="295" r:id="rId22"/>
   </p:sldIdLst>
   <p:sldSz cx="12192000" cy="6858000"/>
   <p:notesSz cx="6858000" cy="9144000"/>
@@ -1178,6 +1179,90 @@
             <a:fld id="{017105BD-6D6F-49DB-9DE4-D4A6452D7E5F}" type="slidenum">
               <a:rPr lang="zh-CN" altLang="en-US" smtClean="0"/>
               <a:t>17</a:t>
+            </a:fld>
+            <a:endParaRPr lang="zh-CN" altLang="en-US"/>
+          </a:p>
+        </p:txBody>
+      </p:sp>
+    </p:spTree>
+    <p:extLst>
+      <p:ext uri="{BB962C8B-B14F-4D97-AF65-F5344CB8AC3E}">
+        <p14:creationId xmlns:p14="http://schemas.microsoft.com/office/powerpoint/2010/main" val="1821606553"/>
+      </p:ext>
+    </p:extLst>
+  </p:cSld>
+  <p:clrMapOvr>
+    <a:masterClrMapping/>
+  </p:clrMapOvr>
+</p:notes>
+</file>
+
+<file path=ppt/notesSlides/notesSlide15.xml><?xml version="1.0" encoding="utf-8"?>
+<p:notes xmlns:a="http://schemas.openxmlformats.org/drawingml/2006/main" xmlns:r="http://schemas.openxmlformats.org/officeDocument/2006/relationships" xmlns:p="http://schemas.openxmlformats.org/presentationml/2006/main">
+  <p:cSld>
+    <p:spTree>
+      <p:nvGrpSpPr>
+        <p:cNvPr id="1" name=""/>
+        <p:cNvGrpSpPr/>
+        <p:nvPr/>
+      </p:nvGrpSpPr>
+      <p:grpSpPr>
+        <a:xfrm>
+          <a:off x="0" y="0"/>
+          <a:ext cx="0" cy="0"/>
+          <a:chOff x="0" y="0"/>
+          <a:chExt cx="0" cy="0"/>
+        </a:xfrm>
+      </p:grpSpPr>
+      <p:sp>
+        <p:nvSpPr>
+          <p:cNvPr id="2" name="Slide Image Placeholder 1"/>
+          <p:cNvSpPr>
+            <a:spLocks noGrp="1" noRot="1" noChangeAspect="1"/>
+          </p:cNvSpPr>
+          <p:nvPr>
+            <p:ph type="sldImg"/>
+          </p:nvPr>
+        </p:nvSpPr>
+        <p:spPr/>
+      </p:sp>
+      <p:sp>
+        <p:nvSpPr>
+          <p:cNvPr id="3" name="Notes Placeholder 2"/>
+          <p:cNvSpPr>
+            <a:spLocks noGrp="1"/>
+          </p:cNvSpPr>
+          <p:nvPr>
+            <p:ph type="body" idx="1"/>
+          </p:nvPr>
+        </p:nvSpPr>
+        <p:spPr/>
+        <p:txBody>
+          <a:bodyPr/>
+          <a:lstStyle/>
+          <a:p>
+            <a:endParaRPr lang="en-US" dirty="0"/>
+          </a:p>
+        </p:txBody>
+      </p:sp>
+      <p:sp>
+        <p:nvSpPr>
+          <p:cNvPr id="4" name="Slide Number Placeholder 3"/>
+          <p:cNvSpPr>
+            <a:spLocks noGrp="1"/>
+          </p:cNvSpPr>
+          <p:nvPr>
+            <p:ph type="sldNum" sz="quarter" idx="5"/>
+          </p:nvPr>
+        </p:nvSpPr>
+        <p:spPr/>
+        <p:txBody>
+          <a:bodyPr/>
+          <a:lstStyle/>
+          <a:p>
+            <a:fld id="{017105BD-6D6F-49DB-9DE4-D4A6452D7E5F}" type="slidenum">
+              <a:rPr lang="zh-CN" altLang="en-US" smtClean="0"/>
+              <a:t>18</a:t>
             </a:fld>
             <a:endParaRPr lang="zh-CN" altLang="en-US"/>
           </a:p>
@@ -27445,6 +27530,312 @@
       </p:grpSpPr>
       <p:sp>
         <p:nvSpPr>
+          <p:cNvPr id="5" name="Footer Placeholder 4">
+            <a:extLst>
+              <a:ext uri="{FF2B5EF4-FFF2-40B4-BE49-F238E27FC236}">
+                <a16:creationId xmlns:a16="http://schemas.microsoft.com/office/drawing/2014/main" id="{6D18E7F7-120D-E343-B41C-E8DF89FC0F49}"/>
+              </a:ext>
+            </a:extLst>
+          </p:cNvPr>
+          <p:cNvSpPr>
+            <a:spLocks noGrp="1"/>
+          </p:cNvSpPr>
+          <p:nvPr>
+            <p:ph type="ftr" sz="quarter" idx="28"/>
+          </p:nvPr>
+        </p:nvSpPr>
+        <p:spPr/>
+        <p:txBody>
+          <a:bodyPr/>
+          <a:lstStyle/>
+          <a:p>
+            <a:r>
+              <a:rPr lang="en-US" altLang="zh-CN" sz="1200" dirty="0"/>
+              <a:t>Churn prediction model</a:t>
+            </a:r>
+            <a:endParaRPr lang="en-US" dirty="0"/>
+          </a:p>
+        </p:txBody>
+      </p:sp>
+      <p:sp>
+        <p:nvSpPr>
+          <p:cNvPr id="7" name="Slide Number Placeholder 6">
+            <a:extLst>
+              <a:ext uri="{FF2B5EF4-FFF2-40B4-BE49-F238E27FC236}">
+                <a16:creationId xmlns:a16="http://schemas.microsoft.com/office/drawing/2014/main" id="{8EA25C86-7BE3-4BC6-C0B8-7F7D7C3EC286}"/>
+              </a:ext>
+            </a:extLst>
+          </p:cNvPr>
+          <p:cNvSpPr>
+            <a:spLocks noGrp="1"/>
+          </p:cNvSpPr>
+          <p:nvPr>
+            <p:ph type="sldNum" sz="quarter" idx="29"/>
+          </p:nvPr>
+        </p:nvSpPr>
+        <p:spPr/>
+        <p:txBody>
+          <a:bodyPr/>
+          <a:lstStyle/>
+          <a:p>
+            <a:fld id="{47FEACEE-25B4-4A2D-B147-27296E36371D}" type="slidenum">
+              <a:rPr lang="en-US" altLang="zh-CN" smtClean="0"/>
+              <a:pPr/>
+              <a:t>17</a:t>
+            </a:fld>
+            <a:endParaRPr lang="en-US" altLang="zh-CN" dirty="0"/>
+          </a:p>
+        </p:txBody>
+      </p:sp>
+      <p:sp>
+        <p:nvSpPr>
+          <p:cNvPr id="12" name="Title 11">
+            <a:extLst>
+              <a:ext uri="{FF2B5EF4-FFF2-40B4-BE49-F238E27FC236}">
+                <a16:creationId xmlns:a16="http://schemas.microsoft.com/office/drawing/2014/main" id="{C13DFCA2-73A5-40AB-BC3B-D2112116B16B}"/>
+              </a:ext>
+            </a:extLst>
+          </p:cNvPr>
+          <p:cNvSpPr>
+            <a:spLocks noGrp="1"/>
+          </p:cNvSpPr>
+          <p:nvPr>
+            <p:ph type="title"/>
+          </p:nvPr>
+        </p:nvSpPr>
+        <p:spPr>
+          <a:xfrm>
+            <a:off x="581709" y="274955"/>
+            <a:ext cx="5514291" cy="673368"/>
+          </a:xfrm>
+        </p:spPr>
+        <p:txBody>
+          <a:bodyPr/>
+          <a:lstStyle/>
+          <a:p>
+            <a:r>
+              <a:rPr lang="en-US" dirty="0"/>
+              <a:t>6. Reference</a:t>
+            </a:r>
+          </a:p>
+        </p:txBody>
+      </p:sp>
+      <p:sp>
+        <p:nvSpPr>
+          <p:cNvPr id="10" name="Rectangle 9">
+            <a:extLst>
+              <a:ext uri="{FF2B5EF4-FFF2-40B4-BE49-F238E27FC236}">
+                <a16:creationId xmlns:a16="http://schemas.microsoft.com/office/drawing/2014/main" id="{48F628C3-FA6E-4534-83C2-2A276A97B2EC}"/>
+              </a:ext>
+            </a:extLst>
+          </p:cNvPr>
+          <p:cNvSpPr/>
+          <p:nvPr/>
+        </p:nvSpPr>
+        <p:spPr>
+          <a:xfrm>
+            <a:off x="670486" y="994296"/>
+            <a:ext cx="6733490" cy="75463"/>
+          </a:xfrm>
+          <a:prstGeom prst="rect">
+            <a:avLst/>
+          </a:prstGeom>
+          <a:gradFill flip="none" rotWithShape="1">
+            <a:gsLst>
+              <a:gs pos="0">
+                <a:schemeClr val="accent4">
+                  <a:tint val="66000"/>
+                  <a:satMod val="160000"/>
+                </a:schemeClr>
+              </a:gs>
+              <a:gs pos="29000">
+                <a:schemeClr val="accent4">
+                  <a:tint val="44500"/>
+                  <a:satMod val="160000"/>
+                </a:schemeClr>
+              </a:gs>
+              <a:gs pos="95575">
+                <a:srgbClr val="F8F6F5"/>
+              </a:gs>
+              <a:gs pos="55000">
+                <a:schemeClr val="accent4">
+                  <a:tint val="23500"/>
+                  <a:satMod val="160000"/>
+                </a:schemeClr>
+              </a:gs>
+            </a:gsLst>
+            <a:path path="circle">
+              <a:fillToRect t="100000" r="100000"/>
+            </a:path>
+            <a:tileRect l="-100000" b="-100000"/>
+          </a:gradFill>
+          <a:ln>
+            <a:noFill/>
+          </a:ln>
+        </p:spPr>
+        <p:style>
+          <a:lnRef idx="2">
+            <a:schemeClr val="accent4">
+              <a:shade val="50000"/>
+            </a:schemeClr>
+          </a:lnRef>
+          <a:fillRef idx="1">
+            <a:schemeClr val="accent4"/>
+          </a:fillRef>
+          <a:effectRef idx="0">
+            <a:schemeClr val="accent4"/>
+          </a:effectRef>
+          <a:fontRef idx="minor">
+            <a:schemeClr val="lt1"/>
+          </a:fontRef>
+        </p:style>
+        <p:txBody>
+          <a:bodyPr rtlCol="0" anchor="ctr"/>
+          <a:lstStyle/>
+          <a:p>
+            <a:pPr algn="ctr"/>
+            <a:endParaRPr lang="en-US" dirty="0"/>
+          </a:p>
+        </p:txBody>
+      </p:sp>
+      <p:sp>
+        <p:nvSpPr>
+          <p:cNvPr id="16" name="TextBox 15">
+            <a:extLst>
+              <a:ext uri="{FF2B5EF4-FFF2-40B4-BE49-F238E27FC236}">
+                <a16:creationId xmlns:a16="http://schemas.microsoft.com/office/drawing/2014/main" id="{241A0AA9-3CC1-44C3-A0A4-6FE96AB14652}"/>
+              </a:ext>
+            </a:extLst>
+          </p:cNvPr>
+          <p:cNvSpPr txBox="1"/>
+          <p:nvPr/>
+        </p:nvSpPr>
+        <p:spPr>
+          <a:xfrm>
+            <a:off x="581710" y="1390243"/>
+            <a:ext cx="9956084" cy="1477328"/>
+          </a:xfrm>
+          <a:prstGeom prst="rect">
+            <a:avLst/>
+          </a:prstGeom>
+        </p:spPr>
+        <p:txBody>
+          <a:bodyPr wrap="square" rtlCol="0">
+            <a:spAutoFit/>
+          </a:bodyPr>
+          <a:lstStyle/>
+          <a:p>
+            <a:pPr marL="285750" indent="-285750" algn="l">
+              <a:buFont typeface="Arial" panose="020B0604020202020204" pitchFamily="34" charset="0"/>
+              <a:buChar char="•"/>
+            </a:pPr>
+            <a:r>
+              <a:rPr lang="en-US" dirty="0">
+                <a:solidFill>
+                  <a:srgbClr val="1F1F1F"/>
+                </a:solidFill>
+                <a:latin typeface="Abadi (Body)"/>
+              </a:rPr>
+              <a:t>https://medium.com/@stephen.blount99/putting-a-price-on-customer-churn-38a184e530b8</a:t>
+            </a:r>
+          </a:p>
+          <a:p>
+            <a:pPr marL="285750" indent="-285750" algn="l">
+              <a:buFont typeface="Arial" panose="020B0604020202020204" pitchFamily="34" charset="0"/>
+              <a:buChar char="•"/>
+            </a:pPr>
+            <a:endParaRPr lang="en-US" dirty="0">
+              <a:solidFill>
+                <a:srgbClr val="1F1F1F"/>
+              </a:solidFill>
+              <a:latin typeface="Abadi (Body)"/>
+            </a:endParaRPr>
+          </a:p>
+          <a:p>
+            <a:pPr marL="285750" indent="-285750" algn="l">
+              <a:buFont typeface="Arial" panose="020B0604020202020204" pitchFamily="34" charset="0"/>
+              <a:buChar char="•"/>
+            </a:pPr>
+            <a:r>
+              <a:rPr lang="en-US" i="0" dirty="0">
+                <a:solidFill>
+                  <a:srgbClr val="1F1F1F"/>
+                </a:solidFill>
+                <a:effectLst/>
+                <a:latin typeface="Abadi (Body)"/>
+              </a:rPr>
+              <a:t>https://www.kaggle.com/code/bandiatindra/telecom-churn-prediction</a:t>
+            </a:r>
+          </a:p>
+          <a:p>
+            <a:pPr marL="285750" indent="-285750" algn="l">
+              <a:buFont typeface="Arial" panose="020B0604020202020204" pitchFamily="34" charset="0"/>
+              <a:buChar char="•"/>
+            </a:pPr>
+            <a:endParaRPr lang="en-US" i="0" dirty="0">
+              <a:solidFill>
+                <a:srgbClr val="1F1F1F"/>
+              </a:solidFill>
+              <a:effectLst/>
+              <a:latin typeface="Abadi (Body)"/>
+            </a:endParaRPr>
+          </a:p>
+          <a:p>
+            <a:pPr marL="285750" indent="-285750" algn="l">
+              <a:buFont typeface="Arial" panose="020B0604020202020204" pitchFamily="34" charset="0"/>
+              <a:buChar char="•"/>
+            </a:pPr>
+            <a:r>
+              <a:rPr lang="en-US" dirty="0">
+                <a:solidFill>
+                  <a:srgbClr val="1F1F1F"/>
+                </a:solidFill>
+                <a:latin typeface="Abadi (Body)"/>
+              </a:rPr>
+              <a:t>https://machinelearningmastery.com/smote-oversampling-for-imbalanced-classification/</a:t>
+            </a:r>
+            <a:endParaRPr lang="en-US" i="0" dirty="0">
+              <a:solidFill>
+                <a:srgbClr val="1F1F1F"/>
+              </a:solidFill>
+              <a:effectLst/>
+              <a:latin typeface="Abadi (Body)"/>
+            </a:endParaRPr>
+          </a:p>
+        </p:txBody>
+      </p:sp>
+    </p:spTree>
+    <p:extLst>
+      <p:ext uri="{BB962C8B-B14F-4D97-AF65-F5344CB8AC3E}">
+        <p14:creationId xmlns:p14="http://schemas.microsoft.com/office/powerpoint/2010/main" val="348443010"/>
+      </p:ext>
+    </p:extLst>
+  </p:cSld>
+  <p:clrMapOvr>
+    <a:masterClrMapping/>
+  </p:clrMapOvr>
+</p:sld>
+</file>
+
+<file path=ppt/slides/slide18.xml><?xml version="1.0" encoding="utf-8"?>
+<p:sld xmlns:a="http://schemas.openxmlformats.org/drawingml/2006/main" xmlns:r="http://schemas.openxmlformats.org/officeDocument/2006/relationships" xmlns:p="http://schemas.openxmlformats.org/presentationml/2006/main">
+  <p:cSld>
+    <p:spTree>
+      <p:nvGrpSpPr>
+        <p:cNvPr id="1" name=""/>
+        <p:cNvGrpSpPr/>
+        <p:nvPr/>
+      </p:nvGrpSpPr>
+      <p:grpSpPr>
+        <a:xfrm>
+          <a:off x="0" y="0"/>
+          <a:ext cx="0" cy="0"/>
+          <a:chOff x="0" y="0"/>
+          <a:chExt cx="0" cy="0"/>
+        </a:xfrm>
+      </p:grpSpPr>
+      <p:sp>
+        <p:nvSpPr>
           <p:cNvPr id="10" name="Text Placeholder 9">
             <a:extLst>
               <a:ext uri="{FF2B5EF4-FFF2-40B4-BE49-F238E27FC236}">
@@ -27638,7 +28029,7 @@
             <a:fld id="{47FEACEE-25B4-4A2D-B147-27296E36371D}" type="slidenum">
               <a:rPr lang="en-US" altLang="zh-CN" smtClean="0"/>
               <a:pPr/>
-              <a:t>17</a:t>
+              <a:t>18</a:t>
             </a:fld>
             <a:endParaRPr lang="en-US" altLang="zh-CN" dirty="0"/>
           </a:p>
@@ -27882,7 +28273,7 @@
           <a:p>
             <a:r>
               <a:rPr lang="en-US" dirty="0"/>
-              <a:t>6. About me</a:t>
+              <a:t>7. About me</a:t>
             </a:r>
           </a:p>
         </p:txBody>
@@ -27961,6 +28352,212 @@
           <a:lstStyle/>
           <a:p>
             <a:pPr algn="ctr"/>
+            <a:endParaRPr lang="en-US" dirty="0"/>
+          </a:p>
+        </p:txBody>
+      </p:sp>
+      <p:sp>
+        <p:nvSpPr>
+          <p:cNvPr id="13" name="Footer Placeholder 4">
+            <a:extLst>
+              <a:ext uri="{FF2B5EF4-FFF2-40B4-BE49-F238E27FC236}">
+                <a16:creationId xmlns:a16="http://schemas.microsoft.com/office/drawing/2014/main" id="{A2EEBB96-35E2-4DC7-A563-F42112594F74}"/>
+              </a:ext>
+            </a:extLst>
+          </p:cNvPr>
+          <p:cNvSpPr txBox="1">
+            <a:spLocks/>
+          </p:cNvSpPr>
+          <p:nvPr/>
+        </p:nvSpPr>
+        <p:spPr>
+          <a:xfrm>
+            <a:off x="484632" y="6217920"/>
+            <a:ext cx="4114800" cy="365125"/>
+          </a:xfrm>
+          <a:prstGeom prst="rect">
+            <a:avLst/>
+          </a:prstGeom>
+        </p:spPr>
+        <p:txBody>
+          <a:bodyPr vert="horz" lIns="91440" tIns="45720" rIns="91440" bIns="45720" rtlCol="0">
+            <a:noAutofit/>
+          </a:bodyPr>
+          <a:lstStyle>
+            <a:lvl1pPr marL="228600" indent="-228600" algn="l" defTabSz="914400" rtl="0" eaLnBrk="1" latinLnBrk="0" hangingPunct="1">
+              <a:lnSpc>
+                <a:spcPct val="100000"/>
+              </a:lnSpc>
+              <a:spcBef>
+                <a:spcPts val="0"/>
+              </a:spcBef>
+              <a:spcAft>
+                <a:spcPts val="600"/>
+              </a:spcAft>
+              <a:buFont typeface="Arial" panose="020B0604020202020204" pitchFamily="34" charset="0"/>
+              <a:buChar char="•"/>
+              <a:defRPr sz="1400" b="0" kern="1200">
+                <a:solidFill>
+                  <a:schemeClr val="accent6"/>
+                </a:solidFill>
+                <a:latin typeface="+mn-lt"/>
+                <a:ea typeface="+mn-ea"/>
+                <a:cs typeface="+mn-cs"/>
+              </a:defRPr>
+            </a:lvl1pPr>
+            <a:lvl2pPr marL="685800" indent="-228600" algn="l" defTabSz="914400" rtl="0" eaLnBrk="1" latinLnBrk="0" hangingPunct="1">
+              <a:lnSpc>
+                <a:spcPct val="90000"/>
+              </a:lnSpc>
+              <a:spcBef>
+                <a:spcPts val="500"/>
+              </a:spcBef>
+              <a:buFont typeface="Arial" panose="020B0604020202020204" pitchFamily="34" charset="0"/>
+              <a:buChar char="•"/>
+              <a:defRPr sz="1000" kern="1200">
+                <a:solidFill>
+                  <a:schemeClr val="accent6"/>
+                </a:solidFill>
+                <a:latin typeface="+mn-lt"/>
+                <a:ea typeface="+mn-ea"/>
+                <a:cs typeface="+mn-cs"/>
+              </a:defRPr>
+            </a:lvl2pPr>
+            <a:lvl3pPr marL="1143000" indent="-228600" algn="l" defTabSz="914400" rtl="0" eaLnBrk="1" latinLnBrk="0" hangingPunct="1">
+              <a:lnSpc>
+                <a:spcPct val="90000"/>
+              </a:lnSpc>
+              <a:spcBef>
+                <a:spcPts val="500"/>
+              </a:spcBef>
+              <a:buFont typeface="Arial" panose="020B0604020202020204" pitchFamily="34" charset="0"/>
+              <a:buChar char="•"/>
+              <a:defRPr sz="900" kern="1200">
+                <a:solidFill>
+                  <a:schemeClr val="accent6"/>
+                </a:solidFill>
+                <a:latin typeface="+mn-lt"/>
+                <a:ea typeface="+mn-ea"/>
+                <a:cs typeface="+mn-cs"/>
+              </a:defRPr>
+            </a:lvl3pPr>
+            <a:lvl4pPr marL="1600200" indent="-228600" algn="l" defTabSz="914400" rtl="0" eaLnBrk="1" latinLnBrk="0" hangingPunct="1">
+              <a:lnSpc>
+                <a:spcPct val="90000"/>
+              </a:lnSpc>
+              <a:spcBef>
+                <a:spcPts val="500"/>
+              </a:spcBef>
+              <a:buFont typeface="Arial" panose="020B0604020202020204" pitchFamily="34" charset="0"/>
+              <a:buChar char="•"/>
+              <a:defRPr sz="800" kern="1200">
+                <a:solidFill>
+                  <a:schemeClr val="accent6"/>
+                </a:solidFill>
+                <a:latin typeface="+mn-lt"/>
+                <a:ea typeface="+mn-ea"/>
+                <a:cs typeface="+mn-cs"/>
+              </a:defRPr>
+            </a:lvl4pPr>
+            <a:lvl5pPr marL="2057400" indent="-228600" algn="l" defTabSz="914400" rtl="0" eaLnBrk="1" latinLnBrk="0" hangingPunct="1">
+              <a:lnSpc>
+                <a:spcPct val="90000"/>
+              </a:lnSpc>
+              <a:spcBef>
+                <a:spcPts val="500"/>
+              </a:spcBef>
+              <a:buFont typeface="Arial" panose="020B0604020202020204" pitchFamily="34" charset="0"/>
+              <a:buChar char="•"/>
+              <a:defRPr sz="800" kern="1200">
+                <a:solidFill>
+                  <a:schemeClr val="accent6"/>
+                </a:solidFill>
+                <a:latin typeface="+mn-lt"/>
+                <a:ea typeface="+mn-ea"/>
+                <a:cs typeface="+mn-cs"/>
+              </a:defRPr>
+            </a:lvl5pPr>
+            <a:lvl6pPr marL="2514600" indent="-228600" algn="l" defTabSz="914400" rtl="0" eaLnBrk="1" latinLnBrk="0" hangingPunct="1">
+              <a:lnSpc>
+                <a:spcPct val="90000"/>
+              </a:lnSpc>
+              <a:spcBef>
+                <a:spcPts val="500"/>
+              </a:spcBef>
+              <a:buFont typeface="Arial" panose="020B0604020202020204" pitchFamily="34" charset="0"/>
+              <a:buChar char="•"/>
+              <a:defRPr sz="1800" kern="1200">
+                <a:solidFill>
+                  <a:schemeClr val="tx1"/>
+                </a:solidFill>
+                <a:latin typeface="+mn-lt"/>
+                <a:ea typeface="+mn-ea"/>
+                <a:cs typeface="+mn-cs"/>
+              </a:defRPr>
+            </a:lvl6pPr>
+            <a:lvl7pPr marL="2971800" indent="-228600" algn="l" defTabSz="914400" rtl="0" eaLnBrk="1" latinLnBrk="0" hangingPunct="1">
+              <a:lnSpc>
+                <a:spcPct val="90000"/>
+              </a:lnSpc>
+              <a:spcBef>
+                <a:spcPts val="500"/>
+              </a:spcBef>
+              <a:buFont typeface="Arial" panose="020B0604020202020204" pitchFamily="34" charset="0"/>
+              <a:buChar char="•"/>
+              <a:defRPr sz="1800" kern="1200">
+                <a:solidFill>
+                  <a:schemeClr val="tx1"/>
+                </a:solidFill>
+                <a:latin typeface="+mn-lt"/>
+                <a:ea typeface="+mn-ea"/>
+                <a:cs typeface="+mn-cs"/>
+              </a:defRPr>
+            </a:lvl7pPr>
+            <a:lvl8pPr marL="3429000" indent="-228600" algn="l" defTabSz="914400" rtl="0" eaLnBrk="1" latinLnBrk="0" hangingPunct="1">
+              <a:lnSpc>
+                <a:spcPct val="90000"/>
+              </a:lnSpc>
+              <a:spcBef>
+                <a:spcPts val="500"/>
+              </a:spcBef>
+              <a:buFont typeface="Arial" panose="020B0604020202020204" pitchFamily="34" charset="0"/>
+              <a:buChar char="•"/>
+              <a:defRPr sz="1800" kern="1200">
+                <a:solidFill>
+                  <a:schemeClr val="tx1"/>
+                </a:solidFill>
+                <a:latin typeface="+mn-lt"/>
+                <a:ea typeface="+mn-ea"/>
+                <a:cs typeface="+mn-cs"/>
+              </a:defRPr>
+            </a:lvl8pPr>
+            <a:lvl9pPr marL="3886200" indent="-228600" algn="l" defTabSz="914400" rtl="0" eaLnBrk="1" latinLnBrk="0" hangingPunct="1">
+              <a:lnSpc>
+                <a:spcPct val="90000"/>
+              </a:lnSpc>
+              <a:spcBef>
+                <a:spcPts val="500"/>
+              </a:spcBef>
+              <a:buFont typeface="Arial" panose="020B0604020202020204" pitchFamily="34" charset="0"/>
+              <a:buChar char="•"/>
+              <a:defRPr sz="1800" kern="1200">
+                <a:solidFill>
+                  <a:schemeClr val="tx1"/>
+                </a:solidFill>
+                <a:latin typeface="+mn-lt"/>
+                <a:ea typeface="+mn-ea"/>
+                <a:cs typeface="+mn-cs"/>
+              </a:defRPr>
+            </a:lvl9pPr>
+          </a:lstStyle>
+          <a:p>
+            <a:pPr marL="0" indent="0">
+              <a:buNone/>
+            </a:pPr>
+            <a:r>
+              <a:rPr lang="en-US" altLang="zh-CN" sz="1200" dirty="0"/>
+              <a:t>Churn prediction model</a:t>
+            </a:r>
             <a:endParaRPr lang="en-US" dirty="0"/>
           </a:p>
         </p:txBody>
@@ -33044,6 +33641,26 @@
 </file>
 
 <file path=customXml/item1.xml><?xml version="1.0" encoding="utf-8"?>
+<p:properties xmlns:p="http://schemas.microsoft.com/office/2006/metadata/properties" xmlns:xsi="http://www.w3.org/2001/XMLSchema-instance" xmlns:pc="http://schemas.microsoft.com/office/infopath/2007/PartnerControls">
+  <documentManagement>
+    <_ip_UnifiedCompliancePolicyUIAction xmlns="http://schemas.microsoft.com/sharepoint/v3" xsi:nil="true"/>
+    <Image xmlns="71af3243-3dd4-4a8d-8c0d-dd76da1f02a5">
+      <Url xsi:nil="true"/>
+      <Description xsi:nil="true"/>
+    </Image>
+    <Status xmlns="71af3243-3dd4-4a8d-8c0d-dd76da1f02a5">Not started</Status>
+    <Background xmlns="71af3243-3dd4-4a8d-8c0d-dd76da1f02a5">false</Background>
+    <_ip_UnifiedCompliancePolicyProperties xmlns="http://schemas.microsoft.com/sharepoint/v3" xsi:nil="true"/>
+    <ImageTagsTaxHTField xmlns="71af3243-3dd4-4a8d-8c0d-dd76da1f02a5">
+      <Terms xmlns="http://schemas.microsoft.com/office/infopath/2007/PartnerControls"/>
+    </ImageTagsTaxHTField>
+    <TaxCatchAll xmlns="230e9df3-be65-4c73-a93b-d1236ebd677e" xsi:nil="true"/>
+    <MediaServiceKeyPoints xmlns="71af3243-3dd4-4a8d-8c0d-dd76da1f02a5" xsi:nil="true"/>
+  </documentManagement>
+</p:properties>
+</file>
+
+<file path=customXml/item2.xml><?xml version="1.0" encoding="utf-8"?>
 <ct:contentTypeSchema xmlns:ct="http://schemas.microsoft.com/office/2006/metadata/contentType" xmlns:ma="http://schemas.microsoft.com/office/2006/metadata/properties/metaAttributes" ct:_="" ma:_="" ma:contentTypeName="Document" ma:contentTypeID="0x01010079F111ED35F8CC479449609E8A0923A6" ma:contentTypeVersion="24" ma:contentTypeDescription="Create a new document." ma:contentTypeScope="" ma:versionID="2d714a3296df14eba7a100bb665443ca">
   <xsd:schema xmlns:xsd="http://www.w3.org/2001/XMLSchema" xmlns:xs="http://www.w3.org/2001/XMLSchema" xmlns:p="http://schemas.microsoft.com/office/2006/metadata/properties" xmlns:ns1="http://schemas.microsoft.com/sharepoint/v3" xmlns:ns2="71af3243-3dd4-4a8d-8c0d-dd76da1f02a5" xmlns:ns3="16c05727-aa75-4e4a-9b5f-8a80a1165891" xmlns:ns4="230e9df3-be65-4c73-a93b-d1236ebd677e" targetNamespace="http://schemas.microsoft.com/office/2006/metadata/properties" ma:root="true" ma:fieldsID="49549bf45bfbbfb6cffed527380e77e1" ns1:_="" ns2:_="" ns3:_="" ns4:_="">
     <xsd:import namespace="http://schemas.microsoft.com/sharepoint/v3"/>
@@ -33331,26 +33948,6 @@
 </ct:contentTypeSchema>
 </file>
 
-<file path=customXml/item2.xml><?xml version="1.0" encoding="utf-8"?>
-<p:properties xmlns:p="http://schemas.microsoft.com/office/2006/metadata/properties" xmlns:xsi="http://www.w3.org/2001/XMLSchema-instance" xmlns:pc="http://schemas.microsoft.com/office/infopath/2007/PartnerControls">
-  <documentManagement>
-    <_ip_UnifiedCompliancePolicyUIAction xmlns="http://schemas.microsoft.com/sharepoint/v3" xsi:nil="true"/>
-    <Image xmlns="71af3243-3dd4-4a8d-8c0d-dd76da1f02a5">
-      <Url xsi:nil="true"/>
-      <Description xsi:nil="true"/>
-    </Image>
-    <Status xmlns="71af3243-3dd4-4a8d-8c0d-dd76da1f02a5">Not started</Status>
-    <Background xmlns="71af3243-3dd4-4a8d-8c0d-dd76da1f02a5">false</Background>
-    <_ip_UnifiedCompliancePolicyProperties xmlns="http://schemas.microsoft.com/sharepoint/v3" xsi:nil="true"/>
-    <ImageTagsTaxHTField xmlns="71af3243-3dd4-4a8d-8c0d-dd76da1f02a5">
-      <Terms xmlns="http://schemas.microsoft.com/office/infopath/2007/PartnerControls"/>
-    </ImageTagsTaxHTField>
-    <TaxCatchAll xmlns="230e9df3-be65-4c73-a93b-d1236ebd677e" xsi:nil="true"/>
-    <MediaServiceKeyPoints xmlns="71af3243-3dd4-4a8d-8c0d-dd76da1f02a5" xsi:nil="true"/>
-  </documentManagement>
-</p:properties>
-</file>
-
 <file path=customXml/item3.xml><?xml version="1.0" encoding="utf-8"?>
 <?mso-contentType ?>
 <FormTemplates xmlns="http://schemas.microsoft.com/sharepoint/v3/contenttype/forms">
@@ -33361,6 +33958,18 @@
 </file>
 
 <file path=customXml/itemProps1.xml><?xml version="1.0" encoding="utf-8"?>
+<ds:datastoreItem xmlns:ds="http://schemas.openxmlformats.org/officeDocument/2006/customXml" ds:itemID="{B2C81503-9DEF-42F3-A99B-D5E0223E195B}">
+  <ds:schemaRefs>
+    <ds:schemaRef ds:uri="http://schemas.microsoft.com/office/2006/metadata/properties"/>
+    <ds:schemaRef ds:uri="http://schemas.microsoft.com/office/infopath/2007/PartnerControls"/>
+    <ds:schemaRef ds:uri="http://schemas.microsoft.com/sharepoint/v3"/>
+    <ds:schemaRef ds:uri="71af3243-3dd4-4a8d-8c0d-dd76da1f02a5"/>
+    <ds:schemaRef ds:uri="230e9df3-be65-4c73-a93b-d1236ebd677e"/>
+  </ds:schemaRefs>
+</ds:datastoreItem>
+</file>
+
+<file path=customXml/itemProps2.xml><?xml version="1.0" encoding="utf-8"?>
 <ds:datastoreItem xmlns:ds="http://schemas.openxmlformats.org/officeDocument/2006/customXml" ds:itemID="{76A4D1D3-B327-4D60-927D-26045FF4AF3C}">
   <ds:schemaRefs>
     <ds:schemaRef ds:uri="http://schemas.microsoft.com/office/2006/metadata/contentType"/>
@@ -33381,18 +33990,6 @@
 </ds:datastoreItem>
 </file>
 
-<file path=customXml/itemProps2.xml><?xml version="1.0" encoding="utf-8"?>
-<ds:datastoreItem xmlns:ds="http://schemas.openxmlformats.org/officeDocument/2006/customXml" ds:itemID="{B2C81503-9DEF-42F3-A99B-D5E0223E195B}">
-  <ds:schemaRefs>
-    <ds:schemaRef ds:uri="http://schemas.microsoft.com/office/2006/metadata/properties"/>
-    <ds:schemaRef ds:uri="http://schemas.microsoft.com/office/infopath/2007/PartnerControls"/>
-    <ds:schemaRef ds:uri="http://schemas.microsoft.com/sharepoint/v3"/>
-    <ds:schemaRef ds:uri="71af3243-3dd4-4a8d-8c0d-dd76da1f02a5"/>
-    <ds:schemaRef ds:uri="230e9df3-be65-4c73-a93b-d1236ebd677e"/>
-  </ds:schemaRefs>
-</ds:datastoreItem>
-</file>
-
 <file path=customXml/itemProps3.xml><?xml version="1.0" encoding="utf-8"?>
 <ds:datastoreItem xmlns:ds="http://schemas.openxmlformats.org/officeDocument/2006/customXml" ds:itemID="{6F156100-9533-4411-B0C0-FA18F914F7B6}">
   <ds:schemaRefs>

--- a/Telco churn prediction model presentation.pptx
+++ b/Telco churn prediction model presentation.pptx
@@ -249,7 +249,7 @@
           <a:p>
             <a:fld id="{8CD26A2A-0A96-0647-84E5-C82F2EFD9474}" type="datetimeFigureOut">
               <a:rPr lang="en-US" smtClean="0"/>
-              <a:t>8/14/2023</a:t>
+              <a:t>8/15/2023</a:t>
             </a:fld>
             <a:endParaRPr lang="en-US" dirty="0"/>
           </a:p>
@@ -426,7 +426,7 @@
           <a:p>
             <a:fld id="{A2B40C3B-E28A-4854-8EDA-E7F8F6F6FFEF}" type="datetimeFigureOut">
               <a:rPr lang="zh-CN" altLang="en-US" smtClean="0"/>
-              <a:t>2023/8/14</a:t>
+              <a:t>2023/8/15</a:t>
             </a:fld>
             <a:endParaRPr lang="zh-CN" altLang="en-US"/>
           </a:p>
@@ -23629,10 +23629,10 @@
           <a:lstStyle/>
           <a:p>
             <a:r>
-              <a:rPr lang="en-US" altLang="zh-CN" sz="4800" dirty="0"/>
-              <a:t>Telco churn prediction model</a:t>
+              <a:rPr lang="en-US" altLang="zh-CN" sz="4000" dirty="0"/>
+              <a:t>TELCO CHURN PREDICTION MODEL</a:t>
             </a:r>
-            <a:endParaRPr lang="en-US" sz="4800" dirty="0"/>
+            <a:endParaRPr lang="en-US" sz="4000" dirty="0"/>
           </a:p>
         </p:txBody>
       </p:sp>
@@ -24163,7 +24163,7 @@
           <a:p>
             <a:r>
               <a:rPr lang="en-US" dirty="0"/>
-              <a:t>4. Model</a:t>
+              <a:t>4. MODEL</a:t>
             </a:r>
           </a:p>
         </p:txBody>
@@ -24512,7 +24512,7 @@
           <a:p>
             <a:r>
               <a:rPr lang="en-US" dirty="0"/>
-              <a:t>4. Model</a:t>
+              <a:t>4. MODEL</a:t>
             </a:r>
           </a:p>
         </p:txBody>
@@ -24917,7 +24917,7 @@
           <a:p>
             <a:r>
               <a:rPr lang="en-US" dirty="0"/>
-              <a:t>4. Model</a:t>
+              <a:t>4. MODEL</a:t>
             </a:r>
           </a:p>
         </p:txBody>
@@ -25799,7 +25799,7 @@
           <a:p>
             <a:r>
               <a:rPr lang="en-US" dirty="0"/>
-              <a:t>4. Model</a:t>
+              <a:t>4. MODEL</a:t>
             </a:r>
           </a:p>
         </p:txBody>
@@ -26414,7 +26414,7 @@
           <a:p>
             <a:r>
               <a:rPr lang="en-US" dirty="0"/>
-              <a:t>4. Model</a:t>
+              <a:t>4. MODEL</a:t>
             </a:r>
           </a:p>
         </p:txBody>
@@ -27142,7 +27142,7 @@
           <a:p>
             <a:r>
               <a:rPr lang="en-US" dirty="0"/>
-              <a:t>5. Future work</a:t>
+              <a:t>5. FUTURE WORK</a:t>
             </a:r>
           </a:p>
         </p:txBody>
@@ -27432,7 +27432,7 @@
           <a:p>
             <a:r>
               <a:rPr lang="en-US" dirty="0"/>
-              <a:t>End of this presentation</a:t>
+              <a:t>END OF PRESENTATION</a:t>
             </a:r>
           </a:p>
         </p:txBody>
@@ -27615,7 +27615,7 @@
           <a:p>
             <a:r>
               <a:rPr lang="en-US" dirty="0"/>
-              <a:t>6. Reference</a:t>
+              <a:t>6. REFERENCE</a:t>
             </a:r>
           </a:p>
         </p:txBody>
@@ -28273,7 +28273,7 @@
           <a:p>
             <a:r>
               <a:rPr lang="en-US" dirty="0"/>
-              <a:t>7. About me</a:t>
+              <a:t>7. ABOUT ME</a:t>
             </a:r>
           </a:p>
         </p:txBody>
@@ -28356,212 +28356,6 @@
           </a:p>
         </p:txBody>
       </p:sp>
-      <p:sp>
-        <p:nvSpPr>
-          <p:cNvPr id="13" name="Footer Placeholder 4">
-            <a:extLst>
-              <a:ext uri="{FF2B5EF4-FFF2-40B4-BE49-F238E27FC236}">
-                <a16:creationId xmlns:a16="http://schemas.microsoft.com/office/drawing/2014/main" id="{A2EEBB96-35E2-4DC7-A563-F42112594F74}"/>
-              </a:ext>
-            </a:extLst>
-          </p:cNvPr>
-          <p:cNvSpPr txBox="1">
-            <a:spLocks/>
-          </p:cNvSpPr>
-          <p:nvPr/>
-        </p:nvSpPr>
-        <p:spPr>
-          <a:xfrm>
-            <a:off x="484632" y="6217920"/>
-            <a:ext cx="4114800" cy="365125"/>
-          </a:xfrm>
-          <a:prstGeom prst="rect">
-            <a:avLst/>
-          </a:prstGeom>
-        </p:spPr>
-        <p:txBody>
-          <a:bodyPr vert="horz" lIns="91440" tIns="45720" rIns="91440" bIns="45720" rtlCol="0">
-            <a:noAutofit/>
-          </a:bodyPr>
-          <a:lstStyle>
-            <a:lvl1pPr marL="228600" indent="-228600" algn="l" defTabSz="914400" rtl="0" eaLnBrk="1" latinLnBrk="0" hangingPunct="1">
-              <a:lnSpc>
-                <a:spcPct val="100000"/>
-              </a:lnSpc>
-              <a:spcBef>
-                <a:spcPts val="0"/>
-              </a:spcBef>
-              <a:spcAft>
-                <a:spcPts val="600"/>
-              </a:spcAft>
-              <a:buFont typeface="Arial" panose="020B0604020202020204" pitchFamily="34" charset="0"/>
-              <a:buChar char="•"/>
-              <a:defRPr sz="1400" b="0" kern="1200">
-                <a:solidFill>
-                  <a:schemeClr val="accent6"/>
-                </a:solidFill>
-                <a:latin typeface="+mn-lt"/>
-                <a:ea typeface="+mn-ea"/>
-                <a:cs typeface="+mn-cs"/>
-              </a:defRPr>
-            </a:lvl1pPr>
-            <a:lvl2pPr marL="685800" indent="-228600" algn="l" defTabSz="914400" rtl="0" eaLnBrk="1" latinLnBrk="0" hangingPunct="1">
-              <a:lnSpc>
-                <a:spcPct val="90000"/>
-              </a:lnSpc>
-              <a:spcBef>
-                <a:spcPts val="500"/>
-              </a:spcBef>
-              <a:buFont typeface="Arial" panose="020B0604020202020204" pitchFamily="34" charset="0"/>
-              <a:buChar char="•"/>
-              <a:defRPr sz="1000" kern="1200">
-                <a:solidFill>
-                  <a:schemeClr val="accent6"/>
-                </a:solidFill>
-                <a:latin typeface="+mn-lt"/>
-                <a:ea typeface="+mn-ea"/>
-                <a:cs typeface="+mn-cs"/>
-              </a:defRPr>
-            </a:lvl2pPr>
-            <a:lvl3pPr marL="1143000" indent="-228600" algn="l" defTabSz="914400" rtl="0" eaLnBrk="1" latinLnBrk="0" hangingPunct="1">
-              <a:lnSpc>
-                <a:spcPct val="90000"/>
-              </a:lnSpc>
-              <a:spcBef>
-                <a:spcPts val="500"/>
-              </a:spcBef>
-              <a:buFont typeface="Arial" panose="020B0604020202020204" pitchFamily="34" charset="0"/>
-              <a:buChar char="•"/>
-              <a:defRPr sz="900" kern="1200">
-                <a:solidFill>
-                  <a:schemeClr val="accent6"/>
-                </a:solidFill>
-                <a:latin typeface="+mn-lt"/>
-                <a:ea typeface="+mn-ea"/>
-                <a:cs typeface="+mn-cs"/>
-              </a:defRPr>
-            </a:lvl3pPr>
-            <a:lvl4pPr marL="1600200" indent="-228600" algn="l" defTabSz="914400" rtl="0" eaLnBrk="1" latinLnBrk="0" hangingPunct="1">
-              <a:lnSpc>
-                <a:spcPct val="90000"/>
-              </a:lnSpc>
-              <a:spcBef>
-                <a:spcPts val="500"/>
-              </a:spcBef>
-              <a:buFont typeface="Arial" panose="020B0604020202020204" pitchFamily="34" charset="0"/>
-              <a:buChar char="•"/>
-              <a:defRPr sz="800" kern="1200">
-                <a:solidFill>
-                  <a:schemeClr val="accent6"/>
-                </a:solidFill>
-                <a:latin typeface="+mn-lt"/>
-                <a:ea typeface="+mn-ea"/>
-                <a:cs typeface="+mn-cs"/>
-              </a:defRPr>
-            </a:lvl4pPr>
-            <a:lvl5pPr marL="2057400" indent="-228600" algn="l" defTabSz="914400" rtl="0" eaLnBrk="1" latinLnBrk="0" hangingPunct="1">
-              <a:lnSpc>
-                <a:spcPct val="90000"/>
-              </a:lnSpc>
-              <a:spcBef>
-                <a:spcPts val="500"/>
-              </a:spcBef>
-              <a:buFont typeface="Arial" panose="020B0604020202020204" pitchFamily="34" charset="0"/>
-              <a:buChar char="•"/>
-              <a:defRPr sz="800" kern="1200">
-                <a:solidFill>
-                  <a:schemeClr val="accent6"/>
-                </a:solidFill>
-                <a:latin typeface="+mn-lt"/>
-                <a:ea typeface="+mn-ea"/>
-                <a:cs typeface="+mn-cs"/>
-              </a:defRPr>
-            </a:lvl5pPr>
-            <a:lvl6pPr marL="2514600" indent="-228600" algn="l" defTabSz="914400" rtl="0" eaLnBrk="1" latinLnBrk="0" hangingPunct="1">
-              <a:lnSpc>
-                <a:spcPct val="90000"/>
-              </a:lnSpc>
-              <a:spcBef>
-                <a:spcPts val="500"/>
-              </a:spcBef>
-              <a:buFont typeface="Arial" panose="020B0604020202020204" pitchFamily="34" charset="0"/>
-              <a:buChar char="•"/>
-              <a:defRPr sz="1800" kern="1200">
-                <a:solidFill>
-                  <a:schemeClr val="tx1"/>
-                </a:solidFill>
-                <a:latin typeface="+mn-lt"/>
-                <a:ea typeface="+mn-ea"/>
-                <a:cs typeface="+mn-cs"/>
-              </a:defRPr>
-            </a:lvl6pPr>
-            <a:lvl7pPr marL="2971800" indent="-228600" algn="l" defTabSz="914400" rtl="0" eaLnBrk="1" latinLnBrk="0" hangingPunct="1">
-              <a:lnSpc>
-                <a:spcPct val="90000"/>
-              </a:lnSpc>
-              <a:spcBef>
-                <a:spcPts val="500"/>
-              </a:spcBef>
-              <a:buFont typeface="Arial" panose="020B0604020202020204" pitchFamily="34" charset="0"/>
-              <a:buChar char="•"/>
-              <a:defRPr sz="1800" kern="1200">
-                <a:solidFill>
-                  <a:schemeClr val="tx1"/>
-                </a:solidFill>
-                <a:latin typeface="+mn-lt"/>
-                <a:ea typeface="+mn-ea"/>
-                <a:cs typeface="+mn-cs"/>
-              </a:defRPr>
-            </a:lvl7pPr>
-            <a:lvl8pPr marL="3429000" indent="-228600" algn="l" defTabSz="914400" rtl="0" eaLnBrk="1" latinLnBrk="0" hangingPunct="1">
-              <a:lnSpc>
-                <a:spcPct val="90000"/>
-              </a:lnSpc>
-              <a:spcBef>
-                <a:spcPts val="500"/>
-              </a:spcBef>
-              <a:buFont typeface="Arial" panose="020B0604020202020204" pitchFamily="34" charset="0"/>
-              <a:buChar char="•"/>
-              <a:defRPr sz="1800" kern="1200">
-                <a:solidFill>
-                  <a:schemeClr val="tx1"/>
-                </a:solidFill>
-                <a:latin typeface="+mn-lt"/>
-                <a:ea typeface="+mn-ea"/>
-                <a:cs typeface="+mn-cs"/>
-              </a:defRPr>
-            </a:lvl8pPr>
-            <a:lvl9pPr marL="3886200" indent="-228600" algn="l" defTabSz="914400" rtl="0" eaLnBrk="1" latinLnBrk="0" hangingPunct="1">
-              <a:lnSpc>
-                <a:spcPct val="90000"/>
-              </a:lnSpc>
-              <a:spcBef>
-                <a:spcPts val="500"/>
-              </a:spcBef>
-              <a:buFont typeface="Arial" panose="020B0604020202020204" pitchFamily="34" charset="0"/>
-              <a:buChar char="•"/>
-              <a:defRPr sz="1800" kern="1200">
-                <a:solidFill>
-                  <a:schemeClr val="tx1"/>
-                </a:solidFill>
-                <a:latin typeface="+mn-lt"/>
-                <a:ea typeface="+mn-ea"/>
-                <a:cs typeface="+mn-cs"/>
-              </a:defRPr>
-            </a:lvl9pPr>
-          </a:lstStyle>
-          <a:p>
-            <a:pPr marL="0" indent="0">
-              <a:buNone/>
-            </a:pPr>
-            <a:r>
-              <a:rPr lang="en-US" altLang="zh-CN" sz="1200" dirty="0"/>
-              <a:t>Churn prediction model</a:t>
-            </a:r>
-            <a:endParaRPr lang="en-US" dirty="0"/>
-          </a:p>
-        </p:txBody>
-      </p:sp>
     </p:spTree>
     <p:extLst>
       <p:ext uri="{BB962C8B-B14F-4D97-AF65-F5344CB8AC3E}">
@@ -28685,7 +28479,7 @@
         <p:spPr>
           <a:xfrm>
             <a:off x="581710" y="1390243"/>
-            <a:ext cx="4940202" cy="3970318"/>
+            <a:ext cx="4940202" cy="4524315"/>
           </a:xfrm>
           <a:prstGeom prst="rect">
             <a:avLst/>
@@ -28729,16 +28523,13 @@
               <a:buFont typeface="Arial" panose="020B0604020202020204" pitchFamily="34" charset="0"/>
               <a:buChar char="•"/>
             </a:pPr>
-            <a:r>
-              <a:rPr lang="en-US" b="0" i="0" dirty="0">
-                <a:solidFill>
-                  <a:srgbClr val="1F1F1F"/>
-                </a:solidFill>
-                <a:effectLst/>
-                <a:latin typeface="Abadi (Body)"/>
-              </a:rPr>
-              <a:t>Why does churn prediction matter?</a:t>
-            </a:r>
+            <a:endParaRPr lang="en-US" b="0" i="0" dirty="0">
+              <a:solidFill>
+                <a:srgbClr val="1F1F1F"/>
+              </a:solidFill>
+              <a:effectLst/>
+              <a:latin typeface="Abadi (Body)"/>
+            </a:endParaRPr>
           </a:p>
           <a:p>
             <a:pPr algn="l"/>
@@ -28802,6 +28593,19 @@
             </a:r>
           </a:p>
           <a:p>
+            <a:pPr marL="742950" lvl="1" indent="-285750" algn="l">
+              <a:buFont typeface="Arial" panose="020B0604020202020204" pitchFamily="34" charset="0"/>
+              <a:buChar char="•"/>
+            </a:pPr>
+            <a:endParaRPr lang="en-US" b="0" i="0" dirty="0">
+              <a:solidFill>
+                <a:srgbClr val="1F1F1F"/>
+              </a:solidFill>
+              <a:effectLst/>
+              <a:latin typeface="Abadi (Body)"/>
+            </a:endParaRPr>
+          </a:p>
+          <a:p>
             <a:pPr algn="l"/>
             <a:r>
               <a:rPr lang="en-US" b="1" i="0" dirty="0">
@@ -28845,6 +28649,12 @@
               </a:rPr>
               <a:t>Features</a:t>
             </a:r>
+          </a:p>
+          <a:p>
+            <a:pPr marL="742950" lvl="1" indent="-285750" algn="l">
+              <a:buFont typeface="Arial" panose="020B0604020202020204" pitchFamily="34" charset="0"/>
+              <a:buChar char="•"/>
+            </a:pPr>
             <a:endParaRPr lang="en-US" dirty="0">
               <a:solidFill>
                 <a:srgbClr val="1F1F1F"/>
@@ -28958,7 +28768,7 @@
         <p:spPr>
           <a:xfrm>
             <a:off x="5632660" y="1390243"/>
-            <a:ext cx="4940202" cy="2308324"/>
+            <a:ext cx="4940202" cy="2585323"/>
           </a:xfrm>
           <a:prstGeom prst="rect">
             <a:avLst/>
@@ -29046,6 +28856,19 @@
             </a:r>
           </a:p>
           <a:p>
+            <a:pPr marL="742950" lvl="1" indent="-285750">
+              <a:buFont typeface="Arial" panose="020B0604020202020204" pitchFamily="34" charset="0"/>
+              <a:buChar char="•"/>
+            </a:pPr>
+            <a:endParaRPr lang="en-US" b="0" i="0" dirty="0">
+              <a:solidFill>
+                <a:srgbClr val="1F1F1F"/>
+              </a:solidFill>
+              <a:effectLst/>
+              <a:latin typeface="Abadi (Body)"/>
+            </a:endParaRPr>
+          </a:p>
+          <a:p>
             <a:pPr marL="342900" indent="-342900" algn="l">
               <a:buFont typeface="+mj-lt"/>
               <a:buAutoNum type="arabicPeriod" startAt="5"/>
@@ -29123,7 +28946,7 @@
           <a:p>
             <a:r>
               <a:rPr lang="en-US" dirty="0"/>
-              <a:t>Table of content</a:t>
+              <a:t>TABLE OF CONTENT</a:t>
             </a:r>
           </a:p>
         </p:txBody>
@@ -29331,117 +29154,6 @@
       </p:sp>
       <p:sp>
         <p:nvSpPr>
-          <p:cNvPr id="6" name="TextBox 5">
-            <a:extLst>
-              <a:ext uri="{FF2B5EF4-FFF2-40B4-BE49-F238E27FC236}">
-                <a16:creationId xmlns:a16="http://schemas.microsoft.com/office/drawing/2014/main" id="{11E0330F-C1CE-4A34-BC83-09126FC6CB8C}"/>
-              </a:ext>
-            </a:extLst>
-          </p:cNvPr>
-          <p:cNvSpPr txBox="1"/>
-          <p:nvPr/>
-        </p:nvSpPr>
-        <p:spPr>
-          <a:xfrm>
-            <a:off x="5598112" y="1390242"/>
-            <a:ext cx="4714043" cy="3693319"/>
-          </a:xfrm>
-          <a:prstGeom prst="rect">
-            <a:avLst/>
-          </a:prstGeom>
-        </p:spPr>
-        <p:txBody>
-          <a:bodyPr wrap="square" rtlCol="0">
-            <a:spAutoFit/>
-          </a:bodyPr>
-          <a:lstStyle/>
-          <a:p>
-            <a:pPr algn="l"/>
-            <a:r>
-              <a:rPr lang="en-US" b="1" dirty="0">
-                <a:solidFill>
-                  <a:srgbClr val="1F1F1F"/>
-                </a:solidFill>
-                <a:latin typeface="Abadi (Body)"/>
-              </a:rPr>
-              <a:t>1.2 </a:t>
-            </a:r>
-            <a:r>
-              <a:rPr lang="en-US" b="1" i="0" dirty="0">
-                <a:solidFill>
-                  <a:srgbClr val="1F1F1F"/>
-                </a:solidFill>
-                <a:effectLst/>
-                <a:latin typeface="Abadi (Body)"/>
-              </a:rPr>
-              <a:t>Why does churn prediction matter?</a:t>
-            </a:r>
-          </a:p>
-          <a:p>
-            <a:pPr marL="285750" indent="-285750" algn="l">
-              <a:buFont typeface="Arial" panose="020B0604020202020204" pitchFamily="34" charset="0"/>
-              <a:buChar char="•"/>
-            </a:pPr>
-            <a:endParaRPr lang="en-US" b="0" i="0" dirty="0">
-              <a:solidFill>
-                <a:srgbClr val="1F1F1F"/>
-              </a:solidFill>
-              <a:effectLst/>
-              <a:latin typeface="Abadi (Body)"/>
-            </a:endParaRPr>
-          </a:p>
-          <a:p>
-            <a:pPr marL="285750" indent="-285750" algn="l">
-              <a:buFont typeface="Arial" panose="020B0604020202020204" pitchFamily="34" charset="0"/>
-              <a:buChar char="•"/>
-            </a:pPr>
-            <a:r>
-              <a:rPr lang="en-US" b="0" i="0" dirty="0">
-                <a:solidFill>
-                  <a:srgbClr val="1F1F1F"/>
-                </a:solidFill>
-                <a:effectLst/>
-                <a:latin typeface="Abadi (Body)"/>
-              </a:rPr>
-              <a:t>Churn prediction can help businesses identify customers who are at risk of leaving.</a:t>
-            </a:r>
-          </a:p>
-          <a:p>
-            <a:pPr marL="285750" indent="-285750" algn="l">
-              <a:buFont typeface="Arial" panose="020B0604020202020204" pitchFamily="34" charset="0"/>
-              <a:buChar char="•"/>
-            </a:pPr>
-            <a:r>
-              <a:rPr lang="en-US" b="0" i="0" dirty="0">
-                <a:solidFill>
-                  <a:srgbClr val="1F1F1F"/>
-                </a:solidFill>
-                <a:effectLst/>
-                <a:latin typeface="Abadi (Body)"/>
-              </a:rPr>
-              <a:t>This allows businesses to take action to retain those customers, such as offering them discounts or special promotions.</a:t>
-            </a:r>
-          </a:p>
-          <a:p>
-            <a:pPr marL="285750" indent="-285750" algn="l">
-              <a:buFont typeface="Arial" panose="020B0604020202020204" pitchFamily="34" charset="0"/>
-              <a:buChar char="•"/>
-            </a:pPr>
-            <a:r>
-              <a:rPr lang="en-US" b="0" i="0" dirty="0">
-                <a:solidFill>
-                  <a:srgbClr val="1F1F1F"/>
-                </a:solidFill>
-                <a:effectLst/>
-                <a:latin typeface="Abadi (Body)"/>
-              </a:rPr>
-              <a:t>Churn prediction can also help businesses to identify trends in customer behavior that may lead to churn, so that they can address those issues before they cause customers to leave.</a:t>
-            </a:r>
-          </a:p>
-        </p:txBody>
-      </p:sp>
-      <p:sp>
-        <p:nvSpPr>
           <p:cNvPr id="17" name="Title 11">
             <a:extLst>
               <a:ext uri="{FF2B5EF4-FFF2-40B4-BE49-F238E27FC236}">
@@ -29468,7 +29180,7 @@
           <a:p>
             <a:r>
               <a:rPr lang="en-US" dirty="0"/>
-              <a:t>1. Business problem</a:t>
+              <a:t>1. BUSINESS PROBLEM</a:t>
             </a:r>
           </a:p>
         </p:txBody>
@@ -29487,8 +29199,8 @@
         </p:nvSpPr>
         <p:spPr>
           <a:xfrm>
-            <a:off x="581710" y="1390243"/>
-            <a:ext cx="4940202" cy="3693319"/>
+            <a:off x="581709" y="1390243"/>
+            <a:ext cx="7683402" cy="2585323"/>
           </a:xfrm>
           <a:prstGeom prst="rect">
             <a:avLst/>
@@ -29751,14 +29463,14 @@
           <p:nvPr>
             <p:extLst>
               <p:ext uri="{D42A27DB-BD31-4B8C-83A1-F6EECF244321}">
-                <p14:modId xmlns:p14="http://schemas.microsoft.com/office/powerpoint/2010/main" val="4055929622"/>
+                <p14:modId xmlns:p14="http://schemas.microsoft.com/office/powerpoint/2010/main" val="1267021961"/>
               </p:ext>
             </p:extLst>
           </p:nvPr>
         </p:nvGraphicFramePr>
         <p:xfrm>
-          <a:off x="5571557" y="1588303"/>
-          <a:ext cx="6081204" cy="2743200"/>
+          <a:off x="6285391" y="1588302"/>
+          <a:ext cx="5367372" cy="3187884"/>
         </p:xfrm>
         <a:graphic>
           <a:graphicData uri="http://schemas.openxmlformats.org/drawingml/2006/table">
@@ -29767,21 +29479,21 @@
                 <a:tableStyleId>{5C22544A-7EE6-4342-B048-85BDC9FD1C3A}</a:tableStyleId>
               </a:tblPr>
               <a:tblGrid>
-                <a:gridCol w="2027068">
+                <a:gridCol w="1789124">
                   <a:extLst>
                     <a:ext uri="{9D8B030D-6E8A-4147-A177-3AD203B41FA5}">
                       <a16:colId xmlns:a16="http://schemas.microsoft.com/office/drawing/2014/main" val="2870827972"/>
                     </a:ext>
                   </a:extLst>
                 </a:gridCol>
-                <a:gridCol w="2027068">
+                <a:gridCol w="1789124">
                   <a:extLst>
                     <a:ext uri="{9D8B030D-6E8A-4147-A177-3AD203B41FA5}">
                       <a16:colId xmlns:a16="http://schemas.microsoft.com/office/drawing/2014/main" val="3606999241"/>
                     </a:ext>
                   </a:extLst>
                 </a:gridCol>
-                <a:gridCol w="2027068">
+                <a:gridCol w="1789124">
                   <a:extLst>
                     <a:ext uri="{9D8B030D-6E8A-4147-A177-3AD203B41FA5}">
                       <a16:colId xmlns:a16="http://schemas.microsoft.com/office/drawing/2014/main" val="619952824"/>
@@ -29789,7 +29501,7 @@
                   </a:extLst>
                 </a:gridCol>
               </a:tblGrid>
-              <a:tr h="0">
+              <a:tr h="390353">
                 <a:tc>
                   <a:txBody>
                     <a:bodyPr/>
@@ -29841,7 +29553,7 @@
                   </a:ext>
                 </a:extLst>
               </a:tr>
-              <a:tr h="0">
+              <a:tr h="585530">
                 <a:tc>
                   <a:txBody>
                     <a:bodyPr/>
@@ -29896,7 +29608,7 @@
                   </a:ext>
                 </a:extLst>
               </a:tr>
-              <a:tr h="0">
+              <a:tr h="845765">
                 <a:tc>
                   <a:txBody>
                     <a:bodyPr/>
@@ -29951,7 +29663,7 @@
                   </a:ext>
                 </a:extLst>
               </a:tr>
-              <a:tr h="0">
+              <a:tr h="1366236">
                 <a:tc>
                   <a:txBody>
                     <a:bodyPr/>
@@ -30029,7 +29741,7 @@
         <p:spPr>
           <a:xfrm>
             <a:off x="581709" y="274955"/>
-            <a:ext cx="7019241" cy="673368"/>
+            <a:ext cx="8260450" cy="673368"/>
           </a:xfrm>
         </p:spPr>
         <p:txBody>
@@ -30038,7 +29750,7 @@
           <a:p>
             <a:r>
               <a:rPr lang="en-US" dirty="0"/>
-              <a:t>2. How to solve this problem</a:t>
+              <a:t>2. HOW TO SOLVE THIS PROBLEM</a:t>
             </a:r>
           </a:p>
         </p:txBody>
@@ -30058,7 +29770,7 @@
         <p:spPr>
           <a:xfrm>
             <a:off x="581710" y="1390243"/>
-            <a:ext cx="4940202" cy="3139321"/>
+            <a:ext cx="5514290" cy="3970318"/>
           </a:xfrm>
           <a:prstGeom prst="rect">
             <a:avLst/>
@@ -30227,6 +29939,38 @@
                 <a:latin typeface="Abadi (Body)"/>
               </a:rPr>
               <a:t>usiness use churn prediction to predicts who are at risk of churning. </a:t>
+            </a:r>
+          </a:p>
+          <a:p>
+            <a:pPr marL="285750" indent="-285750" algn="l">
+              <a:buFont typeface="Arial" panose="020B0604020202020204" pitchFamily="34" charset="0"/>
+              <a:buChar char="•"/>
+            </a:pPr>
+            <a:r>
+              <a:rPr lang="en-US" b="0" i="0" dirty="0">
+                <a:solidFill>
+                  <a:srgbClr val="1F1F1F"/>
+                </a:solidFill>
+                <a:effectLst/>
+                <a:latin typeface="Abadi (Body)"/>
+              </a:rPr>
+              <a:t>Churn prediction can help businesses identify customers who are at risk of leaving.</a:t>
+            </a:r>
+          </a:p>
+          <a:p>
+            <a:pPr marL="285750" indent="-285750" algn="l">
+              <a:buFont typeface="Arial" panose="020B0604020202020204" pitchFamily="34" charset="0"/>
+              <a:buChar char="•"/>
+            </a:pPr>
+            <a:r>
+              <a:rPr lang="en-US" b="0" i="0" dirty="0">
+                <a:solidFill>
+                  <a:srgbClr val="1F1F1F"/>
+                </a:solidFill>
+                <a:effectLst/>
+                <a:latin typeface="Abadi (Body)"/>
+              </a:rPr>
+              <a:t>This allows businesses to take action to retain those customers, such as offering them discounts or special promotions.</a:t>
             </a:r>
           </a:p>
         </p:txBody>
@@ -30426,7 +30170,7 @@
           <a:p>
             <a:r>
               <a:rPr lang="en-US" dirty="0"/>
-              <a:t>3. Data</a:t>
+              <a:t>3. DATA</a:t>
             </a:r>
           </a:p>
         </p:txBody>
@@ -30663,7 +30407,26 @@
                 <a:effectLst/>
                 <a:latin typeface="Abadi (Body)"/>
               </a:rPr>
-              <a:t>The dataset contains 22 features, which can be categorized into four groups: </a:t>
+              <a:t>The dataset contains 22 features, which can be categorized into </a:t>
+            </a:r>
+            <a:r>
+              <a:rPr lang="en-US" dirty="0">
+                <a:solidFill>
+                  <a:srgbClr val="1F1F1F"/>
+                </a:solidFill>
+                <a:latin typeface="Abadi (Body)"/>
+              </a:rPr>
+              <a:t>3 </a:t>
+            </a:r>
+            <a:r>
+              <a:rPr lang="en-US" b="0" i="0" dirty="0">
+                <a:solidFill>
+                  <a:srgbClr val="1F1F1F"/>
+                </a:solidFill>
+                <a:effectLst/>
+                <a:latin typeface="Abadi (Body)"/>
+              </a:rPr>
+              <a:t>groups: </a:t>
             </a:r>
           </a:p>
           <a:p>
@@ -30686,10 +30449,10 @@
       </p:sp>
       <p:sp>
         <p:nvSpPr>
-          <p:cNvPr id="15" name="TextBox 14">
-            <a:extLst>
-              <a:ext uri="{FF2B5EF4-FFF2-40B4-BE49-F238E27FC236}">
-                <a16:creationId xmlns:a16="http://schemas.microsoft.com/office/drawing/2014/main" id="{B55D5260-3663-49C5-8148-6A112586CD6B}"/>
+          <p:cNvPr id="9" name="TextBox 8">
+            <a:extLst>
+              <a:ext uri="{FF2B5EF4-FFF2-40B4-BE49-F238E27FC236}">
+                <a16:creationId xmlns:a16="http://schemas.microsoft.com/office/drawing/2014/main" id="{8E9F0913-148B-439A-86C7-D3384EBB9A63}"/>
               </a:ext>
             </a:extLst>
           </p:cNvPr>
@@ -30698,7 +30461,7 @@
         </p:nvSpPr>
         <p:spPr>
           <a:xfrm>
-            <a:off x="5598112" y="1390242"/>
+            <a:off x="5598112" y="1949537"/>
             <a:ext cx="4714043" cy="2308324"/>
           </a:xfrm>
           <a:prstGeom prst="rect">
@@ -31432,7 +31195,7 @@
           <a:p>
             <a:r>
               <a:rPr lang="en-US" dirty="0"/>
-              <a:t>4. Solution</a:t>
+              <a:t>4. SOLUTION</a:t>
             </a:r>
           </a:p>
         </p:txBody>
@@ -31744,7 +31507,7 @@
           <a:p>
             <a:r>
               <a:rPr lang="en-US" dirty="0"/>
-              <a:t>4. Solution</a:t>
+              <a:t>4. SOLUTION</a:t>
             </a:r>
           </a:p>
         </p:txBody>
@@ -32167,7 +31930,7 @@
           <a:p>
             <a:r>
               <a:rPr lang="en-US" dirty="0"/>
-              <a:t>4. Solution</a:t>
+              <a:t>4. SOLUTION</a:t>
             </a:r>
           </a:p>
         </p:txBody>
@@ -32745,7 +32508,7 @@
           <a:p>
             <a:r>
               <a:rPr lang="en-US" dirty="0"/>
-              <a:t>End of business session</a:t>
+              <a:t>END OF BUSINESS SESSION</a:t>
             </a:r>
           </a:p>
         </p:txBody>
@@ -33641,26 +33404,6 @@
 </file>
 
 <file path=customXml/item1.xml><?xml version="1.0" encoding="utf-8"?>
-<p:properties xmlns:p="http://schemas.microsoft.com/office/2006/metadata/properties" xmlns:xsi="http://www.w3.org/2001/XMLSchema-instance" xmlns:pc="http://schemas.microsoft.com/office/infopath/2007/PartnerControls">
-  <documentManagement>
-    <_ip_UnifiedCompliancePolicyUIAction xmlns="http://schemas.microsoft.com/sharepoint/v3" xsi:nil="true"/>
-    <Image xmlns="71af3243-3dd4-4a8d-8c0d-dd76da1f02a5">
-      <Url xsi:nil="true"/>
-      <Description xsi:nil="true"/>
-    </Image>
-    <Status xmlns="71af3243-3dd4-4a8d-8c0d-dd76da1f02a5">Not started</Status>
-    <Background xmlns="71af3243-3dd4-4a8d-8c0d-dd76da1f02a5">false</Background>
-    <_ip_UnifiedCompliancePolicyProperties xmlns="http://schemas.microsoft.com/sharepoint/v3" xsi:nil="true"/>
-    <ImageTagsTaxHTField xmlns="71af3243-3dd4-4a8d-8c0d-dd76da1f02a5">
-      <Terms xmlns="http://schemas.microsoft.com/office/infopath/2007/PartnerControls"/>
-    </ImageTagsTaxHTField>
-    <TaxCatchAll xmlns="230e9df3-be65-4c73-a93b-d1236ebd677e" xsi:nil="true"/>
-    <MediaServiceKeyPoints xmlns="71af3243-3dd4-4a8d-8c0d-dd76da1f02a5" xsi:nil="true"/>
-  </documentManagement>
-</p:properties>
-</file>
-
-<file path=customXml/item2.xml><?xml version="1.0" encoding="utf-8"?>
 <ct:contentTypeSchema xmlns:ct="http://schemas.microsoft.com/office/2006/metadata/contentType" xmlns:ma="http://schemas.microsoft.com/office/2006/metadata/properties/metaAttributes" ct:_="" ma:_="" ma:contentTypeName="Document" ma:contentTypeID="0x01010079F111ED35F8CC479449609E8A0923A6" ma:contentTypeVersion="24" ma:contentTypeDescription="Create a new document." ma:contentTypeScope="" ma:versionID="2d714a3296df14eba7a100bb665443ca">
   <xsd:schema xmlns:xsd="http://www.w3.org/2001/XMLSchema" xmlns:xs="http://www.w3.org/2001/XMLSchema" xmlns:p="http://schemas.microsoft.com/office/2006/metadata/properties" xmlns:ns1="http://schemas.microsoft.com/sharepoint/v3" xmlns:ns2="71af3243-3dd4-4a8d-8c0d-dd76da1f02a5" xmlns:ns3="16c05727-aa75-4e4a-9b5f-8a80a1165891" xmlns:ns4="230e9df3-be65-4c73-a93b-d1236ebd677e" targetNamespace="http://schemas.microsoft.com/office/2006/metadata/properties" ma:root="true" ma:fieldsID="49549bf45bfbbfb6cffed527380e77e1" ns1:_="" ns2:_="" ns3:_="" ns4:_="">
     <xsd:import namespace="http://schemas.microsoft.com/sharepoint/v3"/>
@@ -33948,6 +33691,26 @@
 </ct:contentTypeSchema>
 </file>
 
+<file path=customXml/item2.xml><?xml version="1.0" encoding="utf-8"?>
+<p:properties xmlns:p="http://schemas.microsoft.com/office/2006/metadata/properties" xmlns:xsi="http://www.w3.org/2001/XMLSchema-instance" xmlns:pc="http://schemas.microsoft.com/office/infopath/2007/PartnerControls">
+  <documentManagement>
+    <_ip_UnifiedCompliancePolicyUIAction xmlns="http://schemas.microsoft.com/sharepoint/v3" xsi:nil="true"/>
+    <Image xmlns="71af3243-3dd4-4a8d-8c0d-dd76da1f02a5">
+      <Url xsi:nil="true"/>
+      <Description xsi:nil="true"/>
+    </Image>
+    <Status xmlns="71af3243-3dd4-4a8d-8c0d-dd76da1f02a5">Not started</Status>
+    <Background xmlns="71af3243-3dd4-4a8d-8c0d-dd76da1f02a5">false</Background>
+    <_ip_UnifiedCompliancePolicyProperties xmlns="http://schemas.microsoft.com/sharepoint/v3" xsi:nil="true"/>
+    <ImageTagsTaxHTField xmlns="71af3243-3dd4-4a8d-8c0d-dd76da1f02a5">
+      <Terms xmlns="http://schemas.microsoft.com/office/infopath/2007/PartnerControls"/>
+    </ImageTagsTaxHTField>
+    <TaxCatchAll xmlns="230e9df3-be65-4c73-a93b-d1236ebd677e" xsi:nil="true"/>
+    <MediaServiceKeyPoints xmlns="71af3243-3dd4-4a8d-8c0d-dd76da1f02a5" xsi:nil="true"/>
+  </documentManagement>
+</p:properties>
+</file>
+
 <file path=customXml/item3.xml><?xml version="1.0" encoding="utf-8"?>
 <?mso-contentType ?>
 <FormTemplates xmlns="http://schemas.microsoft.com/sharepoint/v3/contenttype/forms">
@@ -33958,18 +33721,6 @@
 </file>
 
 <file path=customXml/itemProps1.xml><?xml version="1.0" encoding="utf-8"?>
-<ds:datastoreItem xmlns:ds="http://schemas.openxmlformats.org/officeDocument/2006/customXml" ds:itemID="{B2C81503-9DEF-42F3-A99B-D5E0223E195B}">
-  <ds:schemaRefs>
-    <ds:schemaRef ds:uri="http://schemas.microsoft.com/office/2006/metadata/properties"/>
-    <ds:schemaRef ds:uri="http://schemas.microsoft.com/office/infopath/2007/PartnerControls"/>
-    <ds:schemaRef ds:uri="http://schemas.microsoft.com/sharepoint/v3"/>
-    <ds:schemaRef ds:uri="71af3243-3dd4-4a8d-8c0d-dd76da1f02a5"/>
-    <ds:schemaRef ds:uri="230e9df3-be65-4c73-a93b-d1236ebd677e"/>
-  </ds:schemaRefs>
-</ds:datastoreItem>
-</file>
-
-<file path=customXml/itemProps2.xml><?xml version="1.0" encoding="utf-8"?>
 <ds:datastoreItem xmlns:ds="http://schemas.openxmlformats.org/officeDocument/2006/customXml" ds:itemID="{76A4D1D3-B327-4D60-927D-26045FF4AF3C}">
   <ds:schemaRefs>
     <ds:schemaRef ds:uri="http://schemas.microsoft.com/office/2006/metadata/contentType"/>
@@ -33990,6 +33741,18 @@
 </ds:datastoreItem>
 </file>
 
+<file path=customXml/itemProps2.xml><?xml version="1.0" encoding="utf-8"?>
+<ds:datastoreItem xmlns:ds="http://schemas.openxmlformats.org/officeDocument/2006/customXml" ds:itemID="{B2C81503-9DEF-42F3-A99B-D5E0223E195B}">
+  <ds:schemaRefs>
+    <ds:schemaRef ds:uri="http://schemas.microsoft.com/office/2006/metadata/properties"/>
+    <ds:schemaRef ds:uri="http://schemas.microsoft.com/office/infopath/2007/PartnerControls"/>
+    <ds:schemaRef ds:uri="http://schemas.microsoft.com/sharepoint/v3"/>
+    <ds:schemaRef ds:uri="71af3243-3dd4-4a8d-8c0d-dd76da1f02a5"/>
+    <ds:schemaRef ds:uri="230e9df3-be65-4c73-a93b-d1236ebd677e"/>
+  </ds:schemaRefs>
+</ds:datastoreItem>
+</file>
+
 <file path=customXml/itemProps3.xml><?xml version="1.0" encoding="utf-8"?>
 <ds:datastoreItem xmlns:ds="http://schemas.openxmlformats.org/officeDocument/2006/customXml" ds:itemID="{6F156100-9533-4411-B0C0-FA18F914F7B6}">
   <ds:schemaRefs>

--- a/Telco churn prediction model presentation.pptx
+++ b/Telco churn prediction model presentation.pptx
@@ -249,7 +249,7 @@
           <a:p>
             <a:fld id="{8CD26A2A-0A96-0647-84E5-C82F2EFD9474}" type="datetimeFigureOut">
               <a:rPr lang="en-US" smtClean="0"/>
-              <a:t>8/15/2023</a:t>
+              <a:t>8/20/2023</a:t>
             </a:fld>
             <a:endParaRPr lang="en-US" dirty="0"/>
           </a:p>
@@ -426,7 +426,7 @@
           <a:p>
             <a:fld id="{A2B40C3B-E28A-4854-8EDA-E7F8F6F6FFEF}" type="datetimeFigureOut">
               <a:rPr lang="zh-CN" altLang="en-US" smtClean="0"/>
-              <a:t>2023/8/15</a:t>
+              <a:t>2023/8/20</a:t>
             </a:fld>
             <a:endParaRPr lang="zh-CN" altLang="en-US"/>
           </a:p>
@@ -23671,7 +23671,7 @@
             </a:br>
             <a:r>
               <a:rPr lang="en-US" sz="1600" dirty="0"/>
-              <a:t>For project’s material please visit me on : github.com/peerapat-t</a:t>
+              <a:t>For project’s material please visit : github.com/peerapat-t</a:t>
             </a:r>
             <a:endParaRPr lang="en-US" sz="2400" dirty="0"/>
           </a:p>
@@ -24028,35 +24028,6 @@
           <a:chExt cx="0" cy="0"/>
         </a:xfrm>
       </p:grpSpPr>
-      <p:sp>
-        <p:nvSpPr>
-          <p:cNvPr id="5" name="Footer Placeholder 4">
-            <a:extLst>
-              <a:ext uri="{FF2B5EF4-FFF2-40B4-BE49-F238E27FC236}">
-                <a16:creationId xmlns:a16="http://schemas.microsoft.com/office/drawing/2014/main" id="{6D18E7F7-120D-E343-B41C-E8DF89FC0F49}"/>
-              </a:ext>
-            </a:extLst>
-          </p:cNvPr>
-          <p:cNvSpPr>
-            <a:spLocks noGrp="1"/>
-          </p:cNvSpPr>
-          <p:nvPr>
-            <p:ph type="ftr" sz="quarter" idx="28"/>
-          </p:nvPr>
-        </p:nvSpPr>
-        <p:spPr/>
-        <p:txBody>
-          <a:bodyPr/>
-          <a:lstStyle/>
-          <a:p>
-            <a:r>
-              <a:rPr lang="en-US" altLang="zh-CN" sz="1200" dirty="0"/>
-              <a:t>Churn prediction model</a:t>
-            </a:r>
-            <a:endParaRPr lang="en-US" dirty="0"/>
-          </a:p>
-        </p:txBody>
-      </p:sp>
       <p:sp>
         <p:nvSpPr>
           <p:cNvPr id="7" name="Slide Number Placeholder 6">
@@ -24395,6 +24366,212 @@
           </a:prstGeom>
         </p:spPr>
       </p:pic>
+      <p:sp>
+        <p:nvSpPr>
+          <p:cNvPr id="10" name="Footer Placeholder 4">
+            <a:extLst>
+              <a:ext uri="{FF2B5EF4-FFF2-40B4-BE49-F238E27FC236}">
+                <a16:creationId xmlns:a16="http://schemas.microsoft.com/office/drawing/2014/main" id="{DFE5A743-B0AD-4D2C-8665-8951783AFCA2}"/>
+              </a:ext>
+            </a:extLst>
+          </p:cNvPr>
+          <p:cNvSpPr txBox="1">
+            <a:spLocks/>
+          </p:cNvSpPr>
+          <p:nvPr/>
+        </p:nvSpPr>
+        <p:spPr>
+          <a:xfrm>
+            <a:off x="9231004" y="6256093"/>
+            <a:ext cx="1963165" cy="288777"/>
+          </a:xfrm>
+          <a:prstGeom prst="rect">
+            <a:avLst/>
+          </a:prstGeom>
+        </p:spPr>
+        <p:txBody>
+          <a:bodyPr vert="horz" lIns="91440" tIns="45720" rIns="91440" bIns="45720" rtlCol="0">
+            <a:noAutofit/>
+          </a:bodyPr>
+          <a:lstStyle>
+            <a:lvl1pPr marL="228600" indent="-228600" algn="l" defTabSz="914400" rtl="0" eaLnBrk="1" latinLnBrk="0" hangingPunct="1">
+              <a:lnSpc>
+                <a:spcPct val="100000"/>
+              </a:lnSpc>
+              <a:spcBef>
+                <a:spcPts val="0"/>
+              </a:spcBef>
+              <a:spcAft>
+                <a:spcPts val="600"/>
+              </a:spcAft>
+              <a:buFont typeface="Arial" panose="020B0604020202020204" pitchFamily="34" charset="0"/>
+              <a:buChar char="•"/>
+              <a:defRPr sz="1400" b="0" kern="1200">
+                <a:solidFill>
+                  <a:schemeClr val="accent6"/>
+                </a:solidFill>
+                <a:latin typeface="+mn-lt"/>
+                <a:ea typeface="+mn-ea"/>
+                <a:cs typeface="+mn-cs"/>
+              </a:defRPr>
+            </a:lvl1pPr>
+            <a:lvl2pPr marL="685800" indent="-228600" algn="l" defTabSz="914400" rtl="0" eaLnBrk="1" latinLnBrk="0" hangingPunct="1">
+              <a:lnSpc>
+                <a:spcPct val="90000"/>
+              </a:lnSpc>
+              <a:spcBef>
+                <a:spcPts val="500"/>
+              </a:spcBef>
+              <a:buFont typeface="Arial" panose="020B0604020202020204" pitchFamily="34" charset="0"/>
+              <a:buChar char="•"/>
+              <a:defRPr sz="1000" kern="1200">
+                <a:solidFill>
+                  <a:schemeClr val="accent6"/>
+                </a:solidFill>
+                <a:latin typeface="+mn-lt"/>
+                <a:ea typeface="+mn-ea"/>
+                <a:cs typeface="+mn-cs"/>
+              </a:defRPr>
+            </a:lvl2pPr>
+            <a:lvl3pPr marL="1143000" indent="-228600" algn="l" defTabSz="914400" rtl="0" eaLnBrk="1" latinLnBrk="0" hangingPunct="1">
+              <a:lnSpc>
+                <a:spcPct val="90000"/>
+              </a:lnSpc>
+              <a:spcBef>
+                <a:spcPts val="500"/>
+              </a:spcBef>
+              <a:buFont typeface="Arial" panose="020B0604020202020204" pitchFamily="34" charset="0"/>
+              <a:buChar char="•"/>
+              <a:defRPr sz="900" kern="1200">
+                <a:solidFill>
+                  <a:schemeClr val="accent6"/>
+                </a:solidFill>
+                <a:latin typeface="+mn-lt"/>
+                <a:ea typeface="+mn-ea"/>
+                <a:cs typeface="+mn-cs"/>
+              </a:defRPr>
+            </a:lvl3pPr>
+            <a:lvl4pPr marL="1600200" indent="-228600" algn="l" defTabSz="914400" rtl="0" eaLnBrk="1" latinLnBrk="0" hangingPunct="1">
+              <a:lnSpc>
+                <a:spcPct val="90000"/>
+              </a:lnSpc>
+              <a:spcBef>
+                <a:spcPts val="500"/>
+              </a:spcBef>
+              <a:buFont typeface="Arial" panose="020B0604020202020204" pitchFamily="34" charset="0"/>
+              <a:buChar char="•"/>
+              <a:defRPr sz="800" kern="1200">
+                <a:solidFill>
+                  <a:schemeClr val="accent6"/>
+                </a:solidFill>
+                <a:latin typeface="+mn-lt"/>
+                <a:ea typeface="+mn-ea"/>
+                <a:cs typeface="+mn-cs"/>
+              </a:defRPr>
+            </a:lvl4pPr>
+            <a:lvl5pPr marL="2057400" indent="-228600" algn="l" defTabSz="914400" rtl="0" eaLnBrk="1" latinLnBrk="0" hangingPunct="1">
+              <a:lnSpc>
+                <a:spcPct val="90000"/>
+              </a:lnSpc>
+              <a:spcBef>
+                <a:spcPts val="500"/>
+              </a:spcBef>
+              <a:buFont typeface="Arial" panose="020B0604020202020204" pitchFamily="34" charset="0"/>
+              <a:buChar char="•"/>
+              <a:defRPr sz="800" kern="1200">
+                <a:solidFill>
+                  <a:schemeClr val="accent6"/>
+                </a:solidFill>
+                <a:latin typeface="+mn-lt"/>
+                <a:ea typeface="+mn-ea"/>
+                <a:cs typeface="+mn-cs"/>
+              </a:defRPr>
+            </a:lvl5pPr>
+            <a:lvl6pPr marL="2514600" indent="-228600" algn="l" defTabSz="914400" rtl="0" eaLnBrk="1" latinLnBrk="0" hangingPunct="1">
+              <a:lnSpc>
+                <a:spcPct val="90000"/>
+              </a:lnSpc>
+              <a:spcBef>
+                <a:spcPts val="500"/>
+              </a:spcBef>
+              <a:buFont typeface="Arial" panose="020B0604020202020204" pitchFamily="34" charset="0"/>
+              <a:buChar char="•"/>
+              <a:defRPr sz="1800" kern="1200">
+                <a:solidFill>
+                  <a:schemeClr val="tx1"/>
+                </a:solidFill>
+                <a:latin typeface="+mn-lt"/>
+                <a:ea typeface="+mn-ea"/>
+                <a:cs typeface="+mn-cs"/>
+              </a:defRPr>
+            </a:lvl6pPr>
+            <a:lvl7pPr marL="2971800" indent="-228600" algn="l" defTabSz="914400" rtl="0" eaLnBrk="1" latinLnBrk="0" hangingPunct="1">
+              <a:lnSpc>
+                <a:spcPct val="90000"/>
+              </a:lnSpc>
+              <a:spcBef>
+                <a:spcPts val="500"/>
+              </a:spcBef>
+              <a:buFont typeface="Arial" panose="020B0604020202020204" pitchFamily="34" charset="0"/>
+              <a:buChar char="•"/>
+              <a:defRPr sz="1800" kern="1200">
+                <a:solidFill>
+                  <a:schemeClr val="tx1"/>
+                </a:solidFill>
+                <a:latin typeface="+mn-lt"/>
+                <a:ea typeface="+mn-ea"/>
+                <a:cs typeface="+mn-cs"/>
+              </a:defRPr>
+            </a:lvl7pPr>
+            <a:lvl8pPr marL="3429000" indent="-228600" algn="l" defTabSz="914400" rtl="0" eaLnBrk="1" latinLnBrk="0" hangingPunct="1">
+              <a:lnSpc>
+                <a:spcPct val="90000"/>
+              </a:lnSpc>
+              <a:spcBef>
+                <a:spcPts val="500"/>
+              </a:spcBef>
+              <a:buFont typeface="Arial" panose="020B0604020202020204" pitchFamily="34" charset="0"/>
+              <a:buChar char="•"/>
+              <a:defRPr sz="1800" kern="1200">
+                <a:solidFill>
+                  <a:schemeClr val="tx1"/>
+                </a:solidFill>
+                <a:latin typeface="+mn-lt"/>
+                <a:ea typeface="+mn-ea"/>
+                <a:cs typeface="+mn-cs"/>
+              </a:defRPr>
+            </a:lvl8pPr>
+            <a:lvl9pPr marL="3886200" indent="-228600" algn="l" defTabSz="914400" rtl="0" eaLnBrk="1" latinLnBrk="0" hangingPunct="1">
+              <a:lnSpc>
+                <a:spcPct val="90000"/>
+              </a:lnSpc>
+              <a:spcBef>
+                <a:spcPts val="500"/>
+              </a:spcBef>
+              <a:buFont typeface="Arial" panose="020B0604020202020204" pitchFamily="34" charset="0"/>
+              <a:buChar char="•"/>
+              <a:defRPr sz="1800" kern="1200">
+                <a:solidFill>
+                  <a:schemeClr val="tx1"/>
+                </a:solidFill>
+                <a:latin typeface="+mn-lt"/>
+                <a:ea typeface="+mn-ea"/>
+                <a:cs typeface="+mn-cs"/>
+              </a:defRPr>
+            </a:lvl9pPr>
+          </a:lstStyle>
+          <a:p>
+            <a:pPr marL="0" indent="0">
+              <a:buNone/>
+            </a:pPr>
+            <a:r>
+              <a:rPr lang="en-US" altLang="zh-CN" sz="1200" dirty="0"/>
+              <a:t>Churn prediction model</a:t>
+            </a:r>
+            <a:endParaRPr lang="en-US" dirty="0"/>
+          </a:p>
+        </p:txBody>
+      </p:sp>
     </p:spTree>
     <p:extLst>
       <p:ext uri="{BB962C8B-B14F-4D97-AF65-F5344CB8AC3E}">
@@ -24425,35 +24602,6 @@
           <a:chExt cx="0" cy="0"/>
         </a:xfrm>
       </p:grpSpPr>
-      <p:sp>
-        <p:nvSpPr>
-          <p:cNvPr id="5" name="Footer Placeholder 4">
-            <a:extLst>
-              <a:ext uri="{FF2B5EF4-FFF2-40B4-BE49-F238E27FC236}">
-                <a16:creationId xmlns:a16="http://schemas.microsoft.com/office/drawing/2014/main" id="{6D18E7F7-120D-E343-B41C-E8DF89FC0F49}"/>
-              </a:ext>
-            </a:extLst>
-          </p:cNvPr>
-          <p:cNvSpPr>
-            <a:spLocks noGrp="1"/>
-          </p:cNvSpPr>
-          <p:nvPr>
-            <p:ph type="ftr" sz="quarter" idx="28"/>
-          </p:nvPr>
-        </p:nvSpPr>
-        <p:spPr/>
-        <p:txBody>
-          <a:bodyPr/>
-          <a:lstStyle/>
-          <a:p>
-            <a:r>
-              <a:rPr lang="en-US" altLang="zh-CN" sz="1200" dirty="0"/>
-              <a:t>Churn prediction model</a:t>
-            </a:r>
-            <a:endParaRPr lang="en-US" dirty="0"/>
-          </a:p>
-        </p:txBody>
-      </p:sp>
       <p:sp>
         <p:nvSpPr>
           <p:cNvPr id="7" name="Slide Number Placeholder 6">
@@ -24752,6 +24900,212 @@
           </a:prstGeom>
         </p:spPr>
       </p:pic>
+      <p:sp>
+        <p:nvSpPr>
+          <p:cNvPr id="13" name="Footer Placeholder 4">
+            <a:extLst>
+              <a:ext uri="{FF2B5EF4-FFF2-40B4-BE49-F238E27FC236}">
+                <a16:creationId xmlns:a16="http://schemas.microsoft.com/office/drawing/2014/main" id="{031BF8E4-86B5-4B23-8BA8-63AEEB1D5497}"/>
+              </a:ext>
+            </a:extLst>
+          </p:cNvPr>
+          <p:cNvSpPr txBox="1">
+            <a:spLocks/>
+          </p:cNvSpPr>
+          <p:nvPr/>
+        </p:nvSpPr>
+        <p:spPr>
+          <a:xfrm>
+            <a:off x="9231004" y="6256093"/>
+            <a:ext cx="1963165" cy="288777"/>
+          </a:xfrm>
+          <a:prstGeom prst="rect">
+            <a:avLst/>
+          </a:prstGeom>
+        </p:spPr>
+        <p:txBody>
+          <a:bodyPr vert="horz" lIns="91440" tIns="45720" rIns="91440" bIns="45720" rtlCol="0">
+            <a:noAutofit/>
+          </a:bodyPr>
+          <a:lstStyle>
+            <a:lvl1pPr marL="228600" indent="-228600" algn="l" defTabSz="914400" rtl="0" eaLnBrk="1" latinLnBrk="0" hangingPunct="1">
+              <a:lnSpc>
+                <a:spcPct val="100000"/>
+              </a:lnSpc>
+              <a:spcBef>
+                <a:spcPts val="0"/>
+              </a:spcBef>
+              <a:spcAft>
+                <a:spcPts val="600"/>
+              </a:spcAft>
+              <a:buFont typeface="Arial" panose="020B0604020202020204" pitchFamily="34" charset="0"/>
+              <a:buChar char="•"/>
+              <a:defRPr sz="1400" b="0" kern="1200">
+                <a:solidFill>
+                  <a:schemeClr val="accent6"/>
+                </a:solidFill>
+                <a:latin typeface="+mn-lt"/>
+                <a:ea typeface="+mn-ea"/>
+                <a:cs typeface="+mn-cs"/>
+              </a:defRPr>
+            </a:lvl1pPr>
+            <a:lvl2pPr marL="685800" indent="-228600" algn="l" defTabSz="914400" rtl="0" eaLnBrk="1" latinLnBrk="0" hangingPunct="1">
+              <a:lnSpc>
+                <a:spcPct val="90000"/>
+              </a:lnSpc>
+              <a:spcBef>
+                <a:spcPts val="500"/>
+              </a:spcBef>
+              <a:buFont typeface="Arial" panose="020B0604020202020204" pitchFamily="34" charset="0"/>
+              <a:buChar char="•"/>
+              <a:defRPr sz="1000" kern="1200">
+                <a:solidFill>
+                  <a:schemeClr val="accent6"/>
+                </a:solidFill>
+                <a:latin typeface="+mn-lt"/>
+                <a:ea typeface="+mn-ea"/>
+                <a:cs typeface="+mn-cs"/>
+              </a:defRPr>
+            </a:lvl2pPr>
+            <a:lvl3pPr marL="1143000" indent="-228600" algn="l" defTabSz="914400" rtl="0" eaLnBrk="1" latinLnBrk="0" hangingPunct="1">
+              <a:lnSpc>
+                <a:spcPct val="90000"/>
+              </a:lnSpc>
+              <a:spcBef>
+                <a:spcPts val="500"/>
+              </a:spcBef>
+              <a:buFont typeface="Arial" panose="020B0604020202020204" pitchFamily="34" charset="0"/>
+              <a:buChar char="•"/>
+              <a:defRPr sz="900" kern="1200">
+                <a:solidFill>
+                  <a:schemeClr val="accent6"/>
+                </a:solidFill>
+                <a:latin typeface="+mn-lt"/>
+                <a:ea typeface="+mn-ea"/>
+                <a:cs typeface="+mn-cs"/>
+              </a:defRPr>
+            </a:lvl3pPr>
+            <a:lvl4pPr marL="1600200" indent="-228600" algn="l" defTabSz="914400" rtl="0" eaLnBrk="1" latinLnBrk="0" hangingPunct="1">
+              <a:lnSpc>
+                <a:spcPct val="90000"/>
+              </a:lnSpc>
+              <a:spcBef>
+                <a:spcPts val="500"/>
+              </a:spcBef>
+              <a:buFont typeface="Arial" panose="020B0604020202020204" pitchFamily="34" charset="0"/>
+              <a:buChar char="•"/>
+              <a:defRPr sz="800" kern="1200">
+                <a:solidFill>
+                  <a:schemeClr val="accent6"/>
+                </a:solidFill>
+                <a:latin typeface="+mn-lt"/>
+                <a:ea typeface="+mn-ea"/>
+                <a:cs typeface="+mn-cs"/>
+              </a:defRPr>
+            </a:lvl4pPr>
+            <a:lvl5pPr marL="2057400" indent="-228600" algn="l" defTabSz="914400" rtl="0" eaLnBrk="1" latinLnBrk="0" hangingPunct="1">
+              <a:lnSpc>
+                <a:spcPct val="90000"/>
+              </a:lnSpc>
+              <a:spcBef>
+                <a:spcPts val="500"/>
+              </a:spcBef>
+              <a:buFont typeface="Arial" panose="020B0604020202020204" pitchFamily="34" charset="0"/>
+              <a:buChar char="•"/>
+              <a:defRPr sz="800" kern="1200">
+                <a:solidFill>
+                  <a:schemeClr val="accent6"/>
+                </a:solidFill>
+                <a:latin typeface="+mn-lt"/>
+                <a:ea typeface="+mn-ea"/>
+                <a:cs typeface="+mn-cs"/>
+              </a:defRPr>
+            </a:lvl5pPr>
+            <a:lvl6pPr marL="2514600" indent="-228600" algn="l" defTabSz="914400" rtl="0" eaLnBrk="1" latinLnBrk="0" hangingPunct="1">
+              <a:lnSpc>
+                <a:spcPct val="90000"/>
+              </a:lnSpc>
+              <a:spcBef>
+                <a:spcPts val="500"/>
+              </a:spcBef>
+              <a:buFont typeface="Arial" panose="020B0604020202020204" pitchFamily="34" charset="0"/>
+              <a:buChar char="•"/>
+              <a:defRPr sz="1800" kern="1200">
+                <a:solidFill>
+                  <a:schemeClr val="tx1"/>
+                </a:solidFill>
+                <a:latin typeface="+mn-lt"/>
+                <a:ea typeface="+mn-ea"/>
+                <a:cs typeface="+mn-cs"/>
+              </a:defRPr>
+            </a:lvl6pPr>
+            <a:lvl7pPr marL="2971800" indent="-228600" algn="l" defTabSz="914400" rtl="0" eaLnBrk="1" latinLnBrk="0" hangingPunct="1">
+              <a:lnSpc>
+                <a:spcPct val="90000"/>
+              </a:lnSpc>
+              <a:spcBef>
+                <a:spcPts val="500"/>
+              </a:spcBef>
+              <a:buFont typeface="Arial" panose="020B0604020202020204" pitchFamily="34" charset="0"/>
+              <a:buChar char="•"/>
+              <a:defRPr sz="1800" kern="1200">
+                <a:solidFill>
+                  <a:schemeClr val="tx1"/>
+                </a:solidFill>
+                <a:latin typeface="+mn-lt"/>
+                <a:ea typeface="+mn-ea"/>
+                <a:cs typeface="+mn-cs"/>
+              </a:defRPr>
+            </a:lvl7pPr>
+            <a:lvl8pPr marL="3429000" indent="-228600" algn="l" defTabSz="914400" rtl="0" eaLnBrk="1" latinLnBrk="0" hangingPunct="1">
+              <a:lnSpc>
+                <a:spcPct val="90000"/>
+              </a:lnSpc>
+              <a:spcBef>
+                <a:spcPts val="500"/>
+              </a:spcBef>
+              <a:buFont typeface="Arial" panose="020B0604020202020204" pitchFamily="34" charset="0"/>
+              <a:buChar char="•"/>
+              <a:defRPr sz="1800" kern="1200">
+                <a:solidFill>
+                  <a:schemeClr val="tx1"/>
+                </a:solidFill>
+                <a:latin typeface="+mn-lt"/>
+                <a:ea typeface="+mn-ea"/>
+                <a:cs typeface="+mn-cs"/>
+              </a:defRPr>
+            </a:lvl8pPr>
+            <a:lvl9pPr marL="3886200" indent="-228600" algn="l" defTabSz="914400" rtl="0" eaLnBrk="1" latinLnBrk="0" hangingPunct="1">
+              <a:lnSpc>
+                <a:spcPct val="90000"/>
+              </a:lnSpc>
+              <a:spcBef>
+                <a:spcPts val="500"/>
+              </a:spcBef>
+              <a:buFont typeface="Arial" panose="020B0604020202020204" pitchFamily="34" charset="0"/>
+              <a:buChar char="•"/>
+              <a:defRPr sz="1800" kern="1200">
+                <a:solidFill>
+                  <a:schemeClr val="tx1"/>
+                </a:solidFill>
+                <a:latin typeface="+mn-lt"/>
+                <a:ea typeface="+mn-ea"/>
+                <a:cs typeface="+mn-cs"/>
+              </a:defRPr>
+            </a:lvl9pPr>
+          </a:lstStyle>
+          <a:p>
+            <a:pPr marL="0" indent="0">
+              <a:buNone/>
+            </a:pPr>
+            <a:r>
+              <a:rPr lang="en-US" altLang="zh-CN" sz="1200" dirty="0"/>
+              <a:t>Churn prediction model</a:t>
+            </a:r>
+            <a:endParaRPr lang="en-US" dirty="0"/>
+          </a:p>
+        </p:txBody>
+      </p:sp>
     </p:spTree>
     <p:extLst>
       <p:ext uri="{BB962C8B-B14F-4D97-AF65-F5344CB8AC3E}">
@@ -24782,35 +25136,6 @@
           <a:chExt cx="0" cy="0"/>
         </a:xfrm>
       </p:grpSpPr>
-      <p:sp>
-        <p:nvSpPr>
-          <p:cNvPr id="5" name="Footer Placeholder 4">
-            <a:extLst>
-              <a:ext uri="{FF2B5EF4-FFF2-40B4-BE49-F238E27FC236}">
-                <a16:creationId xmlns:a16="http://schemas.microsoft.com/office/drawing/2014/main" id="{6D18E7F7-120D-E343-B41C-E8DF89FC0F49}"/>
-              </a:ext>
-            </a:extLst>
-          </p:cNvPr>
-          <p:cNvSpPr>
-            <a:spLocks noGrp="1"/>
-          </p:cNvSpPr>
-          <p:nvPr>
-            <p:ph type="ftr" sz="quarter" idx="28"/>
-          </p:nvPr>
-        </p:nvSpPr>
-        <p:spPr/>
-        <p:txBody>
-          <a:bodyPr/>
-          <a:lstStyle/>
-          <a:p>
-            <a:r>
-              <a:rPr lang="en-US" altLang="zh-CN" sz="1200" dirty="0"/>
-              <a:t>Churn prediction model</a:t>
-            </a:r>
-            <a:endParaRPr lang="en-US" dirty="0"/>
-          </a:p>
-        </p:txBody>
-      </p:sp>
       <p:sp>
         <p:nvSpPr>
           <p:cNvPr id="7" name="Slide Number Placeholder 6">
@@ -25682,6 +26007,212 @@
           </a:p>
         </p:txBody>
       </p:sp>
+      <p:sp>
+        <p:nvSpPr>
+          <p:cNvPr id="9" name="Footer Placeholder 4">
+            <a:extLst>
+              <a:ext uri="{FF2B5EF4-FFF2-40B4-BE49-F238E27FC236}">
+                <a16:creationId xmlns:a16="http://schemas.microsoft.com/office/drawing/2014/main" id="{2C96DB89-A4E9-437B-A2C5-316FFCA98088}"/>
+              </a:ext>
+            </a:extLst>
+          </p:cNvPr>
+          <p:cNvSpPr txBox="1">
+            <a:spLocks/>
+          </p:cNvSpPr>
+          <p:nvPr/>
+        </p:nvSpPr>
+        <p:spPr>
+          <a:xfrm>
+            <a:off x="9231004" y="6256093"/>
+            <a:ext cx="1963165" cy="288777"/>
+          </a:xfrm>
+          <a:prstGeom prst="rect">
+            <a:avLst/>
+          </a:prstGeom>
+        </p:spPr>
+        <p:txBody>
+          <a:bodyPr vert="horz" lIns="91440" tIns="45720" rIns="91440" bIns="45720" rtlCol="0">
+            <a:noAutofit/>
+          </a:bodyPr>
+          <a:lstStyle>
+            <a:lvl1pPr marL="228600" indent="-228600" algn="l" defTabSz="914400" rtl="0" eaLnBrk="1" latinLnBrk="0" hangingPunct="1">
+              <a:lnSpc>
+                <a:spcPct val="100000"/>
+              </a:lnSpc>
+              <a:spcBef>
+                <a:spcPts val="0"/>
+              </a:spcBef>
+              <a:spcAft>
+                <a:spcPts val="600"/>
+              </a:spcAft>
+              <a:buFont typeface="Arial" panose="020B0604020202020204" pitchFamily="34" charset="0"/>
+              <a:buChar char="•"/>
+              <a:defRPr sz="1400" b="0" kern="1200">
+                <a:solidFill>
+                  <a:schemeClr val="accent6"/>
+                </a:solidFill>
+                <a:latin typeface="+mn-lt"/>
+                <a:ea typeface="+mn-ea"/>
+                <a:cs typeface="+mn-cs"/>
+              </a:defRPr>
+            </a:lvl1pPr>
+            <a:lvl2pPr marL="685800" indent="-228600" algn="l" defTabSz="914400" rtl="0" eaLnBrk="1" latinLnBrk="0" hangingPunct="1">
+              <a:lnSpc>
+                <a:spcPct val="90000"/>
+              </a:lnSpc>
+              <a:spcBef>
+                <a:spcPts val="500"/>
+              </a:spcBef>
+              <a:buFont typeface="Arial" panose="020B0604020202020204" pitchFamily="34" charset="0"/>
+              <a:buChar char="•"/>
+              <a:defRPr sz="1000" kern="1200">
+                <a:solidFill>
+                  <a:schemeClr val="accent6"/>
+                </a:solidFill>
+                <a:latin typeface="+mn-lt"/>
+                <a:ea typeface="+mn-ea"/>
+                <a:cs typeface="+mn-cs"/>
+              </a:defRPr>
+            </a:lvl2pPr>
+            <a:lvl3pPr marL="1143000" indent="-228600" algn="l" defTabSz="914400" rtl="0" eaLnBrk="1" latinLnBrk="0" hangingPunct="1">
+              <a:lnSpc>
+                <a:spcPct val="90000"/>
+              </a:lnSpc>
+              <a:spcBef>
+                <a:spcPts val="500"/>
+              </a:spcBef>
+              <a:buFont typeface="Arial" panose="020B0604020202020204" pitchFamily="34" charset="0"/>
+              <a:buChar char="•"/>
+              <a:defRPr sz="900" kern="1200">
+                <a:solidFill>
+                  <a:schemeClr val="accent6"/>
+                </a:solidFill>
+                <a:latin typeface="+mn-lt"/>
+                <a:ea typeface="+mn-ea"/>
+                <a:cs typeface="+mn-cs"/>
+              </a:defRPr>
+            </a:lvl3pPr>
+            <a:lvl4pPr marL="1600200" indent="-228600" algn="l" defTabSz="914400" rtl="0" eaLnBrk="1" latinLnBrk="0" hangingPunct="1">
+              <a:lnSpc>
+                <a:spcPct val="90000"/>
+              </a:lnSpc>
+              <a:spcBef>
+                <a:spcPts val="500"/>
+              </a:spcBef>
+              <a:buFont typeface="Arial" panose="020B0604020202020204" pitchFamily="34" charset="0"/>
+              <a:buChar char="•"/>
+              <a:defRPr sz="800" kern="1200">
+                <a:solidFill>
+                  <a:schemeClr val="accent6"/>
+                </a:solidFill>
+                <a:latin typeface="+mn-lt"/>
+                <a:ea typeface="+mn-ea"/>
+                <a:cs typeface="+mn-cs"/>
+              </a:defRPr>
+            </a:lvl4pPr>
+            <a:lvl5pPr marL="2057400" indent="-228600" algn="l" defTabSz="914400" rtl="0" eaLnBrk="1" latinLnBrk="0" hangingPunct="1">
+              <a:lnSpc>
+                <a:spcPct val="90000"/>
+              </a:lnSpc>
+              <a:spcBef>
+                <a:spcPts val="500"/>
+              </a:spcBef>
+              <a:buFont typeface="Arial" panose="020B0604020202020204" pitchFamily="34" charset="0"/>
+              <a:buChar char="•"/>
+              <a:defRPr sz="800" kern="1200">
+                <a:solidFill>
+                  <a:schemeClr val="accent6"/>
+                </a:solidFill>
+                <a:latin typeface="+mn-lt"/>
+                <a:ea typeface="+mn-ea"/>
+                <a:cs typeface="+mn-cs"/>
+              </a:defRPr>
+            </a:lvl5pPr>
+            <a:lvl6pPr marL="2514600" indent="-228600" algn="l" defTabSz="914400" rtl="0" eaLnBrk="1" latinLnBrk="0" hangingPunct="1">
+              <a:lnSpc>
+                <a:spcPct val="90000"/>
+              </a:lnSpc>
+              <a:spcBef>
+                <a:spcPts val="500"/>
+              </a:spcBef>
+              <a:buFont typeface="Arial" panose="020B0604020202020204" pitchFamily="34" charset="0"/>
+              <a:buChar char="•"/>
+              <a:defRPr sz="1800" kern="1200">
+                <a:solidFill>
+                  <a:schemeClr val="tx1"/>
+                </a:solidFill>
+                <a:latin typeface="+mn-lt"/>
+                <a:ea typeface="+mn-ea"/>
+                <a:cs typeface="+mn-cs"/>
+              </a:defRPr>
+            </a:lvl6pPr>
+            <a:lvl7pPr marL="2971800" indent="-228600" algn="l" defTabSz="914400" rtl="0" eaLnBrk="1" latinLnBrk="0" hangingPunct="1">
+              <a:lnSpc>
+                <a:spcPct val="90000"/>
+              </a:lnSpc>
+              <a:spcBef>
+                <a:spcPts val="500"/>
+              </a:spcBef>
+              <a:buFont typeface="Arial" panose="020B0604020202020204" pitchFamily="34" charset="0"/>
+              <a:buChar char="•"/>
+              <a:defRPr sz="1800" kern="1200">
+                <a:solidFill>
+                  <a:schemeClr val="tx1"/>
+                </a:solidFill>
+                <a:latin typeface="+mn-lt"/>
+                <a:ea typeface="+mn-ea"/>
+                <a:cs typeface="+mn-cs"/>
+              </a:defRPr>
+            </a:lvl7pPr>
+            <a:lvl8pPr marL="3429000" indent="-228600" algn="l" defTabSz="914400" rtl="0" eaLnBrk="1" latinLnBrk="0" hangingPunct="1">
+              <a:lnSpc>
+                <a:spcPct val="90000"/>
+              </a:lnSpc>
+              <a:spcBef>
+                <a:spcPts val="500"/>
+              </a:spcBef>
+              <a:buFont typeface="Arial" panose="020B0604020202020204" pitchFamily="34" charset="0"/>
+              <a:buChar char="•"/>
+              <a:defRPr sz="1800" kern="1200">
+                <a:solidFill>
+                  <a:schemeClr val="tx1"/>
+                </a:solidFill>
+                <a:latin typeface="+mn-lt"/>
+                <a:ea typeface="+mn-ea"/>
+                <a:cs typeface="+mn-cs"/>
+              </a:defRPr>
+            </a:lvl8pPr>
+            <a:lvl9pPr marL="3886200" indent="-228600" algn="l" defTabSz="914400" rtl="0" eaLnBrk="1" latinLnBrk="0" hangingPunct="1">
+              <a:lnSpc>
+                <a:spcPct val="90000"/>
+              </a:lnSpc>
+              <a:spcBef>
+                <a:spcPts val="500"/>
+              </a:spcBef>
+              <a:buFont typeface="Arial" panose="020B0604020202020204" pitchFamily="34" charset="0"/>
+              <a:buChar char="•"/>
+              <a:defRPr sz="1800" kern="1200">
+                <a:solidFill>
+                  <a:schemeClr val="tx1"/>
+                </a:solidFill>
+                <a:latin typeface="+mn-lt"/>
+                <a:ea typeface="+mn-ea"/>
+                <a:cs typeface="+mn-cs"/>
+              </a:defRPr>
+            </a:lvl9pPr>
+          </a:lstStyle>
+          <a:p>
+            <a:pPr marL="0" indent="0">
+              <a:buNone/>
+            </a:pPr>
+            <a:r>
+              <a:rPr lang="en-US" altLang="zh-CN" sz="1200" dirty="0"/>
+              <a:t>Churn prediction model</a:t>
+            </a:r>
+            <a:endParaRPr lang="en-US" dirty="0"/>
+          </a:p>
+        </p:txBody>
+      </p:sp>
     </p:spTree>
     <p:extLst>
       <p:ext uri="{BB962C8B-B14F-4D97-AF65-F5344CB8AC3E}">
@@ -25712,35 +26243,6 @@
           <a:chExt cx="0" cy="0"/>
         </a:xfrm>
       </p:grpSpPr>
-      <p:sp>
-        <p:nvSpPr>
-          <p:cNvPr id="5" name="Footer Placeholder 4">
-            <a:extLst>
-              <a:ext uri="{FF2B5EF4-FFF2-40B4-BE49-F238E27FC236}">
-                <a16:creationId xmlns:a16="http://schemas.microsoft.com/office/drawing/2014/main" id="{6D18E7F7-120D-E343-B41C-E8DF89FC0F49}"/>
-              </a:ext>
-            </a:extLst>
-          </p:cNvPr>
-          <p:cNvSpPr>
-            <a:spLocks noGrp="1"/>
-          </p:cNvSpPr>
-          <p:nvPr>
-            <p:ph type="ftr" sz="quarter" idx="28"/>
-          </p:nvPr>
-        </p:nvSpPr>
-        <p:spPr/>
-        <p:txBody>
-          <a:bodyPr/>
-          <a:lstStyle/>
-          <a:p>
-            <a:r>
-              <a:rPr lang="en-US" altLang="zh-CN" sz="1200" dirty="0"/>
-              <a:t>Churn prediction model</a:t>
-            </a:r>
-            <a:endParaRPr lang="en-US" dirty="0"/>
-          </a:p>
-        </p:txBody>
-      </p:sp>
       <p:sp>
         <p:nvSpPr>
           <p:cNvPr id="7" name="Slide Number Placeholder 6">
@@ -26249,6 +26751,212 @@
           </a:p>
         </p:txBody>
       </p:sp>
+      <p:sp>
+        <p:nvSpPr>
+          <p:cNvPr id="16" name="Footer Placeholder 4">
+            <a:extLst>
+              <a:ext uri="{FF2B5EF4-FFF2-40B4-BE49-F238E27FC236}">
+                <a16:creationId xmlns:a16="http://schemas.microsoft.com/office/drawing/2014/main" id="{F32E0A0D-D8B5-4BDD-9627-0323306993BA}"/>
+              </a:ext>
+            </a:extLst>
+          </p:cNvPr>
+          <p:cNvSpPr txBox="1">
+            <a:spLocks/>
+          </p:cNvSpPr>
+          <p:nvPr/>
+        </p:nvSpPr>
+        <p:spPr>
+          <a:xfrm>
+            <a:off x="9231004" y="6256093"/>
+            <a:ext cx="1963165" cy="288777"/>
+          </a:xfrm>
+          <a:prstGeom prst="rect">
+            <a:avLst/>
+          </a:prstGeom>
+        </p:spPr>
+        <p:txBody>
+          <a:bodyPr vert="horz" lIns="91440" tIns="45720" rIns="91440" bIns="45720" rtlCol="0">
+            <a:noAutofit/>
+          </a:bodyPr>
+          <a:lstStyle>
+            <a:lvl1pPr marL="228600" indent="-228600" algn="l" defTabSz="914400" rtl="0" eaLnBrk="1" latinLnBrk="0" hangingPunct="1">
+              <a:lnSpc>
+                <a:spcPct val="100000"/>
+              </a:lnSpc>
+              <a:spcBef>
+                <a:spcPts val="0"/>
+              </a:spcBef>
+              <a:spcAft>
+                <a:spcPts val="600"/>
+              </a:spcAft>
+              <a:buFont typeface="Arial" panose="020B0604020202020204" pitchFamily="34" charset="0"/>
+              <a:buChar char="•"/>
+              <a:defRPr sz="1400" b="0" kern="1200">
+                <a:solidFill>
+                  <a:schemeClr val="accent6"/>
+                </a:solidFill>
+                <a:latin typeface="+mn-lt"/>
+                <a:ea typeface="+mn-ea"/>
+                <a:cs typeface="+mn-cs"/>
+              </a:defRPr>
+            </a:lvl1pPr>
+            <a:lvl2pPr marL="685800" indent="-228600" algn="l" defTabSz="914400" rtl="0" eaLnBrk="1" latinLnBrk="0" hangingPunct="1">
+              <a:lnSpc>
+                <a:spcPct val="90000"/>
+              </a:lnSpc>
+              <a:spcBef>
+                <a:spcPts val="500"/>
+              </a:spcBef>
+              <a:buFont typeface="Arial" panose="020B0604020202020204" pitchFamily="34" charset="0"/>
+              <a:buChar char="•"/>
+              <a:defRPr sz="1000" kern="1200">
+                <a:solidFill>
+                  <a:schemeClr val="accent6"/>
+                </a:solidFill>
+                <a:latin typeface="+mn-lt"/>
+                <a:ea typeface="+mn-ea"/>
+                <a:cs typeface="+mn-cs"/>
+              </a:defRPr>
+            </a:lvl2pPr>
+            <a:lvl3pPr marL="1143000" indent="-228600" algn="l" defTabSz="914400" rtl="0" eaLnBrk="1" latinLnBrk="0" hangingPunct="1">
+              <a:lnSpc>
+                <a:spcPct val="90000"/>
+              </a:lnSpc>
+              <a:spcBef>
+                <a:spcPts val="500"/>
+              </a:spcBef>
+              <a:buFont typeface="Arial" panose="020B0604020202020204" pitchFamily="34" charset="0"/>
+              <a:buChar char="•"/>
+              <a:defRPr sz="900" kern="1200">
+                <a:solidFill>
+                  <a:schemeClr val="accent6"/>
+                </a:solidFill>
+                <a:latin typeface="+mn-lt"/>
+                <a:ea typeface="+mn-ea"/>
+                <a:cs typeface="+mn-cs"/>
+              </a:defRPr>
+            </a:lvl3pPr>
+            <a:lvl4pPr marL="1600200" indent="-228600" algn="l" defTabSz="914400" rtl="0" eaLnBrk="1" latinLnBrk="0" hangingPunct="1">
+              <a:lnSpc>
+                <a:spcPct val="90000"/>
+              </a:lnSpc>
+              <a:spcBef>
+                <a:spcPts val="500"/>
+              </a:spcBef>
+              <a:buFont typeface="Arial" panose="020B0604020202020204" pitchFamily="34" charset="0"/>
+              <a:buChar char="•"/>
+              <a:defRPr sz="800" kern="1200">
+                <a:solidFill>
+                  <a:schemeClr val="accent6"/>
+                </a:solidFill>
+                <a:latin typeface="+mn-lt"/>
+                <a:ea typeface="+mn-ea"/>
+                <a:cs typeface="+mn-cs"/>
+              </a:defRPr>
+            </a:lvl4pPr>
+            <a:lvl5pPr marL="2057400" indent="-228600" algn="l" defTabSz="914400" rtl="0" eaLnBrk="1" latinLnBrk="0" hangingPunct="1">
+              <a:lnSpc>
+                <a:spcPct val="90000"/>
+              </a:lnSpc>
+              <a:spcBef>
+                <a:spcPts val="500"/>
+              </a:spcBef>
+              <a:buFont typeface="Arial" panose="020B0604020202020204" pitchFamily="34" charset="0"/>
+              <a:buChar char="•"/>
+              <a:defRPr sz="800" kern="1200">
+                <a:solidFill>
+                  <a:schemeClr val="accent6"/>
+                </a:solidFill>
+                <a:latin typeface="+mn-lt"/>
+                <a:ea typeface="+mn-ea"/>
+                <a:cs typeface="+mn-cs"/>
+              </a:defRPr>
+            </a:lvl5pPr>
+            <a:lvl6pPr marL="2514600" indent="-228600" algn="l" defTabSz="914400" rtl="0" eaLnBrk="1" latinLnBrk="0" hangingPunct="1">
+              <a:lnSpc>
+                <a:spcPct val="90000"/>
+              </a:lnSpc>
+              <a:spcBef>
+                <a:spcPts val="500"/>
+              </a:spcBef>
+              <a:buFont typeface="Arial" panose="020B0604020202020204" pitchFamily="34" charset="0"/>
+              <a:buChar char="•"/>
+              <a:defRPr sz="1800" kern="1200">
+                <a:solidFill>
+                  <a:schemeClr val="tx1"/>
+                </a:solidFill>
+                <a:latin typeface="+mn-lt"/>
+                <a:ea typeface="+mn-ea"/>
+                <a:cs typeface="+mn-cs"/>
+              </a:defRPr>
+            </a:lvl6pPr>
+            <a:lvl7pPr marL="2971800" indent="-228600" algn="l" defTabSz="914400" rtl="0" eaLnBrk="1" latinLnBrk="0" hangingPunct="1">
+              <a:lnSpc>
+                <a:spcPct val="90000"/>
+              </a:lnSpc>
+              <a:spcBef>
+                <a:spcPts val="500"/>
+              </a:spcBef>
+              <a:buFont typeface="Arial" panose="020B0604020202020204" pitchFamily="34" charset="0"/>
+              <a:buChar char="•"/>
+              <a:defRPr sz="1800" kern="1200">
+                <a:solidFill>
+                  <a:schemeClr val="tx1"/>
+                </a:solidFill>
+                <a:latin typeface="+mn-lt"/>
+                <a:ea typeface="+mn-ea"/>
+                <a:cs typeface="+mn-cs"/>
+              </a:defRPr>
+            </a:lvl7pPr>
+            <a:lvl8pPr marL="3429000" indent="-228600" algn="l" defTabSz="914400" rtl="0" eaLnBrk="1" latinLnBrk="0" hangingPunct="1">
+              <a:lnSpc>
+                <a:spcPct val="90000"/>
+              </a:lnSpc>
+              <a:spcBef>
+                <a:spcPts val="500"/>
+              </a:spcBef>
+              <a:buFont typeface="Arial" panose="020B0604020202020204" pitchFamily="34" charset="0"/>
+              <a:buChar char="•"/>
+              <a:defRPr sz="1800" kern="1200">
+                <a:solidFill>
+                  <a:schemeClr val="tx1"/>
+                </a:solidFill>
+                <a:latin typeface="+mn-lt"/>
+                <a:ea typeface="+mn-ea"/>
+                <a:cs typeface="+mn-cs"/>
+              </a:defRPr>
+            </a:lvl8pPr>
+            <a:lvl9pPr marL="3886200" indent="-228600" algn="l" defTabSz="914400" rtl="0" eaLnBrk="1" latinLnBrk="0" hangingPunct="1">
+              <a:lnSpc>
+                <a:spcPct val="90000"/>
+              </a:lnSpc>
+              <a:spcBef>
+                <a:spcPts val="500"/>
+              </a:spcBef>
+              <a:buFont typeface="Arial" panose="020B0604020202020204" pitchFamily="34" charset="0"/>
+              <a:buChar char="•"/>
+              <a:defRPr sz="1800" kern="1200">
+                <a:solidFill>
+                  <a:schemeClr val="tx1"/>
+                </a:solidFill>
+                <a:latin typeface="+mn-lt"/>
+                <a:ea typeface="+mn-ea"/>
+                <a:cs typeface="+mn-cs"/>
+              </a:defRPr>
+            </a:lvl9pPr>
+          </a:lstStyle>
+          <a:p>
+            <a:pPr marL="0" indent="0">
+              <a:buNone/>
+            </a:pPr>
+            <a:r>
+              <a:rPr lang="en-US" altLang="zh-CN" sz="1200" dirty="0"/>
+              <a:t>Churn prediction model</a:t>
+            </a:r>
+            <a:endParaRPr lang="en-US" dirty="0"/>
+          </a:p>
+        </p:txBody>
+      </p:sp>
     </p:spTree>
     <p:extLst>
       <p:ext uri="{BB962C8B-B14F-4D97-AF65-F5344CB8AC3E}">
@@ -26279,35 +26987,6 @@
           <a:chExt cx="0" cy="0"/>
         </a:xfrm>
       </p:grpSpPr>
-      <p:sp>
-        <p:nvSpPr>
-          <p:cNvPr id="5" name="Footer Placeholder 4">
-            <a:extLst>
-              <a:ext uri="{FF2B5EF4-FFF2-40B4-BE49-F238E27FC236}">
-                <a16:creationId xmlns:a16="http://schemas.microsoft.com/office/drawing/2014/main" id="{6D18E7F7-120D-E343-B41C-E8DF89FC0F49}"/>
-              </a:ext>
-            </a:extLst>
-          </p:cNvPr>
-          <p:cNvSpPr>
-            <a:spLocks noGrp="1"/>
-          </p:cNvSpPr>
-          <p:nvPr>
-            <p:ph type="ftr" sz="quarter" idx="28"/>
-          </p:nvPr>
-        </p:nvSpPr>
-        <p:spPr/>
-        <p:txBody>
-          <a:bodyPr/>
-          <a:lstStyle/>
-          <a:p>
-            <a:r>
-              <a:rPr lang="en-US" altLang="zh-CN" sz="1200" dirty="0"/>
-              <a:t>Churn prediction model</a:t>
-            </a:r>
-            <a:endParaRPr lang="en-US" dirty="0"/>
-          </a:p>
-        </p:txBody>
-      </p:sp>
       <p:sp>
         <p:nvSpPr>
           <p:cNvPr id="7" name="Slide Number Placeholder 6">
@@ -27025,6 +27704,212 @@
           </a:graphicData>
         </a:graphic>
       </p:graphicFrame>
+      <p:sp>
+        <p:nvSpPr>
+          <p:cNvPr id="13" name="Footer Placeholder 4">
+            <a:extLst>
+              <a:ext uri="{FF2B5EF4-FFF2-40B4-BE49-F238E27FC236}">
+                <a16:creationId xmlns:a16="http://schemas.microsoft.com/office/drawing/2014/main" id="{C834C933-A0E3-4BBC-A65D-F8190433A8EA}"/>
+              </a:ext>
+            </a:extLst>
+          </p:cNvPr>
+          <p:cNvSpPr txBox="1">
+            <a:spLocks/>
+          </p:cNvSpPr>
+          <p:nvPr/>
+        </p:nvSpPr>
+        <p:spPr>
+          <a:xfrm>
+            <a:off x="9231004" y="6256093"/>
+            <a:ext cx="1963165" cy="288777"/>
+          </a:xfrm>
+          <a:prstGeom prst="rect">
+            <a:avLst/>
+          </a:prstGeom>
+        </p:spPr>
+        <p:txBody>
+          <a:bodyPr vert="horz" lIns="91440" tIns="45720" rIns="91440" bIns="45720" rtlCol="0">
+            <a:noAutofit/>
+          </a:bodyPr>
+          <a:lstStyle>
+            <a:lvl1pPr marL="228600" indent="-228600" algn="l" defTabSz="914400" rtl="0" eaLnBrk="1" latinLnBrk="0" hangingPunct="1">
+              <a:lnSpc>
+                <a:spcPct val="100000"/>
+              </a:lnSpc>
+              <a:spcBef>
+                <a:spcPts val="0"/>
+              </a:spcBef>
+              <a:spcAft>
+                <a:spcPts val="600"/>
+              </a:spcAft>
+              <a:buFont typeface="Arial" panose="020B0604020202020204" pitchFamily="34" charset="0"/>
+              <a:buChar char="•"/>
+              <a:defRPr sz="1400" b="0" kern="1200">
+                <a:solidFill>
+                  <a:schemeClr val="accent6"/>
+                </a:solidFill>
+                <a:latin typeface="+mn-lt"/>
+                <a:ea typeface="+mn-ea"/>
+                <a:cs typeface="+mn-cs"/>
+              </a:defRPr>
+            </a:lvl1pPr>
+            <a:lvl2pPr marL="685800" indent="-228600" algn="l" defTabSz="914400" rtl="0" eaLnBrk="1" latinLnBrk="0" hangingPunct="1">
+              <a:lnSpc>
+                <a:spcPct val="90000"/>
+              </a:lnSpc>
+              <a:spcBef>
+                <a:spcPts val="500"/>
+              </a:spcBef>
+              <a:buFont typeface="Arial" panose="020B0604020202020204" pitchFamily="34" charset="0"/>
+              <a:buChar char="•"/>
+              <a:defRPr sz="1000" kern="1200">
+                <a:solidFill>
+                  <a:schemeClr val="accent6"/>
+                </a:solidFill>
+                <a:latin typeface="+mn-lt"/>
+                <a:ea typeface="+mn-ea"/>
+                <a:cs typeface="+mn-cs"/>
+              </a:defRPr>
+            </a:lvl2pPr>
+            <a:lvl3pPr marL="1143000" indent="-228600" algn="l" defTabSz="914400" rtl="0" eaLnBrk="1" latinLnBrk="0" hangingPunct="1">
+              <a:lnSpc>
+                <a:spcPct val="90000"/>
+              </a:lnSpc>
+              <a:spcBef>
+                <a:spcPts val="500"/>
+              </a:spcBef>
+              <a:buFont typeface="Arial" panose="020B0604020202020204" pitchFamily="34" charset="0"/>
+              <a:buChar char="•"/>
+              <a:defRPr sz="900" kern="1200">
+                <a:solidFill>
+                  <a:schemeClr val="accent6"/>
+                </a:solidFill>
+                <a:latin typeface="+mn-lt"/>
+                <a:ea typeface="+mn-ea"/>
+                <a:cs typeface="+mn-cs"/>
+              </a:defRPr>
+            </a:lvl3pPr>
+            <a:lvl4pPr marL="1600200" indent="-228600" algn="l" defTabSz="914400" rtl="0" eaLnBrk="1" latinLnBrk="0" hangingPunct="1">
+              <a:lnSpc>
+                <a:spcPct val="90000"/>
+              </a:lnSpc>
+              <a:spcBef>
+                <a:spcPts val="500"/>
+              </a:spcBef>
+              <a:buFont typeface="Arial" panose="020B0604020202020204" pitchFamily="34" charset="0"/>
+              <a:buChar char="•"/>
+              <a:defRPr sz="800" kern="1200">
+                <a:solidFill>
+                  <a:schemeClr val="accent6"/>
+                </a:solidFill>
+                <a:latin typeface="+mn-lt"/>
+                <a:ea typeface="+mn-ea"/>
+                <a:cs typeface="+mn-cs"/>
+              </a:defRPr>
+            </a:lvl4pPr>
+            <a:lvl5pPr marL="2057400" indent="-228600" algn="l" defTabSz="914400" rtl="0" eaLnBrk="1" latinLnBrk="0" hangingPunct="1">
+              <a:lnSpc>
+                <a:spcPct val="90000"/>
+              </a:lnSpc>
+              <a:spcBef>
+                <a:spcPts val="500"/>
+              </a:spcBef>
+              <a:buFont typeface="Arial" panose="020B0604020202020204" pitchFamily="34" charset="0"/>
+              <a:buChar char="•"/>
+              <a:defRPr sz="800" kern="1200">
+                <a:solidFill>
+                  <a:schemeClr val="accent6"/>
+                </a:solidFill>
+                <a:latin typeface="+mn-lt"/>
+                <a:ea typeface="+mn-ea"/>
+                <a:cs typeface="+mn-cs"/>
+              </a:defRPr>
+            </a:lvl5pPr>
+            <a:lvl6pPr marL="2514600" indent="-228600" algn="l" defTabSz="914400" rtl="0" eaLnBrk="1" latinLnBrk="0" hangingPunct="1">
+              <a:lnSpc>
+                <a:spcPct val="90000"/>
+              </a:lnSpc>
+              <a:spcBef>
+                <a:spcPts val="500"/>
+              </a:spcBef>
+              <a:buFont typeface="Arial" panose="020B0604020202020204" pitchFamily="34" charset="0"/>
+              <a:buChar char="•"/>
+              <a:defRPr sz="1800" kern="1200">
+                <a:solidFill>
+                  <a:schemeClr val="tx1"/>
+                </a:solidFill>
+                <a:latin typeface="+mn-lt"/>
+                <a:ea typeface="+mn-ea"/>
+                <a:cs typeface="+mn-cs"/>
+              </a:defRPr>
+            </a:lvl6pPr>
+            <a:lvl7pPr marL="2971800" indent="-228600" algn="l" defTabSz="914400" rtl="0" eaLnBrk="1" latinLnBrk="0" hangingPunct="1">
+              <a:lnSpc>
+                <a:spcPct val="90000"/>
+              </a:lnSpc>
+              <a:spcBef>
+                <a:spcPts val="500"/>
+              </a:spcBef>
+              <a:buFont typeface="Arial" panose="020B0604020202020204" pitchFamily="34" charset="0"/>
+              <a:buChar char="•"/>
+              <a:defRPr sz="1800" kern="1200">
+                <a:solidFill>
+                  <a:schemeClr val="tx1"/>
+                </a:solidFill>
+                <a:latin typeface="+mn-lt"/>
+                <a:ea typeface="+mn-ea"/>
+                <a:cs typeface="+mn-cs"/>
+              </a:defRPr>
+            </a:lvl7pPr>
+            <a:lvl8pPr marL="3429000" indent="-228600" algn="l" defTabSz="914400" rtl="0" eaLnBrk="1" latinLnBrk="0" hangingPunct="1">
+              <a:lnSpc>
+                <a:spcPct val="90000"/>
+              </a:lnSpc>
+              <a:spcBef>
+                <a:spcPts val="500"/>
+              </a:spcBef>
+              <a:buFont typeface="Arial" panose="020B0604020202020204" pitchFamily="34" charset="0"/>
+              <a:buChar char="•"/>
+              <a:defRPr sz="1800" kern="1200">
+                <a:solidFill>
+                  <a:schemeClr val="tx1"/>
+                </a:solidFill>
+                <a:latin typeface="+mn-lt"/>
+                <a:ea typeface="+mn-ea"/>
+                <a:cs typeface="+mn-cs"/>
+              </a:defRPr>
+            </a:lvl8pPr>
+            <a:lvl9pPr marL="3886200" indent="-228600" algn="l" defTabSz="914400" rtl="0" eaLnBrk="1" latinLnBrk="0" hangingPunct="1">
+              <a:lnSpc>
+                <a:spcPct val="90000"/>
+              </a:lnSpc>
+              <a:spcBef>
+                <a:spcPts val="500"/>
+              </a:spcBef>
+              <a:buFont typeface="Arial" panose="020B0604020202020204" pitchFamily="34" charset="0"/>
+              <a:buChar char="•"/>
+              <a:defRPr sz="1800" kern="1200">
+                <a:solidFill>
+                  <a:schemeClr val="tx1"/>
+                </a:solidFill>
+                <a:latin typeface="+mn-lt"/>
+                <a:ea typeface="+mn-ea"/>
+                <a:cs typeface="+mn-cs"/>
+              </a:defRPr>
+            </a:lvl9pPr>
+          </a:lstStyle>
+          <a:p>
+            <a:pPr marL="0" indent="0">
+              <a:buNone/>
+            </a:pPr>
+            <a:r>
+              <a:rPr lang="en-US" altLang="zh-CN" sz="1200" dirty="0"/>
+              <a:t>Churn prediction model</a:t>
+            </a:r>
+            <a:endParaRPr lang="en-US" dirty="0"/>
+          </a:p>
+        </p:txBody>
+      </p:sp>
     </p:spTree>
     <p:extLst>
       <p:ext uri="{BB962C8B-B14F-4D97-AF65-F5344CB8AC3E}">
@@ -27055,35 +27940,6 @@
           <a:chExt cx="0" cy="0"/>
         </a:xfrm>
       </p:grpSpPr>
-      <p:sp>
-        <p:nvSpPr>
-          <p:cNvPr id="5" name="Footer Placeholder 4">
-            <a:extLst>
-              <a:ext uri="{FF2B5EF4-FFF2-40B4-BE49-F238E27FC236}">
-                <a16:creationId xmlns:a16="http://schemas.microsoft.com/office/drawing/2014/main" id="{6D18E7F7-120D-E343-B41C-E8DF89FC0F49}"/>
-              </a:ext>
-            </a:extLst>
-          </p:cNvPr>
-          <p:cNvSpPr>
-            <a:spLocks noGrp="1"/>
-          </p:cNvSpPr>
-          <p:nvPr>
-            <p:ph type="ftr" sz="quarter" idx="28"/>
-          </p:nvPr>
-        </p:nvSpPr>
-        <p:spPr/>
-        <p:txBody>
-          <a:bodyPr/>
-          <a:lstStyle/>
-          <a:p>
-            <a:r>
-              <a:rPr lang="en-US" altLang="zh-CN" sz="1200" dirty="0"/>
-              <a:t>Churn prediction model</a:t>
-            </a:r>
-            <a:endParaRPr lang="en-US" dirty="0"/>
-          </a:p>
-        </p:txBody>
-      </p:sp>
       <p:sp>
         <p:nvSpPr>
           <p:cNvPr id="7" name="Slide Number Placeholder 6">
@@ -27240,7 +28096,7 @@
         <p:spPr>
           <a:xfrm>
             <a:off x="581710" y="1390243"/>
-            <a:ext cx="4940202" cy="3416320"/>
+            <a:ext cx="6298484" cy="3139321"/>
           </a:xfrm>
           <a:prstGeom prst="rect">
             <a:avLst/>
@@ -27371,6 +28227,212 @@
               <a:effectLst/>
               <a:latin typeface="Abadi (Body)"/>
             </a:endParaRPr>
+          </a:p>
+        </p:txBody>
+      </p:sp>
+      <p:sp>
+        <p:nvSpPr>
+          <p:cNvPr id="8" name="Footer Placeholder 4">
+            <a:extLst>
+              <a:ext uri="{FF2B5EF4-FFF2-40B4-BE49-F238E27FC236}">
+                <a16:creationId xmlns:a16="http://schemas.microsoft.com/office/drawing/2014/main" id="{88E29346-5F17-4C48-96BA-E8AC4AC863CF}"/>
+              </a:ext>
+            </a:extLst>
+          </p:cNvPr>
+          <p:cNvSpPr txBox="1">
+            <a:spLocks/>
+          </p:cNvSpPr>
+          <p:nvPr/>
+        </p:nvSpPr>
+        <p:spPr>
+          <a:xfrm>
+            <a:off x="9231004" y="6256093"/>
+            <a:ext cx="1963165" cy="288777"/>
+          </a:xfrm>
+          <a:prstGeom prst="rect">
+            <a:avLst/>
+          </a:prstGeom>
+        </p:spPr>
+        <p:txBody>
+          <a:bodyPr vert="horz" lIns="91440" tIns="45720" rIns="91440" bIns="45720" rtlCol="0">
+            <a:noAutofit/>
+          </a:bodyPr>
+          <a:lstStyle>
+            <a:lvl1pPr marL="228600" indent="-228600" algn="l" defTabSz="914400" rtl="0" eaLnBrk="1" latinLnBrk="0" hangingPunct="1">
+              <a:lnSpc>
+                <a:spcPct val="100000"/>
+              </a:lnSpc>
+              <a:spcBef>
+                <a:spcPts val="0"/>
+              </a:spcBef>
+              <a:spcAft>
+                <a:spcPts val="600"/>
+              </a:spcAft>
+              <a:buFont typeface="Arial" panose="020B0604020202020204" pitchFamily="34" charset="0"/>
+              <a:buChar char="•"/>
+              <a:defRPr sz="1400" b="0" kern="1200">
+                <a:solidFill>
+                  <a:schemeClr val="accent6"/>
+                </a:solidFill>
+                <a:latin typeface="+mn-lt"/>
+                <a:ea typeface="+mn-ea"/>
+                <a:cs typeface="+mn-cs"/>
+              </a:defRPr>
+            </a:lvl1pPr>
+            <a:lvl2pPr marL="685800" indent="-228600" algn="l" defTabSz="914400" rtl="0" eaLnBrk="1" latinLnBrk="0" hangingPunct="1">
+              <a:lnSpc>
+                <a:spcPct val="90000"/>
+              </a:lnSpc>
+              <a:spcBef>
+                <a:spcPts val="500"/>
+              </a:spcBef>
+              <a:buFont typeface="Arial" panose="020B0604020202020204" pitchFamily="34" charset="0"/>
+              <a:buChar char="•"/>
+              <a:defRPr sz="1000" kern="1200">
+                <a:solidFill>
+                  <a:schemeClr val="accent6"/>
+                </a:solidFill>
+                <a:latin typeface="+mn-lt"/>
+                <a:ea typeface="+mn-ea"/>
+                <a:cs typeface="+mn-cs"/>
+              </a:defRPr>
+            </a:lvl2pPr>
+            <a:lvl3pPr marL="1143000" indent="-228600" algn="l" defTabSz="914400" rtl="0" eaLnBrk="1" latinLnBrk="0" hangingPunct="1">
+              <a:lnSpc>
+                <a:spcPct val="90000"/>
+              </a:lnSpc>
+              <a:spcBef>
+                <a:spcPts val="500"/>
+              </a:spcBef>
+              <a:buFont typeface="Arial" panose="020B0604020202020204" pitchFamily="34" charset="0"/>
+              <a:buChar char="•"/>
+              <a:defRPr sz="900" kern="1200">
+                <a:solidFill>
+                  <a:schemeClr val="accent6"/>
+                </a:solidFill>
+                <a:latin typeface="+mn-lt"/>
+                <a:ea typeface="+mn-ea"/>
+                <a:cs typeface="+mn-cs"/>
+              </a:defRPr>
+            </a:lvl3pPr>
+            <a:lvl4pPr marL="1600200" indent="-228600" algn="l" defTabSz="914400" rtl="0" eaLnBrk="1" latinLnBrk="0" hangingPunct="1">
+              <a:lnSpc>
+                <a:spcPct val="90000"/>
+              </a:lnSpc>
+              <a:spcBef>
+                <a:spcPts val="500"/>
+              </a:spcBef>
+              <a:buFont typeface="Arial" panose="020B0604020202020204" pitchFamily="34" charset="0"/>
+              <a:buChar char="•"/>
+              <a:defRPr sz="800" kern="1200">
+                <a:solidFill>
+                  <a:schemeClr val="accent6"/>
+                </a:solidFill>
+                <a:latin typeface="+mn-lt"/>
+                <a:ea typeface="+mn-ea"/>
+                <a:cs typeface="+mn-cs"/>
+              </a:defRPr>
+            </a:lvl4pPr>
+            <a:lvl5pPr marL="2057400" indent="-228600" algn="l" defTabSz="914400" rtl="0" eaLnBrk="1" latinLnBrk="0" hangingPunct="1">
+              <a:lnSpc>
+                <a:spcPct val="90000"/>
+              </a:lnSpc>
+              <a:spcBef>
+                <a:spcPts val="500"/>
+              </a:spcBef>
+              <a:buFont typeface="Arial" panose="020B0604020202020204" pitchFamily="34" charset="0"/>
+              <a:buChar char="•"/>
+              <a:defRPr sz="800" kern="1200">
+                <a:solidFill>
+                  <a:schemeClr val="accent6"/>
+                </a:solidFill>
+                <a:latin typeface="+mn-lt"/>
+                <a:ea typeface="+mn-ea"/>
+                <a:cs typeface="+mn-cs"/>
+              </a:defRPr>
+            </a:lvl5pPr>
+            <a:lvl6pPr marL="2514600" indent="-228600" algn="l" defTabSz="914400" rtl="0" eaLnBrk="1" latinLnBrk="0" hangingPunct="1">
+              <a:lnSpc>
+                <a:spcPct val="90000"/>
+              </a:lnSpc>
+              <a:spcBef>
+                <a:spcPts val="500"/>
+              </a:spcBef>
+              <a:buFont typeface="Arial" panose="020B0604020202020204" pitchFamily="34" charset="0"/>
+              <a:buChar char="•"/>
+              <a:defRPr sz="1800" kern="1200">
+                <a:solidFill>
+                  <a:schemeClr val="tx1"/>
+                </a:solidFill>
+                <a:latin typeface="+mn-lt"/>
+                <a:ea typeface="+mn-ea"/>
+                <a:cs typeface="+mn-cs"/>
+              </a:defRPr>
+            </a:lvl6pPr>
+            <a:lvl7pPr marL="2971800" indent="-228600" algn="l" defTabSz="914400" rtl="0" eaLnBrk="1" latinLnBrk="0" hangingPunct="1">
+              <a:lnSpc>
+                <a:spcPct val="90000"/>
+              </a:lnSpc>
+              <a:spcBef>
+                <a:spcPts val="500"/>
+              </a:spcBef>
+              <a:buFont typeface="Arial" panose="020B0604020202020204" pitchFamily="34" charset="0"/>
+              <a:buChar char="•"/>
+              <a:defRPr sz="1800" kern="1200">
+                <a:solidFill>
+                  <a:schemeClr val="tx1"/>
+                </a:solidFill>
+                <a:latin typeface="+mn-lt"/>
+                <a:ea typeface="+mn-ea"/>
+                <a:cs typeface="+mn-cs"/>
+              </a:defRPr>
+            </a:lvl7pPr>
+            <a:lvl8pPr marL="3429000" indent="-228600" algn="l" defTabSz="914400" rtl="0" eaLnBrk="1" latinLnBrk="0" hangingPunct="1">
+              <a:lnSpc>
+                <a:spcPct val="90000"/>
+              </a:lnSpc>
+              <a:spcBef>
+                <a:spcPts val="500"/>
+              </a:spcBef>
+              <a:buFont typeface="Arial" panose="020B0604020202020204" pitchFamily="34" charset="0"/>
+              <a:buChar char="•"/>
+              <a:defRPr sz="1800" kern="1200">
+                <a:solidFill>
+                  <a:schemeClr val="tx1"/>
+                </a:solidFill>
+                <a:latin typeface="+mn-lt"/>
+                <a:ea typeface="+mn-ea"/>
+                <a:cs typeface="+mn-cs"/>
+              </a:defRPr>
+            </a:lvl8pPr>
+            <a:lvl9pPr marL="3886200" indent="-228600" algn="l" defTabSz="914400" rtl="0" eaLnBrk="1" latinLnBrk="0" hangingPunct="1">
+              <a:lnSpc>
+                <a:spcPct val="90000"/>
+              </a:lnSpc>
+              <a:spcBef>
+                <a:spcPts val="500"/>
+              </a:spcBef>
+              <a:buFont typeface="Arial" panose="020B0604020202020204" pitchFamily="34" charset="0"/>
+              <a:buChar char="•"/>
+              <a:defRPr sz="1800" kern="1200">
+                <a:solidFill>
+                  <a:schemeClr val="tx1"/>
+                </a:solidFill>
+                <a:latin typeface="+mn-lt"/>
+                <a:ea typeface="+mn-ea"/>
+                <a:cs typeface="+mn-cs"/>
+              </a:defRPr>
+            </a:lvl9pPr>
+          </a:lstStyle>
+          <a:p>
+            <a:pPr marL="0" indent="0">
+              <a:buNone/>
+            </a:pPr>
+            <a:r>
+              <a:rPr lang="en-US" altLang="zh-CN" sz="1200" dirty="0"/>
+              <a:t>Churn prediction model</a:t>
+            </a:r>
+            <a:endParaRPr lang="en-US" dirty="0"/>
           </a:p>
         </p:txBody>
       </p:sp>
@@ -27498,6 +28560,212 @@
           </a:p>
         </p:txBody>
       </p:sp>
+      <p:sp>
+        <p:nvSpPr>
+          <p:cNvPr id="6" name="Footer Placeholder 4">
+            <a:extLst>
+              <a:ext uri="{FF2B5EF4-FFF2-40B4-BE49-F238E27FC236}">
+                <a16:creationId xmlns:a16="http://schemas.microsoft.com/office/drawing/2014/main" id="{F5248DE5-8163-4368-AB8D-853020466810}"/>
+              </a:ext>
+            </a:extLst>
+          </p:cNvPr>
+          <p:cNvSpPr txBox="1">
+            <a:spLocks/>
+          </p:cNvSpPr>
+          <p:nvPr/>
+        </p:nvSpPr>
+        <p:spPr>
+          <a:xfrm>
+            <a:off x="9231004" y="6256093"/>
+            <a:ext cx="1963165" cy="288777"/>
+          </a:xfrm>
+          <a:prstGeom prst="rect">
+            <a:avLst/>
+          </a:prstGeom>
+        </p:spPr>
+        <p:txBody>
+          <a:bodyPr vert="horz" lIns="91440" tIns="45720" rIns="91440" bIns="45720" rtlCol="0">
+            <a:noAutofit/>
+          </a:bodyPr>
+          <a:lstStyle>
+            <a:lvl1pPr marL="228600" indent="-228600" algn="l" defTabSz="914400" rtl="0" eaLnBrk="1" latinLnBrk="0" hangingPunct="1">
+              <a:lnSpc>
+                <a:spcPct val="100000"/>
+              </a:lnSpc>
+              <a:spcBef>
+                <a:spcPts val="0"/>
+              </a:spcBef>
+              <a:spcAft>
+                <a:spcPts val="600"/>
+              </a:spcAft>
+              <a:buFont typeface="Arial" panose="020B0604020202020204" pitchFamily="34" charset="0"/>
+              <a:buChar char="•"/>
+              <a:defRPr sz="1400" b="0" kern="1200">
+                <a:solidFill>
+                  <a:schemeClr val="accent6"/>
+                </a:solidFill>
+                <a:latin typeface="+mn-lt"/>
+                <a:ea typeface="+mn-ea"/>
+                <a:cs typeface="+mn-cs"/>
+              </a:defRPr>
+            </a:lvl1pPr>
+            <a:lvl2pPr marL="685800" indent="-228600" algn="l" defTabSz="914400" rtl="0" eaLnBrk="1" latinLnBrk="0" hangingPunct="1">
+              <a:lnSpc>
+                <a:spcPct val="90000"/>
+              </a:lnSpc>
+              <a:spcBef>
+                <a:spcPts val="500"/>
+              </a:spcBef>
+              <a:buFont typeface="Arial" panose="020B0604020202020204" pitchFamily="34" charset="0"/>
+              <a:buChar char="•"/>
+              <a:defRPr sz="1000" kern="1200">
+                <a:solidFill>
+                  <a:schemeClr val="accent6"/>
+                </a:solidFill>
+                <a:latin typeface="+mn-lt"/>
+                <a:ea typeface="+mn-ea"/>
+                <a:cs typeface="+mn-cs"/>
+              </a:defRPr>
+            </a:lvl2pPr>
+            <a:lvl3pPr marL="1143000" indent="-228600" algn="l" defTabSz="914400" rtl="0" eaLnBrk="1" latinLnBrk="0" hangingPunct="1">
+              <a:lnSpc>
+                <a:spcPct val="90000"/>
+              </a:lnSpc>
+              <a:spcBef>
+                <a:spcPts val="500"/>
+              </a:spcBef>
+              <a:buFont typeface="Arial" panose="020B0604020202020204" pitchFamily="34" charset="0"/>
+              <a:buChar char="•"/>
+              <a:defRPr sz="900" kern="1200">
+                <a:solidFill>
+                  <a:schemeClr val="accent6"/>
+                </a:solidFill>
+                <a:latin typeface="+mn-lt"/>
+                <a:ea typeface="+mn-ea"/>
+                <a:cs typeface="+mn-cs"/>
+              </a:defRPr>
+            </a:lvl3pPr>
+            <a:lvl4pPr marL="1600200" indent="-228600" algn="l" defTabSz="914400" rtl="0" eaLnBrk="1" latinLnBrk="0" hangingPunct="1">
+              <a:lnSpc>
+                <a:spcPct val="90000"/>
+              </a:lnSpc>
+              <a:spcBef>
+                <a:spcPts val="500"/>
+              </a:spcBef>
+              <a:buFont typeface="Arial" panose="020B0604020202020204" pitchFamily="34" charset="0"/>
+              <a:buChar char="•"/>
+              <a:defRPr sz="800" kern="1200">
+                <a:solidFill>
+                  <a:schemeClr val="accent6"/>
+                </a:solidFill>
+                <a:latin typeface="+mn-lt"/>
+                <a:ea typeface="+mn-ea"/>
+                <a:cs typeface="+mn-cs"/>
+              </a:defRPr>
+            </a:lvl4pPr>
+            <a:lvl5pPr marL="2057400" indent="-228600" algn="l" defTabSz="914400" rtl="0" eaLnBrk="1" latinLnBrk="0" hangingPunct="1">
+              <a:lnSpc>
+                <a:spcPct val="90000"/>
+              </a:lnSpc>
+              <a:spcBef>
+                <a:spcPts val="500"/>
+              </a:spcBef>
+              <a:buFont typeface="Arial" panose="020B0604020202020204" pitchFamily="34" charset="0"/>
+              <a:buChar char="•"/>
+              <a:defRPr sz="800" kern="1200">
+                <a:solidFill>
+                  <a:schemeClr val="accent6"/>
+                </a:solidFill>
+                <a:latin typeface="+mn-lt"/>
+                <a:ea typeface="+mn-ea"/>
+                <a:cs typeface="+mn-cs"/>
+              </a:defRPr>
+            </a:lvl5pPr>
+            <a:lvl6pPr marL="2514600" indent="-228600" algn="l" defTabSz="914400" rtl="0" eaLnBrk="1" latinLnBrk="0" hangingPunct="1">
+              <a:lnSpc>
+                <a:spcPct val="90000"/>
+              </a:lnSpc>
+              <a:spcBef>
+                <a:spcPts val="500"/>
+              </a:spcBef>
+              <a:buFont typeface="Arial" panose="020B0604020202020204" pitchFamily="34" charset="0"/>
+              <a:buChar char="•"/>
+              <a:defRPr sz="1800" kern="1200">
+                <a:solidFill>
+                  <a:schemeClr val="tx1"/>
+                </a:solidFill>
+                <a:latin typeface="+mn-lt"/>
+                <a:ea typeface="+mn-ea"/>
+                <a:cs typeface="+mn-cs"/>
+              </a:defRPr>
+            </a:lvl6pPr>
+            <a:lvl7pPr marL="2971800" indent="-228600" algn="l" defTabSz="914400" rtl="0" eaLnBrk="1" latinLnBrk="0" hangingPunct="1">
+              <a:lnSpc>
+                <a:spcPct val="90000"/>
+              </a:lnSpc>
+              <a:spcBef>
+                <a:spcPts val="500"/>
+              </a:spcBef>
+              <a:buFont typeface="Arial" panose="020B0604020202020204" pitchFamily="34" charset="0"/>
+              <a:buChar char="•"/>
+              <a:defRPr sz="1800" kern="1200">
+                <a:solidFill>
+                  <a:schemeClr val="tx1"/>
+                </a:solidFill>
+                <a:latin typeface="+mn-lt"/>
+                <a:ea typeface="+mn-ea"/>
+                <a:cs typeface="+mn-cs"/>
+              </a:defRPr>
+            </a:lvl7pPr>
+            <a:lvl8pPr marL="3429000" indent="-228600" algn="l" defTabSz="914400" rtl="0" eaLnBrk="1" latinLnBrk="0" hangingPunct="1">
+              <a:lnSpc>
+                <a:spcPct val="90000"/>
+              </a:lnSpc>
+              <a:spcBef>
+                <a:spcPts val="500"/>
+              </a:spcBef>
+              <a:buFont typeface="Arial" panose="020B0604020202020204" pitchFamily="34" charset="0"/>
+              <a:buChar char="•"/>
+              <a:defRPr sz="1800" kern="1200">
+                <a:solidFill>
+                  <a:schemeClr val="tx1"/>
+                </a:solidFill>
+                <a:latin typeface="+mn-lt"/>
+                <a:ea typeface="+mn-ea"/>
+                <a:cs typeface="+mn-cs"/>
+              </a:defRPr>
+            </a:lvl8pPr>
+            <a:lvl9pPr marL="3886200" indent="-228600" algn="l" defTabSz="914400" rtl="0" eaLnBrk="1" latinLnBrk="0" hangingPunct="1">
+              <a:lnSpc>
+                <a:spcPct val="90000"/>
+              </a:lnSpc>
+              <a:spcBef>
+                <a:spcPts val="500"/>
+              </a:spcBef>
+              <a:buFont typeface="Arial" panose="020B0604020202020204" pitchFamily="34" charset="0"/>
+              <a:buChar char="•"/>
+              <a:defRPr sz="1800" kern="1200">
+                <a:solidFill>
+                  <a:schemeClr val="tx1"/>
+                </a:solidFill>
+                <a:latin typeface="+mn-lt"/>
+                <a:ea typeface="+mn-ea"/>
+                <a:cs typeface="+mn-cs"/>
+              </a:defRPr>
+            </a:lvl9pPr>
+          </a:lstStyle>
+          <a:p>
+            <a:pPr marL="0" indent="0">
+              <a:buNone/>
+            </a:pPr>
+            <a:r>
+              <a:rPr lang="en-US" altLang="zh-CN" sz="1200" dirty="0"/>
+              <a:t>Churn prediction model</a:t>
+            </a:r>
+            <a:endParaRPr lang="en-US" dirty="0"/>
+          </a:p>
+        </p:txBody>
+      </p:sp>
     </p:spTree>
     <p:extLst>
       <p:ext uri="{BB962C8B-B14F-4D97-AF65-F5344CB8AC3E}">
@@ -27528,35 +28796,6 @@
           <a:chExt cx="0" cy="0"/>
         </a:xfrm>
       </p:grpSpPr>
-      <p:sp>
-        <p:nvSpPr>
-          <p:cNvPr id="5" name="Footer Placeholder 4">
-            <a:extLst>
-              <a:ext uri="{FF2B5EF4-FFF2-40B4-BE49-F238E27FC236}">
-                <a16:creationId xmlns:a16="http://schemas.microsoft.com/office/drawing/2014/main" id="{6D18E7F7-120D-E343-B41C-E8DF89FC0F49}"/>
-              </a:ext>
-            </a:extLst>
-          </p:cNvPr>
-          <p:cNvSpPr>
-            <a:spLocks noGrp="1"/>
-          </p:cNvSpPr>
-          <p:nvPr>
-            <p:ph type="ftr" sz="quarter" idx="28"/>
-          </p:nvPr>
-        </p:nvSpPr>
-        <p:spPr/>
-        <p:txBody>
-          <a:bodyPr/>
-          <a:lstStyle/>
-          <a:p>
-            <a:r>
-              <a:rPr lang="en-US" altLang="zh-CN" sz="1200" dirty="0"/>
-              <a:t>Churn prediction model</a:t>
-            </a:r>
-            <a:endParaRPr lang="en-US" dirty="0"/>
-          </a:p>
-        </p:txBody>
-      </p:sp>
       <p:sp>
         <p:nvSpPr>
           <p:cNvPr id="7" name="Slide Number Placeholder 6">
@@ -27804,6 +29043,212 @@
           </a:p>
         </p:txBody>
       </p:sp>
+      <p:sp>
+        <p:nvSpPr>
+          <p:cNvPr id="8" name="Footer Placeholder 4">
+            <a:extLst>
+              <a:ext uri="{FF2B5EF4-FFF2-40B4-BE49-F238E27FC236}">
+                <a16:creationId xmlns:a16="http://schemas.microsoft.com/office/drawing/2014/main" id="{C8C9C31D-1526-45D4-A876-3CC522CCB399}"/>
+              </a:ext>
+            </a:extLst>
+          </p:cNvPr>
+          <p:cNvSpPr txBox="1">
+            <a:spLocks/>
+          </p:cNvSpPr>
+          <p:nvPr/>
+        </p:nvSpPr>
+        <p:spPr>
+          <a:xfrm>
+            <a:off x="9231004" y="6256093"/>
+            <a:ext cx="1963165" cy="288777"/>
+          </a:xfrm>
+          <a:prstGeom prst="rect">
+            <a:avLst/>
+          </a:prstGeom>
+        </p:spPr>
+        <p:txBody>
+          <a:bodyPr vert="horz" lIns="91440" tIns="45720" rIns="91440" bIns="45720" rtlCol="0">
+            <a:noAutofit/>
+          </a:bodyPr>
+          <a:lstStyle>
+            <a:lvl1pPr marL="228600" indent="-228600" algn="l" defTabSz="914400" rtl="0" eaLnBrk="1" latinLnBrk="0" hangingPunct="1">
+              <a:lnSpc>
+                <a:spcPct val="100000"/>
+              </a:lnSpc>
+              <a:spcBef>
+                <a:spcPts val="0"/>
+              </a:spcBef>
+              <a:spcAft>
+                <a:spcPts val="600"/>
+              </a:spcAft>
+              <a:buFont typeface="Arial" panose="020B0604020202020204" pitchFamily="34" charset="0"/>
+              <a:buChar char="•"/>
+              <a:defRPr sz="1400" b="0" kern="1200">
+                <a:solidFill>
+                  <a:schemeClr val="accent6"/>
+                </a:solidFill>
+                <a:latin typeface="+mn-lt"/>
+                <a:ea typeface="+mn-ea"/>
+                <a:cs typeface="+mn-cs"/>
+              </a:defRPr>
+            </a:lvl1pPr>
+            <a:lvl2pPr marL="685800" indent="-228600" algn="l" defTabSz="914400" rtl="0" eaLnBrk="1" latinLnBrk="0" hangingPunct="1">
+              <a:lnSpc>
+                <a:spcPct val="90000"/>
+              </a:lnSpc>
+              <a:spcBef>
+                <a:spcPts val="500"/>
+              </a:spcBef>
+              <a:buFont typeface="Arial" panose="020B0604020202020204" pitchFamily="34" charset="0"/>
+              <a:buChar char="•"/>
+              <a:defRPr sz="1000" kern="1200">
+                <a:solidFill>
+                  <a:schemeClr val="accent6"/>
+                </a:solidFill>
+                <a:latin typeface="+mn-lt"/>
+                <a:ea typeface="+mn-ea"/>
+                <a:cs typeface="+mn-cs"/>
+              </a:defRPr>
+            </a:lvl2pPr>
+            <a:lvl3pPr marL="1143000" indent="-228600" algn="l" defTabSz="914400" rtl="0" eaLnBrk="1" latinLnBrk="0" hangingPunct="1">
+              <a:lnSpc>
+                <a:spcPct val="90000"/>
+              </a:lnSpc>
+              <a:spcBef>
+                <a:spcPts val="500"/>
+              </a:spcBef>
+              <a:buFont typeface="Arial" panose="020B0604020202020204" pitchFamily="34" charset="0"/>
+              <a:buChar char="•"/>
+              <a:defRPr sz="900" kern="1200">
+                <a:solidFill>
+                  <a:schemeClr val="accent6"/>
+                </a:solidFill>
+                <a:latin typeface="+mn-lt"/>
+                <a:ea typeface="+mn-ea"/>
+                <a:cs typeface="+mn-cs"/>
+              </a:defRPr>
+            </a:lvl3pPr>
+            <a:lvl4pPr marL="1600200" indent="-228600" algn="l" defTabSz="914400" rtl="0" eaLnBrk="1" latinLnBrk="0" hangingPunct="1">
+              <a:lnSpc>
+                <a:spcPct val="90000"/>
+              </a:lnSpc>
+              <a:spcBef>
+                <a:spcPts val="500"/>
+              </a:spcBef>
+              <a:buFont typeface="Arial" panose="020B0604020202020204" pitchFamily="34" charset="0"/>
+              <a:buChar char="•"/>
+              <a:defRPr sz="800" kern="1200">
+                <a:solidFill>
+                  <a:schemeClr val="accent6"/>
+                </a:solidFill>
+                <a:latin typeface="+mn-lt"/>
+                <a:ea typeface="+mn-ea"/>
+                <a:cs typeface="+mn-cs"/>
+              </a:defRPr>
+            </a:lvl4pPr>
+            <a:lvl5pPr marL="2057400" indent="-228600" algn="l" defTabSz="914400" rtl="0" eaLnBrk="1" latinLnBrk="0" hangingPunct="1">
+              <a:lnSpc>
+                <a:spcPct val="90000"/>
+              </a:lnSpc>
+              <a:spcBef>
+                <a:spcPts val="500"/>
+              </a:spcBef>
+              <a:buFont typeface="Arial" panose="020B0604020202020204" pitchFamily="34" charset="0"/>
+              <a:buChar char="•"/>
+              <a:defRPr sz="800" kern="1200">
+                <a:solidFill>
+                  <a:schemeClr val="accent6"/>
+                </a:solidFill>
+                <a:latin typeface="+mn-lt"/>
+                <a:ea typeface="+mn-ea"/>
+                <a:cs typeface="+mn-cs"/>
+              </a:defRPr>
+            </a:lvl5pPr>
+            <a:lvl6pPr marL="2514600" indent="-228600" algn="l" defTabSz="914400" rtl="0" eaLnBrk="1" latinLnBrk="0" hangingPunct="1">
+              <a:lnSpc>
+                <a:spcPct val="90000"/>
+              </a:lnSpc>
+              <a:spcBef>
+                <a:spcPts val="500"/>
+              </a:spcBef>
+              <a:buFont typeface="Arial" panose="020B0604020202020204" pitchFamily="34" charset="0"/>
+              <a:buChar char="•"/>
+              <a:defRPr sz="1800" kern="1200">
+                <a:solidFill>
+                  <a:schemeClr val="tx1"/>
+                </a:solidFill>
+                <a:latin typeface="+mn-lt"/>
+                <a:ea typeface="+mn-ea"/>
+                <a:cs typeface="+mn-cs"/>
+              </a:defRPr>
+            </a:lvl6pPr>
+            <a:lvl7pPr marL="2971800" indent="-228600" algn="l" defTabSz="914400" rtl="0" eaLnBrk="1" latinLnBrk="0" hangingPunct="1">
+              <a:lnSpc>
+                <a:spcPct val="90000"/>
+              </a:lnSpc>
+              <a:spcBef>
+                <a:spcPts val="500"/>
+              </a:spcBef>
+              <a:buFont typeface="Arial" panose="020B0604020202020204" pitchFamily="34" charset="0"/>
+              <a:buChar char="•"/>
+              <a:defRPr sz="1800" kern="1200">
+                <a:solidFill>
+                  <a:schemeClr val="tx1"/>
+                </a:solidFill>
+                <a:latin typeface="+mn-lt"/>
+                <a:ea typeface="+mn-ea"/>
+                <a:cs typeface="+mn-cs"/>
+              </a:defRPr>
+            </a:lvl7pPr>
+            <a:lvl8pPr marL="3429000" indent="-228600" algn="l" defTabSz="914400" rtl="0" eaLnBrk="1" latinLnBrk="0" hangingPunct="1">
+              <a:lnSpc>
+                <a:spcPct val="90000"/>
+              </a:lnSpc>
+              <a:spcBef>
+                <a:spcPts val="500"/>
+              </a:spcBef>
+              <a:buFont typeface="Arial" panose="020B0604020202020204" pitchFamily="34" charset="0"/>
+              <a:buChar char="•"/>
+              <a:defRPr sz="1800" kern="1200">
+                <a:solidFill>
+                  <a:schemeClr val="tx1"/>
+                </a:solidFill>
+                <a:latin typeface="+mn-lt"/>
+                <a:ea typeface="+mn-ea"/>
+                <a:cs typeface="+mn-cs"/>
+              </a:defRPr>
+            </a:lvl8pPr>
+            <a:lvl9pPr marL="3886200" indent="-228600" algn="l" defTabSz="914400" rtl="0" eaLnBrk="1" latinLnBrk="0" hangingPunct="1">
+              <a:lnSpc>
+                <a:spcPct val="90000"/>
+              </a:lnSpc>
+              <a:spcBef>
+                <a:spcPts val="500"/>
+              </a:spcBef>
+              <a:buFont typeface="Arial" panose="020B0604020202020204" pitchFamily="34" charset="0"/>
+              <a:buChar char="•"/>
+              <a:defRPr sz="1800" kern="1200">
+                <a:solidFill>
+                  <a:schemeClr val="tx1"/>
+                </a:solidFill>
+                <a:latin typeface="+mn-lt"/>
+                <a:ea typeface="+mn-ea"/>
+                <a:cs typeface="+mn-cs"/>
+              </a:defRPr>
+            </a:lvl9pPr>
+          </a:lstStyle>
+          <a:p>
+            <a:pPr marL="0" indent="0">
+              <a:buNone/>
+            </a:pPr>
+            <a:r>
+              <a:rPr lang="en-US" altLang="zh-CN" sz="1200" dirty="0"/>
+              <a:t>Churn prediction model</a:t>
+            </a:r>
+            <a:endParaRPr lang="en-US" dirty="0"/>
+          </a:p>
+        </p:txBody>
+      </p:sp>
     </p:spTree>
     <p:extLst>
       <p:ext uri="{BB962C8B-B14F-4D97-AF65-F5344CB8AC3E}">
@@ -27852,8 +29297,8 @@
         </p:nvSpPr>
         <p:spPr>
           <a:xfrm>
-            <a:off x="2910148" y="1622967"/>
-            <a:ext cx="8284021" cy="2487394"/>
+            <a:off x="2910149" y="1622967"/>
+            <a:ext cx="7059474" cy="1262276"/>
           </a:xfrm>
         </p:spPr>
         <p:txBody>
@@ -27871,20 +29316,6 @@
             <a:r>
               <a:rPr lang="en-US" sz="1800" dirty="0"/>
               <a:t> University, graduating with first honors and a GPA of 3.67. He also earned a Master's degree in Economics from Thammasat University, achieving a GPA of 3.98.</a:t>
-            </a:r>
-          </a:p>
-          <a:p>
-            <a:r>
-              <a:rPr lang="en-US" sz="1800" dirty="0"/>
-              <a:t>With four years of experience as a Data Scientist at </a:t>
-            </a:r>
-            <a:r>
-              <a:rPr lang="en-US" sz="1800" dirty="0" err="1"/>
-              <a:t>Kasikorn</a:t>
-            </a:r>
-            <a:r>
-              <a:rPr lang="en-US" sz="1800" dirty="0"/>
-              <a:t> Asset Management, Peerapat is dedicated to utilizing machine learning models to address intricate business challenges, notably in the realm of marketing. His passion lies in leveraging data-driven solutions to drive impactful outcomes.</a:t>
             </a:r>
           </a:p>
         </p:txBody>
@@ -28356,6 +29787,212 @@
           </a:p>
         </p:txBody>
       </p:sp>
+      <p:sp>
+        <p:nvSpPr>
+          <p:cNvPr id="13" name="Footer Placeholder 4">
+            <a:extLst>
+              <a:ext uri="{FF2B5EF4-FFF2-40B4-BE49-F238E27FC236}">
+                <a16:creationId xmlns:a16="http://schemas.microsoft.com/office/drawing/2014/main" id="{EE837694-7905-45C5-B08B-73C2EC65F4AA}"/>
+              </a:ext>
+            </a:extLst>
+          </p:cNvPr>
+          <p:cNvSpPr txBox="1">
+            <a:spLocks/>
+          </p:cNvSpPr>
+          <p:nvPr/>
+        </p:nvSpPr>
+        <p:spPr>
+          <a:xfrm>
+            <a:off x="9231004" y="6256093"/>
+            <a:ext cx="1963165" cy="288777"/>
+          </a:xfrm>
+          <a:prstGeom prst="rect">
+            <a:avLst/>
+          </a:prstGeom>
+        </p:spPr>
+        <p:txBody>
+          <a:bodyPr vert="horz" lIns="91440" tIns="45720" rIns="91440" bIns="45720" rtlCol="0">
+            <a:noAutofit/>
+          </a:bodyPr>
+          <a:lstStyle>
+            <a:lvl1pPr marL="228600" indent="-228600" algn="l" defTabSz="914400" rtl="0" eaLnBrk="1" latinLnBrk="0" hangingPunct="1">
+              <a:lnSpc>
+                <a:spcPct val="100000"/>
+              </a:lnSpc>
+              <a:spcBef>
+                <a:spcPts val="0"/>
+              </a:spcBef>
+              <a:spcAft>
+                <a:spcPts val="600"/>
+              </a:spcAft>
+              <a:buFont typeface="Arial" panose="020B0604020202020204" pitchFamily="34" charset="0"/>
+              <a:buChar char="•"/>
+              <a:defRPr sz="1400" b="0" kern="1200">
+                <a:solidFill>
+                  <a:schemeClr val="accent6"/>
+                </a:solidFill>
+                <a:latin typeface="+mn-lt"/>
+                <a:ea typeface="+mn-ea"/>
+                <a:cs typeface="+mn-cs"/>
+              </a:defRPr>
+            </a:lvl1pPr>
+            <a:lvl2pPr marL="685800" indent="-228600" algn="l" defTabSz="914400" rtl="0" eaLnBrk="1" latinLnBrk="0" hangingPunct="1">
+              <a:lnSpc>
+                <a:spcPct val="90000"/>
+              </a:lnSpc>
+              <a:spcBef>
+                <a:spcPts val="500"/>
+              </a:spcBef>
+              <a:buFont typeface="Arial" panose="020B0604020202020204" pitchFamily="34" charset="0"/>
+              <a:buChar char="•"/>
+              <a:defRPr sz="1000" kern="1200">
+                <a:solidFill>
+                  <a:schemeClr val="accent6"/>
+                </a:solidFill>
+                <a:latin typeface="+mn-lt"/>
+                <a:ea typeface="+mn-ea"/>
+                <a:cs typeface="+mn-cs"/>
+              </a:defRPr>
+            </a:lvl2pPr>
+            <a:lvl3pPr marL="1143000" indent="-228600" algn="l" defTabSz="914400" rtl="0" eaLnBrk="1" latinLnBrk="0" hangingPunct="1">
+              <a:lnSpc>
+                <a:spcPct val="90000"/>
+              </a:lnSpc>
+              <a:spcBef>
+                <a:spcPts val="500"/>
+              </a:spcBef>
+              <a:buFont typeface="Arial" panose="020B0604020202020204" pitchFamily="34" charset="0"/>
+              <a:buChar char="•"/>
+              <a:defRPr sz="900" kern="1200">
+                <a:solidFill>
+                  <a:schemeClr val="accent6"/>
+                </a:solidFill>
+                <a:latin typeface="+mn-lt"/>
+                <a:ea typeface="+mn-ea"/>
+                <a:cs typeface="+mn-cs"/>
+              </a:defRPr>
+            </a:lvl3pPr>
+            <a:lvl4pPr marL="1600200" indent="-228600" algn="l" defTabSz="914400" rtl="0" eaLnBrk="1" latinLnBrk="0" hangingPunct="1">
+              <a:lnSpc>
+                <a:spcPct val="90000"/>
+              </a:lnSpc>
+              <a:spcBef>
+                <a:spcPts val="500"/>
+              </a:spcBef>
+              <a:buFont typeface="Arial" panose="020B0604020202020204" pitchFamily="34" charset="0"/>
+              <a:buChar char="•"/>
+              <a:defRPr sz="800" kern="1200">
+                <a:solidFill>
+                  <a:schemeClr val="accent6"/>
+                </a:solidFill>
+                <a:latin typeface="+mn-lt"/>
+                <a:ea typeface="+mn-ea"/>
+                <a:cs typeface="+mn-cs"/>
+              </a:defRPr>
+            </a:lvl4pPr>
+            <a:lvl5pPr marL="2057400" indent="-228600" algn="l" defTabSz="914400" rtl="0" eaLnBrk="1" latinLnBrk="0" hangingPunct="1">
+              <a:lnSpc>
+                <a:spcPct val="90000"/>
+              </a:lnSpc>
+              <a:spcBef>
+                <a:spcPts val="500"/>
+              </a:spcBef>
+              <a:buFont typeface="Arial" panose="020B0604020202020204" pitchFamily="34" charset="0"/>
+              <a:buChar char="•"/>
+              <a:defRPr sz="800" kern="1200">
+                <a:solidFill>
+                  <a:schemeClr val="accent6"/>
+                </a:solidFill>
+                <a:latin typeface="+mn-lt"/>
+                <a:ea typeface="+mn-ea"/>
+                <a:cs typeface="+mn-cs"/>
+              </a:defRPr>
+            </a:lvl5pPr>
+            <a:lvl6pPr marL="2514600" indent="-228600" algn="l" defTabSz="914400" rtl="0" eaLnBrk="1" latinLnBrk="0" hangingPunct="1">
+              <a:lnSpc>
+                <a:spcPct val="90000"/>
+              </a:lnSpc>
+              <a:spcBef>
+                <a:spcPts val="500"/>
+              </a:spcBef>
+              <a:buFont typeface="Arial" panose="020B0604020202020204" pitchFamily="34" charset="0"/>
+              <a:buChar char="•"/>
+              <a:defRPr sz="1800" kern="1200">
+                <a:solidFill>
+                  <a:schemeClr val="tx1"/>
+                </a:solidFill>
+                <a:latin typeface="+mn-lt"/>
+                <a:ea typeface="+mn-ea"/>
+                <a:cs typeface="+mn-cs"/>
+              </a:defRPr>
+            </a:lvl6pPr>
+            <a:lvl7pPr marL="2971800" indent="-228600" algn="l" defTabSz="914400" rtl="0" eaLnBrk="1" latinLnBrk="0" hangingPunct="1">
+              <a:lnSpc>
+                <a:spcPct val="90000"/>
+              </a:lnSpc>
+              <a:spcBef>
+                <a:spcPts val="500"/>
+              </a:spcBef>
+              <a:buFont typeface="Arial" panose="020B0604020202020204" pitchFamily="34" charset="0"/>
+              <a:buChar char="•"/>
+              <a:defRPr sz="1800" kern="1200">
+                <a:solidFill>
+                  <a:schemeClr val="tx1"/>
+                </a:solidFill>
+                <a:latin typeface="+mn-lt"/>
+                <a:ea typeface="+mn-ea"/>
+                <a:cs typeface="+mn-cs"/>
+              </a:defRPr>
+            </a:lvl7pPr>
+            <a:lvl8pPr marL="3429000" indent="-228600" algn="l" defTabSz="914400" rtl="0" eaLnBrk="1" latinLnBrk="0" hangingPunct="1">
+              <a:lnSpc>
+                <a:spcPct val="90000"/>
+              </a:lnSpc>
+              <a:spcBef>
+                <a:spcPts val="500"/>
+              </a:spcBef>
+              <a:buFont typeface="Arial" panose="020B0604020202020204" pitchFamily="34" charset="0"/>
+              <a:buChar char="•"/>
+              <a:defRPr sz="1800" kern="1200">
+                <a:solidFill>
+                  <a:schemeClr val="tx1"/>
+                </a:solidFill>
+                <a:latin typeface="+mn-lt"/>
+                <a:ea typeface="+mn-ea"/>
+                <a:cs typeface="+mn-cs"/>
+              </a:defRPr>
+            </a:lvl8pPr>
+            <a:lvl9pPr marL="3886200" indent="-228600" algn="l" defTabSz="914400" rtl="0" eaLnBrk="1" latinLnBrk="0" hangingPunct="1">
+              <a:lnSpc>
+                <a:spcPct val="90000"/>
+              </a:lnSpc>
+              <a:spcBef>
+                <a:spcPts val="500"/>
+              </a:spcBef>
+              <a:buFont typeface="Arial" panose="020B0604020202020204" pitchFamily="34" charset="0"/>
+              <a:buChar char="•"/>
+              <a:defRPr sz="1800" kern="1200">
+                <a:solidFill>
+                  <a:schemeClr val="tx1"/>
+                </a:solidFill>
+                <a:latin typeface="+mn-lt"/>
+                <a:ea typeface="+mn-ea"/>
+                <a:cs typeface="+mn-cs"/>
+              </a:defRPr>
+            </a:lvl9pPr>
+          </a:lstStyle>
+          <a:p>
+            <a:pPr marL="0" indent="0">
+              <a:buNone/>
+            </a:pPr>
+            <a:r>
+              <a:rPr lang="en-US" altLang="zh-CN" sz="1200" dirty="0"/>
+              <a:t>Churn prediction model</a:t>
+            </a:r>
+            <a:endParaRPr lang="en-US" dirty="0"/>
+          </a:p>
+        </p:txBody>
+      </p:sp>
     </p:spTree>
     <p:extLst>
       <p:ext uri="{BB962C8B-B14F-4D97-AF65-F5344CB8AC3E}">
@@ -28748,7 +30385,7 @@
                 <a:effectLst/>
                 <a:latin typeface="Abadi (Body)"/>
               </a:rPr>
-              <a:t>Use of model in the future</a:t>
+              <a:t>Use of model</a:t>
             </a:r>
           </a:p>
         </p:txBody>
@@ -28948,40 +30585,6 @@
               <a:rPr lang="en-US" dirty="0"/>
               <a:t>TABLE OF CONTENT</a:t>
             </a:r>
-          </a:p>
-        </p:txBody>
-      </p:sp>
-      <p:sp>
-        <p:nvSpPr>
-          <p:cNvPr id="14" name="Footer Placeholder 4">
-            <a:extLst>
-              <a:ext uri="{FF2B5EF4-FFF2-40B4-BE49-F238E27FC236}">
-                <a16:creationId xmlns:a16="http://schemas.microsoft.com/office/drawing/2014/main" id="{846BCED8-E7B5-4911-AFF0-30E741C1AD0F}"/>
-              </a:ext>
-            </a:extLst>
-          </p:cNvPr>
-          <p:cNvSpPr>
-            <a:spLocks noGrp="1"/>
-          </p:cNvSpPr>
-          <p:nvPr>
-            <p:ph type="ftr" sz="quarter" idx="28"/>
-          </p:nvPr>
-        </p:nvSpPr>
-        <p:spPr>
-          <a:xfrm>
-            <a:off x="484632" y="6217920"/>
-            <a:ext cx="4114800" cy="365125"/>
-          </a:xfrm>
-        </p:spPr>
-        <p:txBody>
-          <a:bodyPr/>
-          <a:lstStyle/>
-          <a:p>
-            <a:r>
-              <a:rPr lang="en-US" altLang="zh-CN" sz="1200" dirty="0"/>
-              <a:t>Churn prediction model</a:t>
-            </a:r>
-            <a:endParaRPr lang="en-US" dirty="0"/>
           </a:p>
         </p:txBody>
       </p:sp>
@@ -29063,6 +30666,212 @@
           </a:p>
         </p:txBody>
       </p:sp>
+      <p:sp>
+        <p:nvSpPr>
+          <p:cNvPr id="11" name="Footer Placeholder 4">
+            <a:extLst>
+              <a:ext uri="{FF2B5EF4-FFF2-40B4-BE49-F238E27FC236}">
+                <a16:creationId xmlns:a16="http://schemas.microsoft.com/office/drawing/2014/main" id="{8799F45C-4660-433A-853B-14BEFAF1426F}"/>
+              </a:ext>
+            </a:extLst>
+          </p:cNvPr>
+          <p:cNvSpPr txBox="1">
+            <a:spLocks/>
+          </p:cNvSpPr>
+          <p:nvPr/>
+        </p:nvSpPr>
+        <p:spPr>
+          <a:xfrm>
+            <a:off x="9231004" y="6256093"/>
+            <a:ext cx="1963165" cy="288777"/>
+          </a:xfrm>
+          <a:prstGeom prst="rect">
+            <a:avLst/>
+          </a:prstGeom>
+        </p:spPr>
+        <p:txBody>
+          <a:bodyPr vert="horz" lIns="91440" tIns="45720" rIns="91440" bIns="45720" rtlCol="0">
+            <a:noAutofit/>
+          </a:bodyPr>
+          <a:lstStyle>
+            <a:lvl1pPr marL="228600" indent="-228600" algn="l" defTabSz="914400" rtl="0" eaLnBrk="1" latinLnBrk="0" hangingPunct="1">
+              <a:lnSpc>
+                <a:spcPct val="100000"/>
+              </a:lnSpc>
+              <a:spcBef>
+                <a:spcPts val="0"/>
+              </a:spcBef>
+              <a:spcAft>
+                <a:spcPts val="600"/>
+              </a:spcAft>
+              <a:buFont typeface="Arial" panose="020B0604020202020204" pitchFamily="34" charset="0"/>
+              <a:buChar char="•"/>
+              <a:defRPr sz="1400" b="0" kern="1200">
+                <a:solidFill>
+                  <a:schemeClr val="accent6"/>
+                </a:solidFill>
+                <a:latin typeface="+mn-lt"/>
+                <a:ea typeface="+mn-ea"/>
+                <a:cs typeface="+mn-cs"/>
+              </a:defRPr>
+            </a:lvl1pPr>
+            <a:lvl2pPr marL="685800" indent="-228600" algn="l" defTabSz="914400" rtl="0" eaLnBrk="1" latinLnBrk="0" hangingPunct="1">
+              <a:lnSpc>
+                <a:spcPct val="90000"/>
+              </a:lnSpc>
+              <a:spcBef>
+                <a:spcPts val="500"/>
+              </a:spcBef>
+              <a:buFont typeface="Arial" panose="020B0604020202020204" pitchFamily="34" charset="0"/>
+              <a:buChar char="•"/>
+              <a:defRPr sz="1000" kern="1200">
+                <a:solidFill>
+                  <a:schemeClr val="accent6"/>
+                </a:solidFill>
+                <a:latin typeface="+mn-lt"/>
+                <a:ea typeface="+mn-ea"/>
+                <a:cs typeface="+mn-cs"/>
+              </a:defRPr>
+            </a:lvl2pPr>
+            <a:lvl3pPr marL="1143000" indent="-228600" algn="l" defTabSz="914400" rtl="0" eaLnBrk="1" latinLnBrk="0" hangingPunct="1">
+              <a:lnSpc>
+                <a:spcPct val="90000"/>
+              </a:lnSpc>
+              <a:spcBef>
+                <a:spcPts val="500"/>
+              </a:spcBef>
+              <a:buFont typeface="Arial" panose="020B0604020202020204" pitchFamily="34" charset="0"/>
+              <a:buChar char="•"/>
+              <a:defRPr sz="900" kern="1200">
+                <a:solidFill>
+                  <a:schemeClr val="accent6"/>
+                </a:solidFill>
+                <a:latin typeface="+mn-lt"/>
+                <a:ea typeface="+mn-ea"/>
+                <a:cs typeface="+mn-cs"/>
+              </a:defRPr>
+            </a:lvl3pPr>
+            <a:lvl4pPr marL="1600200" indent="-228600" algn="l" defTabSz="914400" rtl="0" eaLnBrk="1" latinLnBrk="0" hangingPunct="1">
+              <a:lnSpc>
+                <a:spcPct val="90000"/>
+              </a:lnSpc>
+              <a:spcBef>
+                <a:spcPts val="500"/>
+              </a:spcBef>
+              <a:buFont typeface="Arial" panose="020B0604020202020204" pitchFamily="34" charset="0"/>
+              <a:buChar char="•"/>
+              <a:defRPr sz="800" kern="1200">
+                <a:solidFill>
+                  <a:schemeClr val="accent6"/>
+                </a:solidFill>
+                <a:latin typeface="+mn-lt"/>
+                <a:ea typeface="+mn-ea"/>
+                <a:cs typeface="+mn-cs"/>
+              </a:defRPr>
+            </a:lvl4pPr>
+            <a:lvl5pPr marL="2057400" indent="-228600" algn="l" defTabSz="914400" rtl="0" eaLnBrk="1" latinLnBrk="0" hangingPunct="1">
+              <a:lnSpc>
+                <a:spcPct val="90000"/>
+              </a:lnSpc>
+              <a:spcBef>
+                <a:spcPts val="500"/>
+              </a:spcBef>
+              <a:buFont typeface="Arial" panose="020B0604020202020204" pitchFamily="34" charset="0"/>
+              <a:buChar char="•"/>
+              <a:defRPr sz="800" kern="1200">
+                <a:solidFill>
+                  <a:schemeClr val="accent6"/>
+                </a:solidFill>
+                <a:latin typeface="+mn-lt"/>
+                <a:ea typeface="+mn-ea"/>
+                <a:cs typeface="+mn-cs"/>
+              </a:defRPr>
+            </a:lvl5pPr>
+            <a:lvl6pPr marL="2514600" indent="-228600" algn="l" defTabSz="914400" rtl="0" eaLnBrk="1" latinLnBrk="0" hangingPunct="1">
+              <a:lnSpc>
+                <a:spcPct val="90000"/>
+              </a:lnSpc>
+              <a:spcBef>
+                <a:spcPts val="500"/>
+              </a:spcBef>
+              <a:buFont typeface="Arial" panose="020B0604020202020204" pitchFamily="34" charset="0"/>
+              <a:buChar char="•"/>
+              <a:defRPr sz="1800" kern="1200">
+                <a:solidFill>
+                  <a:schemeClr val="tx1"/>
+                </a:solidFill>
+                <a:latin typeface="+mn-lt"/>
+                <a:ea typeface="+mn-ea"/>
+                <a:cs typeface="+mn-cs"/>
+              </a:defRPr>
+            </a:lvl6pPr>
+            <a:lvl7pPr marL="2971800" indent="-228600" algn="l" defTabSz="914400" rtl="0" eaLnBrk="1" latinLnBrk="0" hangingPunct="1">
+              <a:lnSpc>
+                <a:spcPct val="90000"/>
+              </a:lnSpc>
+              <a:spcBef>
+                <a:spcPts val="500"/>
+              </a:spcBef>
+              <a:buFont typeface="Arial" panose="020B0604020202020204" pitchFamily="34" charset="0"/>
+              <a:buChar char="•"/>
+              <a:defRPr sz="1800" kern="1200">
+                <a:solidFill>
+                  <a:schemeClr val="tx1"/>
+                </a:solidFill>
+                <a:latin typeface="+mn-lt"/>
+                <a:ea typeface="+mn-ea"/>
+                <a:cs typeface="+mn-cs"/>
+              </a:defRPr>
+            </a:lvl7pPr>
+            <a:lvl8pPr marL="3429000" indent="-228600" algn="l" defTabSz="914400" rtl="0" eaLnBrk="1" latinLnBrk="0" hangingPunct="1">
+              <a:lnSpc>
+                <a:spcPct val="90000"/>
+              </a:lnSpc>
+              <a:spcBef>
+                <a:spcPts val="500"/>
+              </a:spcBef>
+              <a:buFont typeface="Arial" panose="020B0604020202020204" pitchFamily="34" charset="0"/>
+              <a:buChar char="•"/>
+              <a:defRPr sz="1800" kern="1200">
+                <a:solidFill>
+                  <a:schemeClr val="tx1"/>
+                </a:solidFill>
+                <a:latin typeface="+mn-lt"/>
+                <a:ea typeface="+mn-ea"/>
+                <a:cs typeface="+mn-cs"/>
+              </a:defRPr>
+            </a:lvl8pPr>
+            <a:lvl9pPr marL="3886200" indent="-228600" algn="l" defTabSz="914400" rtl="0" eaLnBrk="1" latinLnBrk="0" hangingPunct="1">
+              <a:lnSpc>
+                <a:spcPct val="90000"/>
+              </a:lnSpc>
+              <a:spcBef>
+                <a:spcPts val="500"/>
+              </a:spcBef>
+              <a:buFont typeface="Arial" panose="020B0604020202020204" pitchFamily="34" charset="0"/>
+              <a:buChar char="•"/>
+              <a:defRPr sz="1800" kern="1200">
+                <a:solidFill>
+                  <a:schemeClr val="tx1"/>
+                </a:solidFill>
+                <a:latin typeface="+mn-lt"/>
+                <a:ea typeface="+mn-ea"/>
+                <a:cs typeface="+mn-cs"/>
+              </a:defRPr>
+            </a:lvl9pPr>
+          </a:lstStyle>
+          <a:p>
+            <a:pPr marL="0" indent="0">
+              <a:buNone/>
+            </a:pPr>
+            <a:r>
+              <a:rPr lang="en-US" altLang="zh-CN" sz="1200" dirty="0"/>
+              <a:t>Churn prediction model</a:t>
+            </a:r>
+            <a:endParaRPr lang="en-US" dirty="0"/>
+          </a:p>
+        </p:txBody>
+      </p:sp>
     </p:spTree>
     <p:extLst>
       <p:ext uri="{BB962C8B-B14F-4D97-AF65-F5344CB8AC3E}">
@@ -29093,35 +30902,6 @@
           <a:chExt cx="0" cy="0"/>
         </a:xfrm>
       </p:grpSpPr>
-      <p:sp>
-        <p:nvSpPr>
-          <p:cNvPr id="5" name="Footer Placeholder 4">
-            <a:extLst>
-              <a:ext uri="{FF2B5EF4-FFF2-40B4-BE49-F238E27FC236}">
-                <a16:creationId xmlns:a16="http://schemas.microsoft.com/office/drawing/2014/main" id="{6D18E7F7-120D-E343-B41C-E8DF89FC0F49}"/>
-              </a:ext>
-            </a:extLst>
-          </p:cNvPr>
-          <p:cNvSpPr>
-            <a:spLocks noGrp="1"/>
-          </p:cNvSpPr>
-          <p:nvPr>
-            <p:ph type="ftr" sz="quarter" idx="28"/>
-          </p:nvPr>
-        </p:nvSpPr>
-        <p:spPr/>
-        <p:txBody>
-          <a:bodyPr/>
-          <a:lstStyle/>
-          <a:p>
-            <a:r>
-              <a:rPr lang="en-US" altLang="zh-CN" sz="1200" dirty="0"/>
-              <a:t>Churn prediction model</a:t>
-            </a:r>
-            <a:endParaRPr lang="en-US" dirty="0"/>
-          </a:p>
-        </p:txBody>
-      </p:sp>
       <p:sp>
         <p:nvSpPr>
           <p:cNvPr id="7" name="Slide Number Placeholder 6">
@@ -29359,6 +31139,212 @@
           </a:p>
         </p:txBody>
       </p:sp>
+      <p:sp>
+        <p:nvSpPr>
+          <p:cNvPr id="8" name="Footer Placeholder 4">
+            <a:extLst>
+              <a:ext uri="{FF2B5EF4-FFF2-40B4-BE49-F238E27FC236}">
+                <a16:creationId xmlns:a16="http://schemas.microsoft.com/office/drawing/2014/main" id="{0A98DE1C-A09E-4530-91D5-3AD3AD4AAB94}"/>
+              </a:ext>
+            </a:extLst>
+          </p:cNvPr>
+          <p:cNvSpPr txBox="1">
+            <a:spLocks/>
+          </p:cNvSpPr>
+          <p:nvPr/>
+        </p:nvSpPr>
+        <p:spPr>
+          <a:xfrm>
+            <a:off x="9231004" y="6256093"/>
+            <a:ext cx="1963165" cy="288777"/>
+          </a:xfrm>
+          <a:prstGeom prst="rect">
+            <a:avLst/>
+          </a:prstGeom>
+        </p:spPr>
+        <p:txBody>
+          <a:bodyPr vert="horz" lIns="91440" tIns="45720" rIns="91440" bIns="45720" rtlCol="0">
+            <a:noAutofit/>
+          </a:bodyPr>
+          <a:lstStyle>
+            <a:lvl1pPr marL="228600" indent="-228600" algn="l" defTabSz="914400" rtl="0" eaLnBrk="1" latinLnBrk="0" hangingPunct="1">
+              <a:lnSpc>
+                <a:spcPct val="100000"/>
+              </a:lnSpc>
+              <a:spcBef>
+                <a:spcPts val="0"/>
+              </a:spcBef>
+              <a:spcAft>
+                <a:spcPts val="600"/>
+              </a:spcAft>
+              <a:buFont typeface="Arial" panose="020B0604020202020204" pitchFamily="34" charset="0"/>
+              <a:buChar char="•"/>
+              <a:defRPr sz="1400" b="0" kern="1200">
+                <a:solidFill>
+                  <a:schemeClr val="accent6"/>
+                </a:solidFill>
+                <a:latin typeface="+mn-lt"/>
+                <a:ea typeface="+mn-ea"/>
+                <a:cs typeface="+mn-cs"/>
+              </a:defRPr>
+            </a:lvl1pPr>
+            <a:lvl2pPr marL="685800" indent="-228600" algn="l" defTabSz="914400" rtl="0" eaLnBrk="1" latinLnBrk="0" hangingPunct="1">
+              <a:lnSpc>
+                <a:spcPct val="90000"/>
+              </a:lnSpc>
+              <a:spcBef>
+                <a:spcPts val="500"/>
+              </a:spcBef>
+              <a:buFont typeface="Arial" panose="020B0604020202020204" pitchFamily="34" charset="0"/>
+              <a:buChar char="•"/>
+              <a:defRPr sz="1000" kern="1200">
+                <a:solidFill>
+                  <a:schemeClr val="accent6"/>
+                </a:solidFill>
+                <a:latin typeface="+mn-lt"/>
+                <a:ea typeface="+mn-ea"/>
+                <a:cs typeface="+mn-cs"/>
+              </a:defRPr>
+            </a:lvl2pPr>
+            <a:lvl3pPr marL="1143000" indent="-228600" algn="l" defTabSz="914400" rtl="0" eaLnBrk="1" latinLnBrk="0" hangingPunct="1">
+              <a:lnSpc>
+                <a:spcPct val="90000"/>
+              </a:lnSpc>
+              <a:spcBef>
+                <a:spcPts val="500"/>
+              </a:spcBef>
+              <a:buFont typeface="Arial" panose="020B0604020202020204" pitchFamily="34" charset="0"/>
+              <a:buChar char="•"/>
+              <a:defRPr sz="900" kern="1200">
+                <a:solidFill>
+                  <a:schemeClr val="accent6"/>
+                </a:solidFill>
+                <a:latin typeface="+mn-lt"/>
+                <a:ea typeface="+mn-ea"/>
+                <a:cs typeface="+mn-cs"/>
+              </a:defRPr>
+            </a:lvl3pPr>
+            <a:lvl4pPr marL="1600200" indent="-228600" algn="l" defTabSz="914400" rtl="0" eaLnBrk="1" latinLnBrk="0" hangingPunct="1">
+              <a:lnSpc>
+                <a:spcPct val="90000"/>
+              </a:lnSpc>
+              <a:spcBef>
+                <a:spcPts val="500"/>
+              </a:spcBef>
+              <a:buFont typeface="Arial" panose="020B0604020202020204" pitchFamily="34" charset="0"/>
+              <a:buChar char="•"/>
+              <a:defRPr sz="800" kern="1200">
+                <a:solidFill>
+                  <a:schemeClr val="accent6"/>
+                </a:solidFill>
+                <a:latin typeface="+mn-lt"/>
+                <a:ea typeface="+mn-ea"/>
+                <a:cs typeface="+mn-cs"/>
+              </a:defRPr>
+            </a:lvl4pPr>
+            <a:lvl5pPr marL="2057400" indent="-228600" algn="l" defTabSz="914400" rtl="0" eaLnBrk="1" latinLnBrk="0" hangingPunct="1">
+              <a:lnSpc>
+                <a:spcPct val="90000"/>
+              </a:lnSpc>
+              <a:spcBef>
+                <a:spcPts val="500"/>
+              </a:spcBef>
+              <a:buFont typeface="Arial" panose="020B0604020202020204" pitchFamily="34" charset="0"/>
+              <a:buChar char="•"/>
+              <a:defRPr sz="800" kern="1200">
+                <a:solidFill>
+                  <a:schemeClr val="accent6"/>
+                </a:solidFill>
+                <a:latin typeface="+mn-lt"/>
+                <a:ea typeface="+mn-ea"/>
+                <a:cs typeface="+mn-cs"/>
+              </a:defRPr>
+            </a:lvl5pPr>
+            <a:lvl6pPr marL="2514600" indent="-228600" algn="l" defTabSz="914400" rtl="0" eaLnBrk="1" latinLnBrk="0" hangingPunct="1">
+              <a:lnSpc>
+                <a:spcPct val="90000"/>
+              </a:lnSpc>
+              <a:spcBef>
+                <a:spcPts val="500"/>
+              </a:spcBef>
+              <a:buFont typeface="Arial" panose="020B0604020202020204" pitchFamily="34" charset="0"/>
+              <a:buChar char="•"/>
+              <a:defRPr sz="1800" kern="1200">
+                <a:solidFill>
+                  <a:schemeClr val="tx1"/>
+                </a:solidFill>
+                <a:latin typeface="+mn-lt"/>
+                <a:ea typeface="+mn-ea"/>
+                <a:cs typeface="+mn-cs"/>
+              </a:defRPr>
+            </a:lvl6pPr>
+            <a:lvl7pPr marL="2971800" indent="-228600" algn="l" defTabSz="914400" rtl="0" eaLnBrk="1" latinLnBrk="0" hangingPunct="1">
+              <a:lnSpc>
+                <a:spcPct val="90000"/>
+              </a:lnSpc>
+              <a:spcBef>
+                <a:spcPts val="500"/>
+              </a:spcBef>
+              <a:buFont typeface="Arial" panose="020B0604020202020204" pitchFamily="34" charset="0"/>
+              <a:buChar char="•"/>
+              <a:defRPr sz="1800" kern="1200">
+                <a:solidFill>
+                  <a:schemeClr val="tx1"/>
+                </a:solidFill>
+                <a:latin typeface="+mn-lt"/>
+                <a:ea typeface="+mn-ea"/>
+                <a:cs typeface="+mn-cs"/>
+              </a:defRPr>
+            </a:lvl7pPr>
+            <a:lvl8pPr marL="3429000" indent="-228600" algn="l" defTabSz="914400" rtl="0" eaLnBrk="1" latinLnBrk="0" hangingPunct="1">
+              <a:lnSpc>
+                <a:spcPct val="90000"/>
+              </a:lnSpc>
+              <a:spcBef>
+                <a:spcPts val="500"/>
+              </a:spcBef>
+              <a:buFont typeface="Arial" panose="020B0604020202020204" pitchFamily="34" charset="0"/>
+              <a:buChar char="•"/>
+              <a:defRPr sz="1800" kern="1200">
+                <a:solidFill>
+                  <a:schemeClr val="tx1"/>
+                </a:solidFill>
+                <a:latin typeface="+mn-lt"/>
+                <a:ea typeface="+mn-ea"/>
+                <a:cs typeface="+mn-cs"/>
+              </a:defRPr>
+            </a:lvl8pPr>
+            <a:lvl9pPr marL="3886200" indent="-228600" algn="l" defTabSz="914400" rtl="0" eaLnBrk="1" latinLnBrk="0" hangingPunct="1">
+              <a:lnSpc>
+                <a:spcPct val="90000"/>
+              </a:lnSpc>
+              <a:spcBef>
+                <a:spcPts val="500"/>
+              </a:spcBef>
+              <a:buFont typeface="Arial" panose="020B0604020202020204" pitchFamily="34" charset="0"/>
+              <a:buChar char="•"/>
+              <a:defRPr sz="1800" kern="1200">
+                <a:solidFill>
+                  <a:schemeClr val="tx1"/>
+                </a:solidFill>
+                <a:latin typeface="+mn-lt"/>
+                <a:ea typeface="+mn-ea"/>
+                <a:cs typeface="+mn-cs"/>
+              </a:defRPr>
+            </a:lvl9pPr>
+          </a:lstStyle>
+          <a:p>
+            <a:pPr marL="0" indent="0">
+              <a:buNone/>
+            </a:pPr>
+            <a:r>
+              <a:rPr lang="en-US" altLang="zh-CN" sz="1200" dirty="0"/>
+              <a:t>Churn prediction model</a:t>
+            </a:r>
+            <a:endParaRPr lang="en-US" dirty="0"/>
+          </a:p>
+        </p:txBody>
+      </p:sp>
     </p:spTree>
     <p:extLst>
       <p:ext uri="{BB962C8B-B14F-4D97-AF65-F5344CB8AC3E}">
@@ -29389,35 +31375,6 @@
           <a:chExt cx="0" cy="0"/>
         </a:xfrm>
       </p:grpSpPr>
-      <p:sp>
-        <p:nvSpPr>
-          <p:cNvPr id="5" name="Footer Placeholder 4">
-            <a:extLst>
-              <a:ext uri="{FF2B5EF4-FFF2-40B4-BE49-F238E27FC236}">
-                <a16:creationId xmlns:a16="http://schemas.microsoft.com/office/drawing/2014/main" id="{6D18E7F7-120D-E343-B41C-E8DF89FC0F49}"/>
-              </a:ext>
-            </a:extLst>
-          </p:cNvPr>
-          <p:cNvSpPr>
-            <a:spLocks noGrp="1"/>
-          </p:cNvSpPr>
-          <p:nvPr>
-            <p:ph type="ftr" sz="quarter" idx="28"/>
-          </p:nvPr>
-        </p:nvSpPr>
-        <p:spPr/>
-        <p:txBody>
-          <a:bodyPr/>
-          <a:lstStyle/>
-          <a:p>
-            <a:r>
-              <a:rPr lang="en-US" altLang="zh-CN" sz="1200" dirty="0"/>
-              <a:t>Churn prediction model</a:t>
-            </a:r>
-            <a:endParaRPr lang="en-US" dirty="0"/>
-          </a:p>
-        </p:txBody>
-      </p:sp>
       <p:sp>
         <p:nvSpPr>
           <p:cNvPr id="7" name="Slide Number Placeholder 6">
@@ -30053,6 +32010,212 @@
           </a:p>
         </p:txBody>
       </p:sp>
+      <p:sp>
+        <p:nvSpPr>
+          <p:cNvPr id="8" name="Footer Placeholder 4">
+            <a:extLst>
+              <a:ext uri="{FF2B5EF4-FFF2-40B4-BE49-F238E27FC236}">
+                <a16:creationId xmlns:a16="http://schemas.microsoft.com/office/drawing/2014/main" id="{8C17565D-5684-457C-A8AF-317FE66B12B2}"/>
+              </a:ext>
+            </a:extLst>
+          </p:cNvPr>
+          <p:cNvSpPr txBox="1">
+            <a:spLocks/>
+          </p:cNvSpPr>
+          <p:nvPr/>
+        </p:nvSpPr>
+        <p:spPr>
+          <a:xfrm>
+            <a:off x="9231004" y="6256093"/>
+            <a:ext cx="1963165" cy="288777"/>
+          </a:xfrm>
+          <a:prstGeom prst="rect">
+            <a:avLst/>
+          </a:prstGeom>
+        </p:spPr>
+        <p:txBody>
+          <a:bodyPr vert="horz" lIns="91440" tIns="45720" rIns="91440" bIns="45720" rtlCol="0">
+            <a:noAutofit/>
+          </a:bodyPr>
+          <a:lstStyle>
+            <a:lvl1pPr marL="228600" indent="-228600" algn="l" defTabSz="914400" rtl="0" eaLnBrk="1" latinLnBrk="0" hangingPunct="1">
+              <a:lnSpc>
+                <a:spcPct val="100000"/>
+              </a:lnSpc>
+              <a:spcBef>
+                <a:spcPts val="0"/>
+              </a:spcBef>
+              <a:spcAft>
+                <a:spcPts val="600"/>
+              </a:spcAft>
+              <a:buFont typeface="Arial" panose="020B0604020202020204" pitchFamily="34" charset="0"/>
+              <a:buChar char="•"/>
+              <a:defRPr sz="1400" b="0" kern="1200">
+                <a:solidFill>
+                  <a:schemeClr val="accent6"/>
+                </a:solidFill>
+                <a:latin typeface="+mn-lt"/>
+                <a:ea typeface="+mn-ea"/>
+                <a:cs typeface="+mn-cs"/>
+              </a:defRPr>
+            </a:lvl1pPr>
+            <a:lvl2pPr marL="685800" indent="-228600" algn="l" defTabSz="914400" rtl="0" eaLnBrk="1" latinLnBrk="0" hangingPunct="1">
+              <a:lnSpc>
+                <a:spcPct val="90000"/>
+              </a:lnSpc>
+              <a:spcBef>
+                <a:spcPts val="500"/>
+              </a:spcBef>
+              <a:buFont typeface="Arial" panose="020B0604020202020204" pitchFamily="34" charset="0"/>
+              <a:buChar char="•"/>
+              <a:defRPr sz="1000" kern="1200">
+                <a:solidFill>
+                  <a:schemeClr val="accent6"/>
+                </a:solidFill>
+                <a:latin typeface="+mn-lt"/>
+                <a:ea typeface="+mn-ea"/>
+                <a:cs typeface="+mn-cs"/>
+              </a:defRPr>
+            </a:lvl2pPr>
+            <a:lvl3pPr marL="1143000" indent="-228600" algn="l" defTabSz="914400" rtl="0" eaLnBrk="1" latinLnBrk="0" hangingPunct="1">
+              <a:lnSpc>
+                <a:spcPct val="90000"/>
+              </a:lnSpc>
+              <a:spcBef>
+                <a:spcPts val="500"/>
+              </a:spcBef>
+              <a:buFont typeface="Arial" panose="020B0604020202020204" pitchFamily="34" charset="0"/>
+              <a:buChar char="•"/>
+              <a:defRPr sz="900" kern="1200">
+                <a:solidFill>
+                  <a:schemeClr val="accent6"/>
+                </a:solidFill>
+                <a:latin typeface="+mn-lt"/>
+                <a:ea typeface="+mn-ea"/>
+                <a:cs typeface="+mn-cs"/>
+              </a:defRPr>
+            </a:lvl3pPr>
+            <a:lvl4pPr marL="1600200" indent="-228600" algn="l" defTabSz="914400" rtl="0" eaLnBrk="1" latinLnBrk="0" hangingPunct="1">
+              <a:lnSpc>
+                <a:spcPct val="90000"/>
+              </a:lnSpc>
+              <a:spcBef>
+                <a:spcPts val="500"/>
+              </a:spcBef>
+              <a:buFont typeface="Arial" panose="020B0604020202020204" pitchFamily="34" charset="0"/>
+              <a:buChar char="•"/>
+              <a:defRPr sz="800" kern="1200">
+                <a:solidFill>
+                  <a:schemeClr val="accent6"/>
+                </a:solidFill>
+                <a:latin typeface="+mn-lt"/>
+                <a:ea typeface="+mn-ea"/>
+                <a:cs typeface="+mn-cs"/>
+              </a:defRPr>
+            </a:lvl4pPr>
+            <a:lvl5pPr marL="2057400" indent="-228600" algn="l" defTabSz="914400" rtl="0" eaLnBrk="1" latinLnBrk="0" hangingPunct="1">
+              <a:lnSpc>
+                <a:spcPct val="90000"/>
+              </a:lnSpc>
+              <a:spcBef>
+                <a:spcPts val="500"/>
+              </a:spcBef>
+              <a:buFont typeface="Arial" panose="020B0604020202020204" pitchFamily="34" charset="0"/>
+              <a:buChar char="•"/>
+              <a:defRPr sz="800" kern="1200">
+                <a:solidFill>
+                  <a:schemeClr val="accent6"/>
+                </a:solidFill>
+                <a:latin typeface="+mn-lt"/>
+                <a:ea typeface="+mn-ea"/>
+                <a:cs typeface="+mn-cs"/>
+              </a:defRPr>
+            </a:lvl5pPr>
+            <a:lvl6pPr marL="2514600" indent="-228600" algn="l" defTabSz="914400" rtl="0" eaLnBrk="1" latinLnBrk="0" hangingPunct="1">
+              <a:lnSpc>
+                <a:spcPct val="90000"/>
+              </a:lnSpc>
+              <a:spcBef>
+                <a:spcPts val="500"/>
+              </a:spcBef>
+              <a:buFont typeface="Arial" panose="020B0604020202020204" pitchFamily="34" charset="0"/>
+              <a:buChar char="•"/>
+              <a:defRPr sz="1800" kern="1200">
+                <a:solidFill>
+                  <a:schemeClr val="tx1"/>
+                </a:solidFill>
+                <a:latin typeface="+mn-lt"/>
+                <a:ea typeface="+mn-ea"/>
+                <a:cs typeface="+mn-cs"/>
+              </a:defRPr>
+            </a:lvl6pPr>
+            <a:lvl7pPr marL="2971800" indent="-228600" algn="l" defTabSz="914400" rtl="0" eaLnBrk="1" latinLnBrk="0" hangingPunct="1">
+              <a:lnSpc>
+                <a:spcPct val="90000"/>
+              </a:lnSpc>
+              <a:spcBef>
+                <a:spcPts val="500"/>
+              </a:spcBef>
+              <a:buFont typeface="Arial" panose="020B0604020202020204" pitchFamily="34" charset="0"/>
+              <a:buChar char="•"/>
+              <a:defRPr sz="1800" kern="1200">
+                <a:solidFill>
+                  <a:schemeClr val="tx1"/>
+                </a:solidFill>
+                <a:latin typeface="+mn-lt"/>
+                <a:ea typeface="+mn-ea"/>
+                <a:cs typeface="+mn-cs"/>
+              </a:defRPr>
+            </a:lvl7pPr>
+            <a:lvl8pPr marL="3429000" indent="-228600" algn="l" defTabSz="914400" rtl="0" eaLnBrk="1" latinLnBrk="0" hangingPunct="1">
+              <a:lnSpc>
+                <a:spcPct val="90000"/>
+              </a:lnSpc>
+              <a:spcBef>
+                <a:spcPts val="500"/>
+              </a:spcBef>
+              <a:buFont typeface="Arial" panose="020B0604020202020204" pitchFamily="34" charset="0"/>
+              <a:buChar char="•"/>
+              <a:defRPr sz="1800" kern="1200">
+                <a:solidFill>
+                  <a:schemeClr val="tx1"/>
+                </a:solidFill>
+                <a:latin typeface="+mn-lt"/>
+                <a:ea typeface="+mn-ea"/>
+                <a:cs typeface="+mn-cs"/>
+              </a:defRPr>
+            </a:lvl8pPr>
+            <a:lvl9pPr marL="3886200" indent="-228600" algn="l" defTabSz="914400" rtl="0" eaLnBrk="1" latinLnBrk="0" hangingPunct="1">
+              <a:lnSpc>
+                <a:spcPct val="90000"/>
+              </a:lnSpc>
+              <a:spcBef>
+                <a:spcPts val="500"/>
+              </a:spcBef>
+              <a:buFont typeface="Arial" panose="020B0604020202020204" pitchFamily="34" charset="0"/>
+              <a:buChar char="•"/>
+              <a:defRPr sz="1800" kern="1200">
+                <a:solidFill>
+                  <a:schemeClr val="tx1"/>
+                </a:solidFill>
+                <a:latin typeface="+mn-lt"/>
+                <a:ea typeface="+mn-ea"/>
+                <a:cs typeface="+mn-cs"/>
+              </a:defRPr>
+            </a:lvl9pPr>
+          </a:lstStyle>
+          <a:p>
+            <a:pPr marL="0" indent="0">
+              <a:buNone/>
+            </a:pPr>
+            <a:r>
+              <a:rPr lang="en-US" altLang="zh-CN" sz="1200" dirty="0"/>
+              <a:t>Churn prediction model</a:t>
+            </a:r>
+            <a:endParaRPr lang="en-US" dirty="0"/>
+          </a:p>
+        </p:txBody>
+      </p:sp>
     </p:spTree>
     <p:extLst>
       <p:ext uri="{BB962C8B-B14F-4D97-AF65-F5344CB8AC3E}">
@@ -30083,35 +32246,6 @@
           <a:chExt cx="0" cy="0"/>
         </a:xfrm>
       </p:grpSpPr>
-      <p:sp>
-        <p:nvSpPr>
-          <p:cNvPr id="5" name="Footer Placeholder 4">
-            <a:extLst>
-              <a:ext uri="{FF2B5EF4-FFF2-40B4-BE49-F238E27FC236}">
-                <a16:creationId xmlns:a16="http://schemas.microsoft.com/office/drawing/2014/main" id="{6D18E7F7-120D-E343-B41C-E8DF89FC0F49}"/>
-              </a:ext>
-            </a:extLst>
-          </p:cNvPr>
-          <p:cNvSpPr>
-            <a:spLocks noGrp="1"/>
-          </p:cNvSpPr>
-          <p:nvPr>
-            <p:ph type="ftr" sz="quarter" idx="28"/>
-          </p:nvPr>
-        </p:nvSpPr>
-        <p:spPr/>
-        <p:txBody>
-          <a:bodyPr/>
-          <a:lstStyle/>
-          <a:p>
-            <a:r>
-              <a:rPr lang="en-US" altLang="zh-CN" sz="1200" dirty="0"/>
-              <a:t>Churn prediction model</a:t>
-            </a:r>
-            <a:endParaRPr lang="en-US" dirty="0"/>
-          </a:p>
-        </p:txBody>
-      </p:sp>
       <p:sp>
         <p:nvSpPr>
           <p:cNvPr id="7" name="Slide Number Placeholder 6">
@@ -30507,6 +32641,212 @@
           </a:p>
         </p:txBody>
       </p:sp>
+      <p:sp>
+        <p:nvSpPr>
+          <p:cNvPr id="10" name="Footer Placeholder 4">
+            <a:extLst>
+              <a:ext uri="{FF2B5EF4-FFF2-40B4-BE49-F238E27FC236}">
+                <a16:creationId xmlns:a16="http://schemas.microsoft.com/office/drawing/2014/main" id="{B3254746-ECFC-4A98-8338-D280D510E210}"/>
+              </a:ext>
+            </a:extLst>
+          </p:cNvPr>
+          <p:cNvSpPr txBox="1">
+            <a:spLocks/>
+          </p:cNvSpPr>
+          <p:nvPr/>
+        </p:nvSpPr>
+        <p:spPr>
+          <a:xfrm>
+            <a:off x="9231004" y="6256093"/>
+            <a:ext cx="1963165" cy="288777"/>
+          </a:xfrm>
+          <a:prstGeom prst="rect">
+            <a:avLst/>
+          </a:prstGeom>
+        </p:spPr>
+        <p:txBody>
+          <a:bodyPr vert="horz" lIns="91440" tIns="45720" rIns="91440" bIns="45720" rtlCol="0">
+            <a:noAutofit/>
+          </a:bodyPr>
+          <a:lstStyle>
+            <a:lvl1pPr marL="228600" indent="-228600" algn="l" defTabSz="914400" rtl="0" eaLnBrk="1" latinLnBrk="0" hangingPunct="1">
+              <a:lnSpc>
+                <a:spcPct val="100000"/>
+              </a:lnSpc>
+              <a:spcBef>
+                <a:spcPts val="0"/>
+              </a:spcBef>
+              <a:spcAft>
+                <a:spcPts val="600"/>
+              </a:spcAft>
+              <a:buFont typeface="Arial" panose="020B0604020202020204" pitchFamily="34" charset="0"/>
+              <a:buChar char="•"/>
+              <a:defRPr sz="1400" b="0" kern="1200">
+                <a:solidFill>
+                  <a:schemeClr val="accent6"/>
+                </a:solidFill>
+                <a:latin typeface="+mn-lt"/>
+                <a:ea typeface="+mn-ea"/>
+                <a:cs typeface="+mn-cs"/>
+              </a:defRPr>
+            </a:lvl1pPr>
+            <a:lvl2pPr marL="685800" indent="-228600" algn="l" defTabSz="914400" rtl="0" eaLnBrk="1" latinLnBrk="0" hangingPunct="1">
+              <a:lnSpc>
+                <a:spcPct val="90000"/>
+              </a:lnSpc>
+              <a:spcBef>
+                <a:spcPts val="500"/>
+              </a:spcBef>
+              <a:buFont typeface="Arial" panose="020B0604020202020204" pitchFamily="34" charset="0"/>
+              <a:buChar char="•"/>
+              <a:defRPr sz="1000" kern="1200">
+                <a:solidFill>
+                  <a:schemeClr val="accent6"/>
+                </a:solidFill>
+                <a:latin typeface="+mn-lt"/>
+                <a:ea typeface="+mn-ea"/>
+                <a:cs typeface="+mn-cs"/>
+              </a:defRPr>
+            </a:lvl2pPr>
+            <a:lvl3pPr marL="1143000" indent="-228600" algn="l" defTabSz="914400" rtl="0" eaLnBrk="1" latinLnBrk="0" hangingPunct="1">
+              <a:lnSpc>
+                <a:spcPct val="90000"/>
+              </a:lnSpc>
+              <a:spcBef>
+                <a:spcPts val="500"/>
+              </a:spcBef>
+              <a:buFont typeface="Arial" panose="020B0604020202020204" pitchFamily="34" charset="0"/>
+              <a:buChar char="•"/>
+              <a:defRPr sz="900" kern="1200">
+                <a:solidFill>
+                  <a:schemeClr val="accent6"/>
+                </a:solidFill>
+                <a:latin typeface="+mn-lt"/>
+                <a:ea typeface="+mn-ea"/>
+                <a:cs typeface="+mn-cs"/>
+              </a:defRPr>
+            </a:lvl3pPr>
+            <a:lvl4pPr marL="1600200" indent="-228600" algn="l" defTabSz="914400" rtl="0" eaLnBrk="1" latinLnBrk="0" hangingPunct="1">
+              <a:lnSpc>
+                <a:spcPct val="90000"/>
+              </a:lnSpc>
+              <a:spcBef>
+                <a:spcPts val="500"/>
+              </a:spcBef>
+              <a:buFont typeface="Arial" panose="020B0604020202020204" pitchFamily="34" charset="0"/>
+              <a:buChar char="•"/>
+              <a:defRPr sz="800" kern="1200">
+                <a:solidFill>
+                  <a:schemeClr val="accent6"/>
+                </a:solidFill>
+                <a:latin typeface="+mn-lt"/>
+                <a:ea typeface="+mn-ea"/>
+                <a:cs typeface="+mn-cs"/>
+              </a:defRPr>
+            </a:lvl4pPr>
+            <a:lvl5pPr marL="2057400" indent="-228600" algn="l" defTabSz="914400" rtl="0" eaLnBrk="1" latinLnBrk="0" hangingPunct="1">
+              <a:lnSpc>
+                <a:spcPct val="90000"/>
+              </a:lnSpc>
+              <a:spcBef>
+                <a:spcPts val="500"/>
+              </a:spcBef>
+              <a:buFont typeface="Arial" panose="020B0604020202020204" pitchFamily="34" charset="0"/>
+              <a:buChar char="•"/>
+              <a:defRPr sz="800" kern="1200">
+                <a:solidFill>
+                  <a:schemeClr val="accent6"/>
+                </a:solidFill>
+                <a:latin typeface="+mn-lt"/>
+                <a:ea typeface="+mn-ea"/>
+                <a:cs typeface="+mn-cs"/>
+              </a:defRPr>
+            </a:lvl5pPr>
+            <a:lvl6pPr marL="2514600" indent="-228600" algn="l" defTabSz="914400" rtl="0" eaLnBrk="1" latinLnBrk="0" hangingPunct="1">
+              <a:lnSpc>
+                <a:spcPct val="90000"/>
+              </a:lnSpc>
+              <a:spcBef>
+                <a:spcPts val="500"/>
+              </a:spcBef>
+              <a:buFont typeface="Arial" panose="020B0604020202020204" pitchFamily="34" charset="0"/>
+              <a:buChar char="•"/>
+              <a:defRPr sz="1800" kern="1200">
+                <a:solidFill>
+                  <a:schemeClr val="tx1"/>
+                </a:solidFill>
+                <a:latin typeface="+mn-lt"/>
+                <a:ea typeface="+mn-ea"/>
+                <a:cs typeface="+mn-cs"/>
+              </a:defRPr>
+            </a:lvl6pPr>
+            <a:lvl7pPr marL="2971800" indent="-228600" algn="l" defTabSz="914400" rtl="0" eaLnBrk="1" latinLnBrk="0" hangingPunct="1">
+              <a:lnSpc>
+                <a:spcPct val="90000"/>
+              </a:lnSpc>
+              <a:spcBef>
+                <a:spcPts val="500"/>
+              </a:spcBef>
+              <a:buFont typeface="Arial" panose="020B0604020202020204" pitchFamily="34" charset="0"/>
+              <a:buChar char="•"/>
+              <a:defRPr sz="1800" kern="1200">
+                <a:solidFill>
+                  <a:schemeClr val="tx1"/>
+                </a:solidFill>
+                <a:latin typeface="+mn-lt"/>
+                <a:ea typeface="+mn-ea"/>
+                <a:cs typeface="+mn-cs"/>
+              </a:defRPr>
+            </a:lvl7pPr>
+            <a:lvl8pPr marL="3429000" indent="-228600" algn="l" defTabSz="914400" rtl="0" eaLnBrk="1" latinLnBrk="0" hangingPunct="1">
+              <a:lnSpc>
+                <a:spcPct val="90000"/>
+              </a:lnSpc>
+              <a:spcBef>
+                <a:spcPts val="500"/>
+              </a:spcBef>
+              <a:buFont typeface="Arial" panose="020B0604020202020204" pitchFamily="34" charset="0"/>
+              <a:buChar char="•"/>
+              <a:defRPr sz="1800" kern="1200">
+                <a:solidFill>
+                  <a:schemeClr val="tx1"/>
+                </a:solidFill>
+                <a:latin typeface="+mn-lt"/>
+                <a:ea typeface="+mn-ea"/>
+                <a:cs typeface="+mn-cs"/>
+              </a:defRPr>
+            </a:lvl8pPr>
+            <a:lvl9pPr marL="3886200" indent="-228600" algn="l" defTabSz="914400" rtl="0" eaLnBrk="1" latinLnBrk="0" hangingPunct="1">
+              <a:lnSpc>
+                <a:spcPct val="90000"/>
+              </a:lnSpc>
+              <a:spcBef>
+                <a:spcPts val="500"/>
+              </a:spcBef>
+              <a:buFont typeface="Arial" panose="020B0604020202020204" pitchFamily="34" charset="0"/>
+              <a:buChar char="•"/>
+              <a:defRPr sz="1800" kern="1200">
+                <a:solidFill>
+                  <a:schemeClr val="tx1"/>
+                </a:solidFill>
+                <a:latin typeface="+mn-lt"/>
+                <a:ea typeface="+mn-ea"/>
+                <a:cs typeface="+mn-cs"/>
+              </a:defRPr>
+            </a:lvl9pPr>
+          </a:lstStyle>
+          <a:p>
+            <a:pPr marL="0" indent="0">
+              <a:buNone/>
+            </a:pPr>
+            <a:r>
+              <a:rPr lang="en-US" altLang="zh-CN" sz="1200" dirty="0"/>
+              <a:t>Churn prediction model</a:t>
+            </a:r>
+            <a:endParaRPr lang="en-US" dirty="0"/>
+          </a:p>
+        </p:txBody>
+      </p:sp>
     </p:spTree>
     <p:extLst>
       <p:ext uri="{BB962C8B-B14F-4D97-AF65-F5344CB8AC3E}">
@@ -30537,35 +32877,6 @@
           <a:chExt cx="0" cy="0"/>
         </a:xfrm>
       </p:grpSpPr>
-      <p:sp>
-        <p:nvSpPr>
-          <p:cNvPr id="5" name="Footer Placeholder 4">
-            <a:extLst>
-              <a:ext uri="{FF2B5EF4-FFF2-40B4-BE49-F238E27FC236}">
-                <a16:creationId xmlns:a16="http://schemas.microsoft.com/office/drawing/2014/main" id="{6D18E7F7-120D-E343-B41C-E8DF89FC0F49}"/>
-              </a:ext>
-            </a:extLst>
-          </p:cNvPr>
-          <p:cNvSpPr>
-            <a:spLocks noGrp="1"/>
-          </p:cNvSpPr>
-          <p:nvPr>
-            <p:ph type="ftr" sz="quarter" idx="28"/>
-          </p:nvPr>
-        </p:nvSpPr>
-        <p:spPr/>
-        <p:txBody>
-          <a:bodyPr/>
-          <a:lstStyle/>
-          <a:p>
-            <a:r>
-              <a:rPr lang="en-US" altLang="zh-CN" sz="1200" dirty="0"/>
-              <a:t>Churn prediction model</a:t>
-            </a:r>
-            <a:endParaRPr lang="en-US" dirty="0"/>
-          </a:p>
-        </p:txBody>
-      </p:sp>
       <p:sp>
         <p:nvSpPr>
           <p:cNvPr id="7" name="Slide Number Placeholder 6">
@@ -31261,8 +33572,8 @@
         </p:nvSpPr>
         <p:spPr>
           <a:xfrm>
-            <a:off x="581709" y="4161449"/>
-            <a:ext cx="10737319" cy="1477328"/>
+            <a:off x="581709" y="4445848"/>
+            <a:ext cx="10737319" cy="923330"/>
           </a:xfrm>
           <a:prstGeom prst="rect">
             <a:avLst/>
@@ -31285,30 +33596,8 @@
                 </a:solidFill>
                 <a:latin typeface="Abadi (Body)"/>
               </a:rPr>
-              <a:t>Utilizing data from the test set involving approximately 1,407 customers, the churn prediction model yielded a gain of 3.38 times when compared to the 'do nothing' program, and 0.32 times when compared to the 'retain all' program.</a:t>
+              <a:t>Utilizing data from the test set involving approximately 1,407 customers, the churn prediction model yielded a gain of 159.03% when compared to the 'do nothing' program, and 32.23% when compared to the 'retain all' program.</a:t>
             </a:r>
-          </a:p>
-          <a:p>
-            <a:pPr marL="285750" indent="-285750" algn="l">
-              <a:buFont typeface="Arial" panose="020B0604020202020204" pitchFamily="34" charset="0"/>
-              <a:buChar char="•"/>
-            </a:pPr>
-            <a:r>
-              <a:rPr lang="en-US" dirty="0">
-                <a:solidFill>
-                  <a:srgbClr val="1F1F1F"/>
-                </a:solidFill>
-                <a:latin typeface="Abadi (Body)"/>
-              </a:rPr>
-              <a:t>These calculations are based on the assumption that the cost of promotion is 100, the cost of loss is 500, and the savings per customer is 500."</a:t>
-            </a:r>
-            <a:endParaRPr lang="en-US" b="0" dirty="0">
-              <a:solidFill>
-                <a:srgbClr val="CCCCCC"/>
-              </a:solidFill>
-              <a:effectLst/>
-              <a:latin typeface="Consolas" panose="020B0609020204030204" pitchFamily="49" charset="0"/>
-            </a:endParaRPr>
           </a:p>
         </p:txBody>
       </p:sp>
@@ -31390,6 +33679,258 @@
           </a:p>
         </p:txBody>
       </p:sp>
+      <p:sp>
+        <p:nvSpPr>
+          <p:cNvPr id="12" name="TextBox 11">
+            <a:extLst>
+              <a:ext uri="{FF2B5EF4-FFF2-40B4-BE49-F238E27FC236}">
+                <a16:creationId xmlns:a16="http://schemas.microsoft.com/office/drawing/2014/main" id="{8AF06B6B-81CC-4072-A0F2-354D0A53699A}"/>
+              </a:ext>
+            </a:extLst>
+          </p:cNvPr>
+          <p:cNvSpPr txBox="1"/>
+          <p:nvPr/>
+        </p:nvSpPr>
+        <p:spPr>
+          <a:xfrm>
+            <a:off x="677721" y="3957433"/>
+            <a:ext cx="8873117" cy="253916"/>
+          </a:xfrm>
+          <a:prstGeom prst="rect">
+            <a:avLst/>
+          </a:prstGeom>
+          <a:noFill/>
+        </p:spPr>
+        <p:txBody>
+          <a:bodyPr wrap="square">
+            <a:spAutoFit/>
+          </a:bodyPr>
+          <a:lstStyle/>
+          <a:p>
+            <a:r>
+              <a:rPr lang="en-US" sz="1050" dirty="0">
+                <a:solidFill>
+                  <a:srgbClr val="1F1F1F"/>
+                </a:solidFill>
+                <a:latin typeface="Abadi (Body)"/>
+              </a:rPr>
+              <a:t>* These calculations are based on the assumption that the cost of promotion is 100, the cost of loss is 500, and the savings per customer is 500."</a:t>
+            </a:r>
+            <a:endParaRPr lang="en-US" sz="1050" dirty="0">
+              <a:solidFill>
+                <a:srgbClr val="CCCCCC"/>
+              </a:solidFill>
+              <a:latin typeface="Consolas" panose="020B0609020204030204" pitchFamily="49" charset="0"/>
+            </a:endParaRPr>
+          </a:p>
+        </p:txBody>
+      </p:sp>
+      <p:sp>
+        <p:nvSpPr>
+          <p:cNvPr id="13" name="Footer Placeholder 4">
+            <a:extLst>
+              <a:ext uri="{FF2B5EF4-FFF2-40B4-BE49-F238E27FC236}">
+                <a16:creationId xmlns:a16="http://schemas.microsoft.com/office/drawing/2014/main" id="{53E9A1C3-E739-489F-BC64-954C98D5779E}"/>
+              </a:ext>
+            </a:extLst>
+          </p:cNvPr>
+          <p:cNvSpPr txBox="1">
+            <a:spLocks/>
+          </p:cNvSpPr>
+          <p:nvPr/>
+        </p:nvSpPr>
+        <p:spPr>
+          <a:xfrm>
+            <a:off x="9231004" y="6256093"/>
+            <a:ext cx="1963165" cy="288777"/>
+          </a:xfrm>
+          <a:prstGeom prst="rect">
+            <a:avLst/>
+          </a:prstGeom>
+        </p:spPr>
+        <p:txBody>
+          <a:bodyPr vert="horz" lIns="91440" tIns="45720" rIns="91440" bIns="45720" rtlCol="0">
+            <a:noAutofit/>
+          </a:bodyPr>
+          <a:lstStyle>
+            <a:lvl1pPr marL="228600" indent="-228600" algn="l" defTabSz="914400" rtl="0" eaLnBrk="1" latinLnBrk="0" hangingPunct="1">
+              <a:lnSpc>
+                <a:spcPct val="100000"/>
+              </a:lnSpc>
+              <a:spcBef>
+                <a:spcPts val="0"/>
+              </a:spcBef>
+              <a:spcAft>
+                <a:spcPts val="600"/>
+              </a:spcAft>
+              <a:buFont typeface="Arial" panose="020B0604020202020204" pitchFamily="34" charset="0"/>
+              <a:buChar char="•"/>
+              <a:defRPr sz="1400" b="0" kern="1200">
+                <a:solidFill>
+                  <a:schemeClr val="accent6"/>
+                </a:solidFill>
+                <a:latin typeface="+mn-lt"/>
+                <a:ea typeface="+mn-ea"/>
+                <a:cs typeface="+mn-cs"/>
+              </a:defRPr>
+            </a:lvl1pPr>
+            <a:lvl2pPr marL="685800" indent="-228600" algn="l" defTabSz="914400" rtl="0" eaLnBrk="1" latinLnBrk="0" hangingPunct="1">
+              <a:lnSpc>
+                <a:spcPct val="90000"/>
+              </a:lnSpc>
+              <a:spcBef>
+                <a:spcPts val="500"/>
+              </a:spcBef>
+              <a:buFont typeface="Arial" panose="020B0604020202020204" pitchFamily="34" charset="0"/>
+              <a:buChar char="•"/>
+              <a:defRPr sz="1000" kern="1200">
+                <a:solidFill>
+                  <a:schemeClr val="accent6"/>
+                </a:solidFill>
+                <a:latin typeface="+mn-lt"/>
+                <a:ea typeface="+mn-ea"/>
+                <a:cs typeface="+mn-cs"/>
+              </a:defRPr>
+            </a:lvl2pPr>
+            <a:lvl3pPr marL="1143000" indent="-228600" algn="l" defTabSz="914400" rtl="0" eaLnBrk="1" latinLnBrk="0" hangingPunct="1">
+              <a:lnSpc>
+                <a:spcPct val="90000"/>
+              </a:lnSpc>
+              <a:spcBef>
+                <a:spcPts val="500"/>
+              </a:spcBef>
+              <a:buFont typeface="Arial" panose="020B0604020202020204" pitchFamily="34" charset="0"/>
+              <a:buChar char="•"/>
+              <a:defRPr sz="900" kern="1200">
+                <a:solidFill>
+                  <a:schemeClr val="accent6"/>
+                </a:solidFill>
+                <a:latin typeface="+mn-lt"/>
+                <a:ea typeface="+mn-ea"/>
+                <a:cs typeface="+mn-cs"/>
+              </a:defRPr>
+            </a:lvl3pPr>
+            <a:lvl4pPr marL="1600200" indent="-228600" algn="l" defTabSz="914400" rtl="0" eaLnBrk="1" latinLnBrk="0" hangingPunct="1">
+              <a:lnSpc>
+                <a:spcPct val="90000"/>
+              </a:lnSpc>
+              <a:spcBef>
+                <a:spcPts val="500"/>
+              </a:spcBef>
+              <a:buFont typeface="Arial" panose="020B0604020202020204" pitchFamily="34" charset="0"/>
+              <a:buChar char="•"/>
+              <a:defRPr sz="800" kern="1200">
+                <a:solidFill>
+                  <a:schemeClr val="accent6"/>
+                </a:solidFill>
+                <a:latin typeface="+mn-lt"/>
+                <a:ea typeface="+mn-ea"/>
+                <a:cs typeface="+mn-cs"/>
+              </a:defRPr>
+            </a:lvl4pPr>
+            <a:lvl5pPr marL="2057400" indent="-228600" algn="l" defTabSz="914400" rtl="0" eaLnBrk="1" latinLnBrk="0" hangingPunct="1">
+              <a:lnSpc>
+                <a:spcPct val="90000"/>
+              </a:lnSpc>
+              <a:spcBef>
+                <a:spcPts val="500"/>
+              </a:spcBef>
+              <a:buFont typeface="Arial" panose="020B0604020202020204" pitchFamily="34" charset="0"/>
+              <a:buChar char="•"/>
+              <a:defRPr sz="800" kern="1200">
+                <a:solidFill>
+                  <a:schemeClr val="accent6"/>
+                </a:solidFill>
+                <a:latin typeface="+mn-lt"/>
+                <a:ea typeface="+mn-ea"/>
+                <a:cs typeface="+mn-cs"/>
+              </a:defRPr>
+            </a:lvl5pPr>
+            <a:lvl6pPr marL="2514600" indent="-228600" algn="l" defTabSz="914400" rtl="0" eaLnBrk="1" latinLnBrk="0" hangingPunct="1">
+              <a:lnSpc>
+                <a:spcPct val="90000"/>
+              </a:lnSpc>
+              <a:spcBef>
+                <a:spcPts val="500"/>
+              </a:spcBef>
+              <a:buFont typeface="Arial" panose="020B0604020202020204" pitchFamily="34" charset="0"/>
+              <a:buChar char="•"/>
+              <a:defRPr sz="1800" kern="1200">
+                <a:solidFill>
+                  <a:schemeClr val="tx1"/>
+                </a:solidFill>
+                <a:latin typeface="+mn-lt"/>
+                <a:ea typeface="+mn-ea"/>
+                <a:cs typeface="+mn-cs"/>
+              </a:defRPr>
+            </a:lvl6pPr>
+            <a:lvl7pPr marL="2971800" indent="-228600" algn="l" defTabSz="914400" rtl="0" eaLnBrk="1" latinLnBrk="0" hangingPunct="1">
+              <a:lnSpc>
+                <a:spcPct val="90000"/>
+              </a:lnSpc>
+              <a:spcBef>
+                <a:spcPts val="500"/>
+              </a:spcBef>
+              <a:buFont typeface="Arial" panose="020B0604020202020204" pitchFamily="34" charset="0"/>
+              <a:buChar char="•"/>
+              <a:defRPr sz="1800" kern="1200">
+                <a:solidFill>
+                  <a:schemeClr val="tx1"/>
+                </a:solidFill>
+                <a:latin typeface="+mn-lt"/>
+                <a:ea typeface="+mn-ea"/>
+                <a:cs typeface="+mn-cs"/>
+              </a:defRPr>
+            </a:lvl7pPr>
+            <a:lvl8pPr marL="3429000" indent="-228600" algn="l" defTabSz="914400" rtl="0" eaLnBrk="1" latinLnBrk="0" hangingPunct="1">
+              <a:lnSpc>
+                <a:spcPct val="90000"/>
+              </a:lnSpc>
+              <a:spcBef>
+                <a:spcPts val="500"/>
+              </a:spcBef>
+              <a:buFont typeface="Arial" panose="020B0604020202020204" pitchFamily="34" charset="0"/>
+              <a:buChar char="•"/>
+              <a:defRPr sz="1800" kern="1200">
+                <a:solidFill>
+                  <a:schemeClr val="tx1"/>
+                </a:solidFill>
+                <a:latin typeface="+mn-lt"/>
+                <a:ea typeface="+mn-ea"/>
+                <a:cs typeface="+mn-cs"/>
+              </a:defRPr>
+            </a:lvl8pPr>
+            <a:lvl9pPr marL="3886200" indent="-228600" algn="l" defTabSz="914400" rtl="0" eaLnBrk="1" latinLnBrk="0" hangingPunct="1">
+              <a:lnSpc>
+                <a:spcPct val="90000"/>
+              </a:lnSpc>
+              <a:spcBef>
+                <a:spcPts val="500"/>
+              </a:spcBef>
+              <a:buFont typeface="Arial" panose="020B0604020202020204" pitchFamily="34" charset="0"/>
+              <a:buChar char="•"/>
+              <a:defRPr sz="1800" kern="1200">
+                <a:solidFill>
+                  <a:schemeClr val="tx1"/>
+                </a:solidFill>
+                <a:latin typeface="+mn-lt"/>
+                <a:ea typeface="+mn-ea"/>
+                <a:cs typeface="+mn-cs"/>
+              </a:defRPr>
+            </a:lvl9pPr>
+          </a:lstStyle>
+          <a:p>
+            <a:pPr marL="0" indent="0">
+              <a:buNone/>
+            </a:pPr>
+            <a:r>
+              <a:rPr lang="en-US" altLang="zh-CN" sz="1200" dirty="0"/>
+              <a:t>Churn prediction model</a:t>
+            </a:r>
+            <a:endParaRPr lang="en-US" dirty="0"/>
+          </a:p>
+        </p:txBody>
+      </p:sp>
     </p:spTree>
     <p:extLst>
       <p:ext uri="{BB962C8B-B14F-4D97-AF65-F5344CB8AC3E}">
@@ -31420,35 +33961,6 @@
           <a:chExt cx="0" cy="0"/>
         </a:xfrm>
       </p:grpSpPr>
-      <p:sp>
-        <p:nvSpPr>
-          <p:cNvPr id="5" name="Footer Placeholder 4">
-            <a:extLst>
-              <a:ext uri="{FF2B5EF4-FFF2-40B4-BE49-F238E27FC236}">
-                <a16:creationId xmlns:a16="http://schemas.microsoft.com/office/drawing/2014/main" id="{6D18E7F7-120D-E343-B41C-E8DF89FC0F49}"/>
-              </a:ext>
-            </a:extLst>
-          </p:cNvPr>
-          <p:cNvSpPr>
-            <a:spLocks noGrp="1"/>
-          </p:cNvSpPr>
-          <p:nvPr>
-            <p:ph type="ftr" sz="quarter" idx="28"/>
-          </p:nvPr>
-        </p:nvSpPr>
-        <p:spPr/>
-        <p:txBody>
-          <a:bodyPr/>
-          <a:lstStyle/>
-          <a:p>
-            <a:r>
-              <a:rPr lang="en-US" altLang="zh-CN" sz="1200" dirty="0"/>
-              <a:t>Churn prediction model</a:t>
-            </a:r>
-            <a:endParaRPr lang="en-US" dirty="0"/>
-          </a:p>
-        </p:txBody>
-      </p:sp>
       <p:sp>
         <p:nvSpPr>
           <p:cNvPr id="7" name="Slide Number Placeholder 6">
@@ -31758,6 +34270,212 @@
           </a:p>
         </p:txBody>
       </p:sp>
+      <p:sp>
+        <p:nvSpPr>
+          <p:cNvPr id="9" name="Footer Placeholder 4">
+            <a:extLst>
+              <a:ext uri="{FF2B5EF4-FFF2-40B4-BE49-F238E27FC236}">
+                <a16:creationId xmlns:a16="http://schemas.microsoft.com/office/drawing/2014/main" id="{91295849-0353-4739-A2BE-0B1FC11CA5EF}"/>
+              </a:ext>
+            </a:extLst>
+          </p:cNvPr>
+          <p:cNvSpPr txBox="1">
+            <a:spLocks/>
+          </p:cNvSpPr>
+          <p:nvPr/>
+        </p:nvSpPr>
+        <p:spPr>
+          <a:xfrm>
+            <a:off x="9231004" y="6256093"/>
+            <a:ext cx="1963165" cy="288777"/>
+          </a:xfrm>
+          <a:prstGeom prst="rect">
+            <a:avLst/>
+          </a:prstGeom>
+        </p:spPr>
+        <p:txBody>
+          <a:bodyPr vert="horz" lIns="91440" tIns="45720" rIns="91440" bIns="45720" rtlCol="0">
+            <a:noAutofit/>
+          </a:bodyPr>
+          <a:lstStyle>
+            <a:lvl1pPr marL="228600" indent="-228600" algn="l" defTabSz="914400" rtl="0" eaLnBrk="1" latinLnBrk="0" hangingPunct="1">
+              <a:lnSpc>
+                <a:spcPct val="100000"/>
+              </a:lnSpc>
+              <a:spcBef>
+                <a:spcPts val="0"/>
+              </a:spcBef>
+              <a:spcAft>
+                <a:spcPts val="600"/>
+              </a:spcAft>
+              <a:buFont typeface="Arial" panose="020B0604020202020204" pitchFamily="34" charset="0"/>
+              <a:buChar char="•"/>
+              <a:defRPr sz="1400" b="0" kern="1200">
+                <a:solidFill>
+                  <a:schemeClr val="accent6"/>
+                </a:solidFill>
+                <a:latin typeface="+mn-lt"/>
+                <a:ea typeface="+mn-ea"/>
+                <a:cs typeface="+mn-cs"/>
+              </a:defRPr>
+            </a:lvl1pPr>
+            <a:lvl2pPr marL="685800" indent="-228600" algn="l" defTabSz="914400" rtl="0" eaLnBrk="1" latinLnBrk="0" hangingPunct="1">
+              <a:lnSpc>
+                <a:spcPct val="90000"/>
+              </a:lnSpc>
+              <a:spcBef>
+                <a:spcPts val="500"/>
+              </a:spcBef>
+              <a:buFont typeface="Arial" panose="020B0604020202020204" pitchFamily="34" charset="0"/>
+              <a:buChar char="•"/>
+              <a:defRPr sz="1000" kern="1200">
+                <a:solidFill>
+                  <a:schemeClr val="accent6"/>
+                </a:solidFill>
+                <a:latin typeface="+mn-lt"/>
+                <a:ea typeface="+mn-ea"/>
+                <a:cs typeface="+mn-cs"/>
+              </a:defRPr>
+            </a:lvl2pPr>
+            <a:lvl3pPr marL="1143000" indent="-228600" algn="l" defTabSz="914400" rtl="0" eaLnBrk="1" latinLnBrk="0" hangingPunct="1">
+              <a:lnSpc>
+                <a:spcPct val="90000"/>
+              </a:lnSpc>
+              <a:spcBef>
+                <a:spcPts val="500"/>
+              </a:spcBef>
+              <a:buFont typeface="Arial" panose="020B0604020202020204" pitchFamily="34" charset="0"/>
+              <a:buChar char="•"/>
+              <a:defRPr sz="900" kern="1200">
+                <a:solidFill>
+                  <a:schemeClr val="accent6"/>
+                </a:solidFill>
+                <a:latin typeface="+mn-lt"/>
+                <a:ea typeface="+mn-ea"/>
+                <a:cs typeface="+mn-cs"/>
+              </a:defRPr>
+            </a:lvl3pPr>
+            <a:lvl4pPr marL="1600200" indent="-228600" algn="l" defTabSz="914400" rtl="0" eaLnBrk="1" latinLnBrk="0" hangingPunct="1">
+              <a:lnSpc>
+                <a:spcPct val="90000"/>
+              </a:lnSpc>
+              <a:spcBef>
+                <a:spcPts val="500"/>
+              </a:spcBef>
+              <a:buFont typeface="Arial" panose="020B0604020202020204" pitchFamily="34" charset="0"/>
+              <a:buChar char="•"/>
+              <a:defRPr sz="800" kern="1200">
+                <a:solidFill>
+                  <a:schemeClr val="accent6"/>
+                </a:solidFill>
+                <a:latin typeface="+mn-lt"/>
+                <a:ea typeface="+mn-ea"/>
+                <a:cs typeface="+mn-cs"/>
+              </a:defRPr>
+            </a:lvl4pPr>
+            <a:lvl5pPr marL="2057400" indent="-228600" algn="l" defTabSz="914400" rtl="0" eaLnBrk="1" latinLnBrk="0" hangingPunct="1">
+              <a:lnSpc>
+                <a:spcPct val="90000"/>
+              </a:lnSpc>
+              <a:spcBef>
+                <a:spcPts val="500"/>
+              </a:spcBef>
+              <a:buFont typeface="Arial" panose="020B0604020202020204" pitchFamily="34" charset="0"/>
+              <a:buChar char="•"/>
+              <a:defRPr sz="800" kern="1200">
+                <a:solidFill>
+                  <a:schemeClr val="accent6"/>
+                </a:solidFill>
+                <a:latin typeface="+mn-lt"/>
+                <a:ea typeface="+mn-ea"/>
+                <a:cs typeface="+mn-cs"/>
+              </a:defRPr>
+            </a:lvl5pPr>
+            <a:lvl6pPr marL="2514600" indent="-228600" algn="l" defTabSz="914400" rtl="0" eaLnBrk="1" latinLnBrk="0" hangingPunct="1">
+              <a:lnSpc>
+                <a:spcPct val="90000"/>
+              </a:lnSpc>
+              <a:spcBef>
+                <a:spcPts val="500"/>
+              </a:spcBef>
+              <a:buFont typeface="Arial" panose="020B0604020202020204" pitchFamily="34" charset="0"/>
+              <a:buChar char="•"/>
+              <a:defRPr sz="1800" kern="1200">
+                <a:solidFill>
+                  <a:schemeClr val="tx1"/>
+                </a:solidFill>
+                <a:latin typeface="+mn-lt"/>
+                <a:ea typeface="+mn-ea"/>
+                <a:cs typeface="+mn-cs"/>
+              </a:defRPr>
+            </a:lvl6pPr>
+            <a:lvl7pPr marL="2971800" indent="-228600" algn="l" defTabSz="914400" rtl="0" eaLnBrk="1" latinLnBrk="0" hangingPunct="1">
+              <a:lnSpc>
+                <a:spcPct val="90000"/>
+              </a:lnSpc>
+              <a:spcBef>
+                <a:spcPts val="500"/>
+              </a:spcBef>
+              <a:buFont typeface="Arial" panose="020B0604020202020204" pitchFamily="34" charset="0"/>
+              <a:buChar char="•"/>
+              <a:defRPr sz="1800" kern="1200">
+                <a:solidFill>
+                  <a:schemeClr val="tx1"/>
+                </a:solidFill>
+                <a:latin typeface="+mn-lt"/>
+                <a:ea typeface="+mn-ea"/>
+                <a:cs typeface="+mn-cs"/>
+              </a:defRPr>
+            </a:lvl7pPr>
+            <a:lvl8pPr marL="3429000" indent="-228600" algn="l" defTabSz="914400" rtl="0" eaLnBrk="1" latinLnBrk="0" hangingPunct="1">
+              <a:lnSpc>
+                <a:spcPct val="90000"/>
+              </a:lnSpc>
+              <a:spcBef>
+                <a:spcPts val="500"/>
+              </a:spcBef>
+              <a:buFont typeface="Arial" panose="020B0604020202020204" pitchFamily="34" charset="0"/>
+              <a:buChar char="•"/>
+              <a:defRPr sz="1800" kern="1200">
+                <a:solidFill>
+                  <a:schemeClr val="tx1"/>
+                </a:solidFill>
+                <a:latin typeface="+mn-lt"/>
+                <a:ea typeface="+mn-ea"/>
+                <a:cs typeface="+mn-cs"/>
+              </a:defRPr>
+            </a:lvl8pPr>
+            <a:lvl9pPr marL="3886200" indent="-228600" algn="l" defTabSz="914400" rtl="0" eaLnBrk="1" latinLnBrk="0" hangingPunct="1">
+              <a:lnSpc>
+                <a:spcPct val="90000"/>
+              </a:lnSpc>
+              <a:spcBef>
+                <a:spcPts val="500"/>
+              </a:spcBef>
+              <a:buFont typeface="Arial" panose="020B0604020202020204" pitchFamily="34" charset="0"/>
+              <a:buChar char="•"/>
+              <a:defRPr sz="1800" kern="1200">
+                <a:solidFill>
+                  <a:schemeClr val="tx1"/>
+                </a:solidFill>
+                <a:latin typeface="+mn-lt"/>
+                <a:ea typeface="+mn-ea"/>
+                <a:cs typeface="+mn-cs"/>
+              </a:defRPr>
+            </a:lvl9pPr>
+          </a:lstStyle>
+          <a:p>
+            <a:pPr marL="0" indent="0">
+              <a:buNone/>
+            </a:pPr>
+            <a:r>
+              <a:rPr lang="en-US" altLang="zh-CN" sz="1200" dirty="0"/>
+              <a:t>Churn prediction model</a:t>
+            </a:r>
+            <a:endParaRPr lang="en-US" dirty="0"/>
+          </a:p>
+        </p:txBody>
+      </p:sp>
     </p:spTree>
     <p:extLst>
       <p:ext uri="{BB962C8B-B14F-4D97-AF65-F5344CB8AC3E}">
@@ -31845,35 +34563,6 @@
       </p:sp>
       <p:sp>
         <p:nvSpPr>
-          <p:cNvPr id="5" name="Footer Placeholder 4">
-            <a:extLst>
-              <a:ext uri="{FF2B5EF4-FFF2-40B4-BE49-F238E27FC236}">
-                <a16:creationId xmlns:a16="http://schemas.microsoft.com/office/drawing/2014/main" id="{6D18E7F7-120D-E343-B41C-E8DF89FC0F49}"/>
-              </a:ext>
-            </a:extLst>
-          </p:cNvPr>
-          <p:cNvSpPr>
-            <a:spLocks noGrp="1"/>
-          </p:cNvSpPr>
-          <p:nvPr>
-            <p:ph type="ftr" sz="quarter" idx="28"/>
-          </p:nvPr>
-        </p:nvSpPr>
-        <p:spPr/>
-        <p:txBody>
-          <a:bodyPr/>
-          <a:lstStyle/>
-          <a:p>
-            <a:r>
-              <a:rPr lang="en-US" altLang="zh-CN" sz="1200" dirty="0"/>
-              <a:t>Churn prediction model</a:t>
-            </a:r>
-            <a:endParaRPr lang="en-US" dirty="0"/>
-          </a:p>
-        </p:txBody>
-      </p:sp>
-      <p:sp>
-        <p:nvSpPr>
           <p:cNvPr id="7" name="Slide Number Placeholder 6">
             <a:extLst>
               <a:ext uri="{FF2B5EF4-FFF2-40B4-BE49-F238E27FC236}">
@@ -31979,8 +34668,25 @@
                 <a:effectLst/>
                 <a:latin typeface="Abadi (Body)"/>
               </a:rPr>
-              <a:t>.3 Use of model in the future</a:t>
+              <a:t>.3 Use </a:t>
             </a:r>
+            <a:r>
+              <a:rPr lang="en-US" b="1" i="0">
+                <a:solidFill>
+                  <a:srgbClr val="1F1F1F"/>
+                </a:solidFill>
+                <a:effectLst/>
+                <a:latin typeface="Abadi (Body)"/>
+              </a:rPr>
+              <a:t>of model</a:t>
+            </a:r>
+            <a:endParaRPr lang="en-US" b="1" i="0" dirty="0">
+              <a:solidFill>
+                <a:srgbClr val="1F1F1F"/>
+              </a:solidFill>
+              <a:effectLst/>
+              <a:latin typeface="Abadi (Body)"/>
+            </a:endParaRPr>
           </a:p>
           <a:p>
             <a:endParaRPr lang="en-US" b="1" dirty="0">
@@ -32450,6 +35156,212 @@
           </a:p>
         </p:txBody>
       </p:sp>
+      <p:sp>
+        <p:nvSpPr>
+          <p:cNvPr id="15" name="Footer Placeholder 4">
+            <a:extLst>
+              <a:ext uri="{FF2B5EF4-FFF2-40B4-BE49-F238E27FC236}">
+                <a16:creationId xmlns:a16="http://schemas.microsoft.com/office/drawing/2014/main" id="{C1BDE050-96B0-49B9-AD7F-53AE0739D91B}"/>
+              </a:ext>
+            </a:extLst>
+          </p:cNvPr>
+          <p:cNvSpPr txBox="1">
+            <a:spLocks/>
+          </p:cNvSpPr>
+          <p:nvPr/>
+        </p:nvSpPr>
+        <p:spPr>
+          <a:xfrm>
+            <a:off x="9231004" y="6256093"/>
+            <a:ext cx="1963165" cy="288777"/>
+          </a:xfrm>
+          <a:prstGeom prst="rect">
+            <a:avLst/>
+          </a:prstGeom>
+        </p:spPr>
+        <p:txBody>
+          <a:bodyPr vert="horz" lIns="91440" tIns="45720" rIns="91440" bIns="45720" rtlCol="0">
+            <a:noAutofit/>
+          </a:bodyPr>
+          <a:lstStyle>
+            <a:lvl1pPr marL="228600" indent="-228600" algn="l" defTabSz="914400" rtl="0" eaLnBrk="1" latinLnBrk="0" hangingPunct="1">
+              <a:lnSpc>
+                <a:spcPct val="100000"/>
+              </a:lnSpc>
+              <a:spcBef>
+                <a:spcPts val="0"/>
+              </a:spcBef>
+              <a:spcAft>
+                <a:spcPts val="600"/>
+              </a:spcAft>
+              <a:buFont typeface="Arial" panose="020B0604020202020204" pitchFamily="34" charset="0"/>
+              <a:buChar char="•"/>
+              <a:defRPr sz="1400" b="0" kern="1200">
+                <a:solidFill>
+                  <a:schemeClr val="accent6"/>
+                </a:solidFill>
+                <a:latin typeface="+mn-lt"/>
+                <a:ea typeface="+mn-ea"/>
+                <a:cs typeface="+mn-cs"/>
+              </a:defRPr>
+            </a:lvl1pPr>
+            <a:lvl2pPr marL="685800" indent="-228600" algn="l" defTabSz="914400" rtl="0" eaLnBrk="1" latinLnBrk="0" hangingPunct="1">
+              <a:lnSpc>
+                <a:spcPct val="90000"/>
+              </a:lnSpc>
+              <a:spcBef>
+                <a:spcPts val="500"/>
+              </a:spcBef>
+              <a:buFont typeface="Arial" panose="020B0604020202020204" pitchFamily="34" charset="0"/>
+              <a:buChar char="•"/>
+              <a:defRPr sz="1000" kern="1200">
+                <a:solidFill>
+                  <a:schemeClr val="accent6"/>
+                </a:solidFill>
+                <a:latin typeface="+mn-lt"/>
+                <a:ea typeface="+mn-ea"/>
+                <a:cs typeface="+mn-cs"/>
+              </a:defRPr>
+            </a:lvl2pPr>
+            <a:lvl3pPr marL="1143000" indent="-228600" algn="l" defTabSz="914400" rtl="0" eaLnBrk="1" latinLnBrk="0" hangingPunct="1">
+              <a:lnSpc>
+                <a:spcPct val="90000"/>
+              </a:lnSpc>
+              <a:spcBef>
+                <a:spcPts val="500"/>
+              </a:spcBef>
+              <a:buFont typeface="Arial" panose="020B0604020202020204" pitchFamily="34" charset="0"/>
+              <a:buChar char="•"/>
+              <a:defRPr sz="900" kern="1200">
+                <a:solidFill>
+                  <a:schemeClr val="accent6"/>
+                </a:solidFill>
+                <a:latin typeface="+mn-lt"/>
+                <a:ea typeface="+mn-ea"/>
+                <a:cs typeface="+mn-cs"/>
+              </a:defRPr>
+            </a:lvl3pPr>
+            <a:lvl4pPr marL="1600200" indent="-228600" algn="l" defTabSz="914400" rtl="0" eaLnBrk="1" latinLnBrk="0" hangingPunct="1">
+              <a:lnSpc>
+                <a:spcPct val="90000"/>
+              </a:lnSpc>
+              <a:spcBef>
+                <a:spcPts val="500"/>
+              </a:spcBef>
+              <a:buFont typeface="Arial" panose="020B0604020202020204" pitchFamily="34" charset="0"/>
+              <a:buChar char="•"/>
+              <a:defRPr sz="800" kern="1200">
+                <a:solidFill>
+                  <a:schemeClr val="accent6"/>
+                </a:solidFill>
+                <a:latin typeface="+mn-lt"/>
+                <a:ea typeface="+mn-ea"/>
+                <a:cs typeface="+mn-cs"/>
+              </a:defRPr>
+            </a:lvl4pPr>
+            <a:lvl5pPr marL="2057400" indent="-228600" algn="l" defTabSz="914400" rtl="0" eaLnBrk="1" latinLnBrk="0" hangingPunct="1">
+              <a:lnSpc>
+                <a:spcPct val="90000"/>
+              </a:lnSpc>
+              <a:spcBef>
+                <a:spcPts val="500"/>
+              </a:spcBef>
+              <a:buFont typeface="Arial" panose="020B0604020202020204" pitchFamily="34" charset="0"/>
+              <a:buChar char="•"/>
+              <a:defRPr sz="800" kern="1200">
+                <a:solidFill>
+                  <a:schemeClr val="accent6"/>
+                </a:solidFill>
+                <a:latin typeface="+mn-lt"/>
+                <a:ea typeface="+mn-ea"/>
+                <a:cs typeface="+mn-cs"/>
+              </a:defRPr>
+            </a:lvl5pPr>
+            <a:lvl6pPr marL="2514600" indent="-228600" algn="l" defTabSz="914400" rtl="0" eaLnBrk="1" latinLnBrk="0" hangingPunct="1">
+              <a:lnSpc>
+                <a:spcPct val="90000"/>
+              </a:lnSpc>
+              <a:spcBef>
+                <a:spcPts val="500"/>
+              </a:spcBef>
+              <a:buFont typeface="Arial" panose="020B0604020202020204" pitchFamily="34" charset="0"/>
+              <a:buChar char="•"/>
+              <a:defRPr sz="1800" kern="1200">
+                <a:solidFill>
+                  <a:schemeClr val="tx1"/>
+                </a:solidFill>
+                <a:latin typeface="+mn-lt"/>
+                <a:ea typeface="+mn-ea"/>
+                <a:cs typeface="+mn-cs"/>
+              </a:defRPr>
+            </a:lvl6pPr>
+            <a:lvl7pPr marL="2971800" indent="-228600" algn="l" defTabSz="914400" rtl="0" eaLnBrk="1" latinLnBrk="0" hangingPunct="1">
+              <a:lnSpc>
+                <a:spcPct val="90000"/>
+              </a:lnSpc>
+              <a:spcBef>
+                <a:spcPts val="500"/>
+              </a:spcBef>
+              <a:buFont typeface="Arial" panose="020B0604020202020204" pitchFamily="34" charset="0"/>
+              <a:buChar char="•"/>
+              <a:defRPr sz="1800" kern="1200">
+                <a:solidFill>
+                  <a:schemeClr val="tx1"/>
+                </a:solidFill>
+                <a:latin typeface="+mn-lt"/>
+                <a:ea typeface="+mn-ea"/>
+                <a:cs typeface="+mn-cs"/>
+              </a:defRPr>
+            </a:lvl7pPr>
+            <a:lvl8pPr marL="3429000" indent="-228600" algn="l" defTabSz="914400" rtl="0" eaLnBrk="1" latinLnBrk="0" hangingPunct="1">
+              <a:lnSpc>
+                <a:spcPct val="90000"/>
+              </a:lnSpc>
+              <a:spcBef>
+                <a:spcPts val="500"/>
+              </a:spcBef>
+              <a:buFont typeface="Arial" panose="020B0604020202020204" pitchFamily="34" charset="0"/>
+              <a:buChar char="•"/>
+              <a:defRPr sz="1800" kern="1200">
+                <a:solidFill>
+                  <a:schemeClr val="tx1"/>
+                </a:solidFill>
+                <a:latin typeface="+mn-lt"/>
+                <a:ea typeface="+mn-ea"/>
+                <a:cs typeface="+mn-cs"/>
+              </a:defRPr>
+            </a:lvl8pPr>
+            <a:lvl9pPr marL="3886200" indent="-228600" algn="l" defTabSz="914400" rtl="0" eaLnBrk="1" latinLnBrk="0" hangingPunct="1">
+              <a:lnSpc>
+                <a:spcPct val="90000"/>
+              </a:lnSpc>
+              <a:spcBef>
+                <a:spcPts val="500"/>
+              </a:spcBef>
+              <a:buFont typeface="Arial" panose="020B0604020202020204" pitchFamily="34" charset="0"/>
+              <a:buChar char="•"/>
+              <a:defRPr sz="1800" kern="1200">
+                <a:solidFill>
+                  <a:schemeClr val="tx1"/>
+                </a:solidFill>
+                <a:latin typeface="+mn-lt"/>
+                <a:ea typeface="+mn-ea"/>
+                <a:cs typeface="+mn-cs"/>
+              </a:defRPr>
+            </a:lvl9pPr>
+          </a:lstStyle>
+          <a:p>
+            <a:pPr marL="0" indent="0">
+              <a:buNone/>
+            </a:pPr>
+            <a:r>
+              <a:rPr lang="en-US" altLang="zh-CN" sz="1200" dirty="0"/>
+              <a:t>Churn prediction model</a:t>
+            </a:r>
+            <a:endParaRPr lang="en-US" dirty="0"/>
+          </a:p>
+        </p:txBody>
+      </p:sp>
     </p:spTree>
     <p:extLst>
       <p:ext uri="{BB962C8B-B14F-4D97-AF65-F5344CB8AC3E}">
@@ -32571,6 +35483,212 @@
               <a:t>9</a:t>
             </a:fld>
             <a:endParaRPr lang="en-US" altLang="zh-CN" dirty="0"/>
+          </a:p>
+        </p:txBody>
+      </p:sp>
+      <p:sp>
+        <p:nvSpPr>
+          <p:cNvPr id="6" name="Footer Placeholder 4">
+            <a:extLst>
+              <a:ext uri="{FF2B5EF4-FFF2-40B4-BE49-F238E27FC236}">
+                <a16:creationId xmlns:a16="http://schemas.microsoft.com/office/drawing/2014/main" id="{E9B91DCC-BF10-436E-8F90-B9E89A4F2C12}"/>
+              </a:ext>
+            </a:extLst>
+          </p:cNvPr>
+          <p:cNvSpPr txBox="1">
+            <a:spLocks/>
+          </p:cNvSpPr>
+          <p:nvPr/>
+        </p:nvSpPr>
+        <p:spPr>
+          <a:xfrm>
+            <a:off x="9231004" y="6256093"/>
+            <a:ext cx="1963165" cy="288777"/>
+          </a:xfrm>
+          <a:prstGeom prst="rect">
+            <a:avLst/>
+          </a:prstGeom>
+        </p:spPr>
+        <p:txBody>
+          <a:bodyPr vert="horz" lIns="91440" tIns="45720" rIns="91440" bIns="45720" rtlCol="0">
+            <a:noAutofit/>
+          </a:bodyPr>
+          <a:lstStyle>
+            <a:lvl1pPr marL="228600" indent="-228600" algn="l" defTabSz="914400" rtl="0" eaLnBrk="1" latinLnBrk="0" hangingPunct="1">
+              <a:lnSpc>
+                <a:spcPct val="100000"/>
+              </a:lnSpc>
+              <a:spcBef>
+                <a:spcPts val="0"/>
+              </a:spcBef>
+              <a:spcAft>
+                <a:spcPts val="600"/>
+              </a:spcAft>
+              <a:buFont typeface="Arial" panose="020B0604020202020204" pitchFamily="34" charset="0"/>
+              <a:buChar char="•"/>
+              <a:defRPr sz="1400" b="0" kern="1200">
+                <a:solidFill>
+                  <a:schemeClr val="accent6"/>
+                </a:solidFill>
+                <a:latin typeface="+mn-lt"/>
+                <a:ea typeface="+mn-ea"/>
+                <a:cs typeface="+mn-cs"/>
+              </a:defRPr>
+            </a:lvl1pPr>
+            <a:lvl2pPr marL="685800" indent="-228600" algn="l" defTabSz="914400" rtl="0" eaLnBrk="1" latinLnBrk="0" hangingPunct="1">
+              <a:lnSpc>
+                <a:spcPct val="90000"/>
+              </a:lnSpc>
+              <a:spcBef>
+                <a:spcPts val="500"/>
+              </a:spcBef>
+              <a:buFont typeface="Arial" panose="020B0604020202020204" pitchFamily="34" charset="0"/>
+              <a:buChar char="•"/>
+              <a:defRPr sz="1000" kern="1200">
+                <a:solidFill>
+                  <a:schemeClr val="accent6"/>
+                </a:solidFill>
+                <a:latin typeface="+mn-lt"/>
+                <a:ea typeface="+mn-ea"/>
+                <a:cs typeface="+mn-cs"/>
+              </a:defRPr>
+            </a:lvl2pPr>
+            <a:lvl3pPr marL="1143000" indent="-228600" algn="l" defTabSz="914400" rtl="0" eaLnBrk="1" latinLnBrk="0" hangingPunct="1">
+              <a:lnSpc>
+                <a:spcPct val="90000"/>
+              </a:lnSpc>
+              <a:spcBef>
+                <a:spcPts val="500"/>
+              </a:spcBef>
+              <a:buFont typeface="Arial" panose="020B0604020202020204" pitchFamily="34" charset="0"/>
+              <a:buChar char="•"/>
+              <a:defRPr sz="900" kern="1200">
+                <a:solidFill>
+                  <a:schemeClr val="accent6"/>
+                </a:solidFill>
+                <a:latin typeface="+mn-lt"/>
+                <a:ea typeface="+mn-ea"/>
+                <a:cs typeface="+mn-cs"/>
+              </a:defRPr>
+            </a:lvl3pPr>
+            <a:lvl4pPr marL="1600200" indent="-228600" algn="l" defTabSz="914400" rtl="0" eaLnBrk="1" latinLnBrk="0" hangingPunct="1">
+              <a:lnSpc>
+                <a:spcPct val="90000"/>
+              </a:lnSpc>
+              <a:spcBef>
+                <a:spcPts val="500"/>
+              </a:spcBef>
+              <a:buFont typeface="Arial" panose="020B0604020202020204" pitchFamily="34" charset="0"/>
+              <a:buChar char="•"/>
+              <a:defRPr sz="800" kern="1200">
+                <a:solidFill>
+                  <a:schemeClr val="accent6"/>
+                </a:solidFill>
+                <a:latin typeface="+mn-lt"/>
+                <a:ea typeface="+mn-ea"/>
+                <a:cs typeface="+mn-cs"/>
+              </a:defRPr>
+            </a:lvl4pPr>
+            <a:lvl5pPr marL="2057400" indent="-228600" algn="l" defTabSz="914400" rtl="0" eaLnBrk="1" latinLnBrk="0" hangingPunct="1">
+              <a:lnSpc>
+                <a:spcPct val="90000"/>
+              </a:lnSpc>
+              <a:spcBef>
+                <a:spcPts val="500"/>
+              </a:spcBef>
+              <a:buFont typeface="Arial" panose="020B0604020202020204" pitchFamily="34" charset="0"/>
+              <a:buChar char="•"/>
+              <a:defRPr sz="800" kern="1200">
+                <a:solidFill>
+                  <a:schemeClr val="accent6"/>
+                </a:solidFill>
+                <a:latin typeface="+mn-lt"/>
+                <a:ea typeface="+mn-ea"/>
+                <a:cs typeface="+mn-cs"/>
+              </a:defRPr>
+            </a:lvl5pPr>
+            <a:lvl6pPr marL="2514600" indent="-228600" algn="l" defTabSz="914400" rtl="0" eaLnBrk="1" latinLnBrk="0" hangingPunct="1">
+              <a:lnSpc>
+                <a:spcPct val="90000"/>
+              </a:lnSpc>
+              <a:spcBef>
+                <a:spcPts val="500"/>
+              </a:spcBef>
+              <a:buFont typeface="Arial" panose="020B0604020202020204" pitchFamily="34" charset="0"/>
+              <a:buChar char="•"/>
+              <a:defRPr sz="1800" kern="1200">
+                <a:solidFill>
+                  <a:schemeClr val="tx1"/>
+                </a:solidFill>
+                <a:latin typeface="+mn-lt"/>
+                <a:ea typeface="+mn-ea"/>
+                <a:cs typeface="+mn-cs"/>
+              </a:defRPr>
+            </a:lvl6pPr>
+            <a:lvl7pPr marL="2971800" indent="-228600" algn="l" defTabSz="914400" rtl="0" eaLnBrk="1" latinLnBrk="0" hangingPunct="1">
+              <a:lnSpc>
+                <a:spcPct val="90000"/>
+              </a:lnSpc>
+              <a:spcBef>
+                <a:spcPts val="500"/>
+              </a:spcBef>
+              <a:buFont typeface="Arial" panose="020B0604020202020204" pitchFamily="34" charset="0"/>
+              <a:buChar char="•"/>
+              <a:defRPr sz="1800" kern="1200">
+                <a:solidFill>
+                  <a:schemeClr val="tx1"/>
+                </a:solidFill>
+                <a:latin typeface="+mn-lt"/>
+                <a:ea typeface="+mn-ea"/>
+                <a:cs typeface="+mn-cs"/>
+              </a:defRPr>
+            </a:lvl7pPr>
+            <a:lvl8pPr marL="3429000" indent="-228600" algn="l" defTabSz="914400" rtl="0" eaLnBrk="1" latinLnBrk="0" hangingPunct="1">
+              <a:lnSpc>
+                <a:spcPct val="90000"/>
+              </a:lnSpc>
+              <a:spcBef>
+                <a:spcPts val="500"/>
+              </a:spcBef>
+              <a:buFont typeface="Arial" panose="020B0604020202020204" pitchFamily="34" charset="0"/>
+              <a:buChar char="•"/>
+              <a:defRPr sz="1800" kern="1200">
+                <a:solidFill>
+                  <a:schemeClr val="tx1"/>
+                </a:solidFill>
+                <a:latin typeface="+mn-lt"/>
+                <a:ea typeface="+mn-ea"/>
+                <a:cs typeface="+mn-cs"/>
+              </a:defRPr>
+            </a:lvl8pPr>
+            <a:lvl9pPr marL="3886200" indent="-228600" algn="l" defTabSz="914400" rtl="0" eaLnBrk="1" latinLnBrk="0" hangingPunct="1">
+              <a:lnSpc>
+                <a:spcPct val="90000"/>
+              </a:lnSpc>
+              <a:spcBef>
+                <a:spcPts val="500"/>
+              </a:spcBef>
+              <a:buFont typeface="Arial" panose="020B0604020202020204" pitchFamily="34" charset="0"/>
+              <a:buChar char="•"/>
+              <a:defRPr sz="1800" kern="1200">
+                <a:solidFill>
+                  <a:schemeClr val="tx1"/>
+                </a:solidFill>
+                <a:latin typeface="+mn-lt"/>
+                <a:ea typeface="+mn-ea"/>
+                <a:cs typeface="+mn-cs"/>
+              </a:defRPr>
+            </a:lvl9pPr>
+          </a:lstStyle>
+          <a:p>
+            <a:pPr marL="0" indent="0">
+              <a:buNone/>
+            </a:pPr>
+            <a:r>
+              <a:rPr lang="en-US" altLang="zh-CN" sz="1200" dirty="0"/>
+              <a:t>Churn prediction model</a:t>
+            </a:r>
+            <a:endParaRPr lang="en-US" dirty="0"/>
           </a:p>
         </p:txBody>
       </p:sp>
@@ -33404,6 +36522,35 @@
 </file>
 
 <file path=customXml/item1.xml><?xml version="1.0" encoding="utf-8"?>
+<?mso-contentType ?>
+<FormTemplates xmlns="http://schemas.microsoft.com/sharepoint/v3/contenttype/forms">
+  <Display>DocumentLibraryForm</Display>
+  <Edit>DocumentLibraryForm</Edit>
+  <New>DocumentLibraryForm</New>
+</FormTemplates>
+</file>
+
+<file path=customXml/item2.xml><?xml version="1.0" encoding="utf-8"?>
+<p:properties xmlns:p="http://schemas.microsoft.com/office/2006/metadata/properties" xmlns:xsi="http://www.w3.org/2001/XMLSchema-instance" xmlns:pc="http://schemas.microsoft.com/office/infopath/2007/PartnerControls">
+  <documentManagement>
+    <_ip_UnifiedCompliancePolicyUIAction xmlns="http://schemas.microsoft.com/sharepoint/v3" xsi:nil="true"/>
+    <Image xmlns="71af3243-3dd4-4a8d-8c0d-dd76da1f02a5">
+      <Url xsi:nil="true"/>
+      <Description xsi:nil="true"/>
+    </Image>
+    <Status xmlns="71af3243-3dd4-4a8d-8c0d-dd76da1f02a5">Not started</Status>
+    <Background xmlns="71af3243-3dd4-4a8d-8c0d-dd76da1f02a5">false</Background>
+    <_ip_UnifiedCompliancePolicyProperties xmlns="http://schemas.microsoft.com/sharepoint/v3" xsi:nil="true"/>
+    <ImageTagsTaxHTField xmlns="71af3243-3dd4-4a8d-8c0d-dd76da1f02a5">
+      <Terms xmlns="http://schemas.microsoft.com/office/infopath/2007/PartnerControls"/>
+    </ImageTagsTaxHTField>
+    <TaxCatchAll xmlns="230e9df3-be65-4c73-a93b-d1236ebd677e" xsi:nil="true"/>
+    <MediaServiceKeyPoints xmlns="71af3243-3dd4-4a8d-8c0d-dd76da1f02a5" xsi:nil="true"/>
+  </documentManagement>
+</p:properties>
+</file>
+
+<file path=customXml/item3.xml><?xml version="1.0" encoding="utf-8"?>
 <ct:contentTypeSchema xmlns:ct="http://schemas.microsoft.com/office/2006/metadata/contentType" xmlns:ma="http://schemas.microsoft.com/office/2006/metadata/properties/metaAttributes" ct:_="" ma:_="" ma:contentTypeName="Document" ma:contentTypeID="0x01010079F111ED35F8CC479449609E8A0923A6" ma:contentTypeVersion="24" ma:contentTypeDescription="Create a new document." ma:contentTypeScope="" ma:versionID="2d714a3296df14eba7a100bb665443ca">
   <xsd:schema xmlns:xsd="http://www.w3.org/2001/XMLSchema" xmlns:xs="http://www.w3.org/2001/XMLSchema" xmlns:p="http://schemas.microsoft.com/office/2006/metadata/properties" xmlns:ns1="http://schemas.microsoft.com/sharepoint/v3" xmlns:ns2="71af3243-3dd4-4a8d-8c0d-dd76da1f02a5" xmlns:ns3="16c05727-aa75-4e4a-9b5f-8a80a1165891" xmlns:ns4="230e9df3-be65-4c73-a93b-d1236ebd677e" targetNamespace="http://schemas.microsoft.com/office/2006/metadata/properties" ma:root="true" ma:fieldsID="49549bf45bfbbfb6cffed527380e77e1" ns1:_="" ns2:_="" ns3:_="" ns4:_="">
     <xsd:import namespace="http://schemas.microsoft.com/sharepoint/v3"/>
@@ -33691,36 +36838,27 @@
 </ct:contentTypeSchema>
 </file>
 
-<file path=customXml/item2.xml><?xml version="1.0" encoding="utf-8"?>
-<p:properties xmlns:p="http://schemas.microsoft.com/office/2006/metadata/properties" xmlns:xsi="http://www.w3.org/2001/XMLSchema-instance" xmlns:pc="http://schemas.microsoft.com/office/infopath/2007/PartnerControls">
-  <documentManagement>
-    <_ip_UnifiedCompliancePolicyUIAction xmlns="http://schemas.microsoft.com/sharepoint/v3" xsi:nil="true"/>
-    <Image xmlns="71af3243-3dd4-4a8d-8c0d-dd76da1f02a5">
-      <Url xsi:nil="true"/>
-      <Description xsi:nil="true"/>
-    </Image>
-    <Status xmlns="71af3243-3dd4-4a8d-8c0d-dd76da1f02a5">Not started</Status>
-    <Background xmlns="71af3243-3dd4-4a8d-8c0d-dd76da1f02a5">false</Background>
-    <_ip_UnifiedCompliancePolicyProperties xmlns="http://schemas.microsoft.com/sharepoint/v3" xsi:nil="true"/>
-    <ImageTagsTaxHTField xmlns="71af3243-3dd4-4a8d-8c0d-dd76da1f02a5">
-      <Terms xmlns="http://schemas.microsoft.com/office/infopath/2007/PartnerControls"/>
-    </ImageTagsTaxHTField>
-    <TaxCatchAll xmlns="230e9df3-be65-4c73-a93b-d1236ebd677e" xsi:nil="true"/>
-    <MediaServiceKeyPoints xmlns="71af3243-3dd4-4a8d-8c0d-dd76da1f02a5" xsi:nil="true"/>
-  </documentManagement>
-</p:properties>
+<file path=customXml/itemProps1.xml><?xml version="1.0" encoding="utf-8"?>
+<ds:datastoreItem xmlns:ds="http://schemas.openxmlformats.org/officeDocument/2006/customXml" ds:itemID="{6F156100-9533-4411-B0C0-FA18F914F7B6}">
+  <ds:schemaRefs>
+    <ds:schemaRef ds:uri="http://schemas.microsoft.com/sharepoint/v3/contenttype/forms"/>
+  </ds:schemaRefs>
+</ds:datastoreItem>
 </file>
 
-<file path=customXml/item3.xml><?xml version="1.0" encoding="utf-8"?>
-<?mso-contentType ?>
-<FormTemplates xmlns="http://schemas.microsoft.com/sharepoint/v3/contenttype/forms">
-  <Display>DocumentLibraryForm</Display>
-  <Edit>DocumentLibraryForm</Edit>
-  <New>DocumentLibraryForm</New>
-</FormTemplates>
+<file path=customXml/itemProps2.xml><?xml version="1.0" encoding="utf-8"?>
+<ds:datastoreItem xmlns:ds="http://schemas.openxmlformats.org/officeDocument/2006/customXml" ds:itemID="{B2C81503-9DEF-42F3-A99B-D5E0223E195B}">
+  <ds:schemaRefs>
+    <ds:schemaRef ds:uri="http://schemas.microsoft.com/office/2006/metadata/properties"/>
+    <ds:schemaRef ds:uri="http://schemas.microsoft.com/office/infopath/2007/PartnerControls"/>
+    <ds:schemaRef ds:uri="http://schemas.microsoft.com/sharepoint/v3"/>
+    <ds:schemaRef ds:uri="71af3243-3dd4-4a8d-8c0d-dd76da1f02a5"/>
+    <ds:schemaRef ds:uri="230e9df3-be65-4c73-a93b-d1236ebd677e"/>
+  </ds:schemaRefs>
+</ds:datastoreItem>
 </file>
 
-<file path=customXml/itemProps1.xml><?xml version="1.0" encoding="utf-8"?>
+<file path=customXml/itemProps3.xml><?xml version="1.0" encoding="utf-8"?>
 <ds:datastoreItem xmlns:ds="http://schemas.openxmlformats.org/officeDocument/2006/customXml" ds:itemID="{76A4D1D3-B327-4D60-927D-26045FF4AF3C}">
   <ds:schemaRefs>
     <ds:schemaRef ds:uri="http://schemas.microsoft.com/office/2006/metadata/contentType"/>
@@ -33741,26 +36879,6 @@
 </ds:datastoreItem>
 </file>
 
-<file path=customXml/itemProps2.xml><?xml version="1.0" encoding="utf-8"?>
-<ds:datastoreItem xmlns:ds="http://schemas.openxmlformats.org/officeDocument/2006/customXml" ds:itemID="{B2C81503-9DEF-42F3-A99B-D5E0223E195B}">
-  <ds:schemaRefs>
-    <ds:schemaRef ds:uri="http://schemas.microsoft.com/office/2006/metadata/properties"/>
-    <ds:schemaRef ds:uri="http://schemas.microsoft.com/office/infopath/2007/PartnerControls"/>
-    <ds:schemaRef ds:uri="http://schemas.microsoft.com/sharepoint/v3"/>
-    <ds:schemaRef ds:uri="71af3243-3dd4-4a8d-8c0d-dd76da1f02a5"/>
-    <ds:schemaRef ds:uri="230e9df3-be65-4c73-a93b-d1236ebd677e"/>
-  </ds:schemaRefs>
-</ds:datastoreItem>
-</file>
-
-<file path=customXml/itemProps3.xml><?xml version="1.0" encoding="utf-8"?>
-<ds:datastoreItem xmlns:ds="http://schemas.openxmlformats.org/officeDocument/2006/customXml" ds:itemID="{6F156100-9533-4411-B0C0-FA18F914F7B6}">
-  <ds:schemaRefs>
-    <ds:schemaRef ds:uri="http://schemas.microsoft.com/sharepoint/v3/contenttype/forms"/>
-  </ds:schemaRefs>
-</ds:datastoreItem>
-</file>
-
 <file path=docMetadata/LabelInfo.xml><?xml version="1.0" encoding="utf-8"?>
 <clbl:labelList xmlns:clbl="http://schemas.microsoft.com/office/2020/mipLabelMetadata"/>
 </file>
--- a/Telco churn prediction model presentation.pptx
+++ b/Telco churn prediction model presentation.pptx
@@ -249,7 +249,7 @@
           <a:p>
             <a:fld id="{8CD26A2A-0A96-0647-84E5-C82F2EFD9474}" type="datetimeFigureOut">
               <a:rPr lang="en-US" smtClean="0"/>
-              <a:t>8/20/2023</a:t>
+              <a:t>9/3/2023</a:t>
             </a:fld>
             <a:endParaRPr lang="en-US" dirty="0"/>
           </a:p>
@@ -426,7 +426,7 @@
           <a:p>
             <a:fld id="{A2B40C3B-E28A-4854-8EDA-E7F8F6F6FFEF}" type="datetimeFigureOut">
               <a:rPr lang="zh-CN" altLang="en-US" smtClean="0"/>
-              <a:t>2023/8/20</a:t>
+              <a:t>2023/9/3</a:t>
             </a:fld>
             <a:endParaRPr lang="zh-CN" altLang="en-US"/>
           </a:p>
@@ -29297,8 +29297,8 @@
         </p:nvSpPr>
         <p:spPr>
           <a:xfrm>
-            <a:off x="2910149" y="1622967"/>
-            <a:ext cx="7059474" cy="1262276"/>
+            <a:off x="2910148" y="1622967"/>
+            <a:ext cx="7092833" cy="2570342"/>
           </a:xfrm>
         </p:spPr>
         <p:txBody>
@@ -29316,6 +29316,23 @@
             <a:r>
               <a:rPr lang="en-US" sz="1800" dirty="0"/>
               <a:t> University, graduating with first honors and a GPA of 3.67. He also earned a Master's degree in Economics from Thammasat University, achieving a GPA of 3.98.</a:t>
+            </a:r>
+          </a:p>
+          <a:p>
+            <a:endParaRPr lang="en-US" sz="1800" dirty="0"/>
+          </a:p>
+          <a:p>
+            <a:r>
+              <a:rPr lang="en-US" sz="1800" b="1" dirty="0"/>
+              <a:t>This project tries to use techniques such as oversampling, </a:t>
+            </a:r>
+            <a:r>
+              <a:rPr lang="en-US" sz="1800" b="1" dirty="0" err="1"/>
+              <a:t>undersampling</a:t>
+            </a:r>
+            <a:r>
+              <a:rPr lang="en-US" sz="1800" b="1" dirty="0"/>
+              <a:t>, and cost-sensitive to handle imbalanced data, which is a challenge for most data science projects in the real world.</a:t>
             </a:r>
           </a:p>
         </p:txBody>
@@ -29695,7 +29712,7 @@
         <p:spPr>
           <a:xfrm>
             <a:off x="581709" y="274955"/>
-            <a:ext cx="5514291" cy="673368"/>
+            <a:ext cx="9849553" cy="673368"/>
           </a:xfrm>
         </p:spPr>
         <p:txBody>
@@ -29704,7 +29721,7 @@
           <a:p>
             <a:r>
               <a:rPr lang="en-US" dirty="0"/>
-              <a:t>7. ABOUT ME</a:t>
+              <a:t>7. ABOUT AUTHOR</a:t>
             </a:r>
           </a:p>
         </p:txBody>
@@ -30550,7 +30567,7 @@
                 <a:effectLst/>
                 <a:latin typeface="Abadi (Body)"/>
               </a:rPr>
-              <a:t>Author</a:t>
+              <a:t>About author</a:t>
             </a:r>
           </a:p>
         </p:txBody>
@@ -33714,7 +33731,7 @@
                 </a:solidFill>
                 <a:latin typeface="Abadi (Body)"/>
               </a:rPr>
-              <a:t>* These calculations are based on the assumption that the cost of promotion is 100, the cost of loss is 500, and the savings per customer is 500."</a:t>
+              <a:t>* These calculations are based on the assumption that the cost of promotion is 100, the cost of loss is 500, and the savings per customer is 500.</a:t>
             </a:r>
             <a:endParaRPr lang="en-US" sz="1050" dirty="0">
               <a:solidFill>
@@ -36531,26 +36548,6 @@
 </file>
 
 <file path=customXml/item2.xml><?xml version="1.0" encoding="utf-8"?>
-<p:properties xmlns:p="http://schemas.microsoft.com/office/2006/metadata/properties" xmlns:xsi="http://www.w3.org/2001/XMLSchema-instance" xmlns:pc="http://schemas.microsoft.com/office/infopath/2007/PartnerControls">
-  <documentManagement>
-    <_ip_UnifiedCompliancePolicyUIAction xmlns="http://schemas.microsoft.com/sharepoint/v3" xsi:nil="true"/>
-    <Image xmlns="71af3243-3dd4-4a8d-8c0d-dd76da1f02a5">
-      <Url xsi:nil="true"/>
-      <Description xsi:nil="true"/>
-    </Image>
-    <Status xmlns="71af3243-3dd4-4a8d-8c0d-dd76da1f02a5">Not started</Status>
-    <Background xmlns="71af3243-3dd4-4a8d-8c0d-dd76da1f02a5">false</Background>
-    <_ip_UnifiedCompliancePolicyProperties xmlns="http://schemas.microsoft.com/sharepoint/v3" xsi:nil="true"/>
-    <ImageTagsTaxHTField xmlns="71af3243-3dd4-4a8d-8c0d-dd76da1f02a5">
-      <Terms xmlns="http://schemas.microsoft.com/office/infopath/2007/PartnerControls"/>
-    </ImageTagsTaxHTField>
-    <TaxCatchAll xmlns="230e9df3-be65-4c73-a93b-d1236ebd677e" xsi:nil="true"/>
-    <MediaServiceKeyPoints xmlns="71af3243-3dd4-4a8d-8c0d-dd76da1f02a5" xsi:nil="true"/>
-  </documentManagement>
-</p:properties>
-</file>
-
-<file path=customXml/item3.xml><?xml version="1.0" encoding="utf-8"?>
 <ct:contentTypeSchema xmlns:ct="http://schemas.microsoft.com/office/2006/metadata/contentType" xmlns:ma="http://schemas.microsoft.com/office/2006/metadata/properties/metaAttributes" ct:_="" ma:_="" ma:contentTypeName="Document" ma:contentTypeID="0x01010079F111ED35F8CC479449609E8A0923A6" ma:contentTypeVersion="24" ma:contentTypeDescription="Create a new document." ma:contentTypeScope="" ma:versionID="2d714a3296df14eba7a100bb665443ca">
   <xsd:schema xmlns:xsd="http://www.w3.org/2001/XMLSchema" xmlns:xs="http://www.w3.org/2001/XMLSchema" xmlns:p="http://schemas.microsoft.com/office/2006/metadata/properties" xmlns:ns1="http://schemas.microsoft.com/sharepoint/v3" xmlns:ns2="71af3243-3dd4-4a8d-8c0d-dd76da1f02a5" xmlns:ns3="16c05727-aa75-4e4a-9b5f-8a80a1165891" xmlns:ns4="230e9df3-be65-4c73-a93b-d1236ebd677e" targetNamespace="http://schemas.microsoft.com/office/2006/metadata/properties" ma:root="true" ma:fieldsID="49549bf45bfbbfb6cffed527380e77e1" ns1:_="" ns2:_="" ns3:_="" ns4:_="">
     <xsd:import namespace="http://schemas.microsoft.com/sharepoint/v3"/>
@@ -36838,6 +36835,26 @@
 </ct:contentTypeSchema>
 </file>
 
+<file path=customXml/item3.xml><?xml version="1.0" encoding="utf-8"?>
+<p:properties xmlns:p="http://schemas.microsoft.com/office/2006/metadata/properties" xmlns:xsi="http://www.w3.org/2001/XMLSchema-instance" xmlns:pc="http://schemas.microsoft.com/office/infopath/2007/PartnerControls">
+  <documentManagement>
+    <_ip_UnifiedCompliancePolicyUIAction xmlns="http://schemas.microsoft.com/sharepoint/v3" xsi:nil="true"/>
+    <Image xmlns="71af3243-3dd4-4a8d-8c0d-dd76da1f02a5">
+      <Url xsi:nil="true"/>
+      <Description xsi:nil="true"/>
+    </Image>
+    <Status xmlns="71af3243-3dd4-4a8d-8c0d-dd76da1f02a5">Not started</Status>
+    <Background xmlns="71af3243-3dd4-4a8d-8c0d-dd76da1f02a5">false</Background>
+    <_ip_UnifiedCompliancePolicyProperties xmlns="http://schemas.microsoft.com/sharepoint/v3" xsi:nil="true"/>
+    <ImageTagsTaxHTField xmlns="71af3243-3dd4-4a8d-8c0d-dd76da1f02a5">
+      <Terms xmlns="http://schemas.microsoft.com/office/infopath/2007/PartnerControls"/>
+    </ImageTagsTaxHTField>
+    <TaxCatchAll xmlns="230e9df3-be65-4c73-a93b-d1236ebd677e" xsi:nil="true"/>
+    <MediaServiceKeyPoints xmlns="71af3243-3dd4-4a8d-8c0d-dd76da1f02a5" xsi:nil="true"/>
+  </documentManagement>
+</p:properties>
+</file>
+
 <file path=customXml/itemProps1.xml><?xml version="1.0" encoding="utf-8"?>
 <ds:datastoreItem xmlns:ds="http://schemas.openxmlformats.org/officeDocument/2006/customXml" ds:itemID="{6F156100-9533-4411-B0C0-FA18F914F7B6}">
   <ds:schemaRefs>
@@ -36847,18 +36864,6 @@
 </file>
 
 <file path=customXml/itemProps2.xml><?xml version="1.0" encoding="utf-8"?>
-<ds:datastoreItem xmlns:ds="http://schemas.openxmlformats.org/officeDocument/2006/customXml" ds:itemID="{B2C81503-9DEF-42F3-A99B-D5E0223E195B}">
-  <ds:schemaRefs>
-    <ds:schemaRef ds:uri="http://schemas.microsoft.com/office/2006/metadata/properties"/>
-    <ds:schemaRef ds:uri="http://schemas.microsoft.com/office/infopath/2007/PartnerControls"/>
-    <ds:schemaRef ds:uri="http://schemas.microsoft.com/sharepoint/v3"/>
-    <ds:schemaRef ds:uri="71af3243-3dd4-4a8d-8c0d-dd76da1f02a5"/>
-    <ds:schemaRef ds:uri="230e9df3-be65-4c73-a93b-d1236ebd677e"/>
-  </ds:schemaRefs>
-</ds:datastoreItem>
-</file>
-
-<file path=customXml/itemProps3.xml><?xml version="1.0" encoding="utf-8"?>
 <ds:datastoreItem xmlns:ds="http://schemas.openxmlformats.org/officeDocument/2006/customXml" ds:itemID="{76A4D1D3-B327-4D60-927D-26045FF4AF3C}">
   <ds:schemaRefs>
     <ds:schemaRef ds:uri="http://schemas.microsoft.com/office/2006/metadata/contentType"/>
@@ -36879,6 +36884,18 @@
 </ds:datastoreItem>
 </file>
 
+<file path=customXml/itemProps3.xml><?xml version="1.0" encoding="utf-8"?>
+<ds:datastoreItem xmlns:ds="http://schemas.openxmlformats.org/officeDocument/2006/customXml" ds:itemID="{B2C81503-9DEF-42F3-A99B-D5E0223E195B}">
+  <ds:schemaRefs>
+    <ds:schemaRef ds:uri="http://schemas.microsoft.com/office/2006/metadata/properties"/>
+    <ds:schemaRef ds:uri="http://schemas.microsoft.com/office/infopath/2007/PartnerControls"/>
+    <ds:schemaRef ds:uri="http://schemas.microsoft.com/sharepoint/v3"/>
+    <ds:schemaRef ds:uri="71af3243-3dd4-4a8d-8c0d-dd76da1f02a5"/>
+    <ds:schemaRef ds:uri="230e9df3-be65-4c73-a93b-d1236ebd677e"/>
+  </ds:schemaRefs>
+</ds:datastoreItem>
+</file>
+
 <file path=docMetadata/LabelInfo.xml><?xml version="1.0" encoding="utf-8"?>
 <clbl:labelList xmlns:clbl="http://schemas.microsoft.com/office/2020/mipLabelMetadata"/>
 </file>
--- a/Telco churn prediction model presentation.pptx
+++ b/Telco churn prediction model presentation.pptx
@@ -28887,7 +28887,7 @@
                 <a:ea typeface="微软雅黑"/>
                 <a:cs typeface="Posterama" panose="020B0504020200020000" pitchFamily="34" charset="0"/>
               </a:rPr>
-              <a:t>1, 2, 3</a:t>
+              <a:t>0, 1, 2</a:t>
             </a:r>
           </a:p>
         </p:txBody>
@@ -40521,6 +40521,15 @@
 </file>
 
 <file path=customXml/item1.xml><?xml version="1.0" encoding="utf-8"?>
+<?mso-contentType ?>
+<FormTemplates xmlns="http://schemas.microsoft.com/sharepoint/v3/contenttype/forms">
+  <Display>DocumentLibraryForm</Display>
+  <Edit>DocumentLibraryForm</Edit>
+  <New>DocumentLibraryForm</New>
+</FormTemplates>
+</file>
+
+<file path=customXml/item2.xml><?xml version="1.0" encoding="utf-8"?>
 <ct:contentTypeSchema xmlns:ct="http://schemas.microsoft.com/office/2006/metadata/contentType" xmlns:ma="http://schemas.microsoft.com/office/2006/metadata/properties/metaAttributes" ct:_="" ma:_="" ma:contentTypeName="Document" ma:contentTypeID="0x01010079F111ED35F8CC479449609E8A0923A6" ma:contentTypeVersion="24" ma:contentTypeDescription="Create a new document." ma:contentTypeScope="" ma:versionID="2d714a3296df14eba7a100bb665443ca">
   <xsd:schema xmlns:xsd="http://www.w3.org/2001/XMLSchema" xmlns:xs="http://www.w3.org/2001/XMLSchema" xmlns:p="http://schemas.microsoft.com/office/2006/metadata/properties" xmlns:ns1="http://schemas.microsoft.com/sharepoint/v3" xmlns:ns2="71af3243-3dd4-4a8d-8c0d-dd76da1f02a5" xmlns:ns3="16c05727-aa75-4e4a-9b5f-8a80a1165891" xmlns:ns4="230e9df3-be65-4c73-a93b-d1236ebd677e" targetNamespace="http://schemas.microsoft.com/office/2006/metadata/properties" ma:root="true" ma:fieldsID="49549bf45bfbbfb6cffed527380e77e1" ns1:_="" ns2:_="" ns3:_="" ns4:_="">
     <xsd:import namespace="http://schemas.microsoft.com/sharepoint/v3"/>
@@ -40808,15 +40817,6 @@
 </ct:contentTypeSchema>
 </file>
 
-<file path=customXml/item2.xml><?xml version="1.0" encoding="utf-8"?>
-<?mso-contentType ?>
-<FormTemplates xmlns="http://schemas.microsoft.com/sharepoint/v3/contenttype/forms">
-  <Display>DocumentLibraryForm</Display>
-  <Edit>DocumentLibraryForm</Edit>
-  <New>DocumentLibraryForm</New>
-</FormTemplates>
-</file>
-
 <file path=customXml/item3.xml><?xml version="1.0" encoding="utf-8"?>
 <p:properties xmlns:p="http://schemas.microsoft.com/office/2006/metadata/properties" xmlns:xsi="http://www.w3.org/2001/XMLSchema-instance" xmlns:pc="http://schemas.microsoft.com/office/infopath/2007/PartnerControls">
   <documentManagement>
@@ -40838,6 +40838,14 @@
 </file>
 
 <file path=customXml/itemProps1.xml><?xml version="1.0" encoding="utf-8"?>
+<ds:datastoreItem xmlns:ds="http://schemas.openxmlformats.org/officeDocument/2006/customXml" ds:itemID="{6F156100-9533-4411-B0C0-FA18F914F7B6}">
+  <ds:schemaRefs>
+    <ds:schemaRef ds:uri="http://schemas.microsoft.com/sharepoint/v3/contenttype/forms"/>
+  </ds:schemaRefs>
+</ds:datastoreItem>
+</file>
+
+<file path=customXml/itemProps2.xml><?xml version="1.0" encoding="utf-8"?>
 <ds:datastoreItem xmlns:ds="http://schemas.openxmlformats.org/officeDocument/2006/customXml" ds:itemID="{76A4D1D3-B327-4D60-927D-26045FF4AF3C}">
   <ds:schemaRefs>
     <ds:schemaRef ds:uri="http://schemas.microsoft.com/office/2006/metadata/contentType"/>
@@ -40858,14 +40866,6 @@
 </ds:datastoreItem>
 </file>
 
-<file path=customXml/itemProps2.xml><?xml version="1.0" encoding="utf-8"?>
-<ds:datastoreItem xmlns:ds="http://schemas.openxmlformats.org/officeDocument/2006/customXml" ds:itemID="{6F156100-9533-4411-B0C0-FA18F914F7B6}">
-  <ds:schemaRefs>
-    <ds:schemaRef ds:uri="http://schemas.microsoft.com/sharepoint/v3/contenttype/forms"/>
-  </ds:schemaRefs>
-</ds:datastoreItem>
-</file>
-
 <file path=customXml/itemProps3.xml><?xml version="1.0" encoding="utf-8"?>
 <ds:datastoreItem xmlns:ds="http://schemas.openxmlformats.org/officeDocument/2006/customXml" ds:itemID="{B2C81503-9DEF-42F3-A99B-D5E0223E195B}">
   <ds:schemaRefs>

--- a/Telco churn prediction model presentation.pptx
+++ b/Telco churn prediction model presentation.pptx
@@ -24009,7 +24009,7 @@
             </a:br>
             <a:r>
               <a:rPr lang="en-US" altLang="zh-CN" sz="2000" dirty="0"/>
-              <a:t>A model for Predicting Customer Retention in Telecom</a:t>
+              <a:t>A Model for Predicting Customer Retention in Telecom</a:t>
             </a:r>
             <a:endParaRPr lang="en-US" sz="4000" dirty="0"/>
           </a:p>
@@ -31341,7 +31341,7 @@
           <a:p>
             <a:r>
               <a:rPr lang="en-US" altLang="zh-CN" sz="1800" b="0" dirty="0"/>
-              <a:t>A model for Predicting Customer Retention in Telecom</a:t>
+              <a:t>A Model for Predicting Customer Retention in Telecom</a:t>
             </a:r>
             <a:endParaRPr lang="en-US" sz="3600" b="0" dirty="0"/>
           </a:p>
@@ -40521,15 +40521,6 @@
 </file>
 
 <file path=customXml/item1.xml><?xml version="1.0" encoding="utf-8"?>
-<?mso-contentType ?>
-<FormTemplates xmlns="http://schemas.microsoft.com/sharepoint/v3/contenttype/forms">
-  <Display>DocumentLibraryForm</Display>
-  <Edit>DocumentLibraryForm</Edit>
-  <New>DocumentLibraryForm</New>
-</FormTemplates>
-</file>
-
-<file path=customXml/item2.xml><?xml version="1.0" encoding="utf-8"?>
 <ct:contentTypeSchema xmlns:ct="http://schemas.microsoft.com/office/2006/metadata/contentType" xmlns:ma="http://schemas.microsoft.com/office/2006/metadata/properties/metaAttributes" ct:_="" ma:_="" ma:contentTypeName="Document" ma:contentTypeID="0x01010079F111ED35F8CC479449609E8A0923A6" ma:contentTypeVersion="24" ma:contentTypeDescription="Create a new document." ma:contentTypeScope="" ma:versionID="2d714a3296df14eba7a100bb665443ca">
   <xsd:schema xmlns:xsd="http://www.w3.org/2001/XMLSchema" xmlns:xs="http://www.w3.org/2001/XMLSchema" xmlns:p="http://schemas.microsoft.com/office/2006/metadata/properties" xmlns:ns1="http://schemas.microsoft.com/sharepoint/v3" xmlns:ns2="71af3243-3dd4-4a8d-8c0d-dd76da1f02a5" xmlns:ns3="16c05727-aa75-4e4a-9b5f-8a80a1165891" xmlns:ns4="230e9df3-be65-4c73-a93b-d1236ebd677e" targetNamespace="http://schemas.microsoft.com/office/2006/metadata/properties" ma:root="true" ma:fieldsID="49549bf45bfbbfb6cffed527380e77e1" ns1:_="" ns2:_="" ns3:_="" ns4:_="">
     <xsd:import namespace="http://schemas.microsoft.com/sharepoint/v3"/>
@@ -40817,6 +40808,15 @@
 </ct:contentTypeSchema>
 </file>
 
+<file path=customXml/item2.xml><?xml version="1.0" encoding="utf-8"?>
+<?mso-contentType ?>
+<FormTemplates xmlns="http://schemas.microsoft.com/sharepoint/v3/contenttype/forms">
+  <Display>DocumentLibraryForm</Display>
+  <Edit>DocumentLibraryForm</Edit>
+  <New>DocumentLibraryForm</New>
+</FormTemplates>
+</file>
+
 <file path=customXml/item3.xml><?xml version="1.0" encoding="utf-8"?>
 <p:properties xmlns:p="http://schemas.microsoft.com/office/2006/metadata/properties" xmlns:xsi="http://www.w3.org/2001/XMLSchema-instance" xmlns:pc="http://schemas.microsoft.com/office/infopath/2007/PartnerControls">
   <documentManagement>
@@ -40838,14 +40838,6 @@
 </file>
 
 <file path=customXml/itemProps1.xml><?xml version="1.0" encoding="utf-8"?>
-<ds:datastoreItem xmlns:ds="http://schemas.openxmlformats.org/officeDocument/2006/customXml" ds:itemID="{6F156100-9533-4411-B0C0-FA18F914F7B6}">
-  <ds:schemaRefs>
-    <ds:schemaRef ds:uri="http://schemas.microsoft.com/sharepoint/v3/contenttype/forms"/>
-  </ds:schemaRefs>
-</ds:datastoreItem>
-</file>
-
-<file path=customXml/itemProps2.xml><?xml version="1.0" encoding="utf-8"?>
 <ds:datastoreItem xmlns:ds="http://schemas.openxmlformats.org/officeDocument/2006/customXml" ds:itemID="{76A4D1D3-B327-4D60-927D-26045FF4AF3C}">
   <ds:schemaRefs>
     <ds:schemaRef ds:uri="http://schemas.microsoft.com/office/2006/metadata/contentType"/>
@@ -40866,6 +40858,14 @@
 </ds:datastoreItem>
 </file>
 
+<file path=customXml/itemProps2.xml><?xml version="1.0" encoding="utf-8"?>
+<ds:datastoreItem xmlns:ds="http://schemas.openxmlformats.org/officeDocument/2006/customXml" ds:itemID="{6F156100-9533-4411-B0C0-FA18F914F7B6}">
+  <ds:schemaRefs>
+    <ds:schemaRef ds:uri="http://schemas.microsoft.com/sharepoint/v3/contenttype/forms"/>
+  </ds:schemaRefs>
+</ds:datastoreItem>
+</file>
+
 <file path=customXml/itemProps3.xml><?xml version="1.0" encoding="utf-8"?>
 <ds:datastoreItem xmlns:ds="http://schemas.openxmlformats.org/officeDocument/2006/customXml" ds:itemID="{B2C81503-9DEF-42F3-A99B-D5E0223E195B}">
   <ds:schemaRefs>

--- a/Telco churn prediction model presentation.pptx
+++ b/Telco churn prediction model presentation.pptx
@@ -24806,7 +24806,7 @@
                 <a:effectLst/>
                 <a:latin typeface="Abadi (Body)"/>
               </a:rPr>
-              <a:t>The churn prediction model, based on the analysis of a test set comprising around 1,407 customers, has demonstrated its effectiveness in reducing customer churn significantly.</a:t>
+              <a:t>The churn prediction model, based on the analysis of a test set comprising around 1,409 customers, has demonstrated its effectiveness in reducing customer churn significantly.</a:t>
             </a:r>
           </a:p>
           <a:p>
@@ -24822,7 +24822,56 @@
                 <a:effectLst/>
                 <a:latin typeface="Abadi (Body)"/>
               </a:rPr>
-              <a:t>When compared to the 'do nothing' program, which involves no proactive retention efforts, the model achieved a remarkable gain of 159.03%. Additionally, in comparison to the 'retain all' program, which indiscriminately attempts to retain all customers, the model still outperformed with a gain of 32.23%. These results underscore the value of predictive modeling in identifying and mitigating customer churn.</a:t>
+              <a:t>When compared to the 'do nothing' program, which involves no proactive retention efforts, the model achieved a remarkable gain of </a:t>
+            </a:r>
+            <a:r>
+              <a:rPr lang="en-US" b="0" i="0" dirty="0">
+                <a:solidFill>
+                  <a:srgbClr val="FF0000"/>
+                </a:solidFill>
+                <a:effectLst/>
+                <a:latin typeface="Abadi (Body)"/>
+              </a:rPr>
+              <a:t>164.24%</a:t>
+            </a:r>
+            <a:r>
+              <a:rPr lang="en-US" b="0" i="0" dirty="0">
+                <a:solidFill>
+                  <a:srgbClr val="1F1F1F"/>
+                </a:solidFill>
+                <a:effectLst/>
+                <a:latin typeface="Abadi (Body)"/>
+              </a:rPr>
+              <a:t>. Additionally, in comparison to the 'retain all' program, which indiscriminately attempts to retain all customers, the model still outperformed with a gain of </a:t>
+            </a:r>
+            <a:r>
+              <a:rPr lang="en-US" dirty="0">
+                <a:solidFill>
+                  <a:srgbClr val="FF0000"/>
+                </a:solidFill>
+                <a:latin typeface="Abadi (Body)"/>
+              </a:rPr>
+              <a:t>44</a:t>
+            </a:r>
+            <a:r>
+              <a:rPr lang="en-US" b="0" i="0" dirty="0">
+                <a:solidFill>
+                  <a:srgbClr val="FF0000"/>
+                </a:solidFill>
+                <a:effectLst/>
+                <a:latin typeface="Abadi (Body)"/>
+              </a:rPr>
+              <a:t>.51%</a:t>
+            </a:r>
+            <a:r>
+              <a:rPr lang="en-US" b="0" i="0" dirty="0">
+                <a:solidFill>
+                  <a:srgbClr val="1F1F1F"/>
+                </a:solidFill>
+                <a:effectLst/>
+                <a:latin typeface="Abadi (Body)"/>
+              </a:rPr>
+              <a:t>. These results underscore the value of predictive modeling in identifying and mitigating customer churn.</a:t>
             </a:r>
           </a:p>
         </p:txBody>
@@ -36908,7 +36957,7 @@
                 <a:effectLst/>
                 <a:latin typeface="Abadi (Body)"/>
               </a:rPr>
-              <a:t>There are 7,032 customers in the dataset, including churn and not-churn customers.</a:t>
+              <a:t>There are 7,043 customers in the dataset, including churn and not-churn customers.</a:t>
             </a:r>
           </a:p>
           <a:p>
@@ -37783,7 +37832,7 @@
           <p:nvPr>
             <p:extLst>
               <p:ext uri="{D42A27DB-BD31-4B8C-83A1-F6EECF244321}">
-                <p14:modId xmlns:p14="http://schemas.microsoft.com/office/powerpoint/2010/main" val="2681358371"/>
+                <p14:modId xmlns:p14="http://schemas.microsoft.com/office/powerpoint/2010/main" val="448070022"/>
               </p:ext>
             </p:extLst>
           </p:nvPr>
@@ -37999,39 +38048,8 @@
                           <a:ea typeface="+mn-ea"/>
                           <a:cs typeface="+mn-cs"/>
                         </a:rPr>
-                        <a:t>1,40</a:t>
+                        <a:t>1,409</a:t>
                       </a:r>
-                      <a:r>
-                        <a:rPr kumimoji="0" lang="th-TH" sz="1600" b="0" i="0" u="none" strike="noStrike" kern="1200" cap="none" spc="0" normalizeH="0" baseline="0" noProof="0" dirty="0">
-                          <a:ln>
-                            <a:noFill/>
-                          </a:ln>
-                          <a:solidFill>
-                            <a:srgbClr val="000000"/>
-                          </a:solidFill>
-                          <a:effectLst/>
-                          <a:uLnTx/>
-                          <a:uFillTx/>
-                          <a:latin typeface="Abadi (Body)"/>
-                          <a:ea typeface="+mn-ea"/>
-                          <a:cs typeface="+mn-cs"/>
-                        </a:rPr>
-                        <a:t>9</a:t>
-                      </a:r>
-                      <a:endParaRPr kumimoji="0" lang="en-US" sz="1600" b="0" i="0" u="none" strike="noStrike" kern="1200" cap="none" spc="0" normalizeH="0" baseline="0" noProof="0" dirty="0">
-                        <a:ln>
-                          <a:noFill/>
-                        </a:ln>
-                        <a:solidFill>
-                          <a:srgbClr val="000000"/>
-                        </a:solidFill>
-                        <a:effectLst/>
-                        <a:uLnTx/>
-                        <a:uFillTx/>
-                        <a:latin typeface="Abadi (Body)"/>
-                        <a:ea typeface="+mn-ea"/>
-                        <a:cs typeface="+mn-cs"/>
-                      </a:endParaRPr>
                     </a:p>
                   </a:txBody>
                   <a:tcPr marL="152400" marR="152400" marT="152400" marB="152400" anchor="ctr"/>
@@ -38187,39 +38205,8 @@
                           <a:ea typeface="+mn-ea"/>
                           <a:cs typeface="+mn-cs"/>
                         </a:rPr>
-                        <a:t>1,40</a:t>
+                        <a:t>1,409</a:t>
                       </a:r>
-                      <a:r>
-                        <a:rPr kumimoji="0" lang="th-TH" sz="1600" b="0" i="0" u="none" strike="noStrike" kern="1200" cap="none" spc="0" normalizeH="0" baseline="0" noProof="0" dirty="0">
-                          <a:ln>
-                            <a:noFill/>
-                          </a:ln>
-                          <a:solidFill>
-                            <a:srgbClr val="000000"/>
-                          </a:solidFill>
-                          <a:effectLst/>
-                          <a:uLnTx/>
-                          <a:uFillTx/>
-                          <a:latin typeface="Abadi (Body)"/>
-                          <a:ea typeface="+mn-ea"/>
-                          <a:cs typeface="+mn-cs"/>
-                        </a:rPr>
-                        <a:t>9</a:t>
-                      </a:r>
-                      <a:endParaRPr kumimoji="0" lang="en-US" sz="1600" b="0" i="0" u="none" strike="noStrike" kern="1200" cap="none" spc="0" normalizeH="0" baseline="0" noProof="0" dirty="0">
-                        <a:ln>
-                          <a:noFill/>
-                        </a:ln>
-                        <a:solidFill>
-                          <a:srgbClr val="000000"/>
-                        </a:solidFill>
-                        <a:effectLst/>
-                        <a:uLnTx/>
-                        <a:uFillTx/>
-                        <a:latin typeface="Abadi (Body)"/>
-                        <a:ea typeface="+mn-ea"/>
-                        <a:cs typeface="+mn-cs"/>
-                      </a:endParaRPr>
                     </a:p>
                   </a:txBody>
                   <a:tcPr marL="152400" marR="152400" marT="152400" marB="152400" anchor="ctr"/>
@@ -38375,39 +38362,8 @@
                           <a:ea typeface="+mn-ea"/>
                           <a:cs typeface="+mn-cs"/>
                         </a:rPr>
-                        <a:t>1,40</a:t>
+                        <a:t>1,409</a:t>
                       </a:r>
-                      <a:r>
-                        <a:rPr kumimoji="0" lang="th-TH" sz="1600" b="0" i="0" u="none" strike="noStrike" kern="1200" cap="none" spc="0" normalizeH="0" baseline="0" noProof="0" dirty="0">
-                          <a:ln>
-                            <a:noFill/>
-                          </a:ln>
-                          <a:solidFill>
-                            <a:srgbClr val="000000"/>
-                          </a:solidFill>
-                          <a:effectLst/>
-                          <a:uLnTx/>
-                          <a:uFillTx/>
-                          <a:latin typeface="Abadi (Body)"/>
-                          <a:ea typeface="+mn-ea"/>
-                          <a:cs typeface="+mn-cs"/>
-                        </a:rPr>
-                        <a:t>9</a:t>
-                      </a:r>
-                      <a:endParaRPr kumimoji="0" lang="en-US" sz="1600" b="0" i="0" u="none" strike="noStrike" kern="1200" cap="none" spc="0" normalizeH="0" baseline="0" noProof="0" dirty="0">
-                        <a:ln>
-                          <a:noFill/>
-                        </a:ln>
-                        <a:solidFill>
-                          <a:srgbClr val="000000"/>
-                        </a:solidFill>
-                        <a:effectLst/>
-                        <a:uLnTx/>
-                        <a:uFillTx/>
-                        <a:latin typeface="Abadi (Body)"/>
-                        <a:ea typeface="+mn-ea"/>
-                        <a:cs typeface="+mn-cs"/>
-                      </a:endParaRPr>
                     </a:p>
                   </a:txBody>
                   <a:tcPr marL="152400" marR="152400" marT="152400" marB="152400" anchor="ctr"/>
@@ -40521,6 +40477,15 @@
 </file>
 
 <file path=customXml/item1.xml><?xml version="1.0" encoding="utf-8"?>
+<?mso-contentType ?>
+<FormTemplates xmlns="http://schemas.microsoft.com/sharepoint/v3/contenttype/forms">
+  <Display>DocumentLibraryForm</Display>
+  <Edit>DocumentLibraryForm</Edit>
+  <New>DocumentLibraryForm</New>
+</FormTemplates>
+</file>
+
+<file path=customXml/item2.xml><?xml version="1.0" encoding="utf-8"?>
 <ct:contentTypeSchema xmlns:ct="http://schemas.microsoft.com/office/2006/metadata/contentType" xmlns:ma="http://schemas.microsoft.com/office/2006/metadata/properties/metaAttributes" ct:_="" ma:_="" ma:contentTypeName="Document" ma:contentTypeID="0x01010079F111ED35F8CC479449609E8A0923A6" ma:contentTypeVersion="24" ma:contentTypeDescription="Create a new document." ma:contentTypeScope="" ma:versionID="2d714a3296df14eba7a100bb665443ca">
   <xsd:schema xmlns:xsd="http://www.w3.org/2001/XMLSchema" xmlns:xs="http://www.w3.org/2001/XMLSchema" xmlns:p="http://schemas.microsoft.com/office/2006/metadata/properties" xmlns:ns1="http://schemas.microsoft.com/sharepoint/v3" xmlns:ns2="71af3243-3dd4-4a8d-8c0d-dd76da1f02a5" xmlns:ns3="16c05727-aa75-4e4a-9b5f-8a80a1165891" xmlns:ns4="230e9df3-be65-4c73-a93b-d1236ebd677e" targetNamespace="http://schemas.microsoft.com/office/2006/metadata/properties" ma:root="true" ma:fieldsID="49549bf45bfbbfb6cffed527380e77e1" ns1:_="" ns2:_="" ns3:_="" ns4:_="">
     <xsd:import namespace="http://schemas.microsoft.com/sharepoint/v3"/>
@@ -40808,15 +40773,6 @@
 </ct:contentTypeSchema>
 </file>
 
-<file path=customXml/item2.xml><?xml version="1.0" encoding="utf-8"?>
-<?mso-contentType ?>
-<FormTemplates xmlns="http://schemas.microsoft.com/sharepoint/v3/contenttype/forms">
-  <Display>DocumentLibraryForm</Display>
-  <Edit>DocumentLibraryForm</Edit>
-  <New>DocumentLibraryForm</New>
-</FormTemplates>
-</file>
-
 <file path=customXml/item3.xml><?xml version="1.0" encoding="utf-8"?>
 <p:properties xmlns:p="http://schemas.microsoft.com/office/2006/metadata/properties" xmlns:xsi="http://www.w3.org/2001/XMLSchema-instance" xmlns:pc="http://schemas.microsoft.com/office/infopath/2007/PartnerControls">
   <documentManagement>
@@ -40838,6 +40794,14 @@
 </file>
 
 <file path=customXml/itemProps1.xml><?xml version="1.0" encoding="utf-8"?>
+<ds:datastoreItem xmlns:ds="http://schemas.openxmlformats.org/officeDocument/2006/customXml" ds:itemID="{6F156100-9533-4411-B0C0-FA18F914F7B6}">
+  <ds:schemaRefs>
+    <ds:schemaRef ds:uri="http://schemas.microsoft.com/sharepoint/v3/contenttype/forms"/>
+  </ds:schemaRefs>
+</ds:datastoreItem>
+</file>
+
+<file path=customXml/itemProps2.xml><?xml version="1.0" encoding="utf-8"?>
 <ds:datastoreItem xmlns:ds="http://schemas.openxmlformats.org/officeDocument/2006/customXml" ds:itemID="{76A4D1D3-B327-4D60-927D-26045FF4AF3C}">
   <ds:schemaRefs>
     <ds:schemaRef ds:uri="http://schemas.microsoft.com/office/2006/metadata/contentType"/>
@@ -40858,14 +40822,6 @@
 </ds:datastoreItem>
 </file>
 
-<file path=customXml/itemProps2.xml><?xml version="1.0" encoding="utf-8"?>
-<ds:datastoreItem xmlns:ds="http://schemas.openxmlformats.org/officeDocument/2006/customXml" ds:itemID="{6F156100-9533-4411-B0C0-FA18F914F7B6}">
-  <ds:schemaRefs>
-    <ds:schemaRef ds:uri="http://schemas.microsoft.com/sharepoint/v3/contenttype/forms"/>
-  </ds:schemaRefs>
-</ds:datastoreItem>
-</file>
-
 <file path=customXml/itemProps3.xml><?xml version="1.0" encoding="utf-8"?>
 <ds:datastoreItem xmlns:ds="http://schemas.openxmlformats.org/officeDocument/2006/customXml" ds:itemID="{B2C81503-9DEF-42F3-A99B-D5E0223E195B}">
   <ds:schemaRefs>

--- a/Telco churn prediction model presentation.pptx
+++ b/Telco churn prediction model presentation.pptx
@@ -24043,7 +24043,7 @@
           <a:p>
             <a:r>
               <a:rPr lang="en-US" sz="2000" b="1" dirty="0"/>
-              <a:t>Peerapat.t, Data scientist</a:t>
+              <a:t>Peerapat.t</a:t>
             </a:r>
             <a:br>
               <a:rPr lang="en-US" sz="2000" b="1" dirty="0"/>
@@ -40826,10 +40826,17 @@
 <ds:datastoreItem xmlns:ds="http://schemas.openxmlformats.org/officeDocument/2006/customXml" ds:itemID="{B2C81503-9DEF-42F3-A99B-D5E0223E195B}">
   <ds:schemaRefs>
     <ds:schemaRef ds:uri="http://schemas.microsoft.com/office/2006/metadata/properties"/>
+    <ds:schemaRef ds:uri="http://schemas.microsoft.com/sharepoint/v3"/>
+    <ds:schemaRef ds:uri="http://purl.org/dc/dcmitype/"/>
     <ds:schemaRef ds:uri="http://schemas.microsoft.com/office/infopath/2007/PartnerControls"/>
-    <ds:schemaRef ds:uri="http://schemas.microsoft.com/sharepoint/v3"/>
+    <ds:schemaRef ds:uri="http://schemas.microsoft.com/office/2006/documentManagement/types"/>
     <ds:schemaRef ds:uri="71af3243-3dd4-4a8d-8c0d-dd76da1f02a5"/>
+    <ds:schemaRef ds:uri="http://purl.org/dc/elements/1.1/"/>
+    <ds:schemaRef ds:uri="16c05727-aa75-4e4a-9b5f-8a80a1165891"/>
+    <ds:schemaRef ds:uri="http://schemas.openxmlformats.org/package/2006/metadata/core-properties"/>
     <ds:schemaRef ds:uri="230e9df3-be65-4c73-a93b-d1236ebd677e"/>
+    <ds:schemaRef ds:uri="http://purl.org/dc/terms/"/>
+    <ds:schemaRef ds:uri="http://www.w3.org/XML/1998/namespace"/>
   </ds:schemaRefs>
 </ds:datastoreItem>
 </file>

--- a/Telco churn prediction model presentation.pptx
+++ b/Telco churn prediction model presentation.pptx
@@ -285,7 +285,7 @@
           <a:p>
             <a:fld id="{8CD26A2A-0A96-0647-84E5-C82F2EFD9474}" type="datetimeFigureOut">
               <a:rPr lang="en-US" smtClean="0"/>
-              <a:t>10/2/2023</a:t>
+              <a:t>10/3/2023</a:t>
             </a:fld>
             <a:endParaRPr lang="en-US" dirty="0"/>
           </a:p>
@@ -462,7 +462,7 @@
           <a:p>
             <a:fld id="{A2B40C3B-E28A-4854-8EDA-E7F8F6F6FFEF}" type="datetimeFigureOut">
               <a:rPr lang="zh-CN" altLang="en-US" smtClean="0"/>
-              <a:t>2023/10/2</a:t>
+              <a:t>2023/10/3</a:t>
             </a:fld>
             <a:endParaRPr lang="zh-CN" altLang="en-US"/>
           </a:p>
@@ -31229,6 +31229,53 @@
           <a:chExt cx="0" cy="0"/>
         </a:xfrm>
       </p:grpSpPr>
+      <p:pic>
+        <p:nvPicPr>
+          <p:cNvPr id="1040" name="Picture 16" descr="Optimal Threshold for Imbalanced Classification | by Audhi Aprilliant |  Towards Data Science">
+            <a:extLst>
+              <a:ext uri="{FF2B5EF4-FFF2-40B4-BE49-F238E27FC236}">
+                <a16:creationId xmlns:a16="http://schemas.microsoft.com/office/drawing/2014/main" id="{4FB49991-30FD-414F-8728-BDD3B4C9E85B}"/>
+              </a:ext>
+            </a:extLst>
+          </p:cNvPr>
+          <p:cNvPicPr>
+            <a:picLocks noChangeAspect="1" noChangeArrowheads="1"/>
+          </p:cNvPicPr>
+          <p:nvPr/>
+        </p:nvPicPr>
+        <p:blipFill>
+          <a:blip r:embed="rId3">
+            <a:extLst>
+              <a:ext uri="{28A0092B-C50C-407E-A947-70E740481C1C}">
+                <a14:useLocalDpi xmlns:a14="http://schemas.microsoft.com/office/drawing/2010/main" val="0"/>
+              </a:ext>
+            </a:extLst>
+          </a:blip>
+          <a:srcRect/>
+          <a:stretch>
+            <a:fillRect/>
+          </a:stretch>
+        </p:blipFill>
+        <p:spPr bwMode="auto">
+          <a:xfrm>
+            <a:off x="4109033" y="4338680"/>
+            <a:ext cx="1426435" cy="718580"/>
+          </a:xfrm>
+          <a:prstGeom prst="rect">
+            <a:avLst/>
+          </a:prstGeom>
+          <a:noFill/>
+          <a:extLst>
+            <a:ext uri="{909E8E84-426E-40DD-AFC4-6F175D3DCCD1}">
+              <a14:hiddenFill xmlns:a14="http://schemas.microsoft.com/office/drawing/2010/main">
+                <a:solidFill>
+                  <a:srgbClr val="FFFFFF"/>
+                </a:solidFill>
+              </a14:hiddenFill>
+            </a:ext>
+          </a:extLst>
+        </p:spPr>
+      </p:pic>
       <p:sp>
         <p:nvSpPr>
           <p:cNvPr id="12" name="Title 11">
@@ -31504,7 +31551,7 @@
         </p:nvSpPr>
         <p:spPr>
           <a:xfrm>
-            <a:off x="8585679" y="1771236"/>
+            <a:off x="8154726" y="1771236"/>
             <a:ext cx="2864913" cy="1800639"/>
           </a:xfrm>
           <a:prstGeom prst="rect">
@@ -31589,7 +31636,7 @@
         <p:spPr>
           <a:xfrm>
             <a:off x="581710" y="4153900"/>
-            <a:ext cx="1653490" cy="391629"/>
+            <a:ext cx="808326" cy="391629"/>
           </a:xfrm>
           <a:prstGeom prst="rect">
             <a:avLst/>
@@ -31642,7 +31689,7 @@
           <p:nvPr/>
         </p:nvPicPr>
         <p:blipFill>
-          <a:blip r:embed="rId3">
+          <a:blip r:embed="rId4">
             <a:extLst>
               <a:ext uri="{28A0092B-C50C-407E-A947-70E740481C1C}">
                 <a14:useLocalDpi xmlns:a14="http://schemas.microsoft.com/office/drawing/2010/main" val="0"/>
@@ -31690,7 +31737,7 @@
         </p:nvCxnSpPr>
         <p:spPr>
           <a:xfrm>
-            <a:off x="8118764" y="1771236"/>
+            <a:off x="7952509" y="1771236"/>
             <a:ext cx="0" cy="2135746"/>
           </a:xfrm>
           <a:prstGeom prst="line">
@@ -31781,7 +31828,7 @@
         <p:spPr>
           <a:xfrm>
             <a:off x="1734453" y="4153900"/>
-            <a:ext cx="1653490" cy="391629"/>
+            <a:ext cx="1171867" cy="391629"/>
           </a:xfrm>
           <a:prstGeom prst="rect">
             <a:avLst/>
@@ -32075,7 +32122,7 @@
           <p:nvPr/>
         </p:nvPicPr>
         <p:blipFill>
-          <a:blip r:embed="rId4">
+          <a:blip r:embed="rId5">
             <a:extLst>
               <a:ext uri="{28A0092B-C50C-407E-A947-70E740481C1C}">
                 <a14:useLocalDpi xmlns:a14="http://schemas.microsoft.com/office/drawing/2010/main" val="0"/>
@@ -32122,7 +32169,7 @@
           <p:nvPr/>
         </p:nvPicPr>
         <p:blipFill>
-          <a:blip r:embed="rId5">
+          <a:blip r:embed="rId6">
             <a:extLst>
               <a:ext uri="{28A0092B-C50C-407E-A947-70E740481C1C}">
                 <a14:useLocalDpi xmlns:a14="http://schemas.microsoft.com/office/drawing/2010/main" val="0"/>
@@ -32169,7 +32216,7 @@
           <p:nvPr/>
         </p:nvPicPr>
         <p:blipFill>
-          <a:blip r:embed="rId6">
+          <a:blip r:embed="rId7">
             <a:extLst>
               <a:ext uri="{28A0092B-C50C-407E-A947-70E740481C1C}">
                 <a14:useLocalDpi xmlns:a14="http://schemas.microsoft.com/office/drawing/2010/main" val="0"/>
@@ -32183,7 +32230,7 @@
         </p:blipFill>
         <p:spPr bwMode="auto">
           <a:xfrm>
-            <a:off x="3075206" y="4474326"/>
+            <a:off x="2918189" y="4474326"/>
             <a:ext cx="1296425" cy="648213"/>
           </a:xfrm>
           <a:prstGeom prst="rect">
@@ -32215,23 +32262,21 @@
           </p:cNvPicPr>
           <p:nvPr/>
         </p:nvPicPr>
-        <p:blipFill>
-          <a:blip r:embed="rId7">
+        <p:blipFill rotWithShape="1">
+          <a:blip r:embed="rId8">
             <a:extLst>
               <a:ext uri="{28A0092B-C50C-407E-A947-70E740481C1C}">
                 <a14:useLocalDpi xmlns:a14="http://schemas.microsoft.com/office/drawing/2010/main" val="0"/>
               </a:ext>
             </a:extLst>
           </a:blip>
-          <a:srcRect/>
-          <a:stretch>
-            <a:fillRect/>
-          </a:stretch>
+          <a:srcRect l="22607" r="29610"/>
+          <a:stretch/>
         </p:blipFill>
         <p:spPr bwMode="auto">
           <a:xfrm>
-            <a:off x="3275995" y="5340606"/>
-            <a:ext cx="1457255" cy="818193"/>
+            <a:off x="3170907" y="5456980"/>
+            <a:ext cx="696326" cy="818193"/>
           </a:xfrm>
           <a:prstGeom prst="rect">
             <a:avLst/>
@@ -32263,7 +32308,7 @@
           <p:nvPr/>
         </p:nvPicPr>
         <p:blipFill rotWithShape="1">
-          <a:blip r:embed="rId8">
+          <a:blip r:embed="rId9">
             <a:extLst>
               <a:ext uri="{28A0092B-C50C-407E-A947-70E740481C1C}">
                 <a14:useLocalDpi xmlns:a14="http://schemas.microsoft.com/office/drawing/2010/main" val="0"/>
@@ -32275,7 +32320,7 @@
         </p:blipFill>
         <p:spPr bwMode="auto">
           <a:xfrm>
-            <a:off x="4917386" y="5408472"/>
+            <a:off x="4334733" y="5508318"/>
             <a:ext cx="696326" cy="720503"/>
           </a:xfrm>
           <a:prstGeom prst="rect">
@@ -32415,7 +32460,7 @@
         </p:nvSpPr>
         <p:spPr>
           <a:xfrm>
-            <a:off x="3230011" y="5004025"/>
+            <a:off x="3072994" y="5004025"/>
             <a:ext cx="1076326" cy="261610"/>
           </a:xfrm>
           <a:prstGeom prst="rect">
@@ -32469,7 +32514,7 @@
         </p:nvSpPr>
         <p:spPr>
           <a:xfrm>
-            <a:off x="3448341" y="6138026"/>
+            <a:off x="2980907" y="6217129"/>
             <a:ext cx="1076326" cy="261610"/>
           </a:xfrm>
           <a:prstGeom prst="rect">
@@ -32523,7 +32568,7 @@
         </p:nvSpPr>
         <p:spPr>
           <a:xfrm>
-            <a:off x="4562130" y="6108783"/>
+            <a:off x="3979477" y="6208629"/>
             <a:ext cx="1406839" cy="253916"/>
           </a:xfrm>
           <a:prstGeom prst="rect">
@@ -32563,53 +32608,6 @@
           </a:p>
         </p:txBody>
       </p:sp>
-      <p:pic>
-        <p:nvPicPr>
-          <p:cNvPr id="1040" name="Picture 16" descr="Optimal Threshold for Imbalanced Classification | by Audhi Aprilliant |  Towards Data Science">
-            <a:extLst>
-              <a:ext uri="{FF2B5EF4-FFF2-40B4-BE49-F238E27FC236}">
-                <a16:creationId xmlns:a16="http://schemas.microsoft.com/office/drawing/2014/main" id="{4FB49991-30FD-414F-8728-BDD3B4C9E85B}"/>
-              </a:ext>
-            </a:extLst>
-          </p:cNvPr>
-          <p:cNvPicPr>
-            <a:picLocks noChangeAspect="1" noChangeArrowheads="1"/>
-          </p:cNvPicPr>
-          <p:nvPr/>
-        </p:nvPicPr>
-        <p:blipFill>
-          <a:blip r:embed="rId9">
-            <a:extLst>
-              <a:ext uri="{28A0092B-C50C-407E-A947-70E740481C1C}">
-                <a14:useLocalDpi xmlns:a14="http://schemas.microsoft.com/office/drawing/2010/main" val="0"/>
-              </a:ext>
-            </a:extLst>
-          </a:blip>
-          <a:srcRect/>
-          <a:stretch>
-            <a:fillRect/>
-          </a:stretch>
-        </p:blipFill>
-        <p:spPr bwMode="auto">
-          <a:xfrm>
-            <a:off x="4524667" y="4338680"/>
-            <a:ext cx="1426435" cy="718580"/>
-          </a:xfrm>
-          <a:prstGeom prst="rect">
-            <a:avLst/>
-          </a:prstGeom>
-          <a:noFill/>
-          <a:extLst>
-            <a:ext uri="{909E8E84-426E-40DD-AFC4-6F175D3DCCD1}">
-              <a14:hiddenFill xmlns:a14="http://schemas.microsoft.com/office/drawing/2010/main">
-                <a:solidFill>
-                  <a:srgbClr val="FFFFFF"/>
-                </a:solidFill>
-              </a14:hiddenFill>
-            </a:ext>
-          </a:extLst>
-        </p:spPr>
-      </p:pic>
       <p:sp>
         <p:nvSpPr>
           <p:cNvPr id="41" name="TextBox 40">
@@ -32624,7 +32622,7 @@
         </p:nvSpPr>
         <p:spPr>
           <a:xfrm>
-            <a:off x="4642117" y="5071975"/>
+            <a:off x="4226483" y="5071975"/>
             <a:ext cx="1170414" cy="253916"/>
           </a:xfrm>
           <a:prstGeom prst="rect">
@@ -32680,7 +32678,7 @@
         </p:nvCxnSpPr>
         <p:spPr>
           <a:xfrm>
-            <a:off x="6115953" y="4220569"/>
+            <a:off x="6780970" y="4220569"/>
             <a:ext cx="0" cy="2147281"/>
           </a:xfrm>
           <a:prstGeom prst="line">
@@ -32725,7 +32723,7 @@
         </p:nvSpPr>
         <p:spPr>
           <a:xfrm>
-            <a:off x="6280804" y="4153900"/>
+            <a:off x="6927348" y="4153900"/>
             <a:ext cx="1958319" cy="391629"/>
           </a:xfrm>
           <a:prstGeom prst="rect">
@@ -32793,7 +32791,7 @@
         </p:blipFill>
         <p:spPr bwMode="auto">
           <a:xfrm>
-            <a:off x="6428901" y="4779625"/>
+            <a:off x="7075445" y="4779625"/>
             <a:ext cx="1008556" cy="1028727"/>
           </a:xfrm>
           <a:prstGeom prst="rect">
@@ -32825,7 +32823,7 @@
         </p:nvSpPr>
         <p:spPr>
           <a:xfrm>
-            <a:off x="7508182" y="4868714"/>
+            <a:off x="8154726" y="4868714"/>
             <a:ext cx="2200837" cy="900246"/>
           </a:xfrm>
           <a:prstGeom prst="rect">
@@ -32962,6 +32960,107 @@
           </a:extLst>
         </p:spPr>
       </p:pic>
+      <p:pic>
+        <p:nvPicPr>
+          <p:cNvPr id="2" name="Picture 2" descr="Imbalance dataset: Test and validate resampled tabular data">
+            <a:extLst>
+              <a:ext uri="{FF2B5EF4-FFF2-40B4-BE49-F238E27FC236}">
+                <a16:creationId xmlns:a16="http://schemas.microsoft.com/office/drawing/2014/main" id="{2EDCFD26-8FA4-4228-BB65-BA7436B2F817}"/>
+              </a:ext>
+            </a:extLst>
+          </p:cNvPr>
+          <p:cNvPicPr>
+            <a:picLocks noChangeAspect="1" noChangeArrowheads="1"/>
+          </p:cNvPicPr>
+          <p:nvPr/>
+        </p:nvPicPr>
+        <p:blipFill>
+          <a:blip r:embed="rId12">
+            <a:extLst>
+              <a:ext uri="{28A0092B-C50C-407E-A947-70E740481C1C}">
+                <a14:useLocalDpi xmlns:a14="http://schemas.microsoft.com/office/drawing/2010/main" val="0"/>
+              </a:ext>
+            </a:extLst>
+          </a:blip>
+          <a:srcRect/>
+          <a:stretch>
+            <a:fillRect/>
+          </a:stretch>
+        </p:blipFill>
+        <p:spPr bwMode="auto">
+          <a:xfrm flipH="1">
+            <a:off x="5474060" y="5019764"/>
+            <a:ext cx="1106928" cy="716716"/>
+          </a:xfrm>
+          <a:prstGeom prst="rect">
+            <a:avLst/>
+          </a:prstGeom>
+          <a:noFill/>
+          <a:extLst>
+            <a:ext uri="{909E8E84-426E-40DD-AFC4-6F175D3DCCD1}">
+              <a14:hiddenFill xmlns:a14="http://schemas.microsoft.com/office/drawing/2010/main">
+                <a:solidFill>
+                  <a:srgbClr val="FFFFFF"/>
+                </a:solidFill>
+              </a14:hiddenFill>
+            </a:ext>
+          </a:extLst>
+        </p:spPr>
+      </p:pic>
+      <p:sp>
+        <p:nvSpPr>
+          <p:cNvPr id="32" name="TextBox 31">
+            <a:extLst>
+              <a:ext uri="{FF2B5EF4-FFF2-40B4-BE49-F238E27FC236}">
+                <a16:creationId xmlns:a16="http://schemas.microsoft.com/office/drawing/2014/main" id="{01F053A5-F1F9-4B42-9E5C-398BEFFA0272}"/>
+              </a:ext>
+            </a:extLst>
+          </p:cNvPr>
+          <p:cNvSpPr txBox="1"/>
+          <p:nvPr/>
+        </p:nvSpPr>
+        <p:spPr>
+          <a:xfrm>
+            <a:off x="5308705" y="5867314"/>
+            <a:ext cx="1406839" cy="253916"/>
+          </a:xfrm>
+          <a:prstGeom prst="rect">
+            <a:avLst/>
+          </a:prstGeom>
+        </p:spPr>
+        <p:txBody>
+          <a:bodyPr wrap="square" rtlCol="0">
+            <a:spAutoFit/>
+          </a:bodyPr>
+          <a:lstStyle/>
+          <a:p>
+            <a:pPr marL="0" indent="0" algn="ctr">
+              <a:lnSpc>
+                <a:spcPct val="100000"/>
+              </a:lnSpc>
+              <a:spcBef>
+                <a:spcPts val="0"/>
+              </a:spcBef>
+              <a:buFontTx/>
+              <a:buNone/>
+            </a:pPr>
+            <a:r>
+              <a:rPr lang="en-US" sz="1050" dirty="0">
+                <a:solidFill>
+                  <a:schemeClr val="tx1">
+                    <a:lumMod val="75000"/>
+                    <a:lumOff val="25000"/>
+                  </a:schemeClr>
+                </a:solidFill>
+                <a:latin typeface="Abadi (Body)"/>
+                <a:ea typeface="微软雅黑"/>
+                <a:cs typeface="Posterama" panose="020B0504020200020000" pitchFamily="34" charset="0"/>
+              </a:rPr>
+              <a:t>Resampling</a:t>
+            </a:r>
+          </a:p>
+        </p:txBody>
+      </p:sp>
     </p:spTree>
     <p:extLst>
       <p:ext uri="{BB962C8B-B14F-4D97-AF65-F5344CB8AC3E}">
@@ -40477,15 +40576,6 @@
 </file>
 
 <file path=customXml/item1.xml><?xml version="1.0" encoding="utf-8"?>
-<?mso-contentType ?>
-<FormTemplates xmlns="http://schemas.microsoft.com/sharepoint/v3/contenttype/forms">
-  <Display>DocumentLibraryForm</Display>
-  <Edit>DocumentLibraryForm</Edit>
-  <New>DocumentLibraryForm</New>
-</FormTemplates>
-</file>
-
-<file path=customXml/item2.xml><?xml version="1.0" encoding="utf-8"?>
 <ct:contentTypeSchema xmlns:ct="http://schemas.microsoft.com/office/2006/metadata/contentType" xmlns:ma="http://schemas.microsoft.com/office/2006/metadata/properties/metaAttributes" ct:_="" ma:_="" ma:contentTypeName="Document" ma:contentTypeID="0x01010079F111ED35F8CC479449609E8A0923A6" ma:contentTypeVersion="24" ma:contentTypeDescription="Create a new document." ma:contentTypeScope="" ma:versionID="2d714a3296df14eba7a100bb665443ca">
   <xsd:schema xmlns:xsd="http://www.w3.org/2001/XMLSchema" xmlns:xs="http://www.w3.org/2001/XMLSchema" xmlns:p="http://schemas.microsoft.com/office/2006/metadata/properties" xmlns:ns1="http://schemas.microsoft.com/sharepoint/v3" xmlns:ns2="71af3243-3dd4-4a8d-8c0d-dd76da1f02a5" xmlns:ns3="16c05727-aa75-4e4a-9b5f-8a80a1165891" xmlns:ns4="230e9df3-be65-4c73-a93b-d1236ebd677e" targetNamespace="http://schemas.microsoft.com/office/2006/metadata/properties" ma:root="true" ma:fieldsID="49549bf45bfbbfb6cffed527380e77e1" ns1:_="" ns2:_="" ns3:_="" ns4:_="">
     <xsd:import namespace="http://schemas.microsoft.com/sharepoint/v3"/>
@@ -40773,7 +40863,7 @@
 </ct:contentTypeSchema>
 </file>
 
-<file path=customXml/item3.xml><?xml version="1.0" encoding="utf-8"?>
+<file path=customXml/item2.xml><?xml version="1.0" encoding="utf-8"?>
 <p:properties xmlns:p="http://schemas.microsoft.com/office/2006/metadata/properties" xmlns:xsi="http://www.w3.org/2001/XMLSchema-instance" xmlns:pc="http://schemas.microsoft.com/office/infopath/2007/PartnerControls">
   <documentManagement>
     <_ip_UnifiedCompliancePolicyUIAction xmlns="http://schemas.microsoft.com/sharepoint/v3" xsi:nil="true"/>
@@ -40793,15 +40883,16 @@
 </p:properties>
 </file>
 
-<file path=customXml/itemProps1.xml><?xml version="1.0" encoding="utf-8"?>
-<ds:datastoreItem xmlns:ds="http://schemas.openxmlformats.org/officeDocument/2006/customXml" ds:itemID="{6F156100-9533-4411-B0C0-FA18F914F7B6}">
-  <ds:schemaRefs>
-    <ds:schemaRef ds:uri="http://schemas.microsoft.com/sharepoint/v3/contenttype/forms"/>
-  </ds:schemaRefs>
-</ds:datastoreItem>
+<file path=customXml/item3.xml><?xml version="1.0" encoding="utf-8"?>
+<?mso-contentType ?>
+<FormTemplates xmlns="http://schemas.microsoft.com/sharepoint/v3/contenttype/forms">
+  <Display>DocumentLibraryForm</Display>
+  <Edit>DocumentLibraryForm</Edit>
+  <New>DocumentLibraryForm</New>
+</FormTemplates>
 </file>
 
-<file path=customXml/itemProps2.xml><?xml version="1.0" encoding="utf-8"?>
+<file path=customXml/itemProps1.xml><?xml version="1.0" encoding="utf-8"?>
 <ds:datastoreItem xmlns:ds="http://schemas.openxmlformats.org/officeDocument/2006/customXml" ds:itemID="{76A4D1D3-B327-4D60-927D-26045FF4AF3C}">
   <ds:schemaRefs>
     <ds:schemaRef ds:uri="http://schemas.microsoft.com/office/2006/metadata/contentType"/>
@@ -40822,21 +40913,29 @@
 </ds:datastoreItem>
 </file>
 
-<file path=customXml/itemProps3.xml><?xml version="1.0" encoding="utf-8"?>
+<file path=customXml/itemProps2.xml><?xml version="1.0" encoding="utf-8"?>
 <ds:datastoreItem xmlns:ds="http://schemas.openxmlformats.org/officeDocument/2006/customXml" ds:itemID="{B2C81503-9DEF-42F3-A99B-D5E0223E195B}">
   <ds:schemaRefs>
-    <ds:schemaRef ds:uri="http://schemas.microsoft.com/office/2006/metadata/properties"/>
-    <ds:schemaRef ds:uri="http://schemas.microsoft.com/sharepoint/v3"/>
-    <ds:schemaRef ds:uri="http://purl.org/dc/dcmitype/"/>
-    <ds:schemaRef ds:uri="http://schemas.microsoft.com/office/infopath/2007/PartnerControls"/>
-    <ds:schemaRef ds:uri="http://schemas.microsoft.com/office/2006/documentManagement/types"/>
-    <ds:schemaRef ds:uri="71af3243-3dd4-4a8d-8c0d-dd76da1f02a5"/>
-    <ds:schemaRef ds:uri="http://purl.org/dc/elements/1.1/"/>
     <ds:schemaRef ds:uri="16c05727-aa75-4e4a-9b5f-8a80a1165891"/>
     <ds:schemaRef ds:uri="http://schemas.openxmlformats.org/package/2006/metadata/core-properties"/>
+    <ds:schemaRef ds:uri="http://schemas.microsoft.com/sharepoint/v3"/>
+    <ds:schemaRef ds:uri="http://schemas.microsoft.com/office/2006/documentManagement/types"/>
+    <ds:schemaRef ds:uri="http://schemas.microsoft.com/office/2006/metadata/properties"/>
+    <ds:schemaRef ds:uri="http://schemas.microsoft.com/office/infopath/2007/PartnerControls"/>
+    <ds:schemaRef ds:uri="71af3243-3dd4-4a8d-8c0d-dd76da1f02a5"/>
     <ds:schemaRef ds:uri="230e9df3-be65-4c73-a93b-d1236ebd677e"/>
     <ds:schemaRef ds:uri="http://purl.org/dc/terms/"/>
     <ds:schemaRef ds:uri="http://www.w3.org/XML/1998/namespace"/>
+    <ds:schemaRef ds:uri="http://purl.org/dc/dcmitype/"/>
+    <ds:schemaRef ds:uri="http://purl.org/dc/elements/1.1/"/>
+  </ds:schemaRefs>
+</ds:datastoreItem>
+</file>
+
+<file path=customXml/itemProps3.xml><?xml version="1.0" encoding="utf-8"?>
+<ds:datastoreItem xmlns:ds="http://schemas.openxmlformats.org/officeDocument/2006/customXml" ds:itemID="{6F156100-9533-4411-B0C0-FA18F914F7B6}">
+  <ds:schemaRefs>
+    <ds:schemaRef ds:uri="http://schemas.microsoft.com/sharepoint/v3/contenttype/forms"/>
   </ds:schemaRefs>
 </ds:datastoreItem>
 </file>

--- a/Telco churn prediction model presentation.pptx
+++ b/Telco churn prediction model presentation.pptx
@@ -5,10 +5,10 @@
     <p:sldMasterId id="2147483648" r:id="rId4"/>
   </p:sldMasterIdLst>
   <p:notesMasterIdLst>
-    <p:notesMasterId r:id="rId26"/>
+    <p:notesMasterId r:id="rId27"/>
   </p:notesMasterIdLst>
   <p:handoutMasterIdLst>
-    <p:handoutMasterId r:id="rId27"/>
+    <p:handoutMasterId r:id="rId28"/>
   </p:handoutMasterIdLst>
   <p:sldIdLst>
     <p:sldId id="292" r:id="rId5"/>
@@ -29,9 +29,10 @@
     <p:sldId id="338" r:id="rId20"/>
     <p:sldId id="339" r:id="rId21"/>
     <p:sldId id="340" r:id="rId22"/>
-    <p:sldId id="341" r:id="rId23"/>
-    <p:sldId id="342" r:id="rId24"/>
-    <p:sldId id="295" r:id="rId25"/>
+    <p:sldId id="344" r:id="rId23"/>
+    <p:sldId id="341" r:id="rId24"/>
+    <p:sldId id="342" r:id="rId25"/>
+    <p:sldId id="295" r:id="rId26"/>
   </p:sldIdLst>
   <p:sldSz cx="12192000" cy="6858000"/>
   <p:notesSz cx="6858000" cy="9144000"/>
@@ -157,6 +158,7 @@
             <p14:sldId id="338"/>
             <p14:sldId id="339"/>
             <p14:sldId id="340"/>
+            <p14:sldId id="344"/>
             <p14:sldId id="341"/>
             <p14:sldId id="342"/>
             <p14:sldId id="295"/>
@@ -1475,7 +1477,7 @@
     </p:spTree>
     <p:extLst>
       <p:ext uri="{BB962C8B-B14F-4D97-AF65-F5344CB8AC3E}">
-        <p14:creationId xmlns:p14="http://schemas.microsoft.com/office/powerpoint/2010/main" val="1946345914"/>
+        <p14:creationId xmlns:p14="http://schemas.microsoft.com/office/powerpoint/2010/main" val="3850301624"/>
       </p:ext>
     </p:extLst>
   </p:cSld>
@@ -1559,7 +1561,7 @@
     </p:spTree>
     <p:extLst>
       <p:ext uri="{BB962C8B-B14F-4D97-AF65-F5344CB8AC3E}">
-        <p14:creationId xmlns:p14="http://schemas.microsoft.com/office/powerpoint/2010/main" val="2864000171"/>
+        <p14:creationId xmlns:p14="http://schemas.microsoft.com/office/powerpoint/2010/main" val="1946345914"/>
       </p:ext>
     </p:extLst>
   </p:cSld>
@@ -1643,7 +1645,7 @@
     </p:spTree>
     <p:extLst>
       <p:ext uri="{BB962C8B-B14F-4D97-AF65-F5344CB8AC3E}">
-        <p14:creationId xmlns:p14="http://schemas.microsoft.com/office/powerpoint/2010/main" val="2424331431"/>
+        <p14:creationId xmlns:p14="http://schemas.microsoft.com/office/powerpoint/2010/main" val="2864000171"/>
       </p:ext>
     </p:extLst>
   </p:cSld>
@@ -1728,6 +1730,90 @@
     <p:extLst>
       <p:ext uri="{BB962C8B-B14F-4D97-AF65-F5344CB8AC3E}">
         <p14:creationId xmlns:p14="http://schemas.microsoft.com/office/powerpoint/2010/main" val="3185728362"/>
+      </p:ext>
+    </p:extLst>
+  </p:cSld>
+  <p:clrMapOvr>
+    <a:masterClrMapping/>
+  </p:clrMapOvr>
+</p:notes>
+</file>
+
+<file path=ppt/notesSlides/notesSlide20.xml><?xml version="1.0" encoding="utf-8"?>
+<p:notes xmlns:a="http://schemas.openxmlformats.org/drawingml/2006/main" xmlns:r="http://schemas.openxmlformats.org/officeDocument/2006/relationships" xmlns:p="http://schemas.openxmlformats.org/presentationml/2006/main">
+  <p:cSld>
+    <p:spTree>
+      <p:nvGrpSpPr>
+        <p:cNvPr id="1" name=""/>
+        <p:cNvGrpSpPr/>
+        <p:nvPr/>
+      </p:nvGrpSpPr>
+      <p:grpSpPr>
+        <a:xfrm>
+          <a:off x="0" y="0"/>
+          <a:ext cx="0" cy="0"/>
+          <a:chOff x="0" y="0"/>
+          <a:chExt cx="0" cy="0"/>
+        </a:xfrm>
+      </p:grpSpPr>
+      <p:sp>
+        <p:nvSpPr>
+          <p:cNvPr id="2" name="Slide Image Placeholder 1"/>
+          <p:cNvSpPr>
+            <a:spLocks noGrp="1" noRot="1" noChangeAspect="1"/>
+          </p:cNvSpPr>
+          <p:nvPr>
+            <p:ph type="sldImg"/>
+          </p:nvPr>
+        </p:nvSpPr>
+        <p:spPr/>
+      </p:sp>
+      <p:sp>
+        <p:nvSpPr>
+          <p:cNvPr id="3" name="Notes Placeholder 2"/>
+          <p:cNvSpPr>
+            <a:spLocks noGrp="1"/>
+          </p:cNvSpPr>
+          <p:nvPr>
+            <p:ph type="body" idx="1"/>
+          </p:nvPr>
+        </p:nvSpPr>
+        <p:spPr/>
+        <p:txBody>
+          <a:bodyPr/>
+          <a:lstStyle/>
+          <a:p>
+            <a:endParaRPr lang="en-US" dirty="0"/>
+          </a:p>
+        </p:txBody>
+      </p:sp>
+      <p:sp>
+        <p:nvSpPr>
+          <p:cNvPr id="4" name="Slide Number Placeholder 3"/>
+          <p:cNvSpPr>
+            <a:spLocks noGrp="1"/>
+          </p:cNvSpPr>
+          <p:nvPr>
+            <p:ph type="sldNum" sz="quarter" idx="5"/>
+          </p:nvPr>
+        </p:nvSpPr>
+        <p:spPr/>
+        <p:txBody>
+          <a:bodyPr/>
+          <a:lstStyle/>
+          <a:p>
+            <a:fld id="{017105BD-6D6F-49DB-9DE4-D4A6452D7E5F}" type="slidenum">
+              <a:rPr lang="zh-CN" altLang="en-US" smtClean="0"/>
+              <a:t>22</a:t>
+            </a:fld>
+            <a:endParaRPr lang="zh-CN" altLang="en-US"/>
+          </a:p>
+        </p:txBody>
+      </p:sp>
+    </p:spTree>
+    <p:extLst>
+      <p:ext uri="{BB962C8B-B14F-4D97-AF65-F5344CB8AC3E}">
+        <p14:creationId xmlns:p14="http://schemas.microsoft.com/office/powerpoint/2010/main" val="2424331431"/>
       </p:ext>
     </p:extLst>
   </p:cSld>
@@ -29984,36 +30070,6 @@
           </a:p>
         </p:txBody>
       </p:sp>
-      <p:pic>
-        <p:nvPicPr>
-          <p:cNvPr id="2" name="Picture 1">
-            <a:extLst>
-              <a:ext uri="{FF2B5EF4-FFF2-40B4-BE49-F238E27FC236}">
-                <a16:creationId xmlns:a16="http://schemas.microsoft.com/office/drawing/2014/main" id="{B29DD548-C901-48EF-9C01-BB4266489C44}"/>
-              </a:ext>
-            </a:extLst>
-          </p:cNvPr>
-          <p:cNvPicPr>
-            <a:picLocks noChangeAspect="1"/>
-          </p:cNvPicPr>
-          <p:nvPr/>
-        </p:nvPicPr>
-        <p:blipFill>
-          <a:blip r:embed="rId3"/>
-          <a:stretch>
-            <a:fillRect/>
-          </a:stretch>
-        </p:blipFill>
-        <p:spPr>
-          <a:xfrm>
-            <a:off x="670487" y="1925668"/>
-            <a:ext cx="5596963" cy="1979878"/>
-          </a:xfrm>
-          <a:prstGeom prst="rect">
-            <a:avLst/>
-          </a:prstGeom>
-        </p:spPr>
-      </p:pic>
       <p:sp>
         <p:nvSpPr>
           <p:cNvPr id="10" name="TextBox 9">
@@ -30052,140 +30108,6 @@
               </a:rPr>
               <a:t>Model evaluation</a:t>
             </a:r>
-          </a:p>
-        </p:txBody>
-      </p:sp>
-      <p:pic>
-        <p:nvPicPr>
-          <p:cNvPr id="3" name="Picture 2">
-            <a:extLst>
-              <a:ext uri="{FF2B5EF4-FFF2-40B4-BE49-F238E27FC236}">
-                <a16:creationId xmlns:a16="http://schemas.microsoft.com/office/drawing/2014/main" id="{B44D6CE9-E949-4259-9237-0661210A3267}"/>
-              </a:ext>
-            </a:extLst>
-          </p:cNvPr>
-          <p:cNvPicPr>
-            <a:picLocks noChangeAspect="1"/>
-          </p:cNvPicPr>
-          <p:nvPr/>
-        </p:nvPicPr>
-        <p:blipFill>
-          <a:blip r:embed="rId4"/>
-          <a:stretch>
-            <a:fillRect/>
-          </a:stretch>
-        </p:blipFill>
-        <p:spPr>
-          <a:xfrm>
-            <a:off x="670486" y="4001217"/>
-            <a:ext cx="8197289" cy="2023730"/>
-          </a:xfrm>
-          <a:prstGeom prst="rect">
-            <a:avLst/>
-          </a:prstGeom>
-        </p:spPr>
-      </p:pic>
-      <p:sp>
-        <p:nvSpPr>
-          <p:cNvPr id="14" name="Rectangle 13">
-            <a:extLst>
-              <a:ext uri="{FF2B5EF4-FFF2-40B4-BE49-F238E27FC236}">
-                <a16:creationId xmlns:a16="http://schemas.microsoft.com/office/drawing/2014/main" id="{5DFBFA61-5BF5-46E7-9AB5-BB825B95E124}"/>
-              </a:ext>
-            </a:extLst>
-          </p:cNvPr>
-          <p:cNvSpPr/>
-          <p:nvPr/>
-        </p:nvSpPr>
-        <p:spPr>
-          <a:xfrm>
-            <a:off x="670486" y="3617939"/>
-            <a:ext cx="5596963" cy="287607"/>
-          </a:xfrm>
-          <a:prstGeom prst="rect">
-            <a:avLst/>
-          </a:prstGeom>
-          <a:noFill/>
-          <a:ln w="28575">
-            <a:solidFill>
-              <a:schemeClr val="accent2"/>
-            </a:solidFill>
-          </a:ln>
-        </p:spPr>
-        <p:style>
-          <a:lnRef idx="2">
-            <a:schemeClr val="accent1">
-              <a:shade val="50000"/>
-            </a:schemeClr>
-          </a:lnRef>
-          <a:fillRef idx="1">
-            <a:schemeClr val="accent1"/>
-          </a:fillRef>
-          <a:effectRef idx="0">
-            <a:schemeClr val="accent1"/>
-          </a:effectRef>
-          <a:fontRef idx="minor">
-            <a:schemeClr val="lt1"/>
-          </a:fontRef>
-        </p:style>
-        <p:txBody>
-          <a:bodyPr rtlCol="0" anchor="ctr"/>
-          <a:lstStyle/>
-          <a:p>
-            <a:pPr algn="ctr"/>
-            <a:endParaRPr lang="en-US"/>
-          </a:p>
-        </p:txBody>
-      </p:sp>
-      <p:sp>
-        <p:nvSpPr>
-          <p:cNvPr id="15" name="Rectangle 14">
-            <a:extLst>
-              <a:ext uri="{FF2B5EF4-FFF2-40B4-BE49-F238E27FC236}">
-                <a16:creationId xmlns:a16="http://schemas.microsoft.com/office/drawing/2014/main" id="{AFE671EE-9C6D-4437-86A1-268227DA3233}"/>
-              </a:ext>
-            </a:extLst>
-          </p:cNvPr>
-          <p:cNvSpPr/>
-          <p:nvPr/>
-        </p:nvSpPr>
-        <p:spPr>
-          <a:xfrm>
-            <a:off x="670486" y="5270259"/>
-            <a:ext cx="8197289" cy="287607"/>
-          </a:xfrm>
-          <a:prstGeom prst="rect">
-            <a:avLst/>
-          </a:prstGeom>
-          <a:noFill/>
-          <a:ln w="28575">
-            <a:solidFill>
-              <a:schemeClr val="accent2"/>
-            </a:solidFill>
-          </a:ln>
-        </p:spPr>
-        <p:style>
-          <a:lnRef idx="2">
-            <a:schemeClr val="accent1">
-              <a:shade val="50000"/>
-            </a:schemeClr>
-          </a:lnRef>
-          <a:fillRef idx="1">
-            <a:schemeClr val="accent1"/>
-          </a:fillRef>
-          <a:effectRef idx="0">
-            <a:schemeClr val="accent1"/>
-          </a:effectRef>
-          <a:fontRef idx="minor">
-            <a:schemeClr val="lt1"/>
-          </a:fontRef>
-        </p:style>
-        <p:txBody>
-          <a:bodyPr rtlCol="0" anchor="ctr"/>
-          <a:lstStyle/>
-          <a:p>
-            <a:pPr algn="ctr"/>
-            <a:endParaRPr lang="en-US"/>
           </a:p>
         </p:txBody>
       </p:sp>
@@ -30290,6 +30212,170 @@
               </a:rPr>
               <a:t>Ultimately, for the final decision, we choose Random forest (RUS) to deploy.</a:t>
             </a:r>
+          </a:p>
+        </p:txBody>
+      </p:sp>
+      <p:pic>
+        <p:nvPicPr>
+          <p:cNvPr id="4" name="Picture 3">
+            <a:extLst>
+              <a:ext uri="{FF2B5EF4-FFF2-40B4-BE49-F238E27FC236}">
+                <a16:creationId xmlns:a16="http://schemas.microsoft.com/office/drawing/2014/main" id="{68F1D720-2B49-4BDB-B51B-78AB933DB372}"/>
+              </a:ext>
+            </a:extLst>
+          </p:cNvPr>
+          <p:cNvPicPr>
+            <a:picLocks noChangeAspect="1"/>
+          </p:cNvPicPr>
+          <p:nvPr/>
+        </p:nvPicPr>
+        <p:blipFill>
+          <a:blip r:embed="rId3"/>
+          <a:stretch>
+            <a:fillRect/>
+          </a:stretch>
+        </p:blipFill>
+        <p:spPr>
+          <a:xfrm>
+            <a:off x="670487" y="1925669"/>
+            <a:ext cx="4824792" cy="2235880"/>
+          </a:xfrm>
+          <a:prstGeom prst="rect">
+            <a:avLst/>
+          </a:prstGeom>
+        </p:spPr>
+      </p:pic>
+      <p:sp>
+        <p:nvSpPr>
+          <p:cNvPr id="14" name="Rectangle 13">
+            <a:extLst>
+              <a:ext uri="{FF2B5EF4-FFF2-40B4-BE49-F238E27FC236}">
+                <a16:creationId xmlns:a16="http://schemas.microsoft.com/office/drawing/2014/main" id="{5DFBFA61-5BF5-46E7-9AB5-BB825B95E124}"/>
+              </a:ext>
+            </a:extLst>
+          </p:cNvPr>
+          <p:cNvSpPr/>
+          <p:nvPr/>
+        </p:nvSpPr>
+        <p:spPr>
+          <a:xfrm>
+            <a:off x="670487" y="3920123"/>
+            <a:ext cx="4824792" cy="214792"/>
+          </a:xfrm>
+          <a:prstGeom prst="rect">
+            <a:avLst/>
+          </a:prstGeom>
+          <a:noFill/>
+          <a:ln w="28575">
+            <a:solidFill>
+              <a:schemeClr val="accent2"/>
+            </a:solidFill>
+          </a:ln>
+        </p:spPr>
+        <p:style>
+          <a:lnRef idx="2">
+            <a:schemeClr val="accent1">
+              <a:shade val="50000"/>
+            </a:schemeClr>
+          </a:lnRef>
+          <a:fillRef idx="1">
+            <a:schemeClr val="accent1"/>
+          </a:fillRef>
+          <a:effectRef idx="0">
+            <a:schemeClr val="accent1"/>
+          </a:effectRef>
+          <a:fontRef idx="minor">
+            <a:schemeClr val="lt1"/>
+          </a:fontRef>
+        </p:style>
+        <p:txBody>
+          <a:bodyPr rtlCol="0" anchor="ctr"/>
+          <a:lstStyle/>
+          <a:p>
+            <a:pPr algn="ctr"/>
+            <a:endParaRPr lang="en-US"/>
+          </a:p>
+        </p:txBody>
+      </p:sp>
+      <p:pic>
+        <p:nvPicPr>
+          <p:cNvPr id="5" name="Picture 4">
+            <a:extLst>
+              <a:ext uri="{FF2B5EF4-FFF2-40B4-BE49-F238E27FC236}">
+                <a16:creationId xmlns:a16="http://schemas.microsoft.com/office/drawing/2014/main" id="{22D0E9AE-8D95-43B5-BD66-CB93712CCAD9}"/>
+              </a:ext>
+            </a:extLst>
+          </p:cNvPr>
+          <p:cNvPicPr>
+            <a:picLocks noChangeAspect="1"/>
+          </p:cNvPicPr>
+          <p:nvPr/>
+        </p:nvPicPr>
+        <p:blipFill>
+          <a:blip r:embed="rId4"/>
+          <a:stretch>
+            <a:fillRect/>
+          </a:stretch>
+        </p:blipFill>
+        <p:spPr>
+          <a:xfrm>
+            <a:off x="670487" y="4224843"/>
+            <a:ext cx="7343214" cy="2414692"/>
+          </a:xfrm>
+          <a:prstGeom prst="rect">
+            <a:avLst/>
+          </a:prstGeom>
+        </p:spPr>
+      </p:pic>
+      <p:sp>
+        <p:nvSpPr>
+          <p:cNvPr id="18" name="Rectangle 17">
+            <a:extLst>
+              <a:ext uri="{FF2B5EF4-FFF2-40B4-BE49-F238E27FC236}">
+                <a16:creationId xmlns:a16="http://schemas.microsoft.com/office/drawing/2014/main" id="{D50F75A9-FB69-425A-869C-51B4BE5A771D}"/>
+              </a:ext>
+            </a:extLst>
+          </p:cNvPr>
+          <p:cNvSpPr/>
+          <p:nvPr/>
+        </p:nvSpPr>
+        <p:spPr>
+          <a:xfrm>
+            <a:off x="670485" y="5960261"/>
+            <a:ext cx="7343213" cy="214792"/>
+          </a:xfrm>
+          <a:prstGeom prst="rect">
+            <a:avLst/>
+          </a:prstGeom>
+          <a:noFill/>
+          <a:ln w="28575">
+            <a:solidFill>
+              <a:schemeClr val="accent2"/>
+            </a:solidFill>
+          </a:ln>
+        </p:spPr>
+        <p:style>
+          <a:lnRef idx="2">
+            <a:schemeClr val="accent1">
+              <a:shade val="50000"/>
+            </a:schemeClr>
+          </a:lnRef>
+          <a:fillRef idx="1">
+            <a:schemeClr val="accent1"/>
+          </a:fillRef>
+          <a:effectRef idx="0">
+            <a:schemeClr val="accent1"/>
+          </a:effectRef>
+          <a:fontRef idx="minor">
+            <a:schemeClr val="lt1"/>
+          </a:fontRef>
+        </p:style>
+        <p:txBody>
+          <a:bodyPr rtlCol="0" anchor="ctr"/>
+          <a:lstStyle/>
+          <a:p>
+            <a:pPr algn="ctr"/>
+            <a:endParaRPr lang="en-US"/>
           </a:p>
         </p:txBody>
       </p:sp>
@@ -30670,12 +30756,53 @@
           </a:p>
         </p:txBody>
       </p:sp>
+      <p:sp>
+        <p:nvSpPr>
+          <p:cNvPr id="10" name="TextBox 9">
+            <a:extLst>
+              <a:ext uri="{FF2B5EF4-FFF2-40B4-BE49-F238E27FC236}">
+                <a16:creationId xmlns:a16="http://schemas.microsoft.com/office/drawing/2014/main" id="{BD1D1D09-357B-41B6-8BBA-71033B364FDE}"/>
+              </a:ext>
+            </a:extLst>
+          </p:cNvPr>
+          <p:cNvSpPr txBox="1"/>
+          <p:nvPr/>
+        </p:nvSpPr>
+        <p:spPr>
+          <a:xfrm>
+            <a:off x="581710" y="1390243"/>
+            <a:ext cx="9893940" cy="400110"/>
+          </a:xfrm>
+          <a:prstGeom prst="rect">
+            <a:avLst/>
+          </a:prstGeom>
+        </p:spPr>
+        <p:txBody>
+          <a:bodyPr wrap="square" rtlCol="0">
+            <a:spAutoFit/>
+          </a:bodyPr>
+          <a:lstStyle/>
+          <a:p>
+            <a:pPr algn="l"/>
+            <a:r>
+              <a:rPr lang="en-US" sz="2000" b="1" i="0" dirty="0">
+                <a:solidFill>
+                  <a:srgbClr val="1F1F1F"/>
+                </a:solidFill>
+                <a:effectLst/>
+                <a:latin typeface="Abadi (Body)"/>
+              </a:rPr>
+              <a:t>Threshold</a:t>
+            </a:r>
+          </a:p>
+        </p:txBody>
+      </p:sp>
       <p:pic>
         <p:nvPicPr>
-          <p:cNvPr id="6" name="Picture 5">
+          <p:cNvPr id="5" name="Picture 4">
             <a:extLst>
               <a:ext uri="{FF2B5EF4-FFF2-40B4-BE49-F238E27FC236}">
-                <a16:creationId xmlns:a16="http://schemas.microsoft.com/office/drawing/2014/main" id="{3FAB8D71-1269-4C6A-BA5C-E2608A61D217}"/>
+                <a16:creationId xmlns:a16="http://schemas.microsoft.com/office/drawing/2014/main" id="{22D0E9AE-8D95-43B5-BD66-CB93712CCAD9}"/>
               </a:ext>
             </a:extLst>
           </p:cNvPr>
@@ -30692,8 +30819,2700 @@
         </p:blipFill>
         <p:spPr>
           <a:xfrm>
-            <a:off x="6810748" y="1968495"/>
-            <a:ext cx="5082923" cy="2615991"/>
+            <a:off x="683064" y="2022667"/>
+            <a:ext cx="7343214" cy="2414692"/>
+          </a:xfrm>
+          <a:prstGeom prst="rect">
+            <a:avLst/>
+          </a:prstGeom>
+        </p:spPr>
+      </p:pic>
+      <p:sp>
+        <p:nvSpPr>
+          <p:cNvPr id="18" name="Rectangle 17">
+            <a:extLst>
+              <a:ext uri="{FF2B5EF4-FFF2-40B4-BE49-F238E27FC236}">
+                <a16:creationId xmlns:a16="http://schemas.microsoft.com/office/drawing/2014/main" id="{D50F75A9-FB69-425A-869C-51B4BE5A771D}"/>
+              </a:ext>
+            </a:extLst>
+          </p:cNvPr>
+          <p:cNvSpPr/>
+          <p:nvPr/>
+        </p:nvSpPr>
+        <p:spPr>
+          <a:xfrm>
+            <a:off x="683062" y="3758085"/>
+            <a:ext cx="7343213" cy="214792"/>
+          </a:xfrm>
+          <a:prstGeom prst="rect">
+            <a:avLst/>
+          </a:prstGeom>
+          <a:noFill/>
+          <a:ln w="28575">
+            <a:solidFill>
+              <a:schemeClr val="accent2"/>
+            </a:solidFill>
+          </a:ln>
+        </p:spPr>
+        <p:style>
+          <a:lnRef idx="2">
+            <a:schemeClr val="accent1">
+              <a:shade val="50000"/>
+            </a:schemeClr>
+          </a:lnRef>
+          <a:fillRef idx="1">
+            <a:schemeClr val="accent1"/>
+          </a:fillRef>
+          <a:effectRef idx="0">
+            <a:schemeClr val="accent1"/>
+          </a:effectRef>
+          <a:fontRef idx="minor">
+            <a:schemeClr val="lt1"/>
+          </a:fontRef>
+        </p:style>
+        <p:txBody>
+          <a:bodyPr rtlCol="0" anchor="ctr"/>
+          <a:lstStyle/>
+          <a:p>
+            <a:pPr algn="ctr"/>
+            <a:endParaRPr lang="en-US"/>
+          </a:p>
+        </p:txBody>
+      </p:sp>
+      <p:sp>
+        <p:nvSpPr>
+          <p:cNvPr id="2" name="Rectangle 1">
+            <a:extLst>
+              <a:ext uri="{FF2B5EF4-FFF2-40B4-BE49-F238E27FC236}">
+                <a16:creationId xmlns:a16="http://schemas.microsoft.com/office/drawing/2014/main" id="{EDCF911E-9EBC-4E11-A5BB-163D23BBA128}"/>
+              </a:ext>
+            </a:extLst>
+          </p:cNvPr>
+          <p:cNvSpPr/>
+          <p:nvPr/>
+        </p:nvSpPr>
+        <p:spPr>
+          <a:xfrm>
+            <a:off x="9316690" y="3972877"/>
+            <a:ext cx="1181007" cy="464482"/>
+          </a:xfrm>
+          <a:prstGeom prst="rect">
+            <a:avLst/>
+          </a:prstGeom>
+          <a:solidFill>
+            <a:schemeClr val="accent2"/>
+          </a:solidFill>
+          <a:ln>
+            <a:noFill/>
+          </a:ln>
+        </p:spPr>
+        <p:style>
+          <a:lnRef idx="2">
+            <a:schemeClr val="accent1">
+              <a:shade val="50000"/>
+            </a:schemeClr>
+          </a:lnRef>
+          <a:fillRef idx="1">
+            <a:schemeClr val="accent1"/>
+          </a:fillRef>
+          <a:effectRef idx="0">
+            <a:schemeClr val="accent1"/>
+          </a:effectRef>
+          <a:fontRef idx="minor">
+            <a:schemeClr val="lt1"/>
+          </a:fontRef>
+        </p:style>
+        <p:txBody>
+          <a:bodyPr rtlCol="0" anchor="ctr"/>
+          <a:lstStyle/>
+          <a:p>
+            <a:pPr algn="ctr"/>
+            <a:endParaRPr lang="en-US"/>
+          </a:p>
+        </p:txBody>
+      </p:sp>
+      <p:sp>
+        <p:nvSpPr>
+          <p:cNvPr id="13" name="Rectangle 12">
+            <a:extLst>
+              <a:ext uri="{FF2B5EF4-FFF2-40B4-BE49-F238E27FC236}">
+                <a16:creationId xmlns:a16="http://schemas.microsoft.com/office/drawing/2014/main" id="{38B16E2A-1B74-483D-9309-D32DDB9AB687}"/>
+              </a:ext>
+            </a:extLst>
+          </p:cNvPr>
+          <p:cNvSpPr/>
+          <p:nvPr/>
+        </p:nvSpPr>
+        <p:spPr>
+          <a:xfrm>
+            <a:off x="9316690" y="2022667"/>
+            <a:ext cx="1181007" cy="1931124"/>
+          </a:xfrm>
+          <a:prstGeom prst="rect">
+            <a:avLst/>
+          </a:prstGeom>
+          <a:solidFill>
+            <a:srgbClr val="29A346"/>
+          </a:solidFill>
+          <a:ln>
+            <a:noFill/>
+          </a:ln>
+        </p:spPr>
+        <p:style>
+          <a:lnRef idx="2">
+            <a:schemeClr val="accent1">
+              <a:shade val="50000"/>
+            </a:schemeClr>
+          </a:lnRef>
+          <a:fillRef idx="1">
+            <a:schemeClr val="accent1"/>
+          </a:fillRef>
+          <a:effectRef idx="0">
+            <a:schemeClr val="accent1"/>
+          </a:effectRef>
+          <a:fontRef idx="minor">
+            <a:schemeClr val="lt1"/>
+          </a:fontRef>
+        </p:style>
+        <p:txBody>
+          <a:bodyPr rtlCol="0" anchor="ctr"/>
+          <a:lstStyle/>
+          <a:p>
+            <a:pPr algn="ctr"/>
+            <a:endParaRPr lang="en-US"/>
+          </a:p>
+        </p:txBody>
+      </p:sp>
+      <p:sp>
+        <p:nvSpPr>
+          <p:cNvPr id="3" name="TextBox 2">
+            <a:extLst>
+              <a:ext uri="{FF2B5EF4-FFF2-40B4-BE49-F238E27FC236}">
+                <a16:creationId xmlns:a16="http://schemas.microsoft.com/office/drawing/2014/main" id="{C37E7732-F09D-4FA5-B6EB-99CEC60C6844}"/>
+              </a:ext>
+            </a:extLst>
+          </p:cNvPr>
+          <p:cNvSpPr txBox="1"/>
+          <p:nvPr/>
+        </p:nvSpPr>
+        <p:spPr>
+          <a:xfrm>
+            <a:off x="8598168" y="3788213"/>
+            <a:ext cx="718519" cy="369332"/>
+          </a:xfrm>
+          <a:prstGeom prst="rect">
+            <a:avLst/>
+          </a:prstGeom>
+        </p:spPr>
+        <p:txBody>
+          <a:bodyPr wrap="square" rtlCol="0">
+            <a:spAutoFit/>
+          </a:bodyPr>
+          <a:lstStyle/>
+          <a:p>
+            <a:pPr marL="0" indent="0" algn="ctr">
+              <a:lnSpc>
+                <a:spcPct val="100000"/>
+              </a:lnSpc>
+              <a:spcBef>
+                <a:spcPts val="0"/>
+              </a:spcBef>
+              <a:buFontTx/>
+              <a:buNone/>
+            </a:pPr>
+            <a:r>
+              <a:rPr lang="en-US" sz="1800" dirty="0">
+                <a:latin typeface="Abadi (Body)"/>
+                <a:ea typeface="微软雅黑"/>
+                <a:cs typeface="Posterama" panose="020B0504020200020000" pitchFamily="34" charset="0"/>
+              </a:rPr>
+              <a:t>0.22</a:t>
+            </a:r>
+          </a:p>
+        </p:txBody>
+      </p:sp>
+      <p:sp>
+        <p:nvSpPr>
+          <p:cNvPr id="15" name="TextBox 14">
+            <a:extLst>
+              <a:ext uri="{FF2B5EF4-FFF2-40B4-BE49-F238E27FC236}">
+                <a16:creationId xmlns:a16="http://schemas.microsoft.com/office/drawing/2014/main" id="{40FF8318-4DDA-497D-B6A7-AEE9BCCBD07F}"/>
+              </a:ext>
+            </a:extLst>
+          </p:cNvPr>
+          <p:cNvSpPr txBox="1"/>
+          <p:nvPr/>
+        </p:nvSpPr>
+        <p:spPr>
+          <a:xfrm>
+            <a:off x="10510212" y="2803563"/>
+            <a:ext cx="920088" cy="369332"/>
+          </a:xfrm>
+          <a:prstGeom prst="rect">
+            <a:avLst/>
+          </a:prstGeom>
+        </p:spPr>
+        <p:txBody>
+          <a:bodyPr wrap="square" rtlCol="0">
+            <a:spAutoFit/>
+          </a:bodyPr>
+          <a:lstStyle/>
+          <a:p>
+            <a:pPr marL="0" indent="0" algn="ctr">
+              <a:lnSpc>
+                <a:spcPct val="100000"/>
+              </a:lnSpc>
+              <a:spcBef>
+                <a:spcPts val="0"/>
+              </a:spcBef>
+              <a:buFontTx/>
+              <a:buNone/>
+            </a:pPr>
+            <a:r>
+              <a:rPr lang="en-US" sz="1800" dirty="0">
+                <a:latin typeface="Abadi (Body)"/>
+                <a:ea typeface="微软雅黑"/>
+                <a:cs typeface="Posterama" panose="020B0504020200020000" pitchFamily="34" charset="0"/>
+              </a:rPr>
+              <a:t>Churn</a:t>
+            </a:r>
+          </a:p>
+        </p:txBody>
+      </p:sp>
+      <p:sp>
+        <p:nvSpPr>
+          <p:cNvPr id="19" name="TextBox 18">
+            <a:extLst>
+              <a:ext uri="{FF2B5EF4-FFF2-40B4-BE49-F238E27FC236}">
+                <a16:creationId xmlns:a16="http://schemas.microsoft.com/office/drawing/2014/main" id="{BA3907A4-B953-46F5-AA01-A111A293C5A7}"/>
+              </a:ext>
+            </a:extLst>
+          </p:cNvPr>
+          <p:cNvSpPr txBox="1"/>
+          <p:nvPr/>
+        </p:nvSpPr>
+        <p:spPr>
+          <a:xfrm>
+            <a:off x="10348127" y="4011052"/>
+            <a:ext cx="1662898" cy="369332"/>
+          </a:xfrm>
+          <a:prstGeom prst="rect">
+            <a:avLst/>
+          </a:prstGeom>
+        </p:spPr>
+        <p:txBody>
+          <a:bodyPr wrap="square" rtlCol="0">
+            <a:spAutoFit/>
+          </a:bodyPr>
+          <a:lstStyle/>
+          <a:p>
+            <a:pPr marL="0" indent="0" algn="ctr">
+              <a:lnSpc>
+                <a:spcPct val="100000"/>
+              </a:lnSpc>
+              <a:spcBef>
+                <a:spcPts val="0"/>
+              </a:spcBef>
+              <a:buFontTx/>
+              <a:buNone/>
+            </a:pPr>
+            <a:r>
+              <a:rPr lang="en-US" sz="1800" dirty="0">
+                <a:latin typeface="Abadi (Body)"/>
+                <a:ea typeface="微软雅黑"/>
+                <a:cs typeface="Posterama" panose="020B0504020200020000" pitchFamily="34" charset="0"/>
+              </a:rPr>
+              <a:t>Not churn</a:t>
+            </a:r>
+          </a:p>
+        </p:txBody>
+      </p:sp>
+      <p:sp>
+        <p:nvSpPr>
+          <p:cNvPr id="20" name="TextBox 19">
+            <a:extLst>
+              <a:ext uri="{FF2B5EF4-FFF2-40B4-BE49-F238E27FC236}">
+                <a16:creationId xmlns:a16="http://schemas.microsoft.com/office/drawing/2014/main" id="{53304DA5-B673-4151-9FF8-594442D81391}"/>
+              </a:ext>
+            </a:extLst>
+          </p:cNvPr>
+          <p:cNvSpPr txBox="1"/>
+          <p:nvPr/>
+        </p:nvSpPr>
+        <p:spPr>
+          <a:xfrm>
+            <a:off x="8598167" y="4195718"/>
+            <a:ext cx="718519" cy="369332"/>
+          </a:xfrm>
+          <a:prstGeom prst="rect">
+            <a:avLst/>
+          </a:prstGeom>
+        </p:spPr>
+        <p:txBody>
+          <a:bodyPr wrap="square" rtlCol="0">
+            <a:spAutoFit/>
+          </a:bodyPr>
+          <a:lstStyle/>
+          <a:p>
+            <a:pPr marL="0" indent="0" algn="ctr">
+              <a:lnSpc>
+                <a:spcPct val="100000"/>
+              </a:lnSpc>
+              <a:spcBef>
+                <a:spcPts val="0"/>
+              </a:spcBef>
+              <a:buFontTx/>
+              <a:buNone/>
+            </a:pPr>
+            <a:r>
+              <a:rPr lang="en-US" sz="1800" dirty="0">
+                <a:latin typeface="Abadi (Body)"/>
+                <a:ea typeface="微软雅黑"/>
+                <a:cs typeface="Posterama" panose="020B0504020200020000" pitchFamily="34" charset="0"/>
+              </a:rPr>
+              <a:t>0.00</a:t>
+            </a:r>
+          </a:p>
+        </p:txBody>
+      </p:sp>
+      <p:sp>
+        <p:nvSpPr>
+          <p:cNvPr id="21" name="TextBox 20">
+            <a:extLst>
+              <a:ext uri="{FF2B5EF4-FFF2-40B4-BE49-F238E27FC236}">
+                <a16:creationId xmlns:a16="http://schemas.microsoft.com/office/drawing/2014/main" id="{DE5EE5B6-971E-4F02-A446-22C4007D1E15}"/>
+              </a:ext>
+            </a:extLst>
+          </p:cNvPr>
+          <p:cNvSpPr txBox="1"/>
+          <p:nvPr/>
+        </p:nvSpPr>
+        <p:spPr>
+          <a:xfrm>
+            <a:off x="8620218" y="1926171"/>
+            <a:ext cx="718519" cy="369332"/>
+          </a:xfrm>
+          <a:prstGeom prst="rect">
+            <a:avLst/>
+          </a:prstGeom>
+        </p:spPr>
+        <p:txBody>
+          <a:bodyPr wrap="square" rtlCol="0">
+            <a:spAutoFit/>
+          </a:bodyPr>
+          <a:lstStyle/>
+          <a:p>
+            <a:pPr marL="0" indent="0" algn="ctr">
+              <a:lnSpc>
+                <a:spcPct val="100000"/>
+              </a:lnSpc>
+              <a:spcBef>
+                <a:spcPts val="0"/>
+              </a:spcBef>
+              <a:buFontTx/>
+              <a:buNone/>
+            </a:pPr>
+            <a:r>
+              <a:rPr lang="en-US" sz="1800" dirty="0">
+                <a:latin typeface="Abadi (Body)"/>
+                <a:ea typeface="微软雅黑"/>
+                <a:cs typeface="Posterama" panose="020B0504020200020000" pitchFamily="34" charset="0"/>
+              </a:rPr>
+              <a:t>1.00</a:t>
+            </a:r>
+          </a:p>
+        </p:txBody>
+      </p:sp>
+    </p:spTree>
+    <p:extLst>
+      <p:ext uri="{BB962C8B-B14F-4D97-AF65-F5344CB8AC3E}">
+        <p14:creationId xmlns:p14="http://schemas.microsoft.com/office/powerpoint/2010/main" val="3328752527"/>
+      </p:ext>
+    </p:extLst>
+  </p:cSld>
+  <p:clrMapOvr>
+    <a:masterClrMapping/>
+  </p:clrMapOvr>
+</p:sld>
+</file>
+
+<file path=ppt/slides/slide2.xml><?xml version="1.0" encoding="utf-8"?>
+<p:sld xmlns:a="http://schemas.openxmlformats.org/drawingml/2006/main" xmlns:r="http://schemas.openxmlformats.org/officeDocument/2006/relationships" xmlns:p="http://schemas.openxmlformats.org/presentationml/2006/main">
+  <p:cSld>
+    <p:spTree>
+      <p:nvGrpSpPr>
+        <p:cNvPr id="1" name=""/>
+        <p:cNvGrpSpPr/>
+        <p:nvPr/>
+      </p:nvGrpSpPr>
+      <p:grpSpPr>
+        <a:xfrm>
+          <a:off x="0" y="0"/>
+          <a:ext cx="0" cy="0"/>
+          <a:chOff x="0" y="0"/>
+          <a:chExt cx="0" cy="0"/>
+        </a:xfrm>
+      </p:grpSpPr>
+      <p:pic>
+        <p:nvPicPr>
+          <p:cNvPr id="1040" name="Picture 16" descr="Optimal Threshold for Imbalanced Classification | by Audhi Aprilliant |  Towards Data Science">
+            <a:extLst>
+              <a:ext uri="{FF2B5EF4-FFF2-40B4-BE49-F238E27FC236}">
+                <a16:creationId xmlns:a16="http://schemas.microsoft.com/office/drawing/2014/main" id="{4FB49991-30FD-414F-8728-BDD3B4C9E85B}"/>
+              </a:ext>
+            </a:extLst>
+          </p:cNvPr>
+          <p:cNvPicPr>
+            <a:picLocks noChangeAspect="1" noChangeArrowheads="1"/>
+          </p:cNvPicPr>
+          <p:nvPr/>
+        </p:nvPicPr>
+        <p:blipFill>
+          <a:blip r:embed="rId3">
+            <a:extLst>
+              <a:ext uri="{28A0092B-C50C-407E-A947-70E740481C1C}">
+                <a14:useLocalDpi xmlns:a14="http://schemas.microsoft.com/office/drawing/2010/main" val="0"/>
+              </a:ext>
+            </a:extLst>
+          </a:blip>
+          <a:srcRect/>
+          <a:stretch>
+            <a:fillRect/>
+          </a:stretch>
+        </p:blipFill>
+        <p:spPr bwMode="auto">
+          <a:xfrm>
+            <a:off x="4109033" y="4338680"/>
+            <a:ext cx="1426435" cy="718580"/>
+          </a:xfrm>
+          <a:prstGeom prst="rect">
+            <a:avLst/>
+          </a:prstGeom>
+          <a:noFill/>
+          <a:extLst>
+            <a:ext uri="{909E8E84-426E-40DD-AFC4-6F175D3DCCD1}">
+              <a14:hiddenFill xmlns:a14="http://schemas.microsoft.com/office/drawing/2010/main">
+                <a:solidFill>
+                  <a:srgbClr val="FFFFFF"/>
+                </a:solidFill>
+              </a14:hiddenFill>
+            </a:ext>
+          </a:extLst>
+        </p:spPr>
+      </p:pic>
+      <p:sp>
+        <p:nvSpPr>
+          <p:cNvPr id="12" name="Title 11">
+            <a:extLst>
+              <a:ext uri="{FF2B5EF4-FFF2-40B4-BE49-F238E27FC236}">
+                <a16:creationId xmlns:a16="http://schemas.microsoft.com/office/drawing/2014/main" id="{C13DFCA2-73A5-40AB-BC3B-D2112116B16B}"/>
+              </a:ext>
+            </a:extLst>
+          </p:cNvPr>
+          <p:cNvSpPr>
+            <a:spLocks noGrp="1"/>
+          </p:cNvSpPr>
+          <p:nvPr>
+            <p:ph type="title"/>
+          </p:nvPr>
+        </p:nvSpPr>
+        <p:spPr>
+          <a:xfrm>
+            <a:off x="581709" y="274954"/>
+            <a:ext cx="8894800" cy="677005"/>
+          </a:xfrm>
+        </p:spPr>
+        <p:txBody>
+          <a:bodyPr/>
+          <a:lstStyle/>
+          <a:p>
+            <a:r>
+              <a:rPr lang="en-US" altLang="zh-CN" sz="4400" dirty="0"/>
+              <a:t>TELCO CHURN PREDICTION MODEL</a:t>
+            </a:r>
+            <a:endParaRPr lang="en-US" dirty="0"/>
+          </a:p>
+        </p:txBody>
+      </p:sp>
+      <p:sp>
+        <p:nvSpPr>
+          <p:cNvPr id="15" name="Rectangle 14">
+            <a:extLst>
+              <a:ext uri="{FF2B5EF4-FFF2-40B4-BE49-F238E27FC236}">
+                <a16:creationId xmlns:a16="http://schemas.microsoft.com/office/drawing/2014/main" id="{914ECE35-32BA-4639-BDC0-9F2838750170}"/>
+              </a:ext>
+            </a:extLst>
+          </p:cNvPr>
+          <p:cNvSpPr/>
+          <p:nvPr/>
+        </p:nvSpPr>
+        <p:spPr>
+          <a:xfrm>
+            <a:off x="670486" y="994296"/>
+            <a:ext cx="6733490" cy="75871"/>
+          </a:xfrm>
+          <a:prstGeom prst="rect">
+            <a:avLst/>
+          </a:prstGeom>
+          <a:gradFill flip="none" rotWithShape="1">
+            <a:gsLst>
+              <a:gs pos="0">
+                <a:schemeClr val="accent4">
+                  <a:tint val="66000"/>
+                  <a:satMod val="160000"/>
+                </a:schemeClr>
+              </a:gs>
+              <a:gs pos="29000">
+                <a:schemeClr val="accent4">
+                  <a:tint val="44500"/>
+                  <a:satMod val="160000"/>
+                </a:schemeClr>
+              </a:gs>
+              <a:gs pos="95575">
+                <a:srgbClr val="F8F6F5"/>
+              </a:gs>
+              <a:gs pos="55000">
+                <a:schemeClr val="accent4">
+                  <a:tint val="23500"/>
+                  <a:satMod val="160000"/>
+                </a:schemeClr>
+              </a:gs>
+            </a:gsLst>
+            <a:path path="circle">
+              <a:fillToRect t="100000" r="100000"/>
+            </a:path>
+            <a:tileRect l="-100000" b="-100000"/>
+          </a:gradFill>
+          <a:ln>
+            <a:noFill/>
+          </a:ln>
+        </p:spPr>
+        <p:style>
+          <a:lnRef idx="2">
+            <a:schemeClr val="accent4">
+              <a:shade val="50000"/>
+            </a:schemeClr>
+          </a:lnRef>
+          <a:fillRef idx="1">
+            <a:schemeClr val="accent4"/>
+          </a:fillRef>
+          <a:effectRef idx="0">
+            <a:schemeClr val="accent4"/>
+          </a:effectRef>
+          <a:fontRef idx="minor">
+            <a:schemeClr val="lt1"/>
+          </a:fontRef>
+        </p:style>
+        <p:txBody>
+          <a:bodyPr rtlCol="0" anchor="ctr"/>
+          <a:lstStyle/>
+          <a:p>
+            <a:pPr algn="ctr"/>
+            <a:endParaRPr lang="en-US" dirty="0"/>
+          </a:p>
+        </p:txBody>
+      </p:sp>
+      <p:sp>
+        <p:nvSpPr>
+          <p:cNvPr id="8" name="Title 6">
+            <a:extLst>
+              <a:ext uri="{FF2B5EF4-FFF2-40B4-BE49-F238E27FC236}">
+                <a16:creationId xmlns:a16="http://schemas.microsoft.com/office/drawing/2014/main" id="{A1BD7277-E2FB-4339-AF9C-00BE7B3320F5}"/>
+              </a:ext>
+            </a:extLst>
+          </p:cNvPr>
+          <p:cNvSpPr txBox="1">
+            <a:spLocks/>
+          </p:cNvSpPr>
+          <p:nvPr/>
+        </p:nvSpPr>
+        <p:spPr>
+          <a:xfrm>
+            <a:off x="581709" y="1108297"/>
+            <a:ext cx="7908737" cy="342078"/>
+          </a:xfrm>
+          <a:prstGeom prst="rect">
+            <a:avLst/>
+          </a:prstGeom>
+        </p:spPr>
+        <p:txBody>
+          <a:bodyPr vert="horz" lIns="91440" tIns="45720" rIns="91440" bIns="45720" rtlCol="0" anchor="t">
+            <a:noAutofit/>
+          </a:bodyPr>
+          <a:lstStyle>
+            <a:lvl1pPr algn="l" defTabSz="914400" rtl="0" eaLnBrk="1" latinLnBrk="0" hangingPunct="1">
+              <a:lnSpc>
+                <a:spcPct val="90000"/>
+              </a:lnSpc>
+              <a:spcBef>
+                <a:spcPct val="0"/>
+              </a:spcBef>
+              <a:buNone/>
+              <a:defRPr sz="4400" b="1" kern="1200">
+                <a:solidFill>
+                  <a:schemeClr val="accent6"/>
+                </a:solidFill>
+                <a:latin typeface="+mj-lt"/>
+                <a:ea typeface="+mj-ea"/>
+                <a:cs typeface="+mj-cs"/>
+              </a:defRPr>
+            </a:lvl1pPr>
+          </a:lstStyle>
+          <a:p>
+            <a:r>
+              <a:rPr lang="en-US" altLang="zh-CN" sz="1800" b="0" dirty="0"/>
+              <a:t>A Model for Predicting Customer Retention in Telecom</a:t>
+            </a:r>
+            <a:endParaRPr lang="en-US" sz="3600" b="0" dirty="0"/>
+          </a:p>
+        </p:txBody>
+      </p:sp>
+      <p:sp>
+        <p:nvSpPr>
+          <p:cNvPr id="10" name="Title 6">
+            <a:extLst>
+              <a:ext uri="{FF2B5EF4-FFF2-40B4-BE49-F238E27FC236}">
+                <a16:creationId xmlns:a16="http://schemas.microsoft.com/office/drawing/2014/main" id="{3DFA8777-DE88-45A9-A4E1-BA0D7CE585A3}"/>
+              </a:ext>
+            </a:extLst>
+          </p:cNvPr>
+          <p:cNvSpPr txBox="1">
+            <a:spLocks/>
+          </p:cNvSpPr>
+          <p:nvPr/>
+        </p:nvSpPr>
+        <p:spPr>
+          <a:xfrm>
+            <a:off x="581709" y="1771237"/>
+            <a:ext cx="7195309" cy="2246581"/>
+          </a:xfrm>
+          <a:prstGeom prst="rect">
+            <a:avLst/>
+          </a:prstGeom>
+        </p:spPr>
+        <p:txBody>
+          <a:bodyPr vert="horz" lIns="91440" tIns="45720" rIns="91440" bIns="45720" rtlCol="0" anchor="t">
+            <a:noAutofit/>
+          </a:bodyPr>
+          <a:lstStyle>
+            <a:lvl1pPr algn="l" defTabSz="914400" rtl="0" eaLnBrk="1" latinLnBrk="0" hangingPunct="1">
+              <a:lnSpc>
+                <a:spcPct val="90000"/>
+              </a:lnSpc>
+              <a:spcBef>
+                <a:spcPct val="0"/>
+              </a:spcBef>
+              <a:buNone/>
+              <a:defRPr sz="4400" b="1" kern="1200">
+                <a:solidFill>
+                  <a:schemeClr val="accent6"/>
+                </a:solidFill>
+                <a:latin typeface="+mj-lt"/>
+                <a:ea typeface="+mj-ea"/>
+                <a:cs typeface="+mj-cs"/>
+              </a:defRPr>
+            </a:lvl1pPr>
+          </a:lstStyle>
+          <a:p>
+            <a:r>
+              <a:rPr lang="en-US" altLang="zh-CN" sz="2000" dirty="0">
+                <a:latin typeface="Abadi (Body)"/>
+              </a:rPr>
+              <a:t>Problem context</a:t>
+            </a:r>
+          </a:p>
+          <a:p>
+            <a:pPr marL="285750" indent="-285750">
+              <a:buFont typeface="Arial" panose="020B0604020202020204" pitchFamily="34" charset="0"/>
+              <a:buChar char="•"/>
+            </a:pPr>
+            <a:r>
+              <a:rPr lang="en-US" sz="1800" b="0" dirty="0">
+                <a:latin typeface="Abadi (Body)"/>
+              </a:rPr>
+              <a:t>Retaining a customer is generally more cost-effective than acquiring a new one, as demonstrated by a Bain &amp; Company study.</a:t>
+            </a:r>
+          </a:p>
+          <a:p>
+            <a:pPr marL="285750" indent="-285750">
+              <a:buFont typeface="Arial" panose="020B0604020202020204" pitchFamily="34" charset="0"/>
+              <a:buChar char="•"/>
+            </a:pPr>
+            <a:r>
+              <a:rPr lang="en-US" sz="1800" b="0" dirty="0">
+                <a:latin typeface="Abadi (Body)"/>
+              </a:rPr>
+              <a:t>The study revealed that acquiring a new customer can be 5 to 7 times more expensive than retaining an existing one.</a:t>
+            </a:r>
+          </a:p>
+          <a:p>
+            <a:pPr marL="285750" indent="-285750">
+              <a:buFont typeface="Arial" panose="020B0604020202020204" pitchFamily="34" charset="0"/>
+              <a:buChar char="•"/>
+            </a:pPr>
+            <a:r>
+              <a:rPr lang="en-US" sz="1800" b="0" dirty="0">
+                <a:latin typeface="Abadi (Body)"/>
+              </a:rPr>
+              <a:t>Existing customers, being familiar with your product or service, tend to exhibit greater loyalty and are more inclined to maintain their business relationship with you.</a:t>
+            </a:r>
+          </a:p>
+        </p:txBody>
+      </p:sp>
+      <p:sp>
+        <p:nvSpPr>
+          <p:cNvPr id="17" name="Title 6">
+            <a:extLst>
+              <a:ext uri="{FF2B5EF4-FFF2-40B4-BE49-F238E27FC236}">
+                <a16:creationId xmlns:a16="http://schemas.microsoft.com/office/drawing/2014/main" id="{8586F5E1-3B7B-4FD8-BA2D-A67B058FCD8D}"/>
+              </a:ext>
+            </a:extLst>
+          </p:cNvPr>
+          <p:cNvSpPr txBox="1">
+            <a:spLocks/>
+          </p:cNvSpPr>
+          <p:nvPr/>
+        </p:nvSpPr>
+        <p:spPr>
+          <a:xfrm>
+            <a:off x="8154726" y="1771236"/>
+            <a:ext cx="2864913" cy="1800639"/>
+          </a:xfrm>
+          <a:prstGeom prst="rect">
+            <a:avLst/>
+          </a:prstGeom>
+        </p:spPr>
+        <p:txBody>
+          <a:bodyPr vert="horz" lIns="91440" tIns="45720" rIns="91440" bIns="45720" rtlCol="0" anchor="t">
+            <a:noAutofit/>
+          </a:bodyPr>
+          <a:lstStyle>
+            <a:lvl1pPr algn="l" defTabSz="914400" rtl="0" eaLnBrk="1" latinLnBrk="0" hangingPunct="1">
+              <a:lnSpc>
+                <a:spcPct val="90000"/>
+              </a:lnSpc>
+              <a:spcBef>
+                <a:spcPct val="0"/>
+              </a:spcBef>
+              <a:buNone/>
+              <a:defRPr sz="4400" b="1" kern="1200">
+                <a:solidFill>
+                  <a:schemeClr val="accent6"/>
+                </a:solidFill>
+                <a:latin typeface="+mj-lt"/>
+                <a:ea typeface="+mj-ea"/>
+                <a:cs typeface="+mj-cs"/>
+              </a:defRPr>
+            </a:lvl1pPr>
+          </a:lstStyle>
+          <a:p>
+            <a:r>
+              <a:rPr lang="en-US" altLang="zh-CN" sz="2000" dirty="0"/>
+              <a:t>Challenges</a:t>
+            </a:r>
+          </a:p>
+          <a:p>
+            <a:pPr marL="285750" indent="-285750">
+              <a:buFont typeface="Arial" panose="020B0604020202020204" pitchFamily="34" charset="0"/>
+              <a:buChar char="•"/>
+            </a:pPr>
+            <a:r>
+              <a:rPr lang="en-US" sz="1800" b="0" dirty="0"/>
+              <a:t>Handling Imbalanced Dataset</a:t>
+            </a:r>
+          </a:p>
+          <a:p>
+            <a:pPr marL="285750" indent="-285750">
+              <a:buFont typeface="Arial" panose="020B0604020202020204" pitchFamily="34" charset="0"/>
+              <a:buChar char="•"/>
+            </a:pPr>
+            <a:r>
+              <a:rPr lang="en-US" sz="1800" b="0" dirty="0"/>
+              <a:t>Selecting Metrics for Measurement</a:t>
+            </a:r>
+          </a:p>
+          <a:p>
+            <a:pPr marL="285750" indent="-285750">
+              <a:buFont typeface="Arial" panose="020B0604020202020204" pitchFamily="34" charset="0"/>
+              <a:buChar char="•"/>
+            </a:pPr>
+            <a:r>
+              <a:rPr lang="en-US" sz="1800" b="0" dirty="0"/>
+              <a:t>Optimizing threshold</a:t>
+            </a:r>
+          </a:p>
+        </p:txBody>
+      </p:sp>
+      <p:sp>
+        <p:nvSpPr>
+          <p:cNvPr id="18" name="Title 6">
+            <a:extLst>
+              <a:ext uri="{FF2B5EF4-FFF2-40B4-BE49-F238E27FC236}">
+                <a16:creationId xmlns:a16="http://schemas.microsoft.com/office/drawing/2014/main" id="{5D764239-A7DB-418A-A461-4BDFAB66E45D}"/>
+              </a:ext>
+            </a:extLst>
+          </p:cNvPr>
+          <p:cNvSpPr txBox="1">
+            <a:spLocks/>
+          </p:cNvSpPr>
+          <p:nvPr/>
+        </p:nvSpPr>
+        <p:spPr>
+          <a:xfrm>
+            <a:off x="581710" y="4153900"/>
+            <a:ext cx="808326" cy="391629"/>
+          </a:xfrm>
+          <a:prstGeom prst="rect">
+            <a:avLst/>
+          </a:prstGeom>
+        </p:spPr>
+        <p:txBody>
+          <a:bodyPr vert="horz" lIns="91440" tIns="45720" rIns="91440" bIns="45720" rtlCol="0" anchor="t">
+            <a:noAutofit/>
+          </a:bodyPr>
+          <a:lstStyle>
+            <a:lvl1pPr algn="l" defTabSz="914400" rtl="0" eaLnBrk="1" latinLnBrk="0" hangingPunct="1">
+              <a:lnSpc>
+                <a:spcPct val="90000"/>
+              </a:lnSpc>
+              <a:spcBef>
+                <a:spcPct val="0"/>
+              </a:spcBef>
+              <a:buNone/>
+              <a:defRPr sz="4400" b="1" kern="1200">
+                <a:solidFill>
+                  <a:schemeClr val="accent6"/>
+                </a:solidFill>
+                <a:latin typeface="+mj-lt"/>
+                <a:ea typeface="+mj-ea"/>
+                <a:cs typeface="+mj-cs"/>
+              </a:defRPr>
+            </a:lvl1pPr>
+          </a:lstStyle>
+          <a:p>
+            <a:r>
+              <a:rPr lang="en-US" sz="2000" dirty="0"/>
+              <a:t>Tools</a:t>
+            </a:r>
+            <a:endParaRPr lang="en-US" altLang="zh-CN" sz="2000" dirty="0"/>
+          </a:p>
+        </p:txBody>
+      </p:sp>
+      <p:pic>
+        <p:nvPicPr>
+          <p:cNvPr id="1026" name="Picture 2" descr="IT12A01: FUNDAMENTALS OF PYTHON PROGRAMMING (SF) (SYNCHRONOUS E-LEARNING) -  NTUC LearningHub">
+            <a:extLst>
+              <a:ext uri="{FF2B5EF4-FFF2-40B4-BE49-F238E27FC236}">
+                <a16:creationId xmlns:a16="http://schemas.microsoft.com/office/drawing/2014/main" id="{3350AA5B-9BB4-42A6-80BF-51D42F704E61}"/>
+              </a:ext>
+            </a:extLst>
+          </p:cNvPr>
+          <p:cNvPicPr>
+            <a:picLocks noChangeAspect="1" noChangeArrowheads="1"/>
+          </p:cNvPicPr>
+          <p:nvPr/>
+        </p:nvPicPr>
+        <p:blipFill>
+          <a:blip r:embed="rId4">
+            <a:extLst>
+              <a:ext uri="{28A0092B-C50C-407E-A947-70E740481C1C}">
+                <a14:useLocalDpi xmlns:a14="http://schemas.microsoft.com/office/drawing/2010/main" val="0"/>
+              </a:ext>
+            </a:extLst>
+          </a:blip>
+          <a:srcRect/>
+          <a:stretch>
+            <a:fillRect/>
+          </a:stretch>
+        </p:blipFill>
+        <p:spPr bwMode="auto">
+          <a:xfrm>
+            <a:off x="350982" y="4829148"/>
+            <a:ext cx="1197101" cy="677006"/>
+          </a:xfrm>
+          <a:prstGeom prst="rect">
+            <a:avLst/>
+          </a:prstGeom>
+          <a:noFill/>
+          <a:extLst>
+            <a:ext uri="{909E8E84-426E-40DD-AFC4-6F175D3DCCD1}">
+              <a14:hiddenFill xmlns:a14="http://schemas.microsoft.com/office/drawing/2010/main">
+                <a:solidFill>
+                  <a:srgbClr val="FFFFFF"/>
+                </a:solidFill>
+              </a14:hiddenFill>
+            </a:ext>
+          </a:extLst>
+        </p:spPr>
+      </p:pic>
+      <p:cxnSp>
+        <p:nvCxnSpPr>
+          <p:cNvPr id="20" name="Straight Connector 19">
+            <a:extLst>
+              <a:ext uri="{FF2B5EF4-FFF2-40B4-BE49-F238E27FC236}">
+                <a16:creationId xmlns:a16="http://schemas.microsoft.com/office/drawing/2014/main" id="{CF7924FB-1A20-41CB-94E5-DD9BC3241A8C}"/>
+              </a:ext>
+            </a:extLst>
+          </p:cNvPr>
+          <p:cNvCxnSpPr>
+            <a:cxnSpLocks/>
+          </p:cNvCxnSpPr>
+          <p:nvPr/>
+        </p:nvCxnSpPr>
+        <p:spPr>
+          <a:xfrm>
+            <a:off x="7952509" y="1771236"/>
+            <a:ext cx="0" cy="2135746"/>
+          </a:xfrm>
+          <a:prstGeom prst="line">
+            <a:avLst/>
+          </a:prstGeom>
+          <a:ln w="19050">
+            <a:solidFill>
+              <a:schemeClr val="bg1">
+                <a:lumMod val="50000"/>
+              </a:schemeClr>
+            </a:solidFill>
+          </a:ln>
+        </p:spPr>
+        <p:style>
+          <a:lnRef idx="1">
+            <a:schemeClr val="accent1"/>
+          </a:lnRef>
+          <a:fillRef idx="0">
+            <a:schemeClr val="accent1"/>
+          </a:fillRef>
+          <a:effectRef idx="0">
+            <a:schemeClr val="accent1"/>
+          </a:effectRef>
+          <a:fontRef idx="minor">
+            <a:schemeClr val="tx1"/>
+          </a:fontRef>
+        </p:style>
+      </p:cxnSp>
+      <p:cxnSp>
+        <p:nvCxnSpPr>
+          <p:cNvPr id="24" name="Straight Connector 23">
+            <a:extLst>
+              <a:ext uri="{FF2B5EF4-FFF2-40B4-BE49-F238E27FC236}">
+                <a16:creationId xmlns:a16="http://schemas.microsoft.com/office/drawing/2014/main" id="{70FE5E60-4B56-4399-B653-371651FCC0E3}"/>
+              </a:ext>
+            </a:extLst>
+          </p:cNvPr>
+          <p:cNvCxnSpPr>
+            <a:cxnSpLocks/>
+          </p:cNvCxnSpPr>
+          <p:nvPr/>
+        </p:nvCxnSpPr>
+        <p:spPr>
+          <a:xfrm>
+            <a:off x="1589232" y="4220532"/>
+            <a:ext cx="0" cy="2147281"/>
+          </a:xfrm>
+          <a:prstGeom prst="line">
+            <a:avLst/>
+          </a:prstGeom>
+          <a:ln w="19050">
+            <a:solidFill>
+              <a:schemeClr val="bg1">
+                <a:lumMod val="50000"/>
+              </a:schemeClr>
+            </a:solidFill>
+          </a:ln>
+        </p:spPr>
+        <p:style>
+          <a:lnRef idx="1">
+            <a:schemeClr val="accent1"/>
+          </a:lnRef>
+          <a:fillRef idx="0">
+            <a:schemeClr val="accent1"/>
+          </a:fillRef>
+          <a:effectRef idx="0">
+            <a:schemeClr val="accent1"/>
+          </a:effectRef>
+          <a:fontRef idx="minor">
+            <a:schemeClr val="tx1"/>
+          </a:fontRef>
+        </p:style>
+      </p:cxnSp>
+      <p:sp>
+        <p:nvSpPr>
+          <p:cNvPr id="25" name="Title 6">
+            <a:extLst>
+              <a:ext uri="{FF2B5EF4-FFF2-40B4-BE49-F238E27FC236}">
+                <a16:creationId xmlns:a16="http://schemas.microsoft.com/office/drawing/2014/main" id="{2546A81F-4DBF-4230-B494-CD3798E7FDC7}"/>
+              </a:ext>
+            </a:extLst>
+          </p:cNvPr>
+          <p:cNvSpPr txBox="1">
+            <a:spLocks/>
+          </p:cNvSpPr>
+          <p:nvPr/>
+        </p:nvSpPr>
+        <p:spPr>
+          <a:xfrm>
+            <a:off x="1734453" y="4153900"/>
+            <a:ext cx="1171867" cy="391629"/>
+          </a:xfrm>
+          <a:prstGeom prst="rect">
+            <a:avLst/>
+          </a:prstGeom>
+        </p:spPr>
+        <p:txBody>
+          <a:bodyPr vert="horz" lIns="91440" tIns="45720" rIns="91440" bIns="45720" rtlCol="0" anchor="t">
+            <a:noAutofit/>
+          </a:bodyPr>
+          <a:lstStyle>
+            <a:lvl1pPr algn="l" defTabSz="914400" rtl="0" eaLnBrk="1" latinLnBrk="0" hangingPunct="1">
+              <a:lnSpc>
+                <a:spcPct val="90000"/>
+              </a:lnSpc>
+              <a:spcBef>
+                <a:spcPct val="0"/>
+              </a:spcBef>
+              <a:buNone/>
+              <a:defRPr sz="4400" b="1" kern="1200">
+                <a:solidFill>
+                  <a:schemeClr val="accent6"/>
+                </a:solidFill>
+                <a:latin typeface="+mj-lt"/>
+                <a:ea typeface="+mj-ea"/>
+                <a:cs typeface="+mj-cs"/>
+              </a:defRPr>
+            </a:lvl1pPr>
+          </a:lstStyle>
+          <a:p>
+            <a:r>
+              <a:rPr lang="en-US" sz="2000" dirty="0"/>
+              <a:t>Methods</a:t>
+            </a:r>
+            <a:endParaRPr lang="en-US" altLang="zh-CN" sz="2000" dirty="0"/>
+          </a:p>
+        </p:txBody>
+      </p:sp>
+      <p:sp>
+        <p:nvSpPr>
+          <p:cNvPr id="27" name="Slide Number Placeholder 6">
+            <a:extLst>
+              <a:ext uri="{FF2B5EF4-FFF2-40B4-BE49-F238E27FC236}">
+                <a16:creationId xmlns:a16="http://schemas.microsoft.com/office/drawing/2014/main" id="{CEACC96B-4AEF-4D80-90D4-722D26A373FA}"/>
+              </a:ext>
+            </a:extLst>
+          </p:cNvPr>
+          <p:cNvSpPr>
+            <a:spLocks noGrp="1"/>
+          </p:cNvSpPr>
+          <p:nvPr>
+            <p:ph type="sldNum" sz="quarter" idx="29"/>
+          </p:nvPr>
+        </p:nvSpPr>
+        <p:spPr>
+          <a:xfrm>
+            <a:off x="11194169" y="6217920"/>
+            <a:ext cx="458592" cy="365125"/>
+          </a:xfrm>
+        </p:spPr>
+        <p:txBody>
+          <a:bodyPr/>
+          <a:lstStyle/>
+          <a:p>
+            <a:fld id="{47FEACEE-25B4-4A2D-B147-27296E36371D}" type="slidenum">
+              <a:rPr lang="en-US" altLang="zh-CN" smtClean="0"/>
+              <a:pPr/>
+              <a:t>2</a:t>
+            </a:fld>
+            <a:endParaRPr lang="en-US" altLang="zh-CN" dirty="0"/>
+          </a:p>
+        </p:txBody>
+      </p:sp>
+      <p:sp>
+        <p:nvSpPr>
+          <p:cNvPr id="28" name="Footer Placeholder 4">
+            <a:extLst>
+              <a:ext uri="{FF2B5EF4-FFF2-40B4-BE49-F238E27FC236}">
+                <a16:creationId xmlns:a16="http://schemas.microsoft.com/office/drawing/2014/main" id="{25A5F7CA-803E-4152-923B-9ED8095FF226}"/>
+              </a:ext>
+            </a:extLst>
+          </p:cNvPr>
+          <p:cNvSpPr txBox="1">
+            <a:spLocks/>
+          </p:cNvSpPr>
+          <p:nvPr/>
+        </p:nvSpPr>
+        <p:spPr>
+          <a:xfrm>
+            <a:off x="8620218" y="6256093"/>
+            <a:ext cx="2573952" cy="288777"/>
+          </a:xfrm>
+          <a:prstGeom prst="rect">
+            <a:avLst/>
+          </a:prstGeom>
+        </p:spPr>
+        <p:txBody>
+          <a:bodyPr vert="horz" lIns="91440" tIns="45720" rIns="91440" bIns="45720" rtlCol="0">
+            <a:noAutofit/>
+          </a:bodyPr>
+          <a:lstStyle>
+            <a:lvl1pPr marL="228600" indent="-228600" algn="l" defTabSz="914400" rtl="0" eaLnBrk="1" latinLnBrk="0" hangingPunct="1">
+              <a:lnSpc>
+                <a:spcPct val="100000"/>
+              </a:lnSpc>
+              <a:spcBef>
+                <a:spcPts val="0"/>
+              </a:spcBef>
+              <a:spcAft>
+                <a:spcPts val="600"/>
+              </a:spcAft>
+              <a:buFont typeface="Arial" panose="020B0604020202020204" pitchFamily="34" charset="0"/>
+              <a:buChar char="•"/>
+              <a:defRPr sz="1400" b="0" kern="1200">
+                <a:solidFill>
+                  <a:schemeClr val="accent6"/>
+                </a:solidFill>
+                <a:latin typeface="+mn-lt"/>
+                <a:ea typeface="+mn-ea"/>
+                <a:cs typeface="+mn-cs"/>
+              </a:defRPr>
+            </a:lvl1pPr>
+            <a:lvl2pPr marL="685800" indent="-228600" algn="l" defTabSz="914400" rtl="0" eaLnBrk="1" latinLnBrk="0" hangingPunct="1">
+              <a:lnSpc>
+                <a:spcPct val="90000"/>
+              </a:lnSpc>
+              <a:spcBef>
+                <a:spcPts val="500"/>
+              </a:spcBef>
+              <a:buFont typeface="Arial" panose="020B0604020202020204" pitchFamily="34" charset="0"/>
+              <a:buChar char="•"/>
+              <a:defRPr sz="1000" kern="1200">
+                <a:solidFill>
+                  <a:schemeClr val="accent6"/>
+                </a:solidFill>
+                <a:latin typeface="+mn-lt"/>
+                <a:ea typeface="+mn-ea"/>
+                <a:cs typeface="+mn-cs"/>
+              </a:defRPr>
+            </a:lvl2pPr>
+            <a:lvl3pPr marL="1143000" indent="-228600" algn="l" defTabSz="914400" rtl="0" eaLnBrk="1" latinLnBrk="0" hangingPunct="1">
+              <a:lnSpc>
+                <a:spcPct val="90000"/>
+              </a:lnSpc>
+              <a:spcBef>
+                <a:spcPts val="500"/>
+              </a:spcBef>
+              <a:buFont typeface="Arial" panose="020B0604020202020204" pitchFamily="34" charset="0"/>
+              <a:buChar char="•"/>
+              <a:defRPr sz="900" kern="1200">
+                <a:solidFill>
+                  <a:schemeClr val="accent6"/>
+                </a:solidFill>
+                <a:latin typeface="+mn-lt"/>
+                <a:ea typeface="+mn-ea"/>
+                <a:cs typeface="+mn-cs"/>
+              </a:defRPr>
+            </a:lvl3pPr>
+            <a:lvl4pPr marL="1600200" indent="-228600" algn="l" defTabSz="914400" rtl="0" eaLnBrk="1" latinLnBrk="0" hangingPunct="1">
+              <a:lnSpc>
+                <a:spcPct val="90000"/>
+              </a:lnSpc>
+              <a:spcBef>
+                <a:spcPts val="500"/>
+              </a:spcBef>
+              <a:buFont typeface="Arial" panose="020B0604020202020204" pitchFamily="34" charset="0"/>
+              <a:buChar char="•"/>
+              <a:defRPr sz="800" kern="1200">
+                <a:solidFill>
+                  <a:schemeClr val="accent6"/>
+                </a:solidFill>
+                <a:latin typeface="+mn-lt"/>
+                <a:ea typeface="+mn-ea"/>
+                <a:cs typeface="+mn-cs"/>
+              </a:defRPr>
+            </a:lvl4pPr>
+            <a:lvl5pPr marL="2057400" indent="-228600" algn="l" defTabSz="914400" rtl="0" eaLnBrk="1" latinLnBrk="0" hangingPunct="1">
+              <a:lnSpc>
+                <a:spcPct val="90000"/>
+              </a:lnSpc>
+              <a:spcBef>
+                <a:spcPts val="500"/>
+              </a:spcBef>
+              <a:buFont typeface="Arial" panose="020B0604020202020204" pitchFamily="34" charset="0"/>
+              <a:buChar char="•"/>
+              <a:defRPr sz="800" kern="1200">
+                <a:solidFill>
+                  <a:schemeClr val="accent6"/>
+                </a:solidFill>
+                <a:latin typeface="+mn-lt"/>
+                <a:ea typeface="+mn-ea"/>
+                <a:cs typeface="+mn-cs"/>
+              </a:defRPr>
+            </a:lvl5pPr>
+            <a:lvl6pPr marL="2514600" indent="-228600" algn="l" defTabSz="914400" rtl="0" eaLnBrk="1" latinLnBrk="0" hangingPunct="1">
+              <a:lnSpc>
+                <a:spcPct val="90000"/>
+              </a:lnSpc>
+              <a:spcBef>
+                <a:spcPts val="500"/>
+              </a:spcBef>
+              <a:buFont typeface="Arial" panose="020B0604020202020204" pitchFamily="34" charset="0"/>
+              <a:buChar char="•"/>
+              <a:defRPr sz="1800" kern="1200">
+                <a:solidFill>
+                  <a:schemeClr val="tx1"/>
+                </a:solidFill>
+                <a:latin typeface="+mn-lt"/>
+                <a:ea typeface="+mn-ea"/>
+                <a:cs typeface="+mn-cs"/>
+              </a:defRPr>
+            </a:lvl6pPr>
+            <a:lvl7pPr marL="2971800" indent="-228600" algn="l" defTabSz="914400" rtl="0" eaLnBrk="1" latinLnBrk="0" hangingPunct="1">
+              <a:lnSpc>
+                <a:spcPct val="90000"/>
+              </a:lnSpc>
+              <a:spcBef>
+                <a:spcPts val="500"/>
+              </a:spcBef>
+              <a:buFont typeface="Arial" panose="020B0604020202020204" pitchFamily="34" charset="0"/>
+              <a:buChar char="•"/>
+              <a:defRPr sz="1800" kern="1200">
+                <a:solidFill>
+                  <a:schemeClr val="tx1"/>
+                </a:solidFill>
+                <a:latin typeface="+mn-lt"/>
+                <a:ea typeface="+mn-ea"/>
+                <a:cs typeface="+mn-cs"/>
+              </a:defRPr>
+            </a:lvl7pPr>
+            <a:lvl8pPr marL="3429000" indent="-228600" algn="l" defTabSz="914400" rtl="0" eaLnBrk="1" latinLnBrk="0" hangingPunct="1">
+              <a:lnSpc>
+                <a:spcPct val="90000"/>
+              </a:lnSpc>
+              <a:spcBef>
+                <a:spcPts val="500"/>
+              </a:spcBef>
+              <a:buFont typeface="Arial" panose="020B0604020202020204" pitchFamily="34" charset="0"/>
+              <a:buChar char="•"/>
+              <a:defRPr sz="1800" kern="1200">
+                <a:solidFill>
+                  <a:schemeClr val="tx1"/>
+                </a:solidFill>
+                <a:latin typeface="+mn-lt"/>
+                <a:ea typeface="+mn-ea"/>
+                <a:cs typeface="+mn-cs"/>
+              </a:defRPr>
+            </a:lvl8pPr>
+            <a:lvl9pPr marL="3886200" indent="-228600" algn="l" defTabSz="914400" rtl="0" eaLnBrk="1" latinLnBrk="0" hangingPunct="1">
+              <a:lnSpc>
+                <a:spcPct val="90000"/>
+              </a:lnSpc>
+              <a:spcBef>
+                <a:spcPts val="500"/>
+              </a:spcBef>
+              <a:buFont typeface="Arial" panose="020B0604020202020204" pitchFamily="34" charset="0"/>
+              <a:buChar char="•"/>
+              <a:defRPr sz="1800" kern="1200">
+                <a:solidFill>
+                  <a:schemeClr val="tx1"/>
+                </a:solidFill>
+                <a:latin typeface="+mn-lt"/>
+                <a:ea typeface="+mn-ea"/>
+                <a:cs typeface="+mn-cs"/>
+              </a:defRPr>
+            </a:lvl9pPr>
+          </a:lstStyle>
+          <a:p>
+            <a:pPr marL="0" indent="0">
+              <a:buNone/>
+            </a:pPr>
+            <a:r>
+              <a:rPr lang="en-US" altLang="zh-CN" sz="1200" dirty="0"/>
+              <a:t>TELCO CHURN PREDICTION MODEL</a:t>
+            </a:r>
+            <a:endParaRPr lang="en-US" dirty="0"/>
+          </a:p>
+        </p:txBody>
+      </p:sp>
+      <p:pic>
+        <p:nvPicPr>
+          <p:cNvPr id="1030" name="Picture 6" descr="Random Forest – TikZ.net">
+            <a:extLst>
+              <a:ext uri="{FF2B5EF4-FFF2-40B4-BE49-F238E27FC236}">
+                <a16:creationId xmlns:a16="http://schemas.microsoft.com/office/drawing/2014/main" id="{B5B7D51E-31CA-4EAF-B071-DD5D5034643D}"/>
+              </a:ext>
+            </a:extLst>
+          </p:cNvPr>
+          <p:cNvPicPr>
+            <a:picLocks noChangeAspect="1" noChangeArrowheads="1"/>
+          </p:cNvPicPr>
+          <p:nvPr/>
+        </p:nvPicPr>
+        <p:blipFill>
+          <a:blip r:embed="rId5">
+            <a:extLst>
+              <a:ext uri="{28A0092B-C50C-407E-A947-70E740481C1C}">
+                <a14:useLocalDpi xmlns:a14="http://schemas.microsoft.com/office/drawing/2010/main" val="0"/>
+              </a:ext>
+            </a:extLst>
+          </a:blip>
+          <a:srcRect/>
+          <a:stretch>
+            <a:fillRect/>
+          </a:stretch>
+        </p:blipFill>
+        <p:spPr bwMode="auto">
+          <a:xfrm>
+            <a:off x="1788429" y="4650100"/>
+            <a:ext cx="992872" cy="718580"/>
+          </a:xfrm>
+          <a:prstGeom prst="rect">
+            <a:avLst/>
+          </a:prstGeom>
+          <a:noFill/>
+          <a:extLst>
+            <a:ext uri="{909E8E84-426E-40DD-AFC4-6F175D3DCCD1}">
+              <a14:hiddenFill xmlns:a14="http://schemas.microsoft.com/office/drawing/2010/main">
+                <a:solidFill>
+                  <a:srgbClr val="FFFFFF"/>
+                </a:solidFill>
+              </a14:hiddenFill>
+            </a:ext>
+          </a:extLst>
+        </p:spPr>
+      </p:pic>
+      <p:pic>
+        <p:nvPicPr>
+          <p:cNvPr id="1032" name="Picture 8" descr="Top 5 Open-Source XGBoost Algorithm Projects to Study in 2023 | by Mrinal  Walia | Medium">
+            <a:extLst>
+              <a:ext uri="{FF2B5EF4-FFF2-40B4-BE49-F238E27FC236}">
+                <a16:creationId xmlns:a16="http://schemas.microsoft.com/office/drawing/2014/main" id="{61504256-2817-438D-9672-1FDB34442E04}"/>
+              </a:ext>
+            </a:extLst>
+          </p:cNvPr>
+          <p:cNvPicPr>
+            <a:picLocks noChangeAspect="1" noChangeArrowheads="1"/>
+          </p:cNvPicPr>
+          <p:nvPr/>
+        </p:nvPicPr>
+        <p:blipFill>
+          <a:blip r:embed="rId6">
+            <a:extLst>
+              <a:ext uri="{28A0092B-C50C-407E-A947-70E740481C1C}">
+                <a14:useLocalDpi xmlns:a14="http://schemas.microsoft.com/office/drawing/2010/main" val="0"/>
+              </a:ext>
+            </a:extLst>
+          </a:blip>
+          <a:srcRect/>
+          <a:stretch>
+            <a:fillRect/>
+          </a:stretch>
+        </p:blipFill>
+        <p:spPr bwMode="auto">
+          <a:xfrm>
+            <a:off x="1768376" y="5456980"/>
+            <a:ext cx="1525905" cy="847725"/>
+          </a:xfrm>
+          <a:prstGeom prst="rect">
+            <a:avLst/>
+          </a:prstGeom>
+          <a:noFill/>
+          <a:extLst>
+            <a:ext uri="{909E8E84-426E-40DD-AFC4-6F175D3DCCD1}">
+              <a14:hiddenFill xmlns:a14="http://schemas.microsoft.com/office/drawing/2010/main">
+                <a:solidFill>
+                  <a:srgbClr val="FFFFFF"/>
+                </a:solidFill>
+              </a14:hiddenFill>
+            </a:ext>
+          </a:extLst>
+        </p:spPr>
+      </p:pic>
+      <p:pic>
+        <p:nvPicPr>
+          <p:cNvPr id="1034" name="Picture 10" descr="GitHub - microsoft/LightGBM: A fast, distributed, high performance gradient  boosting (GBT, GBDT, GBRT, GBM or MART) framework based on decision tree  algorithms, used for ranking, classification and many other machine  learning tasks.">
+            <a:extLst>
+              <a:ext uri="{FF2B5EF4-FFF2-40B4-BE49-F238E27FC236}">
+                <a16:creationId xmlns:a16="http://schemas.microsoft.com/office/drawing/2014/main" id="{28C1D692-DF6C-4EBD-A709-FA938A5FECE6}"/>
+              </a:ext>
+            </a:extLst>
+          </p:cNvPr>
+          <p:cNvPicPr>
+            <a:picLocks noChangeAspect="1" noChangeArrowheads="1"/>
+          </p:cNvPicPr>
+          <p:nvPr/>
+        </p:nvPicPr>
+        <p:blipFill>
+          <a:blip r:embed="rId7">
+            <a:extLst>
+              <a:ext uri="{28A0092B-C50C-407E-A947-70E740481C1C}">
+                <a14:useLocalDpi xmlns:a14="http://schemas.microsoft.com/office/drawing/2010/main" val="0"/>
+              </a:ext>
+            </a:extLst>
+          </a:blip>
+          <a:srcRect/>
+          <a:stretch>
+            <a:fillRect/>
+          </a:stretch>
+        </p:blipFill>
+        <p:spPr bwMode="auto">
+          <a:xfrm>
+            <a:off x="2918189" y="4474326"/>
+            <a:ext cx="1296425" cy="648213"/>
+          </a:xfrm>
+          <a:prstGeom prst="rect">
+            <a:avLst/>
+          </a:prstGeom>
+          <a:noFill/>
+          <a:extLst>
+            <a:ext uri="{909E8E84-426E-40DD-AFC4-6F175D3DCCD1}">
+              <a14:hiddenFill xmlns:a14="http://schemas.microsoft.com/office/drawing/2010/main">
+                <a:solidFill>
+                  <a:srgbClr val="FFFFFF"/>
+                </a:solidFill>
+              </a14:hiddenFill>
+            </a:ext>
+          </a:extLst>
+        </p:spPr>
+      </p:pic>
+      <p:pic>
+        <p:nvPicPr>
+          <p:cNvPr id="1036" name="Picture 12" descr="Explainable AI (XAI): Understanding the SHAP magic | by Gaurav Agarwal |  Medium">
+            <a:extLst>
+              <a:ext uri="{FF2B5EF4-FFF2-40B4-BE49-F238E27FC236}">
+                <a16:creationId xmlns:a16="http://schemas.microsoft.com/office/drawing/2014/main" id="{BB527679-9381-4F02-84C5-8D36298075C4}"/>
+              </a:ext>
+            </a:extLst>
+          </p:cNvPr>
+          <p:cNvPicPr>
+            <a:picLocks noChangeAspect="1" noChangeArrowheads="1"/>
+          </p:cNvPicPr>
+          <p:nvPr/>
+        </p:nvPicPr>
+        <p:blipFill rotWithShape="1">
+          <a:blip r:embed="rId8">
+            <a:extLst>
+              <a:ext uri="{28A0092B-C50C-407E-A947-70E740481C1C}">
+                <a14:useLocalDpi xmlns:a14="http://schemas.microsoft.com/office/drawing/2010/main" val="0"/>
+              </a:ext>
+            </a:extLst>
+          </a:blip>
+          <a:srcRect l="22607" r="29610"/>
+          <a:stretch/>
+        </p:blipFill>
+        <p:spPr bwMode="auto">
+          <a:xfrm>
+            <a:off x="3170907" y="5456980"/>
+            <a:ext cx="696326" cy="818193"/>
+          </a:xfrm>
+          <a:prstGeom prst="rect">
+            <a:avLst/>
+          </a:prstGeom>
+          <a:noFill/>
+          <a:extLst>
+            <a:ext uri="{909E8E84-426E-40DD-AFC4-6F175D3DCCD1}">
+              <a14:hiddenFill xmlns:a14="http://schemas.microsoft.com/office/drawing/2010/main">
+                <a:solidFill>
+                  <a:srgbClr val="FFFFFF"/>
+                </a:solidFill>
+              </a14:hiddenFill>
+            </a:ext>
+          </a:extLst>
+        </p:spPr>
+      </p:pic>
+      <p:pic>
+        <p:nvPicPr>
+          <p:cNvPr id="1038" name="Picture 14" descr="Grid Search vs Random Search. In this article, we will focus on two… | by  Deepak Senapati | Medium">
+            <a:extLst>
+              <a:ext uri="{FF2B5EF4-FFF2-40B4-BE49-F238E27FC236}">
+                <a16:creationId xmlns:a16="http://schemas.microsoft.com/office/drawing/2014/main" id="{77383D47-C5FC-49CE-9D01-3B314CDB749D}"/>
+              </a:ext>
+            </a:extLst>
+          </p:cNvPr>
+          <p:cNvPicPr>
+            <a:picLocks noChangeAspect="1" noChangeArrowheads="1"/>
+          </p:cNvPicPr>
+          <p:nvPr/>
+        </p:nvPicPr>
+        <p:blipFill rotWithShape="1">
+          <a:blip r:embed="rId9">
+            <a:extLst>
+              <a:ext uri="{28A0092B-C50C-407E-A947-70E740481C1C}">
+                <a14:useLocalDpi xmlns:a14="http://schemas.microsoft.com/office/drawing/2010/main" val="0"/>
+              </a:ext>
+            </a:extLst>
+          </a:blip>
+          <a:srcRect l="55981" t="20180" r="6802" b="8564"/>
+          <a:stretch/>
+        </p:blipFill>
+        <p:spPr bwMode="auto">
+          <a:xfrm>
+            <a:off x="4334733" y="5508318"/>
+            <a:ext cx="696326" cy="720503"/>
+          </a:xfrm>
+          <a:prstGeom prst="rect">
+            <a:avLst/>
+          </a:prstGeom>
+          <a:noFill/>
+          <a:extLst>
+            <a:ext uri="{909E8E84-426E-40DD-AFC4-6F175D3DCCD1}">
+              <a14:hiddenFill xmlns:a14="http://schemas.microsoft.com/office/drawing/2010/main">
+                <a:solidFill>
+                  <a:srgbClr val="FFFFFF"/>
+                </a:solidFill>
+              </a14:hiddenFill>
+            </a:ext>
+          </a:extLst>
+        </p:spPr>
+      </p:pic>
+      <p:sp>
+        <p:nvSpPr>
+          <p:cNvPr id="26" name="TextBox 25">
+            <a:extLst>
+              <a:ext uri="{FF2B5EF4-FFF2-40B4-BE49-F238E27FC236}">
+                <a16:creationId xmlns:a16="http://schemas.microsoft.com/office/drawing/2014/main" id="{B67DE358-57DE-4DD4-82EF-BD19B1176E62}"/>
+              </a:ext>
+            </a:extLst>
+          </p:cNvPr>
+          <p:cNvSpPr txBox="1"/>
+          <p:nvPr/>
+        </p:nvSpPr>
+        <p:spPr>
+          <a:xfrm>
+            <a:off x="1746702" y="5394831"/>
+            <a:ext cx="1076326" cy="261610"/>
+          </a:xfrm>
+          <a:prstGeom prst="rect">
+            <a:avLst/>
+          </a:prstGeom>
+        </p:spPr>
+        <p:txBody>
+          <a:bodyPr wrap="square" rtlCol="0">
+            <a:spAutoFit/>
+          </a:bodyPr>
+          <a:lstStyle/>
+          <a:p>
+            <a:pPr marL="0" indent="0" algn="ctr">
+              <a:lnSpc>
+                <a:spcPct val="100000"/>
+              </a:lnSpc>
+              <a:spcBef>
+                <a:spcPts val="0"/>
+              </a:spcBef>
+              <a:buFontTx/>
+              <a:buNone/>
+            </a:pPr>
+            <a:r>
+              <a:rPr lang="en-US" sz="1050" dirty="0">
+                <a:solidFill>
+                  <a:schemeClr val="tx1">
+                    <a:lumMod val="75000"/>
+                    <a:lumOff val="25000"/>
+                  </a:schemeClr>
+                </a:solidFill>
+                <a:latin typeface="Abadi (Body)"/>
+                <a:ea typeface="微软雅黑"/>
+                <a:cs typeface="Posterama" panose="020B0504020200020000" pitchFamily="34" charset="0"/>
+              </a:rPr>
+              <a:t>Random forest</a:t>
+            </a:r>
+          </a:p>
+        </p:txBody>
+      </p:sp>
+      <p:sp>
+        <p:nvSpPr>
+          <p:cNvPr id="36" name="TextBox 35">
+            <a:extLst>
+              <a:ext uri="{FF2B5EF4-FFF2-40B4-BE49-F238E27FC236}">
+                <a16:creationId xmlns:a16="http://schemas.microsoft.com/office/drawing/2014/main" id="{53D4DEF9-40C8-4D21-BF14-AC055766E4DF}"/>
+              </a:ext>
+            </a:extLst>
+          </p:cNvPr>
+          <p:cNvSpPr txBox="1"/>
+          <p:nvPr/>
+        </p:nvSpPr>
+        <p:spPr>
+          <a:xfrm>
+            <a:off x="1993165" y="6043095"/>
+            <a:ext cx="1076326" cy="261610"/>
+          </a:xfrm>
+          <a:prstGeom prst="rect">
+            <a:avLst/>
+          </a:prstGeom>
+        </p:spPr>
+        <p:txBody>
+          <a:bodyPr wrap="square" rtlCol="0">
+            <a:spAutoFit/>
+          </a:bodyPr>
+          <a:lstStyle/>
+          <a:p>
+            <a:pPr marL="0" indent="0" algn="ctr">
+              <a:lnSpc>
+                <a:spcPct val="100000"/>
+              </a:lnSpc>
+              <a:spcBef>
+                <a:spcPts val="0"/>
+              </a:spcBef>
+              <a:buFontTx/>
+              <a:buNone/>
+            </a:pPr>
+            <a:r>
+              <a:rPr lang="en-US" sz="1050" dirty="0">
+                <a:solidFill>
+                  <a:schemeClr val="tx1">
+                    <a:lumMod val="75000"/>
+                    <a:lumOff val="25000"/>
+                  </a:schemeClr>
+                </a:solidFill>
+                <a:latin typeface="Abadi (Body)"/>
+                <a:ea typeface="微软雅黑"/>
+                <a:cs typeface="Posterama" panose="020B0504020200020000" pitchFamily="34" charset="0"/>
+              </a:rPr>
+              <a:t>Random forest</a:t>
+            </a:r>
+          </a:p>
+        </p:txBody>
+      </p:sp>
+      <p:sp>
+        <p:nvSpPr>
+          <p:cNvPr id="37" name="TextBox 36">
+            <a:extLst>
+              <a:ext uri="{FF2B5EF4-FFF2-40B4-BE49-F238E27FC236}">
+                <a16:creationId xmlns:a16="http://schemas.microsoft.com/office/drawing/2014/main" id="{DBEFA5D1-9280-4B60-959C-2667BF4C8ED8}"/>
+              </a:ext>
+            </a:extLst>
+          </p:cNvPr>
+          <p:cNvSpPr txBox="1"/>
+          <p:nvPr/>
+        </p:nvSpPr>
+        <p:spPr>
+          <a:xfrm>
+            <a:off x="3072994" y="5004025"/>
+            <a:ext cx="1076326" cy="261610"/>
+          </a:xfrm>
+          <a:prstGeom prst="rect">
+            <a:avLst/>
+          </a:prstGeom>
+        </p:spPr>
+        <p:txBody>
+          <a:bodyPr wrap="square" rtlCol="0">
+            <a:spAutoFit/>
+          </a:bodyPr>
+          <a:lstStyle/>
+          <a:p>
+            <a:pPr marL="0" indent="0" algn="ctr">
+              <a:lnSpc>
+                <a:spcPct val="100000"/>
+              </a:lnSpc>
+              <a:spcBef>
+                <a:spcPts val="0"/>
+              </a:spcBef>
+              <a:buFontTx/>
+              <a:buNone/>
+            </a:pPr>
+            <a:r>
+              <a:rPr lang="en-US" sz="1050" dirty="0">
+                <a:solidFill>
+                  <a:schemeClr val="tx1">
+                    <a:lumMod val="75000"/>
+                    <a:lumOff val="25000"/>
+                  </a:schemeClr>
+                </a:solidFill>
+                <a:latin typeface="Abadi (Body)"/>
+                <a:ea typeface="微软雅黑"/>
+                <a:cs typeface="Posterama" panose="020B0504020200020000" pitchFamily="34" charset="0"/>
+              </a:rPr>
+              <a:t>Random forest</a:t>
+            </a:r>
+          </a:p>
+        </p:txBody>
+      </p:sp>
+      <p:sp>
+        <p:nvSpPr>
+          <p:cNvPr id="38" name="TextBox 37">
+            <a:extLst>
+              <a:ext uri="{FF2B5EF4-FFF2-40B4-BE49-F238E27FC236}">
+                <a16:creationId xmlns:a16="http://schemas.microsoft.com/office/drawing/2014/main" id="{CFDA36AF-C36C-459F-83DE-CD12DBA4DFD0}"/>
+              </a:ext>
+            </a:extLst>
+          </p:cNvPr>
+          <p:cNvSpPr txBox="1"/>
+          <p:nvPr/>
+        </p:nvSpPr>
+        <p:spPr>
+          <a:xfrm>
+            <a:off x="2980907" y="6217129"/>
+            <a:ext cx="1076326" cy="261610"/>
+          </a:xfrm>
+          <a:prstGeom prst="rect">
+            <a:avLst/>
+          </a:prstGeom>
+        </p:spPr>
+        <p:txBody>
+          <a:bodyPr wrap="square" rtlCol="0">
+            <a:spAutoFit/>
+          </a:bodyPr>
+          <a:lstStyle/>
+          <a:p>
+            <a:pPr marL="0" indent="0" algn="ctr">
+              <a:lnSpc>
+                <a:spcPct val="100000"/>
+              </a:lnSpc>
+              <a:spcBef>
+                <a:spcPts val="0"/>
+              </a:spcBef>
+              <a:buFontTx/>
+              <a:buNone/>
+            </a:pPr>
+            <a:r>
+              <a:rPr lang="en-US" sz="1050" dirty="0">
+                <a:solidFill>
+                  <a:schemeClr val="tx1">
+                    <a:lumMod val="75000"/>
+                    <a:lumOff val="25000"/>
+                  </a:schemeClr>
+                </a:solidFill>
+                <a:latin typeface="Abadi (Body)"/>
+                <a:ea typeface="微软雅黑"/>
+                <a:cs typeface="Posterama" panose="020B0504020200020000" pitchFamily="34" charset="0"/>
+              </a:rPr>
+              <a:t>Shapley</a:t>
+            </a:r>
+          </a:p>
+        </p:txBody>
+      </p:sp>
+      <p:sp>
+        <p:nvSpPr>
+          <p:cNvPr id="39" name="TextBox 38">
+            <a:extLst>
+              <a:ext uri="{FF2B5EF4-FFF2-40B4-BE49-F238E27FC236}">
+                <a16:creationId xmlns:a16="http://schemas.microsoft.com/office/drawing/2014/main" id="{BECA2DAD-F87B-446D-AA1F-2550B0C88001}"/>
+              </a:ext>
+            </a:extLst>
+          </p:cNvPr>
+          <p:cNvSpPr txBox="1"/>
+          <p:nvPr/>
+        </p:nvSpPr>
+        <p:spPr>
+          <a:xfrm>
+            <a:off x="3979477" y="6208629"/>
+            <a:ext cx="1406839" cy="253916"/>
+          </a:xfrm>
+          <a:prstGeom prst="rect">
+            <a:avLst/>
+          </a:prstGeom>
+        </p:spPr>
+        <p:txBody>
+          <a:bodyPr wrap="square" rtlCol="0">
+            <a:spAutoFit/>
+          </a:bodyPr>
+          <a:lstStyle/>
+          <a:p>
+            <a:pPr marL="0" indent="0" algn="ctr">
+              <a:lnSpc>
+                <a:spcPct val="100000"/>
+              </a:lnSpc>
+              <a:spcBef>
+                <a:spcPts val="0"/>
+              </a:spcBef>
+              <a:buFontTx/>
+              <a:buNone/>
+            </a:pPr>
+            <a:r>
+              <a:rPr lang="en-US" sz="1050" dirty="0">
+                <a:solidFill>
+                  <a:schemeClr val="tx1">
+                    <a:lumMod val="75000"/>
+                    <a:lumOff val="25000"/>
+                  </a:schemeClr>
+                </a:solidFill>
+                <a:latin typeface="Abadi (Body)"/>
+                <a:ea typeface="微软雅黑"/>
+                <a:cs typeface="Posterama" panose="020B0504020200020000" pitchFamily="34" charset="0"/>
+              </a:rPr>
+              <a:t>Randomized search</a:t>
+            </a:r>
+          </a:p>
+        </p:txBody>
+      </p:sp>
+      <p:sp>
+        <p:nvSpPr>
+          <p:cNvPr id="41" name="TextBox 40">
+            <a:extLst>
+              <a:ext uri="{FF2B5EF4-FFF2-40B4-BE49-F238E27FC236}">
+                <a16:creationId xmlns:a16="http://schemas.microsoft.com/office/drawing/2014/main" id="{8D04B76F-A437-4DEA-AA05-0F4FCEDACE3B}"/>
+              </a:ext>
+            </a:extLst>
+          </p:cNvPr>
+          <p:cNvSpPr txBox="1"/>
+          <p:nvPr/>
+        </p:nvSpPr>
+        <p:spPr>
+          <a:xfrm>
+            <a:off x="4226483" y="5071975"/>
+            <a:ext cx="1170414" cy="253916"/>
+          </a:xfrm>
+          <a:prstGeom prst="rect">
+            <a:avLst/>
+          </a:prstGeom>
+        </p:spPr>
+        <p:txBody>
+          <a:bodyPr wrap="square" rtlCol="0">
+            <a:spAutoFit/>
+          </a:bodyPr>
+          <a:lstStyle/>
+          <a:p>
+            <a:pPr marL="0" indent="0" algn="ctr">
+              <a:lnSpc>
+                <a:spcPct val="100000"/>
+              </a:lnSpc>
+              <a:spcBef>
+                <a:spcPts val="0"/>
+              </a:spcBef>
+              <a:buFontTx/>
+              <a:buNone/>
+            </a:pPr>
+            <a:r>
+              <a:rPr lang="en-US" sz="1050" dirty="0">
+                <a:solidFill>
+                  <a:schemeClr val="tx1">
+                    <a:lumMod val="75000"/>
+                    <a:lumOff val="25000"/>
+                  </a:schemeClr>
+                </a:solidFill>
+                <a:latin typeface="Abadi (Body)"/>
+                <a:ea typeface="微软雅黑"/>
+                <a:cs typeface="Posterama" panose="020B0504020200020000" pitchFamily="34" charset="0"/>
+              </a:rPr>
+              <a:t>Threshold tuning</a:t>
+            </a:r>
+          </a:p>
+        </p:txBody>
+      </p:sp>
+      <p:cxnSp>
+        <p:nvCxnSpPr>
+          <p:cNvPr id="42" name="Straight Connector 41">
+            <a:extLst>
+              <a:ext uri="{FF2B5EF4-FFF2-40B4-BE49-F238E27FC236}">
+                <a16:creationId xmlns:a16="http://schemas.microsoft.com/office/drawing/2014/main" id="{87E9F114-A71F-460A-BD9B-930A13E7EBBF}"/>
+              </a:ext>
+            </a:extLst>
+          </p:cNvPr>
+          <p:cNvCxnSpPr>
+            <a:cxnSpLocks/>
+          </p:cNvCxnSpPr>
+          <p:nvPr/>
+        </p:nvCxnSpPr>
+        <p:spPr>
+          <a:xfrm>
+            <a:off x="6780970" y="4220569"/>
+            <a:ext cx="0" cy="2147281"/>
+          </a:xfrm>
+          <a:prstGeom prst="line">
+            <a:avLst/>
+          </a:prstGeom>
+          <a:ln w="19050">
+            <a:solidFill>
+              <a:schemeClr val="bg1">
+                <a:lumMod val="50000"/>
+              </a:schemeClr>
+            </a:solidFill>
+          </a:ln>
+        </p:spPr>
+        <p:style>
+          <a:lnRef idx="1">
+            <a:schemeClr val="accent1"/>
+          </a:lnRef>
+          <a:fillRef idx="0">
+            <a:schemeClr val="accent1"/>
+          </a:fillRef>
+          <a:effectRef idx="0">
+            <a:schemeClr val="accent1"/>
+          </a:effectRef>
+          <a:fontRef idx="minor">
+            <a:schemeClr val="tx1"/>
+          </a:fontRef>
+        </p:style>
+      </p:cxnSp>
+      <p:sp>
+        <p:nvSpPr>
+          <p:cNvPr id="43" name="Title 6">
+            <a:extLst>
+              <a:ext uri="{FF2B5EF4-FFF2-40B4-BE49-F238E27FC236}">
+                <a16:creationId xmlns:a16="http://schemas.microsoft.com/office/drawing/2014/main" id="{5A824FAC-E619-4932-BC76-534F2793B5FF}"/>
+              </a:ext>
+            </a:extLst>
+          </p:cNvPr>
+          <p:cNvSpPr txBox="1">
+            <a:spLocks/>
+          </p:cNvSpPr>
+          <p:nvPr/>
+        </p:nvSpPr>
+        <p:spPr>
+          <a:xfrm>
+            <a:off x="6927348" y="4153900"/>
+            <a:ext cx="1958319" cy="391629"/>
+          </a:xfrm>
+          <a:prstGeom prst="rect">
+            <a:avLst/>
+          </a:prstGeom>
+        </p:spPr>
+        <p:txBody>
+          <a:bodyPr vert="horz" lIns="91440" tIns="45720" rIns="91440" bIns="45720" rtlCol="0" anchor="t">
+            <a:noAutofit/>
+          </a:bodyPr>
+          <a:lstStyle>
+            <a:lvl1pPr algn="l" defTabSz="914400" rtl="0" eaLnBrk="1" latinLnBrk="0" hangingPunct="1">
+              <a:lnSpc>
+                <a:spcPct val="90000"/>
+              </a:lnSpc>
+              <a:spcBef>
+                <a:spcPct val="0"/>
+              </a:spcBef>
+              <a:buNone/>
+              <a:defRPr sz="4400" b="1" kern="1200">
+                <a:solidFill>
+                  <a:schemeClr val="accent6"/>
+                </a:solidFill>
+                <a:latin typeface="+mj-lt"/>
+                <a:ea typeface="+mj-ea"/>
+                <a:cs typeface="+mj-cs"/>
+              </a:defRPr>
+            </a:lvl1pPr>
+          </a:lstStyle>
+          <a:p>
+            <a:r>
+              <a:rPr lang="en-US" sz="2000" dirty="0"/>
+              <a:t>Business impact</a:t>
+            </a:r>
+            <a:endParaRPr lang="en-US" altLang="zh-CN" sz="2000" dirty="0"/>
+          </a:p>
+        </p:txBody>
+      </p:sp>
+      <p:pic>
+        <p:nvPicPr>
+          <p:cNvPr id="1042" name="Picture 18" descr="10 Ways Business Systems &quot;Directly&quot; Increase Profit!">
+            <a:extLst>
+              <a:ext uri="{FF2B5EF4-FFF2-40B4-BE49-F238E27FC236}">
+                <a16:creationId xmlns:a16="http://schemas.microsoft.com/office/drawing/2014/main" id="{5025DDFB-A86A-4133-8DDB-6EE142415A72}"/>
+              </a:ext>
+            </a:extLst>
+          </p:cNvPr>
+          <p:cNvPicPr>
+            <a:picLocks noChangeAspect="1" noChangeArrowheads="1"/>
+          </p:cNvPicPr>
+          <p:nvPr/>
+        </p:nvPicPr>
+        <p:blipFill>
+          <a:blip r:embed="rId10">
+            <a:extLst>
+              <a:ext uri="{28A0092B-C50C-407E-A947-70E740481C1C}">
+                <a14:useLocalDpi xmlns:a14="http://schemas.microsoft.com/office/drawing/2010/main" val="0"/>
+              </a:ext>
+            </a:extLst>
+          </a:blip>
+          <a:srcRect/>
+          <a:stretch>
+            <a:fillRect/>
+          </a:stretch>
+        </p:blipFill>
+        <p:spPr bwMode="auto">
+          <a:xfrm>
+            <a:off x="7075445" y="4779625"/>
+            <a:ext cx="1008556" cy="1028727"/>
+          </a:xfrm>
+          <a:prstGeom prst="rect">
+            <a:avLst/>
+          </a:prstGeom>
+          <a:noFill/>
+          <a:extLst>
+            <a:ext uri="{909E8E84-426E-40DD-AFC4-6F175D3DCCD1}">
+              <a14:hiddenFill xmlns:a14="http://schemas.microsoft.com/office/drawing/2010/main">
+                <a:solidFill>
+                  <a:srgbClr val="FFFFFF"/>
+                </a:solidFill>
+              </a14:hiddenFill>
+            </a:ext>
+          </a:extLst>
+        </p:spPr>
+      </p:pic>
+      <p:sp>
+        <p:nvSpPr>
+          <p:cNvPr id="45" name="TextBox 44">
+            <a:extLst>
+              <a:ext uri="{FF2B5EF4-FFF2-40B4-BE49-F238E27FC236}">
+                <a16:creationId xmlns:a16="http://schemas.microsoft.com/office/drawing/2014/main" id="{9703D71F-0451-45B0-86E8-419BB6A294CD}"/>
+              </a:ext>
+            </a:extLst>
+          </p:cNvPr>
+          <p:cNvSpPr txBox="1"/>
+          <p:nvPr/>
+        </p:nvSpPr>
+        <p:spPr>
+          <a:xfrm>
+            <a:off x="8154726" y="4868714"/>
+            <a:ext cx="2200837" cy="900246"/>
+          </a:xfrm>
+          <a:prstGeom prst="rect">
+            <a:avLst/>
+          </a:prstGeom>
+        </p:spPr>
+        <p:txBody>
+          <a:bodyPr wrap="square" rtlCol="0">
+            <a:spAutoFit/>
+          </a:bodyPr>
+          <a:lstStyle/>
+          <a:p>
+            <a:pPr marL="0" indent="0">
+              <a:lnSpc>
+                <a:spcPct val="100000"/>
+              </a:lnSpc>
+              <a:spcBef>
+                <a:spcPts val="0"/>
+              </a:spcBef>
+              <a:buFontTx/>
+              <a:buNone/>
+            </a:pPr>
+            <a:r>
+              <a:rPr lang="en-US" sz="1050" dirty="0">
+                <a:solidFill>
+                  <a:schemeClr val="tx1">
+                    <a:lumMod val="75000"/>
+                    <a:lumOff val="25000"/>
+                  </a:schemeClr>
+                </a:solidFill>
+                <a:latin typeface="Abadi (Body)"/>
+                <a:ea typeface="微软雅黑"/>
+                <a:cs typeface="Posterama" panose="020B0504020200020000" pitchFamily="34" charset="0"/>
+              </a:rPr>
+              <a:t>The model improved revenue by </a:t>
+            </a:r>
+            <a:r>
+              <a:rPr lang="en-US" sz="1050" dirty="0">
+                <a:solidFill>
+                  <a:srgbClr val="FF0000"/>
+                </a:solidFill>
+                <a:latin typeface="Abadi (Body)"/>
+                <a:ea typeface="微软雅黑"/>
+                <a:cs typeface="Posterama" panose="020B0504020200020000" pitchFamily="34" charset="0"/>
+              </a:rPr>
+              <a:t>164.24%</a:t>
+            </a:r>
+            <a:r>
+              <a:rPr lang="en-US" sz="1050" dirty="0">
+                <a:solidFill>
+                  <a:schemeClr val="tx1">
+                    <a:lumMod val="75000"/>
+                    <a:lumOff val="25000"/>
+                  </a:schemeClr>
+                </a:solidFill>
+                <a:latin typeface="Abadi (Body)"/>
+                <a:ea typeface="微软雅黑"/>
+                <a:cs typeface="Posterama" panose="020B0504020200020000" pitchFamily="34" charset="0"/>
+              </a:rPr>
+              <a:t> compared to the 'do nothing' program and by </a:t>
+            </a:r>
+            <a:r>
+              <a:rPr lang="en-US" sz="1050" dirty="0">
+                <a:solidFill>
+                  <a:srgbClr val="FF0000"/>
+                </a:solidFill>
+                <a:latin typeface="Abadi (Body)"/>
+                <a:ea typeface="微软雅黑"/>
+                <a:cs typeface="Posterama" panose="020B0504020200020000" pitchFamily="34" charset="0"/>
+              </a:rPr>
+              <a:t>44.51% </a:t>
+            </a:r>
+            <a:r>
+              <a:rPr lang="en-US" sz="1050" dirty="0">
+                <a:solidFill>
+                  <a:schemeClr val="tx1">
+                    <a:lumMod val="75000"/>
+                    <a:lumOff val="25000"/>
+                  </a:schemeClr>
+                </a:solidFill>
+                <a:latin typeface="Abadi (Body)"/>
+                <a:ea typeface="微软雅黑"/>
+                <a:cs typeface="Posterama" panose="020B0504020200020000" pitchFamily="34" charset="0"/>
+              </a:rPr>
+              <a:t>compared to the 'retain all' program.</a:t>
+            </a:r>
+          </a:p>
+        </p:txBody>
+      </p:sp>
+      <p:pic>
+        <p:nvPicPr>
+          <p:cNvPr id="1044" name="Picture 20" descr="DIGI">
+            <a:extLst>
+              <a:ext uri="{FF2B5EF4-FFF2-40B4-BE49-F238E27FC236}">
+                <a16:creationId xmlns:a16="http://schemas.microsoft.com/office/drawing/2014/main" id="{9A2B5B1C-E277-46E3-8292-9D9176958F87}"/>
+              </a:ext>
+            </a:extLst>
+          </p:cNvPr>
+          <p:cNvPicPr>
+            <a:picLocks noChangeAspect="1" noChangeArrowheads="1"/>
+          </p:cNvPicPr>
+          <p:nvPr/>
+        </p:nvPicPr>
+        <p:blipFill>
+          <a:blip r:embed="rId11">
+            <a:extLst>
+              <a:ext uri="{28A0092B-C50C-407E-A947-70E740481C1C}">
+                <a14:useLocalDpi xmlns:a14="http://schemas.microsoft.com/office/drawing/2010/main" val="0"/>
+              </a:ext>
+            </a:extLst>
+          </a:blip>
+          <a:srcRect/>
+          <a:stretch>
+            <a:fillRect/>
+          </a:stretch>
+        </p:blipFill>
+        <p:spPr bwMode="auto">
+          <a:xfrm>
+            <a:off x="509282" y="5776684"/>
+            <a:ext cx="901812" cy="364600"/>
+          </a:xfrm>
+          <a:prstGeom prst="rect">
+            <a:avLst/>
+          </a:prstGeom>
+          <a:noFill/>
+          <a:extLst>
+            <a:ext uri="{909E8E84-426E-40DD-AFC4-6F175D3DCCD1}">
+              <a14:hiddenFill xmlns:a14="http://schemas.microsoft.com/office/drawing/2010/main">
+                <a:solidFill>
+                  <a:srgbClr val="FFFFFF"/>
+                </a:solidFill>
+              </a14:hiddenFill>
+            </a:ext>
+          </a:extLst>
+        </p:spPr>
+      </p:pic>
+      <p:pic>
+        <p:nvPicPr>
+          <p:cNvPr id="2" name="Picture 2" descr="Imbalance dataset: Test and validate resampled tabular data">
+            <a:extLst>
+              <a:ext uri="{FF2B5EF4-FFF2-40B4-BE49-F238E27FC236}">
+                <a16:creationId xmlns:a16="http://schemas.microsoft.com/office/drawing/2014/main" id="{2EDCFD26-8FA4-4228-BB65-BA7436B2F817}"/>
+              </a:ext>
+            </a:extLst>
+          </p:cNvPr>
+          <p:cNvPicPr>
+            <a:picLocks noChangeAspect="1" noChangeArrowheads="1"/>
+          </p:cNvPicPr>
+          <p:nvPr/>
+        </p:nvPicPr>
+        <p:blipFill>
+          <a:blip r:embed="rId12">
+            <a:extLst>
+              <a:ext uri="{28A0092B-C50C-407E-A947-70E740481C1C}">
+                <a14:useLocalDpi xmlns:a14="http://schemas.microsoft.com/office/drawing/2010/main" val="0"/>
+              </a:ext>
+            </a:extLst>
+          </a:blip>
+          <a:srcRect/>
+          <a:stretch>
+            <a:fillRect/>
+          </a:stretch>
+        </p:blipFill>
+        <p:spPr bwMode="auto">
+          <a:xfrm flipH="1">
+            <a:off x="5474060" y="5019764"/>
+            <a:ext cx="1106928" cy="716716"/>
+          </a:xfrm>
+          <a:prstGeom prst="rect">
+            <a:avLst/>
+          </a:prstGeom>
+          <a:noFill/>
+          <a:extLst>
+            <a:ext uri="{909E8E84-426E-40DD-AFC4-6F175D3DCCD1}">
+              <a14:hiddenFill xmlns:a14="http://schemas.microsoft.com/office/drawing/2010/main">
+                <a:solidFill>
+                  <a:srgbClr val="FFFFFF"/>
+                </a:solidFill>
+              </a14:hiddenFill>
+            </a:ext>
+          </a:extLst>
+        </p:spPr>
+      </p:pic>
+      <p:sp>
+        <p:nvSpPr>
+          <p:cNvPr id="32" name="TextBox 31">
+            <a:extLst>
+              <a:ext uri="{FF2B5EF4-FFF2-40B4-BE49-F238E27FC236}">
+                <a16:creationId xmlns:a16="http://schemas.microsoft.com/office/drawing/2014/main" id="{01F053A5-F1F9-4B42-9E5C-398BEFFA0272}"/>
+              </a:ext>
+            </a:extLst>
+          </p:cNvPr>
+          <p:cNvSpPr txBox="1"/>
+          <p:nvPr/>
+        </p:nvSpPr>
+        <p:spPr>
+          <a:xfrm>
+            <a:off x="5303406" y="5732219"/>
+            <a:ext cx="1406839" cy="577081"/>
+          </a:xfrm>
+          <a:prstGeom prst="rect">
+            <a:avLst/>
+          </a:prstGeom>
+        </p:spPr>
+        <p:txBody>
+          <a:bodyPr wrap="square" rtlCol="0">
+            <a:spAutoFit/>
+          </a:bodyPr>
+          <a:lstStyle/>
+          <a:p>
+            <a:pPr marL="0" indent="0" algn="ctr">
+              <a:lnSpc>
+                <a:spcPct val="100000"/>
+              </a:lnSpc>
+              <a:spcBef>
+                <a:spcPts val="0"/>
+              </a:spcBef>
+              <a:buFontTx/>
+              <a:buNone/>
+            </a:pPr>
+            <a:r>
+              <a:rPr lang="en-US" sz="1050" dirty="0">
+                <a:solidFill>
+                  <a:schemeClr val="tx1">
+                    <a:lumMod val="75000"/>
+                    <a:lumOff val="25000"/>
+                  </a:schemeClr>
+                </a:solidFill>
+                <a:latin typeface="Abadi (Body)"/>
+                <a:ea typeface="微软雅黑"/>
+                <a:cs typeface="Posterama" panose="020B0504020200020000" pitchFamily="34" charset="0"/>
+              </a:rPr>
+              <a:t>Resampling</a:t>
+            </a:r>
+            <a:br>
+              <a:rPr lang="en-US" sz="1050" dirty="0">
+                <a:solidFill>
+                  <a:schemeClr val="tx1">
+                    <a:lumMod val="75000"/>
+                    <a:lumOff val="25000"/>
+                  </a:schemeClr>
+                </a:solidFill>
+                <a:latin typeface="Abadi (Body)"/>
+                <a:ea typeface="微软雅黑"/>
+                <a:cs typeface="Posterama" panose="020B0504020200020000" pitchFamily="34" charset="0"/>
+              </a:rPr>
+            </a:br>
+            <a:r>
+              <a:rPr lang="en-US" sz="1050" dirty="0">
+                <a:solidFill>
+                  <a:schemeClr val="tx1">
+                    <a:lumMod val="75000"/>
+                    <a:lumOff val="25000"/>
+                  </a:schemeClr>
+                </a:solidFill>
+                <a:latin typeface="Abadi (Body)"/>
+                <a:ea typeface="微软雅黑"/>
+                <a:cs typeface="Posterama" panose="020B0504020200020000" pitchFamily="34" charset="0"/>
+              </a:rPr>
+              <a:t>(SMOTE, ADASYN, Under sampling)</a:t>
+            </a:r>
+          </a:p>
+        </p:txBody>
+      </p:sp>
+    </p:spTree>
+    <p:extLst>
+      <p:ext uri="{BB962C8B-B14F-4D97-AF65-F5344CB8AC3E}">
+        <p14:creationId xmlns:p14="http://schemas.microsoft.com/office/powerpoint/2010/main" val="3806483560"/>
+      </p:ext>
+    </p:extLst>
+  </p:cSld>
+  <p:clrMapOvr>
+    <a:masterClrMapping/>
+  </p:clrMapOvr>
+</p:sld>
+</file>
+
+<file path=ppt/slides/slide20.xml><?xml version="1.0" encoding="utf-8"?>
+<p:sld xmlns:a="http://schemas.openxmlformats.org/drawingml/2006/main" xmlns:r="http://schemas.openxmlformats.org/officeDocument/2006/relationships" xmlns:p="http://schemas.openxmlformats.org/presentationml/2006/main">
+  <p:cSld>
+    <p:spTree>
+      <p:nvGrpSpPr>
+        <p:cNvPr id="1" name=""/>
+        <p:cNvGrpSpPr/>
+        <p:nvPr/>
+      </p:nvGrpSpPr>
+      <p:grpSpPr>
+        <a:xfrm>
+          <a:off x="0" y="0"/>
+          <a:ext cx="0" cy="0"/>
+          <a:chOff x="0" y="0"/>
+          <a:chExt cx="0" cy="0"/>
+        </a:xfrm>
+      </p:grpSpPr>
+      <p:sp>
+        <p:nvSpPr>
+          <p:cNvPr id="7" name="Slide Number Placeholder 6">
+            <a:extLst>
+              <a:ext uri="{FF2B5EF4-FFF2-40B4-BE49-F238E27FC236}">
+                <a16:creationId xmlns:a16="http://schemas.microsoft.com/office/drawing/2014/main" id="{8EA25C86-7BE3-4BC6-C0B8-7F7D7C3EC286}"/>
+              </a:ext>
+            </a:extLst>
+          </p:cNvPr>
+          <p:cNvSpPr>
+            <a:spLocks noGrp="1"/>
+          </p:cNvSpPr>
+          <p:nvPr>
+            <p:ph type="sldNum" sz="quarter" idx="29"/>
+          </p:nvPr>
+        </p:nvSpPr>
+        <p:spPr/>
+        <p:txBody>
+          <a:bodyPr/>
+          <a:lstStyle/>
+          <a:p>
+            <a:fld id="{47FEACEE-25B4-4A2D-B147-27296E36371D}" type="slidenum">
+              <a:rPr lang="en-US" altLang="zh-CN" smtClean="0"/>
+              <a:pPr/>
+              <a:t>20</a:t>
+            </a:fld>
+            <a:endParaRPr lang="en-US" altLang="zh-CN" dirty="0"/>
+          </a:p>
+        </p:txBody>
+      </p:sp>
+      <p:sp>
+        <p:nvSpPr>
+          <p:cNvPr id="16" name="Rectangle 15">
+            <a:extLst>
+              <a:ext uri="{FF2B5EF4-FFF2-40B4-BE49-F238E27FC236}">
+                <a16:creationId xmlns:a16="http://schemas.microsoft.com/office/drawing/2014/main" id="{B04CA16E-B9F2-4674-9F30-FFB20D731855}"/>
+              </a:ext>
+            </a:extLst>
+          </p:cNvPr>
+          <p:cNvSpPr/>
+          <p:nvPr/>
+        </p:nvSpPr>
+        <p:spPr>
+          <a:xfrm>
+            <a:off x="670486" y="994296"/>
+            <a:ext cx="6733490" cy="75463"/>
+          </a:xfrm>
+          <a:prstGeom prst="rect">
+            <a:avLst/>
+          </a:prstGeom>
+          <a:gradFill flip="none" rotWithShape="1">
+            <a:gsLst>
+              <a:gs pos="0">
+                <a:schemeClr val="accent4">
+                  <a:tint val="66000"/>
+                  <a:satMod val="160000"/>
+                </a:schemeClr>
+              </a:gs>
+              <a:gs pos="29000">
+                <a:schemeClr val="accent4">
+                  <a:tint val="44500"/>
+                  <a:satMod val="160000"/>
+                </a:schemeClr>
+              </a:gs>
+              <a:gs pos="95575">
+                <a:srgbClr val="F8F6F5"/>
+              </a:gs>
+              <a:gs pos="55000">
+                <a:schemeClr val="accent4">
+                  <a:tint val="23500"/>
+                  <a:satMod val="160000"/>
+                </a:schemeClr>
+              </a:gs>
+            </a:gsLst>
+            <a:path path="circle">
+              <a:fillToRect t="100000" r="100000"/>
+            </a:path>
+            <a:tileRect l="-100000" b="-100000"/>
+          </a:gradFill>
+          <a:ln>
+            <a:noFill/>
+          </a:ln>
+        </p:spPr>
+        <p:style>
+          <a:lnRef idx="2">
+            <a:schemeClr val="accent4">
+              <a:shade val="50000"/>
+            </a:schemeClr>
+          </a:lnRef>
+          <a:fillRef idx="1">
+            <a:schemeClr val="accent4"/>
+          </a:fillRef>
+          <a:effectRef idx="0">
+            <a:schemeClr val="accent4"/>
+          </a:effectRef>
+          <a:fontRef idx="minor">
+            <a:schemeClr val="lt1"/>
+          </a:fontRef>
+        </p:style>
+        <p:txBody>
+          <a:bodyPr rtlCol="0" anchor="ctr"/>
+          <a:lstStyle/>
+          <a:p>
+            <a:pPr algn="ctr"/>
+            <a:endParaRPr lang="en-US" dirty="0"/>
+          </a:p>
+        </p:txBody>
+      </p:sp>
+      <p:sp>
+        <p:nvSpPr>
+          <p:cNvPr id="11" name="Footer Placeholder 4">
+            <a:extLst>
+              <a:ext uri="{FF2B5EF4-FFF2-40B4-BE49-F238E27FC236}">
+                <a16:creationId xmlns:a16="http://schemas.microsoft.com/office/drawing/2014/main" id="{AC203E99-9D2D-42B0-AC30-85691E499597}"/>
+              </a:ext>
+            </a:extLst>
+          </p:cNvPr>
+          <p:cNvSpPr txBox="1">
+            <a:spLocks/>
+          </p:cNvSpPr>
+          <p:nvPr/>
+        </p:nvSpPr>
+        <p:spPr>
+          <a:xfrm>
+            <a:off x="8620218" y="6256093"/>
+            <a:ext cx="2573952" cy="288777"/>
+          </a:xfrm>
+          <a:prstGeom prst="rect">
+            <a:avLst/>
+          </a:prstGeom>
+        </p:spPr>
+        <p:txBody>
+          <a:bodyPr vert="horz" lIns="91440" tIns="45720" rIns="91440" bIns="45720" rtlCol="0">
+            <a:noAutofit/>
+          </a:bodyPr>
+          <a:lstStyle>
+            <a:lvl1pPr marL="228600" indent="-228600" algn="l" defTabSz="914400" rtl="0" eaLnBrk="1" latinLnBrk="0" hangingPunct="1">
+              <a:lnSpc>
+                <a:spcPct val="100000"/>
+              </a:lnSpc>
+              <a:spcBef>
+                <a:spcPts val="0"/>
+              </a:spcBef>
+              <a:spcAft>
+                <a:spcPts val="600"/>
+              </a:spcAft>
+              <a:buFont typeface="Arial" panose="020B0604020202020204" pitchFamily="34" charset="0"/>
+              <a:buChar char="•"/>
+              <a:defRPr sz="1400" b="0" kern="1200">
+                <a:solidFill>
+                  <a:schemeClr val="accent6"/>
+                </a:solidFill>
+                <a:latin typeface="+mn-lt"/>
+                <a:ea typeface="+mn-ea"/>
+                <a:cs typeface="+mn-cs"/>
+              </a:defRPr>
+            </a:lvl1pPr>
+            <a:lvl2pPr marL="685800" indent="-228600" algn="l" defTabSz="914400" rtl="0" eaLnBrk="1" latinLnBrk="0" hangingPunct="1">
+              <a:lnSpc>
+                <a:spcPct val="90000"/>
+              </a:lnSpc>
+              <a:spcBef>
+                <a:spcPts val="500"/>
+              </a:spcBef>
+              <a:buFont typeface="Arial" panose="020B0604020202020204" pitchFamily="34" charset="0"/>
+              <a:buChar char="•"/>
+              <a:defRPr sz="1000" kern="1200">
+                <a:solidFill>
+                  <a:schemeClr val="accent6"/>
+                </a:solidFill>
+                <a:latin typeface="+mn-lt"/>
+                <a:ea typeface="+mn-ea"/>
+                <a:cs typeface="+mn-cs"/>
+              </a:defRPr>
+            </a:lvl2pPr>
+            <a:lvl3pPr marL="1143000" indent="-228600" algn="l" defTabSz="914400" rtl="0" eaLnBrk="1" latinLnBrk="0" hangingPunct="1">
+              <a:lnSpc>
+                <a:spcPct val="90000"/>
+              </a:lnSpc>
+              <a:spcBef>
+                <a:spcPts val="500"/>
+              </a:spcBef>
+              <a:buFont typeface="Arial" panose="020B0604020202020204" pitchFamily="34" charset="0"/>
+              <a:buChar char="•"/>
+              <a:defRPr sz="900" kern="1200">
+                <a:solidFill>
+                  <a:schemeClr val="accent6"/>
+                </a:solidFill>
+                <a:latin typeface="+mn-lt"/>
+                <a:ea typeface="+mn-ea"/>
+                <a:cs typeface="+mn-cs"/>
+              </a:defRPr>
+            </a:lvl3pPr>
+            <a:lvl4pPr marL="1600200" indent="-228600" algn="l" defTabSz="914400" rtl="0" eaLnBrk="1" latinLnBrk="0" hangingPunct="1">
+              <a:lnSpc>
+                <a:spcPct val="90000"/>
+              </a:lnSpc>
+              <a:spcBef>
+                <a:spcPts val="500"/>
+              </a:spcBef>
+              <a:buFont typeface="Arial" panose="020B0604020202020204" pitchFamily="34" charset="0"/>
+              <a:buChar char="•"/>
+              <a:defRPr sz="800" kern="1200">
+                <a:solidFill>
+                  <a:schemeClr val="accent6"/>
+                </a:solidFill>
+                <a:latin typeface="+mn-lt"/>
+                <a:ea typeface="+mn-ea"/>
+                <a:cs typeface="+mn-cs"/>
+              </a:defRPr>
+            </a:lvl4pPr>
+            <a:lvl5pPr marL="2057400" indent="-228600" algn="l" defTabSz="914400" rtl="0" eaLnBrk="1" latinLnBrk="0" hangingPunct="1">
+              <a:lnSpc>
+                <a:spcPct val="90000"/>
+              </a:lnSpc>
+              <a:spcBef>
+                <a:spcPts val="500"/>
+              </a:spcBef>
+              <a:buFont typeface="Arial" panose="020B0604020202020204" pitchFamily="34" charset="0"/>
+              <a:buChar char="•"/>
+              <a:defRPr sz="800" kern="1200">
+                <a:solidFill>
+                  <a:schemeClr val="accent6"/>
+                </a:solidFill>
+                <a:latin typeface="+mn-lt"/>
+                <a:ea typeface="+mn-ea"/>
+                <a:cs typeface="+mn-cs"/>
+              </a:defRPr>
+            </a:lvl5pPr>
+            <a:lvl6pPr marL="2514600" indent="-228600" algn="l" defTabSz="914400" rtl="0" eaLnBrk="1" latinLnBrk="0" hangingPunct="1">
+              <a:lnSpc>
+                <a:spcPct val="90000"/>
+              </a:lnSpc>
+              <a:spcBef>
+                <a:spcPts val="500"/>
+              </a:spcBef>
+              <a:buFont typeface="Arial" panose="020B0604020202020204" pitchFamily="34" charset="0"/>
+              <a:buChar char="•"/>
+              <a:defRPr sz="1800" kern="1200">
+                <a:solidFill>
+                  <a:schemeClr val="tx1"/>
+                </a:solidFill>
+                <a:latin typeface="+mn-lt"/>
+                <a:ea typeface="+mn-ea"/>
+                <a:cs typeface="+mn-cs"/>
+              </a:defRPr>
+            </a:lvl6pPr>
+            <a:lvl7pPr marL="2971800" indent="-228600" algn="l" defTabSz="914400" rtl="0" eaLnBrk="1" latinLnBrk="0" hangingPunct="1">
+              <a:lnSpc>
+                <a:spcPct val="90000"/>
+              </a:lnSpc>
+              <a:spcBef>
+                <a:spcPts val="500"/>
+              </a:spcBef>
+              <a:buFont typeface="Arial" panose="020B0604020202020204" pitchFamily="34" charset="0"/>
+              <a:buChar char="•"/>
+              <a:defRPr sz="1800" kern="1200">
+                <a:solidFill>
+                  <a:schemeClr val="tx1"/>
+                </a:solidFill>
+                <a:latin typeface="+mn-lt"/>
+                <a:ea typeface="+mn-ea"/>
+                <a:cs typeface="+mn-cs"/>
+              </a:defRPr>
+            </a:lvl7pPr>
+            <a:lvl8pPr marL="3429000" indent="-228600" algn="l" defTabSz="914400" rtl="0" eaLnBrk="1" latinLnBrk="0" hangingPunct="1">
+              <a:lnSpc>
+                <a:spcPct val="90000"/>
+              </a:lnSpc>
+              <a:spcBef>
+                <a:spcPts val="500"/>
+              </a:spcBef>
+              <a:buFont typeface="Arial" panose="020B0604020202020204" pitchFamily="34" charset="0"/>
+              <a:buChar char="•"/>
+              <a:defRPr sz="1800" kern="1200">
+                <a:solidFill>
+                  <a:schemeClr val="tx1"/>
+                </a:solidFill>
+                <a:latin typeface="+mn-lt"/>
+                <a:ea typeface="+mn-ea"/>
+                <a:cs typeface="+mn-cs"/>
+              </a:defRPr>
+            </a:lvl8pPr>
+            <a:lvl9pPr marL="3886200" indent="-228600" algn="l" defTabSz="914400" rtl="0" eaLnBrk="1" latinLnBrk="0" hangingPunct="1">
+              <a:lnSpc>
+                <a:spcPct val="90000"/>
+              </a:lnSpc>
+              <a:spcBef>
+                <a:spcPts val="500"/>
+              </a:spcBef>
+              <a:buFont typeface="Arial" panose="020B0604020202020204" pitchFamily="34" charset="0"/>
+              <a:buChar char="•"/>
+              <a:defRPr sz="1800" kern="1200">
+                <a:solidFill>
+                  <a:schemeClr val="tx1"/>
+                </a:solidFill>
+                <a:latin typeface="+mn-lt"/>
+                <a:ea typeface="+mn-ea"/>
+                <a:cs typeface="+mn-cs"/>
+              </a:defRPr>
+            </a:lvl9pPr>
+          </a:lstStyle>
+          <a:p>
+            <a:pPr marL="0" indent="0">
+              <a:buNone/>
+            </a:pPr>
+            <a:r>
+              <a:rPr lang="en-US" altLang="zh-CN" sz="1200" dirty="0"/>
+              <a:t>TELCO CHURN PREDICTION MODEL</a:t>
+            </a:r>
+            <a:endParaRPr lang="en-US" dirty="0"/>
+          </a:p>
+        </p:txBody>
+      </p:sp>
+      <p:sp>
+        <p:nvSpPr>
+          <p:cNvPr id="9" name="Title 11">
+            <a:extLst>
+              <a:ext uri="{FF2B5EF4-FFF2-40B4-BE49-F238E27FC236}">
+                <a16:creationId xmlns:a16="http://schemas.microsoft.com/office/drawing/2014/main" id="{12B3B231-0114-4EB1-922C-ED78A5433B28}"/>
+              </a:ext>
+            </a:extLst>
+          </p:cNvPr>
+          <p:cNvSpPr>
+            <a:spLocks noGrp="1"/>
+          </p:cNvSpPr>
+          <p:nvPr>
+            <p:ph type="title"/>
+          </p:nvPr>
+        </p:nvSpPr>
+        <p:spPr>
+          <a:xfrm>
+            <a:off x="581709" y="274955"/>
+            <a:ext cx="5514291" cy="673368"/>
+          </a:xfrm>
+        </p:spPr>
+        <p:txBody>
+          <a:bodyPr/>
+          <a:lstStyle/>
+          <a:p>
+            <a:r>
+              <a:rPr lang="en-US" dirty="0"/>
+              <a:t>7. APPENDIX</a:t>
+            </a:r>
+          </a:p>
+        </p:txBody>
+      </p:sp>
+      <p:pic>
+        <p:nvPicPr>
+          <p:cNvPr id="6" name="Picture 5">
+            <a:extLst>
+              <a:ext uri="{FF2B5EF4-FFF2-40B4-BE49-F238E27FC236}">
+                <a16:creationId xmlns:a16="http://schemas.microsoft.com/office/drawing/2014/main" id="{3FAB8D71-1269-4C6A-BA5C-E2608A61D217}"/>
+              </a:ext>
+            </a:extLst>
+          </p:cNvPr>
+          <p:cNvPicPr>
+            <a:picLocks noChangeAspect="1"/>
+          </p:cNvPicPr>
+          <p:nvPr/>
+        </p:nvPicPr>
+        <p:blipFill>
+          <a:blip r:embed="rId3"/>
+          <a:stretch>
+            <a:fillRect/>
+          </a:stretch>
+        </p:blipFill>
+        <p:spPr>
+          <a:xfrm>
+            <a:off x="6805544" y="1968495"/>
+            <a:ext cx="5078602" cy="2613767"/>
           </a:xfrm>
           <a:prstGeom prst="rect">
             <a:avLst/>
@@ -31212,7 +34031,7 @@
 </p:sld>
 </file>
 
-<file path=ppt/slides/slide2.xml><?xml version="1.0" encoding="utf-8"?>
+<file path=ppt/slides/slide21.xml><?xml version="1.0" encoding="utf-8"?>
 <p:sld xmlns:a="http://schemas.openxmlformats.org/drawingml/2006/main" xmlns:r="http://schemas.openxmlformats.org/officeDocument/2006/relationships" xmlns:p="http://schemas.openxmlformats.org/presentationml/2006/main">
   <p:cSld>
     <p:spTree>
@@ -31229,649 +34048,12 @@
           <a:chExt cx="0" cy="0"/>
         </a:xfrm>
       </p:grpSpPr>
-      <p:pic>
-        <p:nvPicPr>
-          <p:cNvPr id="1040" name="Picture 16" descr="Optimal Threshold for Imbalanced Classification | by Audhi Aprilliant |  Towards Data Science">
+      <p:sp>
+        <p:nvSpPr>
+          <p:cNvPr id="7" name="Slide Number Placeholder 6">
             <a:extLst>
               <a:ext uri="{FF2B5EF4-FFF2-40B4-BE49-F238E27FC236}">
-                <a16:creationId xmlns:a16="http://schemas.microsoft.com/office/drawing/2014/main" id="{4FB49991-30FD-414F-8728-BDD3B4C9E85B}"/>
-              </a:ext>
-            </a:extLst>
-          </p:cNvPr>
-          <p:cNvPicPr>
-            <a:picLocks noChangeAspect="1" noChangeArrowheads="1"/>
-          </p:cNvPicPr>
-          <p:nvPr/>
-        </p:nvPicPr>
-        <p:blipFill>
-          <a:blip r:embed="rId3">
-            <a:extLst>
-              <a:ext uri="{28A0092B-C50C-407E-A947-70E740481C1C}">
-                <a14:useLocalDpi xmlns:a14="http://schemas.microsoft.com/office/drawing/2010/main" val="0"/>
-              </a:ext>
-            </a:extLst>
-          </a:blip>
-          <a:srcRect/>
-          <a:stretch>
-            <a:fillRect/>
-          </a:stretch>
-        </p:blipFill>
-        <p:spPr bwMode="auto">
-          <a:xfrm>
-            <a:off x="4109033" y="4338680"/>
-            <a:ext cx="1426435" cy="718580"/>
-          </a:xfrm>
-          <a:prstGeom prst="rect">
-            <a:avLst/>
-          </a:prstGeom>
-          <a:noFill/>
-          <a:extLst>
-            <a:ext uri="{909E8E84-426E-40DD-AFC4-6F175D3DCCD1}">
-              <a14:hiddenFill xmlns:a14="http://schemas.microsoft.com/office/drawing/2010/main">
-                <a:solidFill>
-                  <a:srgbClr val="FFFFFF"/>
-                </a:solidFill>
-              </a14:hiddenFill>
-            </a:ext>
-          </a:extLst>
-        </p:spPr>
-      </p:pic>
-      <p:sp>
-        <p:nvSpPr>
-          <p:cNvPr id="12" name="Title 11">
-            <a:extLst>
-              <a:ext uri="{FF2B5EF4-FFF2-40B4-BE49-F238E27FC236}">
-                <a16:creationId xmlns:a16="http://schemas.microsoft.com/office/drawing/2014/main" id="{C13DFCA2-73A5-40AB-BC3B-D2112116B16B}"/>
-              </a:ext>
-            </a:extLst>
-          </p:cNvPr>
-          <p:cNvSpPr>
-            <a:spLocks noGrp="1"/>
-          </p:cNvSpPr>
-          <p:nvPr>
-            <p:ph type="title"/>
-          </p:nvPr>
-        </p:nvSpPr>
-        <p:spPr>
-          <a:xfrm>
-            <a:off x="581709" y="274954"/>
-            <a:ext cx="8894800" cy="677005"/>
-          </a:xfrm>
-        </p:spPr>
-        <p:txBody>
-          <a:bodyPr/>
-          <a:lstStyle/>
-          <a:p>
-            <a:r>
-              <a:rPr lang="en-US" altLang="zh-CN" sz="4400" dirty="0"/>
-              <a:t>TELCO CHURN PREDICTION MODEL</a:t>
-            </a:r>
-            <a:endParaRPr lang="en-US" dirty="0"/>
-          </a:p>
-        </p:txBody>
-      </p:sp>
-      <p:sp>
-        <p:nvSpPr>
-          <p:cNvPr id="15" name="Rectangle 14">
-            <a:extLst>
-              <a:ext uri="{FF2B5EF4-FFF2-40B4-BE49-F238E27FC236}">
-                <a16:creationId xmlns:a16="http://schemas.microsoft.com/office/drawing/2014/main" id="{914ECE35-32BA-4639-BDC0-9F2838750170}"/>
-              </a:ext>
-            </a:extLst>
-          </p:cNvPr>
-          <p:cNvSpPr/>
-          <p:nvPr/>
-        </p:nvSpPr>
-        <p:spPr>
-          <a:xfrm>
-            <a:off x="670486" y="994296"/>
-            <a:ext cx="6733490" cy="75871"/>
-          </a:xfrm>
-          <a:prstGeom prst="rect">
-            <a:avLst/>
-          </a:prstGeom>
-          <a:gradFill flip="none" rotWithShape="1">
-            <a:gsLst>
-              <a:gs pos="0">
-                <a:schemeClr val="accent4">
-                  <a:tint val="66000"/>
-                  <a:satMod val="160000"/>
-                </a:schemeClr>
-              </a:gs>
-              <a:gs pos="29000">
-                <a:schemeClr val="accent4">
-                  <a:tint val="44500"/>
-                  <a:satMod val="160000"/>
-                </a:schemeClr>
-              </a:gs>
-              <a:gs pos="95575">
-                <a:srgbClr val="F8F6F5"/>
-              </a:gs>
-              <a:gs pos="55000">
-                <a:schemeClr val="accent4">
-                  <a:tint val="23500"/>
-                  <a:satMod val="160000"/>
-                </a:schemeClr>
-              </a:gs>
-            </a:gsLst>
-            <a:path path="circle">
-              <a:fillToRect t="100000" r="100000"/>
-            </a:path>
-            <a:tileRect l="-100000" b="-100000"/>
-          </a:gradFill>
-          <a:ln>
-            <a:noFill/>
-          </a:ln>
-        </p:spPr>
-        <p:style>
-          <a:lnRef idx="2">
-            <a:schemeClr val="accent4">
-              <a:shade val="50000"/>
-            </a:schemeClr>
-          </a:lnRef>
-          <a:fillRef idx="1">
-            <a:schemeClr val="accent4"/>
-          </a:fillRef>
-          <a:effectRef idx="0">
-            <a:schemeClr val="accent4"/>
-          </a:effectRef>
-          <a:fontRef idx="minor">
-            <a:schemeClr val="lt1"/>
-          </a:fontRef>
-        </p:style>
-        <p:txBody>
-          <a:bodyPr rtlCol="0" anchor="ctr"/>
-          <a:lstStyle/>
-          <a:p>
-            <a:pPr algn="ctr"/>
-            <a:endParaRPr lang="en-US" dirty="0"/>
-          </a:p>
-        </p:txBody>
-      </p:sp>
-      <p:sp>
-        <p:nvSpPr>
-          <p:cNvPr id="8" name="Title 6">
-            <a:extLst>
-              <a:ext uri="{FF2B5EF4-FFF2-40B4-BE49-F238E27FC236}">
-                <a16:creationId xmlns:a16="http://schemas.microsoft.com/office/drawing/2014/main" id="{A1BD7277-E2FB-4339-AF9C-00BE7B3320F5}"/>
-              </a:ext>
-            </a:extLst>
-          </p:cNvPr>
-          <p:cNvSpPr txBox="1">
-            <a:spLocks/>
-          </p:cNvSpPr>
-          <p:nvPr/>
-        </p:nvSpPr>
-        <p:spPr>
-          <a:xfrm>
-            <a:off x="581709" y="1108297"/>
-            <a:ext cx="7908737" cy="342078"/>
-          </a:xfrm>
-          <a:prstGeom prst="rect">
-            <a:avLst/>
-          </a:prstGeom>
-        </p:spPr>
-        <p:txBody>
-          <a:bodyPr vert="horz" lIns="91440" tIns="45720" rIns="91440" bIns="45720" rtlCol="0" anchor="t">
-            <a:noAutofit/>
-          </a:bodyPr>
-          <a:lstStyle>
-            <a:lvl1pPr algn="l" defTabSz="914400" rtl="0" eaLnBrk="1" latinLnBrk="0" hangingPunct="1">
-              <a:lnSpc>
-                <a:spcPct val="90000"/>
-              </a:lnSpc>
-              <a:spcBef>
-                <a:spcPct val="0"/>
-              </a:spcBef>
-              <a:buNone/>
-              <a:defRPr sz="4400" b="1" kern="1200">
-                <a:solidFill>
-                  <a:schemeClr val="accent6"/>
-                </a:solidFill>
-                <a:latin typeface="+mj-lt"/>
-                <a:ea typeface="+mj-ea"/>
-                <a:cs typeface="+mj-cs"/>
-              </a:defRPr>
-            </a:lvl1pPr>
-          </a:lstStyle>
-          <a:p>
-            <a:r>
-              <a:rPr lang="en-US" altLang="zh-CN" sz="1800" b="0" dirty="0"/>
-              <a:t>A Model for Predicting Customer Retention in Telecom</a:t>
-            </a:r>
-            <a:endParaRPr lang="en-US" sz="3600" b="0" dirty="0"/>
-          </a:p>
-        </p:txBody>
-      </p:sp>
-      <p:sp>
-        <p:nvSpPr>
-          <p:cNvPr id="10" name="Title 6">
-            <a:extLst>
-              <a:ext uri="{FF2B5EF4-FFF2-40B4-BE49-F238E27FC236}">
-                <a16:creationId xmlns:a16="http://schemas.microsoft.com/office/drawing/2014/main" id="{3DFA8777-DE88-45A9-A4E1-BA0D7CE585A3}"/>
-              </a:ext>
-            </a:extLst>
-          </p:cNvPr>
-          <p:cNvSpPr txBox="1">
-            <a:spLocks/>
-          </p:cNvSpPr>
-          <p:nvPr/>
-        </p:nvSpPr>
-        <p:spPr>
-          <a:xfrm>
-            <a:off x="581709" y="1771237"/>
-            <a:ext cx="7195309" cy="2246581"/>
-          </a:xfrm>
-          <a:prstGeom prst="rect">
-            <a:avLst/>
-          </a:prstGeom>
-        </p:spPr>
-        <p:txBody>
-          <a:bodyPr vert="horz" lIns="91440" tIns="45720" rIns="91440" bIns="45720" rtlCol="0" anchor="t">
-            <a:noAutofit/>
-          </a:bodyPr>
-          <a:lstStyle>
-            <a:lvl1pPr algn="l" defTabSz="914400" rtl="0" eaLnBrk="1" latinLnBrk="0" hangingPunct="1">
-              <a:lnSpc>
-                <a:spcPct val="90000"/>
-              </a:lnSpc>
-              <a:spcBef>
-                <a:spcPct val="0"/>
-              </a:spcBef>
-              <a:buNone/>
-              <a:defRPr sz="4400" b="1" kern="1200">
-                <a:solidFill>
-                  <a:schemeClr val="accent6"/>
-                </a:solidFill>
-                <a:latin typeface="+mj-lt"/>
-                <a:ea typeface="+mj-ea"/>
-                <a:cs typeface="+mj-cs"/>
-              </a:defRPr>
-            </a:lvl1pPr>
-          </a:lstStyle>
-          <a:p>
-            <a:r>
-              <a:rPr lang="en-US" altLang="zh-CN" sz="2000" dirty="0">
-                <a:latin typeface="Abadi (Body)"/>
-              </a:rPr>
-              <a:t>Problem context</a:t>
-            </a:r>
-          </a:p>
-          <a:p>
-            <a:pPr marL="285750" indent="-285750">
-              <a:buFont typeface="Arial" panose="020B0604020202020204" pitchFamily="34" charset="0"/>
-              <a:buChar char="•"/>
-            </a:pPr>
-            <a:r>
-              <a:rPr lang="en-US" sz="1800" b="0" dirty="0">
-                <a:latin typeface="Abadi (Body)"/>
-              </a:rPr>
-              <a:t>Retaining a customer is generally more cost-effective than acquiring a new one, as demonstrated by a Bain &amp; Company study.</a:t>
-            </a:r>
-          </a:p>
-          <a:p>
-            <a:pPr marL="285750" indent="-285750">
-              <a:buFont typeface="Arial" panose="020B0604020202020204" pitchFamily="34" charset="0"/>
-              <a:buChar char="•"/>
-            </a:pPr>
-            <a:r>
-              <a:rPr lang="en-US" sz="1800" b="0" dirty="0">
-                <a:latin typeface="Abadi (Body)"/>
-              </a:rPr>
-              <a:t>The study revealed that acquiring a new customer can be 5 to 7 times more expensive than retaining an existing one.</a:t>
-            </a:r>
-          </a:p>
-          <a:p>
-            <a:pPr marL="285750" indent="-285750">
-              <a:buFont typeface="Arial" panose="020B0604020202020204" pitchFamily="34" charset="0"/>
-              <a:buChar char="•"/>
-            </a:pPr>
-            <a:r>
-              <a:rPr lang="en-US" sz="1800" b="0" dirty="0">
-                <a:latin typeface="Abadi (Body)"/>
-              </a:rPr>
-              <a:t>Existing customers, being familiar with your product or service, tend to exhibit greater loyalty and are more inclined to maintain their business relationship with you.</a:t>
-            </a:r>
-          </a:p>
-        </p:txBody>
-      </p:sp>
-      <p:sp>
-        <p:nvSpPr>
-          <p:cNvPr id="17" name="Title 6">
-            <a:extLst>
-              <a:ext uri="{FF2B5EF4-FFF2-40B4-BE49-F238E27FC236}">
-                <a16:creationId xmlns:a16="http://schemas.microsoft.com/office/drawing/2014/main" id="{8586F5E1-3B7B-4FD8-BA2D-A67B058FCD8D}"/>
-              </a:ext>
-            </a:extLst>
-          </p:cNvPr>
-          <p:cNvSpPr txBox="1">
-            <a:spLocks/>
-          </p:cNvSpPr>
-          <p:nvPr/>
-        </p:nvSpPr>
-        <p:spPr>
-          <a:xfrm>
-            <a:off x="8154726" y="1771236"/>
-            <a:ext cx="2864913" cy="1800639"/>
-          </a:xfrm>
-          <a:prstGeom prst="rect">
-            <a:avLst/>
-          </a:prstGeom>
-        </p:spPr>
-        <p:txBody>
-          <a:bodyPr vert="horz" lIns="91440" tIns="45720" rIns="91440" bIns="45720" rtlCol="0" anchor="t">
-            <a:noAutofit/>
-          </a:bodyPr>
-          <a:lstStyle>
-            <a:lvl1pPr algn="l" defTabSz="914400" rtl="0" eaLnBrk="1" latinLnBrk="0" hangingPunct="1">
-              <a:lnSpc>
-                <a:spcPct val="90000"/>
-              </a:lnSpc>
-              <a:spcBef>
-                <a:spcPct val="0"/>
-              </a:spcBef>
-              <a:buNone/>
-              <a:defRPr sz="4400" b="1" kern="1200">
-                <a:solidFill>
-                  <a:schemeClr val="accent6"/>
-                </a:solidFill>
-                <a:latin typeface="+mj-lt"/>
-                <a:ea typeface="+mj-ea"/>
-                <a:cs typeface="+mj-cs"/>
-              </a:defRPr>
-            </a:lvl1pPr>
-          </a:lstStyle>
-          <a:p>
-            <a:r>
-              <a:rPr lang="en-US" altLang="zh-CN" sz="2000" dirty="0"/>
-              <a:t>Challenges</a:t>
-            </a:r>
-          </a:p>
-          <a:p>
-            <a:pPr marL="285750" indent="-285750">
-              <a:buFont typeface="Arial" panose="020B0604020202020204" pitchFamily="34" charset="0"/>
-              <a:buChar char="•"/>
-            </a:pPr>
-            <a:r>
-              <a:rPr lang="en-US" sz="1800" b="0" dirty="0"/>
-              <a:t>Handling Imbalanced Dataset</a:t>
-            </a:r>
-          </a:p>
-          <a:p>
-            <a:pPr marL="285750" indent="-285750">
-              <a:buFont typeface="Arial" panose="020B0604020202020204" pitchFamily="34" charset="0"/>
-              <a:buChar char="•"/>
-            </a:pPr>
-            <a:r>
-              <a:rPr lang="en-US" sz="1800" b="0" dirty="0"/>
-              <a:t>Selecting Metrics for Measurement</a:t>
-            </a:r>
-          </a:p>
-          <a:p>
-            <a:pPr marL="285750" indent="-285750">
-              <a:buFont typeface="Arial" panose="020B0604020202020204" pitchFamily="34" charset="0"/>
-              <a:buChar char="•"/>
-            </a:pPr>
-            <a:r>
-              <a:rPr lang="en-US" sz="1800" b="0" dirty="0"/>
-              <a:t>Optimizing threshold</a:t>
-            </a:r>
-          </a:p>
-        </p:txBody>
-      </p:sp>
-      <p:sp>
-        <p:nvSpPr>
-          <p:cNvPr id="18" name="Title 6">
-            <a:extLst>
-              <a:ext uri="{FF2B5EF4-FFF2-40B4-BE49-F238E27FC236}">
-                <a16:creationId xmlns:a16="http://schemas.microsoft.com/office/drawing/2014/main" id="{5D764239-A7DB-418A-A461-4BDFAB66E45D}"/>
-              </a:ext>
-            </a:extLst>
-          </p:cNvPr>
-          <p:cNvSpPr txBox="1">
-            <a:spLocks/>
-          </p:cNvSpPr>
-          <p:nvPr/>
-        </p:nvSpPr>
-        <p:spPr>
-          <a:xfrm>
-            <a:off x="581710" y="4153900"/>
-            <a:ext cx="808326" cy="391629"/>
-          </a:xfrm>
-          <a:prstGeom prst="rect">
-            <a:avLst/>
-          </a:prstGeom>
-        </p:spPr>
-        <p:txBody>
-          <a:bodyPr vert="horz" lIns="91440" tIns="45720" rIns="91440" bIns="45720" rtlCol="0" anchor="t">
-            <a:noAutofit/>
-          </a:bodyPr>
-          <a:lstStyle>
-            <a:lvl1pPr algn="l" defTabSz="914400" rtl="0" eaLnBrk="1" latinLnBrk="0" hangingPunct="1">
-              <a:lnSpc>
-                <a:spcPct val="90000"/>
-              </a:lnSpc>
-              <a:spcBef>
-                <a:spcPct val="0"/>
-              </a:spcBef>
-              <a:buNone/>
-              <a:defRPr sz="4400" b="1" kern="1200">
-                <a:solidFill>
-                  <a:schemeClr val="accent6"/>
-                </a:solidFill>
-                <a:latin typeface="+mj-lt"/>
-                <a:ea typeface="+mj-ea"/>
-                <a:cs typeface="+mj-cs"/>
-              </a:defRPr>
-            </a:lvl1pPr>
-          </a:lstStyle>
-          <a:p>
-            <a:r>
-              <a:rPr lang="en-US" sz="2000" dirty="0"/>
-              <a:t>Tools</a:t>
-            </a:r>
-            <a:endParaRPr lang="en-US" altLang="zh-CN" sz="2000" dirty="0"/>
-          </a:p>
-        </p:txBody>
-      </p:sp>
-      <p:pic>
-        <p:nvPicPr>
-          <p:cNvPr id="1026" name="Picture 2" descr="IT12A01: FUNDAMENTALS OF PYTHON PROGRAMMING (SF) (SYNCHRONOUS E-LEARNING) -  NTUC LearningHub">
-            <a:extLst>
-              <a:ext uri="{FF2B5EF4-FFF2-40B4-BE49-F238E27FC236}">
-                <a16:creationId xmlns:a16="http://schemas.microsoft.com/office/drawing/2014/main" id="{3350AA5B-9BB4-42A6-80BF-51D42F704E61}"/>
-              </a:ext>
-            </a:extLst>
-          </p:cNvPr>
-          <p:cNvPicPr>
-            <a:picLocks noChangeAspect="1" noChangeArrowheads="1"/>
-          </p:cNvPicPr>
-          <p:nvPr/>
-        </p:nvPicPr>
-        <p:blipFill>
-          <a:blip r:embed="rId4">
-            <a:extLst>
-              <a:ext uri="{28A0092B-C50C-407E-A947-70E740481C1C}">
-                <a14:useLocalDpi xmlns:a14="http://schemas.microsoft.com/office/drawing/2010/main" val="0"/>
-              </a:ext>
-            </a:extLst>
-          </a:blip>
-          <a:srcRect/>
-          <a:stretch>
-            <a:fillRect/>
-          </a:stretch>
-        </p:blipFill>
-        <p:spPr bwMode="auto">
-          <a:xfrm>
-            <a:off x="350982" y="4829148"/>
-            <a:ext cx="1197101" cy="677006"/>
-          </a:xfrm>
-          <a:prstGeom prst="rect">
-            <a:avLst/>
-          </a:prstGeom>
-          <a:noFill/>
-          <a:extLst>
-            <a:ext uri="{909E8E84-426E-40DD-AFC4-6F175D3DCCD1}">
-              <a14:hiddenFill xmlns:a14="http://schemas.microsoft.com/office/drawing/2010/main">
-                <a:solidFill>
-                  <a:srgbClr val="FFFFFF"/>
-                </a:solidFill>
-              </a14:hiddenFill>
-            </a:ext>
-          </a:extLst>
-        </p:spPr>
-      </p:pic>
-      <p:cxnSp>
-        <p:nvCxnSpPr>
-          <p:cNvPr id="20" name="Straight Connector 19">
-            <a:extLst>
-              <a:ext uri="{FF2B5EF4-FFF2-40B4-BE49-F238E27FC236}">
-                <a16:creationId xmlns:a16="http://schemas.microsoft.com/office/drawing/2014/main" id="{CF7924FB-1A20-41CB-94E5-DD9BC3241A8C}"/>
-              </a:ext>
-            </a:extLst>
-          </p:cNvPr>
-          <p:cNvCxnSpPr>
-            <a:cxnSpLocks/>
-          </p:cNvCxnSpPr>
-          <p:nvPr/>
-        </p:nvCxnSpPr>
-        <p:spPr>
-          <a:xfrm>
-            <a:off x="7952509" y="1771236"/>
-            <a:ext cx="0" cy="2135746"/>
-          </a:xfrm>
-          <a:prstGeom prst="line">
-            <a:avLst/>
-          </a:prstGeom>
-          <a:ln w="19050">
-            <a:solidFill>
-              <a:schemeClr val="bg1">
-                <a:lumMod val="50000"/>
-              </a:schemeClr>
-            </a:solidFill>
-          </a:ln>
-        </p:spPr>
-        <p:style>
-          <a:lnRef idx="1">
-            <a:schemeClr val="accent1"/>
-          </a:lnRef>
-          <a:fillRef idx="0">
-            <a:schemeClr val="accent1"/>
-          </a:fillRef>
-          <a:effectRef idx="0">
-            <a:schemeClr val="accent1"/>
-          </a:effectRef>
-          <a:fontRef idx="minor">
-            <a:schemeClr val="tx1"/>
-          </a:fontRef>
-        </p:style>
-      </p:cxnSp>
-      <p:cxnSp>
-        <p:nvCxnSpPr>
-          <p:cNvPr id="24" name="Straight Connector 23">
-            <a:extLst>
-              <a:ext uri="{FF2B5EF4-FFF2-40B4-BE49-F238E27FC236}">
-                <a16:creationId xmlns:a16="http://schemas.microsoft.com/office/drawing/2014/main" id="{70FE5E60-4B56-4399-B653-371651FCC0E3}"/>
-              </a:ext>
-            </a:extLst>
-          </p:cNvPr>
-          <p:cNvCxnSpPr>
-            <a:cxnSpLocks/>
-          </p:cNvCxnSpPr>
-          <p:nvPr/>
-        </p:nvCxnSpPr>
-        <p:spPr>
-          <a:xfrm>
-            <a:off x="1589232" y="4220532"/>
-            <a:ext cx="0" cy="2147281"/>
-          </a:xfrm>
-          <a:prstGeom prst="line">
-            <a:avLst/>
-          </a:prstGeom>
-          <a:ln w="19050">
-            <a:solidFill>
-              <a:schemeClr val="bg1">
-                <a:lumMod val="50000"/>
-              </a:schemeClr>
-            </a:solidFill>
-          </a:ln>
-        </p:spPr>
-        <p:style>
-          <a:lnRef idx="1">
-            <a:schemeClr val="accent1"/>
-          </a:lnRef>
-          <a:fillRef idx="0">
-            <a:schemeClr val="accent1"/>
-          </a:fillRef>
-          <a:effectRef idx="0">
-            <a:schemeClr val="accent1"/>
-          </a:effectRef>
-          <a:fontRef idx="minor">
-            <a:schemeClr val="tx1"/>
-          </a:fontRef>
-        </p:style>
-      </p:cxnSp>
-      <p:sp>
-        <p:nvSpPr>
-          <p:cNvPr id="25" name="Title 6">
-            <a:extLst>
-              <a:ext uri="{FF2B5EF4-FFF2-40B4-BE49-F238E27FC236}">
-                <a16:creationId xmlns:a16="http://schemas.microsoft.com/office/drawing/2014/main" id="{2546A81F-4DBF-4230-B494-CD3798E7FDC7}"/>
-              </a:ext>
-            </a:extLst>
-          </p:cNvPr>
-          <p:cNvSpPr txBox="1">
-            <a:spLocks/>
-          </p:cNvSpPr>
-          <p:nvPr/>
-        </p:nvSpPr>
-        <p:spPr>
-          <a:xfrm>
-            <a:off x="1734453" y="4153900"/>
-            <a:ext cx="1171867" cy="391629"/>
-          </a:xfrm>
-          <a:prstGeom prst="rect">
-            <a:avLst/>
-          </a:prstGeom>
-        </p:spPr>
-        <p:txBody>
-          <a:bodyPr vert="horz" lIns="91440" tIns="45720" rIns="91440" bIns="45720" rtlCol="0" anchor="t">
-            <a:noAutofit/>
-          </a:bodyPr>
-          <a:lstStyle>
-            <a:lvl1pPr algn="l" defTabSz="914400" rtl="0" eaLnBrk="1" latinLnBrk="0" hangingPunct="1">
-              <a:lnSpc>
-                <a:spcPct val="90000"/>
-              </a:lnSpc>
-              <a:spcBef>
-                <a:spcPct val="0"/>
-              </a:spcBef>
-              <a:buNone/>
-              <a:defRPr sz="4400" b="1" kern="1200">
-                <a:solidFill>
-                  <a:schemeClr val="accent6"/>
-                </a:solidFill>
-                <a:latin typeface="+mj-lt"/>
-                <a:ea typeface="+mj-ea"/>
-                <a:cs typeface="+mj-cs"/>
-              </a:defRPr>
-            </a:lvl1pPr>
-          </a:lstStyle>
-          <a:p>
-            <a:r>
-              <a:rPr lang="en-US" sz="2000" dirty="0"/>
-              <a:t>Methods</a:t>
-            </a:r>
-            <a:endParaRPr lang="en-US" altLang="zh-CN" sz="2000" dirty="0"/>
-          </a:p>
-        </p:txBody>
-      </p:sp>
-      <p:sp>
-        <p:nvSpPr>
-          <p:cNvPr id="27" name="Slide Number Placeholder 6">
-            <a:extLst>
-              <a:ext uri="{FF2B5EF4-FFF2-40B4-BE49-F238E27FC236}">
-                <a16:creationId xmlns:a16="http://schemas.microsoft.com/office/drawing/2014/main" id="{CEACC96B-4AEF-4D80-90D4-722D26A373FA}"/>
+                <a16:creationId xmlns:a16="http://schemas.microsoft.com/office/drawing/2014/main" id="{8EA25C86-7BE3-4BC6-C0B8-7F7D7C3EC286}"/>
               </a:ext>
             </a:extLst>
           </p:cNvPr>
@@ -31882,1231 +34064,6 @@
             <p:ph type="sldNum" sz="quarter" idx="29"/>
           </p:nvPr>
         </p:nvSpPr>
-        <p:spPr>
-          <a:xfrm>
-            <a:off x="11194169" y="6217920"/>
-            <a:ext cx="458592" cy="365125"/>
-          </a:xfrm>
-        </p:spPr>
-        <p:txBody>
-          <a:bodyPr/>
-          <a:lstStyle/>
-          <a:p>
-            <a:fld id="{47FEACEE-25B4-4A2D-B147-27296E36371D}" type="slidenum">
-              <a:rPr lang="en-US" altLang="zh-CN" smtClean="0"/>
-              <a:pPr/>
-              <a:t>2</a:t>
-            </a:fld>
-            <a:endParaRPr lang="en-US" altLang="zh-CN" dirty="0"/>
-          </a:p>
-        </p:txBody>
-      </p:sp>
-      <p:sp>
-        <p:nvSpPr>
-          <p:cNvPr id="28" name="Footer Placeholder 4">
-            <a:extLst>
-              <a:ext uri="{FF2B5EF4-FFF2-40B4-BE49-F238E27FC236}">
-                <a16:creationId xmlns:a16="http://schemas.microsoft.com/office/drawing/2014/main" id="{25A5F7CA-803E-4152-923B-9ED8095FF226}"/>
-              </a:ext>
-            </a:extLst>
-          </p:cNvPr>
-          <p:cNvSpPr txBox="1">
-            <a:spLocks/>
-          </p:cNvSpPr>
-          <p:nvPr/>
-        </p:nvSpPr>
-        <p:spPr>
-          <a:xfrm>
-            <a:off x="8620218" y="6256093"/>
-            <a:ext cx="2573952" cy="288777"/>
-          </a:xfrm>
-          <a:prstGeom prst="rect">
-            <a:avLst/>
-          </a:prstGeom>
-        </p:spPr>
-        <p:txBody>
-          <a:bodyPr vert="horz" lIns="91440" tIns="45720" rIns="91440" bIns="45720" rtlCol="0">
-            <a:noAutofit/>
-          </a:bodyPr>
-          <a:lstStyle>
-            <a:lvl1pPr marL="228600" indent="-228600" algn="l" defTabSz="914400" rtl="0" eaLnBrk="1" latinLnBrk="0" hangingPunct="1">
-              <a:lnSpc>
-                <a:spcPct val="100000"/>
-              </a:lnSpc>
-              <a:spcBef>
-                <a:spcPts val="0"/>
-              </a:spcBef>
-              <a:spcAft>
-                <a:spcPts val="600"/>
-              </a:spcAft>
-              <a:buFont typeface="Arial" panose="020B0604020202020204" pitchFamily="34" charset="0"/>
-              <a:buChar char="•"/>
-              <a:defRPr sz="1400" b="0" kern="1200">
-                <a:solidFill>
-                  <a:schemeClr val="accent6"/>
-                </a:solidFill>
-                <a:latin typeface="+mn-lt"/>
-                <a:ea typeface="+mn-ea"/>
-                <a:cs typeface="+mn-cs"/>
-              </a:defRPr>
-            </a:lvl1pPr>
-            <a:lvl2pPr marL="685800" indent="-228600" algn="l" defTabSz="914400" rtl="0" eaLnBrk="1" latinLnBrk="0" hangingPunct="1">
-              <a:lnSpc>
-                <a:spcPct val="90000"/>
-              </a:lnSpc>
-              <a:spcBef>
-                <a:spcPts val="500"/>
-              </a:spcBef>
-              <a:buFont typeface="Arial" panose="020B0604020202020204" pitchFamily="34" charset="0"/>
-              <a:buChar char="•"/>
-              <a:defRPr sz="1000" kern="1200">
-                <a:solidFill>
-                  <a:schemeClr val="accent6"/>
-                </a:solidFill>
-                <a:latin typeface="+mn-lt"/>
-                <a:ea typeface="+mn-ea"/>
-                <a:cs typeface="+mn-cs"/>
-              </a:defRPr>
-            </a:lvl2pPr>
-            <a:lvl3pPr marL="1143000" indent="-228600" algn="l" defTabSz="914400" rtl="0" eaLnBrk="1" latinLnBrk="0" hangingPunct="1">
-              <a:lnSpc>
-                <a:spcPct val="90000"/>
-              </a:lnSpc>
-              <a:spcBef>
-                <a:spcPts val="500"/>
-              </a:spcBef>
-              <a:buFont typeface="Arial" panose="020B0604020202020204" pitchFamily="34" charset="0"/>
-              <a:buChar char="•"/>
-              <a:defRPr sz="900" kern="1200">
-                <a:solidFill>
-                  <a:schemeClr val="accent6"/>
-                </a:solidFill>
-                <a:latin typeface="+mn-lt"/>
-                <a:ea typeface="+mn-ea"/>
-                <a:cs typeface="+mn-cs"/>
-              </a:defRPr>
-            </a:lvl3pPr>
-            <a:lvl4pPr marL="1600200" indent="-228600" algn="l" defTabSz="914400" rtl="0" eaLnBrk="1" latinLnBrk="0" hangingPunct="1">
-              <a:lnSpc>
-                <a:spcPct val="90000"/>
-              </a:lnSpc>
-              <a:spcBef>
-                <a:spcPts val="500"/>
-              </a:spcBef>
-              <a:buFont typeface="Arial" panose="020B0604020202020204" pitchFamily="34" charset="0"/>
-              <a:buChar char="•"/>
-              <a:defRPr sz="800" kern="1200">
-                <a:solidFill>
-                  <a:schemeClr val="accent6"/>
-                </a:solidFill>
-                <a:latin typeface="+mn-lt"/>
-                <a:ea typeface="+mn-ea"/>
-                <a:cs typeface="+mn-cs"/>
-              </a:defRPr>
-            </a:lvl4pPr>
-            <a:lvl5pPr marL="2057400" indent="-228600" algn="l" defTabSz="914400" rtl="0" eaLnBrk="1" latinLnBrk="0" hangingPunct="1">
-              <a:lnSpc>
-                <a:spcPct val="90000"/>
-              </a:lnSpc>
-              <a:spcBef>
-                <a:spcPts val="500"/>
-              </a:spcBef>
-              <a:buFont typeface="Arial" panose="020B0604020202020204" pitchFamily="34" charset="0"/>
-              <a:buChar char="•"/>
-              <a:defRPr sz="800" kern="1200">
-                <a:solidFill>
-                  <a:schemeClr val="accent6"/>
-                </a:solidFill>
-                <a:latin typeface="+mn-lt"/>
-                <a:ea typeface="+mn-ea"/>
-                <a:cs typeface="+mn-cs"/>
-              </a:defRPr>
-            </a:lvl5pPr>
-            <a:lvl6pPr marL="2514600" indent="-228600" algn="l" defTabSz="914400" rtl="0" eaLnBrk="1" latinLnBrk="0" hangingPunct="1">
-              <a:lnSpc>
-                <a:spcPct val="90000"/>
-              </a:lnSpc>
-              <a:spcBef>
-                <a:spcPts val="500"/>
-              </a:spcBef>
-              <a:buFont typeface="Arial" panose="020B0604020202020204" pitchFamily="34" charset="0"/>
-              <a:buChar char="•"/>
-              <a:defRPr sz="1800" kern="1200">
-                <a:solidFill>
-                  <a:schemeClr val="tx1"/>
-                </a:solidFill>
-                <a:latin typeface="+mn-lt"/>
-                <a:ea typeface="+mn-ea"/>
-                <a:cs typeface="+mn-cs"/>
-              </a:defRPr>
-            </a:lvl6pPr>
-            <a:lvl7pPr marL="2971800" indent="-228600" algn="l" defTabSz="914400" rtl="0" eaLnBrk="1" latinLnBrk="0" hangingPunct="1">
-              <a:lnSpc>
-                <a:spcPct val="90000"/>
-              </a:lnSpc>
-              <a:spcBef>
-                <a:spcPts val="500"/>
-              </a:spcBef>
-              <a:buFont typeface="Arial" panose="020B0604020202020204" pitchFamily="34" charset="0"/>
-              <a:buChar char="•"/>
-              <a:defRPr sz="1800" kern="1200">
-                <a:solidFill>
-                  <a:schemeClr val="tx1"/>
-                </a:solidFill>
-                <a:latin typeface="+mn-lt"/>
-                <a:ea typeface="+mn-ea"/>
-                <a:cs typeface="+mn-cs"/>
-              </a:defRPr>
-            </a:lvl7pPr>
-            <a:lvl8pPr marL="3429000" indent="-228600" algn="l" defTabSz="914400" rtl="0" eaLnBrk="1" latinLnBrk="0" hangingPunct="1">
-              <a:lnSpc>
-                <a:spcPct val="90000"/>
-              </a:lnSpc>
-              <a:spcBef>
-                <a:spcPts val="500"/>
-              </a:spcBef>
-              <a:buFont typeface="Arial" panose="020B0604020202020204" pitchFamily="34" charset="0"/>
-              <a:buChar char="•"/>
-              <a:defRPr sz="1800" kern="1200">
-                <a:solidFill>
-                  <a:schemeClr val="tx1"/>
-                </a:solidFill>
-                <a:latin typeface="+mn-lt"/>
-                <a:ea typeface="+mn-ea"/>
-                <a:cs typeface="+mn-cs"/>
-              </a:defRPr>
-            </a:lvl8pPr>
-            <a:lvl9pPr marL="3886200" indent="-228600" algn="l" defTabSz="914400" rtl="0" eaLnBrk="1" latinLnBrk="0" hangingPunct="1">
-              <a:lnSpc>
-                <a:spcPct val="90000"/>
-              </a:lnSpc>
-              <a:spcBef>
-                <a:spcPts val="500"/>
-              </a:spcBef>
-              <a:buFont typeface="Arial" panose="020B0604020202020204" pitchFamily="34" charset="0"/>
-              <a:buChar char="•"/>
-              <a:defRPr sz="1800" kern="1200">
-                <a:solidFill>
-                  <a:schemeClr val="tx1"/>
-                </a:solidFill>
-                <a:latin typeface="+mn-lt"/>
-                <a:ea typeface="+mn-ea"/>
-                <a:cs typeface="+mn-cs"/>
-              </a:defRPr>
-            </a:lvl9pPr>
-          </a:lstStyle>
-          <a:p>
-            <a:pPr marL="0" indent="0">
-              <a:buNone/>
-            </a:pPr>
-            <a:r>
-              <a:rPr lang="en-US" altLang="zh-CN" sz="1200" dirty="0"/>
-              <a:t>TELCO CHURN PREDICTION MODEL</a:t>
-            </a:r>
-            <a:endParaRPr lang="en-US" dirty="0"/>
-          </a:p>
-        </p:txBody>
-      </p:sp>
-      <p:pic>
-        <p:nvPicPr>
-          <p:cNvPr id="1030" name="Picture 6" descr="Random Forest – TikZ.net">
-            <a:extLst>
-              <a:ext uri="{FF2B5EF4-FFF2-40B4-BE49-F238E27FC236}">
-                <a16:creationId xmlns:a16="http://schemas.microsoft.com/office/drawing/2014/main" id="{B5B7D51E-31CA-4EAF-B071-DD5D5034643D}"/>
-              </a:ext>
-            </a:extLst>
-          </p:cNvPr>
-          <p:cNvPicPr>
-            <a:picLocks noChangeAspect="1" noChangeArrowheads="1"/>
-          </p:cNvPicPr>
-          <p:nvPr/>
-        </p:nvPicPr>
-        <p:blipFill>
-          <a:blip r:embed="rId5">
-            <a:extLst>
-              <a:ext uri="{28A0092B-C50C-407E-A947-70E740481C1C}">
-                <a14:useLocalDpi xmlns:a14="http://schemas.microsoft.com/office/drawing/2010/main" val="0"/>
-              </a:ext>
-            </a:extLst>
-          </a:blip>
-          <a:srcRect/>
-          <a:stretch>
-            <a:fillRect/>
-          </a:stretch>
-        </p:blipFill>
-        <p:spPr bwMode="auto">
-          <a:xfrm>
-            <a:off x="1788429" y="4650100"/>
-            <a:ext cx="992872" cy="718580"/>
-          </a:xfrm>
-          <a:prstGeom prst="rect">
-            <a:avLst/>
-          </a:prstGeom>
-          <a:noFill/>
-          <a:extLst>
-            <a:ext uri="{909E8E84-426E-40DD-AFC4-6F175D3DCCD1}">
-              <a14:hiddenFill xmlns:a14="http://schemas.microsoft.com/office/drawing/2010/main">
-                <a:solidFill>
-                  <a:srgbClr val="FFFFFF"/>
-                </a:solidFill>
-              </a14:hiddenFill>
-            </a:ext>
-          </a:extLst>
-        </p:spPr>
-      </p:pic>
-      <p:pic>
-        <p:nvPicPr>
-          <p:cNvPr id="1032" name="Picture 8" descr="Top 5 Open-Source XGBoost Algorithm Projects to Study in 2023 | by Mrinal  Walia | Medium">
-            <a:extLst>
-              <a:ext uri="{FF2B5EF4-FFF2-40B4-BE49-F238E27FC236}">
-                <a16:creationId xmlns:a16="http://schemas.microsoft.com/office/drawing/2014/main" id="{61504256-2817-438D-9672-1FDB34442E04}"/>
-              </a:ext>
-            </a:extLst>
-          </p:cNvPr>
-          <p:cNvPicPr>
-            <a:picLocks noChangeAspect="1" noChangeArrowheads="1"/>
-          </p:cNvPicPr>
-          <p:nvPr/>
-        </p:nvPicPr>
-        <p:blipFill>
-          <a:blip r:embed="rId6">
-            <a:extLst>
-              <a:ext uri="{28A0092B-C50C-407E-A947-70E740481C1C}">
-                <a14:useLocalDpi xmlns:a14="http://schemas.microsoft.com/office/drawing/2010/main" val="0"/>
-              </a:ext>
-            </a:extLst>
-          </a:blip>
-          <a:srcRect/>
-          <a:stretch>
-            <a:fillRect/>
-          </a:stretch>
-        </p:blipFill>
-        <p:spPr bwMode="auto">
-          <a:xfrm>
-            <a:off x="1768376" y="5456980"/>
-            <a:ext cx="1525905" cy="847725"/>
-          </a:xfrm>
-          <a:prstGeom prst="rect">
-            <a:avLst/>
-          </a:prstGeom>
-          <a:noFill/>
-          <a:extLst>
-            <a:ext uri="{909E8E84-426E-40DD-AFC4-6F175D3DCCD1}">
-              <a14:hiddenFill xmlns:a14="http://schemas.microsoft.com/office/drawing/2010/main">
-                <a:solidFill>
-                  <a:srgbClr val="FFFFFF"/>
-                </a:solidFill>
-              </a14:hiddenFill>
-            </a:ext>
-          </a:extLst>
-        </p:spPr>
-      </p:pic>
-      <p:pic>
-        <p:nvPicPr>
-          <p:cNvPr id="1034" name="Picture 10" descr="GitHub - microsoft/LightGBM: A fast, distributed, high performance gradient  boosting (GBT, GBDT, GBRT, GBM or MART) framework based on decision tree  algorithms, used for ranking, classification and many other machine  learning tasks.">
-            <a:extLst>
-              <a:ext uri="{FF2B5EF4-FFF2-40B4-BE49-F238E27FC236}">
-                <a16:creationId xmlns:a16="http://schemas.microsoft.com/office/drawing/2014/main" id="{28C1D692-DF6C-4EBD-A709-FA938A5FECE6}"/>
-              </a:ext>
-            </a:extLst>
-          </p:cNvPr>
-          <p:cNvPicPr>
-            <a:picLocks noChangeAspect="1" noChangeArrowheads="1"/>
-          </p:cNvPicPr>
-          <p:nvPr/>
-        </p:nvPicPr>
-        <p:blipFill>
-          <a:blip r:embed="rId7">
-            <a:extLst>
-              <a:ext uri="{28A0092B-C50C-407E-A947-70E740481C1C}">
-                <a14:useLocalDpi xmlns:a14="http://schemas.microsoft.com/office/drawing/2010/main" val="0"/>
-              </a:ext>
-            </a:extLst>
-          </a:blip>
-          <a:srcRect/>
-          <a:stretch>
-            <a:fillRect/>
-          </a:stretch>
-        </p:blipFill>
-        <p:spPr bwMode="auto">
-          <a:xfrm>
-            <a:off x="2918189" y="4474326"/>
-            <a:ext cx="1296425" cy="648213"/>
-          </a:xfrm>
-          <a:prstGeom prst="rect">
-            <a:avLst/>
-          </a:prstGeom>
-          <a:noFill/>
-          <a:extLst>
-            <a:ext uri="{909E8E84-426E-40DD-AFC4-6F175D3DCCD1}">
-              <a14:hiddenFill xmlns:a14="http://schemas.microsoft.com/office/drawing/2010/main">
-                <a:solidFill>
-                  <a:srgbClr val="FFFFFF"/>
-                </a:solidFill>
-              </a14:hiddenFill>
-            </a:ext>
-          </a:extLst>
-        </p:spPr>
-      </p:pic>
-      <p:pic>
-        <p:nvPicPr>
-          <p:cNvPr id="1036" name="Picture 12" descr="Explainable AI (XAI): Understanding the SHAP magic | by Gaurav Agarwal |  Medium">
-            <a:extLst>
-              <a:ext uri="{FF2B5EF4-FFF2-40B4-BE49-F238E27FC236}">
-                <a16:creationId xmlns:a16="http://schemas.microsoft.com/office/drawing/2014/main" id="{BB527679-9381-4F02-84C5-8D36298075C4}"/>
-              </a:ext>
-            </a:extLst>
-          </p:cNvPr>
-          <p:cNvPicPr>
-            <a:picLocks noChangeAspect="1" noChangeArrowheads="1"/>
-          </p:cNvPicPr>
-          <p:nvPr/>
-        </p:nvPicPr>
-        <p:blipFill rotWithShape="1">
-          <a:blip r:embed="rId8">
-            <a:extLst>
-              <a:ext uri="{28A0092B-C50C-407E-A947-70E740481C1C}">
-                <a14:useLocalDpi xmlns:a14="http://schemas.microsoft.com/office/drawing/2010/main" val="0"/>
-              </a:ext>
-            </a:extLst>
-          </a:blip>
-          <a:srcRect l="22607" r="29610"/>
-          <a:stretch/>
-        </p:blipFill>
-        <p:spPr bwMode="auto">
-          <a:xfrm>
-            <a:off x="3170907" y="5456980"/>
-            <a:ext cx="696326" cy="818193"/>
-          </a:xfrm>
-          <a:prstGeom prst="rect">
-            <a:avLst/>
-          </a:prstGeom>
-          <a:noFill/>
-          <a:extLst>
-            <a:ext uri="{909E8E84-426E-40DD-AFC4-6F175D3DCCD1}">
-              <a14:hiddenFill xmlns:a14="http://schemas.microsoft.com/office/drawing/2010/main">
-                <a:solidFill>
-                  <a:srgbClr val="FFFFFF"/>
-                </a:solidFill>
-              </a14:hiddenFill>
-            </a:ext>
-          </a:extLst>
-        </p:spPr>
-      </p:pic>
-      <p:pic>
-        <p:nvPicPr>
-          <p:cNvPr id="1038" name="Picture 14" descr="Grid Search vs Random Search. In this article, we will focus on two… | by  Deepak Senapati | Medium">
-            <a:extLst>
-              <a:ext uri="{FF2B5EF4-FFF2-40B4-BE49-F238E27FC236}">
-                <a16:creationId xmlns:a16="http://schemas.microsoft.com/office/drawing/2014/main" id="{77383D47-C5FC-49CE-9D01-3B314CDB749D}"/>
-              </a:ext>
-            </a:extLst>
-          </p:cNvPr>
-          <p:cNvPicPr>
-            <a:picLocks noChangeAspect="1" noChangeArrowheads="1"/>
-          </p:cNvPicPr>
-          <p:nvPr/>
-        </p:nvPicPr>
-        <p:blipFill rotWithShape="1">
-          <a:blip r:embed="rId9">
-            <a:extLst>
-              <a:ext uri="{28A0092B-C50C-407E-A947-70E740481C1C}">
-                <a14:useLocalDpi xmlns:a14="http://schemas.microsoft.com/office/drawing/2010/main" val="0"/>
-              </a:ext>
-            </a:extLst>
-          </a:blip>
-          <a:srcRect l="55981" t="20180" r="6802" b="8564"/>
-          <a:stretch/>
-        </p:blipFill>
-        <p:spPr bwMode="auto">
-          <a:xfrm>
-            <a:off x="4334733" y="5508318"/>
-            <a:ext cx="696326" cy="720503"/>
-          </a:xfrm>
-          <a:prstGeom prst="rect">
-            <a:avLst/>
-          </a:prstGeom>
-          <a:noFill/>
-          <a:extLst>
-            <a:ext uri="{909E8E84-426E-40DD-AFC4-6F175D3DCCD1}">
-              <a14:hiddenFill xmlns:a14="http://schemas.microsoft.com/office/drawing/2010/main">
-                <a:solidFill>
-                  <a:srgbClr val="FFFFFF"/>
-                </a:solidFill>
-              </a14:hiddenFill>
-            </a:ext>
-          </a:extLst>
-        </p:spPr>
-      </p:pic>
-      <p:sp>
-        <p:nvSpPr>
-          <p:cNvPr id="26" name="TextBox 25">
-            <a:extLst>
-              <a:ext uri="{FF2B5EF4-FFF2-40B4-BE49-F238E27FC236}">
-                <a16:creationId xmlns:a16="http://schemas.microsoft.com/office/drawing/2014/main" id="{B67DE358-57DE-4DD4-82EF-BD19B1176E62}"/>
-              </a:ext>
-            </a:extLst>
-          </p:cNvPr>
-          <p:cNvSpPr txBox="1"/>
-          <p:nvPr/>
-        </p:nvSpPr>
-        <p:spPr>
-          <a:xfrm>
-            <a:off x="1746702" y="5394831"/>
-            <a:ext cx="1076326" cy="261610"/>
-          </a:xfrm>
-          <a:prstGeom prst="rect">
-            <a:avLst/>
-          </a:prstGeom>
-        </p:spPr>
-        <p:txBody>
-          <a:bodyPr wrap="square" rtlCol="0">
-            <a:spAutoFit/>
-          </a:bodyPr>
-          <a:lstStyle/>
-          <a:p>
-            <a:pPr marL="0" indent="0" algn="ctr">
-              <a:lnSpc>
-                <a:spcPct val="100000"/>
-              </a:lnSpc>
-              <a:spcBef>
-                <a:spcPts val="0"/>
-              </a:spcBef>
-              <a:buFontTx/>
-              <a:buNone/>
-            </a:pPr>
-            <a:r>
-              <a:rPr lang="en-US" sz="1050" dirty="0">
-                <a:solidFill>
-                  <a:schemeClr val="tx1">
-                    <a:lumMod val="75000"/>
-                    <a:lumOff val="25000"/>
-                  </a:schemeClr>
-                </a:solidFill>
-                <a:latin typeface="Abadi (Body)"/>
-                <a:ea typeface="微软雅黑"/>
-                <a:cs typeface="Posterama" panose="020B0504020200020000" pitchFamily="34" charset="0"/>
-              </a:rPr>
-              <a:t>Random forest</a:t>
-            </a:r>
-          </a:p>
-        </p:txBody>
-      </p:sp>
-      <p:sp>
-        <p:nvSpPr>
-          <p:cNvPr id="36" name="TextBox 35">
-            <a:extLst>
-              <a:ext uri="{FF2B5EF4-FFF2-40B4-BE49-F238E27FC236}">
-                <a16:creationId xmlns:a16="http://schemas.microsoft.com/office/drawing/2014/main" id="{53D4DEF9-40C8-4D21-BF14-AC055766E4DF}"/>
-              </a:ext>
-            </a:extLst>
-          </p:cNvPr>
-          <p:cNvSpPr txBox="1"/>
-          <p:nvPr/>
-        </p:nvSpPr>
-        <p:spPr>
-          <a:xfrm>
-            <a:off x="1993165" y="6043095"/>
-            <a:ext cx="1076326" cy="261610"/>
-          </a:xfrm>
-          <a:prstGeom prst="rect">
-            <a:avLst/>
-          </a:prstGeom>
-        </p:spPr>
-        <p:txBody>
-          <a:bodyPr wrap="square" rtlCol="0">
-            <a:spAutoFit/>
-          </a:bodyPr>
-          <a:lstStyle/>
-          <a:p>
-            <a:pPr marL="0" indent="0" algn="ctr">
-              <a:lnSpc>
-                <a:spcPct val="100000"/>
-              </a:lnSpc>
-              <a:spcBef>
-                <a:spcPts val="0"/>
-              </a:spcBef>
-              <a:buFontTx/>
-              <a:buNone/>
-            </a:pPr>
-            <a:r>
-              <a:rPr lang="en-US" sz="1050" dirty="0">
-                <a:solidFill>
-                  <a:schemeClr val="tx1">
-                    <a:lumMod val="75000"/>
-                    <a:lumOff val="25000"/>
-                  </a:schemeClr>
-                </a:solidFill>
-                <a:latin typeface="Abadi (Body)"/>
-                <a:ea typeface="微软雅黑"/>
-                <a:cs typeface="Posterama" panose="020B0504020200020000" pitchFamily="34" charset="0"/>
-              </a:rPr>
-              <a:t>Random forest</a:t>
-            </a:r>
-          </a:p>
-        </p:txBody>
-      </p:sp>
-      <p:sp>
-        <p:nvSpPr>
-          <p:cNvPr id="37" name="TextBox 36">
-            <a:extLst>
-              <a:ext uri="{FF2B5EF4-FFF2-40B4-BE49-F238E27FC236}">
-                <a16:creationId xmlns:a16="http://schemas.microsoft.com/office/drawing/2014/main" id="{DBEFA5D1-9280-4B60-959C-2667BF4C8ED8}"/>
-              </a:ext>
-            </a:extLst>
-          </p:cNvPr>
-          <p:cNvSpPr txBox="1"/>
-          <p:nvPr/>
-        </p:nvSpPr>
-        <p:spPr>
-          <a:xfrm>
-            <a:off x="3072994" y="5004025"/>
-            <a:ext cx="1076326" cy="261610"/>
-          </a:xfrm>
-          <a:prstGeom prst="rect">
-            <a:avLst/>
-          </a:prstGeom>
-        </p:spPr>
-        <p:txBody>
-          <a:bodyPr wrap="square" rtlCol="0">
-            <a:spAutoFit/>
-          </a:bodyPr>
-          <a:lstStyle/>
-          <a:p>
-            <a:pPr marL="0" indent="0" algn="ctr">
-              <a:lnSpc>
-                <a:spcPct val="100000"/>
-              </a:lnSpc>
-              <a:spcBef>
-                <a:spcPts val="0"/>
-              </a:spcBef>
-              <a:buFontTx/>
-              <a:buNone/>
-            </a:pPr>
-            <a:r>
-              <a:rPr lang="en-US" sz="1050" dirty="0">
-                <a:solidFill>
-                  <a:schemeClr val="tx1">
-                    <a:lumMod val="75000"/>
-                    <a:lumOff val="25000"/>
-                  </a:schemeClr>
-                </a:solidFill>
-                <a:latin typeface="Abadi (Body)"/>
-                <a:ea typeface="微软雅黑"/>
-                <a:cs typeface="Posterama" panose="020B0504020200020000" pitchFamily="34" charset="0"/>
-              </a:rPr>
-              <a:t>Random forest</a:t>
-            </a:r>
-          </a:p>
-        </p:txBody>
-      </p:sp>
-      <p:sp>
-        <p:nvSpPr>
-          <p:cNvPr id="38" name="TextBox 37">
-            <a:extLst>
-              <a:ext uri="{FF2B5EF4-FFF2-40B4-BE49-F238E27FC236}">
-                <a16:creationId xmlns:a16="http://schemas.microsoft.com/office/drawing/2014/main" id="{CFDA36AF-C36C-459F-83DE-CD12DBA4DFD0}"/>
-              </a:ext>
-            </a:extLst>
-          </p:cNvPr>
-          <p:cNvSpPr txBox="1"/>
-          <p:nvPr/>
-        </p:nvSpPr>
-        <p:spPr>
-          <a:xfrm>
-            <a:off x="2980907" y="6217129"/>
-            <a:ext cx="1076326" cy="261610"/>
-          </a:xfrm>
-          <a:prstGeom prst="rect">
-            <a:avLst/>
-          </a:prstGeom>
-        </p:spPr>
-        <p:txBody>
-          <a:bodyPr wrap="square" rtlCol="0">
-            <a:spAutoFit/>
-          </a:bodyPr>
-          <a:lstStyle/>
-          <a:p>
-            <a:pPr marL="0" indent="0" algn="ctr">
-              <a:lnSpc>
-                <a:spcPct val="100000"/>
-              </a:lnSpc>
-              <a:spcBef>
-                <a:spcPts val="0"/>
-              </a:spcBef>
-              <a:buFontTx/>
-              <a:buNone/>
-            </a:pPr>
-            <a:r>
-              <a:rPr lang="en-US" sz="1050" dirty="0">
-                <a:solidFill>
-                  <a:schemeClr val="tx1">
-                    <a:lumMod val="75000"/>
-                    <a:lumOff val="25000"/>
-                  </a:schemeClr>
-                </a:solidFill>
-                <a:latin typeface="Abadi (Body)"/>
-                <a:ea typeface="微软雅黑"/>
-                <a:cs typeface="Posterama" panose="020B0504020200020000" pitchFamily="34" charset="0"/>
-              </a:rPr>
-              <a:t>Shapley</a:t>
-            </a:r>
-          </a:p>
-        </p:txBody>
-      </p:sp>
-      <p:sp>
-        <p:nvSpPr>
-          <p:cNvPr id="39" name="TextBox 38">
-            <a:extLst>
-              <a:ext uri="{FF2B5EF4-FFF2-40B4-BE49-F238E27FC236}">
-                <a16:creationId xmlns:a16="http://schemas.microsoft.com/office/drawing/2014/main" id="{BECA2DAD-F87B-446D-AA1F-2550B0C88001}"/>
-              </a:ext>
-            </a:extLst>
-          </p:cNvPr>
-          <p:cNvSpPr txBox="1"/>
-          <p:nvPr/>
-        </p:nvSpPr>
-        <p:spPr>
-          <a:xfrm>
-            <a:off x="3979477" y="6208629"/>
-            <a:ext cx="1406839" cy="253916"/>
-          </a:xfrm>
-          <a:prstGeom prst="rect">
-            <a:avLst/>
-          </a:prstGeom>
-        </p:spPr>
-        <p:txBody>
-          <a:bodyPr wrap="square" rtlCol="0">
-            <a:spAutoFit/>
-          </a:bodyPr>
-          <a:lstStyle/>
-          <a:p>
-            <a:pPr marL="0" indent="0" algn="ctr">
-              <a:lnSpc>
-                <a:spcPct val="100000"/>
-              </a:lnSpc>
-              <a:spcBef>
-                <a:spcPts val="0"/>
-              </a:spcBef>
-              <a:buFontTx/>
-              <a:buNone/>
-            </a:pPr>
-            <a:r>
-              <a:rPr lang="en-US" sz="1050" dirty="0">
-                <a:solidFill>
-                  <a:schemeClr val="tx1">
-                    <a:lumMod val="75000"/>
-                    <a:lumOff val="25000"/>
-                  </a:schemeClr>
-                </a:solidFill>
-                <a:latin typeface="Abadi (Body)"/>
-                <a:ea typeface="微软雅黑"/>
-                <a:cs typeface="Posterama" panose="020B0504020200020000" pitchFamily="34" charset="0"/>
-              </a:rPr>
-              <a:t>Randomized search</a:t>
-            </a:r>
-          </a:p>
-        </p:txBody>
-      </p:sp>
-      <p:sp>
-        <p:nvSpPr>
-          <p:cNvPr id="41" name="TextBox 40">
-            <a:extLst>
-              <a:ext uri="{FF2B5EF4-FFF2-40B4-BE49-F238E27FC236}">
-                <a16:creationId xmlns:a16="http://schemas.microsoft.com/office/drawing/2014/main" id="{8D04B76F-A437-4DEA-AA05-0F4FCEDACE3B}"/>
-              </a:ext>
-            </a:extLst>
-          </p:cNvPr>
-          <p:cNvSpPr txBox="1"/>
-          <p:nvPr/>
-        </p:nvSpPr>
-        <p:spPr>
-          <a:xfrm>
-            <a:off x="4226483" y="5071975"/>
-            <a:ext cx="1170414" cy="253916"/>
-          </a:xfrm>
-          <a:prstGeom prst="rect">
-            <a:avLst/>
-          </a:prstGeom>
-        </p:spPr>
-        <p:txBody>
-          <a:bodyPr wrap="square" rtlCol="0">
-            <a:spAutoFit/>
-          </a:bodyPr>
-          <a:lstStyle/>
-          <a:p>
-            <a:pPr marL="0" indent="0" algn="ctr">
-              <a:lnSpc>
-                <a:spcPct val="100000"/>
-              </a:lnSpc>
-              <a:spcBef>
-                <a:spcPts val="0"/>
-              </a:spcBef>
-              <a:buFontTx/>
-              <a:buNone/>
-            </a:pPr>
-            <a:r>
-              <a:rPr lang="en-US" sz="1050" dirty="0">
-                <a:solidFill>
-                  <a:schemeClr val="tx1">
-                    <a:lumMod val="75000"/>
-                    <a:lumOff val="25000"/>
-                  </a:schemeClr>
-                </a:solidFill>
-                <a:latin typeface="Abadi (Body)"/>
-                <a:ea typeface="微软雅黑"/>
-                <a:cs typeface="Posterama" panose="020B0504020200020000" pitchFamily="34" charset="0"/>
-              </a:rPr>
-              <a:t>Threshold tuning</a:t>
-            </a:r>
-          </a:p>
-        </p:txBody>
-      </p:sp>
-      <p:cxnSp>
-        <p:nvCxnSpPr>
-          <p:cNvPr id="42" name="Straight Connector 41">
-            <a:extLst>
-              <a:ext uri="{FF2B5EF4-FFF2-40B4-BE49-F238E27FC236}">
-                <a16:creationId xmlns:a16="http://schemas.microsoft.com/office/drawing/2014/main" id="{87E9F114-A71F-460A-BD9B-930A13E7EBBF}"/>
-              </a:ext>
-            </a:extLst>
-          </p:cNvPr>
-          <p:cNvCxnSpPr>
-            <a:cxnSpLocks/>
-          </p:cNvCxnSpPr>
-          <p:nvPr/>
-        </p:nvCxnSpPr>
-        <p:spPr>
-          <a:xfrm>
-            <a:off x="6780970" y="4220569"/>
-            <a:ext cx="0" cy="2147281"/>
-          </a:xfrm>
-          <a:prstGeom prst="line">
-            <a:avLst/>
-          </a:prstGeom>
-          <a:ln w="19050">
-            <a:solidFill>
-              <a:schemeClr val="bg1">
-                <a:lumMod val="50000"/>
-              </a:schemeClr>
-            </a:solidFill>
-          </a:ln>
-        </p:spPr>
-        <p:style>
-          <a:lnRef idx="1">
-            <a:schemeClr val="accent1"/>
-          </a:lnRef>
-          <a:fillRef idx="0">
-            <a:schemeClr val="accent1"/>
-          </a:fillRef>
-          <a:effectRef idx="0">
-            <a:schemeClr val="accent1"/>
-          </a:effectRef>
-          <a:fontRef idx="minor">
-            <a:schemeClr val="tx1"/>
-          </a:fontRef>
-        </p:style>
-      </p:cxnSp>
-      <p:sp>
-        <p:nvSpPr>
-          <p:cNvPr id="43" name="Title 6">
-            <a:extLst>
-              <a:ext uri="{FF2B5EF4-FFF2-40B4-BE49-F238E27FC236}">
-                <a16:creationId xmlns:a16="http://schemas.microsoft.com/office/drawing/2014/main" id="{5A824FAC-E619-4932-BC76-534F2793B5FF}"/>
-              </a:ext>
-            </a:extLst>
-          </p:cNvPr>
-          <p:cNvSpPr txBox="1">
-            <a:spLocks/>
-          </p:cNvSpPr>
-          <p:nvPr/>
-        </p:nvSpPr>
-        <p:spPr>
-          <a:xfrm>
-            <a:off x="6927348" y="4153900"/>
-            <a:ext cx="1958319" cy="391629"/>
-          </a:xfrm>
-          <a:prstGeom prst="rect">
-            <a:avLst/>
-          </a:prstGeom>
-        </p:spPr>
-        <p:txBody>
-          <a:bodyPr vert="horz" lIns="91440" tIns="45720" rIns="91440" bIns="45720" rtlCol="0" anchor="t">
-            <a:noAutofit/>
-          </a:bodyPr>
-          <a:lstStyle>
-            <a:lvl1pPr algn="l" defTabSz="914400" rtl="0" eaLnBrk="1" latinLnBrk="0" hangingPunct="1">
-              <a:lnSpc>
-                <a:spcPct val="90000"/>
-              </a:lnSpc>
-              <a:spcBef>
-                <a:spcPct val="0"/>
-              </a:spcBef>
-              <a:buNone/>
-              <a:defRPr sz="4400" b="1" kern="1200">
-                <a:solidFill>
-                  <a:schemeClr val="accent6"/>
-                </a:solidFill>
-                <a:latin typeface="+mj-lt"/>
-                <a:ea typeface="+mj-ea"/>
-                <a:cs typeface="+mj-cs"/>
-              </a:defRPr>
-            </a:lvl1pPr>
-          </a:lstStyle>
-          <a:p>
-            <a:r>
-              <a:rPr lang="en-US" sz="2000" dirty="0"/>
-              <a:t>Business impact</a:t>
-            </a:r>
-            <a:endParaRPr lang="en-US" altLang="zh-CN" sz="2000" dirty="0"/>
-          </a:p>
-        </p:txBody>
-      </p:sp>
-      <p:pic>
-        <p:nvPicPr>
-          <p:cNvPr id="1042" name="Picture 18" descr="10 Ways Business Systems &quot;Directly&quot; Increase Profit!">
-            <a:extLst>
-              <a:ext uri="{FF2B5EF4-FFF2-40B4-BE49-F238E27FC236}">
-                <a16:creationId xmlns:a16="http://schemas.microsoft.com/office/drawing/2014/main" id="{5025DDFB-A86A-4133-8DDB-6EE142415A72}"/>
-              </a:ext>
-            </a:extLst>
-          </p:cNvPr>
-          <p:cNvPicPr>
-            <a:picLocks noChangeAspect="1" noChangeArrowheads="1"/>
-          </p:cNvPicPr>
-          <p:nvPr/>
-        </p:nvPicPr>
-        <p:blipFill>
-          <a:blip r:embed="rId10">
-            <a:extLst>
-              <a:ext uri="{28A0092B-C50C-407E-A947-70E740481C1C}">
-                <a14:useLocalDpi xmlns:a14="http://schemas.microsoft.com/office/drawing/2010/main" val="0"/>
-              </a:ext>
-            </a:extLst>
-          </a:blip>
-          <a:srcRect/>
-          <a:stretch>
-            <a:fillRect/>
-          </a:stretch>
-        </p:blipFill>
-        <p:spPr bwMode="auto">
-          <a:xfrm>
-            <a:off x="7075445" y="4779625"/>
-            <a:ext cx="1008556" cy="1028727"/>
-          </a:xfrm>
-          <a:prstGeom prst="rect">
-            <a:avLst/>
-          </a:prstGeom>
-          <a:noFill/>
-          <a:extLst>
-            <a:ext uri="{909E8E84-426E-40DD-AFC4-6F175D3DCCD1}">
-              <a14:hiddenFill xmlns:a14="http://schemas.microsoft.com/office/drawing/2010/main">
-                <a:solidFill>
-                  <a:srgbClr val="FFFFFF"/>
-                </a:solidFill>
-              </a14:hiddenFill>
-            </a:ext>
-          </a:extLst>
-        </p:spPr>
-      </p:pic>
-      <p:sp>
-        <p:nvSpPr>
-          <p:cNvPr id="45" name="TextBox 44">
-            <a:extLst>
-              <a:ext uri="{FF2B5EF4-FFF2-40B4-BE49-F238E27FC236}">
-                <a16:creationId xmlns:a16="http://schemas.microsoft.com/office/drawing/2014/main" id="{9703D71F-0451-45B0-86E8-419BB6A294CD}"/>
-              </a:ext>
-            </a:extLst>
-          </p:cNvPr>
-          <p:cNvSpPr txBox="1"/>
-          <p:nvPr/>
-        </p:nvSpPr>
-        <p:spPr>
-          <a:xfrm>
-            <a:off x="8154726" y="4868714"/>
-            <a:ext cx="2200837" cy="900246"/>
-          </a:xfrm>
-          <a:prstGeom prst="rect">
-            <a:avLst/>
-          </a:prstGeom>
-        </p:spPr>
-        <p:txBody>
-          <a:bodyPr wrap="square" rtlCol="0">
-            <a:spAutoFit/>
-          </a:bodyPr>
-          <a:lstStyle/>
-          <a:p>
-            <a:pPr marL="0" indent="0">
-              <a:lnSpc>
-                <a:spcPct val="100000"/>
-              </a:lnSpc>
-              <a:spcBef>
-                <a:spcPts val="0"/>
-              </a:spcBef>
-              <a:buFontTx/>
-              <a:buNone/>
-            </a:pPr>
-            <a:r>
-              <a:rPr lang="en-US" sz="1050" dirty="0">
-                <a:solidFill>
-                  <a:schemeClr val="tx1">
-                    <a:lumMod val="75000"/>
-                    <a:lumOff val="25000"/>
-                  </a:schemeClr>
-                </a:solidFill>
-                <a:latin typeface="Abadi (Body)"/>
-                <a:ea typeface="微软雅黑"/>
-                <a:cs typeface="Posterama" panose="020B0504020200020000" pitchFamily="34" charset="0"/>
-              </a:rPr>
-              <a:t>The model improved revenue by </a:t>
-            </a:r>
-            <a:r>
-              <a:rPr lang="en-US" sz="1050" dirty="0">
-                <a:solidFill>
-                  <a:srgbClr val="FF0000"/>
-                </a:solidFill>
-                <a:latin typeface="Abadi (Body)"/>
-                <a:ea typeface="微软雅黑"/>
-                <a:cs typeface="Posterama" panose="020B0504020200020000" pitchFamily="34" charset="0"/>
-              </a:rPr>
-              <a:t>164.24%</a:t>
-            </a:r>
-            <a:r>
-              <a:rPr lang="en-US" sz="1050" dirty="0">
-                <a:solidFill>
-                  <a:schemeClr val="tx1">
-                    <a:lumMod val="75000"/>
-                    <a:lumOff val="25000"/>
-                  </a:schemeClr>
-                </a:solidFill>
-                <a:latin typeface="Abadi (Body)"/>
-                <a:ea typeface="微软雅黑"/>
-                <a:cs typeface="Posterama" panose="020B0504020200020000" pitchFamily="34" charset="0"/>
-              </a:rPr>
-              <a:t> compared to the 'do nothing' program and by </a:t>
-            </a:r>
-            <a:r>
-              <a:rPr lang="en-US" sz="1050" dirty="0">
-                <a:solidFill>
-                  <a:srgbClr val="FF0000"/>
-                </a:solidFill>
-                <a:latin typeface="Abadi (Body)"/>
-                <a:ea typeface="微软雅黑"/>
-                <a:cs typeface="Posterama" panose="020B0504020200020000" pitchFamily="34" charset="0"/>
-              </a:rPr>
-              <a:t>44.51% </a:t>
-            </a:r>
-            <a:r>
-              <a:rPr lang="en-US" sz="1050" dirty="0">
-                <a:solidFill>
-                  <a:schemeClr val="tx1">
-                    <a:lumMod val="75000"/>
-                    <a:lumOff val="25000"/>
-                  </a:schemeClr>
-                </a:solidFill>
-                <a:latin typeface="Abadi (Body)"/>
-                <a:ea typeface="微软雅黑"/>
-                <a:cs typeface="Posterama" panose="020B0504020200020000" pitchFamily="34" charset="0"/>
-              </a:rPr>
-              <a:t>compared to the 'retain all' program.</a:t>
-            </a:r>
-          </a:p>
-        </p:txBody>
-      </p:sp>
-      <p:pic>
-        <p:nvPicPr>
-          <p:cNvPr id="1044" name="Picture 20" descr="DIGI">
-            <a:extLst>
-              <a:ext uri="{FF2B5EF4-FFF2-40B4-BE49-F238E27FC236}">
-                <a16:creationId xmlns:a16="http://schemas.microsoft.com/office/drawing/2014/main" id="{9A2B5B1C-E277-46E3-8292-9D9176958F87}"/>
-              </a:ext>
-            </a:extLst>
-          </p:cNvPr>
-          <p:cNvPicPr>
-            <a:picLocks noChangeAspect="1" noChangeArrowheads="1"/>
-          </p:cNvPicPr>
-          <p:nvPr/>
-        </p:nvPicPr>
-        <p:blipFill>
-          <a:blip r:embed="rId11">
-            <a:extLst>
-              <a:ext uri="{28A0092B-C50C-407E-A947-70E740481C1C}">
-                <a14:useLocalDpi xmlns:a14="http://schemas.microsoft.com/office/drawing/2010/main" val="0"/>
-              </a:ext>
-            </a:extLst>
-          </a:blip>
-          <a:srcRect/>
-          <a:stretch>
-            <a:fillRect/>
-          </a:stretch>
-        </p:blipFill>
-        <p:spPr bwMode="auto">
-          <a:xfrm>
-            <a:off x="509282" y="5776684"/>
-            <a:ext cx="901812" cy="364600"/>
-          </a:xfrm>
-          <a:prstGeom prst="rect">
-            <a:avLst/>
-          </a:prstGeom>
-          <a:noFill/>
-          <a:extLst>
-            <a:ext uri="{909E8E84-426E-40DD-AFC4-6F175D3DCCD1}">
-              <a14:hiddenFill xmlns:a14="http://schemas.microsoft.com/office/drawing/2010/main">
-                <a:solidFill>
-                  <a:srgbClr val="FFFFFF"/>
-                </a:solidFill>
-              </a14:hiddenFill>
-            </a:ext>
-          </a:extLst>
-        </p:spPr>
-      </p:pic>
-      <p:pic>
-        <p:nvPicPr>
-          <p:cNvPr id="2" name="Picture 2" descr="Imbalance dataset: Test and validate resampled tabular data">
-            <a:extLst>
-              <a:ext uri="{FF2B5EF4-FFF2-40B4-BE49-F238E27FC236}">
-                <a16:creationId xmlns:a16="http://schemas.microsoft.com/office/drawing/2014/main" id="{2EDCFD26-8FA4-4228-BB65-BA7436B2F817}"/>
-              </a:ext>
-            </a:extLst>
-          </p:cNvPr>
-          <p:cNvPicPr>
-            <a:picLocks noChangeAspect="1" noChangeArrowheads="1"/>
-          </p:cNvPicPr>
-          <p:nvPr/>
-        </p:nvPicPr>
-        <p:blipFill>
-          <a:blip r:embed="rId12">
-            <a:extLst>
-              <a:ext uri="{28A0092B-C50C-407E-A947-70E740481C1C}">
-                <a14:useLocalDpi xmlns:a14="http://schemas.microsoft.com/office/drawing/2010/main" val="0"/>
-              </a:ext>
-            </a:extLst>
-          </a:blip>
-          <a:srcRect/>
-          <a:stretch>
-            <a:fillRect/>
-          </a:stretch>
-        </p:blipFill>
-        <p:spPr bwMode="auto">
-          <a:xfrm flipH="1">
-            <a:off x="5474060" y="5019764"/>
-            <a:ext cx="1106928" cy="716716"/>
-          </a:xfrm>
-          <a:prstGeom prst="rect">
-            <a:avLst/>
-          </a:prstGeom>
-          <a:noFill/>
-          <a:extLst>
-            <a:ext uri="{909E8E84-426E-40DD-AFC4-6F175D3DCCD1}">
-              <a14:hiddenFill xmlns:a14="http://schemas.microsoft.com/office/drawing/2010/main">
-                <a:solidFill>
-                  <a:srgbClr val="FFFFFF"/>
-                </a:solidFill>
-              </a14:hiddenFill>
-            </a:ext>
-          </a:extLst>
-        </p:spPr>
-      </p:pic>
-      <p:sp>
-        <p:nvSpPr>
-          <p:cNvPr id="32" name="TextBox 31">
-            <a:extLst>
-              <a:ext uri="{FF2B5EF4-FFF2-40B4-BE49-F238E27FC236}">
-                <a16:creationId xmlns:a16="http://schemas.microsoft.com/office/drawing/2014/main" id="{01F053A5-F1F9-4B42-9E5C-398BEFFA0272}"/>
-              </a:ext>
-            </a:extLst>
-          </p:cNvPr>
-          <p:cNvSpPr txBox="1"/>
-          <p:nvPr/>
-        </p:nvSpPr>
-        <p:spPr>
-          <a:xfrm>
-            <a:off x="5308705" y="5867314"/>
-            <a:ext cx="1406839" cy="253916"/>
-          </a:xfrm>
-          <a:prstGeom prst="rect">
-            <a:avLst/>
-          </a:prstGeom>
-        </p:spPr>
-        <p:txBody>
-          <a:bodyPr wrap="square" rtlCol="0">
-            <a:spAutoFit/>
-          </a:bodyPr>
-          <a:lstStyle/>
-          <a:p>
-            <a:pPr marL="0" indent="0" algn="ctr">
-              <a:lnSpc>
-                <a:spcPct val="100000"/>
-              </a:lnSpc>
-              <a:spcBef>
-                <a:spcPts val="0"/>
-              </a:spcBef>
-              <a:buFontTx/>
-              <a:buNone/>
-            </a:pPr>
-            <a:r>
-              <a:rPr lang="en-US" sz="1050" dirty="0">
-                <a:solidFill>
-                  <a:schemeClr val="tx1">
-                    <a:lumMod val="75000"/>
-                    <a:lumOff val="25000"/>
-                  </a:schemeClr>
-                </a:solidFill>
-                <a:latin typeface="Abadi (Body)"/>
-                <a:ea typeface="微软雅黑"/>
-                <a:cs typeface="Posterama" panose="020B0504020200020000" pitchFamily="34" charset="0"/>
-              </a:rPr>
-              <a:t>Resampling</a:t>
-            </a:r>
-          </a:p>
-        </p:txBody>
-      </p:sp>
-    </p:spTree>
-    <p:extLst>
-      <p:ext uri="{BB962C8B-B14F-4D97-AF65-F5344CB8AC3E}">
-        <p14:creationId xmlns:p14="http://schemas.microsoft.com/office/powerpoint/2010/main" val="3806483560"/>
-      </p:ext>
-    </p:extLst>
-  </p:cSld>
-  <p:clrMapOvr>
-    <a:masterClrMapping/>
-  </p:clrMapOvr>
-</p:sld>
-</file>
-
-<file path=ppt/slides/slide20.xml><?xml version="1.0" encoding="utf-8"?>
-<p:sld xmlns:a="http://schemas.openxmlformats.org/drawingml/2006/main" xmlns:r="http://schemas.openxmlformats.org/officeDocument/2006/relationships" xmlns:p="http://schemas.openxmlformats.org/presentationml/2006/main">
-  <p:cSld>
-    <p:spTree>
-      <p:nvGrpSpPr>
-        <p:cNvPr id="1" name=""/>
-        <p:cNvGrpSpPr/>
-        <p:nvPr/>
-      </p:nvGrpSpPr>
-      <p:grpSpPr>
-        <a:xfrm>
-          <a:off x="0" y="0"/>
-          <a:ext cx="0" cy="0"/>
-          <a:chOff x="0" y="0"/>
-          <a:chExt cx="0" cy="0"/>
-        </a:xfrm>
-      </p:grpSpPr>
-      <p:sp>
-        <p:nvSpPr>
-          <p:cNvPr id="7" name="Slide Number Placeholder 6">
-            <a:extLst>
-              <a:ext uri="{FF2B5EF4-FFF2-40B4-BE49-F238E27FC236}">
-                <a16:creationId xmlns:a16="http://schemas.microsoft.com/office/drawing/2014/main" id="{8EA25C86-7BE3-4BC6-C0B8-7F7D7C3EC286}"/>
-              </a:ext>
-            </a:extLst>
-          </p:cNvPr>
-          <p:cNvSpPr>
-            <a:spLocks noGrp="1"/>
-          </p:cNvSpPr>
-          <p:nvPr>
-            <p:ph type="sldNum" sz="quarter" idx="29"/>
-          </p:nvPr>
-        </p:nvSpPr>
         <p:spPr/>
         <p:txBody>
           <a:bodyPr/>
@@ -33115,7 +34072,7 @@
             <a:fld id="{47FEACEE-25B4-4A2D-B147-27296E36371D}" type="slidenum">
               <a:rPr lang="en-US" altLang="zh-CN" smtClean="0"/>
               <a:pPr/>
-              <a:t>20</a:t>
+              <a:t>21</a:t>
             </a:fld>
             <a:endParaRPr lang="en-US" altLang="zh-CN" dirty="0"/>
           </a:p>
@@ -33590,7 +34547,7 @@
 </p:sld>
 </file>
 
-<file path=ppt/slides/slide21.xml><?xml version="1.0" encoding="utf-8"?>
+<file path=ppt/slides/slide22.xml><?xml version="1.0" encoding="utf-8"?>
 <p:sld xmlns:a="http://schemas.openxmlformats.org/drawingml/2006/main" xmlns:r="http://schemas.openxmlformats.org/officeDocument/2006/relationships" xmlns:p="http://schemas.openxmlformats.org/presentationml/2006/main">
   <p:cSld>
     <p:spTree>
@@ -33788,7 +34745,7 @@
             <a:fld id="{47FEACEE-25B4-4A2D-B147-27296E36371D}" type="slidenum">
               <a:rPr lang="en-US" altLang="zh-CN" smtClean="0"/>
               <a:pPr/>
-              <a:t>21</a:t>
+              <a:t>22</a:t>
             </a:fld>
             <a:endParaRPr lang="en-US" altLang="zh-CN" dirty="0"/>
           </a:p>
@@ -40576,6 +41533,26 @@
 </file>
 
 <file path=customXml/item1.xml><?xml version="1.0" encoding="utf-8"?>
+<p:properties xmlns:p="http://schemas.microsoft.com/office/2006/metadata/properties" xmlns:xsi="http://www.w3.org/2001/XMLSchema-instance" xmlns:pc="http://schemas.microsoft.com/office/infopath/2007/PartnerControls">
+  <documentManagement>
+    <_ip_UnifiedCompliancePolicyUIAction xmlns="http://schemas.microsoft.com/sharepoint/v3" xsi:nil="true"/>
+    <Image xmlns="71af3243-3dd4-4a8d-8c0d-dd76da1f02a5">
+      <Url xsi:nil="true"/>
+      <Description xsi:nil="true"/>
+    </Image>
+    <Status xmlns="71af3243-3dd4-4a8d-8c0d-dd76da1f02a5">Not started</Status>
+    <Background xmlns="71af3243-3dd4-4a8d-8c0d-dd76da1f02a5">false</Background>
+    <_ip_UnifiedCompliancePolicyProperties xmlns="http://schemas.microsoft.com/sharepoint/v3" xsi:nil="true"/>
+    <ImageTagsTaxHTField xmlns="71af3243-3dd4-4a8d-8c0d-dd76da1f02a5">
+      <Terms xmlns="http://schemas.microsoft.com/office/infopath/2007/PartnerControls"/>
+    </ImageTagsTaxHTField>
+    <TaxCatchAll xmlns="230e9df3-be65-4c73-a93b-d1236ebd677e" xsi:nil="true"/>
+    <MediaServiceKeyPoints xmlns="71af3243-3dd4-4a8d-8c0d-dd76da1f02a5" xsi:nil="true"/>
+  </documentManagement>
+</p:properties>
+</file>
+
+<file path=customXml/item2.xml><?xml version="1.0" encoding="utf-8"?>
 <ct:contentTypeSchema xmlns:ct="http://schemas.microsoft.com/office/2006/metadata/contentType" xmlns:ma="http://schemas.microsoft.com/office/2006/metadata/properties/metaAttributes" ct:_="" ma:_="" ma:contentTypeName="Document" ma:contentTypeID="0x01010079F111ED35F8CC479449609E8A0923A6" ma:contentTypeVersion="24" ma:contentTypeDescription="Create a new document." ma:contentTypeScope="" ma:versionID="2d714a3296df14eba7a100bb665443ca">
   <xsd:schema xmlns:xsd="http://www.w3.org/2001/XMLSchema" xmlns:xs="http://www.w3.org/2001/XMLSchema" xmlns:p="http://schemas.microsoft.com/office/2006/metadata/properties" xmlns:ns1="http://schemas.microsoft.com/sharepoint/v3" xmlns:ns2="71af3243-3dd4-4a8d-8c0d-dd76da1f02a5" xmlns:ns3="16c05727-aa75-4e4a-9b5f-8a80a1165891" xmlns:ns4="230e9df3-be65-4c73-a93b-d1236ebd677e" targetNamespace="http://schemas.microsoft.com/office/2006/metadata/properties" ma:root="true" ma:fieldsID="49549bf45bfbbfb6cffed527380e77e1" ns1:_="" ns2:_="" ns3:_="" ns4:_="">
     <xsd:import namespace="http://schemas.microsoft.com/sharepoint/v3"/>
@@ -40863,26 +41840,6 @@
 </ct:contentTypeSchema>
 </file>
 
-<file path=customXml/item2.xml><?xml version="1.0" encoding="utf-8"?>
-<p:properties xmlns:p="http://schemas.microsoft.com/office/2006/metadata/properties" xmlns:xsi="http://www.w3.org/2001/XMLSchema-instance" xmlns:pc="http://schemas.microsoft.com/office/infopath/2007/PartnerControls">
-  <documentManagement>
-    <_ip_UnifiedCompliancePolicyUIAction xmlns="http://schemas.microsoft.com/sharepoint/v3" xsi:nil="true"/>
-    <Image xmlns="71af3243-3dd4-4a8d-8c0d-dd76da1f02a5">
-      <Url xsi:nil="true"/>
-      <Description xsi:nil="true"/>
-    </Image>
-    <Status xmlns="71af3243-3dd4-4a8d-8c0d-dd76da1f02a5">Not started</Status>
-    <Background xmlns="71af3243-3dd4-4a8d-8c0d-dd76da1f02a5">false</Background>
-    <_ip_UnifiedCompliancePolicyProperties xmlns="http://schemas.microsoft.com/sharepoint/v3" xsi:nil="true"/>
-    <ImageTagsTaxHTField xmlns="71af3243-3dd4-4a8d-8c0d-dd76da1f02a5">
-      <Terms xmlns="http://schemas.microsoft.com/office/infopath/2007/PartnerControls"/>
-    </ImageTagsTaxHTField>
-    <TaxCatchAll xmlns="230e9df3-be65-4c73-a93b-d1236ebd677e" xsi:nil="true"/>
-    <MediaServiceKeyPoints xmlns="71af3243-3dd4-4a8d-8c0d-dd76da1f02a5" xsi:nil="true"/>
-  </documentManagement>
-</p:properties>
-</file>
-
 <file path=customXml/item3.xml><?xml version="1.0" encoding="utf-8"?>
 <?mso-contentType ?>
 <FormTemplates xmlns="http://schemas.microsoft.com/sharepoint/v3/contenttype/forms">
@@ -40893,6 +41850,25 @@
 </file>
 
 <file path=customXml/itemProps1.xml><?xml version="1.0" encoding="utf-8"?>
+<ds:datastoreItem xmlns:ds="http://schemas.openxmlformats.org/officeDocument/2006/customXml" ds:itemID="{B2C81503-9DEF-42F3-A99B-D5E0223E195B}">
+  <ds:schemaRefs>
+    <ds:schemaRef ds:uri="16c05727-aa75-4e4a-9b5f-8a80a1165891"/>
+    <ds:schemaRef ds:uri="http://schemas.openxmlformats.org/package/2006/metadata/core-properties"/>
+    <ds:schemaRef ds:uri="http://schemas.microsoft.com/sharepoint/v3"/>
+    <ds:schemaRef ds:uri="http://schemas.microsoft.com/office/2006/documentManagement/types"/>
+    <ds:schemaRef ds:uri="http://schemas.microsoft.com/office/2006/metadata/properties"/>
+    <ds:schemaRef ds:uri="http://schemas.microsoft.com/office/infopath/2007/PartnerControls"/>
+    <ds:schemaRef ds:uri="71af3243-3dd4-4a8d-8c0d-dd76da1f02a5"/>
+    <ds:schemaRef ds:uri="230e9df3-be65-4c73-a93b-d1236ebd677e"/>
+    <ds:schemaRef ds:uri="http://purl.org/dc/terms/"/>
+    <ds:schemaRef ds:uri="http://www.w3.org/XML/1998/namespace"/>
+    <ds:schemaRef ds:uri="http://purl.org/dc/dcmitype/"/>
+    <ds:schemaRef ds:uri="http://purl.org/dc/elements/1.1/"/>
+  </ds:schemaRefs>
+</ds:datastoreItem>
+</file>
+
+<file path=customXml/itemProps2.xml><?xml version="1.0" encoding="utf-8"?>
 <ds:datastoreItem xmlns:ds="http://schemas.openxmlformats.org/officeDocument/2006/customXml" ds:itemID="{76A4D1D3-B327-4D60-927D-26045FF4AF3C}">
   <ds:schemaRefs>
     <ds:schemaRef ds:uri="http://schemas.microsoft.com/office/2006/metadata/contentType"/>
@@ -40913,25 +41889,6 @@
 </ds:datastoreItem>
 </file>
 
-<file path=customXml/itemProps2.xml><?xml version="1.0" encoding="utf-8"?>
-<ds:datastoreItem xmlns:ds="http://schemas.openxmlformats.org/officeDocument/2006/customXml" ds:itemID="{B2C81503-9DEF-42F3-A99B-D5E0223E195B}">
-  <ds:schemaRefs>
-    <ds:schemaRef ds:uri="16c05727-aa75-4e4a-9b5f-8a80a1165891"/>
-    <ds:schemaRef ds:uri="http://schemas.openxmlformats.org/package/2006/metadata/core-properties"/>
-    <ds:schemaRef ds:uri="http://schemas.microsoft.com/sharepoint/v3"/>
-    <ds:schemaRef ds:uri="http://schemas.microsoft.com/office/2006/documentManagement/types"/>
-    <ds:schemaRef ds:uri="http://schemas.microsoft.com/office/2006/metadata/properties"/>
-    <ds:schemaRef ds:uri="http://schemas.microsoft.com/office/infopath/2007/PartnerControls"/>
-    <ds:schemaRef ds:uri="71af3243-3dd4-4a8d-8c0d-dd76da1f02a5"/>
-    <ds:schemaRef ds:uri="230e9df3-be65-4c73-a93b-d1236ebd677e"/>
-    <ds:schemaRef ds:uri="http://purl.org/dc/terms/"/>
-    <ds:schemaRef ds:uri="http://www.w3.org/XML/1998/namespace"/>
-    <ds:schemaRef ds:uri="http://purl.org/dc/dcmitype/"/>
-    <ds:schemaRef ds:uri="http://purl.org/dc/elements/1.1/"/>
-  </ds:schemaRefs>
-</ds:datastoreItem>
-</file>
-
 <file path=customXml/itemProps3.xml><?xml version="1.0" encoding="utf-8"?>
 <ds:datastoreItem xmlns:ds="http://schemas.openxmlformats.org/officeDocument/2006/customXml" ds:itemID="{6F156100-9533-4411-B0C0-FA18F914F7B6}">
   <ds:schemaRefs>

--- a/Telco churn prediction model presentation.pptx
+++ b/Telco churn prediction model presentation.pptx
@@ -287,7 +287,7 @@
           <a:p>
             <a:fld id="{8CD26A2A-0A96-0647-84E5-C82F2EFD9474}" type="datetimeFigureOut">
               <a:rPr lang="en-US" smtClean="0"/>
-              <a:t>10/3/2023</a:t>
+              <a:t>10/4/2023</a:t>
             </a:fld>
             <a:endParaRPr lang="en-US" dirty="0"/>
           </a:p>
@@ -464,7 +464,7 @@
           <a:p>
             <a:fld id="{A2B40C3B-E28A-4854-8EDA-E7F8F6F6FFEF}" type="datetimeFigureOut">
               <a:rPr lang="zh-CN" altLang="en-US" smtClean="0"/>
-              <a:t>2023/10/3</a:t>
+              <a:t>2023/10/4</a:t>
             </a:fld>
             <a:endParaRPr lang="zh-CN" altLang="en-US"/>
           </a:p>
@@ -31576,7 +31576,7 @@
         <p:spPr>
           <a:xfrm>
             <a:off x="8154726" y="1771236"/>
-            <a:ext cx="2864913" cy="1800639"/>
+            <a:ext cx="2864913" cy="1184400"/>
           </a:xfrm>
           <a:prstGeom prst="rect">
             <a:avLst/>
@@ -31618,7 +31618,7 @@
             </a:pPr>
             <a:r>
               <a:rPr lang="en-US" sz="1800" b="0" dirty="0"/>
-              <a:t>Handling Imbalanced Dataset</a:t>
+              <a:t>Imbalanced dataset</a:t>
             </a:r>
           </a:p>
           <a:p>
@@ -31628,7 +31628,7 @@
             </a:pPr>
             <a:r>
               <a:rPr lang="en-US" sz="1800" b="0" dirty="0"/>
-              <a:t>Selecting Metrics for Measurement</a:t>
+              <a:t>Metrics for measurement</a:t>
             </a:r>
           </a:p>
           <a:p>
@@ -31638,7 +31638,7 @@
             </a:pPr>
             <a:r>
               <a:rPr lang="en-US" sz="1800" b="0" dirty="0"/>
-              <a:t>Optimizing threshold</a:t>
+              <a:t>Threshold optimization</a:t>
             </a:r>
           </a:p>
         </p:txBody>
@@ -41533,26 +41533,6 @@
 </file>
 
 <file path=customXml/item1.xml><?xml version="1.0" encoding="utf-8"?>
-<p:properties xmlns:p="http://schemas.microsoft.com/office/2006/metadata/properties" xmlns:xsi="http://www.w3.org/2001/XMLSchema-instance" xmlns:pc="http://schemas.microsoft.com/office/infopath/2007/PartnerControls">
-  <documentManagement>
-    <_ip_UnifiedCompliancePolicyUIAction xmlns="http://schemas.microsoft.com/sharepoint/v3" xsi:nil="true"/>
-    <Image xmlns="71af3243-3dd4-4a8d-8c0d-dd76da1f02a5">
-      <Url xsi:nil="true"/>
-      <Description xsi:nil="true"/>
-    </Image>
-    <Status xmlns="71af3243-3dd4-4a8d-8c0d-dd76da1f02a5">Not started</Status>
-    <Background xmlns="71af3243-3dd4-4a8d-8c0d-dd76da1f02a5">false</Background>
-    <_ip_UnifiedCompliancePolicyProperties xmlns="http://schemas.microsoft.com/sharepoint/v3" xsi:nil="true"/>
-    <ImageTagsTaxHTField xmlns="71af3243-3dd4-4a8d-8c0d-dd76da1f02a5">
-      <Terms xmlns="http://schemas.microsoft.com/office/infopath/2007/PartnerControls"/>
-    </ImageTagsTaxHTField>
-    <TaxCatchAll xmlns="230e9df3-be65-4c73-a93b-d1236ebd677e" xsi:nil="true"/>
-    <MediaServiceKeyPoints xmlns="71af3243-3dd4-4a8d-8c0d-dd76da1f02a5" xsi:nil="true"/>
-  </documentManagement>
-</p:properties>
-</file>
-
-<file path=customXml/item2.xml><?xml version="1.0" encoding="utf-8"?>
 <ct:contentTypeSchema xmlns:ct="http://schemas.microsoft.com/office/2006/metadata/contentType" xmlns:ma="http://schemas.microsoft.com/office/2006/metadata/properties/metaAttributes" ct:_="" ma:_="" ma:contentTypeName="Document" ma:contentTypeID="0x01010079F111ED35F8CC479449609E8A0923A6" ma:contentTypeVersion="24" ma:contentTypeDescription="Create a new document." ma:contentTypeScope="" ma:versionID="2d714a3296df14eba7a100bb665443ca">
   <xsd:schema xmlns:xsd="http://www.w3.org/2001/XMLSchema" xmlns:xs="http://www.w3.org/2001/XMLSchema" xmlns:p="http://schemas.microsoft.com/office/2006/metadata/properties" xmlns:ns1="http://schemas.microsoft.com/sharepoint/v3" xmlns:ns2="71af3243-3dd4-4a8d-8c0d-dd76da1f02a5" xmlns:ns3="16c05727-aa75-4e4a-9b5f-8a80a1165891" xmlns:ns4="230e9df3-be65-4c73-a93b-d1236ebd677e" targetNamespace="http://schemas.microsoft.com/office/2006/metadata/properties" ma:root="true" ma:fieldsID="49549bf45bfbbfb6cffed527380e77e1" ns1:_="" ns2:_="" ns3:_="" ns4:_="">
     <xsd:import namespace="http://schemas.microsoft.com/sharepoint/v3"/>
@@ -41840,6 +41820,26 @@
 </ct:contentTypeSchema>
 </file>
 
+<file path=customXml/item2.xml><?xml version="1.0" encoding="utf-8"?>
+<p:properties xmlns:p="http://schemas.microsoft.com/office/2006/metadata/properties" xmlns:xsi="http://www.w3.org/2001/XMLSchema-instance" xmlns:pc="http://schemas.microsoft.com/office/infopath/2007/PartnerControls">
+  <documentManagement>
+    <_ip_UnifiedCompliancePolicyUIAction xmlns="http://schemas.microsoft.com/sharepoint/v3" xsi:nil="true"/>
+    <Image xmlns="71af3243-3dd4-4a8d-8c0d-dd76da1f02a5">
+      <Url xsi:nil="true"/>
+      <Description xsi:nil="true"/>
+    </Image>
+    <Status xmlns="71af3243-3dd4-4a8d-8c0d-dd76da1f02a5">Not started</Status>
+    <Background xmlns="71af3243-3dd4-4a8d-8c0d-dd76da1f02a5">false</Background>
+    <_ip_UnifiedCompliancePolicyProperties xmlns="http://schemas.microsoft.com/sharepoint/v3" xsi:nil="true"/>
+    <ImageTagsTaxHTField xmlns="71af3243-3dd4-4a8d-8c0d-dd76da1f02a5">
+      <Terms xmlns="http://schemas.microsoft.com/office/infopath/2007/PartnerControls"/>
+    </ImageTagsTaxHTField>
+    <TaxCatchAll xmlns="230e9df3-be65-4c73-a93b-d1236ebd677e" xsi:nil="true"/>
+    <MediaServiceKeyPoints xmlns="71af3243-3dd4-4a8d-8c0d-dd76da1f02a5" xsi:nil="true"/>
+  </documentManagement>
+</p:properties>
+</file>
+
 <file path=customXml/item3.xml><?xml version="1.0" encoding="utf-8"?>
 <?mso-contentType ?>
 <FormTemplates xmlns="http://schemas.microsoft.com/sharepoint/v3/contenttype/forms">
@@ -41850,25 +41850,6 @@
 </file>
 
 <file path=customXml/itemProps1.xml><?xml version="1.0" encoding="utf-8"?>
-<ds:datastoreItem xmlns:ds="http://schemas.openxmlformats.org/officeDocument/2006/customXml" ds:itemID="{B2C81503-9DEF-42F3-A99B-D5E0223E195B}">
-  <ds:schemaRefs>
-    <ds:schemaRef ds:uri="16c05727-aa75-4e4a-9b5f-8a80a1165891"/>
-    <ds:schemaRef ds:uri="http://schemas.openxmlformats.org/package/2006/metadata/core-properties"/>
-    <ds:schemaRef ds:uri="http://schemas.microsoft.com/sharepoint/v3"/>
-    <ds:schemaRef ds:uri="http://schemas.microsoft.com/office/2006/documentManagement/types"/>
-    <ds:schemaRef ds:uri="http://schemas.microsoft.com/office/2006/metadata/properties"/>
-    <ds:schemaRef ds:uri="http://schemas.microsoft.com/office/infopath/2007/PartnerControls"/>
-    <ds:schemaRef ds:uri="71af3243-3dd4-4a8d-8c0d-dd76da1f02a5"/>
-    <ds:schemaRef ds:uri="230e9df3-be65-4c73-a93b-d1236ebd677e"/>
-    <ds:schemaRef ds:uri="http://purl.org/dc/terms/"/>
-    <ds:schemaRef ds:uri="http://www.w3.org/XML/1998/namespace"/>
-    <ds:schemaRef ds:uri="http://purl.org/dc/dcmitype/"/>
-    <ds:schemaRef ds:uri="http://purl.org/dc/elements/1.1/"/>
-  </ds:schemaRefs>
-</ds:datastoreItem>
-</file>
-
-<file path=customXml/itemProps2.xml><?xml version="1.0" encoding="utf-8"?>
 <ds:datastoreItem xmlns:ds="http://schemas.openxmlformats.org/officeDocument/2006/customXml" ds:itemID="{76A4D1D3-B327-4D60-927D-26045FF4AF3C}">
   <ds:schemaRefs>
     <ds:schemaRef ds:uri="http://schemas.microsoft.com/office/2006/metadata/contentType"/>
@@ -41889,6 +41870,25 @@
 </ds:datastoreItem>
 </file>
 
+<file path=customXml/itemProps2.xml><?xml version="1.0" encoding="utf-8"?>
+<ds:datastoreItem xmlns:ds="http://schemas.openxmlformats.org/officeDocument/2006/customXml" ds:itemID="{B2C81503-9DEF-42F3-A99B-D5E0223E195B}">
+  <ds:schemaRefs>
+    <ds:schemaRef ds:uri="16c05727-aa75-4e4a-9b5f-8a80a1165891"/>
+    <ds:schemaRef ds:uri="http://schemas.openxmlformats.org/package/2006/metadata/core-properties"/>
+    <ds:schemaRef ds:uri="http://schemas.microsoft.com/sharepoint/v3"/>
+    <ds:schemaRef ds:uri="http://schemas.microsoft.com/office/2006/documentManagement/types"/>
+    <ds:schemaRef ds:uri="http://schemas.microsoft.com/office/2006/metadata/properties"/>
+    <ds:schemaRef ds:uri="http://schemas.microsoft.com/office/infopath/2007/PartnerControls"/>
+    <ds:schemaRef ds:uri="71af3243-3dd4-4a8d-8c0d-dd76da1f02a5"/>
+    <ds:schemaRef ds:uri="230e9df3-be65-4c73-a93b-d1236ebd677e"/>
+    <ds:schemaRef ds:uri="http://purl.org/dc/terms/"/>
+    <ds:schemaRef ds:uri="http://www.w3.org/XML/1998/namespace"/>
+    <ds:schemaRef ds:uri="http://purl.org/dc/dcmitype/"/>
+    <ds:schemaRef ds:uri="http://purl.org/dc/elements/1.1/"/>
+  </ds:schemaRefs>
+</ds:datastoreItem>
+</file>
+
 <file path=customXml/itemProps3.xml><?xml version="1.0" encoding="utf-8"?>
 <ds:datastoreItem xmlns:ds="http://schemas.openxmlformats.org/officeDocument/2006/customXml" ds:itemID="{6F156100-9533-4411-B0C0-FA18F914F7B6}">
   <ds:schemaRefs>

--- a/Telco churn prediction model presentation.pptx
+++ b/Telco churn prediction model presentation.pptx
@@ -26304,7 +26304,7 @@
           <p:nvPr>
             <p:extLst>
               <p:ext uri="{D42A27DB-BD31-4B8C-83A1-F6EECF244321}">
-                <p14:modId xmlns:p14="http://schemas.microsoft.com/office/powerpoint/2010/main" val="191900080"/>
+                <p14:modId xmlns:p14="http://schemas.microsoft.com/office/powerpoint/2010/main" val="2873947975"/>
               </p:ext>
             </p:extLst>
           </p:nvPr>
@@ -26579,7 +26579,7 @@
                           <a:effectLst/>
                           <a:latin typeface="Abadi (Body)"/>
                         </a:rPr>
-                        <a:t>Try oversampling (SMOTE) and </a:t>
+                        <a:t>Try oversampling (SMOTE, ANASYN) and </a:t>
                       </a:r>
                       <a:r>
                         <a:rPr lang="en-US" sz="1200" b="0" dirty="0" err="1">
@@ -26593,7 +26593,7 @@
                           <a:effectLst/>
                           <a:latin typeface="Abadi (Body)"/>
                         </a:rPr>
-                        <a:t> (random </a:t>
+                        <a:t> (Random </a:t>
                       </a:r>
                       <a:r>
                         <a:rPr lang="en-US" sz="1200" b="0" dirty="0" err="1">
@@ -32702,7 +32702,7 @@
         </p:nvCxnSpPr>
         <p:spPr>
           <a:xfrm>
-            <a:off x="6780970" y="4220569"/>
+            <a:off x="6851992" y="4220569"/>
             <a:ext cx="0" cy="2147281"/>
           </a:xfrm>
           <a:prstGeom prst="line">
@@ -32747,7 +32747,7 @@
         </p:nvSpPr>
         <p:spPr>
           <a:xfrm>
-            <a:off x="6927348" y="4153900"/>
+            <a:off x="6980615" y="4153900"/>
             <a:ext cx="1958319" cy="391629"/>
           </a:xfrm>
           <a:prstGeom prst="rect">
@@ -32815,7 +32815,7 @@
         </p:blipFill>
         <p:spPr bwMode="auto">
           <a:xfrm>
-            <a:off x="7075445" y="4779625"/>
+            <a:off x="7128712" y="4779625"/>
             <a:ext cx="1008556" cy="1028727"/>
           </a:xfrm>
           <a:prstGeom prst="rect">
@@ -32847,7 +32847,7 @@
         </p:nvSpPr>
         <p:spPr>
           <a:xfrm>
-            <a:off x="8154726" y="4868714"/>
+            <a:off x="8207993" y="4868714"/>
             <a:ext cx="2200837" cy="900246"/>
           </a:xfrm>
           <a:prstGeom prst="rect">
@@ -33013,7 +33013,7 @@
         </p:blipFill>
         <p:spPr bwMode="auto">
           <a:xfrm flipH="1">
-            <a:off x="5474060" y="5019764"/>
+            <a:off x="5379568" y="4829148"/>
             <a:ext cx="1106928" cy="716716"/>
           </a:xfrm>
           <a:prstGeom prst="rect">
@@ -33045,8 +33045,8 @@
         </p:nvSpPr>
         <p:spPr>
           <a:xfrm>
-            <a:off x="5303406" y="5732219"/>
-            <a:ext cx="1406839" cy="577081"/>
+            <a:off x="5146997" y="5541603"/>
+            <a:ext cx="1623942" cy="577081"/>
           </a:xfrm>
           <a:prstGeom prst="rect">
             <a:avLst/>
@@ -33107,7 +33107,35 @@
                 <a:ea typeface="微软雅黑"/>
                 <a:cs typeface="Posterama" panose="020B0504020200020000" pitchFamily="34" charset="0"/>
               </a:rPr>
-              <a:t>(SMOTE, ADASYN, Under sampling)</a:t>
+              <a:t>(SMOTE, ADASYN, Random </a:t>
+            </a:r>
+            <a:r>
+              <a:rPr lang="en-US" sz="1050" dirty="0" err="1">
+                <a:solidFill>
+                  <a:schemeClr val="tx1">
+                    <a:lumMod val="75000"/>
+                    <a:lumOff val="25000"/>
+                  </a:schemeClr>
+                </a:solidFill>
+                <a:latin typeface="Abadi (Body)"/>
+                <a:ea typeface="微软雅黑"/>
+                <a:cs typeface="Posterama" panose="020B0504020200020000" pitchFamily="34" charset="0"/>
+              </a:rPr>
+              <a:t>undersampling</a:t>
+            </a:r>
+            <a:r>
+              <a:rPr lang="en-US" sz="1050" dirty="0">
+                <a:solidFill>
+                  <a:schemeClr val="tx1">
+                    <a:lumMod val="75000"/>
+                    <a:lumOff val="25000"/>
+                  </a:schemeClr>
+                </a:solidFill>
+                <a:latin typeface="Abadi (Body)"/>
+                <a:ea typeface="微软雅黑"/>
+                <a:cs typeface="Posterama" panose="020B0504020200020000" pitchFamily="34" charset="0"/>
+              </a:rPr>
+              <a:t>)</a:t>
             </a:r>
           </a:p>
         </p:txBody>
@@ -41533,6 +41561,26 @@
 </file>
 
 <file path=customXml/item1.xml><?xml version="1.0" encoding="utf-8"?>
+<p:properties xmlns:p="http://schemas.microsoft.com/office/2006/metadata/properties" xmlns:xsi="http://www.w3.org/2001/XMLSchema-instance" xmlns:pc="http://schemas.microsoft.com/office/infopath/2007/PartnerControls">
+  <documentManagement>
+    <_ip_UnifiedCompliancePolicyUIAction xmlns="http://schemas.microsoft.com/sharepoint/v3" xsi:nil="true"/>
+    <Image xmlns="71af3243-3dd4-4a8d-8c0d-dd76da1f02a5">
+      <Url xsi:nil="true"/>
+      <Description xsi:nil="true"/>
+    </Image>
+    <Status xmlns="71af3243-3dd4-4a8d-8c0d-dd76da1f02a5">Not started</Status>
+    <Background xmlns="71af3243-3dd4-4a8d-8c0d-dd76da1f02a5">false</Background>
+    <_ip_UnifiedCompliancePolicyProperties xmlns="http://schemas.microsoft.com/sharepoint/v3" xsi:nil="true"/>
+    <ImageTagsTaxHTField xmlns="71af3243-3dd4-4a8d-8c0d-dd76da1f02a5">
+      <Terms xmlns="http://schemas.microsoft.com/office/infopath/2007/PartnerControls"/>
+    </ImageTagsTaxHTField>
+    <TaxCatchAll xmlns="230e9df3-be65-4c73-a93b-d1236ebd677e" xsi:nil="true"/>
+    <MediaServiceKeyPoints xmlns="71af3243-3dd4-4a8d-8c0d-dd76da1f02a5" xsi:nil="true"/>
+  </documentManagement>
+</p:properties>
+</file>
+
+<file path=customXml/item2.xml><?xml version="1.0" encoding="utf-8"?>
 <ct:contentTypeSchema xmlns:ct="http://schemas.microsoft.com/office/2006/metadata/contentType" xmlns:ma="http://schemas.microsoft.com/office/2006/metadata/properties/metaAttributes" ct:_="" ma:_="" ma:contentTypeName="Document" ma:contentTypeID="0x01010079F111ED35F8CC479449609E8A0923A6" ma:contentTypeVersion="24" ma:contentTypeDescription="Create a new document." ma:contentTypeScope="" ma:versionID="2d714a3296df14eba7a100bb665443ca">
   <xsd:schema xmlns:xsd="http://www.w3.org/2001/XMLSchema" xmlns:xs="http://www.w3.org/2001/XMLSchema" xmlns:p="http://schemas.microsoft.com/office/2006/metadata/properties" xmlns:ns1="http://schemas.microsoft.com/sharepoint/v3" xmlns:ns2="71af3243-3dd4-4a8d-8c0d-dd76da1f02a5" xmlns:ns3="16c05727-aa75-4e4a-9b5f-8a80a1165891" xmlns:ns4="230e9df3-be65-4c73-a93b-d1236ebd677e" targetNamespace="http://schemas.microsoft.com/office/2006/metadata/properties" ma:root="true" ma:fieldsID="49549bf45bfbbfb6cffed527380e77e1" ns1:_="" ns2:_="" ns3:_="" ns4:_="">
     <xsd:import namespace="http://schemas.microsoft.com/sharepoint/v3"/>
@@ -41820,26 +41868,6 @@
 </ct:contentTypeSchema>
 </file>
 
-<file path=customXml/item2.xml><?xml version="1.0" encoding="utf-8"?>
-<p:properties xmlns:p="http://schemas.microsoft.com/office/2006/metadata/properties" xmlns:xsi="http://www.w3.org/2001/XMLSchema-instance" xmlns:pc="http://schemas.microsoft.com/office/infopath/2007/PartnerControls">
-  <documentManagement>
-    <_ip_UnifiedCompliancePolicyUIAction xmlns="http://schemas.microsoft.com/sharepoint/v3" xsi:nil="true"/>
-    <Image xmlns="71af3243-3dd4-4a8d-8c0d-dd76da1f02a5">
-      <Url xsi:nil="true"/>
-      <Description xsi:nil="true"/>
-    </Image>
-    <Status xmlns="71af3243-3dd4-4a8d-8c0d-dd76da1f02a5">Not started</Status>
-    <Background xmlns="71af3243-3dd4-4a8d-8c0d-dd76da1f02a5">false</Background>
-    <_ip_UnifiedCompliancePolicyProperties xmlns="http://schemas.microsoft.com/sharepoint/v3" xsi:nil="true"/>
-    <ImageTagsTaxHTField xmlns="71af3243-3dd4-4a8d-8c0d-dd76da1f02a5">
-      <Terms xmlns="http://schemas.microsoft.com/office/infopath/2007/PartnerControls"/>
-    </ImageTagsTaxHTField>
-    <TaxCatchAll xmlns="230e9df3-be65-4c73-a93b-d1236ebd677e" xsi:nil="true"/>
-    <MediaServiceKeyPoints xmlns="71af3243-3dd4-4a8d-8c0d-dd76da1f02a5" xsi:nil="true"/>
-  </documentManagement>
-</p:properties>
-</file>
-
 <file path=customXml/item3.xml><?xml version="1.0" encoding="utf-8"?>
 <?mso-contentType ?>
 <FormTemplates xmlns="http://schemas.microsoft.com/sharepoint/v3/contenttype/forms">
@@ -41850,6 +41878,25 @@
 </file>
 
 <file path=customXml/itemProps1.xml><?xml version="1.0" encoding="utf-8"?>
+<ds:datastoreItem xmlns:ds="http://schemas.openxmlformats.org/officeDocument/2006/customXml" ds:itemID="{B2C81503-9DEF-42F3-A99B-D5E0223E195B}">
+  <ds:schemaRefs>
+    <ds:schemaRef ds:uri="16c05727-aa75-4e4a-9b5f-8a80a1165891"/>
+    <ds:schemaRef ds:uri="http://schemas.openxmlformats.org/package/2006/metadata/core-properties"/>
+    <ds:schemaRef ds:uri="http://schemas.microsoft.com/sharepoint/v3"/>
+    <ds:schemaRef ds:uri="http://schemas.microsoft.com/office/2006/documentManagement/types"/>
+    <ds:schemaRef ds:uri="http://schemas.microsoft.com/office/2006/metadata/properties"/>
+    <ds:schemaRef ds:uri="http://schemas.microsoft.com/office/infopath/2007/PartnerControls"/>
+    <ds:schemaRef ds:uri="71af3243-3dd4-4a8d-8c0d-dd76da1f02a5"/>
+    <ds:schemaRef ds:uri="230e9df3-be65-4c73-a93b-d1236ebd677e"/>
+    <ds:schemaRef ds:uri="http://purl.org/dc/terms/"/>
+    <ds:schemaRef ds:uri="http://www.w3.org/XML/1998/namespace"/>
+    <ds:schemaRef ds:uri="http://purl.org/dc/dcmitype/"/>
+    <ds:schemaRef ds:uri="http://purl.org/dc/elements/1.1/"/>
+  </ds:schemaRefs>
+</ds:datastoreItem>
+</file>
+
+<file path=customXml/itemProps2.xml><?xml version="1.0" encoding="utf-8"?>
 <ds:datastoreItem xmlns:ds="http://schemas.openxmlformats.org/officeDocument/2006/customXml" ds:itemID="{76A4D1D3-B327-4D60-927D-26045FF4AF3C}">
   <ds:schemaRefs>
     <ds:schemaRef ds:uri="http://schemas.microsoft.com/office/2006/metadata/contentType"/>
@@ -41870,25 +41917,6 @@
 </ds:datastoreItem>
 </file>
 
-<file path=customXml/itemProps2.xml><?xml version="1.0" encoding="utf-8"?>
-<ds:datastoreItem xmlns:ds="http://schemas.openxmlformats.org/officeDocument/2006/customXml" ds:itemID="{B2C81503-9DEF-42F3-A99B-D5E0223E195B}">
-  <ds:schemaRefs>
-    <ds:schemaRef ds:uri="16c05727-aa75-4e4a-9b5f-8a80a1165891"/>
-    <ds:schemaRef ds:uri="http://schemas.openxmlformats.org/package/2006/metadata/core-properties"/>
-    <ds:schemaRef ds:uri="http://schemas.microsoft.com/sharepoint/v3"/>
-    <ds:schemaRef ds:uri="http://schemas.microsoft.com/office/2006/documentManagement/types"/>
-    <ds:schemaRef ds:uri="http://schemas.microsoft.com/office/2006/metadata/properties"/>
-    <ds:schemaRef ds:uri="http://schemas.microsoft.com/office/infopath/2007/PartnerControls"/>
-    <ds:schemaRef ds:uri="71af3243-3dd4-4a8d-8c0d-dd76da1f02a5"/>
-    <ds:schemaRef ds:uri="230e9df3-be65-4c73-a93b-d1236ebd677e"/>
-    <ds:schemaRef ds:uri="http://purl.org/dc/terms/"/>
-    <ds:schemaRef ds:uri="http://www.w3.org/XML/1998/namespace"/>
-    <ds:schemaRef ds:uri="http://purl.org/dc/dcmitype/"/>
-    <ds:schemaRef ds:uri="http://purl.org/dc/elements/1.1/"/>
-  </ds:schemaRefs>
-</ds:datastoreItem>
-</file>
-
 <file path=customXml/itemProps3.xml><?xml version="1.0" encoding="utf-8"?>
 <ds:datastoreItem xmlns:ds="http://schemas.openxmlformats.org/officeDocument/2006/customXml" ds:itemID="{6F156100-9533-4411-B0C0-FA18F914F7B6}">
   <ds:schemaRefs>

--- a/Telco churn prediction model presentation.pptx
+++ b/Telco churn prediction model presentation.pptx
@@ -150,7 +150,7 @@
             <p14:sldId id="300"/>
           </p14:sldIdLst>
         </p14:section>
-        <p14:section name="Untitled Section" id="{1E73A14D-274E-4206-A438-0C8230FB69B7}">
+        <p14:section name="appendix" id="{1E73A14D-274E-4206-A438-0C8230FB69B7}">
           <p14:sldIdLst>
             <p14:sldId id="335"/>
             <p14:sldId id="336"/>
@@ -287,7 +287,7 @@
           <a:p>
             <a:fld id="{8CD26A2A-0A96-0647-84E5-C82F2EFD9474}" type="datetimeFigureOut">
               <a:rPr lang="en-US" smtClean="0"/>
-              <a:t>10/4/2023</a:t>
+              <a:t>10/7/2023</a:t>
             </a:fld>
             <a:endParaRPr lang="en-US" dirty="0"/>
           </a:p>
@@ -464,7 +464,7 @@
           <a:p>
             <a:fld id="{A2B40C3B-E28A-4854-8EDA-E7F8F6F6FFEF}" type="datetimeFigureOut">
               <a:rPr lang="zh-CN" altLang="en-US" smtClean="0"/>
-              <a:t>2023/10/4</a:t>
+              <a:t>2023/10/7</a:t>
             </a:fld>
             <a:endParaRPr lang="zh-CN" altLang="en-US"/>
           </a:p>
@@ -30792,7 +30792,7 @@
                 <a:effectLst/>
                 <a:latin typeface="Abadi (Body)"/>
               </a:rPr>
-              <a:t>Threshold</a:t>
+              <a:t>Threshold selection with business</a:t>
             </a:r>
           </a:p>
         </p:txBody>
@@ -31253,53 +31253,6 @@
           <a:chExt cx="0" cy="0"/>
         </a:xfrm>
       </p:grpSpPr>
-      <p:pic>
-        <p:nvPicPr>
-          <p:cNvPr id="1040" name="Picture 16" descr="Optimal Threshold for Imbalanced Classification | by Audhi Aprilliant |  Towards Data Science">
-            <a:extLst>
-              <a:ext uri="{FF2B5EF4-FFF2-40B4-BE49-F238E27FC236}">
-                <a16:creationId xmlns:a16="http://schemas.microsoft.com/office/drawing/2014/main" id="{4FB49991-30FD-414F-8728-BDD3B4C9E85B}"/>
-              </a:ext>
-            </a:extLst>
-          </p:cNvPr>
-          <p:cNvPicPr>
-            <a:picLocks noChangeAspect="1" noChangeArrowheads="1"/>
-          </p:cNvPicPr>
-          <p:nvPr/>
-        </p:nvPicPr>
-        <p:blipFill>
-          <a:blip r:embed="rId3">
-            <a:extLst>
-              <a:ext uri="{28A0092B-C50C-407E-A947-70E740481C1C}">
-                <a14:useLocalDpi xmlns:a14="http://schemas.microsoft.com/office/drawing/2010/main" val="0"/>
-              </a:ext>
-            </a:extLst>
-          </a:blip>
-          <a:srcRect/>
-          <a:stretch>
-            <a:fillRect/>
-          </a:stretch>
-        </p:blipFill>
-        <p:spPr bwMode="auto">
-          <a:xfrm>
-            <a:off x="4109033" y="4338680"/>
-            <a:ext cx="1426435" cy="718580"/>
-          </a:xfrm>
-          <a:prstGeom prst="rect">
-            <a:avLst/>
-          </a:prstGeom>
-          <a:noFill/>
-          <a:extLst>
-            <a:ext uri="{909E8E84-426E-40DD-AFC4-6F175D3DCCD1}">
-              <a14:hiddenFill xmlns:a14="http://schemas.microsoft.com/office/drawing/2010/main">
-                <a:solidFill>
-                  <a:srgbClr val="FFFFFF"/>
-                </a:solidFill>
-              </a14:hiddenFill>
-            </a:ext>
-          </a:extLst>
-        </p:spPr>
-      </p:pic>
       <p:sp>
         <p:nvSpPr>
           <p:cNvPr id="12" name="Title 11">
@@ -31638,7 +31591,7 @@
             </a:pPr>
             <a:r>
               <a:rPr lang="en-US" sz="1800" b="0" dirty="0"/>
-              <a:t>Threshold optimization</a:t>
+              <a:t>Threshold selection</a:t>
             </a:r>
           </a:p>
         </p:txBody>
@@ -31713,7 +31666,7 @@
           <p:nvPr/>
         </p:nvPicPr>
         <p:blipFill>
-          <a:blip r:embed="rId4">
+          <a:blip r:embed="rId3">
             <a:extLst>
               <a:ext uri="{28A0092B-C50C-407E-A947-70E740481C1C}">
                 <a14:useLocalDpi xmlns:a14="http://schemas.microsoft.com/office/drawing/2010/main" val="0"/>
@@ -32146,7 +32099,7 @@
           <p:nvPr/>
         </p:nvPicPr>
         <p:blipFill>
-          <a:blip r:embed="rId5">
+          <a:blip r:embed="rId4">
             <a:extLst>
               <a:ext uri="{28A0092B-C50C-407E-A947-70E740481C1C}">
                 <a14:useLocalDpi xmlns:a14="http://schemas.microsoft.com/office/drawing/2010/main" val="0"/>
@@ -32193,7 +32146,7 @@
           <p:nvPr/>
         </p:nvPicPr>
         <p:blipFill>
-          <a:blip r:embed="rId6">
+          <a:blip r:embed="rId5">
             <a:extLst>
               <a:ext uri="{28A0092B-C50C-407E-A947-70E740481C1C}">
                 <a14:useLocalDpi xmlns:a14="http://schemas.microsoft.com/office/drawing/2010/main" val="0"/>
@@ -32240,7 +32193,7 @@
           <p:nvPr/>
         </p:nvPicPr>
         <p:blipFill>
-          <a:blip r:embed="rId7">
+          <a:blip r:embed="rId6">
             <a:extLst>
               <a:ext uri="{28A0092B-C50C-407E-A947-70E740481C1C}">
                 <a14:useLocalDpi xmlns:a14="http://schemas.microsoft.com/office/drawing/2010/main" val="0"/>
@@ -32287,7 +32240,7 @@
           <p:nvPr/>
         </p:nvPicPr>
         <p:blipFill rotWithShape="1">
-          <a:blip r:embed="rId8">
+          <a:blip r:embed="rId7">
             <a:extLst>
               <a:ext uri="{28A0092B-C50C-407E-A947-70E740481C1C}">
                 <a14:useLocalDpi xmlns:a14="http://schemas.microsoft.com/office/drawing/2010/main" val="0"/>
@@ -32332,7 +32285,7 @@
           <p:nvPr/>
         </p:nvPicPr>
         <p:blipFill rotWithShape="1">
-          <a:blip r:embed="rId9">
+          <a:blip r:embed="rId8">
             <a:extLst>
               <a:ext uri="{28A0092B-C50C-407E-A947-70E740481C1C}">
                 <a14:useLocalDpi xmlns:a14="http://schemas.microsoft.com/office/drawing/2010/main" val="0"/>
@@ -32344,7 +32297,7 @@
         </p:blipFill>
         <p:spPr bwMode="auto">
           <a:xfrm>
-            <a:off x="4334733" y="5508318"/>
+            <a:off x="4352489" y="5579342"/>
             <a:ext cx="696326" cy="720503"/>
           </a:xfrm>
           <a:prstGeom prst="rect">
@@ -32592,7 +32545,7 @@
         </p:nvSpPr>
         <p:spPr>
           <a:xfrm>
-            <a:off x="3979477" y="6208629"/>
+            <a:off x="3997233" y="6279653"/>
             <a:ext cx="1406839" cy="253916"/>
           </a:xfrm>
           <a:prstGeom prst="rect">
@@ -32646,8 +32599,8 @@
         </p:nvSpPr>
         <p:spPr>
           <a:xfrm>
-            <a:off x="4226483" y="5071975"/>
-            <a:ext cx="1170414" cy="253916"/>
+            <a:off x="4205256" y="5100305"/>
+            <a:ext cx="1170414" cy="415498"/>
           </a:xfrm>
           <a:prstGeom prst="rect">
             <a:avLst/>
@@ -32681,7 +32634,7 @@
                 <a:ea typeface="微软雅黑"/>
                 <a:cs typeface="Posterama" panose="020B0504020200020000" pitchFamily="34" charset="0"/>
               </a:rPr>
-              <a:t>Threshold tuning</a:t>
+              <a:t>Threshold selection</a:t>
             </a:r>
           </a:p>
         </p:txBody>
@@ -32801,7 +32754,7 @@
           <p:nvPr/>
         </p:nvPicPr>
         <p:blipFill>
-          <a:blip r:embed="rId10">
+          <a:blip r:embed="rId9">
             <a:extLst>
               <a:ext uri="{28A0092B-C50C-407E-A947-70E740481C1C}">
                 <a14:useLocalDpi xmlns:a14="http://schemas.microsoft.com/office/drawing/2010/main" val="0"/>
@@ -32952,7 +32905,7 @@
           <p:nvPr/>
         </p:nvPicPr>
         <p:blipFill>
-          <a:blip r:embed="rId11">
+          <a:blip r:embed="rId10">
             <a:extLst>
               <a:ext uri="{28A0092B-C50C-407E-A947-70E740481C1C}">
                 <a14:useLocalDpi xmlns:a14="http://schemas.microsoft.com/office/drawing/2010/main" val="0"/>
@@ -32999,7 +32952,7 @@
           <p:nvPr/>
         </p:nvPicPr>
         <p:blipFill>
-          <a:blip r:embed="rId12">
+          <a:blip r:embed="rId11">
             <a:extLst>
               <a:ext uri="{28A0092B-C50C-407E-A947-70E740481C1C}">
                 <a14:useLocalDpi xmlns:a14="http://schemas.microsoft.com/office/drawing/2010/main" val="0"/>
@@ -33013,7 +32966,7 @@
         </p:blipFill>
         <p:spPr bwMode="auto">
           <a:xfrm flipH="1">
-            <a:off x="5379568" y="4829148"/>
+            <a:off x="5397324" y="4900172"/>
             <a:ext cx="1106928" cy="716716"/>
           </a:xfrm>
           <a:prstGeom prst="rect">
@@ -33045,7 +32998,7 @@
         </p:nvSpPr>
         <p:spPr>
           <a:xfrm>
-            <a:off x="5146997" y="5541603"/>
+            <a:off x="5164753" y="5594871"/>
             <a:ext cx="1623942" cy="577081"/>
           </a:xfrm>
           <a:prstGeom prst="rect">
@@ -33140,6 +33093,36 @@
           </a:p>
         </p:txBody>
       </p:sp>
+      <p:pic>
+        <p:nvPicPr>
+          <p:cNvPr id="7" name="Picture 6">
+            <a:extLst>
+              <a:ext uri="{FF2B5EF4-FFF2-40B4-BE49-F238E27FC236}">
+                <a16:creationId xmlns:a16="http://schemas.microsoft.com/office/drawing/2014/main" id="{652EE034-28C9-4CAF-B544-9A9282250540}"/>
+              </a:ext>
+            </a:extLst>
+          </p:cNvPr>
+          <p:cNvPicPr>
+            <a:picLocks noChangeAspect="1"/>
+          </p:cNvPicPr>
+          <p:nvPr/>
+        </p:nvPicPr>
+        <p:blipFill>
+          <a:blip r:embed="rId12"/>
+          <a:stretch>
+            <a:fillRect/>
+          </a:stretch>
+        </p:blipFill>
+        <p:spPr>
+          <a:xfrm>
+            <a:off x="4341836" y="4459632"/>
+            <a:ext cx="857447" cy="648213"/>
+          </a:xfrm>
+          <a:prstGeom prst="rect">
+            <a:avLst/>
+          </a:prstGeom>
+        </p:spPr>
+      </p:pic>
     </p:spTree>
     <p:extLst>
       <p:ext uri="{BB962C8B-B14F-4D97-AF65-F5344CB8AC3E}">
@@ -34611,7 +34594,7 @@
         <p:spPr>
           <a:xfrm>
             <a:off x="2910148" y="1622967"/>
-            <a:ext cx="7092833" cy="1422664"/>
+            <a:ext cx="7693197" cy="1422664"/>
           </a:xfrm>
         </p:spPr>
         <p:txBody>
@@ -34619,15 +34602,15 @@
           <a:lstStyle/>
           <a:p>
             <a:r>
-              <a:rPr lang="en-US" sz="1800" dirty="0"/>
+              <a:rPr lang="en-US" sz="2000" dirty="0"/>
               <a:t>Peerapat Tancharoen holds a Bachelor's degree in Economics from </a:t>
             </a:r>
             <a:r>
-              <a:rPr lang="en-US" sz="1800" dirty="0" err="1"/>
+              <a:rPr lang="en-US" sz="2000" dirty="0" err="1"/>
               <a:t>Srinakharinwirot</a:t>
             </a:r>
             <a:r>
-              <a:rPr lang="en-US" sz="1800" dirty="0"/>
+              <a:rPr lang="en-US" sz="2000" dirty="0"/>
               <a:t> University, graduating with first honors and a GPA of 3.67. He also earned a Master's degree in Economics from Thammasat University, achieving a GPA of 3.98.</a:t>
             </a:r>
           </a:p>
@@ -35715,7 +35698,7 @@
               <a:buAutoNum type="arabicPeriod"/>
             </a:pPr>
             <a:r>
-              <a:rPr lang="en-US" sz="3200" b="1" dirty="0">
+              <a:rPr lang="en-US" sz="3200" dirty="0">
                 <a:solidFill>
                   <a:srgbClr val="1F1F1F"/>
                 </a:solidFill>
@@ -35730,7 +35713,7 @@
               <a:buAutoNum type="arabicPeriod"/>
             </a:pPr>
             <a:r>
-              <a:rPr lang="en-US" sz="3200" b="1" dirty="0">
+              <a:rPr lang="en-US" sz="3200" dirty="0">
                 <a:solidFill>
                   <a:srgbClr val="1F1F1F"/>
                 </a:solidFill>
@@ -35745,7 +35728,7 @@
               <a:buAutoNum type="arabicPeriod"/>
             </a:pPr>
             <a:r>
-              <a:rPr lang="en-US" sz="3200" b="1" dirty="0">
+              <a:rPr lang="en-US" sz="3200" dirty="0">
                 <a:solidFill>
                   <a:srgbClr val="1F1F1F"/>
                 </a:solidFill>
@@ -35760,7 +35743,7 @@
               <a:buAutoNum type="arabicPeriod"/>
             </a:pPr>
             <a:r>
-              <a:rPr lang="en-US" sz="3200" b="1" dirty="0">
+              <a:rPr lang="en-US" sz="3200" dirty="0">
                 <a:solidFill>
                   <a:srgbClr val="1F1F1F"/>
                 </a:solidFill>
@@ -35775,7 +35758,7 @@
               <a:buAutoNum type="arabicPeriod"/>
             </a:pPr>
             <a:r>
-              <a:rPr lang="en-US" sz="3200" b="1" dirty="0">
+              <a:rPr lang="en-US" sz="3200" dirty="0">
                 <a:solidFill>
                   <a:srgbClr val="1F1F1F"/>
                 </a:solidFill>
@@ -35790,7 +35773,7 @@
               <a:buAutoNum type="arabicPeriod"/>
             </a:pPr>
             <a:r>
-              <a:rPr lang="en-US" sz="3200" b="1" dirty="0">
+              <a:rPr lang="en-US" sz="3200" dirty="0">
                 <a:solidFill>
                   <a:srgbClr val="1F1F1F"/>
                 </a:solidFill>
@@ -35805,7 +35788,7 @@
               <a:buAutoNum type="arabicPeriod"/>
             </a:pPr>
             <a:r>
-              <a:rPr lang="en-US" sz="3200" b="1" dirty="0">
+              <a:rPr lang="en-US" sz="3200" dirty="0">
                 <a:solidFill>
                   <a:srgbClr val="1F1F1F"/>
                 </a:solidFill>
@@ -35820,7 +35803,7 @@
               <a:buAutoNum type="arabicPeriod"/>
             </a:pPr>
             <a:r>
-              <a:rPr lang="en-US" sz="3200" b="1" dirty="0">
+              <a:rPr lang="en-US" sz="3200" dirty="0">
                 <a:solidFill>
                   <a:srgbClr val="1F1F1F"/>
                 </a:solidFill>
@@ -41561,23 +41544,12 @@
 </file>
 
 <file path=customXml/item1.xml><?xml version="1.0" encoding="utf-8"?>
-<p:properties xmlns:p="http://schemas.microsoft.com/office/2006/metadata/properties" xmlns:xsi="http://www.w3.org/2001/XMLSchema-instance" xmlns:pc="http://schemas.microsoft.com/office/infopath/2007/PartnerControls">
-  <documentManagement>
-    <_ip_UnifiedCompliancePolicyUIAction xmlns="http://schemas.microsoft.com/sharepoint/v3" xsi:nil="true"/>
-    <Image xmlns="71af3243-3dd4-4a8d-8c0d-dd76da1f02a5">
-      <Url xsi:nil="true"/>
-      <Description xsi:nil="true"/>
-    </Image>
-    <Status xmlns="71af3243-3dd4-4a8d-8c0d-dd76da1f02a5">Not started</Status>
-    <Background xmlns="71af3243-3dd4-4a8d-8c0d-dd76da1f02a5">false</Background>
-    <_ip_UnifiedCompliancePolicyProperties xmlns="http://schemas.microsoft.com/sharepoint/v3" xsi:nil="true"/>
-    <ImageTagsTaxHTField xmlns="71af3243-3dd4-4a8d-8c0d-dd76da1f02a5">
-      <Terms xmlns="http://schemas.microsoft.com/office/infopath/2007/PartnerControls"/>
-    </ImageTagsTaxHTField>
-    <TaxCatchAll xmlns="230e9df3-be65-4c73-a93b-d1236ebd677e" xsi:nil="true"/>
-    <MediaServiceKeyPoints xmlns="71af3243-3dd4-4a8d-8c0d-dd76da1f02a5" xsi:nil="true"/>
-  </documentManagement>
-</p:properties>
+<?mso-contentType ?>
+<FormTemplates xmlns="http://schemas.microsoft.com/sharepoint/v3/contenttype/forms">
+  <Display>DocumentLibraryForm</Display>
+  <Edit>DocumentLibraryForm</Edit>
+  <New>DocumentLibraryForm</New>
+</FormTemplates>
 </file>
 
 <file path=customXml/item2.xml><?xml version="1.0" encoding="utf-8"?>
@@ -41869,29 +41841,29 @@
 </file>
 
 <file path=customXml/item3.xml><?xml version="1.0" encoding="utf-8"?>
-<?mso-contentType ?>
-<FormTemplates xmlns="http://schemas.microsoft.com/sharepoint/v3/contenttype/forms">
-  <Display>DocumentLibraryForm</Display>
-  <Edit>DocumentLibraryForm</Edit>
-  <New>DocumentLibraryForm</New>
-</FormTemplates>
+<p:properties xmlns:p="http://schemas.microsoft.com/office/2006/metadata/properties" xmlns:xsi="http://www.w3.org/2001/XMLSchema-instance" xmlns:pc="http://schemas.microsoft.com/office/infopath/2007/PartnerControls">
+  <documentManagement>
+    <_ip_UnifiedCompliancePolicyUIAction xmlns="http://schemas.microsoft.com/sharepoint/v3" xsi:nil="true"/>
+    <Image xmlns="71af3243-3dd4-4a8d-8c0d-dd76da1f02a5">
+      <Url xsi:nil="true"/>
+      <Description xsi:nil="true"/>
+    </Image>
+    <Status xmlns="71af3243-3dd4-4a8d-8c0d-dd76da1f02a5">Not started</Status>
+    <Background xmlns="71af3243-3dd4-4a8d-8c0d-dd76da1f02a5">false</Background>
+    <_ip_UnifiedCompliancePolicyProperties xmlns="http://schemas.microsoft.com/sharepoint/v3" xsi:nil="true"/>
+    <ImageTagsTaxHTField xmlns="71af3243-3dd4-4a8d-8c0d-dd76da1f02a5">
+      <Terms xmlns="http://schemas.microsoft.com/office/infopath/2007/PartnerControls"/>
+    </ImageTagsTaxHTField>
+    <TaxCatchAll xmlns="230e9df3-be65-4c73-a93b-d1236ebd677e" xsi:nil="true"/>
+    <MediaServiceKeyPoints xmlns="71af3243-3dd4-4a8d-8c0d-dd76da1f02a5" xsi:nil="true"/>
+  </documentManagement>
+</p:properties>
 </file>
 
 <file path=customXml/itemProps1.xml><?xml version="1.0" encoding="utf-8"?>
-<ds:datastoreItem xmlns:ds="http://schemas.openxmlformats.org/officeDocument/2006/customXml" ds:itemID="{B2C81503-9DEF-42F3-A99B-D5E0223E195B}">
+<ds:datastoreItem xmlns:ds="http://schemas.openxmlformats.org/officeDocument/2006/customXml" ds:itemID="{6F156100-9533-4411-B0C0-FA18F914F7B6}">
   <ds:schemaRefs>
-    <ds:schemaRef ds:uri="16c05727-aa75-4e4a-9b5f-8a80a1165891"/>
-    <ds:schemaRef ds:uri="http://schemas.openxmlformats.org/package/2006/metadata/core-properties"/>
-    <ds:schemaRef ds:uri="http://schemas.microsoft.com/sharepoint/v3"/>
-    <ds:schemaRef ds:uri="http://schemas.microsoft.com/office/2006/documentManagement/types"/>
-    <ds:schemaRef ds:uri="http://schemas.microsoft.com/office/2006/metadata/properties"/>
-    <ds:schemaRef ds:uri="http://schemas.microsoft.com/office/infopath/2007/PartnerControls"/>
-    <ds:schemaRef ds:uri="71af3243-3dd4-4a8d-8c0d-dd76da1f02a5"/>
-    <ds:schemaRef ds:uri="230e9df3-be65-4c73-a93b-d1236ebd677e"/>
-    <ds:schemaRef ds:uri="http://purl.org/dc/terms/"/>
-    <ds:schemaRef ds:uri="http://www.w3.org/XML/1998/namespace"/>
-    <ds:schemaRef ds:uri="http://purl.org/dc/dcmitype/"/>
-    <ds:schemaRef ds:uri="http://purl.org/dc/elements/1.1/"/>
+    <ds:schemaRef ds:uri="http://schemas.microsoft.com/sharepoint/v3/contenttype/forms"/>
   </ds:schemaRefs>
 </ds:datastoreItem>
 </file>
@@ -41918,9 +41890,20 @@
 </file>
 
 <file path=customXml/itemProps3.xml><?xml version="1.0" encoding="utf-8"?>
-<ds:datastoreItem xmlns:ds="http://schemas.openxmlformats.org/officeDocument/2006/customXml" ds:itemID="{6F156100-9533-4411-B0C0-FA18F914F7B6}">
+<ds:datastoreItem xmlns:ds="http://schemas.openxmlformats.org/officeDocument/2006/customXml" ds:itemID="{B2C81503-9DEF-42F3-A99B-D5E0223E195B}">
   <ds:schemaRefs>
-    <ds:schemaRef ds:uri="http://schemas.microsoft.com/sharepoint/v3/contenttype/forms"/>
+    <ds:schemaRef ds:uri="http://schemas.microsoft.com/office/2006/documentManagement/types"/>
+    <ds:schemaRef ds:uri="71af3243-3dd4-4a8d-8c0d-dd76da1f02a5"/>
+    <ds:schemaRef ds:uri="http://schemas.microsoft.com/office/2006/metadata/properties"/>
+    <ds:schemaRef ds:uri="230e9df3-be65-4c73-a93b-d1236ebd677e"/>
+    <ds:schemaRef ds:uri="http://purl.org/dc/terms/"/>
+    <ds:schemaRef ds:uri="http://purl.org/dc/elements/1.1/"/>
+    <ds:schemaRef ds:uri="http://schemas.microsoft.com/office/infopath/2007/PartnerControls"/>
+    <ds:schemaRef ds:uri="http://www.w3.org/XML/1998/namespace"/>
+    <ds:schemaRef ds:uri="http://schemas.openxmlformats.org/package/2006/metadata/core-properties"/>
+    <ds:schemaRef ds:uri="16c05727-aa75-4e4a-9b5f-8a80a1165891"/>
+    <ds:schemaRef ds:uri="http://schemas.microsoft.com/sharepoint/v3"/>
+    <ds:schemaRef ds:uri="http://purl.org/dc/dcmitype/"/>
   </ds:schemaRefs>
 </ds:datastoreItem>
 </file>

--- a/Telco churn prediction model presentation.pptx
+++ b/Telco churn prediction model presentation.pptx
@@ -287,7 +287,7 @@
           <a:p>
             <a:fld id="{8CD26A2A-0A96-0647-84E5-C82F2EFD9474}" type="datetimeFigureOut">
               <a:rPr lang="en-US" smtClean="0"/>
-              <a:t>10/7/2023</a:t>
+              <a:t>12/7/2023</a:t>
             </a:fld>
             <a:endParaRPr lang="en-US" dirty="0"/>
           </a:p>
@@ -464,7 +464,7 @@
           <a:p>
             <a:fld id="{A2B40C3B-E28A-4854-8EDA-E7F8F6F6FFEF}" type="datetimeFigureOut">
               <a:rPr lang="zh-CN" altLang="en-US" smtClean="0"/>
-              <a:t>2023/10/7</a:t>
+              <a:t>2023/12/7</a:t>
             </a:fld>
             <a:endParaRPr lang="zh-CN" altLang="en-US"/>
           </a:p>
@@ -24087,17 +24087,37 @@
           <a:lstStyle/>
           <a:p>
             <a:r>
-              <a:rPr lang="en-US" altLang="zh-CN" sz="4000" dirty="0"/>
+              <a:rPr lang="en-US" altLang="zh-CN" sz="4000" dirty="0">
+                <a:solidFill>
+                  <a:srgbClr val="1F1F1F"/>
+                </a:solidFill>
+                <a:latin typeface="+mn-lt"/>
+              </a:rPr>
               <a:t>TELCO CHURN PREDICTION MODEL</a:t>
             </a:r>
             <a:br>
-              <a:rPr lang="en-US" altLang="zh-CN" sz="4000" dirty="0"/>
+              <a:rPr lang="en-US" altLang="zh-CN" sz="4000" dirty="0">
+                <a:solidFill>
+                  <a:srgbClr val="1F1F1F"/>
+                </a:solidFill>
+                <a:latin typeface="+mn-lt"/>
+              </a:rPr>
             </a:br>
             <a:r>
-              <a:rPr lang="en-US" altLang="zh-CN" sz="2000" dirty="0"/>
+              <a:rPr lang="en-US" altLang="zh-CN" sz="2000" dirty="0">
+                <a:solidFill>
+                  <a:srgbClr val="1F1F1F"/>
+                </a:solidFill>
+                <a:latin typeface="+mn-lt"/>
+              </a:rPr>
               <a:t>A Model for Predicting Customer Retention in Telecom</a:t>
             </a:r>
-            <a:endParaRPr lang="en-US" sz="4000" dirty="0"/>
+            <a:endParaRPr lang="en-US" sz="4000" dirty="0">
+              <a:solidFill>
+                <a:srgbClr val="1F1F1F"/>
+              </a:solidFill>
+              <a:latin typeface="+mn-lt"/>
+            </a:endParaRPr>
           </a:p>
         </p:txBody>
       </p:sp>
@@ -24128,17 +24148,33 @@
           <a:lstStyle/>
           <a:p>
             <a:r>
-              <a:rPr lang="en-US" sz="2000" b="1" dirty="0"/>
+              <a:rPr lang="en-US" sz="2000" b="1" dirty="0">
+                <a:solidFill>
+                  <a:srgbClr val="1F1F1F"/>
+                </a:solidFill>
+              </a:rPr>
               <a:t>Peerapat.t</a:t>
             </a:r>
             <a:br>
-              <a:rPr lang="en-US" sz="2000" b="1" dirty="0"/>
+              <a:rPr lang="en-US" sz="2000" b="1" dirty="0">
+                <a:solidFill>
+                  <a:srgbClr val="1F1F1F"/>
+                </a:solidFill>
+              </a:rPr>
             </a:br>
             <a:r>
-              <a:rPr lang="en-US" sz="1600" dirty="0"/>
+              <a:rPr lang="en-US" sz="1600" dirty="0">
+                <a:solidFill>
+                  <a:srgbClr val="1F1F1F"/>
+                </a:solidFill>
+              </a:rPr>
               <a:t>For project’s material please visit : github.com/peerapat-t</a:t>
             </a:r>
-            <a:endParaRPr lang="en-US" sz="2400" dirty="0"/>
+            <a:endParaRPr lang="en-US" sz="2400" dirty="0">
+              <a:solidFill>
+                <a:srgbClr val="1F1F1F"/>
+              </a:solidFill>
+            </a:endParaRPr>
           </a:p>
         </p:txBody>
       </p:sp>
@@ -24515,11 +24551,19 @@
           <a:lstStyle/>
           <a:p>
             <a:fld id="{47FEACEE-25B4-4A2D-B147-27296E36371D}" type="slidenum">
-              <a:rPr lang="en-US" altLang="zh-CN" smtClean="0"/>
+              <a:rPr lang="en-US" altLang="zh-CN" smtClean="0">
+                <a:solidFill>
+                  <a:srgbClr val="1F1F1F"/>
+                </a:solidFill>
+              </a:rPr>
               <a:pPr/>
               <a:t>10</a:t>
             </a:fld>
-            <a:endParaRPr lang="en-US" altLang="zh-CN" dirty="0"/>
+            <a:endParaRPr lang="en-US" altLang="zh-CN" dirty="0">
+              <a:solidFill>
+                <a:srgbClr val="1F1F1F"/>
+              </a:solidFill>
+            </a:endParaRPr>
           </a:p>
         </p:txBody>
       </p:sp>
@@ -24542,7 +24586,7 @@
         <p:spPr>
           <a:xfrm>
             <a:off x="581709" y="274955"/>
-            <a:ext cx="9343341" cy="673368"/>
+            <a:ext cx="9805165" cy="673368"/>
           </a:xfrm>
         </p:spPr>
         <p:txBody>
@@ -24550,7 +24594,12 @@
           <a:lstStyle/>
           <a:p>
             <a:r>
-              <a:rPr lang="en-US" dirty="0"/>
+              <a:rPr lang="en-US" dirty="0">
+                <a:solidFill>
+                  <a:srgbClr val="1F1F1F"/>
+                </a:solidFill>
+                <a:latin typeface="Abadi (Body)"/>
+              </a:rPr>
               <a:t>5. CONCLUSIONS/RECOMMENDATIONS</a:t>
             </a:r>
           </a:p>
@@ -24833,10 +24882,18 @@
               <a:buNone/>
             </a:pPr>
             <a:r>
-              <a:rPr lang="en-US" altLang="zh-CN" sz="1200" dirty="0"/>
+              <a:rPr lang="en-US" altLang="zh-CN" sz="1200" dirty="0">
+                <a:solidFill>
+                  <a:srgbClr val="1F1F1F"/>
+                </a:solidFill>
+              </a:rPr>
               <a:t>TELCO CHURN PREDICTION MODEL</a:t>
             </a:r>
-            <a:endParaRPr lang="en-US" dirty="0"/>
+            <a:endParaRPr lang="en-US" dirty="0">
+              <a:solidFill>
+                <a:srgbClr val="1F1F1F"/>
+              </a:solidFill>
+            </a:endParaRPr>
           </a:p>
         </p:txBody>
       </p:sp>
@@ -25103,11 +25160,19 @@
           <a:lstStyle/>
           <a:p>
             <a:fld id="{47FEACEE-25B4-4A2D-B147-27296E36371D}" type="slidenum">
-              <a:rPr lang="en-US" altLang="zh-CN" smtClean="0"/>
+              <a:rPr lang="en-US" altLang="zh-CN" smtClean="0">
+                <a:solidFill>
+                  <a:srgbClr val="1F1F1F"/>
+                </a:solidFill>
+              </a:rPr>
               <a:pPr/>
               <a:t>11</a:t>
             </a:fld>
-            <a:endParaRPr lang="en-US" altLang="zh-CN" dirty="0"/>
+            <a:endParaRPr lang="en-US" altLang="zh-CN" dirty="0">
+              <a:solidFill>
+                <a:srgbClr val="1F1F1F"/>
+              </a:solidFill>
+            </a:endParaRPr>
           </a:p>
         </p:txBody>
       </p:sp>
@@ -25388,10 +25453,18 @@
               <a:buNone/>
             </a:pPr>
             <a:r>
-              <a:rPr lang="en-US" altLang="zh-CN" sz="1200" dirty="0"/>
+              <a:rPr lang="en-US" altLang="zh-CN" sz="1200" dirty="0">
+                <a:solidFill>
+                  <a:srgbClr val="1F1F1F"/>
+                </a:solidFill>
+              </a:rPr>
               <a:t>TELCO CHURN PREDICTION MODEL</a:t>
             </a:r>
-            <a:endParaRPr lang="en-US" dirty="0"/>
+            <a:endParaRPr lang="en-US" dirty="0">
+              <a:solidFill>
+                <a:srgbClr val="1F1F1F"/>
+              </a:solidFill>
+            </a:endParaRPr>
           </a:p>
         </p:txBody>
       </p:sp>
@@ -25422,7 +25495,12 @@
           <a:lstStyle/>
           <a:p>
             <a:r>
-              <a:rPr lang="en-US" dirty="0"/>
+              <a:rPr lang="en-US" dirty="0">
+                <a:solidFill>
+                  <a:srgbClr val="1F1F1F"/>
+                </a:solidFill>
+                <a:latin typeface="Abadi (Body)"/>
+              </a:rPr>
               <a:t>6. FUTURE WORK</a:t>
             </a:r>
           </a:p>
@@ -25598,7 +25676,12 @@
           <a:lstStyle/>
           <a:p>
             <a:r>
-              <a:rPr lang="en-US" dirty="0"/>
+              <a:rPr lang="en-US" dirty="0">
+                <a:solidFill>
+                  <a:srgbClr val="1F1F1F"/>
+                </a:solidFill>
+                <a:latin typeface="Abadi (Body)"/>
+              </a:rPr>
               <a:t>END OF PRESENTATION</a:t>
             </a:r>
           </a:p>
@@ -25657,11 +25740,19 @@
           <a:lstStyle/>
           <a:p>
             <a:fld id="{47FEACEE-25B4-4A2D-B147-27296E36371D}" type="slidenum">
-              <a:rPr lang="en-US" altLang="zh-CN" smtClean="0"/>
+              <a:rPr lang="en-US" altLang="zh-CN" smtClean="0">
+                <a:solidFill>
+                  <a:srgbClr val="1F1F1F"/>
+                </a:solidFill>
+              </a:rPr>
               <a:pPr/>
               <a:t>12</a:t>
             </a:fld>
-            <a:endParaRPr lang="en-US" altLang="zh-CN" dirty="0"/>
+            <a:endParaRPr lang="en-US" altLang="zh-CN" dirty="0">
+              <a:solidFill>
+                <a:srgbClr val="1F1F1F"/>
+              </a:solidFill>
+            </a:endParaRPr>
           </a:p>
         </p:txBody>
       </p:sp>
@@ -25864,10 +25955,18 @@
               <a:buNone/>
             </a:pPr>
             <a:r>
-              <a:rPr lang="en-US" altLang="zh-CN" sz="1200" dirty="0"/>
+              <a:rPr lang="en-US" altLang="zh-CN" sz="1200" dirty="0">
+                <a:solidFill>
+                  <a:srgbClr val="1F1F1F"/>
+                </a:solidFill>
+              </a:rPr>
               <a:t>TELCO CHURN PREDICTION MODEL</a:t>
             </a:r>
-            <a:endParaRPr lang="en-US" dirty="0"/>
+            <a:endParaRPr lang="en-US" dirty="0">
+              <a:solidFill>
+                <a:srgbClr val="1F1F1F"/>
+              </a:solidFill>
+            </a:endParaRPr>
           </a:p>
         </p:txBody>
       </p:sp>
@@ -25923,11 +26022,19 @@
           <a:lstStyle/>
           <a:p>
             <a:fld id="{47FEACEE-25B4-4A2D-B147-27296E36371D}" type="slidenum">
-              <a:rPr lang="en-US" altLang="zh-CN" smtClean="0"/>
+              <a:rPr lang="en-US" altLang="zh-CN" smtClean="0">
+                <a:solidFill>
+                  <a:srgbClr val="1F1F1F"/>
+                </a:solidFill>
+              </a:rPr>
               <a:pPr/>
               <a:t>13</a:t>
             </a:fld>
-            <a:endParaRPr lang="en-US" altLang="zh-CN" dirty="0"/>
+            <a:endParaRPr lang="en-US" altLang="zh-CN" dirty="0">
+              <a:solidFill>
+                <a:srgbClr val="1F1F1F"/>
+              </a:solidFill>
+            </a:endParaRPr>
           </a:p>
         </p:txBody>
       </p:sp>
@@ -26208,10 +26315,18 @@
               <a:buNone/>
             </a:pPr>
             <a:r>
-              <a:rPr lang="en-US" altLang="zh-CN" sz="1200" dirty="0"/>
+              <a:rPr lang="en-US" altLang="zh-CN" sz="1200" dirty="0">
+                <a:solidFill>
+                  <a:srgbClr val="1F1F1F"/>
+                </a:solidFill>
+              </a:rPr>
               <a:t>TELCO CHURN PREDICTION MODEL</a:t>
             </a:r>
-            <a:endParaRPr lang="en-US" dirty="0"/>
+            <a:endParaRPr lang="en-US" dirty="0">
+              <a:solidFill>
+                <a:srgbClr val="1F1F1F"/>
+              </a:solidFill>
+            </a:endParaRPr>
           </a:p>
         </p:txBody>
       </p:sp>
@@ -26242,7 +26357,12 @@
           <a:lstStyle/>
           <a:p>
             <a:r>
-              <a:rPr lang="en-US" dirty="0"/>
+              <a:rPr lang="en-US" dirty="0">
+                <a:solidFill>
+                  <a:srgbClr val="1F1F1F"/>
+                </a:solidFill>
+                <a:latin typeface="Abadi (Body)"/>
+              </a:rPr>
               <a:t>7. APPENDIX</a:t>
             </a:r>
           </a:p>
@@ -26974,11 +27094,19 @@
           <a:lstStyle/>
           <a:p>
             <a:fld id="{47FEACEE-25B4-4A2D-B147-27296E36371D}" type="slidenum">
-              <a:rPr lang="en-US" altLang="zh-CN" smtClean="0"/>
+              <a:rPr lang="en-US" altLang="zh-CN" smtClean="0">
+                <a:solidFill>
+                  <a:srgbClr val="1F1F1F"/>
+                </a:solidFill>
+              </a:rPr>
               <a:pPr/>
               <a:t>14</a:t>
             </a:fld>
-            <a:endParaRPr lang="en-US" altLang="zh-CN" dirty="0"/>
+            <a:endParaRPr lang="en-US" altLang="zh-CN" dirty="0">
+              <a:solidFill>
+                <a:srgbClr val="1F1F1F"/>
+              </a:solidFill>
+            </a:endParaRPr>
           </a:p>
         </p:txBody>
       </p:sp>
@@ -27259,10 +27387,18 @@
               <a:buNone/>
             </a:pPr>
             <a:r>
-              <a:rPr lang="en-US" altLang="zh-CN" sz="1200" dirty="0"/>
+              <a:rPr lang="en-US" altLang="zh-CN" sz="1200" dirty="0">
+                <a:solidFill>
+                  <a:srgbClr val="1F1F1F"/>
+                </a:solidFill>
+              </a:rPr>
               <a:t>TELCO CHURN PREDICTION MODEL</a:t>
             </a:r>
-            <a:endParaRPr lang="en-US" dirty="0"/>
+            <a:endParaRPr lang="en-US" dirty="0">
+              <a:solidFill>
+                <a:srgbClr val="1F1F1F"/>
+              </a:solidFill>
+            </a:endParaRPr>
           </a:p>
         </p:txBody>
       </p:sp>
@@ -27293,7 +27429,12 @@
           <a:lstStyle/>
           <a:p>
             <a:r>
-              <a:rPr lang="en-US" dirty="0"/>
+              <a:rPr lang="en-US" dirty="0">
+                <a:solidFill>
+                  <a:srgbClr val="1F1F1F"/>
+                </a:solidFill>
+                <a:latin typeface="Abadi (Body)"/>
+              </a:rPr>
               <a:t>7. APPENDIX</a:t>
             </a:r>
           </a:p>
@@ -27544,11 +27685,19 @@
           <a:lstStyle/>
           <a:p>
             <a:fld id="{47FEACEE-25B4-4A2D-B147-27296E36371D}" type="slidenum">
-              <a:rPr lang="en-US" altLang="zh-CN" smtClean="0"/>
+              <a:rPr lang="en-US" altLang="zh-CN" smtClean="0">
+                <a:solidFill>
+                  <a:srgbClr val="1F1F1F"/>
+                </a:solidFill>
+              </a:rPr>
               <a:pPr/>
               <a:t>15</a:t>
             </a:fld>
-            <a:endParaRPr lang="en-US" altLang="zh-CN" dirty="0"/>
+            <a:endParaRPr lang="en-US" altLang="zh-CN" dirty="0">
+              <a:solidFill>
+                <a:srgbClr val="1F1F1F"/>
+              </a:solidFill>
+            </a:endParaRPr>
           </a:p>
         </p:txBody>
       </p:sp>
@@ -27829,10 +27978,18 @@
               <a:buNone/>
             </a:pPr>
             <a:r>
-              <a:rPr lang="en-US" altLang="zh-CN" sz="1200" dirty="0"/>
+              <a:rPr lang="en-US" altLang="zh-CN" sz="1200" dirty="0">
+                <a:solidFill>
+                  <a:srgbClr val="1F1F1F"/>
+                </a:solidFill>
+              </a:rPr>
               <a:t>TELCO CHURN PREDICTION MODEL</a:t>
             </a:r>
-            <a:endParaRPr lang="en-US" dirty="0"/>
+            <a:endParaRPr lang="en-US" dirty="0">
+              <a:solidFill>
+                <a:srgbClr val="1F1F1F"/>
+              </a:solidFill>
+            </a:endParaRPr>
           </a:p>
         </p:txBody>
       </p:sp>
@@ -27863,7 +28020,12 @@
           <a:lstStyle/>
           <a:p>
             <a:r>
-              <a:rPr lang="en-US" dirty="0"/>
+              <a:rPr lang="en-US" dirty="0">
+                <a:solidFill>
+                  <a:srgbClr val="1F1F1F"/>
+                </a:solidFill>
+                <a:latin typeface="Abadi (Body)"/>
+              </a:rPr>
               <a:t>7. APPENDIX</a:t>
             </a:r>
           </a:p>
@@ -28496,11 +28658,19 @@
           <a:lstStyle/>
           <a:p>
             <a:fld id="{47FEACEE-25B4-4A2D-B147-27296E36371D}" type="slidenum">
-              <a:rPr lang="en-US" altLang="zh-CN" smtClean="0"/>
+              <a:rPr lang="en-US" altLang="zh-CN" smtClean="0">
+                <a:solidFill>
+                  <a:srgbClr val="1F1F1F"/>
+                </a:solidFill>
+              </a:rPr>
               <a:pPr/>
               <a:t>16</a:t>
             </a:fld>
-            <a:endParaRPr lang="en-US" altLang="zh-CN" dirty="0"/>
+            <a:endParaRPr lang="en-US" altLang="zh-CN" dirty="0">
+              <a:solidFill>
+                <a:srgbClr val="1F1F1F"/>
+              </a:solidFill>
+            </a:endParaRPr>
           </a:p>
         </p:txBody>
       </p:sp>
@@ -28781,10 +28951,18 @@
               <a:buNone/>
             </a:pPr>
             <a:r>
-              <a:rPr lang="en-US" altLang="zh-CN" sz="1200" dirty="0"/>
+              <a:rPr lang="en-US" altLang="zh-CN" sz="1200" dirty="0">
+                <a:solidFill>
+                  <a:srgbClr val="1F1F1F"/>
+                </a:solidFill>
+              </a:rPr>
               <a:t>TELCO CHURN PREDICTION MODEL</a:t>
             </a:r>
-            <a:endParaRPr lang="en-US" dirty="0"/>
+            <a:endParaRPr lang="en-US" dirty="0">
+              <a:solidFill>
+                <a:srgbClr val="1F1F1F"/>
+              </a:solidFill>
+            </a:endParaRPr>
           </a:p>
         </p:txBody>
       </p:sp>
@@ -28815,7 +28993,12 @@
           <a:lstStyle/>
           <a:p>
             <a:r>
-              <a:rPr lang="en-US" dirty="0"/>
+              <a:rPr lang="en-US" dirty="0">
+                <a:solidFill>
+                  <a:srgbClr val="1F1F1F"/>
+                </a:solidFill>
+                <a:latin typeface="Abadi (Body)"/>
+              </a:rPr>
               <a:t>7. APPENDIX</a:t>
             </a:r>
           </a:p>
@@ -29486,7 +29669,12 @@
           <a:lstStyle/>
           <a:p>
             <a:r>
-              <a:rPr lang="en-US" dirty="0"/>
+              <a:rPr lang="en-US" dirty="0">
+                <a:solidFill>
+                  <a:srgbClr val="1F1F1F"/>
+                </a:solidFill>
+                <a:latin typeface="Abadi (Body)"/>
+              </a:rPr>
               <a:t>7. APPENDIX</a:t>
             </a:r>
           </a:p>
@@ -29745,11 +29933,19 @@
           <a:lstStyle/>
           <a:p>
             <a:fld id="{47FEACEE-25B4-4A2D-B147-27296E36371D}" type="slidenum">
-              <a:rPr lang="en-US" altLang="zh-CN" smtClean="0"/>
+              <a:rPr lang="en-US" altLang="zh-CN" smtClean="0">
+                <a:solidFill>
+                  <a:srgbClr val="1F1F1F"/>
+                </a:solidFill>
+              </a:rPr>
               <a:pPr/>
               <a:t>18</a:t>
             </a:fld>
-            <a:endParaRPr lang="en-US" altLang="zh-CN" dirty="0"/>
+            <a:endParaRPr lang="en-US" altLang="zh-CN" dirty="0">
+              <a:solidFill>
+                <a:srgbClr val="1F1F1F"/>
+              </a:solidFill>
+            </a:endParaRPr>
           </a:p>
         </p:txBody>
       </p:sp>
@@ -30030,10 +30226,18 @@
               <a:buNone/>
             </a:pPr>
             <a:r>
-              <a:rPr lang="en-US" altLang="zh-CN" sz="1200" dirty="0"/>
+              <a:rPr lang="en-US" altLang="zh-CN" sz="1200" dirty="0">
+                <a:solidFill>
+                  <a:srgbClr val="1F1F1F"/>
+                </a:solidFill>
+              </a:rPr>
               <a:t>TELCO CHURN PREDICTION MODEL</a:t>
             </a:r>
-            <a:endParaRPr lang="en-US" dirty="0"/>
+            <a:endParaRPr lang="en-US" dirty="0">
+              <a:solidFill>
+                <a:srgbClr val="1F1F1F"/>
+              </a:solidFill>
+            </a:endParaRPr>
           </a:p>
         </p:txBody>
       </p:sp>
@@ -30064,7 +30268,12 @@
           <a:lstStyle/>
           <a:p>
             <a:r>
-              <a:rPr lang="en-US" dirty="0"/>
+              <a:rPr lang="en-US" dirty="0">
+                <a:solidFill>
+                  <a:srgbClr val="1F1F1F"/>
+                </a:solidFill>
+                <a:latin typeface="Abadi (Body)"/>
+              </a:rPr>
               <a:t>7. APPENDIX</a:t>
             </a:r>
           </a:p>
@@ -30431,11 +30640,21 @@
           <a:lstStyle/>
           <a:p>
             <a:fld id="{47FEACEE-25B4-4A2D-B147-27296E36371D}" type="slidenum">
-              <a:rPr lang="en-US" altLang="zh-CN" smtClean="0"/>
+              <a:rPr lang="en-US" altLang="zh-CN" smtClean="0">
+                <a:solidFill>
+                  <a:srgbClr val="1F1F1F"/>
+                </a:solidFill>
+                <a:latin typeface="Abadi (Body)"/>
+              </a:rPr>
               <a:pPr/>
               <a:t>19</a:t>
             </a:fld>
-            <a:endParaRPr lang="en-US" altLang="zh-CN" dirty="0"/>
+            <a:endParaRPr lang="en-US" altLang="zh-CN" dirty="0">
+              <a:solidFill>
+                <a:srgbClr val="1F1F1F"/>
+              </a:solidFill>
+              <a:latin typeface="Abadi (Body)"/>
+            </a:endParaRPr>
           </a:p>
         </p:txBody>
       </p:sp>
@@ -30716,10 +30935,20 @@
               <a:buNone/>
             </a:pPr>
             <a:r>
-              <a:rPr lang="en-US" altLang="zh-CN" sz="1200" dirty="0"/>
+              <a:rPr lang="en-US" altLang="zh-CN" sz="1200" dirty="0">
+                <a:solidFill>
+                  <a:srgbClr val="1F1F1F"/>
+                </a:solidFill>
+                <a:latin typeface="Abadi (Body)"/>
+              </a:rPr>
               <a:t>TELCO CHURN PREDICTION MODEL</a:t>
             </a:r>
-            <a:endParaRPr lang="en-US" dirty="0"/>
+            <a:endParaRPr lang="en-US" dirty="0">
+              <a:solidFill>
+                <a:srgbClr val="1F1F1F"/>
+              </a:solidFill>
+              <a:latin typeface="Abadi (Body)"/>
+            </a:endParaRPr>
           </a:p>
         </p:txBody>
       </p:sp>
@@ -30750,7 +30979,12 @@
           <a:lstStyle/>
           <a:p>
             <a:r>
-              <a:rPr lang="en-US" dirty="0"/>
+              <a:rPr lang="en-US" dirty="0">
+                <a:solidFill>
+                  <a:srgbClr val="1F1F1F"/>
+                </a:solidFill>
+                <a:latin typeface="Abadi (Body)"/>
+              </a:rPr>
               <a:t>7. APPENDIX</a:t>
             </a:r>
           </a:p>
@@ -31280,10 +31514,20 @@
           <a:lstStyle/>
           <a:p>
             <a:r>
-              <a:rPr lang="en-US" altLang="zh-CN" sz="4400" dirty="0"/>
+              <a:rPr lang="en-US" altLang="zh-CN" sz="4400" dirty="0">
+                <a:solidFill>
+                  <a:srgbClr val="1F1F1F"/>
+                </a:solidFill>
+                <a:latin typeface="+mn-lt"/>
+              </a:rPr>
               <a:t>TELCO CHURN PREDICTION MODEL</a:t>
             </a:r>
-            <a:endParaRPr lang="en-US" dirty="0"/>
+            <a:endParaRPr lang="en-US" dirty="0">
+              <a:solidFill>
+                <a:srgbClr val="1F1F1F"/>
+              </a:solidFill>
+              <a:latin typeface="+mn-lt"/>
+            </a:endParaRPr>
           </a:p>
         </p:txBody>
       </p:sp>
@@ -31367,10 +31611,10 @@
       </p:sp>
       <p:sp>
         <p:nvSpPr>
-          <p:cNvPr id="8" name="Title 6">
+          <p:cNvPr id="18" name="Title 6">
             <a:extLst>
               <a:ext uri="{FF2B5EF4-FFF2-40B4-BE49-F238E27FC236}">
-                <a16:creationId xmlns:a16="http://schemas.microsoft.com/office/drawing/2014/main" id="{A1BD7277-E2FB-4339-AF9C-00BE7B3320F5}"/>
+                <a16:creationId xmlns:a16="http://schemas.microsoft.com/office/drawing/2014/main" id="{5D764239-A7DB-418A-A461-4BDFAB66E45D}"/>
               </a:ext>
             </a:extLst>
           </p:cNvPr>
@@ -31381,238 +31625,7 @@
         </p:nvSpPr>
         <p:spPr>
           <a:xfrm>
-            <a:off x="581709" y="1108297"/>
-            <a:ext cx="7908737" cy="342078"/>
-          </a:xfrm>
-          <a:prstGeom prst="rect">
-            <a:avLst/>
-          </a:prstGeom>
-        </p:spPr>
-        <p:txBody>
-          <a:bodyPr vert="horz" lIns="91440" tIns="45720" rIns="91440" bIns="45720" rtlCol="0" anchor="t">
-            <a:noAutofit/>
-          </a:bodyPr>
-          <a:lstStyle>
-            <a:lvl1pPr algn="l" defTabSz="914400" rtl="0" eaLnBrk="1" latinLnBrk="0" hangingPunct="1">
-              <a:lnSpc>
-                <a:spcPct val="90000"/>
-              </a:lnSpc>
-              <a:spcBef>
-                <a:spcPct val="0"/>
-              </a:spcBef>
-              <a:buNone/>
-              <a:defRPr sz="4400" b="1" kern="1200">
-                <a:solidFill>
-                  <a:schemeClr val="accent6"/>
-                </a:solidFill>
-                <a:latin typeface="+mj-lt"/>
-                <a:ea typeface="+mj-ea"/>
-                <a:cs typeface="+mj-cs"/>
-              </a:defRPr>
-            </a:lvl1pPr>
-          </a:lstStyle>
-          <a:p>
-            <a:r>
-              <a:rPr lang="en-US" altLang="zh-CN" sz="1800" b="0" dirty="0"/>
-              <a:t>A Model for Predicting Customer Retention in Telecom</a:t>
-            </a:r>
-            <a:endParaRPr lang="en-US" sz="3600" b="0" dirty="0"/>
-          </a:p>
-        </p:txBody>
-      </p:sp>
-      <p:sp>
-        <p:nvSpPr>
-          <p:cNvPr id="10" name="Title 6">
-            <a:extLst>
-              <a:ext uri="{FF2B5EF4-FFF2-40B4-BE49-F238E27FC236}">
-                <a16:creationId xmlns:a16="http://schemas.microsoft.com/office/drawing/2014/main" id="{3DFA8777-DE88-45A9-A4E1-BA0D7CE585A3}"/>
-              </a:ext>
-            </a:extLst>
-          </p:cNvPr>
-          <p:cNvSpPr txBox="1">
-            <a:spLocks/>
-          </p:cNvSpPr>
-          <p:nvPr/>
-        </p:nvSpPr>
-        <p:spPr>
-          <a:xfrm>
-            <a:off x="581709" y="1771237"/>
-            <a:ext cx="7195309" cy="2246581"/>
-          </a:xfrm>
-          <a:prstGeom prst="rect">
-            <a:avLst/>
-          </a:prstGeom>
-        </p:spPr>
-        <p:txBody>
-          <a:bodyPr vert="horz" lIns="91440" tIns="45720" rIns="91440" bIns="45720" rtlCol="0" anchor="t">
-            <a:noAutofit/>
-          </a:bodyPr>
-          <a:lstStyle>
-            <a:lvl1pPr algn="l" defTabSz="914400" rtl="0" eaLnBrk="1" latinLnBrk="0" hangingPunct="1">
-              <a:lnSpc>
-                <a:spcPct val="90000"/>
-              </a:lnSpc>
-              <a:spcBef>
-                <a:spcPct val="0"/>
-              </a:spcBef>
-              <a:buNone/>
-              <a:defRPr sz="4400" b="1" kern="1200">
-                <a:solidFill>
-                  <a:schemeClr val="accent6"/>
-                </a:solidFill>
-                <a:latin typeface="+mj-lt"/>
-                <a:ea typeface="+mj-ea"/>
-                <a:cs typeface="+mj-cs"/>
-              </a:defRPr>
-            </a:lvl1pPr>
-          </a:lstStyle>
-          <a:p>
-            <a:r>
-              <a:rPr lang="en-US" altLang="zh-CN" sz="2000" dirty="0">
-                <a:latin typeface="Abadi (Body)"/>
-              </a:rPr>
-              <a:t>Problem context</a:t>
-            </a:r>
-          </a:p>
-          <a:p>
-            <a:pPr marL="285750" indent="-285750">
-              <a:buFont typeface="Arial" panose="020B0604020202020204" pitchFamily="34" charset="0"/>
-              <a:buChar char="•"/>
-            </a:pPr>
-            <a:r>
-              <a:rPr lang="en-US" sz="1800" b="0" dirty="0">
-                <a:latin typeface="Abadi (Body)"/>
-              </a:rPr>
-              <a:t>Retaining a customer is generally more cost-effective than acquiring a new one, as demonstrated by a Bain &amp; Company study.</a:t>
-            </a:r>
-          </a:p>
-          <a:p>
-            <a:pPr marL="285750" indent="-285750">
-              <a:buFont typeface="Arial" panose="020B0604020202020204" pitchFamily="34" charset="0"/>
-              <a:buChar char="•"/>
-            </a:pPr>
-            <a:r>
-              <a:rPr lang="en-US" sz="1800" b="0" dirty="0">
-                <a:latin typeface="Abadi (Body)"/>
-              </a:rPr>
-              <a:t>The study revealed that acquiring a new customer can be 5 to 7 times more expensive than retaining an existing one.</a:t>
-            </a:r>
-          </a:p>
-          <a:p>
-            <a:pPr marL="285750" indent="-285750">
-              <a:buFont typeface="Arial" panose="020B0604020202020204" pitchFamily="34" charset="0"/>
-              <a:buChar char="•"/>
-            </a:pPr>
-            <a:r>
-              <a:rPr lang="en-US" sz="1800" b="0" dirty="0">
-                <a:latin typeface="Abadi (Body)"/>
-              </a:rPr>
-              <a:t>Existing customers, being familiar with your product or service, tend to exhibit greater loyalty and are more inclined to maintain their business relationship with you.</a:t>
-            </a:r>
-          </a:p>
-        </p:txBody>
-      </p:sp>
-      <p:sp>
-        <p:nvSpPr>
-          <p:cNvPr id="17" name="Title 6">
-            <a:extLst>
-              <a:ext uri="{FF2B5EF4-FFF2-40B4-BE49-F238E27FC236}">
-                <a16:creationId xmlns:a16="http://schemas.microsoft.com/office/drawing/2014/main" id="{8586F5E1-3B7B-4FD8-BA2D-A67B058FCD8D}"/>
-              </a:ext>
-            </a:extLst>
-          </p:cNvPr>
-          <p:cNvSpPr txBox="1">
-            <a:spLocks/>
-          </p:cNvSpPr>
-          <p:nvPr/>
-        </p:nvSpPr>
-        <p:spPr>
-          <a:xfrm>
-            <a:off x="8154726" y="1771236"/>
-            <a:ext cx="2864913" cy="1184400"/>
-          </a:xfrm>
-          <a:prstGeom prst="rect">
-            <a:avLst/>
-          </a:prstGeom>
-        </p:spPr>
-        <p:txBody>
-          <a:bodyPr vert="horz" lIns="91440" tIns="45720" rIns="91440" bIns="45720" rtlCol="0" anchor="t">
-            <a:noAutofit/>
-          </a:bodyPr>
-          <a:lstStyle>
-            <a:lvl1pPr algn="l" defTabSz="914400" rtl="0" eaLnBrk="1" latinLnBrk="0" hangingPunct="1">
-              <a:lnSpc>
-                <a:spcPct val="90000"/>
-              </a:lnSpc>
-              <a:spcBef>
-                <a:spcPct val="0"/>
-              </a:spcBef>
-              <a:buNone/>
-              <a:defRPr sz="4400" b="1" kern="1200">
-                <a:solidFill>
-                  <a:schemeClr val="accent6"/>
-                </a:solidFill>
-                <a:latin typeface="+mj-lt"/>
-                <a:ea typeface="+mj-ea"/>
-                <a:cs typeface="+mj-cs"/>
-              </a:defRPr>
-            </a:lvl1pPr>
-          </a:lstStyle>
-          <a:p>
-            <a:r>
-              <a:rPr lang="en-US" altLang="zh-CN" sz="2000" dirty="0"/>
-              <a:t>Challenges</a:t>
-            </a:r>
-          </a:p>
-          <a:p>
-            <a:pPr marL="285750" indent="-285750">
-              <a:buFont typeface="Arial" panose="020B0604020202020204" pitchFamily="34" charset="0"/>
-              <a:buChar char="•"/>
-            </a:pPr>
-            <a:r>
-              <a:rPr lang="en-US" sz="1800" b="0" dirty="0"/>
-              <a:t>Imbalanced dataset</a:t>
-            </a:r>
-          </a:p>
-          <a:p>
-            <a:pPr marL="285750" indent="-285750">
-              <a:buFont typeface="Arial" panose="020B0604020202020204" pitchFamily="34" charset="0"/>
-              <a:buChar char="•"/>
-            </a:pPr>
-            <a:r>
-              <a:rPr lang="en-US" sz="1800" b="0" dirty="0"/>
-              <a:t>Metrics for measurement</a:t>
-            </a:r>
-          </a:p>
-          <a:p>
-            <a:pPr marL="285750" indent="-285750">
-              <a:buFont typeface="Arial" panose="020B0604020202020204" pitchFamily="34" charset="0"/>
-              <a:buChar char="•"/>
-            </a:pPr>
-            <a:r>
-              <a:rPr lang="en-US" sz="1800" b="0" dirty="0"/>
-              <a:t>Threshold selection</a:t>
-            </a:r>
-          </a:p>
-        </p:txBody>
-      </p:sp>
-      <p:sp>
-        <p:nvSpPr>
-          <p:cNvPr id="18" name="Title 6">
-            <a:extLst>
-              <a:ext uri="{FF2B5EF4-FFF2-40B4-BE49-F238E27FC236}">
-                <a16:creationId xmlns:a16="http://schemas.microsoft.com/office/drawing/2014/main" id="{5D764239-A7DB-418A-A461-4BDFAB66E45D}"/>
-              </a:ext>
-            </a:extLst>
-          </p:cNvPr>
-          <p:cNvSpPr txBox="1">
-            <a:spLocks/>
-          </p:cNvSpPr>
-          <p:nvPr/>
-        </p:nvSpPr>
-        <p:spPr>
-          <a:xfrm>
-            <a:off x="581710" y="4153900"/>
+            <a:off x="581710" y="3923078"/>
             <a:ext cx="808326" cy="391629"/>
           </a:xfrm>
           <a:prstGeom prst="rect">
@@ -31644,10 +31657,24 @@
           </a:lstStyle>
           <a:p>
             <a:r>
-              <a:rPr lang="en-US" sz="2000" dirty="0"/>
+              <a:rPr lang="en-US" sz="2000" dirty="0">
+                <a:solidFill>
+                  <a:srgbClr val="1F1F1F"/>
+                </a:solidFill>
+                <a:latin typeface="Abadi (Body)"/>
+                <a:ea typeface="+mn-ea"/>
+                <a:cs typeface="+mn-cs"/>
+              </a:rPr>
               <a:t>Tools</a:t>
             </a:r>
-            <a:endParaRPr lang="en-US" altLang="zh-CN" sz="2000" dirty="0"/>
+            <a:endParaRPr lang="en-US" altLang="zh-CN" sz="2000" dirty="0">
+              <a:solidFill>
+                <a:srgbClr val="1F1F1F"/>
+              </a:solidFill>
+              <a:latin typeface="Abadi (Body)"/>
+              <a:ea typeface="+mn-ea"/>
+              <a:cs typeface="+mn-cs"/>
+            </a:endParaRPr>
           </a:p>
         </p:txBody>
       </p:sp>
@@ -31680,7 +31707,7 @@
         </p:blipFill>
         <p:spPr bwMode="auto">
           <a:xfrm>
-            <a:off x="350982" y="4829148"/>
+            <a:off x="350982" y="4633838"/>
             <a:ext cx="1197101" cy="677006"/>
           </a:xfrm>
           <a:prstGeom prst="rect">
@@ -31714,8 +31741,8 @@
         </p:nvCxnSpPr>
         <p:spPr>
           <a:xfrm>
-            <a:off x="7952509" y="1771236"/>
-            <a:ext cx="0" cy="2135746"/>
+            <a:off x="7908119" y="1373156"/>
+            <a:ext cx="0" cy="2405313"/>
           </a:xfrm>
           <a:prstGeom prst="line">
             <a:avLst/>
@@ -31759,7 +31786,7 @@
         </p:nvCxnSpPr>
         <p:spPr>
           <a:xfrm>
-            <a:off x="1589232" y="4220532"/>
+            <a:off x="1589232" y="4051856"/>
             <a:ext cx="0" cy="2147281"/>
           </a:xfrm>
           <a:prstGeom prst="line">
@@ -31804,7 +31831,7 @@
         </p:nvSpPr>
         <p:spPr>
           <a:xfrm>
-            <a:off x="1734453" y="4153900"/>
+            <a:off x="1734453" y="3923078"/>
             <a:ext cx="1171867" cy="391629"/>
           </a:xfrm>
           <a:prstGeom prst="rect">
@@ -31836,10 +31863,24 @@
           </a:lstStyle>
           <a:p>
             <a:r>
-              <a:rPr lang="en-US" sz="2000" dirty="0"/>
+              <a:rPr lang="en-US" sz="2000" dirty="0">
+                <a:solidFill>
+                  <a:srgbClr val="1F1F1F"/>
+                </a:solidFill>
+                <a:latin typeface="Abadi (Body)"/>
+                <a:ea typeface="+mn-ea"/>
+                <a:cs typeface="+mn-cs"/>
+              </a:rPr>
               <a:t>Methods</a:t>
             </a:r>
-            <a:endParaRPr lang="en-US" altLang="zh-CN" sz="2000" dirty="0"/>
+            <a:endParaRPr lang="en-US" altLang="zh-CN" sz="2000" dirty="0">
+              <a:solidFill>
+                <a:srgbClr val="1F1F1F"/>
+              </a:solidFill>
+              <a:latin typeface="Abadi (Body)"/>
+              <a:ea typeface="+mn-ea"/>
+              <a:cs typeface="+mn-cs"/>
+            </a:endParaRPr>
           </a:p>
         </p:txBody>
       </p:sp>
@@ -31870,11 +31911,21 @@
           <a:lstStyle/>
           <a:p>
             <a:fld id="{47FEACEE-25B4-4A2D-B147-27296E36371D}" type="slidenum">
-              <a:rPr lang="en-US" altLang="zh-CN" smtClean="0"/>
+              <a:rPr lang="en-US" altLang="zh-CN" smtClean="0">
+                <a:solidFill>
+                  <a:srgbClr val="1F1F1F"/>
+                </a:solidFill>
+                <a:latin typeface="Abadi" panose="020B0604020104020204" pitchFamily="34" charset="0"/>
+              </a:rPr>
               <a:pPr/>
               <a:t>2</a:t>
             </a:fld>
-            <a:endParaRPr lang="en-US" altLang="zh-CN" dirty="0"/>
+            <a:endParaRPr lang="en-US" altLang="zh-CN" dirty="0">
+              <a:solidFill>
+                <a:srgbClr val="1F1F1F"/>
+              </a:solidFill>
+              <a:latin typeface="Abadi" panose="020B0604020104020204" pitchFamily="34" charset="0"/>
+            </a:endParaRPr>
           </a:p>
         </p:txBody>
       </p:sp>
@@ -32077,10 +32128,20 @@
               <a:buNone/>
             </a:pPr>
             <a:r>
-              <a:rPr lang="en-US" altLang="zh-CN" sz="1200" dirty="0"/>
+              <a:rPr lang="en-US" altLang="zh-CN" sz="1200" dirty="0">
+                <a:solidFill>
+                  <a:srgbClr val="1F1F1F"/>
+                </a:solidFill>
+                <a:latin typeface="Abadi" panose="020B0604020104020204" pitchFamily="34" charset="0"/>
+              </a:rPr>
               <a:t>TELCO CHURN PREDICTION MODEL</a:t>
             </a:r>
-            <a:endParaRPr lang="en-US" dirty="0"/>
+            <a:endParaRPr lang="en-US" dirty="0">
+              <a:solidFill>
+                <a:srgbClr val="1F1F1F"/>
+              </a:solidFill>
+              <a:latin typeface="Abadi" panose="020B0604020104020204" pitchFamily="34" charset="0"/>
+            </a:endParaRPr>
           </a:p>
         </p:txBody>
       </p:sp>
@@ -32113,7 +32174,7 @@
         </p:blipFill>
         <p:spPr bwMode="auto">
           <a:xfrm>
-            <a:off x="1788429" y="4650100"/>
+            <a:off x="1788429" y="4454790"/>
             <a:ext cx="992872" cy="718580"/>
           </a:xfrm>
           <a:prstGeom prst="rect">
@@ -32160,7 +32221,7 @@
         </p:blipFill>
         <p:spPr bwMode="auto">
           <a:xfrm>
-            <a:off x="1768376" y="5456980"/>
+            <a:off x="1768376" y="5261670"/>
             <a:ext cx="1525905" cy="847725"/>
           </a:xfrm>
           <a:prstGeom prst="rect">
@@ -32207,7 +32268,7 @@
         </p:blipFill>
         <p:spPr bwMode="auto">
           <a:xfrm>
-            <a:off x="2918189" y="4474326"/>
+            <a:off x="2918189" y="4279016"/>
             <a:ext cx="1296425" cy="648213"/>
           </a:xfrm>
           <a:prstGeom prst="rect">
@@ -32252,7 +32313,7 @@
         </p:blipFill>
         <p:spPr bwMode="auto">
           <a:xfrm>
-            <a:off x="3170907" y="5456980"/>
+            <a:off x="3170907" y="5261670"/>
             <a:ext cx="696326" cy="818193"/>
           </a:xfrm>
           <a:prstGeom prst="rect">
@@ -32297,7 +32358,7 @@
         </p:blipFill>
         <p:spPr bwMode="auto">
           <a:xfrm>
-            <a:off x="4352489" y="5579342"/>
+            <a:off x="4352489" y="5286374"/>
             <a:ext cx="696326" cy="720503"/>
           </a:xfrm>
           <a:prstGeom prst="rect">
@@ -32329,7 +32390,7 @@
         </p:nvSpPr>
         <p:spPr>
           <a:xfrm>
-            <a:off x="1746702" y="5394831"/>
+            <a:off x="1746702" y="5199521"/>
             <a:ext cx="1076326" cy="261610"/>
           </a:xfrm>
           <a:prstGeom prst="rect">
@@ -32383,7 +32444,7 @@
         </p:nvSpPr>
         <p:spPr>
           <a:xfrm>
-            <a:off x="1993165" y="6043095"/>
+            <a:off x="1993165" y="5847785"/>
             <a:ext cx="1076326" cy="261610"/>
           </a:xfrm>
           <a:prstGeom prst="rect">
@@ -32437,7 +32498,7 @@
         </p:nvSpPr>
         <p:spPr>
           <a:xfrm>
-            <a:off x="3072994" y="5004025"/>
+            <a:off x="3072994" y="4808715"/>
             <a:ext cx="1076326" cy="261610"/>
           </a:xfrm>
           <a:prstGeom prst="rect">
@@ -32491,7 +32552,7 @@
         </p:nvSpPr>
         <p:spPr>
           <a:xfrm>
-            <a:off x="2980907" y="6217129"/>
+            <a:off x="2980907" y="6021819"/>
             <a:ext cx="1076326" cy="261610"/>
           </a:xfrm>
           <a:prstGeom prst="rect">
@@ -32545,7 +32606,7 @@
         </p:nvSpPr>
         <p:spPr>
           <a:xfrm>
-            <a:off x="3997233" y="6279653"/>
+            <a:off x="3997233" y="5986685"/>
             <a:ext cx="1406839" cy="253916"/>
           </a:xfrm>
           <a:prstGeom prst="rect">
@@ -32599,7 +32660,7 @@
         </p:nvSpPr>
         <p:spPr>
           <a:xfrm>
-            <a:off x="4205256" y="5100305"/>
+            <a:off x="4205256" y="4807337"/>
             <a:ext cx="1170414" cy="415498"/>
           </a:xfrm>
           <a:prstGeom prst="rect">
@@ -32639,12 +32700,658 @@
           </a:p>
         </p:txBody>
       </p:sp>
+      <p:sp>
+        <p:nvSpPr>
+          <p:cNvPr id="43" name="Title 6">
+            <a:extLst>
+              <a:ext uri="{FF2B5EF4-FFF2-40B4-BE49-F238E27FC236}">
+                <a16:creationId xmlns:a16="http://schemas.microsoft.com/office/drawing/2014/main" id="{5A824FAC-E619-4932-BC76-534F2793B5FF}"/>
+              </a:ext>
+            </a:extLst>
+          </p:cNvPr>
+          <p:cNvSpPr txBox="1">
+            <a:spLocks/>
+          </p:cNvSpPr>
+          <p:nvPr/>
+        </p:nvSpPr>
+        <p:spPr>
+          <a:xfrm>
+            <a:off x="6980615" y="3923078"/>
+            <a:ext cx="1958319" cy="391629"/>
+          </a:xfrm>
+          <a:prstGeom prst="rect">
+            <a:avLst/>
+          </a:prstGeom>
+        </p:spPr>
+        <p:txBody>
+          <a:bodyPr vert="horz" lIns="91440" tIns="45720" rIns="91440" bIns="45720" rtlCol="0" anchor="t">
+            <a:noAutofit/>
+          </a:bodyPr>
+          <a:lstStyle>
+            <a:lvl1pPr algn="l" defTabSz="914400" rtl="0" eaLnBrk="1" latinLnBrk="0" hangingPunct="1">
+              <a:lnSpc>
+                <a:spcPct val="90000"/>
+              </a:lnSpc>
+              <a:spcBef>
+                <a:spcPct val="0"/>
+              </a:spcBef>
+              <a:buNone/>
+              <a:defRPr sz="4400" b="1" kern="1200">
+                <a:solidFill>
+                  <a:schemeClr val="accent6"/>
+                </a:solidFill>
+                <a:latin typeface="+mj-lt"/>
+                <a:ea typeface="+mj-ea"/>
+                <a:cs typeface="+mj-cs"/>
+              </a:defRPr>
+            </a:lvl1pPr>
+          </a:lstStyle>
+          <a:p>
+            <a:r>
+              <a:rPr lang="en-US" sz="2000" dirty="0">
+                <a:solidFill>
+                  <a:srgbClr val="1F1F1F"/>
+                </a:solidFill>
+                <a:latin typeface="Abadi (Body)"/>
+                <a:ea typeface="+mn-ea"/>
+                <a:cs typeface="+mn-cs"/>
+              </a:rPr>
+              <a:t>Business</a:t>
+            </a:r>
+            <a:r>
+              <a:rPr lang="en-US" sz="2000" dirty="0">
+                <a:latin typeface="Abadi (Body)"/>
+              </a:rPr>
+              <a:t> </a:t>
+            </a:r>
+            <a:r>
+              <a:rPr lang="en-US" sz="2000" dirty="0">
+                <a:solidFill>
+                  <a:srgbClr val="1F1F1F"/>
+                </a:solidFill>
+                <a:latin typeface="Abadi (Body)"/>
+                <a:ea typeface="+mn-ea"/>
+                <a:cs typeface="+mn-cs"/>
+              </a:rPr>
+              <a:t>impact</a:t>
+            </a:r>
+            <a:endParaRPr lang="en-US" altLang="zh-CN" sz="2000" dirty="0">
+              <a:solidFill>
+                <a:srgbClr val="1F1F1F"/>
+              </a:solidFill>
+              <a:latin typeface="Abadi (Body)"/>
+              <a:ea typeface="+mn-ea"/>
+              <a:cs typeface="+mn-cs"/>
+            </a:endParaRPr>
+          </a:p>
+        </p:txBody>
+      </p:sp>
+      <p:pic>
+        <p:nvPicPr>
+          <p:cNvPr id="1042" name="Picture 18" descr="10 Ways Business Systems &quot;Directly&quot; Increase Profit!">
+            <a:extLst>
+              <a:ext uri="{FF2B5EF4-FFF2-40B4-BE49-F238E27FC236}">
+                <a16:creationId xmlns:a16="http://schemas.microsoft.com/office/drawing/2014/main" id="{5025DDFB-A86A-4133-8DDB-6EE142415A72}"/>
+              </a:ext>
+            </a:extLst>
+          </p:cNvPr>
+          <p:cNvPicPr>
+            <a:picLocks noChangeAspect="1" noChangeArrowheads="1"/>
+          </p:cNvPicPr>
+          <p:nvPr/>
+        </p:nvPicPr>
+        <p:blipFill>
+          <a:blip r:embed="rId9">
+            <a:extLst>
+              <a:ext uri="{28A0092B-C50C-407E-A947-70E740481C1C}">
+                <a14:useLocalDpi xmlns:a14="http://schemas.microsoft.com/office/drawing/2010/main" val="0"/>
+              </a:ext>
+            </a:extLst>
+          </a:blip>
+          <a:srcRect/>
+          <a:stretch>
+            <a:fillRect/>
+          </a:stretch>
+        </p:blipFill>
+        <p:spPr bwMode="auto">
+          <a:xfrm>
+            <a:off x="7128712" y="4584315"/>
+            <a:ext cx="1008556" cy="1028727"/>
+          </a:xfrm>
+          <a:prstGeom prst="rect">
+            <a:avLst/>
+          </a:prstGeom>
+          <a:noFill/>
+          <a:extLst>
+            <a:ext uri="{909E8E84-426E-40DD-AFC4-6F175D3DCCD1}">
+              <a14:hiddenFill xmlns:a14="http://schemas.microsoft.com/office/drawing/2010/main">
+                <a:solidFill>
+                  <a:srgbClr val="FFFFFF"/>
+                </a:solidFill>
+              </a14:hiddenFill>
+            </a:ext>
+          </a:extLst>
+        </p:spPr>
+      </p:pic>
+      <p:sp>
+        <p:nvSpPr>
+          <p:cNvPr id="45" name="TextBox 44">
+            <a:extLst>
+              <a:ext uri="{FF2B5EF4-FFF2-40B4-BE49-F238E27FC236}">
+                <a16:creationId xmlns:a16="http://schemas.microsoft.com/office/drawing/2014/main" id="{9703D71F-0451-45B0-86E8-419BB6A294CD}"/>
+              </a:ext>
+            </a:extLst>
+          </p:cNvPr>
+          <p:cNvSpPr txBox="1"/>
+          <p:nvPr/>
+        </p:nvSpPr>
+        <p:spPr>
+          <a:xfrm>
+            <a:off x="8207993" y="4673404"/>
+            <a:ext cx="2200837" cy="900246"/>
+          </a:xfrm>
+          <a:prstGeom prst="rect">
+            <a:avLst/>
+          </a:prstGeom>
+        </p:spPr>
+        <p:txBody>
+          <a:bodyPr wrap="square" rtlCol="0">
+            <a:spAutoFit/>
+          </a:bodyPr>
+          <a:lstStyle/>
+          <a:p>
+            <a:pPr marL="0" indent="0">
+              <a:lnSpc>
+                <a:spcPct val="100000"/>
+              </a:lnSpc>
+              <a:spcBef>
+                <a:spcPts val="0"/>
+              </a:spcBef>
+              <a:buFontTx/>
+              <a:buNone/>
+            </a:pPr>
+            <a:r>
+              <a:rPr lang="en-US" sz="1050" dirty="0">
+                <a:solidFill>
+                  <a:schemeClr val="tx1">
+                    <a:lumMod val="75000"/>
+                    <a:lumOff val="25000"/>
+                  </a:schemeClr>
+                </a:solidFill>
+                <a:latin typeface="Abadi (Body)"/>
+                <a:ea typeface="微软雅黑"/>
+                <a:cs typeface="Posterama" panose="020B0504020200020000" pitchFamily="34" charset="0"/>
+              </a:rPr>
+              <a:t>The model improved revenue by </a:t>
+            </a:r>
+            <a:r>
+              <a:rPr lang="en-US" sz="1050" dirty="0">
+                <a:solidFill>
+                  <a:srgbClr val="FF0000"/>
+                </a:solidFill>
+                <a:latin typeface="Abadi (Body)"/>
+                <a:ea typeface="微软雅黑"/>
+                <a:cs typeface="Posterama" panose="020B0504020200020000" pitchFamily="34" charset="0"/>
+              </a:rPr>
+              <a:t>164.24%</a:t>
+            </a:r>
+            <a:r>
+              <a:rPr lang="en-US" sz="1050" dirty="0">
+                <a:solidFill>
+                  <a:schemeClr val="tx1">
+                    <a:lumMod val="75000"/>
+                    <a:lumOff val="25000"/>
+                  </a:schemeClr>
+                </a:solidFill>
+                <a:latin typeface="Abadi (Body)"/>
+                <a:ea typeface="微软雅黑"/>
+                <a:cs typeface="Posterama" panose="020B0504020200020000" pitchFamily="34" charset="0"/>
+              </a:rPr>
+              <a:t> compared to the 'do nothing' program and by </a:t>
+            </a:r>
+            <a:r>
+              <a:rPr lang="en-US" sz="1050" dirty="0">
+                <a:solidFill>
+                  <a:srgbClr val="FF0000"/>
+                </a:solidFill>
+                <a:latin typeface="Abadi (Body)"/>
+                <a:ea typeface="微软雅黑"/>
+                <a:cs typeface="Posterama" panose="020B0504020200020000" pitchFamily="34" charset="0"/>
+              </a:rPr>
+              <a:t>44.51% </a:t>
+            </a:r>
+            <a:r>
+              <a:rPr lang="en-US" sz="1050" dirty="0">
+                <a:solidFill>
+                  <a:schemeClr val="tx1">
+                    <a:lumMod val="75000"/>
+                    <a:lumOff val="25000"/>
+                  </a:schemeClr>
+                </a:solidFill>
+                <a:latin typeface="Abadi (Body)"/>
+                <a:ea typeface="微软雅黑"/>
+                <a:cs typeface="Posterama" panose="020B0504020200020000" pitchFamily="34" charset="0"/>
+              </a:rPr>
+              <a:t>compared to the 'retain all' program.</a:t>
+            </a:r>
+          </a:p>
+        </p:txBody>
+      </p:sp>
+      <p:pic>
+        <p:nvPicPr>
+          <p:cNvPr id="1044" name="Picture 20" descr="DIGI">
+            <a:extLst>
+              <a:ext uri="{FF2B5EF4-FFF2-40B4-BE49-F238E27FC236}">
+                <a16:creationId xmlns:a16="http://schemas.microsoft.com/office/drawing/2014/main" id="{9A2B5B1C-E277-46E3-8292-9D9176958F87}"/>
+              </a:ext>
+            </a:extLst>
+          </p:cNvPr>
+          <p:cNvPicPr>
+            <a:picLocks noChangeAspect="1" noChangeArrowheads="1"/>
+          </p:cNvPicPr>
+          <p:nvPr/>
+        </p:nvPicPr>
+        <p:blipFill>
+          <a:blip r:embed="rId10">
+            <a:extLst>
+              <a:ext uri="{28A0092B-C50C-407E-A947-70E740481C1C}">
+                <a14:useLocalDpi xmlns:a14="http://schemas.microsoft.com/office/drawing/2010/main" val="0"/>
+              </a:ext>
+            </a:extLst>
+          </a:blip>
+          <a:srcRect/>
+          <a:stretch>
+            <a:fillRect/>
+          </a:stretch>
+        </p:blipFill>
+        <p:spPr bwMode="auto">
+          <a:xfrm>
+            <a:off x="509282" y="5581374"/>
+            <a:ext cx="901812" cy="364600"/>
+          </a:xfrm>
+          <a:prstGeom prst="rect">
+            <a:avLst/>
+          </a:prstGeom>
+          <a:noFill/>
+          <a:extLst>
+            <a:ext uri="{909E8E84-426E-40DD-AFC4-6F175D3DCCD1}">
+              <a14:hiddenFill xmlns:a14="http://schemas.microsoft.com/office/drawing/2010/main">
+                <a:solidFill>
+                  <a:srgbClr val="FFFFFF"/>
+                </a:solidFill>
+              </a14:hiddenFill>
+            </a:ext>
+          </a:extLst>
+        </p:spPr>
+      </p:pic>
+      <p:pic>
+        <p:nvPicPr>
+          <p:cNvPr id="2" name="Picture 2" descr="Imbalance dataset: Test and validate resampled tabular data">
+            <a:extLst>
+              <a:ext uri="{FF2B5EF4-FFF2-40B4-BE49-F238E27FC236}">
+                <a16:creationId xmlns:a16="http://schemas.microsoft.com/office/drawing/2014/main" id="{2EDCFD26-8FA4-4228-BB65-BA7436B2F817}"/>
+              </a:ext>
+            </a:extLst>
+          </p:cNvPr>
+          <p:cNvPicPr>
+            <a:picLocks noChangeAspect="1" noChangeArrowheads="1"/>
+          </p:cNvPicPr>
+          <p:nvPr/>
+        </p:nvPicPr>
+        <p:blipFill>
+          <a:blip r:embed="rId11">
+            <a:extLst>
+              <a:ext uri="{28A0092B-C50C-407E-A947-70E740481C1C}">
+                <a14:useLocalDpi xmlns:a14="http://schemas.microsoft.com/office/drawing/2010/main" val="0"/>
+              </a:ext>
+            </a:extLst>
+          </a:blip>
+          <a:srcRect/>
+          <a:stretch>
+            <a:fillRect/>
+          </a:stretch>
+        </p:blipFill>
+        <p:spPr bwMode="auto">
+          <a:xfrm flipH="1">
+            <a:off x="5397324" y="4607204"/>
+            <a:ext cx="1106928" cy="716716"/>
+          </a:xfrm>
+          <a:prstGeom prst="rect">
+            <a:avLst/>
+          </a:prstGeom>
+          <a:noFill/>
+          <a:extLst>
+            <a:ext uri="{909E8E84-426E-40DD-AFC4-6F175D3DCCD1}">
+              <a14:hiddenFill xmlns:a14="http://schemas.microsoft.com/office/drawing/2010/main">
+                <a:solidFill>
+                  <a:srgbClr val="FFFFFF"/>
+                </a:solidFill>
+              </a14:hiddenFill>
+            </a:ext>
+          </a:extLst>
+        </p:spPr>
+      </p:pic>
+      <p:sp>
+        <p:nvSpPr>
+          <p:cNvPr id="32" name="TextBox 31">
+            <a:extLst>
+              <a:ext uri="{FF2B5EF4-FFF2-40B4-BE49-F238E27FC236}">
+                <a16:creationId xmlns:a16="http://schemas.microsoft.com/office/drawing/2014/main" id="{01F053A5-F1F9-4B42-9E5C-398BEFFA0272}"/>
+              </a:ext>
+            </a:extLst>
+          </p:cNvPr>
+          <p:cNvSpPr txBox="1"/>
+          <p:nvPr/>
+        </p:nvSpPr>
+        <p:spPr>
+          <a:xfrm>
+            <a:off x="5164753" y="5301903"/>
+            <a:ext cx="1623942" cy="577081"/>
+          </a:xfrm>
+          <a:prstGeom prst="rect">
+            <a:avLst/>
+          </a:prstGeom>
+        </p:spPr>
+        <p:txBody>
+          <a:bodyPr wrap="square" rtlCol="0">
+            <a:spAutoFit/>
+          </a:bodyPr>
+          <a:lstStyle/>
+          <a:p>
+            <a:pPr marL="0" indent="0" algn="ctr">
+              <a:lnSpc>
+                <a:spcPct val="100000"/>
+              </a:lnSpc>
+              <a:spcBef>
+                <a:spcPts val="0"/>
+              </a:spcBef>
+              <a:buFontTx/>
+              <a:buNone/>
+            </a:pPr>
+            <a:r>
+              <a:rPr lang="en-US" sz="1050" dirty="0">
+                <a:solidFill>
+                  <a:schemeClr val="tx1">
+                    <a:lumMod val="75000"/>
+                    <a:lumOff val="25000"/>
+                  </a:schemeClr>
+                </a:solidFill>
+                <a:latin typeface="Abadi (Body)"/>
+                <a:ea typeface="微软雅黑"/>
+                <a:cs typeface="Posterama" panose="020B0504020200020000" pitchFamily="34" charset="0"/>
+              </a:rPr>
+              <a:t>Resampling</a:t>
+            </a:r>
+            <a:br>
+              <a:rPr lang="en-US" sz="1050" dirty="0">
+                <a:solidFill>
+                  <a:schemeClr val="tx1">
+                    <a:lumMod val="75000"/>
+                    <a:lumOff val="25000"/>
+                  </a:schemeClr>
+                </a:solidFill>
+                <a:latin typeface="Abadi (Body)"/>
+                <a:ea typeface="微软雅黑"/>
+                <a:cs typeface="Posterama" panose="020B0504020200020000" pitchFamily="34" charset="0"/>
+              </a:rPr>
+            </a:br>
+            <a:r>
+              <a:rPr lang="en-US" sz="1050" dirty="0">
+                <a:solidFill>
+                  <a:schemeClr val="tx1">
+                    <a:lumMod val="75000"/>
+                    <a:lumOff val="25000"/>
+                  </a:schemeClr>
+                </a:solidFill>
+                <a:latin typeface="Abadi (Body)"/>
+                <a:ea typeface="微软雅黑"/>
+                <a:cs typeface="Posterama" panose="020B0504020200020000" pitchFamily="34" charset="0"/>
+              </a:rPr>
+              <a:t>(SMOTE, ADASYN, Random </a:t>
+            </a:r>
+            <a:r>
+              <a:rPr lang="en-US" sz="1050" dirty="0" err="1">
+                <a:solidFill>
+                  <a:schemeClr val="tx1">
+                    <a:lumMod val="75000"/>
+                    <a:lumOff val="25000"/>
+                  </a:schemeClr>
+                </a:solidFill>
+                <a:latin typeface="Abadi (Body)"/>
+                <a:ea typeface="微软雅黑"/>
+                <a:cs typeface="Posterama" panose="020B0504020200020000" pitchFamily="34" charset="0"/>
+              </a:rPr>
+              <a:t>undersampling</a:t>
+            </a:r>
+            <a:r>
+              <a:rPr lang="en-US" sz="1050" dirty="0">
+                <a:solidFill>
+                  <a:schemeClr val="tx1">
+                    <a:lumMod val="75000"/>
+                    <a:lumOff val="25000"/>
+                  </a:schemeClr>
+                </a:solidFill>
+                <a:latin typeface="Abadi (Body)"/>
+                <a:ea typeface="微软雅黑"/>
+                <a:cs typeface="Posterama" panose="020B0504020200020000" pitchFamily="34" charset="0"/>
+              </a:rPr>
+              <a:t>)</a:t>
+            </a:r>
+          </a:p>
+        </p:txBody>
+      </p:sp>
+      <p:pic>
+        <p:nvPicPr>
+          <p:cNvPr id="7" name="Picture 6">
+            <a:extLst>
+              <a:ext uri="{FF2B5EF4-FFF2-40B4-BE49-F238E27FC236}">
+                <a16:creationId xmlns:a16="http://schemas.microsoft.com/office/drawing/2014/main" id="{652EE034-28C9-4CAF-B544-9A9282250540}"/>
+              </a:ext>
+            </a:extLst>
+          </p:cNvPr>
+          <p:cNvPicPr>
+            <a:picLocks noChangeAspect="1"/>
+          </p:cNvPicPr>
+          <p:nvPr/>
+        </p:nvPicPr>
+        <p:blipFill>
+          <a:blip r:embed="rId12"/>
+          <a:stretch>
+            <a:fillRect/>
+          </a:stretch>
+        </p:blipFill>
+        <p:spPr>
+          <a:xfrm>
+            <a:off x="4341836" y="4166664"/>
+            <a:ext cx="857447" cy="648213"/>
+          </a:xfrm>
+          <a:prstGeom prst="rect">
+            <a:avLst/>
+          </a:prstGeom>
+        </p:spPr>
+      </p:pic>
+      <p:sp>
+        <p:nvSpPr>
+          <p:cNvPr id="34" name="TextBox 33">
+            <a:extLst>
+              <a:ext uri="{FF2B5EF4-FFF2-40B4-BE49-F238E27FC236}">
+                <a16:creationId xmlns:a16="http://schemas.microsoft.com/office/drawing/2014/main" id="{47B15B13-0900-42E0-A975-51E7083C50E9}"/>
+              </a:ext>
+            </a:extLst>
+          </p:cNvPr>
+          <p:cNvSpPr txBox="1"/>
+          <p:nvPr/>
+        </p:nvSpPr>
+        <p:spPr>
+          <a:xfrm>
+            <a:off x="581710" y="1390243"/>
+            <a:ext cx="7097474" cy="2339102"/>
+          </a:xfrm>
+          <a:prstGeom prst="rect">
+            <a:avLst/>
+          </a:prstGeom>
+        </p:spPr>
+        <p:txBody>
+          <a:bodyPr wrap="square" rtlCol="0">
+            <a:spAutoFit/>
+          </a:bodyPr>
+          <a:lstStyle/>
+          <a:p>
+            <a:r>
+              <a:rPr lang="en-US" altLang="zh-CN" sz="2000" b="1" dirty="0">
+                <a:solidFill>
+                  <a:srgbClr val="1F1F1F"/>
+                </a:solidFill>
+                <a:latin typeface="Abadi (Body)"/>
+              </a:rPr>
+              <a:t>Problem context</a:t>
+            </a:r>
+          </a:p>
+          <a:p>
+            <a:pPr marL="285750" indent="-285750">
+              <a:buFont typeface="Arial" panose="020B0604020202020204" pitchFamily="34" charset="0"/>
+              <a:buChar char="•"/>
+            </a:pPr>
+            <a:r>
+              <a:rPr lang="en-US" dirty="0">
+                <a:solidFill>
+                  <a:srgbClr val="1F1F1F"/>
+                </a:solidFill>
+                <a:latin typeface="Abadi (Body)"/>
+              </a:rPr>
+              <a:t>Retaining a customer is generally more cost-effective than acquiring a new one, as demonstrated by a Bain &amp; Company study.</a:t>
+            </a:r>
+          </a:p>
+          <a:p>
+            <a:pPr marL="285750" indent="-285750">
+              <a:buFont typeface="Arial" panose="020B0604020202020204" pitchFamily="34" charset="0"/>
+              <a:buChar char="•"/>
+            </a:pPr>
+            <a:r>
+              <a:rPr lang="en-US" dirty="0">
+                <a:solidFill>
+                  <a:srgbClr val="1F1F1F"/>
+                </a:solidFill>
+                <a:latin typeface="Abadi (Body)"/>
+              </a:rPr>
+              <a:t>The study revealed that acquiring a new customer can be 5 to 7 times more expensive than retaining an existing one.</a:t>
+            </a:r>
+          </a:p>
+          <a:p>
+            <a:pPr marL="285750" indent="-285750">
+              <a:buFont typeface="Arial" panose="020B0604020202020204" pitchFamily="34" charset="0"/>
+              <a:buChar char="•"/>
+            </a:pPr>
+            <a:r>
+              <a:rPr lang="en-US" dirty="0">
+                <a:solidFill>
+                  <a:srgbClr val="1F1F1F"/>
+                </a:solidFill>
+                <a:latin typeface="Abadi (Body)"/>
+              </a:rPr>
+              <a:t>Existing customers, being familiar with your product or service, tend to exhibit greater loyalty and are more inclined to maintain their business relationship with you.</a:t>
+            </a:r>
+          </a:p>
+        </p:txBody>
+      </p:sp>
+      <p:sp>
+        <p:nvSpPr>
+          <p:cNvPr id="40" name="TextBox 39">
+            <a:extLst>
+              <a:ext uri="{FF2B5EF4-FFF2-40B4-BE49-F238E27FC236}">
+                <a16:creationId xmlns:a16="http://schemas.microsoft.com/office/drawing/2014/main" id="{51336076-D109-4587-8134-992851D7C7E2}"/>
+              </a:ext>
+            </a:extLst>
+          </p:cNvPr>
+          <p:cNvSpPr txBox="1"/>
+          <p:nvPr/>
+        </p:nvSpPr>
+        <p:spPr>
+          <a:xfrm>
+            <a:off x="8061553" y="1389121"/>
+            <a:ext cx="3454455" cy="1231106"/>
+          </a:xfrm>
+          <a:prstGeom prst="rect">
+            <a:avLst/>
+          </a:prstGeom>
+        </p:spPr>
+        <p:txBody>
+          <a:bodyPr wrap="square" rtlCol="0">
+            <a:spAutoFit/>
+          </a:bodyPr>
+          <a:lstStyle/>
+          <a:p>
+            <a:r>
+              <a:rPr lang="en-US" altLang="zh-CN" sz="2000" b="1" dirty="0">
+                <a:solidFill>
+                  <a:srgbClr val="1F1F1F"/>
+                </a:solidFill>
+                <a:latin typeface="Abadi (Body)"/>
+                <a:ea typeface="+mn-ea"/>
+                <a:cs typeface="+mn-cs"/>
+              </a:rPr>
+              <a:t>Challenges</a:t>
+            </a:r>
+          </a:p>
+          <a:p>
+            <a:pPr marL="285750" indent="-285750">
+              <a:buFont typeface="Arial" panose="020B0604020202020204" pitchFamily="34" charset="0"/>
+              <a:buChar char="•"/>
+            </a:pPr>
+            <a:r>
+              <a:rPr lang="en-US" sz="1800" b="0" dirty="0">
+                <a:solidFill>
+                  <a:srgbClr val="1F1F1F"/>
+                </a:solidFill>
+                <a:latin typeface="Abadi (Body)"/>
+                <a:ea typeface="+mn-ea"/>
+                <a:cs typeface="+mn-cs"/>
+              </a:rPr>
+              <a:t>Imbalanced dataset</a:t>
+            </a:r>
+          </a:p>
+          <a:p>
+            <a:pPr marL="285750" indent="-285750">
+              <a:buFont typeface="Arial" panose="020B0604020202020204" pitchFamily="34" charset="0"/>
+              <a:buChar char="•"/>
+            </a:pPr>
+            <a:r>
+              <a:rPr lang="en-US" sz="1800" b="0" dirty="0">
+                <a:solidFill>
+                  <a:srgbClr val="1F1F1F"/>
+                </a:solidFill>
+                <a:latin typeface="Abadi (Body)"/>
+                <a:ea typeface="+mn-ea"/>
+                <a:cs typeface="+mn-cs"/>
+              </a:rPr>
+              <a:t>Metrics for measurement</a:t>
+            </a:r>
+          </a:p>
+          <a:p>
+            <a:pPr marL="285750" indent="-285750">
+              <a:buFont typeface="Arial" panose="020B0604020202020204" pitchFamily="34" charset="0"/>
+              <a:buChar char="•"/>
+            </a:pPr>
+            <a:r>
+              <a:rPr lang="en-US" sz="1800" b="0" dirty="0">
+                <a:solidFill>
+                  <a:srgbClr val="1F1F1F"/>
+                </a:solidFill>
+                <a:latin typeface="Abadi (Body)"/>
+                <a:ea typeface="+mn-ea"/>
+                <a:cs typeface="+mn-cs"/>
+              </a:rPr>
+              <a:t>Threshold selection</a:t>
+            </a:r>
+          </a:p>
+        </p:txBody>
+      </p:sp>
       <p:cxnSp>
         <p:nvCxnSpPr>
-          <p:cNvPr id="42" name="Straight Connector 41">
+          <p:cNvPr id="47" name="Straight Connector 46">
             <a:extLst>
               <a:ext uri="{FF2B5EF4-FFF2-40B4-BE49-F238E27FC236}">
-                <a16:creationId xmlns:a16="http://schemas.microsoft.com/office/drawing/2014/main" id="{87E9F114-A71F-460A-BD9B-930A13E7EBBF}"/>
+                <a16:creationId xmlns:a16="http://schemas.microsoft.com/office/drawing/2014/main" id="{42EF9214-31A8-4EEC-83B9-56C9D053954E}"/>
               </a:ext>
             </a:extLst>
           </p:cNvPr>
@@ -32655,7 +33362,7 @@
         </p:nvCxnSpPr>
         <p:spPr>
           <a:xfrm>
-            <a:off x="6851992" y="4220569"/>
+            <a:off x="6869134" y="4051856"/>
             <a:ext cx="0" cy="2147281"/>
           </a:xfrm>
           <a:prstGeom prst="line">
@@ -32684,445 +33391,6 @@
           </a:fontRef>
         </p:style>
       </p:cxnSp>
-      <p:sp>
-        <p:nvSpPr>
-          <p:cNvPr id="43" name="Title 6">
-            <a:extLst>
-              <a:ext uri="{FF2B5EF4-FFF2-40B4-BE49-F238E27FC236}">
-                <a16:creationId xmlns:a16="http://schemas.microsoft.com/office/drawing/2014/main" id="{5A824FAC-E619-4932-BC76-534F2793B5FF}"/>
-              </a:ext>
-            </a:extLst>
-          </p:cNvPr>
-          <p:cNvSpPr txBox="1">
-            <a:spLocks/>
-          </p:cNvSpPr>
-          <p:nvPr/>
-        </p:nvSpPr>
-        <p:spPr>
-          <a:xfrm>
-            <a:off x="6980615" y="4153900"/>
-            <a:ext cx="1958319" cy="391629"/>
-          </a:xfrm>
-          <a:prstGeom prst="rect">
-            <a:avLst/>
-          </a:prstGeom>
-        </p:spPr>
-        <p:txBody>
-          <a:bodyPr vert="horz" lIns="91440" tIns="45720" rIns="91440" bIns="45720" rtlCol="0" anchor="t">
-            <a:noAutofit/>
-          </a:bodyPr>
-          <a:lstStyle>
-            <a:lvl1pPr algn="l" defTabSz="914400" rtl="0" eaLnBrk="1" latinLnBrk="0" hangingPunct="1">
-              <a:lnSpc>
-                <a:spcPct val="90000"/>
-              </a:lnSpc>
-              <a:spcBef>
-                <a:spcPct val="0"/>
-              </a:spcBef>
-              <a:buNone/>
-              <a:defRPr sz="4400" b="1" kern="1200">
-                <a:solidFill>
-                  <a:schemeClr val="accent6"/>
-                </a:solidFill>
-                <a:latin typeface="+mj-lt"/>
-                <a:ea typeface="+mj-ea"/>
-                <a:cs typeface="+mj-cs"/>
-              </a:defRPr>
-            </a:lvl1pPr>
-          </a:lstStyle>
-          <a:p>
-            <a:r>
-              <a:rPr lang="en-US" sz="2000" dirty="0"/>
-              <a:t>Business impact</a:t>
-            </a:r>
-            <a:endParaRPr lang="en-US" altLang="zh-CN" sz="2000" dirty="0"/>
-          </a:p>
-        </p:txBody>
-      </p:sp>
-      <p:pic>
-        <p:nvPicPr>
-          <p:cNvPr id="1042" name="Picture 18" descr="10 Ways Business Systems &quot;Directly&quot; Increase Profit!">
-            <a:extLst>
-              <a:ext uri="{FF2B5EF4-FFF2-40B4-BE49-F238E27FC236}">
-                <a16:creationId xmlns:a16="http://schemas.microsoft.com/office/drawing/2014/main" id="{5025DDFB-A86A-4133-8DDB-6EE142415A72}"/>
-              </a:ext>
-            </a:extLst>
-          </p:cNvPr>
-          <p:cNvPicPr>
-            <a:picLocks noChangeAspect="1" noChangeArrowheads="1"/>
-          </p:cNvPicPr>
-          <p:nvPr/>
-        </p:nvPicPr>
-        <p:blipFill>
-          <a:blip r:embed="rId9">
-            <a:extLst>
-              <a:ext uri="{28A0092B-C50C-407E-A947-70E740481C1C}">
-                <a14:useLocalDpi xmlns:a14="http://schemas.microsoft.com/office/drawing/2010/main" val="0"/>
-              </a:ext>
-            </a:extLst>
-          </a:blip>
-          <a:srcRect/>
-          <a:stretch>
-            <a:fillRect/>
-          </a:stretch>
-        </p:blipFill>
-        <p:spPr bwMode="auto">
-          <a:xfrm>
-            <a:off x="7128712" y="4779625"/>
-            <a:ext cx="1008556" cy="1028727"/>
-          </a:xfrm>
-          <a:prstGeom prst="rect">
-            <a:avLst/>
-          </a:prstGeom>
-          <a:noFill/>
-          <a:extLst>
-            <a:ext uri="{909E8E84-426E-40DD-AFC4-6F175D3DCCD1}">
-              <a14:hiddenFill xmlns:a14="http://schemas.microsoft.com/office/drawing/2010/main">
-                <a:solidFill>
-                  <a:srgbClr val="FFFFFF"/>
-                </a:solidFill>
-              </a14:hiddenFill>
-            </a:ext>
-          </a:extLst>
-        </p:spPr>
-      </p:pic>
-      <p:sp>
-        <p:nvSpPr>
-          <p:cNvPr id="45" name="TextBox 44">
-            <a:extLst>
-              <a:ext uri="{FF2B5EF4-FFF2-40B4-BE49-F238E27FC236}">
-                <a16:creationId xmlns:a16="http://schemas.microsoft.com/office/drawing/2014/main" id="{9703D71F-0451-45B0-86E8-419BB6A294CD}"/>
-              </a:ext>
-            </a:extLst>
-          </p:cNvPr>
-          <p:cNvSpPr txBox="1"/>
-          <p:nvPr/>
-        </p:nvSpPr>
-        <p:spPr>
-          <a:xfrm>
-            <a:off x="8207993" y="4868714"/>
-            <a:ext cx="2200837" cy="900246"/>
-          </a:xfrm>
-          <a:prstGeom prst="rect">
-            <a:avLst/>
-          </a:prstGeom>
-        </p:spPr>
-        <p:txBody>
-          <a:bodyPr wrap="square" rtlCol="0">
-            <a:spAutoFit/>
-          </a:bodyPr>
-          <a:lstStyle/>
-          <a:p>
-            <a:pPr marL="0" indent="0">
-              <a:lnSpc>
-                <a:spcPct val="100000"/>
-              </a:lnSpc>
-              <a:spcBef>
-                <a:spcPts val="0"/>
-              </a:spcBef>
-              <a:buFontTx/>
-              <a:buNone/>
-            </a:pPr>
-            <a:r>
-              <a:rPr lang="en-US" sz="1050" dirty="0">
-                <a:solidFill>
-                  <a:schemeClr val="tx1">
-                    <a:lumMod val="75000"/>
-                    <a:lumOff val="25000"/>
-                  </a:schemeClr>
-                </a:solidFill>
-                <a:latin typeface="Abadi (Body)"/>
-                <a:ea typeface="微软雅黑"/>
-                <a:cs typeface="Posterama" panose="020B0504020200020000" pitchFamily="34" charset="0"/>
-              </a:rPr>
-              <a:t>The model improved revenue by </a:t>
-            </a:r>
-            <a:r>
-              <a:rPr lang="en-US" sz="1050" dirty="0">
-                <a:solidFill>
-                  <a:srgbClr val="FF0000"/>
-                </a:solidFill>
-                <a:latin typeface="Abadi (Body)"/>
-                <a:ea typeface="微软雅黑"/>
-                <a:cs typeface="Posterama" panose="020B0504020200020000" pitchFamily="34" charset="0"/>
-              </a:rPr>
-              <a:t>164.24%</a:t>
-            </a:r>
-            <a:r>
-              <a:rPr lang="en-US" sz="1050" dirty="0">
-                <a:solidFill>
-                  <a:schemeClr val="tx1">
-                    <a:lumMod val="75000"/>
-                    <a:lumOff val="25000"/>
-                  </a:schemeClr>
-                </a:solidFill>
-                <a:latin typeface="Abadi (Body)"/>
-                <a:ea typeface="微软雅黑"/>
-                <a:cs typeface="Posterama" panose="020B0504020200020000" pitchFamily="34" charset="0"/>
-              </a:rPr>
-              <a:t> compared to the 'do nothing' program and by </a:t>
-            </a:r>
-            <a:r>
-              <a:rPr lang="en-US" sz="1050" dirty="0">
-                <a:solidFill>
-                  <a:srgbClr val="FF0000"/>
-                </a:solidFill>
-                <a:latin typeface="Abadi (Body)"/>
-                <a:ea typeface="微软雅黑"/>
-                <a:cs typeface="Posterama" panose="020B0504020200020000" pitchFamily="34" charset="0"/>
-              </a:rPr>
-              <a:t>44.51% </a:t>
-            </a:r>
-            <a:r>
-              <a:rPr lang="en-US" sz="1050" dirty="0">
-                <a:solidFill>
-                  <a:schemeClr val="tx1">
-                    <a:lumMod val="75000"/>
-                    <a:lumOff val="25000"/>
-                  </a:schemeClr>
-                </a:solidFill>
-                <a:latin typeface="Abadi (Body)"/>
-                <a:ea typeface="微软雅黑"/>
-                <a:cs typeface="Posterama" panose="020B0504020200020000" pitchFamily="34" charset="0"/>
-              </a:rPr>
-              <a:t>compared to the 'retain all' program.</a:t>
-            </a:r>
-          </a:p>
-        </p:txBody>
-      </p:sp>
-      <p:pic>
-        <p:nvPicPr>
-          <p:cNvPr id="1044" name="Picture 20" descr="DIGI">
-            <a:extLst>
-              <a:ext uri="{FF2B5EF4-FFF2-40B4-BE49-F238E27FC236}">
-                <a16:creationId xmlns:a16="http://schemas.microsoft.com/office/drawing/2014/main" id="{9A2B5B1C-E277-46E3-8292-9D9176958F87}"/>
-              </a:ext>
-            </a:extLst>
-          </p:cNvPr>
-          <p:cNvPicPr>
-            <a:picLocks noChangeAspect="1" noChangeArrowheads="1"/>
-          </p:cNvPicPr>
-          <p:nvPr/>
-        </p:nvPicPr>
-        <p:blipFill>
-          <a:blip r:embed="rId10">
-            <a:extLst>
-              <a:ext uri="{28A0092B-C50C-407E-A947-70E740481C1C}">
-                <a14:useLocalDpi xmlns:a14="http://schemas.microsoft.com/office/drawing/2010/main" val="0"/>
-              </a:ext>
-            </a:extLst>
-          </a:blip>
-          <a:srcRect/>
-          <a:stretch>
-            <a:fillRect/>
-          </a:stretch>
-        </p:blipFill>
-        <p:spPr bwMode="auto">
-          <a:xfrm>
-            <a:off x="509282" y="5776684"/>
-            <a:ext cx="901812" cy="364600"/>
-          </a:xfrm>
-          <a:prstGeom prst="rect">
-            <a:avLst/>
-          </a:prstGeom>
-          <a:noFill/>
-          <a:extLst>
-            <a:ext uri="{909E8E84-426E-40DD-AFC4-6F175D3DCCD1}">
-              <a14:hiddenFill xmlns:a14="http://schemas.microsoft.com/office/drawing/2010/main">
-                <a:solidFill>
-                  <a:srgbClr val="FFFFFF"/>
-                </a:solidFill>
-              </a14:hiddenFill>
-            </a:ext>
-          </a:extLst>
-        </p:spPr>
-      </p:pic>
-      <p:pic>
-        <p:nvPicPr>
-          <p:cNvPr id="2" name="Picture 2" descr="Imbalance dataset: Test and validate resampled tabular data">
-            <a:extLst>
-              <a:ext uri="{FF2B5EF4-FFF2-40B4-BE49-F238E27FC236}">
-                <a16:creationId xmlns:a16="http://schemas.microsoft.com/office/drawing/2014/main" id="{2EDCFD26-8FA4-4228-BB65-BA7436B2F817}"/>
-              </a:ext>
-            </a:extLst>
-          </p:cNvPr>
-          <p:cNvPicPr>
-            <a:picLocks noChangeAspect="1" noChangeArrowheads="1"/>
-          </p:cNvPicPr>
-          <p:nvPr/>
-        </p:nvPicPr>
-        <p:blipFill>
-          <a:blip r:embed="rId11">
-            <a:extLst>
-              <a:ext uri="{28A0092B-C50C-407E-A947-70E740481C1C}">
-                <a14:useLocalDpi xmlns:a14="http://schemas.microsoft.com/office/drawing/2010/main" val="0"/>
-              </a:ext>
-            </a:extLst>
-          </a:blip>
-          <a:srcRect/>
-          <a:stretch>
-            <a:fillRect/>
-          </a:stretch>
-        </p:blipFill>
-        <p:spPr bwMode="auto">
-          <a:xfrm flipH="1">
-            <a:off x="5397324" y="4900172"/>
-            <a:ext cx="1106928" cy="716716"/>
-          </a:xfrm>
-          <a:prstGeom prst="rect">
-            <a:avLst/>
-          </a:prstGeom>
-          <a:noFill/>
-          <a:extLst>
-            <a:ext uri="{909E8E84-426E-40DD-AFC4-6F175D3DCCD1}">
-              <a14:hiddenFill xmlns:a14="http://schemas.microsoft.com/office/drawing/2010/main">
-                <a:solidFill>
-                  <a:srgbClr val="FFFFFF"/>
-                </a:solidFill>
-              </a14:hiddenFill>
-            </a:ext>
-          </a:extLst>
-        </p:spPr>
-      </p:pic>
-      <p:sp>
-        <p:nvSpPr>
-          <p:cNvPr id="32" name="TextBox 31">
-            <a:extLst>
-              <a:ext uri="{FF2B5EF4-FFF2-40B4-BE49-F238E27FC236}">
-                <a16:creationId xmlns:a16="http://schemas.microsoft.com/office/drawing/2014/main" id="{01F053A5-F1F9-4B42-9E5C-398BEFFA0272}"/>
-              </a:ext>
-            </a:extLst>
-          </p:cNvPr>
-          <p:cNvSpPr txBox="1"/>
-          <p:nvPr/>
-        </p:nvSpPr>
-        <p:spPr>
-          <a:xfrm>
-            <a:off x="5164753" y="5594871"/>
-            <a:ext cx="1623942" cy="577081"/>
-          </a:xfrm>
-          <a:prstGeom prst="rect">
-            <a:avLst/>
-          </a:prstGeom>
-        </p:spPr>
-        <p:txBody>
-          <a:bodyPr wrap="square" rtlCol="0">
-            <a:spAutoFit/>
-          </a:bodyPr>
-          <a:lstStyle/>
-          <a:p>
-            <a:pPr marL="0" indent="0" algn="ctr">
-              <a:lnSpc>
-                <a:spcPct val="100000"/>
-              </a:lnSpc>
-              <a:spcBef>
-                <a:spcPts val="0"/>
-              </a:spcBef>
-              <a:buFontTx/>
-              <a:buNone/>
-            </a:pPr>
-            <a:r>
-              <a:rPr lang="en-US" sz="1050" dirty="0">
-                <a:solidFill>
-                  <a:schemeClr val="tx1">
-                    <a:lumMod val="75000"/>
-                    <a:lumOff val="25000"/>
-                  </a:schemeClr>
-                </a:solidFill>
-                <a:latin typeface="Abadi (Body)"/>
-                <a:ea typeface="微软雅黑"/>
-                <a:cs typeface="Posterama" panose="020B0504020200020000" pitchFamily="34" charset="0"/>
-              </a:rPr>
-              <a:t>Resampling</a:t>
-            </a:r>
-            <a:br>
-              <a:rPr lang="en-US" sz="1050" dirty="0">
-                <a:solidFill>
-                  <a:schemeClr val="tx1">
-                    <a:lumMod val="75000"/>
-                    <a:lumOff val="25000"/>
-                  </a:schemeClr>
-                </a:solidFill>
-                <a:latin typeface="Abadi (Body)"/>
-                <a:ea typeface="微软雅黑"/>
-                <a:cs typeface="Posterama" panose="020B0504020200020000" pitchFamily="34" charset="0"/>
-              </a:rPr>
-            </a:br>
-            <a:r>
-              <a:rPr lang="en-US" sz="1050" dirty="0">
-                <a:solidFill>
-                  <a:schemeClr val="tx1">
-                    <a:lumMod val="75000"/>
-                    <a:lumOff val="25000"/>
-                  </a:schemeClr>
-                </a:solidFill>
-                <a:latin typeface="Abadi (Body)"/>
-                <a:ea typeface="微软雅黑"/>
-                <a:cs typeface="Posterama" panose="020B0504020200020000" pitchFamily="34" charset="0"/>
-              </a:rPr>
-              <a:t>(SMOTE, ADASYN, Random </a:t>
-            </a:r>
-            <a:r>
-              <a:rPr lang="en-US" sz="1050" dirty="0" err="1">
-                <a:solidFill>
-                  <a:schemeClr val="tx1">
-                    <a:lumMod val="75000"/>
-                    <a:lumOff val="25000"/>
-                  </a:schemeClr>
-                </a:solidFill>
-                <a:latin typeface="Abadi (Body)"/>
-                <a:ea typeface="微软雅黑"/>
-                <a:cs typeface="Posterama" panose="020B0504020200020000" pitchFamily="34" charset="0"/>
-              </a:rPr>
-              <a:t>undersampling</a:t>
-            </a:r>
-            <a:r>
-              <a:rPr lang="en-US" sz="1050" dirty="0">
-                <a:solidFill>
-                  <a:schemeClr val="tx1">
-                    <a:lumMod val="75000"/>
-                    <a:lumOff val="25000"/>
-                  </a:schemeClr>
-                </a:solidFill>
-                <a:latin typeface="Abadi (Body)"/>
-                <a:ea typeface="微软雅黑"/>
-                <a:cs typeface="Posterama" panose="020B0504020200020000" pitchFamily="34" charset="0"/>
-              </a:rPr>
-              <a:t>)</a:t>
-            </a:r>
-          </a:p>
-        </p:txBody>
-      </p:sp>
-      <p:pic>
-        <p:nvPicPr>
-          <p:cNvPr id="7" name="Picture 6">
-            <a:extLst>
-              <a:ext uri="{FF2B5EF4-FFF2-40B4-BE49-F238E27FC236}">
-                <a16:creationId xmlns:a16="http://schemas.microsoft.com/office/drawing/2014/main" id="{652EE034-28C9-4CAF-B544-9A9282250540}"/>
-              </a:ext>
-            </a:extLst>
-          </p:cNvPr>
-          <p:cNvPicPr>
-            <a:picLocks noChangeAspect="1"/>
-          </p:cNvPicPr>
-          <p:nvPr/>
-        </p:nvPicPr>
-        <p:blipFill>
-          <a:blip r:embed="rId12"/>
-          <a:stretch>
-            <a:fillRect/>
-          </a:stretch>
-        </p:blipFill>
-        <p:spPr>
-          <a:xfrm>
-            <a:off x="4341836" y="4459632"/>
-            <a:ext cx="857447" cy="648213"/>
-          </a:xfrm>
-          <a:prstGeom prst="rect">
-            <a:avLst/>
-          </a:prstGeom>
-        </p:spPr>
-      </p:pic>
     </p:spTree>
     <p:extLst>
       <p:ext uri="{BB962C8B-B14F-4D97-AF65-F5344CB8AC3E}">
@@ -33175,11 +33443,19 @@
           <a:lstStyle/>
           <a:p>
             <a:fld id="{47FEACEE-25B4-4A2D-B147-27296E36371D}" type="slidenum">
-              <a:rPr lang="en-US" altLang="zh-CN" smtClean="0"/>
+              <a:rPr lang="en-US" altLang="zh-CN" smtClean="0">
+                <a:solidFill>
+                  <a:srgbClr val="1F1F1F"/>
+                </a:solidFill>
+              </a:rPr>
               <a:pPr/>
               <a:t>20</a:t>
             </a:fld>
-            <a:endParaRPr lang="en-US" altLang="zh-CN" dirty="0"/>
+            <a:endParaRPr lang="en-US" altLang="zh-CN" dirty="0">
+              <a:solidFill>
+                <a:srgbClr val="1F1F1F"/>
+              </a:solidFill>
+            </a:endParaRPr>
           </a:p>
         </p:txBody>
       </p:sp>
@@ -33460,10 +33736,18 @@
               <a:buNone/>
             </a:pPr>
             <a:r>
-              <a:rPr lang="en-US" altLang="zh-CN" sz="1200" dirty="0"/>
+              <a:rPr lang="en-US" altLang="zh-CN" sz="1200" dirty="0">
+                <a:solidFill>
+                  <a:srgbClr val="1F1F1F"/>
+                </a:solidFill>
+              </a:rPr>
               <a:t>TELCO CHURN PREDICTION MODEL</a:t>
             </a:r>
-            <a:endParaRPr lang="en-US" dirty="0"/>
+            <a:endParaRPr lang="en-US" dirty="0">
+              <a:solidFill>
+                <a:srgbClr val="1F1F1F"/>
+              </a:solidFill>
+            </a:endParaRPr>
           </a:p>
         </p:txBody>
       </p:sp>
@@ -33494,7 +33778,12 @@
           <a:lstStyle/>
           <a:p>
             <a:r>
-              <a:rPr lang="en-US" dirty="0"/>
+              <a:rPr lang="en-US" dirty="0">
+                <a:solidFill>
+                  <a:srgbClr val="1F1F1F"/>
+                </a:solidFill>
+                <a:latin typeface="Abadi (Body)"/>
+              </a:rPr>
               <a:t>7. APPENDIX</a:t>
             </a:r>
           </a:p>
@@ -34081,11 +34370,19 @@
           <a:lstStyle/>
           <a:p>
             <a:fld id="{47FEACEE-25B4-4A2D-B147-27296E36371D}" type="slidenum">
-              <a:rPr lang="en-US" altLang="zh-CN" smtClean="0"/>
+              <a:rPr lang="en-US" altLang="zh-CN" smtClean="0">
+                <a:solidFill>
+                  <a:srgbClr val="1F1F1F"/>
+                </a:solidFill>
+              </a:rPr>
               <a:pPr/>
               <a:t>21</a:t>
             </a:fld>
-            <a:endParaRPr lang="en-US" altLang="zh-CN" dirty="0"/>
+            <a:endParaRPr lang="en-US" altLang="zh-CN" dirty="0">
+              <a:solidFill>
+                <a:srgbClr val="1F1F1F"/>
+              </a:solidFill>
+            </a:endParaRPr>
           </a:p>
         </p:txBody>
       </p:sp>
@@ -34366,10 +34663,18 @@
               <a:buNone/>
             </a:pPr>
             <a:r>
-              <a:rPr lang="en-US" altLang="zh-CN" sz="1200" dirty="0"/>
+              <a:rPr lang="en-US" altLang="zh-CN" sz="1200" dirty="0">
+                <a:solidFill>
+                  <a:srgbClr val="1F1F1F"/>
+                </a:solidFill>
+              </a:rPr>
               <a:t>TELCO CHURN PREDICTION MODEL</a:t>
             </a:r>
-            <a:endParaRPr lang="en-US" dirty="0"/>
+            <a:endParaRPr lang="en-US" dirty="0">
+              <a:solidFill>
+                <a:srgbClr val="1F1F1F"/>
+              </a:solidFill>
+            </a:endParaRPr>
           </a:p>
         </p:txBody>
       </p:sp>
@@ -34400,7 +34705,12 @@
           <a:lstStyle/>
           <a:p>
             <a:r>
-              <a:rPr lang="en-US" dirty="0"/>
+              <a:rPr lang="en-US" dirty="0">
+                <a:solidFill>
+                  <a:srgbClr val="1F1F1F"/>
+                </a:solidFill>
+                <a:latin typeface="Abadi (Body)"/>
+              </a:rPr>
               <a:t>7. APPENDIX</a:t>
             </a:r>
           </a:p>
@@ -34602,15 +34912,27 @@
           <a:lstStyle/>
           <a:p>
             <a:r>
-              <a:rPr lang="en-US" sz="2000" dirty="0"/>
+              <a:rPr lang="en-US" sz="2000" dirty="0">
+                <a:solidFill>
+                  <a:srgbClr val="1F1F1F"/>
+                </a:solidFill>
+              </a:rPr>
               <a:t>Peerapat Tancharoen holds a Bachelor's degree in Economics from </a:t>
             </a:r>
             <a:r>
-              <a:rPr lang="en-US" sz="2000" dirty="0" err="1"/>
+              <a:rPr lang="en-US" sz="2000" dirty="0" err="1">
+                <a:solidFill>
+                  <a:srgbClr val="1F1F1F"/>
+                </a:solidFill>
+              </a:rPr>
               <a:t>Srinakharinwirot</a:t>
             </a:r>
             <a:r>
-              <a:rPr lang="en-US" sz="2000" dirty="0"/>
+              <a:rPr lang="en-US" sz="2000" dirty="0">
+                <a:solidFill>
+                  <a:srgbClr val="1F1F1F"/>
+                </a:solidFill>
+              </a:rPr>
               <a:t> University, graduating with first honors and a GPA of 3.67. He also earned a Master's degree in Economics from Thammasat University, achieving a GPA of 3.98.</a:t>
             </a:r>
           </a:p>
@@ -34682,7 +35004,11 @@
           <a:lstStyle/>
           <a:p>
             <a:r>
-              <a:rPr lang="en-US" dirty="0"/>
+              <a:rPr lang="en-US" dirty="0">
+                <a:solidFill>
+                  <a:srgbClr val="1F1F1F"/>
+                </a:solidFill>
+              </a:rPr>
               <a:t>Contact me on</a:t>
             </a:r>
           </a:p>
@@ -34715,18 +35041,34 @@
           <a:lstStyle/>
           <a:p>
             <a:r>
-              <a:rPr lang="en-US" sz="1400" dirty="0"/>
+              <a:rPr lang="en-US" sz="1400" dirty="0">
+                <a:solidFill>
+                  <a:srgbClr val="1F1F1F"/>
+                </a:solidFill>
+              </a:rPr>
               <a:t>linkedin.com/in/peerapat-tancharoen-664759220</a:t>
             </a:r>
             <a:r>
-              <a:rPr lang="th-TH" sz="1400" dirty="0"/>
+              <a:rPr lang="th-TH" sz="1400" dirty="0">
+                <a:solidFill>
+                  <a:srgbClr val="1F1F1F"/>
+                </a:solidFill>
+              </a:rPr>
               <a:t>/</a:t>
             </a:r>
-            <a:endParaRPr lang="en-US" sz="1400" dirty="0"/>
+            <a:endParaRPr lang="en-US" sz="1400" dirty="0">
+              <a:solidFill>
+                <a:srgbClr val="1F1F1F"/>
+              </a:solidFill>
+            </a:endParaRPr>
           </a:p>
           <a:p>
             <a:r>
-              <a:rPr lang="en-US" dirty="0"/>
+              <a:rPr lang="en-US" dirty="0">
+                <a:solidFill>
+                  <a:srgbClr val="1F1F1F"/>
+                </a:solidFill>
+              </a:rPr>
               <a:t>peerapat.tcr@gmail.com</a:t>
             </a:r>
           </a:p>
@@ -34754,11 +35096,19 @@
           <a:lstStyle/>
           <a:p>
             <a:fld id="{47FEACEE-25B4-4A2D-B147-27296E36371D}" type="slidenum">
-              <a:rPr lang="en-US" altLang="zh-CN" smtClean="0"/>
+              <a:rPr lang="en-US" altLang="zh-CN" smtClean="0">
+                <a:solidFill>
+                  <a:srgbClr val="1F1F1F"/>
+                </a:solidFill>
+              </a:rPr>
               <a:pPr/>
               <a:t>22</a:t>
             </a:fld>
-            <a:endParaRPr lang="en-US" altLang="zh-CN" dirty="0"/>
+            <a:endParaRPr lang="en-US" altLang="zh-CN" dirty="0">
+              <a:solidFill>
+                <a:srgbClr val="1F1F1F"/>
+              </a:solidFill>
+            </a:endParaRPr>
           </a:p>
         </p:txBody>
       </p:sp>
@@ -34999,7 +35349,12 @@
           <a:lstStyle/>
           <a:p>
             <a:r>
-              <a:rPr lang="en-US" dirty="0"/>
+              <a:rPr lang="en-US" dirty="0">
+                <a:solidFill>
+                  <a:srgbClr val="1F1F1F"/>
+                </a:solidFill>
+                <a:latin typeface="Abadi (Body)"/>
+              </a:rPr>
               <a:t>8. ABOUT ME</a:t>
             </a:r>
           </a:p>
@@ -35282,10 +35637,18 @@
               <a:buNone/>
             </a:pPr>
             <a:r>
-              <a:rPr lang="en-US" altLang="zh-CN" sz="1200" dirty="0"/>
+              <a:rPr lang="en-US" altLang="zh-CN" sz="1200" dirty="0">
+                <a:solidFill>
+                  <a:srgbClr val="1F1F1F"/>
+                </a:solidFill>
+              </a:rPr>
               <a:t>TELCO CHURN PREDICTION MODEL</a:t>
             </a:r>
-            <a:endParaRPr lang="en-US" dirty="0"/>
+            <a:endParaRPr lang="en-US" dirty="0">
+              <a:solidFill>
+                <a:srgbClr val="1F1F1F"/>
+              </a:solidFill>
+            </a:endParaRPr>
           </a:p>
         </p:txBody>
       </p:sp>
@@ -35341,11 +35704,19 @@
           <a:lstStyle/>
           <a:p>
             <a:fld id="{47FEACEE-25B4-4A2D-B147-27296E36371D}" type="slidenum">
-              <a:rPr lang="en-US" altLang="zh-CN" smtClean="0"/>
+              <a:rPr lang="en-US" altLang="zh-CN" smtClean="0">
+                <a:solidFill>
+                  <a:srgbClr val="1F1F1F"/>
+                </a:solidFill>
+              </a:rPr>
               <a:pPr/>
               <a:t>3</a:t>
             </a:fld>
-            <a:endParaRPr lang="en-US" altLang="zh-CN" dirty="0"/>
+            <a:endParaRPr lang="en-US" altLang="zh-CN" dirty="0">
+              <a:solidFill>
+                <a:srgbClr val="1F1F1F"/>
+              </a:solidFill>
+            </a:endParaRPr>
           </a:p>
         </p:txBody>
       </p:sp>
@@ -35376,7 +35747,12 @@
           <a:lstStyle/>
           <a:p>
             <a:r>
-              <a:rPr lang="en-US" dirty="0"/>
+              <a:rPr lang="en-US" dirty="0">
+                <a:solidFill>
+                  <a:srgbClr val="1F1F1F"/>
+                </a:solidFill>
+                <a:latin typeface="Abadi (Body)"/>
+              </a:rPr>
               <a:t>TABLE OF CONTENT</a:t>
             </a:r>
           </a:p>
@@ -35659,10 +36035,18 @@
               <a:buNone/>
             </a:pPr>
             <a:r>
-              <a:rPr lang="en-US" altLang="zh-CN" sz="1200" dirty="0"/>
+              <a:rPr lang="en-US" altLang="zh-CN" sz="1200" dirty="0">
+                <a:solidFill>
+                  <a:srgbClr val="1F1F1F"/>
+                </a:solidFill>
+              </a:rPr>
               <a:t>TELCO CHURN PREDICTION MODEL</a:t>
             </a:r>
-            <a:endParaRPr lang="en-US" dirty="0"/>
+            <a:endParaRPr lang="en-US" dirty="0">
+              <a:solidFill>
+                <a:srgbClr val="1F1F1F"/>
+              </a:solidFill>
+            </a:endParaRPr>
           </a:p>
         </p:txBody>
       </p:sp>
@@ -35866,11 +36250,19 @@
           <a:lstStyle/>
           <a:p>
             <a:fld id="{47FEACEE-25B4-4A2D-B147-27296E36371D}" type="slidenum">
-              <a:rPr lang="en-US" altLang="zh-CN" smtClean="0"/>
+              <a:rPr lang="en-US" altLang="zh-CN" smtClean="0">
+                <a:solidFill>
+                  <a:srgbClr val="1F1F1F"/>
+                </a:solidFill>
+              </a:rPr>
               <a:pPr/>
               <a:t>4</a:t>
             </a:fld>
-            <a:endParaRPr lang="en-US" altLang="zh-CN" dirty="0"/>
+            <a:endParaRPr lang="en-US" altLang="zh-CN" dirty="0">
+              <a:solidFill>
+                <a:srgbClr val="1F1F1F"/>
+              </a:solidFill>
+            </a:endParaRPr>
           </a:p>
         </p:txBody>
       </p:sp>
@@ -35893,7 +36285,7 @@
         <p:spPr>
           <a:xfrm>
             <a:off x="581709" y="274955"/>
-            <a:ext cx="6031527" cy="673368"/>
+            <a:ext cx="6493794" cy="673368"/>
           </a:xfrm>
         </p:spPr>
         <p:txBody>
@@ -35901,7 +36293,12 @@
           <a:lstStyle/>
           <a:p>
             <a:r>
-              <a:rPr lang="en-US" dirty="0"/>
+              <a:rPr lang="en-US" dirty="0">
+                <a:solidFill>
+                  <a:srgbClr val="1F1F1F"/>
+                </a:solidFill>
+                <a:latin typeface="Abadi (Body)"/>
+              </a:rPr>
               <a:t>1. PROBLEM STATEMENT</a:t>
             </a:r>
           </a:p>
@@ -36184,10 +36581,18 @@
               <a:buNone/>
             </a:pPr>
             <a:r>
-              <a:rPr lang="en-US" altLang="zh-CN" sz="1200" dirty="0"/>
+              <a:rPr lang="en-US" altLang="zh-CN" sz="1200" dirty="0">
+                <a:solidFill>
+                  <a:srgbClr val="1F1F1F"/>
+                </a:solidFill>
+              </a:rPr>
               <a:t>TELCO CHURN PREDICTION MODEL</a:t>
             </a:r>
-            <a:endParaRPr lang="en-US" dirty="0"/>
+            <a:endParaRPr lang="en-US" dirty="0">
+              <a:solidFill>
+                <a:srgbClr val="1F1F1F"/>
+              </a:solidFill>
+            </a:endParaRPr>
           </a:p>
         </p:txBody>
       </p:sp>
@@ -36259,7 +36664,7 @@
                 </a:solidFill>
                 <a:latin typeface="Abadi (Body)"/>
               </a:rPr>
-              <a:t>This is because existing customers are already familiar with your product or service and they are more likely to continue doing business with you.</a:t>
+              <a:t>This is because existing customers are already familiar with your product or services and they are more likely to continue doing business with you.</a:t>
             </a:r>
           </a:p>
         </p:txBody>
@@ -36316,11 +36721,19 @@
           <a:lstStyle/>
           <a:p>
             <a:fld id="{47FEACEE-25B4-4A2D-B147-27296E36371D}" type="slidenum">
-              <a:rPr lang="en-US" altLang="zh-CN" smtClean="0"/>
+              <a:rPr lang="en-US" altLang="zh-CN" smtClean="0">
+                <a:solidFill>
+                  <a:srgbClr val="1F1F1F"/>
+                </a:solidFill>
+              </a:rPr>
               <a:pPr/>
               <a:t>5</a:t>
             </a:fld>
-            <a:endParaRPr lang="en-US" altLang="zh-CN" dirty="0"/>
+            <a:endParaRPr lang="en-US" altLang="zh-CN" dirty="0">
+              <a:solidFill>
+                <a:srgbClr val="1F1F1F"/>
+              </a:solidFill>
+            </a:endParaRPr>
           </a:p>
         </p:txBody>
       </p:sp>
@@ -36351,7 +36764,12 @@
           <a:lstStyle/>
           <a:p>
             <a:r>
-              <a:rPr lang="en-US" dirty="0"/>
+              <a:rPr lang="en-US" dirty="0">
+                <a:solidFill>
+                  <a:srgbClr val="1F1F1F"/>
+                </a:solidFill>
+                <a:latin typeface="Abadi (Body)"/>
+              </a:rPr>
               <a:t>2. BUSINESS VALUE</a:t>
             </a:r>
           </a:p>
@@ -36634,10 +37052,18 @@
               <a:buNone/>
             </a:pPr>
             <a:r>
-              <a:rPr lang="en-US" altLang="zh-CN" sz="1200" dirty="0"/>
+              <a:rPr lang="en-US" altLang="zh-CN" sz="1200" dirty="0">
+                <a:solidFill>
+                  <a:srgbClr val="1F1F1F"/>
+                </a:solidFill>
+              </a:rPr>
               <a:t>TELCO CHURN PREDICTION MODEL</a:t>
             </a:r>
-            <a:endParaRPr lang="en-US" dirty="0"/>
+            <a:endParaRPr lang="en-US" dirty="0">
+              <a:solidFill>
+                <a:srgbClr val="1F1F1F"/>
+              </a:solidFill>
+            </a:endParaRPr>
           </a:p>
         </p:txBody>
       </p:sp>
@@ -36766,11 +37192,19 @@
           <a:lstStyle/>
           <a:p>
             <a:fld id="{47FEACEE-25B4-4A2D-B147-27296E36371D}" type="slidenum">
-              <a:rPr lang="en-US" altLang="zh-CN" smtClean="0"/>
+              <a:rPr lang="en-US" altLang="zh-CN" smtClean="0">
+                <a:solidFill>
+                  <a:srgbClr val="1F1F1F"/>
+                </a:solidFill>
+              </a:rPr>
               <a:pPr/>
               <a:t>6</a:t>
             </a:fld>
-            <a:endParaRPr lang="en-US" altLang="zh-CN" dirty="0"/>
+            <a:endParaRPr lang="en-US" altLang="zh-CN" dirty="0">
+              <a:solidFill>
+                <a:srgbClr val="1F1F1F"/>
+              </a:solidFill>
+            </a:endParaRPr>
           </a:p>
         </p:txBody>
       </p:sp>
@@ -36801,7 +37235,12 @@
           <a:lstStyle/>
           <a:p>
             <a:r>
-              <a:rPr lang="en-US" dirty="0"/>
+              <a:rPr lang="en-US" dirty="0">
+                <a:solidFill>
+                  <a:srgbClr val="1F1F1F"/>
+                </a:solidFill>
+                <a:latin typeface="Abadi (Body)"/>
+              </a:rPr>
               <a:t>3. METHODOLOGY</a:t>
             </a:r>
           </a:p>
@@ -37084,10 +37523,18 @@
               <a:buNone/>
             </a:pPr>
             <a:r>
-              <a:rPr lang="en-US" altLang="zh-CN" sz="1200" dirty="0"/>
+              <a:rPr lang="en-US" altLang="zh-CN" sz="1200" dirty="0">
+                <a:solidFill>
+                  <a:srgbClr val="1F1F1F"/>
+                </a:solidFill>
+              </a:rPr>
               <a:t>TELCO CHURN PREDICTION MODEL</a:t>
             </a:r>
-            <a:endParaRPr lang="en-US" dirty="0"/>
+            <a:endParaRPr lang="en-US" dirty="0">
+              <a:solidFill>
+                <a:srgbClr val="1F1F1F"/>
+              </a:solidFill>
+            </a:endParaRPr>
           </a:p>
         </p:txBody>
       </p:sp>
@@ -37647,11 +38094,19 @@
           <a:lstStyle/>
           <a:p>
             <a:fld id="{47FEACEE-25B4-4A2D-B147-27296E36371D}" type="slidenum">
-              <a:rPr lang="en-US" altLang="zh-CN" smtClean="0"/>
+              <a:rPr lang="en-US" altLang="zh-CN" smtClean="0">
+                <a:solidFill>
+                  <a:srgbClr val="1F1F1F"/>
+                </a:solidFill>
+              </a:rPr>
               <a:pPr/>
               <a:t>7</a:t>
             </a:fld>
-            <a:endParaRPr lang="en-US" altLang="zh-CN" dirty="0"/>
+            <a:endParaRPr lang="en-US" altLang="zh-CN" dirty="0">
+              <a:solidFill>
+                <a:srgbClr val="1F1F1F"/>
+              </a:solidFill>
+            </a:endParaRPr>
           </a:p>
         </p:txBody>
       </p:sp>
@@ -37682,7 +38137,12 @@
           <a:lstStyle/>
           <a:p>
             <a:r>
-              <a:rPr lang="en-US" dirty="0"/>
+              <a:rPr lang="en-US" dirty="0">
+                <a:solidFill>
+                  <a:srgbClr val="1F1F1F"/>
+                </a:solidFill>
+                <a:latin typeface="Abadi (Body)"/>
+              </a:rPr>
               <a:t>3. METHODOLOGY</a:t>
             </a:r>
           </a:p>
@@ -37965,10 +38425,18 @@
               <a:buNone/>
             </a:pPr>
             <a:r>
-              <a:rPr lang="en-US" altLang="zh-CN" sz="1200" dirty="0"/>
+              <a:rPr lang="en-US" altLang="zh-CN" sz="1200" dirty="0">
+                <a:solidFill>
+                  <a:srgbClr val="1F1F1F"/>
+                </a:solidFill>
+              </a:rPr>
               <a:t>TELCO CHURN PREDICTION MODEL</a:t>
             </a:r>
-            <a:endParaRPr lang="en-US" dirty="0"/>
+            <a:endParaRPr lang="en-US" dirty="0">
+              <a:solidFill>
+                <a:srgbClr val="1F1F1F"/>
+              </a:solidFill>
+            </a:endParaRPr>
           </a:p>
         </p:txBody>
       </p:sp>
@@ -38559,11 +39027,19 @@
           <a:lstStyle/>
           <a:p>
             <a:fld id="{47FEACEE-25B4-4A2D-B147-27296E36371D}" type="slidenum">
-              <a:rPr lang="en-US" altLang="zh-CN" smtClean="0"/>
+              <a:rPr lang="en-US" altLang="zh-CN" smtClean="0">
+                <a:solidFill>
+                  <a:srgbClr val="1F1F1F"/>
+                </a:solidFill>
+              </a:rPr>
               <a:pPr/>
               <a:t>8</a:t>
             </a:fld>
-            <a:endParaRPr lang="en-US" altLang="zh-CN" dirty="0"/>
+            <a:endParaRPr lang="en-US" altLang="zh-CN" dirty="0">
+              <a:solidFill>
+                <a:srgbClr val="1F1F1F"/>
+              </a:solidFill>
+            </a:endParaRPr>
           </a:p>
         </p:txBody>
       </p:sp>
@@ -38594,7 +39070,12 @@
           <a:lstStyle/>
           <a:p>
             <a:r>
-              <a:rPr lang="en-US" dirty="0"/>
+              <a:rPr lang="en-US" dirty="0">
+                <a:solidFill>
+                  <a:srgbClr val="1F1F1F"/>
+                </a:solidFill>
+                <a:latin typeface="Abadi (Body)"/>
+              </a:rPr>
               <a:t>4. RESULT</a:t>
             </a:r>
           </a:p>
@@ -38877,10 +39358,18 @@
               <a:buNone/>
             </a:pPr>
             <a:r>
-              <a:rPr lang="en-US" altLang="zh-CN" sz="1200" dirty="0"/>
+              <a:rPr lang="en-US" altLang="zh-CN" sz="1200" dirty="0">
+                <a:solidFill>
+                  <a:srgbClr val="1F1F1F"/>
+                </a:solidFill>
+              </a:rPr>
               <a:t>TELCO CHURN PREDICTION MODEL</a:t>
             </a:r>
-            <a:endParaRPr lang="en-US" dirty="0"/>
+            <a:endParaRPr lang="en-US" dirty="0">
+              <a:solidFill>
+                <a:srgbClr val="1F1F1F"/>
+              </a:solidFill>
+            </a:endParaRPr>
           </a:p>
         </p:txBody>
       </p:sp>
@@ -39754,11 +40243,19 @@
           <a:lstStyle/>
           <a:p>
             <a:fld id="{47FEACEE-25B4-4A2D-B147-27296E36371D}" type="slidenum">
-              <a:rPr lang="en-US" altLang="zh-CN" smtClean="0"/>
+              <a:rPr lang="en-US" altLang="zh-CN" smtClean="0">
+                <a:solidFill>
+                  <a:srgbClr val="1F1F1F"/>
+                </a:solidFill>
+              </a:rPr>
               <a:pPr/>
               <a:t>9</a:t>
             </a:fld>
-            <a:endParaRPr lang="en-US" altLang="zh-CN" dirty="0"/>
+            <a:endParaRPr lang="en-US" altLang="zh-CN" dirty="0">
+              <a:solidFill>
+                <a:srgbClr val="1F1F1F"/>
+              </a:solidFill>
+            </a:endParaRPr>
           </a:p>
         </p:txBody>
       </p:sp>
@@ -39789,7 +40286,12 @@
           <a:lstStyle/>
           <a:p>
             <a:r>
-              <a:rPr lang="en-US" dirty="0"/>
+              <a:rPr lang="en-US" dirty="0">
+                <a:solidFill>
+                  <a:srgbClr val="1F1F1F"/>
+                </a:solidFill>
+                <a:latin typeface="Abadi (Body)"/>
+              </a:rPr>
               <a:t>4. RESULT</a:t>
             </a:r>
           </a:p>
@@ -40072,10 +40574,18 @@
               <a:buNone/>
             </a:pPr>
             <a:r>
-              <a:rPr lang="en-US" altLang="zh-CN" sz="1200" dirty="0"/>
+              <a:rPr lang="en-US" altLang="zh-CN" sz="1200" dirty="0">
+                <a:solidFill>
+                  <a:srgbClr val="1F1F1F"/>
+                </a:solidFill>
+              </a:rPr>
               <a:t>TELCO CHURN PREDICTION MODEL</a:t>
             </a:r>
-            <a:endParaRPr lang="en-US" dirty="0"/>
+            <a:endParaRPr lang="en-US" dirty="0">
+              <a:solidFill>
+                <a:srgbClr val="1F1F1F"/>
+              </a:solidFill>
+            </a:endParaRPr>
           </a:p>
         </p:txBody>
       </p:sp>
@@ -41544,15 +42054,6 @@
 </file>
 
 <file path=customXml/item1.xml><?xml version="1.0" encoding="utf-8"?>
-<?mso-contentType ?>
-<FormTemplates xmlns="http://schemas.microsoft.com/sharepoint/v3/contenttype/forms">
-  <Display>DocumentLibraryForm</Display>
-  <Edit>DocumentLibraryForm</Edit>
-  <New>DocumentLibraryForm</New>
-</FormTemplates>
-</file>
-
-<file path=customXml/item2.xml><?xml version="1.0" encoding="utf-8"?>
 <ct:contentTypeSchema xmlns:ct="http://schemas.microsoft.com/office/2006/metadata/contentType" xmlns:ma="http://schemas.microsoft.com/office/2006/metadata/properties/metaAttributes" ct:_="" ma:_="" ma:contentTypeName="Document" ma:contentTypeID="0x01010079F111ED35F8CC479449609E8A0923A6" ma:contentTypeVersion="24" ma:contentTypeDescription="Create a new document." ma:contentTypeScope="" ma:versionID="2d714a3296df14eba7a100bb665443ca">
   <xsd:schema xmlns:xsd="http://www.w3.org/2001/XMLSchema" xmlns:xs="http://www.w3.org/2001/XMLSchema" xmlns:p="http://schemas.microsoft.com/office/2006/metadata/properties" xmlns:ns1="http://schemas.microsoft.com/sharepoint/v3" xmlns:ns2="71af3243-3dd4-4a8d-8c0d-dd76da1f02a5" xmlns:ns3="16c05727-aa75-4e4a-9b5f-8a80a1165891" xmlns:ns4="230e9df3-be65-4c73-a93b-d1236ebd677e" targetNamespace="http://schemas.microsoft.com/office/2006/metadata/properties" ma:root="true" ma:fieldsID="49549bf45bfbbfb6cffed527380e77e1" ns1:_="" ns2:_="" ns3:_="" ns4:_="">
     <xsd:import namespace="http://schemas.microsoft.com/sharepoint/v3"/>
@@ -41840,6 +42341,15 @@
 </ct:contentTypeSchema>
 </file>
 
+<file path=customXml/item2.xml><?xml version="1.0" encoding="utf-8"?>
+<?mso-contentType ?>
+<FormTemplates xmlns="http://schemas.microsoft.com/sharepoint/v3/contenttype/forms">
+  <Display>DocumentLibraryForm</Display>
+  <Edit>DocumentLibraryForm</Edit>
+  <New>DocumentLibraryForm</New>
+</FormTemplates>
+</file>
+
 <file path=customXml/item3.xml><?xml version="1.0" encoding="utf-8"?>
 <p:properties xmlns:p="http://schemas.microsoft.com/office/2006/metadata/properties" xmlns:xsi="http://www.w3.org/2001/XMLSchema-instance" xmlns:pc="http://schemas.microsoft.com/office/infopath/2007/PartnerControls">
   <documentManagement>
@@ -41861,14 +42371,6 @@
 </file>
 
 <file path=customXml/itemProps1.xml><?xml version="1.0" encoding="utf-8"?>
-<ds:datastoreItem xmlns:ds="http://schemas.openxmlformats.org/officeDocument/2006/customXml" ds:itemID="{6F156100-9533-4411-B0C0-FA18F914F7B6}">
-  <ds:schemaRefs>
-    <ds:schemaRef ds:uri="http://schemas.microsoft.com/sharepoint/v3/contenttype/forms"/>
-  </ds:schemaRefs>
-</ds:datastoreItem>
-</file>
-
-<file path=customXml/itemProps2.xml><?xml version="1.0" encoding="utf-8"?>
 <ds:datastoreItem xmlns:ds="http://schemas.openxmlformats.org/officeDocument/2006/customXml" ds:itemID="{76A4D1D3-B327-4D60-927D-26045FF4AF3C}">
   <ds:schemaRefs>
     <ds:schemaRef ds:uri="http://schemas.microsoft.com/office/2006/metadata/contentType"/>
@@ -41885,6 +42387,14 @@
     <ds:schemaRef ds:uri="http://purl.org/dc/elements/1.1/"/>
     <ds:schemaRef ds:uri="http://purl.org/dc/terms/"/>
     <ds:schemaRef ds:uri="http://schemas.microsoft.com/internal/obd"/>
+  </ds:schemaRefs>
+</ds:datastoreItem>
+</file>
+
+<file path=customXml/itemProps2.xml><?xml version="1.0" encoding="utf-8"?>
+<ds:datastoreItem xmlns:ds="http://schemas.openxmlformats.org/officeDocument/2006/customXml" ds:itemID="{6F156100-9533-4411-B0C0-FA18F914F7B6}">
+  <ds:schemaRefs>
+    <ds:schemaRef ds:uri="http://schemas.microsoft.com/sharepoint/v3/contenttype/forms"/>
   </ds:schemaRefs>
 </ds:datastoreItem>
 </file>

--- a/Telco churn prediction model presentation.pptx
+++ b/Telco churn prediction model presentation.pptx
@@ -287,7 +287,7 @@
           <a:p>
             <a:fld id="{8CD26A2A-0A96-0647-84E5-C82F2EFD9474}" type="datetimeFigureOut">
               <a:rPr lang="en-US" smtClean="0"/>
-              <a:t>12/7/2023</a:t>
+              <a:t>12/15/2023</a:t>
             </a:fld>
             <a:endParaRPr lang="en-US" dirty="0"/>
           </a:p>
@@ -464,7 +464,7 @@
           <a:p>
             <a:fld id="{A2B40C3B-E28A-4854-8EDA-E7F8F6F6FFEF}" type="datetimeFigureOut">
               <a:rPr lang="zh-CN" altLang="en-US" smtClean="0"/>
-              <a:t>2023/12/7</a:t>
+              <a:t>2023/12/15</a:t>
             </a:fld>
             <a:endParaRPr lang="zh-CN" altLang="en-US"/>
           </a:p>
@@ -31611,281 +31611,6 @@
       </p:sp>
       <p:sp>
         <p:nvSpPr>
-          <p:cNvPr id="18" name="Title 6">
-            <a:extLst>
-              <a:ext uri="{FF2B5EF4-FFF2-40B4-BE49-F238E27FC236}">
-                <a16:creationId xmlns:a16="http://schemas.microsoft.com/office/drawing/2014/main" id="{5D764239-A7DB-418A-A461-4BDFAB66E45D}"/>
-              </a:ext>
-            </a:extLst>
-          </p:cNvPr>
-          <p:cNvSpPr txBox="1">
-            <a:spLocks/>
-          </p:cNvSpPr>
-          <p:nvPr/>
-        </p:nvSpPr>
-        <p:spPr>
-          <a:xfrm>
-            <a:off x="581710" y="3923078"/>
-            <a:ext cx="808326" cy="391629"/>
-          </a:xfrm>
-          <a:prstGeom prst="rect">
-            <a:avLst/>
-          </a:prstGeom>
-        </p:spPr>
-        <p:txBody>
-          <a:bodyPr vert="horz" lIns="91440" tIns="45720" rIns="91440" bIns="45720" rtlCol="0" anchor="t">
-            <a:noAutofit/>
-          </a:bodyPr>
-          <a:lstStyle>
-            <a:lvl1pPr algn="l" defTabSz="914400" rtl="0" eaLnBrk="1" latinLnBrk="0" hangingPunct="1">
-              <a:lnSpc>
-                <a:spcPct val="90000"/>
-              </a:lnSpc>
-              <a:spcBef>
-                <a:spcPct val="0"/>
-              </a:spcBef>
-              <a:buNone/>
-              <a:defRPr sz="4400" b="1" kern="1200">
-                <a:solidFill>
-                  <a:schemeClr val="accent6"/>
-                </a:solidFill>
-                <a:latin typeface="+mj-lt"/>
-                <a:ea typeface="+mj-ea"/>
-                <a:cs typeface="+mj-cs"/>
-              </a:defRPr>
-            </a:lvl1pPr>
-          </a:lstStyle>
-          <a:p>
-            <a:r>
-              <a:rPr lang="en-US" sz="2000" dirty="0">
-                <a:solidFill>
-                  <a:srgbClr val="1F1F1F"/>
-                </a:solidFill>
-                <a:latin typeface="Abadi (Body)"/>
-                <a:ea typeface="+mn-ea"/>
-                <a:cs typeface="+mn-cs"/>
-              </a:rPr>
-              <a:t>Tools</a:t>
-            </a:r>
-            <a:endParaRPr lang="en-US" altLang="zh-CN" sz="2000" dirty="0">
-              <a:solidFill>
-                <a:srgbClr val="1F1F1F"/>
-              </a:solidFill>
-              <a:latin typeface="Abadi (Body)"/>
-              <a:ea typeface="+mn-ea"/>
-              <a:cs typeface="+mn-cs"/>
-            </a:endParaRPr>
-          </a:p>
-        </p:txBody>
-      </p:sp>
-      <p:pic>
-        <p:nvPicPr>
-          <p:cNvPr id="1026" name="Picture 2" descr="IT12A01: FUNDAMENTALS OF PYTHON PROGRAMMING (SF) (SYNCHRONOUS E-LEARNING) -  NTUC LearningHub">
-            <a:extLst>
-              <a:ext uri="{FF2B5EF4-FFF2-40B4-BE49-F238E27FC236}">
-                <a16:creationId xmlns:a16="http://schemas.microsoft.com/office/drawing/2014/main" id="{3350AA5B-9BB4-42A6-80BF-51D42F704E61}"/>
-              </a:ext>
-            </a:extLst>
-          </p:cNvPr>
-          <p:cNvPicPr>
-            <a:picLocks noChangeAspect="1" noChangeArrowheads="1"/>
-          </p:cNvPicPr>
-          <p:nvPr/>
-        </p:nvPicPr>
-        <p:blipFill>
-          <a:blip r:embed="rId3">
-            <a:extLst>
-              <a:ext uri="{28A0092B-C50C-407E-A947-70E740481C1C}">
-                <a14:useLocalDpi xmlns:a14="http://schemas.microsoft.com/office/drawing/2010/main" val="0"/>
-              </a:ext>
-            </a:extLst>
-          </a:blip>
-          <a:srcRect/>
-          <a:stretch>
-            <a:fillRect/>
-          </a:stretch>
-        </p:blipFill>
-        <p:spPr bwMode="auto">
-          <a:xfrm>
-            <a:off x="350982" y="4633838"/>
-            <a:ext cx="1197101" cy="677006"/>
-          </a:xfrm>
-          <a:prstGeom prst="rect">
-            <a:avLst/>
-          </a:prstGeom>
-          <a:noFill/>
-          <a:extLst>
-            <a:ext uri="{909E8E84-426E-40DD-AFC4-6F175D3DCCD1}">
-              <a14:hiddenFill xmlns:a14="http://schemas.microsoft.com/office/drawing/2010/main">
-                <a:solidFill>
-                  <a:srgbClr val="FFFFFF"/>
-                </a:solidFill>
-              </a14:hiddenFill>
-            </a:ext>
-          </a:extLst>
-        </p:spPr>
-      </p:pic>
-      <p:cxnSp>
-        <p:nvCxnSpPr>
-          <p:cNvPr id="20" name="Straight Connector 19">
-            <a:extLst>
-              <a:ext uri="{FF2B5EF4-FFF2-40B4-BE49-F238E27FC236}">
-                <a16:creationId xmlns:a16="http://schemas.microsoft.com/office/drawing/2014/main" id="{CF7924FB-1A20-41CB-94E5-DD9BC3241A8C}"/>
-              </a:ext>
-            </a:extLst>
-          </p:cNvPr>
-          <p:cNvCxnSpPr>
-            <a:cxnSpLocks/>
-          </p:cNvCxnSpPr>
-          <p:nvPr/>
-        </p:nvCxnSpPr>
-        <p:spPr>
-          <a:xfrm>
-            <a:off x="7908119" y="1373156"/>
-            <a:ext cx="0" cy="2405313"/>
-          </a:xfrm>
-          <a:prstGeom prst="line">
-            <a:avLst/>
-          </a:prstGeom>
-          <a:ln w="19050">
-            <a:solidFill>
-              <a:schemeClr val="bg1">
-                <a:lumMod val="50000"/>
-              </a:schemeClr>
-            </a:solidFill>
-          </a:ln>
-        </p:spPr>
-        <p:style>
-          <a:lnRef idx="1">
-            <a:schemeClr val="accent1"/>
-          </a:lnRef>
-          <a:fillRef idx="0">
-            <a:schemeClr val="accent1"/>
-          </a:fillRef>
-          <a:effectRef idx="0">
-            <a:schemeClr val="accent1"/>
-          </a:effectRef>
-          <a:fontRef idx="minor">
-            <a:schemeClr val="tx1"/>
-          </a:fontRef>
-        </p:style>
-      </p:cxnSp>
-      <p:cxnSp>
-        <p:nvCxnSpPr>
-          <p:cNvPr id="24" name="Straight Connector 23">
-            <a:extLst>
-              <a:ext uri="{FF2B5EF4-FFF2-40B4-BE49-F238E27FC236}">
-                <a16:creationId xmlns:a16="http://schemas.microsoft.com/office/drawing/2014/main" id="{70FE5E60-4B56-4399-B653-371651FCC0E3}"/>
-              </a:ext>
-            </a:extLst>
-          </p:cNvPr>
-          <p:cNvCxnSpPr>
-            <a:cxnSpLocks/>
-          </p:cNvCxnSpPr>
-          <p:nvPr/>
-        </p:nvCxnSpPr>
-        <p:spPr>
-          <a:xfrm>
-            <a:off x="1589232" y="4051856"/>
-            <a:ext cx="0" cy="2147281"/>
-          </a:xfrm>
-          <a:prstGeom prst="line">
-            <a:avLst/>
-          </a:prstGeom>
-          <a:ln w="19050">
-            <a:solidFill>
-              <a:schemeClr val="bg1">
-                <a:lumMod val="50000"/>
-              </a:schemeClr>
-            </a:solidFill>
-          </a:ln>
-        </p:spPr>
-        <p:style>
-          <a:lnRef idx="1">
-            <a:schemeClr val="accent1"/>
-          </a:lnRef>
-          <a:fillRef idx="0">
-            <a:schemeClr val="accent1"/>
-          </a:fillRef>
-          <a:effectRef idx="0">
-            <a:schemeClr val="accent1"/>
-          </a:effectRef>
-          <a:fontRef idx="minor">
-            <a:schemeClr val="tx1"/>
-          </a:fontRef>
-        </p:style>
-      </p:cxnSp>
-      <p:sp>
-        <p:nvSpPr>
-          <p:cNvPr id="25" name="Title 6">
-            <a:extLst>
-              <a:ext uri="{FF2B5EF4-FFF2-40B4-BE49-F238E27FC236}">
-                <a16:creationId xmlns:a16="http://schemas.microsoft.com/office/drawing/2014/main" id="{2546A81F-4DBF-4230-B494-CD3798E7FDC7}"/>
-              </a:ext>
-            </a:extLst>
-          </p:cNvPr>
-          <p:cNvSpPr txBox="1">
-            <a:spLocks/>
-          </p:cNvSpPr>
-          <p:nvPr/>
-        </p:nvSpPr>
-        <p:spPr>
-          <a:xfrm>
-            <a:off x="1734453" y="3923078"/>
-            <a:ext cx="1171867" cy="391629"/>
-          </a:xfrm>
-          <a:prstGeom prst="rect">
-            <a:avLst/>
-          </a:prstGeom>
-        </p:spPr>
-        <p:txBody>
-          <a:bodyPr vert="horz" lIns="91440" tIns="45720" rIns="91440" bIns="45720" rtlCol="0" anchor="t">
-            <a:noAutofit/>
-          </a:bodyPr>
-          <a:lstStyle>
-            <a:lvl1pPr algn="l" defTabSz="914400" rtl="0" eaLnBrk="1" latinLnBrk="0" hangingPunct="1">
-              <a:lnSpc>
-                <a:spcPct val="90000"/>
-              </a:lnSpc>
-              <a:spcBef>
-                <a:spcPct val="0"/>
-              </a:spcBef>
-              <a:buNone/>
-              <a:defRPr sz="4400" b="1" kern="1200">
-                <a:solidFill>
-                  <a:schemeClr val="accent6"/>
-                </a:solidFill>
-                <a:latin typeface="+mj-lt"/>
-                <a:ea typeface="+mj-ea"/>
-                <a:cs typeface="+mj-cs"/>
-              </a:defRPr>
-            </a:lvl1pPr>
-          </a:lstStyle>
-          <a:p>
-            <a:r>
-              <a:rPr lang="en-US" sz="2000" dirty="0">
-                <a:solidFill>
-                  <a:srgbClr val="1F1F1F"/>
-                </a:solidFill>
-                <a:latin typeface="Abadi (Body)"/>
-                <a:ea typeface="+mn-ea"/>
-                <a:cs typeface="+mn-cs"/>
-              </a:rPr>
-              <a:t>Methods</a:t>
-            </a:r>
-            <a:endParaRPr lang="en-US" altLang="zh-CN" sz="2000" dirty="0">
-              <a:solidFill>
-                <a:srgbClr val="1F1F1F"/>
-              </a:solidFill>
-              <a:latin typeface="Abadi (Body)"/>
-              <a:ea typeface="+mn-ea"/>
-              <a:cs typeface="+mn-cs"/>
-            </a:endParaRPr>
-          </a:p>
-        </p:txBody>
-      </p:sp>
-      <p:sp>
-        <p:nvSpPr>
           <p:cNvPr id="27" name="Slide Number Placeholder 6">
             <a:extLst>
               <a:ext uri="{FF2B5EF4-FFF2-40B4-BE49-F238E27FC236}">
@@ -32145,12 +31870,326 @@
           </a:p>
         </p:txBody>
       </p:sp>
+      <p:sp>
+        <p:nvSpPr>
+          <p:cNvPr id="34" name="TextBox 33">
+            <a:extLst>
+              <a:ext uri="{FF2B5EF4-FFF2-40B4-BE49-F238E27FC236}">
+                <a16:creationId xmlns:a16="http://schemas.microsoft.com/office/drawing/2014/main" id="{47B15B13-0900-42E0-A975-51E7083C50E9}"/>
+              </a:ext>
+            </a:extLst>
+          </p:cNvPr>
+          <p:cNvSpPr txBox="1"/>
+          <p:nvPr/>
+        </p:nvSpPr>
+        <p:spPr>
+          <a:xfrm>
+            <a:off x="581710" y="1390243"/>
+            <a:ext cx="10243308" cy="1231106"/>
+          </a:xfrm>
+          <a:prstGeom prst="rect">
+            <a:avLst/>
+          </a:prstGeom>
+        </p:spPr>
+        <p:txBody>
+          <a:bodyPr wrap="square" rtlCol="0">
+            <a:spAutoFit/>
+          </a:bodyPr>
+          <a:lstStyle/>
+          <a:p>
+            <a:r>
+              <a:rPr lang="en-US" altLang="zh-CN" sz="2000" b="1" dirty="0">
+                <a:solidFill>
+                  <a:srgbClr val="1F1F1F"/>
+                </a:solidFill>
+                <a:latin typeface="Abadi (Body)"/>
+              </a:rPr>
+              <a:t>Problem context</a:t>
+            </a:r>
+          </a:p>
+          <a:p>
+            <a:pPr marL="285750" indent="-285750">
+              <a:buFont typeface="Arial" panose="020B0604020202020204" pitchFamily="34" charset="0"/>
+              <a:buChar char="•"/>
+            </a:pPr>
+            <a:r>
+              <a:rPr lang="en-US" dirty="0">
+                <a:solidFill>
+                  <a:srgbClr val="1F1F1F"/>
+                </a:solidFill>
+                <a:latin typeface="Abadi (Body)"/>
+              </a:rPr>
+              <a:t>Retaining existing customers is usually cheaper than acquiring new ones.</a:t>
+            </a:r>
+          </a:p>
+          <a:p>
+            <a:pPr marL="285750" indent="-285750">
+              <a:buFont typeface="Arial" panose="020B0604020202020204" pitchFamily="34" charset="0"/>
+              <a:buChar char="•"/>
+            </a:pPr>
+            <a:r>
+              <a:rPr lang="en-US" dirty="0">
+                <a:solidFill>
+                  <a:srgbClr val="1F1F1F"/>
+                </a:solidFill>
+                <a:latin typeface="Abadi (Body)"/>
+              </a:rPr>
+              <a:t>A Bain &amp; Company study found it can be 5 to 7 times more expensive to get new customers. </a:t>
+            </a:r>
+          </a:p>
+          <a:p>
+            <a:pPr marL="285750" indent="-285750">
+              <a:buFont typeface="Arial" panose="020B0604020202020204" pitchFamily="34" charset="0"/>
+              <a:buChar char="•"/>
+            </a:pPr>
+            <a:r>
+              <a:rPr lang="en-US" dirty="0">
+                <a:solidFill>
+                  <a:srgbClr val="1F1F1F"/>
+                </a:solidFill>
+                <a:latin typeface="Abadi (Body)"/>
+              </a:rPr>
+              <a:t>Existing customers are often more loyal and likely to continue their relationship with your business.</a:t>
+            </a:r>
+          </a:p>
+        </p:txBody>
+      </p:sp>
+      <p:sp>
+        <p:nvSpPr>
+          <p:cNvPr id="40" name="TextBox 39">
+            <a:extLst>
+              <a:ext uri="{FF2B5EF4-FFF2-40B4-BE49-F238E27FC236}">
+                <a16:creationId xmlns:a16="http://schemas.microsoft.com/office/drawing/2014/main" id="{51336076-D109-4587-8134-992851D7C7E2}"/>
+              </a:ext>
+            </a:extLst>
+          </p:cNvPr>
+          <p:cNvSpPr txBox="1"/>
+          <p:nvPr/>
+        </p:nvSpPr>
+        <p:spPr>
+          <a:xfrm>
+            <a:off x="581708" y="2814452"/>
+            <a:ext cx="10243307" cy="1231106"/>
+          </a:xfrm>
+          <a:prstGeom prst="rect">
+            <a:avLst/>
+          </a:prstGeom>
+        </p:spPr>
+        <p:txBody>
+          <a:bodyPr wrap="square" rtlCol="0">
+            <a:spAutoFit/>
+          </a:bodyPr>
+          <a:lstStyle/>
+          <a:p>
+            <a:r>
+              <a:rPr lang="en-US" altLang="zh-CN" sz="2000" b="1" dirty="0">
+                <a:solidFill>
+                  <a:srgbClr val="1F1F1F"/>
+                </a:solidFill>
+                <a:latin typeface="Abadi (Body)"/>
+                <a:ea typeface="+mn-ea"/>
+                <a:cs typeface="+mn-cs"/>
+              </a:rPr>
+              <a:t>Challenges</a:t>
+            </a:r>
+          </a:p>
+          <a:p>
+            <a:pPr marL="285750" indent="-285750">
+              <a:buFont typeface="Arial" panose="020B0604020202020204" pitchFamily="34" charset="0"/>
+              <a:buChar char="•"/>
+            </a:pPr>
+            <a:r>
+              <a:rPr lang="en-US" sz="1800" b="0" dirty="0">
+                <a:solidFill>
+                  <a:srgbClr val="1F1F1F"/>
+                </a:solidFill>
+                <a:latin typeface="Abadi (Body)"/>
+                <a:ea typeface="+mn-ea"/>
+                <a:cs typeface="+mn-cs"/>
+              </a:rPr>
+              <a:t>Imbalanced dataset</a:t>
+            </a:r>
+          </a:p>
+          <a:p>
+            <a:pPr marL="285750" indent="-285750">
+              <a:buFont typeface="Arial" panose="020B0604020202020204" pitchFamily="34" charset="0"/>
+              <a:buChar char="•"/>
+            </a:pPr>
+            <a:r>
+              <a:rPr lang="en-US" sz="1800" b="0" dirty="0">
+                <a:solidFill>
+                  <a:srgbClr val="1F1F1F"/>
+                </a:solidFill>
+                <a:latin typeface="Abadi (Body)"/>
+                <a:ea typeface="+mn-ea"/>
+                <a:cs typeface="+mn-cs"/>
+              </a:rPr>
+              <a:t>Metrics for measurement</a:t>
+            </a:r>
+          </a:p>
+          <a:p>
+            <a:pPr marL="285750" indent="-285750">
+              <a:buFont typeface="Arial" panose="020B0604020202020204" pitchFamily="34" charset="0"/>
+              <a:buChar char="•"/>
+            </a:pPr>
+            <a:r>
+              <a:rPr lang="en-US" sz="1800" b="0" dirty="0">
+                <a:solidFill>
+                  <a:srgbClr val="1F1F1F"/>
+                </a:solidFill>
+                <a:latin typeface="Abadi (Body)"/>
+                <a:ea typeface="+mn-ea"/>
+                <a:cs typeface="+mn-cs"/>
+              </a:rPr>
+              <a:t>Threshold selection</a:t>
+            </a:r>
+          </a:p>
+        </p:txBody>
+      </p:sp>
+      <p:sp>
+        <p:nvSpPr>
+          <p:cNvPr id="33" name="Title 6">
+            <a:extLst>
+              <a:ext uri="{FF2B5EF4-FFF2-40B4-BE49-F238E27FC236}">
+                <a16:creationId xmlns:a16="http://schemas.microsoft.com/office/drawing/2014/main" id="{E18B3105-34E9-4CD4-A8B2-5539F51E03E9}"/>
+              </a:ext>
+            </a:extLst>
+          </p:cNvPr>
+          <p:cNvSpPr txBox="1">
+            <a:spLocks/>
+          </p:cNvSpPr>
+          <p:nvPr/>
+        </p:nvSpPr>
+        <p:spPr>
+          <a:xfrm>
+            <a:off x="581709" y="4259259"/>
+            <a:ext cx="808326" cy="391629"/>
+          </a:xfrm>
+          <a:prstGeom prst="rect">
+            <a:avLst/>
+          </a:prstGeom>
+        </p:spPr>
+        <p:txBody>
+          <a:bodyPr vert="horz" lIns="91440" tIns="45720" rIns="91440" bIns="45720" rtlCol="0" anchor="t">
+            <a:noAutofit/>
+          </a:bodyPr>
+          <a:lstStyle>
+            <a:lvl1pPr algn="l" defTabSz="914400" rtl="0" eaLnBrk="1" latinLnBrk="0" hangingPunct="1">
+              <a:lnSpc>
+                <a:spcPct val="90000"/>
+              </a:lnSpc>
+              <a:spcBef>
+                <a:spcPct val="0"/>
+              </a:spcBef>
+              <a:buNone/>
+              <a:defRPr sz="4400" b="1" kern="1200">
+                <a:solidFill>
+                  <a:schemeClr val="accent6"/>
+                </a:solidFill>
+                <a:latin typeface="+mj-lt"/>
+                <a:ea typeface="+mj-ea"/>
+                <a:cs typeface="+mj-cs"/>
+              </a:defRPr>
+            </a:lvl1pPr>
+          </a:lstStyle>
+          <a:p>
+            <a:r>
+              <a:rPr lang="en-US" sz="2000" dirty="0">
+                <a:solidFill>
+                  <a:srgbClr val="1F1F1F"/>
+                </a:solidFill>
+                <a:latin typeface="Abadi (Body)"/>
+                <a:ea typeface="+mn-ea"/>
+                <a:cs typeface="+mn-cs"/>
+              </a:rPr>
+              <a:t>Tools</a:t>
+            </a:r>
+            <a:endParaRPr lang="en-US" altLang="zh-CN" sz="2000" dirty="0">
+              <a:solidFill>
+                <a:srgbClr val="1F1F1F"/>
+              </a:solidFill>
+              <a:latin typeface="Abadi (Body)"/>
+              <a:ea typeface="+mn-ea"/>
+              <a:cs typeface="+mn-cs"/>
+            </a:endParaRPr>
+          </a:p>
+        </p:txBody>
+      </p:sp>
+      <p:sp>
+        <p:nvSpPr>
+          <p:cNvPr id="44" name="Title 6">
+            <a:extLst>
+              <a:ext uri="{FF2B5EF4-FFF2-40B4-BE49-F238E27FC236}">
+                <a16:creationId xmlns:a16="http://schemas.microsoft.com/office/drawing/2014/main" id="{869582DA-F41A-431D-9798-2087CEC030CE}"/>
+              </a:ext>
+            </a:extLst>
+          </p:cNvPr>
+          <p:cNvSpPr txBox="1">
+            <a:spLocks/>
+          </p:cNvSpPr>
+          <p:nvPr/>
+        </p:nvSpPr>
+        <p:spPr>
+          <a:xfrm>
+            <a:off x="3024484" y="4259259"/>
+            <a:ext cx="1187302" cy="391629"/>
+          </a:xfrm>
+          <a:prstGeom prst="rect">
+            <a:avLst/>
+          </a:prstGeom>
+        </p:spPr>
+        <p:txBody>
+          <a:bodyPr vert="horz" lIns="91440" tIns="45720" rIns="91440" bIns="45720" rtlCol="0" anchor="t">
+            <a:noAutofit/>
+          </a:bodyPr>
+          <a:lstStyle>
+            <a:lvl1pPr algn="l" defTabSz="914400" rtl="0" eaLnBrk="1" latinLnBrk="0" hangingPunct="1">
+              <a:lnSpc>
+                <a:spcPct val="90000"/>
+              </a:lnSpc>
+              <a:spcBef>
+                <a:spcPct val="0"/>
+              </a:spcBef>
+              <a:buNone/>
+              <a:defRPr sz="4400" b="1" kern="1200">
+                <a:solidFill>
+                  <a:schemeClr val="accent6"/>
+                </a:solidFill>
+                <a:latin typeface="+mj-lt"/>
+                <a:ea typeface="+mj-ea"/>
+                <a:cs typeface="+mj-cs"/>
+              </a:defRPr>
+            </a:lvl1pPr>
+          </a:lstStyle>
+          <a:p>
+            <a:r>
+              <a:rPr lang="en-US" sz="2000" dirty="0">
+                <a:solidFill>
+                  <a:srgbClr val="1F1F1F"/>
+                </a:solidFill>
+                <a:latin typeface="Abadi (Body)"/>
+                <a:ea typeface="+mn-ea"/>
+                <a:cs typeface="+mn-cs"/>
+              </a:rPr>
+              <a:t>Methods</a:t>
+            </a:r>
+            <a:endParaRPr lang="en-US" altLang="zh-CN" sz="2000" dirty="0">
+              <a:solidFill>
+                <a:srgbClr val="1F1F1F"/>
+              </a:solidFill>
+              <a:latin typeface="Abadi (Body)"/>
+              <a:ea typeface="+mn-ea"/>
+              <a:cs typeface="+mn-cs"/>
+            </a:endParaRPr>
+          </a:p>
+        </p:txBody>
+      </p:sp>
       <p:pic>
         <p:nvPicPr>
-          <p:cNvPr id="1030" name="Picture 6" descr="Random Forest – TikZ.net">
+          <p:cNvPr id="46" name="Picture 6" descr="Random Forest – TikZ.net">
             <a:extLst>
               <a:ext uri="{FF2B5EF4-FFF2-40B4-BE49-F238E27FC236}">
-                <a16:creationId xmlns:a16="http://schemas.microsoft.com/office/drawing/2014/main" id="{B5B7D51E-31CA-4EAF-B071-DD5D5034643D}"/>
+                <a16:creationId xmlns:a16="http://schemas.microsoft.com/office/drawing/2014/main" id="{E80129DE-6672-4E33-9713-E25227A5616D}"/>
               </a:ext>
             </a:extLst>
           </p:cNvPr>
@@ -32160,7 +32199,7 @@
           <p:nvPr/>
         </p:nvPicPr>
         <p:blipFill>
-          <a:blip r:embed="rId4">
+          <a:blip r:embed="rId3">
             <a:extLst>
               <a:ext uri="{28A0092B-C50C-407E-A947-70E740481C1C}">
                 <a14:useLocalDpi xmlns:a14="http://schemas.microsoft.com/office/drawing/2010/main" val="0"/>
@@ -32174,7 +32213,7 @@
         </p:blipFill>
         <p:spPr bwMode="auto">
           <a:xfrm>
-            <a:off x="1788429" y="4454790"/>
+            <a:off x="3065870" y="4650888"/>
             <a:ext cx="992872" cy="718580"/>
           </a:xfrm>
           <a:prstGeom prst="rect">
@@ -32194,10 +32233,55 @@
       </p:pic>
       <p:pic>
         <p:nvPicPr>
-          <p:cNvPr id="1032" name="Picture 8" descr="Top 5 Open-Source XGBoost Algorithm Projects to Study in 2023 | by Mrinal  Walia | Medium">
+          <p:cNvPr id="48" name="Picture 8" descr="Top 5 Open-Source XGBoost Algorithm Projects to Study in 2023 | by Mrinal  Walia | Medium">
             <a:extLst>
               <a:ext uri="{FF2B5EF4-FFF2-40B4-BE49-F238E27FC236}">
-                <a16:creationId xmlns:a16="http://schemas.microsoft.com/office/drawing/2014/main" id="{61504256-2817-438D-9672-1FDB34442E04}"/>
+                <a16:creationId xmlns:a16="http://schemas.microsoft.com/office/drawing/2014/main" id="{38080960-69D1-4AF2-806B-436F0DA32D91}"/>
+              </a:ext>
+            </a:extLst>
+          </p:cNvPr>
+          <p:cNvPicPr>
+            <a:picLocks noChangeAspect="1" noChangeArrowheads="1"/>
+          </p:cNvPicPr>
+          <p:nvPr/>
+        </p:nvPicPr>
+        <p:blipFill rotWithShape="1">
+          <a:blip r:embed="rId4">
+            <a:extLst>
+              <a:ext uri="{28A0092B-C50C-407E-A947-70E740481C1C}">
+                <a14:useLocalDpi xmlns:a14="http://schemas.microsoft.com/office/drawing/2010/main" val="0"/>
+              </a:ext>
+            </a:extLst>
+          </a:blip>
+          <a:srcRect l="15640" t="25173" r="12494" b="23535"/>
+          <a:stretch/>
+        </p:blipFill>
+        <p:spPr bwMode="auto">
+          <a:xfrm>
+            <a:off x="5475545" y="4757742"/>
+            <a:ext cx="1427089" cy="565862"/>
+          </a:xfrm>
+          <a:prstGeom prst="rect">
+            <a:avLst/>
+          </a:prstGeom>
+          <a:noFill/>
+          <a:extLst>
+            <a:ext uri="{909E8E84-426E-40DD-AFC4-6F175D3DCCD1}">
+              <a14:hiddenFill xmlns:a14="http://schemas.microsoft.com/office/drawing/2010/main">
+                <a:solidFill>
+                  <a:srgbClr val="FFFFFF"/>
+                </a:solidFill>
+              </a14:hiddenFill>
+            </a:ext>
+          </a:extLst>
+        </p:spPr>
+      </p:pic>
+      <p:pic>
+        <p:nvPicPr>
+          <p:cNvPr id="49" name="Picture 10" descr="GitHub - microsoft/LightGBM: A fast, distributed, high performance gradient  boosting (GBT, GBDT, GBRT, GBM or MART) framework based on decision tree  algorithms, used for ranking, classification and many other machine  learning tasks.">
+            <a:extLst>
+              <a:ext uri="{FF2B5EF4-FFF2-40B4-BE49-F238E27FC236}">
+                <a16:creationId xmlns:a16="http://schemas.microsoft.com/office/drawing/2014/main" id="{FF66F2D2-7DC2-4C78-8DBE-74CDAB5B68A7}"/>
               </a:ext>
             </a:extLst>
           </p:cNvPr>
@@ -32221,54 +32305,7 @@
         </p:blipFill>
         <p:spPr bwMode="auto">
           <a:xfrm>
-            <a:off x="1768376" y="5261670"/>
-            <a:ext cx="1525905" cy="847725"/>
-          </a:xfrm>
-          <a:prstGeom prst="rect">
-            <a:avLst/>
-          </a:prstGeom>
-          <a:noFill/>
-          <a:extLst>
-            <a:ext uri="{909E8E84-426E-40DD-AFC4-6F175D3DCCD1}">
-              <a14:hiddenFill xmlns:a14="http://schemas.microsoft.com/office/drawing/2010/main">
-                <a:solidFill>
-                  <a:srgbClr val="FFFFFF"/>
-                </a:solidFill>
-              </a14:hiddenFill>
-            </a:ext>
-          </a:extLst>
-        </p:spPr>
-      </p:pic>
-      <p:pic>
-        <p:nvPicPr>
-          <p:cNvPr id="1034" name="Picture 10" descr="GitHub - microsoft/LightGBM: A fast, distributed, high performance gradient  boosting (GBT, GBDT, GBRT, GBM or MART) framework based on decision tree  algorithms, used for ranking, classification and many other machine  learning tasks.">
-            <a:extLst>
-              <a:ext uri="{FF2B5EF4-FFF2-40B4-BE49-F238E27FC236}">
-                <a16:creationId xmlns:a16="http://schemas.microsoft.com/office/drawing/2014/main" id="{28C1D692-DF6C-4EBD-A709-FA938A5FECE6}"/>
-              </a:ext>
-            </a:extLst>
-          </p:cNvPr>
-          <p:cNvPicPr>
-            <a:picLocks noChangeAspect="1" noChangeArrowheads="1"/>
-          </p:cNvPicPr>
-          <p:nvPr/>
-        </p:nvPicPr>
-        <p:blipFill>
-          <a:blip r:embed="rId6">
-            <a:extLst>
-              <a:ext uri="{28A0092B-C50C-407E-A947-70E740481C1C}">
-                <a14:useLocalDpi xmlns:a14="http://schemas.microsoft.com/office/drawing/2010/main" val="0"/>
-              </a:ext>
-            </a:extLst>
-          </a:blip>
-          <a:srcRect/>
-          <a:stretch>
-            <a:fillRect/>
-          </a:stretch>
-        </p:blipFill>
-        <p:spPr bwMode="auto">
-          <a:xfrm>
-            <a:off x="2918189" y="4279016"/>
+            <a:off x="4181912" y="4716567"/>
             <a:ext cx="1296425" cy="648213"/>
           </a:xfrm>
           <a:prstGeom prst="rect">
@@ -32288,10 +32325,55 @@
       </p:pic>
       <p:pic>
         <p:nvPicPr>
-          <p:cNvPr id="1036" name="Picture 12" descr="Explainable AI (XAI): Understanding the SHAP magic | by Gaurav Agarwal |  Medium">
+          <p:cNvPr id="50" name="Picture 12" descr="Explainable AI (XAI): Understanding the SHAP magic | by Gaurav Agarwal |  Medium">
             <a:extLst>
               <a:ext uri="{FF2B5EF4-FFF2-40B4-BE49-F238E27FC236}">
-                <a16:creationId xmlns:a16="http://schemas.microsoft.com/office/drawing/2014/main" id="{BB527679-9381-4F02-84C5-8D36298075C4}"/>
+                <a16:creationId xmlns:a16="http://schemas.microsoft.com/office/drawing/2014/main" id="{E2BC4D4A-B1A4-4216-9D96-D4F914866921}"/>
+              </a:ext>
+            </a:extLst>
+          </p:cNvPr>
+          <p:cNvPicPr>
+            <a:picLocks noChangeAspect="1" noChangeArrowheads="1"/>
+          </p:cNvPicPr>
+          <p:nvPr/>
+        </p:nvPicPr>
+        <p:blipFill rotWithShape="1">
+          <a:blip r:embed="rId6">
+            <a:extLst>
+              <a:ext uri="{28A0092B-C50C-407E-A947-70E740481C1C}">
+                <a14:useLocalDpi xmlns:a14="http://schemas.microsoft.com/office/drawing/2010/main" val="0"/>
+              </a:ext>
+            </a:extLst>
+          </a:blip>
+          <a:srcRect l="31638" t="1" r="34864" b="39003"/>
+          <a:stretch/>
+        </p:blipFill>
+        <p:spPr bwMode="auto">
+          <a:xfrm>
+            <a:off x="5895652" y="5671995"/>
+            <a:ext cx="574676" cy="587516"/>
+          </a:xfrm>
+          <a:prstGeom prst="rect">
+            <a:avLst/>
+          </a:prstGeom>
+          <a:noFill/>
+          <a:extLst>
+            <a:ext uri="{909E8E84-426E-40DD-AFC4-6F175D3DCCD1}">
+              <a14:hiddenFill xmlns:a14="http://schemas.microsoft.com/office/drawing/2010/main">
+                <a:solidFill>
+                  <a:srgbClr val="FFFFFF"/>
+                </a:solidFill>
+              </a14:hiddenFill>
+            </a:ext>
+          </a:extLst>
+        </p:spPr>
+      </p:pic>
+      <p:pic>
+        <p:nvPicPr>
+          <p:cNvPr id="51" name="Picture 14" descr="Grid Search vs Random Search. In this article, we will focus on two… | by  Deepak Senapati | Medium">
+            <a:extLst>
+              <a:ext uri="{FF2B5EF4-FFF2-40B4-BE49-F238E27FC236}">
+                <a16:creationId xmlns:a16="http://schemas.microsoft.com/office/drawing/2014/main" id="{50A82AD9-FD10-4AAB-B8C3-5BAC21FCB66A}"/>
               </a:ext>
             </a:extLst>
           </p:cNvPr>
@@ -32308,13 +32390,13 @@
               </a:ext>
             </a:extLst>
           </a:blip>
-          <a:srcRect l="22607" r="29610"/>
+          <a:srcRect l="55981" t="20180" r="6802" b="8564"/>
           <a:stretch/>
         </p:blipFill>
         <p:spPr bwMode="auto">
           <a:xfrm>
-            <a:off x="3170907" y="5261670"/>
-            <a:ext cx="696326" cy="818193"/>
+            <a:off x="4545442" y="5688083"/>
+            <a:ext cx="574677" cy="594630"/>
           </a:xfrm>
           <a:prstGeom prst="rect">
             <a:avLst/>
@@ -32331,57 +32413,12 @@
           </a:extLst>
         </p:spPr>
       </p:pic>
-      <p:pic>
-        <p:nvPicPr>
-          <p:cNvPr id="1038" name="Picture 14" descr="Grid Search vs Random Search. In this article, we will focus on two… | by  Deepak Senapati | Medium">
+      <p:sp>
+        <p:nvSpPr>
+          <p:cNvPr id="52" name="TextBox 51">
             <a:extLst>
               <a:ext uri="{FF2B5EF4-FFF2-40B4-BE49-F238E27FC236}">
-                <a16:creationId xmlns:a16="http://schemas.microsoft.com/office/drawing/2014/main" id="{77383D47-C5FC-49CE-9D01-3B314CDB749D}"/>
-              </a:ext>
-            </a:extLst>
-          </p:cNvPr>
-          <p:cNvPicPr>
-            <a:picLocks noChangeAspect="1" noChangeArrowheads="1"/>
-          </p:cNvPicPr>
-          <p:nvPr/>
-        </p:nvPicPr>
-        <p:blipFill rotWithShape="1">
-          <a:blip r:embed="rId8">
-            <a:extLst>
-              <a:ext uri="{28A0092B-C50C-407E-A947-70E740481C1C}">
-                <a14:useLocalDpi xmlns:a14="http://schemas.microsoft.com/office/drawing/2010/main" val="0"/>
-              </a:ext>
-            </a:extLst>
-          </a:blip>
-          <a:srcRect l="55981" t="20180" r="6802" b="8564"/>
-          <a:stretch/>
-        </p:blipFill>
-        <p:spPr bwMode="auto">
-          <a:xfrm>
-            <a:off x="4352489" y="5286374"/>
-            <a:ext cx="696326" cy="720503"/>
-          </a:xfrm>
-          <a:prstGeom prst="rect">
-            <a:avLst/>
-          </a:prstGeom>
-          <a:noFill/>
-          <a:extLst>
-            <a:ext uri="{909E8E84-426E-40DD-AFC4-6F175D3DCCD1}">
-              <a14:hiddenFill xmlns:a14="http://schemas.microsoft.com/office/drawing/2010/main">
-                <a:solidFill>
-                  <a:srgbClr val="FFFFFF"/>
-                </a:solidFill>
-              </a14:hiddenFill>
-            </a:ext>
-          </a:extLst>
-        </p:spPr>
-      </p:pic>
-      <p:sp>
-        <p:nvSpPr>
-          <p:cNvPr id="26" name="TextBox 25">
-            <a:extLst>
-              <a:ext uri="{FF2B5EF4-FFF2-40B4-BE49-F238E27FC236}">
-                <a16:creationId xmlns:a16="http://schemas.microsoft.com/office/drawing/2014/main" id="{B67DE358-57DE-4DD4-82EF-BD19B1176E62}"/>
+                <a16:creationId xmlns:a16="http://schemas.microsoft.com/office/drawing/2014/main" id="{251551CD-F3FE-41F5-8EDF-EA06A952A0B0}"/>
               </a:ext>
             </a:extLst>
           </p:cNvPr>
@@ -32390,7 +32427,7 @@
         </p:nvSpPr>
         <p:spPr>
           <a:xfrm>
-            <a:off x="1746702" y="5199521"/>
+            <a:off x="3024143" y="5321731"/>
             <a:ext cx="1076326" cy="261610"/>
           </a:xfrm>
           <a:prstGeom prst="rect">
@@ -32432,10 +32469,10 @@
       </p:sp>
       <p:sp>
         <p:nvSpPr>
-          <p:cNvPr id="36" name="TextBox 35">
+          <p:cNvPr id="53" name="TextBox 52">
             <a:extLst>
               <a:ext uri="{FF2B5EF4-FFF2-40B4-BE49-F238E27FC236}">
-                <a16:creationId xmlns:a16="http://schemas.microsoft.com/office/drawing/2014/main" id="{53D4DEF9-40C8-4D21-BF14-AC055766E4DF}"/>
+                <a16:creationId xmlns:a16="http://schemas.microsoft.com/office/drawing/2014/main" id="{71B210EF-001A-44E8-956C-93B79783DB2D}"/>
               </a:ext>
             </a:extLst>
           </p:cNvPr>
@@ -32444,8 +32481,138 @@
         </p:nvSpPr>
         <p:spPr>
           <a:xfrm>
-            <a:off x="1993165" y="5847785"/>
+            <a:off x="5656910" y="5321731"/>
             <a:ext cx="1076326" cy="261610"/>
+          </a:xfrm>
+          <a:prstGeom prst="rect">
+            <a:avLst/>
+          </a:prstGeom>
+        </p:spPr>
+        <p:txBody>
+          <a:bodyPr wrap="square" rtlCol="0">
+            <a:spAutoFit/>
+          </a:bodyPr>
+          <a:lstStyle/>
+          <a:p>
+            <a:pPr marL="0" indent="0" algn="ctr">
+              <a:lnSpc>
+                <a:spcPct val="100000"/>
+              </a:lnSpc>
+              <a:spcBef>
+                <a:spcPts val="0"/>
+              </a:spcBef>
+              <a:buFontTx/>
+              <a:buNone/>
+            </a:pPr>
+            <a:r>
+              <a:rPr lang="en-US" sz="1050" dirty="0" err="1">
+                <a:solidFill>
+                  <a:schemeClr val="tx1">
+                    <a:lumMod val="75000"/>
+                    <a:lumOff val="25000"/>
+                  </a:schemeClr>
+                </a:solidFill>
+                <a:latin typeface="Abadi (Body)"/>
+                <a:ea typeface="微软雅黑"/>
+                <a:cs typeface="Posterama" panose="020B0504020200020000" pitchFamily="34" charset="0"/>
+              </a:rPr>
+              <a:t>XGBoost</a:t>
+            </a:r>
+            <a:endParaRPr lang="en-US" sz="1050" dirty="0">
+              <a:solidFill>
+                <a:schemeClr val="tx1">
+                  <a:lumMod val="75000"/>
+                  <a:lumOff val="25000"/>
+                </a:schemeClr>
+              </a:solidFill>
+              <a:latin typeface="Abadi (Body)"/>
+              <a:ea typeface="微软雅黑"/>
+              <a:cs typeface="Posterama" panose="020B0504020200020000" pitchFamily="34" charset="0"/>
+            </a:endParaRPr>
+          </a:p>
+        </p:txBody>
+      </p:sp>
+      <p:sp>
+        <p:nvSpPr>
+          <p:cNvPr id="54" name="TextBox 53">
+            <a:extLst>
+              <a:ext uri="{FF2B5EF4-FFF2-40B4-BE49-F238E27FC236}">
+                <a16:creationId xmlns:a16="http://schemas.microsoft.com/office/drawing/2014/main" id="{F2DB6DDB-1F3B-44CD-A38B-5952F6C0F61E}"/>
+              </a:ext>
+            </a:extLst>
+          </p:cNvPr>
+          <p:cNvSpPr txBox="1"/>
+          <p:nvPr/>
+        </p:nvSpPr>
+        <p:spPr>
+          <a:xfrm>
+            <a:off x="4351250" y="5321731"/>
+            <a:ext cx="1076326" cy="261610"/>
+          </a:xfrm>
+          <a:prstGeom prst="rect">
+            <a:avLst/>
+          </a:prstGeom>
+        </p:spPr>
+        <p:txBody>
+          <a:bodyPr wrap="square" rtlCol="0">
+            <a:spAutoFit/>
+          </a:bodyPr>
+          <a:lstStyle/>
+          <a:p>
+            <a:pPr marL="0" indent="0" algn="ctr">
+              <a:lnSpc>
+                <a:spcPct val="100000"/>
+              </a:lnSpc>
+              <a:spcBef>
+                <a:spcPts val="0"/>
+              </a:spcBef>
+              <a:buFontTx/>
+              <a:buNone/>
+            </a:pPr>
+            <a:r>
+              <a:rPr lang="en-US" sz="1050" dirty="0" err="1">
+                <a:solidFill>
+                  <a:schemeClr val="tx1">
+                    <a:lumMod val="75000"/>
+                    <a:lumOff val="25000"/>
+                  </a:schemeClr>
+                </a:solidFill>
+                <a:latin typeface="Abadi (Body)"/>
+                <a:ea typeface="微软雅黑"/>
+                <a:cs typeface="Posterama" panose="020B0504020200020000" pitchFamily="34" charset="0"/>
+              </a:rPr>
+              <a:t>LightGBM</a:t>
+            </a:r>
+            <a:endParaRPr lang="en-US" sz="1050" dirty="0">
+              <a:solidFill>
+                <a:schemeClr val="tx1">
+                  <a:lumMod val="75000"/>
+                  <a:lumOff val="25000"/>
+                </a:schemeClr>
+              </a:solidFill>
+              <a:latin typeface="Abadi (Body)"/>
+              <a:ea typeface="微软雅黑"/>
+              <a:cs typeface="Posterama" panose="020B0504020200020000" pitchFamily="34" charset="0"/>
+            </a:endParaRPr>
+          </a:p>
+        </p:txBody>
+      </p:sp>
+      <p:sp>
+        <p:nvSpPr>
+          <p:cNvPr id="55" name="TextBox 54">
+            <a:extLst>
+              <a:ext uri="{FF2B5EF4-FFF2-40B4-BE49-F238E27FC236}">
+                <a16:creationId xmlns:a16="http://schemas.microsoft.com/office/drawing/2014/main" id="{90EF4F9C-64A9-46D5-BE10-811EBB269434}"/>
+              </a:ext>
+            </a:extLst>
+          </p:cNvPr>
+          <p:cNvSpPr txBox="1"/>
+          <p:nvPr/>
+        </p:nvSpPr>
+        <p:spPr>
+          <a:xfrm>
+            <a:off x="5846709" y="6291582"/>
+            <a:ext cx="650241" cy="261610"/>
           </a:xfrm>
           <a:prstGeom prst="rect">
             <a:avLst/>
@@ -32479,17 +32646,17 @@
                 <a:ea typeface="微软雅黑"/>
                 <a:cs typeface="Posterama" panose="020B0504020200020000" pitchFamily="34" charset="0"/>
               </a:rPr>
-              <a:t>Random forest</a:t>
+              <a:t>SHAP</a:t>
             </a:r>
           </a:p>
         </p:txBody>
       </p:sp>
       <p:sp>
         <p:nvSpPr>
-          <p:cNvPr id="37" name="TextBox 36">
+          <p:cNvPr id="56" name="TextBox 55">
             <a:extLst>
               <a:ext uri="{FF2B5EF4-FFF2-40B4-BE49-F238E27FC236}">
-                <a16:creationId xmlns:a16="http://schemas.microsoft.com/office/drawing/2014/main" id="{DBEFA5D1-9280-4B60-959C-2667BF4C8ED8}"/>
+                <a16:creationId xmlns:a16="http://schemas.microsoft.com/office/drawing/2014/main" id="{CCBCF4D5-7DB4-48CA-B126-E8042E4D7E64}"/>
               </a:ext>
             </a:extLst>
           </p:cNvPr>
@@ -32498,8 +32665,8 @@
         </p:nvSpPr>
         <p:spPr>
           <a:xfrm>
-            <a:off x="3072994" y="4808715"/>
-            <a:ext cx="1076326" cy="261610"/>
+            <a:off x="4140785" y="6302075"/>
+            <a:ext cx="1406839" cy="253916"/>
           </a:xfrm>
           <a:prstGeom prst="rect">
             <a:avLst/>
@@ -32533,17 +32700,64 @@
                 <a:ea typeface="微软雅黑"/>
                 <a:cs typeface="Posterama" panose="020B0504020200020000" pitchFamily="34" charset="0"/>
               </a:rPr>
-              <a:t>Random forest</a:t>
+              <a:t>Randomized search</a:t>
             </a:r>
           </a:p>
         </p:txBody>
       </p:sp>
-      <p:sp>
-        <p:nvSpPr>
-          <p:cNvPr id="38" name="TextBox 37">
+      <p:pic>
+        <p:nvPicPr>
+          <p:cNvPr id="58" name="Picture 2" descr="Imbalance dataset: Test and validate resampled tabular data">
             <a:extLst>
               <a:ext uri="{FF2B5EF4-FFF2-40B4-BE49-F238E27FC236}">
-                <a16:creationId xmlns:a16="http://schemas.microsoft.com/office/drawing/2014/main" id="{CFDA36AF-C36C-459F-83DE-CD12DBA4DFD0}"/>
+                <a16:creationId xmlns:a16="http://schemas.microsoft.com/office/drawing/2014/main" id="{7B6A9A9C-8964-4ED7-B26D-AABC9A1D7DC8}"/>
+              </a:ext>
+            </a:extLst>
+          </p:cNvPr>
+          <p:cNvPicPr>
+            <a:picLocks noChangeAspect="1" noChangeArrowheads="1"/>
+          </p:cNvPicPr>
+          <p:nvPr/>
+        </p:nvPicPr>
+        <p:blipFill>
+          <a:blip r:embed="rId8">
+            <a:extLst>
+              <a:ext uri="{28A0092B-C50C-407E-A947-70E740481C1C}">
+                <a14:useLocalDpi xmlns:a14="http://schemas.microsoft.com/office/drawing/2010/main" val="0"/>
+              </a:ext>
+            </a:extLst>
+          </a:blip>
+          <a:srcRect/>
+          <a:stretch>
+            <a:fillRect/>
+          </a:stretch>
+        </p:blipFill>
+        <p:spPr bwMode="auto">
+          <a:xfrm flipH="1">
+            <a:off x="3145767" y="5702520"/>
+            <a:ext cx="833078" cy="539403"/>
+          </a:xfrm>
+          <a:prstGeom prst="rect">
+            <a:avLst/>
+          </a:prstGeom>
+          <a:noFill/>
+          <a:extLst>
+            <a:ext uri="{909E8E84-426E-40DD-AFC4-6F175D3DCCD1}">
+              <a14:hiddenFill xmlns:a14="http://schemas.microsoft.com/office/drawing/2010/main">
+                <a:solidFill>
+                  <a:srgbClr val="FFFFFF"/>
+                </a:solidFill>
+              </a14:hiddenFill>
+            </a:ext>
+          </a:extLst>
+        </p:spPr>
+      </p:pic>
+      <p:sp>
+        <p:nvSpPr>
+          <p:cNvPr id="59" name="TextBox 58">
+            <a:extLst>
+              <a:ext uri="{FF2B5EF4-FFF2-40B4-BE49-F238E27FC236}">
+                <a16:creationId xmlns:a16="http://schemas.microsoft.com/office/drawing/2014/main" id="{F257981A-AED0-4A5E-82D0-85844B7EBEC5}"/>
               </a:ext>
             </a:extLst>
           </p:cNvPr>
@@ -32552,8 +32766,8 @@
         </p:nvSpPr>
         <p:spPr>
           <a:xfrm>
-            <a:off x="2980907" y="6021819"/>
-            <a:ext cx="1076326" cy="261610"/>
+            <a:off x="3060887" y="6296450"/>
+            <a:ext cx="979334" cy="253916"/>
           </a:xfrm>
           <a:prstGeom prst="rect">
             <a:avLst/>
@@ -32587,125 +32801,17 @@
                 <a:ea typeface="微软雅黑"/>
                 <a:cs typeface="Posterama" panose="020B0504020200020000" pitchFamily="34" charset="0"/>
               </a:rPr>
-              <a:t>Shapley</a:t>
+              <a:t>Resampling</a:t>
             </a:r>
           </a:p>
         </p:txBody>
       </p:sp>
       <p:sp>
         <p:nvSpPr>
-          <p:cNvPr id="39" name="TextBox 38">
+          <p:cNvPr id="62" name="Title 6">
             <a:extLst>
               <a:ext uri="{FF2B5EF4-FFF2-40B4-BE49-F238E27FC236}">
-                <a16:creationId xmlns:a16="http://schemas.microsoft.com/office/drawing/2014/main" id="{BECA2DAD-F87B-446D-AA1F-2550B0C88001}"/>
-              </a:ext>
-            </a:extLst>
-          </p:cNvPr>
-          <p:cNvSpPr txBox="1"/>
-          <p:nvPr/>
-        </p:nvSpPr>
-        <p:spPr>
-          <a:xfrm>
-            <a:off x="3997233" y="5986685"/>
-            <a:ext cx="1406839" cy="253916"/>
-          </a:xfrm>
-          <a:prstGeom prst="rect">
-            <a:avLst/>
-          </a:prstGeom>
-        </p:spPr>
-        <p:txBody>
-          <a:bodyPr wrap="square" rtlCol="0">
-            <a:spAutoFit/>
-          </a:bodyPr>
-          <a:lstStyle/>
-          <a:p>
-            <a:pPr marL="0" indent="0" algn="ctr">
-              <a:lnSpc>
-                <a:spcPct val="100000"/>
-              </a:lnSpc>
-              <a:spcBef>
-                <a:spcPts val="0"/>
-              </a:spcBef>
-              <a:buFontTx/>
-              <a:buNone/>
-            </a:pPr>
-            <a:r>
-              <a:rPr lang="en-US" sz="1050" dirty="0">
-                <a:solidFill>
-                  <a:schemeClr val="tx1">
-                    <a:lumMod val="75000"/>
-                    <a:lumOff val="25000"/>
-                  </a:schemeClr>
-                </a:solidFill>
-                <a:latin typeface="Abadi (Body)"/>
-                <a:ea typeface="微软雅黑"/>
-                <a:cs typeface="Posterama" panose="020B0504020200020000" pitchFamily="34" charset="0"/>
-              </a:rPr>
-              <a:t>Randomized search</a:t>
-            </a:r>
-          </a:p>
-        </p:txBody>
-      </p:sp>
-      <p:sp>
-        <p:nvSpPr>
-          <p:cNvPr id="41" name="TextBox 40">
-            <a:extLst>
-              <a:ext uri="{FF2B5EF4-FFF2-40B4-BE49-F238E27FC236}">
-                <a16:creationId xmlns:a16="http://schemas.microsoft.com/office/drawing/2014/main" id="{8D04B76F-A437-4DEA-AA05-0F4FCEDACE3B}"/>
-              </a:ext>
-            </a:extLst>
-          </p:cNvPr>
-          <p:cNvSpPr txBox="1"/>
-          <p:nvPr/>
-        </p:nvSpPr>
-        <p:spPr>
-          <a:xfrm>
-            <a:off x="4205256" y="4807337"/>
-            <a:ext cx="1170414" cy="415498"/>
-          </a:xfrm>
-          <a:prstGeom prst="rect">
-            <a:avLst/>
-          </a:prstGeom>
-        </p:spPr>
-        <p:txBody>
-          <a:bodyPr wrap="square" rtlCol="0">
-            <a:spAutoFit/>
-          </a:bodyPr>
-          <a:lstStyle/>
-          <a:p>
-            <a:pPr marL="0" indent="0" algn="ctr">
-              <a:lnSpc>
-                <a:spcPct val="100000"/>
-              </a:lnSpc>
-              <a:spcBef>
-                <a:spcPts val="0"/>
-              </a:spcBef>
-              <a:buFontTx/>
-              <a:buNone/>
-            </a:pPr>
-            <a:r>
-              <a:rPr lang="en-US" sz="1050" dirty="0">
-                <a:solidFill>
-                  <a:schemeClr val="tx1">
-                    <a:lumMod val="75000"/>
-                    <a:lumOff val="25000"/>
-                  </a:schemeClr>
-                </a:solidFill>
-                <a:latin typeface="Abadi (Body)"/>
-                <a:ea typeface="微软雅黑"/>
-                <a:cs typeface="Posterama" panose="020B0504020200020000" pitchFamily="34" charset="0"/>
-              </a:rPr>
-              <a:t>Threshold selection</a:t>
-            </a:r>
-          </a:p>
-        </p:txBody>
-      </p:sp>
-      <p:sp>
-        <p:nvSpPr>
-          <p:cNvPr id="43" name="Title 6">
-            <a:extLst>
-              <a:ext uri="{FF2B5EF4-FFF2-40B4-BE49-F238E27FC236}">
-                <a16:creationId xmlns:a16="http://schemas.microsoft.com/office/drawing/2014/main" id="{5A824FAC-E619-4932-BC76-534F2793B5FF}"/>
+                <a16:creationId xmlns:a16="http://schemas.microsoft.com/office/drawing/2014/main" id="{43E1B9C3-2C8C-4D13-A12F-F195D6CF7DD1}"/>
               </a:ext>
             </a:extLst>
           </p:cNvPr>
@@ -32716,7 +32822,7 @@
         </p:nvSpPr>
         <p:spPr>
           <a:xfrm>
-            <a:off x="6980615" y="3923078"/>
+            <a:off x="7023280" y="4259258"/>
             <a:ext cx="1958319" cy="391629"/>
           </a:xfrm>
           <a:prstGeom prst="rect">
@@ -32788,10 +32894,10 @@
       </p:sp>
       <p:pic>
         <p:nvPicPr>
-          <p:cNvPr id="1042" name="Picture 18" descr="10 Ways Business Systems &quot;Directly&quot; Increase Profit!">
+          <p:cNvPr id="63" name="Picture 18" descr="10 Ways Business Systems &quot;Directly&quot; Increase Profit!">
             <a:extLst>
               <a:ext uri="{FF2B5EF4-FFF2-40B4-BE49-F238E27FC236}">
-                <a16:creationId xmlns:a16="http://schemas.microsoft.com/office/drawing/2014/main" id="{5025DDFB-A86A-4133-8DDB-6EE142415A72}"/>
+                <a16:creationId xmlns:a16="http://schemas.microsoft.com/office/drawing/2014/main" id="{2B0C041E-B097-4F25-8F6C-D9A122D9CD0B}"/>
               </a:ext>
             </a:extLst>
           </p:cNvPr>
@@ -32815,7 +32921,7 @@
         </p:blipFill>
         <p:spPr bwMode="auto">
           <a:xfrm>
-            <a:off x="7128712" y="4584315"/>
+            <a:off x="7023280" y="4782519"/>
             <a:ext cx="1008556" cy="1028727"/>
           </a:xfrm>
           <a:prstGeom prst="rect">
@@ -32835,10 +32941,10 @@
       </p:pic>
       <p:sp>
         <p:nvSpPr>
-          <p:cNvPr id="45" name="TextBox 44">
+          <p:cNvPr id="64" name="TextBox 63">
             <a:extLst>
               <a:ext uri="{FF2B5EF4-FFF2-40B4-BE49-F238E27FC236}">
-                <a16:creationId xmlns:a16="http://schemas.microsoft.com/office/drawing/2014/main" id="{9703D71F-0451-45B0-86E8-419BB6A294CD}"/>
+                <a16:creationId xmlns:a16="http://schemas.microsoft.com/office/drawing/2014/main" id="{4D9E5C4B-0904-4A44-8747-0ACABEB45065}"/>
               </a:ext>
             </a:extLst>
           </p:cNvPr>
@@ -32847,8 +32953,8 @@
         </p:nvSpPr>
         <p:spPr>
           <a:xfrm>
-            <a:off x="8207993" y="4673404"/>
-            <a:ext cx="2200837" cy="900246"/>
+            <a:off x="8093919" y="4781848"/>
+            <a:ext cx="2127196" cy="1015663"/>
           </a:xfrm>
           <a:prstGeom prst="rect">
             <a:avLst/>
@@ -32871,7 +32977,7 @@
               <a:buNone/>
             </a:pPr>
             <a:r>
-              <a:rPr lang="en-US" sz="1050" dirty="0">
+              <a:rPr lang="en-US" sz="1200" dirty="0">
                 <a:solidFill>
                   <a:schemeClr val="tx1">
                     <a:lumMod val="75000"/>
@@ -32885,7 +32991,7 @@
               <a:t>The model improved revenue by </a:t>
             </a:r>
             <a:r>
-              <a:rPr lang="en-US" sz="1050" dirty="0">
+              <a:rPr lang="en-US" sz="1200" dirty="0">
                 <a:solidFill>
                   <a:srgbClr val="FF0000"/>
                 </a:solidFill>
@@ -32896,7 +33002,7 @@
               <a:t>164.24%</a:t>
             </a:r>
             <a:r>
-              <a:rPr lang="en-US" sz="1050" dirty="0">
+              <a:rPr lang="en-US" sz="1200" dirty="0">
                 <a:solidFill>
                   <a:schemeClr val="tx1">
                     <a:lumMod val="75000"/>
@@ -32910,7 +33016,7 @@
               <a:t> compared to the 'do nothing' program and by </a:t>
             </a:r>
             <a:r>
-              <a:rPr lang="en-US" sz="1050" dirty="0">
+              <a:rPr lang="en-US" sz="1200" dirty="0">
                 <a:solidFill>
                   <a:srgbClr val="FF0000"/>
                 </a:solidFill>
@@ -32921,7 +33027,7 @@
               <a:t>44.51% </a:t>
             </a:r>
             <a:r>
-              <a:rPr lang="en-US" sz="1050" dirty="0">
+              <a:rPr lang="en-US" sz="1200" dirty="0">
                 <a:solidFill>
                   <a:schemeClr val="tx1">
                     <a:lumMod val="75000"/>
@@ -32939,10 +33045,10 @@
       </p:sp>
       <p:pic>
         <p:nvPicPr>
-          <p:cNvPr id="1044" name="Picture 20" descr="DIGI">
+          <p:cNvPr id="29" name="Picture 2" descr="IT12A01: FUNDAMENTALS OF PYTHON PROGRAMMING (SF) (SYNCHRONOUS E-LEARNING) -  NTUC LearningHub">
             <a:extLst>
               <a:ext uri="{FF2B5EF4-FFF2-40B4-BE49-F238E27FC236}">
-                <a16:creationId xmlns:a16="http://schemas.microsoft.com/office/drawing/2014/main" id="{9A2B5B1C-E277-46E3-8292-9D9176958F87}"/>
+                <a16:creationId xmlns:a16="http://schemas.microsoft.com/office/drawing/2014/main" id="{8EC36FB8-711A-4095-BBB9-88AD415D57D4}"/>
               </a:ext>
             </a:extLst>
           </p:cNvPr>
@@ -32966,8 +33072,8 @@
         </p:blipFill>
         <p:spPr bwMode="auto">
           <a:xfrm>
-            <a:off x="509282" y="5581374"/>
-            <a:ext cx="901812" cy="364600"/>
+            <a:off x="422524" y="4866328"/>
+            <a:ext cx="1197101" cy="677006"/>
           </a:xfrm>
           <a:prstGeom prst="rect">
             <a:avLst/>
@@ -32986,10 +33092,10 @@
       </p:pic>
       <p:pic>
         <p:nvPicPr>
-          <p:cNvPr id="2" name="Picture 2" descr="Imbalance dataset: Test and validate resampled tabular data">
+          <p:cNvPr id="30" name="Picture 20" descr="DIGI">
             <a:extLst>
               <a:ext uri="{FF2B5EF4-FFF2-40B4-BE49-F238E27FC236}">
-                <a16:creationId xmlns:a16="http://schemas.microsoft.com/office/drawing/2014/main" id="{2EDCFD26-8FA4-4228-BB65-BA7436B2F817}"/>
+                <a16:creationId xmlns:a16="http://schemas.microsoft.com/office/drawing/2014/main" id="{8D5F491C-9583-4EBF-A579-1F2A1EF3021D}"/>
               </a:ext>
             </a:extLst>
           </p:cNvPr>
@@ -33012,9 +33118,9 @@
           </a:stretch>
         </p:blipFill>
         <p:spPr bwMode="auto">
-          <a:xfrm flipH="1">
-            <a:off x="5397324" y="4607204"/>
-            <a:ext cx="1106928" cy="716716"/>
+          <a:xfrm>
+            <a:off x="1507708" y="4944429"/>
+            <a:ext cx="1288169" cy="520803"/>
           </a:xfrm>
           <a:prstGeom prst="rect">
             <a:avLst/>
@@ -33031,366 +33137,6 @@
           </a:extLst>
         </p:spPr>
       </p:pic>
-      <p:sp>
-        <p:nvSpPr>
-          <p:cNvPr id="32" name="TextBox 31">
-            <a:extLst>
-              <a:ext uri="{FF2B5EF4-FFF2-40B4-BE49-F238E27FC236}">
-                <a16:creationId xmlns:a16="http://schemas.microsoft.com/office/drawing/2014/main" id="{01F053A5-F1F9-4B42-9E5C-398BEFFA0272}"/>
-              </a:ext>
-            </a:extLst>
-          </p:cNvPr>
-          <p:cNvSpPr txBox="1"/>
-          <p:nvPr/>
-        </p:nvSpPr>
-        <p:spPr>
-          <a:xfrm>
-            <a:off x="5164753" y="5301903"/>
-            <a:ext cx="1623942" cy="577081"/>
-          </a:xfrm>
-          <a:prstGeom prst="rect">
-            <a:avLst/>
-          </a:prstGeom>
-        </p:spPr>
-        <p:txBody>
-          <a:bodyPr wrap="square" rtlCol="0">
-            <a:spAutoFit/>
-          </a:bodyPr>
-          <a:lstStyle/>
-          <a:p>
-            <a:pPr marL="0" indent="0" algn="ctr">
-              <a:lnSpc>
-                <a:spcPct val="100000"/>
-              </a:lnSpc>
-              <a:spcBef>
-                <a:spcPts val="0"/>
-              </a:spcBef>
-              <a:buFontTx/>
-              <a:buNone/>
-            </a:pPr>
-            <a:r>
-              <a:rPr lang="en-US" sz="1050" dirty="0">
-                <a:solidFill>
-                  <a:schemeClr val="tx1">
-                    <a:lumMod val="75000"/>
-                    <a:lumOff val="25000"/>
-                  </a:schemeClr>
-                </a:solidFill>
-                <a:latin typeface="Abadi (Body)"/>
-                <a:ea typeface="微软雅黑"/>
-                <a:cs typeface="Posterama" panose="020B0504020200020000" pitchFamily="34" charset="0"/>
-              </a:rPr>
-              <a:t>Resampling</a:t>
-            </a:r>
-            <a:br>
-              <a:rPr lang="en-US" sz="1050" dirty="0">
-                <a:solidFill>
-                  <a:schemeClr val="tx1">
-                    <a:lumMod val="75000"/>
-                    <a:lumOff val="25000"/>
-                  </a:schemeClr>
-                </a:solidFill>
-                <a:latin typeface="Abadi (Body)"/>
-                <a:ea typeface="微软雅黑"/>
-                <a:cs typeface="Posterama" panose="020B0504020200020000" pitchFamily="34" charset="0"/>
-              </a:rPr>
-            </a:br>
-            <a:r>
-              <a:rPr lang="en-US" sz="1050" dirty="0">
-                <a:solidFill>
-                  <a:schemeClr val="tx1">
-                    <a:lumMod val="75000"/>
-                    <a:lumOff val="25000"/>
-                  </a:schemeClr>
-                </a:solidFill>
-                <a:latin typeface="Abadi (Body)"/>
-                <a:ea typeface="微软雅黑"/>
-                <a:cs typeface="Posterama" panose="020B0504020200020000" pitchFamily="34" charset="0"/>
-              </a:rPr>
-              <a:t>(SMOTE, ADASYN, Random </a:t>
-            </a:r>
-            <a:r>
-              <a:rPr lang="en-US" sz="1050" dirty="0" err="1">
-                <a:solidFill>
-                  <a:schemeClr val="tx1">
-                    <a:lumMod val="75000"/>
-                    <a:lumOff val="25000"/>
-                  </a:schemeClr>
-                </a:solidFill>
-                <a:latin typeface="Abadi (Body)"/>
-                <a:ea typeface="微软雅黑"/>
-                <a:cs typeface="Posterama" panose="020B0504020200020000" pitchFamily="34" charset="0"/>
-              </a:rPr>
-              <a:t>undersampling</a:t>
-            </a:r>
-            <a:r>
-              <a:rPr lang="en-US" sz="1050" dirty="0">
-                <a:solidFill>
-                  <a:schemeClr val="tx1">
-                    <a:lumMod val="75000"/>
-                    <a:lumOff val="25000"/>
-                  </a:schemeClr>
-                </a:solidFill>
-                <a:latin typeface="Abadi (Body)"/>
-                <a:ea typeface="微软雅黑"/>
-                <a:cs typeface="Posterama" panose="020B0504020200020000" pitchFamily="34" charset="0"/>
-              </a:rPr>
-              <a:t>)</a:t>
-            </a:r>
-          </a:p>
-        </p:txBody>
-      </p:sp>
-      <p:pic>
-        <p:nvPicPr>
-          <p:cNvPr id="7" name="Picture 6">
-            <a:extLst>
-              <a:ext uri="{FF2B5EF4-FFF2-40B4-BE49-F238E27FC236}">
-                <a16:creationId xmlns:a16="http://schemas.microsoft.com/office/drawing/2014/main" id="{652EE034-28C9-4CAF-B544-9A9282250540}"/>
-              </a:ext>
-            </a:extLst>
-          </p:cNvPr>
-          <p:cNvPicPr>
-            <a:picLocks noChangeAspect="1"/>
-          </p:cNvPicPr>
-          <p:nvPr/>
-        </p:nvPicPr>
-        <p:blipFill>
-          <a:blip r:embed="rId12"/>
-          <a:stretch>
-            <a:fillRect/>
-          </a:stretch>
-        </p:blipFill>
-        <p:spPr>
-          <a:xfrm>
-            <a:off x="4341836" y="4166664"/>
-            <a:ext cx="857447" cy="648213"/>
-          </a:xfrm>
-          <a:prstGeom prst="rect">
-            <a:avLst/>
-          </a:prstGeom>
-        </p:spPr>
-      </p:pic>
-      <p:sp>
-        <p:nvSpPr>
-          <p:cNvPr id="34" name="TextBox 33">
-            <a:extLst>
-              <a:ext uri="{FF2B5EF4-FFF2-40B4-BE49-F238E27FC236}">
-                <a16:creationId xmlns:a16="http://schemas.microsoft.com/office/drawing/2014/main" id="{47B15B13-0900-42E0-A975-51E7083C50E9}"/>
-              </a:ext>
-            </a:extLst>
-          </p:cNvPr>
-          <p:cNvSpPr txBox="1"/>
-          <p:nvPr/>
-        </p:nvSpPr>
-        <p:spPr>
-          <a:xfrm>
-            <a:off x="581710" y="1390243"/>
-            <a:ext cx="7097474" cy="2339102"/>
-          </a:xfrm>
-          <a:prstGeom prst="rect">
-            <a:avLst/>
-          </a:prstGeom>
-        </p:spPr>
-        <p:txBody>
-          <a:bodyPr wrap="square" rtlCol="0">
-            <a:spAutoFit/>
-          </a:bodyPr>
-          <a:lstStyle/>
-          <a:p>
-            <a:r>
-              <a:rPr lang="en-US" altLang="zh-CN" sz="2000" b="1" dirty="0">
-                <a:solidFill>
-                  <a:srgbClr val="1F1F1F"/>
-                </a:solidFill>
-                <a:latin typeface="Abadi (Body)"/>
-              </a:rPr>
-              <a:t>Problem context</a:t>
-            </a:r>
-          </a:p>
-          <a:p>
-            <a:pPr marL="285750" indent="-285750">
-              <a:buFont typeface="Arial" panose="020B0604020202020204" pitchFamily="34" charset="0"/>
-              <a:buChar char="•"/>
-            </a:pPr>
-            <a:r>
-              <a:rPr lang="en-US" dirty="0">
-                <a:solidFill>
-                  <a:srgbClr val="1F1F1F"/>
-                </a:solidFill>
-                <a:latin typeface="Abadi (Body)"/>
-              </a:rPr>
-              <a:t>Retaining a customer is generally more cost-effective than acquiring a new one, as demonstrated by a Bain &amp; Company study.</a:t>
-            </a:r>
-          </a:p>
-          <a:p>
-            <a:pPr marL="285750" indent="-285750">
-              <a:buFont typeface="Arial" panose="020B0604020202020204" pitchFamily="34" charset="0"/>
-              <a:buChar char="•"/>
-            </a:pPr>
-            <a:r>
-              <a:rPr lang="en-US" dirty="0">
-                <a:solidFill>
-                  <a:srgbClr val="1F1F1F"/>
-                </a:solidFill>
-                <a:latin typeface="Abadi (Body)"/>
-              </a:rPr>
-              <a:t>The study revealed that acquiring a new customer can be 5 to 7 times more expensive than retaining an existing one.</a:t>
-            </a:r>
-          </a:p>
-          <a:p>
-            <a:pPr marL="285750" indent="-285750">
-              <a:buFont typeface="Arial" panose="020B0604020202020204" pitchFamily="34" charset="0"/>
-              <a:buChar char="•"/>
-            </a:pPr>
-            <a:r>
-              <a:rPr lang="en-US" dirty="0">
-                <a:solidFill>
-                  <a:srgbClr val="1F1F1F"/>
-                </a:solidFill>
-                <a:latin typeface="Abadi (Body)"/>
-              </a:rPr>
-              <a:t>Existing customers, being familiar with your product or service, tend to exhibit greater loyalty and are more inclined to maintain their business relationship with you.</a:t>
-            </a:r>
-          </a:p>
-        </p:txBody>
-      </p:sp>
-      <p:sp>
-        <p:nvSpPr>
-          <p:cNvPr id="40" name="TextBox 39">
-            <a:extLst>
-              <a:ext uri="{FF2B5EF4-FFF2-40B4-BE49-F238E27FC236}">
-                <a16:creationId xmlns:a16="http://schemas.microsoft.com/office/drawing/2014/main" id="{51336076-D109-4587-8134-992851D7C7E2}"/>
-              </a:ext>
-            </a:extLst>
-          </p:cNvPr>
-          <p:cNvSpPr txBox="1"/>
-          <p:nvPr/>
-        </p:nvSpPr>
-        <p:spPr>
-          <a:xfrm>
-            <a:off x="8061553" y="1389121"/>
-            <a:ext cx="3454455" cy="1231106"/>
-          </a:xfrm>
-          <a:prstGeom prst="rect">
-            <a:avLst/>
-          </a:prstGeom>
-        </p:spPr>
-        <p:txBody>
-          <a:bodyPr wrap="square" rtlCol="0">
-            <a:spAutoFit/>
-          </a:bodyPr>
-          <a:lstStyle/>
-          <a:p>
-            <a:r>
-              <a:rPr lang="en-US" altLang="zh-CN" sz="2000" b="1" dirty="0">
-                <a:solidFill>
-                  <a:srgbClr val="1F1F1F"/>
-                </a:solidFill>
-                <a:latin typeface="Abadi (Body)"/>
-                <a:ea typeface="+mn-ea"/>
-                <a:cs typeface="+mn-cs"/>
-              </a:rPr>
-              <a:t>Challenges</a:t>
-            </a:r>
-          </a:p>
-          <a:p>
-            <a:pPr marL="285750" indent="-285750">
-              <a:buFont typeface="Arial" panose="020B0604020202020204" pitchFamily="34" charset="0"/>
-              <a:buChar char="•"/>
-            </a:pPr>
-            <a:r>
-              <a:rPr lang="en-US" sz="1800" b="0" dirty="0">
-                <a:solidFill>
-                  <a:srgbClr val="1F1F1F"/>
-                </a:solidFill>
-                <a:latin typeface="Abadi (Body)"/>
-                <a:ea typeface="+mn-ea"/>
-                <a:cs typeface="+mn-cs"/>
-              </a:rPr>
-              <a:t>Imbalanced dataset</a:t>
-            </a:r>
-          </a:p>
-          <a:p>
-            <a:pPr marL="285750" indent="-285750">
-              <a:buFont typeface="Arial" panose="020B0604020202020204" pitchFamily="34" charset="0"/>
-              <a:buChar char="•"/>
-            </a:pPr>
-            <a:r>
-              <a:rPr lang="en-US" sz="1800" b="0" dirty="0">
-                <a:solidFill>
-                  <a:srgbClr val="1F1F1F"/>
-                </a:solidFill>
-                <a:latin typeface="Abadi (Body)"/>
-                <a:ea typeface="+mn-ea"/>
-                <a:cs typeface="+mn-cs"/>
-              </a:rPr>
-              <a:t>Metrics for measurement</a:t>
-            </a:r>
-          </a:p>
-          <a:p>
-            <a:pPr marL="285750" indent="-285750">
-              <a:buFont typeface="Arial" panose="020B0604020202020204" pitchFamily="34" charset="0"/>
-              <a:buChar char="•"/>
-            </a:pPr>
-            <a:r>
-              <a:rPr lang="en-US" sz="1800" b="0" dirty="0">
-                <a:solidFill>
-                  <a:srgbClr val="1F1F1F"/>
-                </a:solidFill>
-                <a:latin typeface="Abadi (Body)"/>
-                <a:ea typeface="+mn-ea"/>
-                <a:cs typeface="+mn-cs"/>
-              </a:rPr>
-              <a:t>Threshold selection</a:t>
-            </a:r>
-          </a:p>
-        </p:txBody>
-      </p:sp>
-      <p:cxnSp>
-        <p:nvCxnSpPr>
-          <p:cNvPr id="47" name="Straight Connector 46">
-            <a:extLst>
-              <a:ext uri="{FF2B5EF4-FFF2-40B4-BE49-F238E27FC236}">
-                <a16:creationId xmlns:a16="http://schemas.microsoft.com/office/drawing/2014/main" id="{42EF9214-31A8-4EEC-83B9-56C9D053954E}"/>
-              </a:ext>
-            </a:extLst>
-          </p:cNvPr>
-          <p:cNvCxnSpPr>
-            <a:cxnSpLocks/>
-          </p:cNvCxnSpPr>
-          <p:nvPr/>
-        </p:nvCxnSpPr>
-        <p:spPr>
-          <a:xfrm>
-            <a:off x="6869134" y="4051856"/>
-            <a:ext cx="0" cy="2147281"/>
-          </a:xfrm>
-          <a:prstGeom prst="line">
-            <a:avLst/>
-          </a:prstGeom>
-          <a:ln w="19050">
-            <a:solidFill>
-              <a:schemeClr val="bg1">
-                <a:lumMod val="50000"/>
-              </a:schemeClr>
-            </a:solidFill>
-          </a:ln>
-        </p:spPr>
-        <p:style>
-          <a:lnRef idx="1">
-            <a:schemeClr val="accent1"/>
-          </a:lnRef>
-          <a:fillRef idx="0">
-            <a:schemeClr val="accent1"/>
-          </a:fillRef>
-          <a:effectRef idx="0">
-            <a:schemeClr val="accent1"/>
-          </a:effectRef>
-          <a:fontRef idx="minor">
-            <a:schemeClr val="tx1"/>
-          </a:fontRef>
-        </p:style>
-      </p:cxnSp>
     </p:spTree>
     <p:extLst>
       <p:ext uri="{BB962C8B-B14F-4D97-AF65-F5344CB8AC3E}">
@@ -42342,15 +42088,6 @@
 </file>
 
 <file path=customXml/item2.xml><?xml version="1.0" encoding="utf-8"?>
-<?mso-contentType ?>
-<FormTemplates xmlns="http://schemas.microsoft.com/sharepoint/v3/contenttype/forms">
-  <Display>DocumentLibraryForm</Display>
-  <Edit>DocumentLibraryForm</Edit>
-  <New>DocumentLibraryForm</New>
-</FormTemplates>
-</file>
-
-<file path=customXml/item3.xml><?xml version="1.0" encoding="utf-8"?>
 <p:properties xmlns:p="http://schemas.microsoft.com/office/2006/metadata/properties" xmlns:xsi="http://www.w3.org/2001/XMLSchema-instance" xmlns:pc="http://schemas.microsoft.com/office/infopath/2007/PartnerControls">
   <documentManagement>
     <_ip_UnifiedCompliancePolicyUIAction xmlns="http://schemas.microsoft.com/sharepoint/v3" xsi:nil="true"/>
@@ -42368,6 +42105,15 @@
     <MediaServiceKeyPoints xmlns="71af3243-3dd4-4a8d-8c0d-dd76da1f02a5" xsi:nil="true"/>
   </documentManagement>
 </p:properties>
+</file>
+
+<file path=customXml/item3.xml><?xml version="1.0" encoding="utf-8"?>
+<?mso-contentType ?>
+<FormTemplates xmlns="http://schemas.microsoft.com/sharepoint/v3/contenttype/forms">
+  <Display>DocumentLibraryForm</Display>
+  <Edit>DocumentLibraryForm</Edit>
+  <New>DocumentLibraryForm</New>
+</FormTemplates>
 </file>
 
 <file path=customXml/itemProps1.xml><?xml version="1.0" encoding="utf-8"?>
@@ -42392,6 +42138,25 @@
 </file>
 
 <file path=customXml/itemProps2.xml><?xml version="1.0" encoding="utf-8"?>
+<ds:datastoreItem xmlns:ds="http://schemas.openxmlformats.org/officeDocument/2006/customXml" ds:itemID="{B2C81503-9DEF-42F3-A99B-D5E0223E195B}">
+  <ds:schemaRefs>
+    <ds:schemaRef ds:uri="71af3243-3dd4-4a8d-8c0d-dd76da1f02a5"/>
+    <ds:schemaRef ds:uri="http://schemas.microsoft.com/office/2006/metadata/properties"/>
+    <ds:schemaRef ds:uri="http://www.w3.org/XML/1998/namespace"/>
+    <ds:schemaRef ds:uri="http://purl.org/dc/elements/1.1/"/>
+    <ds:schemaRef ds:uri="http://schemas.microsoft.com/office/2006/documentManagement/types"/>
+    <ds:schemaRef ds:uri="230e9df3-be65-4c73-a93b-d1236ebd677e"/>
+    <ds:schemaRef ds:uri="http://purl.org/dc/dcmitype/"/>
+    <ds:schemaRef ds:uri="16c05727-aa75-4e4a-9b5f-8a80a1165891"/>
+    <ds:schemaRef ds:uri="http://purl.org/dc/terms/"/>
+    <ds:schemaRef ds:uri="http://schemas.microsoft.com/office/infopath/2007/PartnerControls"/>
+    <ds:schemaRef ds:uri="http://schemas.openxmlformats.org/package/2006/metadata/core-properties"/>
+    <ds:schemaRef ds:uri="http://schemas.microsoft.com/sharepoint/v3"/>
+  </ds:schemaRefs>
+</ds:datastoreItem>
+</file>
+
+<file path=customXml/itemProps3.xml><?xml version="1.0" encoding="utf-8"?>
 <ds:datastoreItem xmlns:ds="http://schemas.openxmlformats.org/officeDocument/2006/customXml" ds:itemID="{6F156100-9533-4411-B0C0-FA18F914F7B6}">
   <ds:schemaRefs>
     <ds:schemaRef ds:uri="http://schemas.microsoft.com/sharepoint/v3/contenttype/forms"/>
@@ -42399,25 +42164,6 @@
 </ds:datastoreItem>
 </file>
 
-<file path=customXml/itemProps3.xml><?xml version="1.0" encoding="utf-8"?>
-<ds:datastoreItem xmlns:ds="http://schemas.openxmlformats.org/officeDocument/2006/customXml" ds:itemID="{B2C81503-9DEF-42F3-A99B-D5E0223E195B}">
-  <ds:schemaRefs>
-    <ds:schemaRef ds:uri="http://schemas.microsoft.com/office/2006/documentManagement/types"/>
-    <ds:schemaRef ds:uri="71af3243-3dd4-4a8d-8c0d-dd76da1f02a5"/>
-    <ds:schemaRef ds:uri="http://schemas.microsoft.com/office/2006/metadata/properties"/>
-    <ds:schemaRef ds:uri="230e9df3-be65-4c73-a93b-d1236ebd677e"/>
-    <ds:schemaRef ds:uri="http://purl.org/dc/terms/"/>
-    <ds:schemaRef ds:uri="http://purl.org/dc/elements/1.1/"/>
-    <ds:schemaRef ds:uri="http://schemas.microsoft.com/office/infopath/2007/PartnerControls"/>
-    <ds:schemaRef ds:uri="http://www.w3.org/XML/1998/namespace"/>
-    <ds:schemaRef ds:uri="http://schemas.openxmlformats.org/package/2006/metadata/core-properties"/>
-    <ds:schemaRef ds:uri="16c05727-aa75-4e4a-9b5f-8a80a1165891"/>
-    <ds:schemaRef ds:uri="http://schemas.microsoft.com/sharepoint/v3"/>
-    <ds:schemaRef ds:uri="http://purl.org/dc/dcmitype/"/>
-  </ds:schemaRefs>
-</ds:datastoreItem>
-</file>
-
 <file path=docMetadata/LabelInfo.xml><?xml version="1.0" encoding="utf-8"?>
 <clbl:labelList xmlns:clbl="http://schemas.microsoft.com/office/2020/mipLabelMetadata"/>
 </file>
--- a/Telco churn prediction model presentation.pptx
+++ b/Telco churn prediction model presentation.pptx
@@ -287,7 +287,7 @@
           <a:p>
             <a:fld id="{8CD26A2A-0A96-0647-84E5-C82F2EFD9474}" type="datetimeFigureOut">
               <a:rPr lang="en-US" smtClean="0"/>
-              <a:t>12/15/2023</a:t>
+              <a:t>12/16/2023</a:t>
             </a:fld>
             <a:endParaRPr lang="en-US" dirty="0"/>
           </a:p>
@@ -464,7 +464,7 @@
           <a:p>
             <a:fld id="{A2B40C3B-E28A-4854-8EDA-E7F8F6F6FFEF}" type="datetimeFigureOut">
               <a:rPr lang="zh-CN" altLang="en-US" smtClean="0"/>
-              <a:t>2023/12/15</a:t>
+              <a:t>2023/12/16</a:t>
             </a:fld>
             <a:endParaRPr lang="zh-CN" altLang="en-US"/>
           </a:p>
@@ -32921,7 +32921,7 @@
         </p:blipFill>
         <p:spPr bwMode="auto">
           <a:xfrm>
-            <a:off x="7023280" y="4782519"/>
+            <a:off x="7086474" y="4807367"/>
             <a:ext cx="1008556" cy="1028727"/>
           </a:xfrm>
           <a:prstGeom prst="rect">
@@ -32953,7 +32953,7 @@
         </p:nvSpPr>
         <p:spPr>
           <a:xfrm>
-            <a:off x="8093919" y="4781848"/>
+            <a:off x="8251162" y="4804152"/>
             <a:ext cx="2127196" cy="1015663"/>
           </a:xfrm>
           <a:prstGeom prst="rect">
@@ -33072,7 +33072,7 @@
         </p:blipFill>
         <p:spPr bwMode="auto">
           <a:xfrm>
-            <a:off x="422524" y="4866328"/>
+            <a:off x="422524" y="4783201"/>
             <a:ext cx="1197101" cy="677006"/>
           </a:xfrm>
           <a:prstGeom prst="rect">
@@ -33119,7 +33119,7 @@
         </p:blipFill>
         <p:spPr bwMode="auto">
           <a:xfrm>
-            <a:off x="1507708" y="4944429"/>
+            <a:off x="1507708" y="4861302"/>
             <a:ext cx="1288169" cy="520803"/>
           </a:xfrm>
           <a:prstGeom prst="rect">
@@ -41800,6 +41800,26 @@
 </file>
 
 <file path=customXml/item1.xml><?xml version="1.0" encoding="utf-8"?>
+<p:properties xmlns:p="http://schemas.microsoft.com/office/2006/metadata/properties" xmlns:xsi="http://www.w3.org/2001/XMLSchema-instance" xmlns:pc="http://schemas.microsoft.com/office/infopath/2007/PartnerControls">
+  <documentManagement>
+    <_ip_UnifiedCompliancePolicyUIAction xmlns="http://schemas.microsoft.com/sharepoint/v3" xsi:nil="true"/>
+    <Image xmlns="71af3243-3dd4-4a8d-8c0d-dd76da1f02a5">
+      <Url xsi:nil="true"/>
+      <Description xsi:nil="true"/>
+    </Image>
+    <Status xmlns="71af3243-3dd4-4a8d-8c0d-dd76da1f02a5">Not started</Status>
+    <Background xmlns="71af3243-3dd4-4a8d-8c0d-dd76da1f02a5">false</Background>
+    <_ip_UnifiedCompliancePolicyProperties xmlns="http://schemas.microsoft.com/sharepoint/v3" xsi:nil="true"/>
+    <ImageTagsTaxHTField xmlns="71af3243-3dd4-4a8d-8c0d-dd76da1f02a5">
+      <Terms xmlns="http://schemas.microsoft.com/office/infopath/2007/PartnerControls"/>
+    </ImageTagsTaxHTField>
+    <TaxCatchAll xmlns="230e9df3-be65-4c73-a93b-d1236ebd677e" xsi:nil="true"/>
+    <MediaServiceKeyPoints xmlns="71af3243-3dd4-4a8d-8c0d-dd76da1f02a5" xsi:nil="true"/>
+  </documentManagement>
+</p:properties>
+</file>
+
+<file path=customXml/item2.xml><?xml version="1.0" encoding="utf-8"?>
 <ct:contentTypeSchema xmlns:ct="http://schemas.microsoft.com/office/2006/metadata/contentType" xmlns:ma="http://schemas.microsoft.com/office/2006/metadata/properties/metaAttributes" ct:_="" ma:_="" ma:contentTypeName="Document" ma:contentTypeID="0x01010079F111ED35F8CC479449609E8A0923A6" ma:contentTypeVersion="24" ma:contentTypeDescription="Create a new document." ma:contentTypeScope="" ma:versionID="2d714a3296df14eba7a100bb665443ca">
   <xsd:schema xmlns:xsd="http://www.w3.org/2001/XMLSchema" xmlns:xs="http://www.w3.org/2001/XMLSchema" xmlns:p="http://schemas.microsoft.com/office/2006/metadata/properties" xmlns:ns1="http://schemas.microsoft.com/sharepoint/v3" xmlns:ns2="71af3243-3dd4-4a8d-8c0d-dd76da1f02a5" xmlns:ns3="16c05727-aa75-4e4a-9b5f-8a80a1165891" xmlns:ns4="230e9df3-be65-4c73-a93b-d1236ebd677e" targetNamespace="http://schemas.microsoft.com/office/2006/metadata/properties" ma:root="true" ma:fieldsID="49549bf45bfbbfb6cffed527380e77e1" ns1:_="" ns2:_="" ns3:_="" ns4:_="">
     <xsd:import namespace="http://schemas.microsoft.com/sharepoint/v3"/>
@@ -42087,26 +42107,6 @@
 </ct:contentTypeSchema>
 </file>
 
-<file path=customXml/item2.xml><?xml version="1.0" encoding="utf-8"?>
-<p:properties xmlns:p="http://schemas.microsoft.com/office/2006/metadata/properties" xmlns:xsi="http://www.w3.org/2001/XMLSchema-instance" xmlns:pc="http://schemas.microsoft.com/office/infopath/2007/PartnerControls">
-  <documentManagement>
-    <_ip_UnifiedCompliancePolicyUIAction xmlns="http://schemas.microsoft.com/sharepoint/v3" xsi:nil="true"/>
-    <Image xmlns="71af3243-3dd4-4a8d-8c0d-dd76da1f02a5">
-      <Url xsi:nil="true"/>
-      <Description xsi:nil="true"/>
-    </Image>
-    <Status xmlns="71af3243-3dd4-4a8d-8c0d-dd76da1f02a5">Not started</Status>
-    <Background xmlns="71af3243-3dd4-4a8d-8c0d-dd76da1f02a5">false</Background>
-    <_ip_UnifiedCompliancePolicyProperties xmlns="http://schemas.microsoft.com/sharepoint/v3" xsi:nil="true"/>
-    <ImageTagsTaxHTField xmlns="71af3243-3dd4-4a8d-8c0d-dd76da1f02a5">
-      <Terms xmlns="http://schemas.microsoft.com/office/infopath/2007/PartnerControls"/>
-    </ImageTagsTaxHTField>
-    <TaxCatchAll xmlns="230e9df3-be65-4c73-a93b-d1236ebd677e" xsi:nil="true"/>
-    <MediaServiceKeyPoints xmlns="71af3243-3dd4-4a8d-8c0d-dd76da1f02a5" xsi:nil="true"/>
-  </documentManagement>
-</p:properties>
-</file>
-
 <file path=customXml/item3.xml><?xml version="1.0" encoding="utf-8"?>
 <?mso-contentType ?>
 <FormTemplates xmlns="http://schemas.microsoft.com/sharepoint/v3/contenttype/forms">
@@ -42117,6 +42117,25 @@
 </file>
 
 <file path=customXml/itemProps1.xml><?xml version="1.0" encoding="utf-8"?>
+<ds:datastoreItem xmlns:ds="http://schemas.openxmlformats.org/officeDocument/2006/customXml" ds:itemID="{B2C81503-9DEF-42F3-A99B-D5E0223E195B}">
+  <ds:schemaRefs>
+    <ds:schemaRef ds:uri="71af3243-3dd4-4a8d-8c0d-dd76da1f02a5"/>
+    <ds:schemaRef ds:uri="http://schemas.microsoft.com/office/2006/metadata/properties"/>
+    <ds:schemaRef ds:uri="http://www.w3.org/XML/1998/namespace"/>
+    <ds:schemaRef ds:uri="http://purl.org/dc/elements/1.1/"/>
+    <ds:schemaRef ds:uri="http://schemas.microsoft.com/office/2006/documentManagement/types"/>
+    <ds:schemaRef ds:uri="230e9df3-be65-4c73-a93b-d1236ebd677e"/>
+    <ds:schemaRef ds:uri="http://purl.org/dc/dcmitype/"/>
+    <ds:schemaRef ds:uri="16c05727-aa75-4e4a-9b5f-8a80a1165891"/>
+    <ds:schemaRef ds:uri="http://purl.org/dc/terms/"/>
+    <ds:schemaRef ds:uri="http://schemas.microsoft.com/office/infopath/2007/PartnerControls"/>
+    <ds:schemaRef ds:uri="http://schemas.openxmlformats.org/package/2006/metadata/core-properties"/>
+    <ds:schemaRef ds:uri="http://schemas.microsoft.com/sharepoint/v3"/>
+  </ds:schemaRefs>
+</ds:datastoreItem>
+</file>
+
+<file path=customXml/itemProps2.xml><?xml version="1.0" encoding="utf-8"?>
 <ds:datastoreItem xmlns:ds="http://schemas.openxmlformats.org/officeDocument/2006/customXml" ds:itemID="{76A4D1D3-B327-4D60-927D-26045FF4AF3C}">
   <ds:schemaRefs>
     <ds:schemaRef ds:uri="http://schemas.microsoft.com/office/2006/metadata/contentType"/>
@@ -42137,25 +42156,6 @@
 </ds:datastoreItem>
 </file>
 
-<file path=customXml/itemProps2.xml><?xml version="1.0" encoding="utf-8"?>
-<ds:datastoreItem xmlns:ds="http://schemas.openxmlformats.org/officeDocument/2006/customXml" ds:itemID="{B2C81503-9DEF-42F3-A99B-D5E0223E195B}">
-  <ds:schemaRefs>
-    <ds:schemaRef ds:uri="71af3243-3dd4-4a8d-8c0d-dd76da1f02a5"/>
-    <ds:schemaRef ds:uri="http://schemas.microsoft.com/office/2006/metadata/properties"/>
-    <ds:schemaRef ds:uri="http://www.w3.org/XML/1998/namespace"/>
-    <ds:schemaRef ds:uri="http://purl.org/dc/elements/1.1/"/>
-    <ds:schemaRef ds:uri="http://schemas.microsoft.com/office/2006/documentManagement/types"/>
-    <ds:schemaRef ds:uri="230e9df3-be65-4c73-a93b-d1236ebd677e"/>
-    <ds:schemaRef ds:uri="http://purl.org/dc/dcmitype/"/>
-    <ds:schemaRef ds:uri="16c05727-aa75-4e4a-9b5f-8a80a1165891"/>
-    <ds:schemaRef ds:uri="http://purl.org/dc/terms/"/>
-    <ds:schemaRef ds:uri="http://schemas.microsoft.com/office/infopath/2007/PartnerControls"/>
-    <ds:schemaRef ds:uri="http://schemas.openxmlformats.org/package/2006/metadata/core-properties"/>
-    <ds:schemaRef ds:uri="http://schemas.microsoft.com/sharepoint/v3"/>
-  </ds:schemaRefs>
-</ds:datastoreItem>
-</file>
-
 <file path=customXml/itemProps3.xml><?xml version="1.0" encoding="utf-8"?>
 <ds:datastoreItem xmlns:ds="http://schemas.openxmlformats.org/officeDocument/2006/customXml" ds:itemID="{6F156100-9533-4411-B0C0-FA18F914F7B6}">
   <ds:schemaRefs>

--- a/Telco churn prediction model presentation.pptx
+++ b/Telco churn prediction model presentation.pptx
@@ -5,34 +5,35 @@
     <p:sldMasterId id="2147483648" r:id="rId4"/>
   </p:sldMasterIdLst>
   <p:notesMasterIdLst>
-    <p:notesMasterId r:id="rId27"/>
+    <p:notesMasterId r:id="rId28"/>
   </p:notesMasterIdLst>
   <p:handoutMasterIdLst>
-    <p:handoutMasterId r:id="rId28"/>
+    <p:handoutMasterId r:id="rId29"/>
   </p:handoutMasterIdLst>
   <p:sldIdLst>
     <p:sldId id="292" r:id="rId5"/>
     <p:sldId id="323" r:id="rId6"/>
-    <p:sldId id="325" r:id="rId7"/>
-    <p:sldId id="326" r:id="rId8"/>
-    <p:sldId id="327" r:id="rId9"/>
-    <p:sldId id="328" r:id="rId10"/>
-    <p:sldId id="329" r:id="rId11"/>
-    <p:sldId id="343" r:id="rId12"/>
-    <p:sldId id="330" r:id="rId13"/>
-    <p:sldId id="331" r:id="rId14"/>
-    <p:sldId id="332" r:id="rId15"/>
-    <p:sldId id="300" r:id="rId16"/>
-    <p:sldId id="335" r:id="rId17"/>
-    <p:sldId id="336" r:id="rId18"/>
-    <p:sldId id="337" r:id="rId19"/>
-    <p:sldId id="338" r:id="rId20"/>
-    <p:sldId id="339" r:id="rId21"/>
-    <p:sldId id="340" r:id="rId22"/>
-    <p:sldId id="344" r:id="rId23"/>
-    <p:sldId id="341" r:id="rId24"/>
-    <p:sldId id="342" r:id="rId25"/>
-    <p:sldId id="295" r:id="rId26"/>
+    <p:sldId id="345" r:id="rId7"/>
+    <p:sldId id="325" r:id="rId8"/>
+    <p:sldId id="326" r:id="rId9"/>
+    <p:sldId id="327" r:id="rId10"/>
+    <p:sldId id="328" r:id="rId11"/>
+    <p:sldId id="329" r:id="rId12"/>
+    <p:sldId id="343" r:id="rId13"/>
+    <p:sldId id="330" r:id="rId14"/>
+    <p:sldId id="331" r:id="rId15"/>
+    <p:sldId id="332" r:id="rId16"/>
+    <p:sldId id="300" r:id="rId17"/>
+    <p:sldId id="335" r:id="rId18"/>
+    <p:sldId id="336" r:id="rId19"/>
+    <p:sldId id="337" r:id="rId20"/>
+    <p:sldId id="338" r:id="rId21"/>
+    <p:sldId id="339" r:id="rId22"/>
+    <p:sldId id="340" r:id="rId23"/>
+    <p:sldId id="344" r:id="rId24"/>
+    <p:sldId id="341" r:id="rId25"/>
+    <p:sldId id="342" r:id="rId26"/>
+    <p:sldId id="295" r:id="rId27"/>
   </p:sldIdLst>
   <p:sldSz cx="12192000" cy="6858000"/>
   <p:notesSz cx="6858000" cy="9144000"/>
@@ -138,6 +139,7 @@
           <p14:sldIdLst>
             <p14:sldId id="292"/>
             <p14:sldId id="323"/>
+            <p14:sldId id="345"/>
             <p14:sldId id="325"/>
             <p14:sldId id="326"/>
             <p14:sldId id="327"/>
@@ -287,7 +289,7 @@
           <a:p>
             <a:fld id="{8CD26A2A-0A96-0647-84E5-C82F2EFD9474}" type="datetimeFigureOut">
               <a:rPr lang="en-US" smtClean="0"/>
-              <a:t>12/16/2023</a:t>
+              <a:t>12/21/2023</a:t>
             </a:fld>
             <a:endParaRPr lang="en-US" dirty="0"/>
           </a:p>
@@ -464,7 +466,7 @@
           <a:p>
             <a:fld id="{A2B40C3B-E28A-4854-8EDA-E7F8F6F6FFEF}" type="datetimeFigureOut">
               <a:rPr lang="zh-CN" altLang="en-US" smtClean="0"/>
-              <a:t>2023/12/16</a:t>
+              <a:t>2023/12/21</a:t>
             </a:fld>
             <a:endParaRPr lang="zh-CN" altLang="en-US"/>
           </a:p>
@@ -889,7 +891,7 @@
     </p:spTree>
     <p:extLst>
       <p:ext uri="{BB962C8B-B14F-4D97-AF65-F5344CB8AC3E}">
-        <p14:creationId xmlns:p14="http://schemas.microsoft.com/office/powerpoint/2010/main" val="706026557"/>
+        <p14:creationId xmlns:p14="http://schemas.microsoft.com/office/powerpoint/2010/main" val="4075137821"/>
       </p:ext>
     </p:extLst>
   </p:cSld>
@@ -964,7 +966,7 @@
           <a:p>
             <a:fld id="{017105BD-6D6F-49DB-9DE4-D4A6452D7E5F}" type="slidenum">
               <a:rPr lang="zh-CN" altLang="en-US" smtClean="0"/>
-              <a:t>13</a:t>
+              <a:t>12</a:t>
             </a:fld>
             <a:endParaRPr lang="zh-CN" altLang="en-US"/>
           </a:p>
@@ -973,7 +975,7 @@
     </p:spTree>
     <p:extLst>
       <p:ext uri="{BB962C8B-B14F-4D97-AF65-F5344CB8AC3E}">
-        <p14:creationId xmlns:p14="http://schemas.microsoft.com/office/powerpoint/2010/main" val="3893473669"/>
+        <p14:creationId xmlns:p14="http://schemas.microsoft.com/office/powerpoint/2010/main" val="706026557"/>
       </p:ext>
     </p:extLst>
   </p:cSld>
@@ -1057,7 +1059,7 @@
     </p:spTree>
     <p:extLst>
       <p:ext uri="{BB962C8B-B14F-4D97-AF65-F5344CB8AC3E}">
-        <p14:creationId xmlns:p14="http://schemas.microsoft.com/office/powerpoint/2010/main" val="3139375984"/>
+        <p14:creationId xmlns:p14="http://schemas.microsoft.com/office/powerpoint/2010/main" val="3893473669"/>
       </p:ext>
     </p:extLst>
   </p:cSld>
@@ -1141,7 +1143,7 @@
     </p:spTree>
     <p:extLst>
       <p:ext uri="{BB962C8B-B14F-4D97-AF65-F5344CB8AC3E}">
-        <p14:creationId xmlns:p14="http://schemas.microsoft.com/office/powerpoint/2010/main" val="3142252881"/>
+        <p14:creationId xmlns:p14="http://schemas.microsoft.com/office/powerpoint/2010/main" val="3139375984"/>
       </p:ext>
     </p:extLst>
   </p:cSld>
@@ -1225,7 +1227,7 @@
     </p:spTree>
     <p:extLst>
       <p:ext uri="{BB962C8B-B14F-4D97-AF65-F5344CB8AC3E}">
-        <p14:creationId xmlns:p14="http://schemas.microsoft.com/office/powerpoint/2010/main" val="625145139"/>
+        <p14:creationId xmlns:p14="http://schemas.microsoft.com/office/powerpoint/2010/main" val="3142252881"/>
       </p:ext>
     </p:extLst>
   </p:cSld>
@@ -1309,7 +1311,7 @@
     </p:spTree>
     <p:extLst>
       <p:ext uri="{BB962C8B-B14F-4D97-AF65-F5344CB8AC3E}">
-        <p14:creationId xmlns:p14="http://schemas.microsoft.com/office/powerpoint/2010/main" val="1275579788"/>
+        <p14:creationId xmlns:p14="http://schemas.microsoft.com/office/powerpoint/2010/main" val="625145139"/>
       </p:ext>
     </p:extLst>
   </p:cSld>
@@ -1393,7 +1395,7 @@
     </p:spTree>
     <p:extLst>
       <p:ext uri="{BB962C8B-B14F-4D97-AF65-F5344CB8AC3E}">
-        <p14:creationId xmlns:p14="http://schemas.microsoft.com/office/powerpoint/2010/main" val="4183209747"/>
+        <p14:creationId xmlns:p14="http://schemas.microsoft.com/office/powerpoint/2010/main" val="1275579788"/>
       </p:ext>
     </p:extLst>
   </p:cSld>
@@ -1477,7 +1479,7 @@
     </p:spTree>
     <p:extLst>
       <p:ext uri="{BB962C8B-B14F-4D97-AF65-F5344CB8AC3E}">
-        <p14:creationId xmlns:p14="http://schemas.microsoft.com/office/powerpoint/2010/main" val="3850301624"/>
+        <p14:creationId xmlns:p14="http://schemas.microsoft.com/office/powerpoint/2010/main" val="4183209747"/>
       </p:ext>
     </p:extLst>
   </p:cSld>
@@ -1561,7 +1563,7 @@
     </p:spTree>
     <p:extLst>
       <p:ext uri="{BB962C8B-B14F-4D97-AF65-F5344CB8AC3E}">
-        <p14:creationId xmlns:p14="http://schemas.microsoft.com/office/powerpoint/2010/main" val="1946345914"/>
+        <p14:creationId xmlns:p14="http://schemas.microsoft.com/office/powerpoint/2010/main" val="3850301624"/>
       </p:ext>
     </p:extLst>
   </p:cSld>
@@ -1645,7 +1647,7 @@
     </p:spTree>
     <p:extLst>
       <p:ext uri="{BB962C8B-B14F-4D97-AF65-F5344CB8AC3E}">
-        <p14:creationId xmlns:p14="http://schemas.microsoft.com/office/powerpoint/2010/main" val="2864000171"/>
+        <p14:creationId xmlns:p14="http://schemas.microsoft.com/office/powerpoint/2010/main" val="1946345914"/>
       </p:ext>
     </p:extLst>
   </p:cSld>
@@ -1729,7 +1731,7 @@
     </p:spTree>
     <p:extLst>
       <p:ext uri="{BB962C8B-B14F-4D97-AF65-F5344CB8AC3E}">
-        <p14:creationId xmlns:p14="http://schemas.microsoft.com/office/powerpoint/2010/main" val="3185728362"/>
+        <p14:creationId xmlns:p14="http://schemas.microsoft.com/office/powerpoint/2010/main" val="1148335575"/>
       </p:ext>
     </p:extLst>
   </p:cSld>
@@ -1805,6 +1807,90 @@
             <a:fld id="{017105BD-6D6F-49DB-9DE4-D4A6452D7E5F}" type="slidenum">
               <a:rPr lang="zh-CN" altLang="en-US" smtClean="0"/>
               <a:t>22</a:t>
+            </a:fld>
+            <a:endParaRPr lang="zh-CN" altLang="en-US"/>
+          </a:p>
+        </p:txBody>
+      </p:sp>
+    </p:spTree>
+    <p:extLst>
+      <p:ext uri="{BB962C8B-B14F-4D97-AF65-F5344CB8AC3E}">
+        <p14:creationId xmlns:p14="http://schemas.microsoft.com/office/powerpoint/2010/main" val="2864000171"/>
+      </p:ext>
+    </p:extLst>
+  </p:cSld>
+  <p:clrMapOvr>
+    <a:masterClrMapping/>
+  </p:clrMapOvr>
+</p:notes>
+</file>
+
+<file path=ppt/notesSlides/notesSlide21.xml><?xml version="1.0" encoding="utf-8"?>
+<p:notes xmlns:a="http://schemas.openxmlformats.org/drawingml/2006/main" xmlns:r="http://schemas.openxmlformats.org/officeDocument/2006/relationships" xmlns:p="http://schemas.openxmlformats.org/presentationml/2006/main">
+  <p:cSld>
+    <p:spTree>
+      <p:nvGrpSpPr>
+        <p:cNvPr id="1" name=""/>
+        <p:cNvGrpSpPr/>
+        <p:nvPr/>
+      </p:nvGrpSpPr>
+      <p:grpSpPr>
+        <a:xfrm>
+          <a:off x="0" y="0"/>
+          <a:ext cx="0" cy="0"/>
+          <a:chOff x="0" y="0"/>
+          <a:chExt cx="0" cy="0"/>
+        </a:xfrm>
+      </p:grpSpPr>
+      <p:sp>
+        <p:nvSpPr>
+          <p:cNvPr id="2" name="Slide Image Placeholder 1"/>
+          <p:cNvSpPr>
+            <a:spLocks noGrp="1" noRot="1" noChangeAspect="1"/>
+          </p:cNvSpPr>
+          <p:nvPr>
+            <p:ph type="sldImg"/>
+          </p:nvPr>
+        </p:nvSpPr>
+        <p:spPr/>
+      </p:sp>
+      <p:sp>
+        <p:nvSpPr>
+          <p:cNvPr id="3" name="Notes Placeholder 2"/>
+          <p:cNvSpPr>
+            <a:spLocks noGrp="1"/>
+          </p:cNvSpPr>
+          <p:nvPr>
+            <p:ph type="body" idx="1"/>
+          </p:nvPr>
+        </p:nvSpPr>
+        <p:spPr/>
+        <p:txBody>
+          <a:bodyPr/>
+          <a:lstStyle/>
+          <a:p>
+            <a:endParaRPr lang="en-US" dirty="0"/>
+          </a:p>
+        </p:txBody>
+      </p:sp>
+      <p:sp>
+        <p:nvSpPr>
+          <p:cNvPr id="4" name="Slide Number Placeholder 3"/>
+          <p:cNvSpPr>
+            <a:spLocks noGrp="1"/>
+          </p:cNvSpPr>
+          <p:nvPr>
+            <p:ph type="sldNum" sz="quarter" idx="5"/>
+          </p:nvPr>
+        </p:nvSpPr>
+        <p:spPr/>
+        <p:txBody>
+          <a:bodyPr/>
+          <a:lstStyle/>
+          <a:p>
+            <a:fld id="{017105BD-6D6F-49DB-9DE4-D4A6452D7E5F}" type="slidenum">
+              <a:rPr lang="zh-CN" altLang="en-US" smtClean="0"/>
+              <a:t>23</a:t>
             </a:fld>
             <a:endParaRPr lang="zh-CN" altLang="en-US"/>
           </a:p>
@@ -1897,7 +1983,7 @@
     </p:spTree>
     <p:extLst>
       <p:ext uri="{BB962C8B-B14F-4D97-AF65-F5344CB8AC3E}">
-        <p14:creationId xmlns:p14="http://schemas.microsoft.com/office/powerpoint/2010/main" val="713811724"/>
+        <p14:creationId xmlns:p14="http://schemas.microsoft.com/office/powerpoint/2010/main" val="3185728362"/>
       </p:ext>
     </p:extLst>
   </p:cSld>
@@ -1981,7 +2067,7 @@
     </p:spTree>
     <p:extLst>
       <p:ext uri="{BB962C8B-B14F-4D97-AF65-F5344CB8AC3E}">
-        <p14:creationId xmlns:p14="http://schemas.microsoft.com/office/powerpoint/2010/main" val="3346546399"/>
+        <p14:creationId xmlns:p14="http://schemas.microsoft.com/office/powerpoint/2010/main" val="713811724"/>
       </p:ext>
     </p:extLst>
   </p:cSld>
@@ -2065,7 +2151,7 @@
     </p:spTree>
     <p:extLst>
       <p:ext uri="{BB962C8B-B14F-4D97-AF65-F5344CB8AC3E}">
-        <p14:creationId xmlns:p14="http://schemas.microsoft.com/office/powerpoint/2010/main" val="878272559"/>
+        <p14:creationId xmlns:p14="http://schemas.microsoft.com/office/powerpoint/2010/main" val="3346546399"/>
       </p:ext>
     </p:extLst>
   </p:cSld>
@@ -2149,7 +2235,7 @@
     </p:spTree>
     <p:extLst>
       <p:ext uri="{BB962C8B-B14F-4D97-AF65-F5344CB8AC3E}">
-        <p14:creationId xmlns:p14="http://schemas.microsoft.com/office/powerpoint/2010/main" val="1944205941"/>
+        <p14:creationId xmlns:p14="http://schemas.microsoft.com/office/powerpoint/2010/main" val="878272559"/>
       </p:ext>
     </p:extLst>
   </p:cSld>
@@ -2233,7 +2319,7 @@
     </p:spTree>
     <p:extLst>
       <p:ext uri="{BB962C8B-B14F-4D97-AF65-F5344CB8AC3E}">
-        <p14:creationId xmlns:p14="http://schemas.microsoft.com/office/powerpoint/2010/main" val="2266675044"/>
+        <p14:creationId xmlns:p14="http://schemas.microsoft.com/office/powerpoint/2010/main" val="1944205941"/>
       </p:ext>
     </p:extLst>
   </p:cSld>
@@ -2317,7 +2403,7 @@
     </p:spTree>
     <p:extLst>
       <p:ext uri="{BB962C8B-B14F-4D97-AF65-F5344CB8AC3E}">
-        <p14:creationId xmlns:p14="http://schemas.microsoft.com/office/powerpoint/2010/main" val="3547395193"/>
+        <p14:creationId xmlns:p14="http://schemas.microsoft.com/office/powerpoint/2010/main" val="2266675044"/>
       </p:ext>
     </p:extLst>
   </p:cSld>
@@ -2401,7 +2487,7 @@
     </p:spTree>
     <p:extLst>
       <p:ext uri="{BB962C8B-B14F-4D97-AF65-F5344CB8AC3E}">
-        <p14:creationId xmlns:p14="http://schemas.microsoft.com/office/powerpoint/2010/main" val="4075137821"/>
+        <p14:creationId xmlns:p14="http://schemas.microsoft.com/office/powerpoint/2010/main" val="3547395193"/>
       </p:ext>
     </p:extLst>
   </p:cSld>
@@ -24586,7 +24672,7 @@
         <p:spPr>
           <a:xfrm>
             <a:off x="581709" y="274955"/>
-            <a:ext cx="9805165" cy="673368"/>
+            <a:ext cx="6031527" cy="673368"/>
           </a:xfrm>
         </p:spPr>
         <p:txBody>
@@ -24600,7 +24686,7 @@
                 </a:solidFill>
                 <a:latin typeface="Abadi (Body)"/>
               </a:rPr>
-              <a:t>5. CONCLUSIONS/RECOMMENDATIONS</a:t>
+              <a:t>4. RESULT</a:t>
             </a:r>
           </a:p>
         </p:txBody>
@@ -24897,12 +24983,606 @@
           </a:p>
         </p:txBody>
       </p:sp>
-      <p:sp>
-        <p:nvSpPr>
-          <p:cNvPr id="8" name="TextBox 7">
+      <p:graphicFrame>
+        <p:nvGraphicFramePr>
+          <p:cNvPr id="24" name="Table 7">
             <a:extLst>
               <a:ext uri="{FF2B5EF4-FFF2-40B4-BE49-F238E27FC236}">
-                <a16:creationId xmlns:a16="http://schemas.microsoft.com/office/drawing/2014/main" id="{F936A67B-AA83-409A-A6A4-7956ACD5A92B}"/>
+                <a16:creationId xmlns:a16="http://schemas.microsoft.com/office/drawing/2014/main" id="{A11C2CC6-BE33-4FEB-BB54-E59526361344}"/>
+              </a:ext>
+            </a:extLst>
+          </p:cNvPr>
+          <p:cNvGraphicFramePr>
+            <a:graphicFrameLocks noGrp="1"/>
+          </p:cNvGraphicFramePr>
+          <p:nvPr>
+            <p:extLst>
+              <p:ext uri="{D42A27DB-BD31-4B8C-83A1-F6EECF244321}">
+                <p14:modId xmlns:p14="http://schemas.microsoft.com/office/powerpoint/2010/main" val="1871204590"/>
+              </p:ext>
+            </p:extLst>
+          </p:nvPr>
+        </p:nvGraphicFramePr>
+        <p:xfrm>
+          <a:off x="670484" y="1925668"/>
+          <a:ext cx="9200787" cy="4022536"/>
+        </p:xfrm>
+        <a:graphic>
+          <a:graphicData uri="http://schemas.openxmlformats.org/drawingml/2006/table">
+            <a:tbl>
+              <a:tblPr firstRow="1" bandRow="1">
+                <a:tableStyleId>{5C22544A-7EE6-4342-B048-85BDC9FD1C3A}</a:tableStyleId>
+              </a:tblPr>
+              <a:tblGrid>
+                <a:gridCol w="598805">
+                  <a:extLst>
+                    <a:ext uri="{9D8B030D-6E8A-4147-A177-3AD203B41FA5}">
+                      <a16:colId xmlns:a16="http://schemas.microsoft.com/office/drawing/2014/main" val="2049887181"/>
+                    </a:ext>
+                  </a:extLst>
+                </a:gridCol>
+                <a:gridCol w="1663700">
+                  <a:extLst>
+                    <a:ext uri="{9D8B030D-6E8A-4147-A177-3AD203B41FA5}">
+                      <a16:colId xmlns:a16="http://schemas.microsoft.com/office/drawing/2014/main" val="3606999241"/>
+                    </a:ext>
+                  </a:extLst>
+                </a:gridCol>
+                <a:gridCol w="559118">
+                  <a:extLst>
+                    <a:ext uri="{9D8B030D-6E8A-4147-A177-3AD203B41FA5}">
+                      <a16:colId xmlns:a16="http://schemas.microsoft.com/office/drawing/2014/main" val="619952824"/>
+                    </a:ext>
+                  </a:extLst>
+                </a:gridCol>
+                <a:gridCol w="6379164">
+                  <a:extLst>
+                    <a:ext uri="{9D8B030D-6E8A-4147-A177-3AD203B41FA5}">
+                      <a16:colId xmlns:a16="http://schemas.microsoft.com/office/drawing/2014/main" val="2681954238"/>
+                    </a:ext>
+                  </a:extLst>
+                </a:gridCol>
+              </a:tblGrid>
+              <a:tr h="239187">
+                <a:tc>
+                  <a:txBody>
+                    <a:bodyPr/>
+                    <a:lstStyle/>
+                    <a:p>
+                      <a:r>
+                        <a:rPr lang="en-US" sz="1400" dirty="0">
+                          <a:latin typeface="Abadi (Body)"/>
+                        </a:rPr>
+                        <a:t>Rank</a:t>
+                      </a:r>
+                    </a:p>
+                  </a:txBody>
+                  <a:tcPr/>
+                </a:tc>
+                <a:tc>
+                  <a:txBody>
+                    <a:bodyPr/>
+                    <a:lstStyle/>
+                    <a:p>
+                      <a:r>
+                        <a:rPr lang="en-US" sz="1400" dirty="0">
+                          <a:latin typeface="Abadi (Body)"/>
+                        </a:rPr>
+                        <a:t>Features</a:t>
+                      </a:r>
+                    </a:p>
+                  </a:txBody>
+                  <a:tcPr/>
+                </a:tc>
+                <a:tc>
+                  <a:txBody>
+                    <a:bodyPr/>
+                    <a:lstStyle/>
+                    <a:p>
+                      <a:r>
+                        <a:rPr lang="en-US" sz="1400" dirty="0">
+                          <a:latin typeface="Abadi (Body)"/>
+                        </a:rPr>
+                        <a:t>Sign</a:t>
+                      </a:r>
+                    </a:p>
+                  </a:txBody>
+                  <a:tcPr/>
+                </a:tc>
+                <a:tc>
+                  <a:txBody>
+                    <a:bodyPr/>
+                    <a:lstStyle/>
+                    <a:p>
+                      <a:pPr marL="0" marR="0" lvl="0" indent="0" algn="l" defTabSz="914400" rtl="0" eaLnBrk="1" fontAlgn="auto" latinLnBrk="0" hangingPunct="1">
+                        <a:lnSpc>
+                          <a:spcPct val="100000"/>
+                        </a:lnSpc>
+                        <a:spcBef>
+                          <a:spcPts val="0"/>
+                        </a:spcBef>
+                        <a:spcAft>
+                          <a:spcPts val="0"/>
+                        </a:spcAft>
+                        <a:buClrTx/>
+                        <a:buSzTx/>
+                        <a:buFontTx/>
+                        <a:buNone/>
+                        <a:tabLst/>
+                        <a:defRPr/>
+                      </a:pPr>
+                      <a:r>
+                        <a:rPr lang="en-US" sz="1400" dirty="0">
+                          <a:latin typeface="Abadi (Body)"/>
+                        </a:rPr>
+                        <a:t>Meaning</a:t>
+                      </a:r>
+                    </a:p>
+                  </a:txBody>
+                  <a:tcPr/>
+                </a:tc>
+                <a:extLst>
+                  <a:ext uri="{0D108BD9-81ED-4DB2-BD59-A6C34878D82A}">
+                    <a16:rowId xmlns:a16="http://schemas.microsoft.com/office/drawing/2014/main" val="1504804843"/>
+                  </a:ext>
+                </a:extLst>
+              </a:tr>
+              <a:tr h="746554">
+                <a:tc>
+                  <a:txBody>
+                    <a:bodyPr/>
+                    <a:lstStyle/>
+                    <a:p>
+                      <a:r>
+                        <a:rPr lang="en-US" sz="1400" b="0" dirty="0">
+                          <a:effectLst/>
+                          <a:latin typeface="Abadi (Body)"/>
+                        </a:rPr>
+                        <a:t>1</a:t>
+                      </a:r>
+                    </a:p>
+                  </a:txBody>
+                  <a:tcPr marL="152400" marR="152400" marT="152400" marB="152400" anchor="ctr"/>
+                </a:tc>
+                <a:tc>
+                  <a:txBody>
+                    <a:bodyPr/>
+                    <a:lstStyle/>
+                    <a:p>
+                      <a:r>
+                        <a:rPr lang="en-US" sz="1400" b="0" dirty="0">
+                          <a:effectLst/>
+                          <a:latin typeface="Abadi (Body)"/>
+                        </a:rPr>
+                        <a:t>Contract</a:t>
+                      </a:r>
+                    </a:p>
+                  </a:txBody>
+                  <a:tcPr marL="152400" marR="152400" marT="152400" marB="152400" anchor="ctr"/>
+                </a:tc>
+                <a:tc>
+                  <a:txBody>
+                    <a:bodyPr/>
+                    <a:lstStyle/>
+                    <a:p>
+                      <a:pPr algn="ctr"/>
+                      <a:r>
+                        <a:rPr lang="en-US" sz="1400" b="0" dirty="0">
+                          <a:effectLst/>
+                          <a:latin typeface="Abadi (Body)"/>
+                        </a:rPr>
+                        <a:t>+</a:t>
+                      </a:r>
+                    </a:p>
+                  </a:txBody>
+                  <a:tcPr marL="152400" marR="152400" marT="152400" marB="152400" anchor="ctr"/>
+                </a:tc>
+                <a:tc>
+                  <a:txBody>
+                    <a:bodyPr/>
+                    <a:lstStyle/>
+                    <a:p>
+                      <a:r>
+                        <a:rPr lang="en-US" sz="1400" b="0" dirty="0">
+                          <a:effectLst/>
+                          <a:latin typeface="Abadi (Body)"/>
+                        </a:rPr>
+                        <a:t>Customers on contract or top-up plans are more likely to churn, possibly due to the ease of changing numbers for top-up customers.</a:t>
+                      </a:r>
+                    </a:p>
+                  </a:txBody>
+                  <a:tcPr marL="152400" marR="152400" marT="152400" marB="152400" anchor="ctr"/>
+                </a:tc>
+                <a:extLst>
+                  <a:ext uri="{0D108BD9-81ED-4DB2-BD59-A6C34878D82A}">
+                    <a16:rowId xmlns:a16="http://schemas.microsoft.com/office/drawing/2014/main" val="3436284998"/>
+                  </a:ext>
+                </a:extLst>
+              </a:tr>
+              <a:tr h="594344">
+                <a:tc>
+                  <a:txBody>
+                    <a:bodyPr/>
+                    <a:lstStyle/>
+                    <a:p>
+                      <a:r>
+                        <a:rPr lang="en-US" sz="1400" b="0" dirty="0">
+                          <a:effectLst/>
+                          <a:latin typeface="Abadi (Body)"/>
+                        </a:rPr>
+                        <a:t>2</a:t>
+                      </a:r>
+                    </a:p>
+                  </a:txBody>
+                  <a:tcPr marL="152400" marR="152400" marT="152400" marB="152400" anchor="ctr"/>
+                </a:tc>
+                <a:tc>
+                  <a:txBody>
+                    <a:bodyPr/>
+                    <a:lstStyle/>
+                    <a:p>
+                      <a:r>
+                        <a:rPr lang="en-US" sz="1400" b="0" dirty="0">
+                          <a:effectLst/>
+                          <a:latin typeface="Abadi (Body)"/>
+                        </a:rPr>
+                        <a:t>Tenure</a:t>
+                      </a:r>
+                    </a:p>
+                  </a:txBody>
+                  <a:tcPr marL="152400" marR="152400" marT="152400" marB="152400" anchor="ctr"/>
+                </a:tc>
+                <a:tc>
+                  <a:txBody>
+                    <a:bodyPr/>
+                    <a:lstStyle/>
+                    <a:p>
+                      <a:pPr algn="ctr"/>
+                      <a:r>
+                        <a:rPr lang="en-US" sz="1400" b="0" dirty="0">
+                          <a:effectLst/>
+                          <a:latin typeface="Abadi (Body)"/>
+                        </a:rPr>
+                        <a:t>+</a:t>
+                      </a:r>
+                    </a:p>
+                  </a:txBody>
+                  <a:tcPr marL="152400" marR="152400" marT="152400" marB="152400" anchor="ctr"/>
+                </a:tc>
+                <a:tc>
+                  <a:txBody>
+                    <a:bodyPr/>
+                    <a:lstStyle/>
+                    <a:p>
+                      <a:r>
+                        <a:rPr lang="en-US" sz="1400" b="0" dirty="0">
+                          <a:effectLst/>
+                          <a:latin typeface="Abadi (Body)"/>
+                        </a:rPr>
+                        <a:t>Long-time customers have a higher churn probability, potentially due to elderly individuals reducing phone usage to cut expenses.</a:t>
+                      </a:r>
+                    </a:p>
+                  </a:txBody>
+                  <a:tcPr marL="152400" marR="152400" marT="152400" marB="152400" anchor="ctr"/>
+                </a:tc>
+                <a:extLst>
+                  <a:ext uri="{0D108BD9-81ED-4DB2-BD59-A6C34878D82A}">
+                    <a16:rowId xmlns:a16="http://schemas.microsoft.com/office/drawing/2014/main" val="386041"/>
+                  </a:ext>
+                </a:extLst>
+              </a:tr>
+              <a:tr h="746554">
+                <a:tc>
+                  <a:txBody>
+                    <a:bodyPr/>
+                    <a:lstStyle/>
+                    <a:p>
+                      <a:pPr marL="0" marR="0" lvl="0" indent="0" algn="l" defTabSz="914400" rtl="0" eaLnBrk="1" fontAlgn="auto" latinLnBrk="0" hangingPunct="1">
+                        <a:lnSpc>
+                          <a:spcPct val="100000"/>
+                        </a:lnSpc>
+                        <a:spcBef>
+                          <a:spcPts val="0"/>
+                        </a:spcBef>
+                        <a:spcAft>
+                          <a:spcPts val="0"/>
+                        </a:spcAft>
+                        <a:buClrTx/>
+                        <a:buSzTx/>
+                        <a:buFontTx/>
+                        <a:buNone/>
+                        <a:tabLst/>
+                        <a:defRPr/>
+                      </a:pPr>
+                      <a:r>
+                        <a:rPr lang="en-US" sz="1400" b="0" dirty="0">
+                          <a:effectLst/>
+                          <a:latin typeface="Abadi (Body)"/>
+                        </a:rPr>
+                        <a:t>3</a:t>
+                      </a:r>
+                    </a:p>
+                  </a:txBody>
+                  <a:tcPr marL="152400" marR="152400" marT="152400" marB="152400" anchor="ctr"/>
+                </a:tc>
+                <a:tc>
+                  <a:txBody>
+                    <a:bodyPr/>
+                    <a:lstStyle/>
+                    <a:p>
+                      <a:pPr marL="0" marR="0" lvl="0" indent="0" algn="l" defTabSz="914400" rtl="0" eaLnBrk="1" fontAlgn="auto" latinLnBrk="0" hangingPunct="1">
+                        <a:lnSpc>
+                          <a:spcPct val="100000"/>
+                        </a:lnSpc>
+                        <a:spcBef>
+                          <a:spcPts val="0"/>
+                        </a:spcBef>
+                        <a:spcAft>
+                          <a:spcPts val="0"/>
+                        </a:spcAft>
+                        <a:buClrTx/>
+                        <a:buSzTx/>
+                        <a:buFontTx/>
+                        <a:buNone/>
+                        <a:tabLst/>
+                        <a:defRPr/>
+                      </a:pPr>
+                      <a:r>
+                        <a:rPr lang="en-US" sz="1400" b="0" dirty="0">
+                          <a:effectLst/>
+                          <a:latin typeface="Abadi (Body)"/>
+                        </a:rPr>
+                        <a:t>Monthly charges</a:t>
+                      </a:r>
+                    </a:p>
+                  </a:txBody>
+                  <a:tcPr marL="152400" marR="152400" marT="152400" marB="152400" anchor="ctr"/>
+                </a:tc>
+                <a:tc>
+                  <a:txBody>
+                    <a:bodyPr/>
+                    <a:lstStyle/>
+                    <a:p>
+                      <a:pPr algn="ctr"/>
+                      <a:r>
+                        <a:rPr lang="en-US" sz="1400" b="0" dirty="0">
+                          <a:effectLst/>
+                          <a:latin typeface="Abadi (Body)"/>
+                        </a:rPr>
+                        <a:t>-</a:t>
+                      </a:r>
+                    </a:p>
+                  </a:txBody>
+                  <a:tcPr marL="152400" marR="152400" marT="152400" marB="152400" anchor="ctr"/>
+                </a:tc>
+                <a:tc>
+                  <a:txBody>
+                    <a:bodyPr/>
+                    <a:lstStyle/>
+                    <a:p>
+                      <a:r>
+                        <a:rPr lang="en-US" sz="1400" b="0" i="0" kern="1200" dirty="0">
+                          <a:solidFill>
+                            <a:schemeClr val="dk1"/>
+                          </a:solidFill>
+                          <a:effectLst/>
+                          <a:latin typeface="+mn-lt"/>
+                          <a:ea typeface="+mn-ea"/>
+                          <a:cs typeface="+mn-cs"/>
+                        </a:rPr>
+                        <a:t>Customers paying lower charges are more likely to churn, influenced by industry trends towards appealing, low-priced packages from other operators.</a:t>
+                      </a:r>
+                    </a:p>
+                  </a:txBody>
+                  <a:tcPr marL="152400" marR="152400" marT="152400" marB="152400" anchor="ctr"/>
+                </a:tc>
+                <a:extLst>
+                  <a:ext uri="{0D108BD9-81ED-4DB2-BD59-A6C34878D82A}">
+                    <a16:rowId xmlns:a16="http://schemas.microsoft.com/office/drawing/2014/main" val="340580080"/>
+                  </a:ext>
+                </a:extLst>
+              </a:tr>
+              <a:tr h="746554">
+                <a:tc>
+                  <a:txBody>
+                    <a:bodyPr/>
+                    <a:lstStyle/>
+                    <a:p>
+                      <a:pPr marL="0" marR="0" lvl="0" indent="0" algn="l" defTabSz="914400" rtl="0" eaLnBrk="1" fontAlgn="auto" latinLnBrk="0" hangingPunct="1">
+                        <a:lnSpc>
+                          <a:spcPct val="100000"/>
+                        </a:lnSpc>
+                        <a:spcBef>
+                          <a:spcPts val="0"/>
+                        </a:spcBef>
+                        <a:spcAft>
+                          <a:spcPts val="0"/>
+                        </a:spcAft>
+                        <a:buClrTx/>
+                        <a:buSzTx/>
+                        <a:buFontTx/>
+                        <a:buNone/>
+                        <a:tabLst/>
+                        <a:defRPr/>
+                      </a:pPr>
+                      <a:r>
+                        <a:rPr lang="en-US" sz="1400" b="0" dirty="0">
+                          <a:effectLst/>
+                          <a:latin typeface="Abadi (Body)"/>
+                        </a:rPr>
+                        <a:t>4</a:t>
+                      </a:r>
+                    </a:p>
+                  </a:txBody>
+                  <a:tcPr marL="152400" marR="152400" marT="152400" marB="152400" anchor="ctr"/>
+                </a:tc>
+                <a:tc>
+                  <a:txBody>
+                    <a:bodyPr/>
+                    <a:lstStyle/>
+                    <a:p>
+                      <a:pPr marL="0" marR="0" lvl="0" indent="0" algn="l" defTabSz="914400" rtl="0" eaLnBrk="1" fontAlgn="auto" latinLnBrk="0" hangingPunct="1">
+                        <a:lnSpc>
+                          <a:spcPct val="100000"/>
+                        </a:lnSpc>
+                        <a:spcBef>
+                          <a:spcPts val="0"/>
+                        </a:spcBef>
+                        <a:spcAft>
+                          <a:spcPts val="0"/>
+                        </a:spcAft>
+                        <a:buClrTx/>
+                        <a:buSzTx/>
+                        <a:buFontTx/>
+                        <a:buNone/>
+                        <a:tabLst/>
+                        <a:defRPr/>
+                      </a:pPr>
+                      <a:r>
+                        <a:rPr lang="en-US" sz="1400" b="0" dirty="0">
+                          <a:effectLst/>
+                          <a:latin typeface="Abadi (Body)"/>
+                        </a:rPr>
+                        <a:t>Internet service</a:t>
+                      </a:r>
+                    </a:p>
+                  </a:txBody>
+                  <a:tcPr marL="152400" marR="152400" marT="152400" marB="152400" anchor="ctr"/>
+                </a:tc>
+                <a:tc>
+                  <a:txBody>
+                    <a:bodyPr/>
+                    <a:lstStyle/>
+                    <a:p>
+                      <a:pPr algn="ctr"/>
+                      <a:r>
+                        <a:rPr lang="en-US" sz="1400" b="0" dirty="0">
+                          <a:effectLst/>
+                          <a:latin typeface="Abadi (Body)"/>
+                        </a:rPr>
+                        <a:t>-</a:t>
+                      </a:r>
+                    </a:p>
+                  </a:txBody>
+                  <a:tcPr marL="152400" marR="152400" marT="152400" marB="152400" anchor="ctr"/>
+                </a:tc>
+                <a:tc>
+                  <a:txBody>
+                    <a:bodyPr/>
+                    <a:lstStyle/>
+                    <a:p>
+                      <a:r>
+                        <a:rPr lang="en-US" sz="1400" b="0" dirty="0">
+                          <a:effectLst/>
+                          <a:latin typeface="Abadi (Body)"/>
+                        </a:rPr>
+                        <a:t>Customers without internet in their package are at a higher churn risk, as competitors offer inclusive internet services, reflecting its growing importance.</a:t>
+                      </a:r>
+                    </a:p>
+                  </a:txBody>
+                  <a:tcPr marL="152400" marR="152400" marT="152400" marB="152400" anchor="ctr"/>
+                </a:tc>
+                <a:extLst>
+                  <a:ext uri="{0D108BD9-81ED-4DB2-BD59-A6C34878D82A}">
+                    <a16:rowId xmlns:a16="http://schemas.microsoft.com/office/drawing/2014/main" val="4047188243"/>
+                  </a:ext>
+                </a:extLst>
+              </a:tr>
+              <a:tr h="746554">
+                <a:tc>
+                  <a:txBody>
+                    <a:bodyPr/>
+                    <a:lstStyle/>
+                    <a:p>
+                      <a:r>
+                        <a:rPr lang="en-US" sz="1400" b="0" dirty="0">
+                          <a:effectLst/>
+                          <a:latin typeface="Abadi (Body)"/>
+                        </a:rPr>
+                        <a:t>5</a:t>
+                      </a:r>
+                    </a:p>
+                  </a:txBody>
+                  <a:tcPr marL="152400" marR="152400" marT="152400" marB="152400" anchor="ctr"/>
+                </a:tc>
+                <a:tc>
+                  <a:txBody>
+                    <a:bodyPr/>
+                    <a:lstStyle/>
+                    <a:p>
+                      <a:r>
+                        <a:rPr lang="en-US" sz="1400" b="0" dirty="0">
+                          <a:effectLst/>
+                          <a:latin typeface="Abadi (Body)"/>
+                        </a:rPr>
+                        <a:t>Payment method</a:t>
+                      </a:r>
+                      <a:br>
+                        <a:rPr lang="en-US" sz="1400" b="0" dirty="0">
+                          <a:effectLst/>
+                          <a:latin typeface="Abadi (Body)"/>
+                        </a:rPr>
+                      </a:br>
+                      <a:r>
+                        <a:rPr lang="en-US" sz="1400" b="0" dirty="0">
+                          <a:effectLst/>
+                          <a:latin typeface="Abadi (Body)"/>
+                        </a:rPr>
+                        <a:t>(electronic check)</a:t>
+                      </a:r>
+                    </a:p>
+                  </a:txBody>
+                  <a:tcPr marL="152400" marR="152400" marT="152400" marB="152400" anchor="ctr"/>
+                </a:tc>
+                <a:tc>
+                  <a:txBody>
+                    <a:bodyPr/>
+                    <a:lstStyle/>
+                    <a:p>
+                      <a:pPr algn="ctr"/>
+                      <a:r>
+                        <a:rPr lang="en-US" sz="1400" b="0" dirty="0">
+                          <a:effectLst/>
+                          <a:latin typeface="Abadi (Body)"/>
+                        </a:rPr>
+                        <a:t>-</a:t>
+                      </a:r>
+                    </a:p>
+                  </a:txBody>
+                  <a:tcPr marL="152400" marR="152400" marT="152400" marB="152400" anchor="ctr"/>
+                </a:tc>
+                <a:tc>
+                  <a:txBody>
+                    <a:bodyPr/>
+                    <a:lstStyle/>
+                    <a:p>
+                      <a:r>
+                        <a:rPr lang="en-US" sz="1400" b="0" dirty="0">
+                          <a:effectLst/>
+                          <a:latin typeface="Abadi (Body)"/>
+                        </a:rPr>
+                        <a:t>Non-users of electronic payment for bills are more likely to churn, possibly due to the inconvenience of payment, prompting a switch to other providers.</a:t>
+                      </a:r>
+                    </a:p>
+                  </a:txBody>
+                  <a:tcPr marL="152400" marR="152400" marT="152400" marB="152400" anchor="ctr"/>
+                </a:tc>
+                <a:extLst>
+                  <a:ext uri="{0D108BD9-81ED-4DB2-BD59-A6C34878D82A}">
+                    <a16:rowId xmlns:a16="http://schemas.microsoft.com/office/drawing/2014/main" val="3993279132"/>
+                  </a:ext>
+                </a:extLst>
+              </a:tr>
+            </a:tbl>
+          </a:graphicData>
+        </a:graphic>
+      </p:graphicFrame>
+      <p:sp>
+        <p:nvSpPr>
+          <p:cNvPr id="25" name="TextBox 24">
+            <a:extLst>
+              <a:ext uri="{FF2B5EF4-FFF2-40B4-BE49-F238E27FC236}">
+                <a16:creationId xmlns:a16="http://schemas.microsoft.com/office/drawing/2014/main" id="{C13F14B8-E154-44D5-88C6-A719716D6590}"/>
               </a:ext>
             </a:extLst>
           </p:cNvPr>
@@ -24912,7 +25592,7 @@
         <p:spPr>
           <a:xfrm>
             <a:off x="581710" y="1390243"/>
-            <a:ext cx="9893940" cy="2339102"/>
+            <a:ext cx="5438090" cy="400110"/>
           </a:xfrm>
           <a:prstGeom prst="rect">
             <a:avLst/>
@@ -24933,177 +25613,7 @@
                 <a:effectLst/>
                 <a:latin typeface="Abadi (Body)"/>
               </a:rPr>
-              <a:t>Conclusion</a:t>
-            </a:r>
-          </a:p>
-          <a:p>
-            <a:pPr marL="342900" indent="-342900" algn="l">
-              <a:buFont typeface="Arial" panose="020B0604020202020204" pitchFamily="34" charset="0"/>
-              <a:buChar char="•"/>
-            </a:pPr>
-            <a:r>
-              <a:rPr lang="en-US" b="0" i="0" dirty="0">
-                <a:solidFill>
-                  <a:srgbClr val="1F1F1F"/>
-                </a:solidFill>
-                <a:effectLst/>
-                <a:latin typeface="Abadi (Body)"/>
-              </a:rPr>
-              <a:t>The churn prediction model, based on the analysis of a test set comprising around 1,409 customers, has demonstrated its effectiveness in reducing customer churn significantly.</a:t>
-            </a:r>
-          </a:p>
-          <a:p>
-            <a:pPr marL="342900" indent="-342900" algn="l">
-              <a:buFont typeface="Arial" panose="020B0604020202020204" pitchFamily="34" charset="0"/>
-              <a:buChar char="•"/>
-            </a:pPr>
-            <a:r>
-              <a:rPr lang="en-US" b="0" i="0" dirty="0">
-                <a:solidFill>
-                  <a:srgbClr val="1F1F1F"/>
-                </a:solidFill>
-                <a:effectLst/>
-                <a:latin typeface="Abadi (Body)"/>
-              </a:rPr>
-              <a:t>When compared to the 'do nothing' program, which involves no proactive retention efforts, the model achieved a remarkable gain of </a:t>
-            </a:r>
-            <a:r>
-              <a:rPr lang="en-US" b="0" i="0" dirty="0">
-                <a:solidFill>
-                  <a:srgbClr val="FF0000"/>
-                </a:solidFill>
-                <a:effectLst/>
-                <a:latin typeface="Abadi (Body)"/>
-              </a:rPr>
-              <a:t>164.24%</a:t>
-            </a:r>
-            <a:r>
-              <a:rPr lang="en-US" b="0" i="0" dirty="0">
-                <a:solidFill>
-                  <a:srgbClr val="1F1F1F"/>
-                </a:solidFill>
-                <a:effectLst/>
-                <a:latin typeface="Abadi (Body)"/>
-              </a:rPr>
-              <a:t>. Additionally, in comparison to the 'retain all' program, which indiscriminately attempts to retain all customers, the model still outperformed with a gain of </a:t>
-            </a:r>
-            <a:r>
-              <a:rPr lang="en-US" dirty="0">
-                <a:solidFill>
-                  <a:srgbClr val="FF0000"/>
-                </a:solidFill>
-                <a:latin typeface="Abadi (Body)"/>
-              </a:rPr>
-              <a:t>44</a:t>
-            </a:r>
-            <a:r>
-              <a:rPr lang="en-US" b="0" i="0" dirty="0">
-                <a:solidFill>
-                  <a:srgbClr val="FF0000"/>
-                </a:solidFill>
-                <a:effectLst/>
-                <a:latin typeface="Abadi (Body)"/>
-              </a:rPr>
-              <a:t>.51%</a:t>
-            </a:r>
-            <a:r>
-              <a:rPr lang="en-US" b="0" i="0" dirty="0">
-                <a:solidFill>
-                  <a:srgbClr val="1F1F1F"/>
-                </a:solidFill>
-                <a:effectLst/>
-                <a:latin typeface="Abadi (Body)"/>
-              </a:rPr>
-              <a:t>. These results underscore the value of predictive modeling in identifying and mitigating customer churn.</a:t>
-            </a:r>
-          </a:p>
-        </p:txBody>
-      </p:sp>
-      <p:sp>
-        <p:nvSpPr>
-          <p:cNvPr id="10" name="TextBox 9">
-            <a:extLst>
-              <a:ext uri="{FF2B5EF4-FFF2-40B4-BE49-F238E27FC236}">
-                <a16:creationId xmlns:a16="http://schemas.microsoft.com/office/drawing/2014/main" id="{C11FA7D0-2D9A-4A2C-BC72-083F443421F4}"/>
-              </a:ext>
-            </a:extLst>
-          </p:cNvPr>
-          <p:cNvSpPr txBox="1"/>
-          <p:nvPr/>
-        </p:nvSpPr>
-        <p:spPr>
-          <a:xfrm>
-            <a:off x="581710" y="3961667"/>
-            <a:ext cx="9893940" cy="2062103"/>
-          </a:xfrm>
-          <a:prstGeom prst="rect">
-            <a:avLst/>
-          </a:prstGeom>
-        </p:spPr>
-        <p:txBody>
-          <a:bodyPr wrap="square" rtlCol="0">
-            <a:spAutoFit/>
-          </a:bodyPr>
-          <a:lstStyle/>
-          <a:p>
-            <a:pPr algn="l"/>
-            <a:r>
-              <a:rPr lang="en-US" sz="2000" b="1" i="0" dirty="0">
-                <a:solidFill>
-                  <a:srgbClr val="1F1F1F"/>
-                </a:solidFill>
-                <a:effectLst/>
-                <a:latin typeface="Abadi (Body)"/>
-              </a:rPr>
-              <a:t>Recommendation</a:t>
-            </a:r>
-          </a:p>
-          <a:p>
-            <a:pPr marL="342900" indent="-342900" algn="l">
-              <a:buFont typeface="Arial" panose="020B0604020202020204" pitchFamily="34" charset="0"/>
-              <a:buChar char="•"/>
-            </a:pPr>
-            <a:r>
-              <a:rPr lang="en-US" b="0" i="0" dirty="0">
-                <a:solidFill>
-                  <a:srgbClr val="1F1F1F"/>
-                </a:solidFill>
-                <a:effectLst/>
-                <a:latin typeface="Abadi (Body)"/>
-              </a:rPr>
-              <a:t>Implement the churn prediction model as a core part of your customer retention strategy to identify at-risk customers.</a:t>
-            </a:r>
-          </a:p>
-          <a:p>
-            <a:pPr marL="342900" indent="-342900" algn="l">
-              <a:buFont typeface="Arial" panose="020B0604020202020204" pitchFamily="34" charset="0"/>
-              <a:buChar char="•"/>
-            </a:pPr>
-            <a:r>
-              <a:rPr lang="en-US" b="0" i="0" dirty="0">
-                <a:solidFill>
-                  <a:srgbClr val="1F1F1F"/>
-                </a:solidFill>
-                <a:effectLst/>
-                <a:latin typeface="Abadi (Body)"/>
-              </a:rPr>
-              <a:t>Develop personalized retention strategies based on the model's insights to optimize resource allocation.</a:t>
-            </a:r>
-          </a:p>
-          <a:p>
-            <a:pPr marL="342900" indent="-342900" algn="l">
-              <a:buFont typeface="Arial" panose="020B0604020202020204" pitchFamily="34" charset="0"/>
-              <a:buChar char="•"/>
-            </a:pPr>
-            <a:r>
-              <a:rPr lang="en-US" b="0" i="0" dirty="0">
-                <a:solidFill>
-                  <a:srgbClr val="1F1F1F"/>
-                </a:solidFill>
-                <a:effectLst/>
-                <a:latin typeface="Abadi (Body)"/>
-              </a:rPr>
-              <a:t>Regularly monitor and improve the churn prediction model to ensure its accuracy and effectiveness over time.</a:t>
+              <a:t>Feature importance</a:t>
             </a:r>
           </a:p>
         </p:txBody>
@@ -25111,7 +25621,7 @@
     </p:spTree>
     <p:extLst>
       <p:ext uri="{BB962C8B-B14F-4D97-AF65-F5344CB8AC3E}">
-        <p14:creationId xmlns:p14="http://schemas.microsoft.com/office/powerpoint/2010/main" val="2657339354"/>
+        <p14:creationId xmlns:p14="http://schemas.microsoft.com/office/powerpoint/2010/main" val="2414579764"/>
       </p:ext>
     </p:extLst>
   </p:cSld>
@@ -25173,6 +25683,44 @@
                 <a:srgbClr val="1F1F1F"/>
               </a:solidFill>
             </a:endParaRPr>
+          </a:p>
+        </p:txBody>
+      </p:sp>
+      <p:sp>
+        <p:nvSpPr>
+          <p:cNvPr id="12" name="Title 11">
+            <a:extLst>
+              <a:ext uri="{FF2B5EF4-FFF2-40B4-BE49-F238E27FC236}">
+                <a16:creationId xmlns:a16="http://schemas.microsoft.com/office/drawing/2014/main" id="{C13DFCA2-73A5-40AB-BC3B-D2112116B16B}"/>
+              </a:ext>
+            </a:extLst>
+          </p:cNvPr>
+          <p:cNvSpPr>
+            <a:spLocks noGrp="1"/>
+          </p:cNvSpPr>
+          <p:nvPr>
+            <p:ph type="title"/>
+          </p:nvPr>
+        </p:nvSpPr>
+        <p:spPr>
+          <a:xfrm>
+            <a:off x="581709" y="274955"/>
+            <a:ext cx="9805165" cy="673368"/>
+          </a:xfrm>
+        </p:spPr>
+        <p:txBody>
+          <a:bodyPr/>
+          <a:lstStyle/>
+          <a:p>
+            <a:r>
+              <a:rPr lang="en-US" dirty="0">
+                <a:solidFill>
+                  <a:srgbClr val="1F1F1F"/>
+                </a:solidFill>
+                <a:latin typeface="Abadi (Body)"/>
+              </a:rPr>
+              <a:t>5. CONCLUSIONS/RECOMMENDATIONS</a:t>
+            </a:r>
           </a:p>
         </p:txBody>
       </p:sp>
@@ -25470,6 +26018,577 @@
       </p:sp>
       <p:sp>
         <p:nvSpPr>
+          <p:cNvPr id="8" name="TextBox 7">
+            <a:extLst>
+              <a:ext uri="{FF2B5EF4-FFF2-40B4-BE49-F238E27FC236}">
+                <a16:creationId xmlns:a16="http://schemas.microsoft.com/office/drawing/2014/main" id="{F936A67B-AA83-409A-A6A4-7956ACD5A92B}"/>
+              </a:ext>
+            </a:extLst>
+          </p:cNvPr>
+          <p:cNvSpPr txBox="1"/>
+          <p:nvPr/>
+        </p:nvSpPr>
+        <p:spPr>
+          <a:xfrm>
+            <a:off x="581710" y="1390243"/>
+            <a:ext cx="9893940" cy="2339102"/>
+          </a:xfrm>
+          <a:prstGeom prst="rect">
+            <a:avLst/>
+          </a:prstGeom>
+        </p:spPr>
+        <p:txBody>
+          <a:bodyPr wrap="square" rtlCol="0">
+            <a:spAutoFit/>
+          </a:bodyPr>
+          <a:lstStyle/>
+          <a:p>
+            <a:pPr algn="l"/>
+            <a:r>
+              <a:rPr lang="en-US" sz="2000" b="1" i="0" dirty="0">
+                <a:solidFill>
+                  <a:srgbClr val="1F1F1F"/>
+                </a:solidFill>
+                <a:effectLst/>
+                <a:latin typeface="Abadi (Body)"/>
+              </a:rPr>
+              <a:t>Conclusion</a:t>
+            </a:r>
+          </a:p>
+          <a:p>
+            <a:pPr marL="342900" indent="-342900" algn="l">
+              <a:buFont typeface="Arial" panose="020B0604020202020204" pitchFamily="34" charset="0"/>
+              <a:buChar char="•"/>
+            </a:pPr>
+            <a:r>
+              <a:rPr lang="en-US" b="0" i="0" dirty="0">
+                <a:solidFill>
+                  <a:srgbClr val="1F1F1F"/>
+                </a:solidFill>
+                <a:effectLst/>
+                <a:latin typeface="Abadi (Body)"/>
+              </a:rPr>
+              <a:t>The churn prediction model, based on the analysis of a test set comprising around 1,409 customers, has demonstrated its effectiveness in reducing customer churn significantly.</a:t>
+            </a:r>
+          </a:p>
+          <a:p>
+            <a:pPr marL="342900" indent="-342900" algn="l">
+              <a:buFont typeface="Arial" panose="020B0604020202020204" pitchFamily="34" charset="0"/>
+              <a:buChar char="•"/>
+            </a:pPr>
+            <a:r>
+              <a:rPr lang="en-US" b="0" i="0" dirty="0">
+                <a:solidFill>
+                  <a:srgbClr val="1F1F1F"/>
+                </a:solidFill>
+                <a:effectLst/>
+                <a:latin typeface="Abadi (Body)"/>
+              </a:rPr>
+              <a:t>When compared to the 'do nothing' program, which involves no proactive retention efforts, the model achieved a remarkable gain of </a:t>
+            </a:r>
+            <a:r>
+              <a:rPr lang="en-US" b="0" i="0" dirty="0">
+                <a:solidFill>
+                  <a:srgbClr val="FF0000"/>
+                </a:solidFill>
+                <a:effectLst/>
+                <a:latin typeface="Abadi (Body)"/>
+              </a:rPr>
+              <a:t>164.24%</a:t>
+            </a:r>
+            <a:r>
+              <a:rPr lang="en-US" b="0" i="0" dirty="0">
+                <a:solidFill>
+                  <a:srgbClr val="1F1F1F"/>
+                </a:solidFill>
+                <a:effectLst/>
+                <a:latin typeface="Abadi (Body)"/>
+              </a:rPr>
+              <a:t>. Additionally, in comparison to the 'retain all' program, which indiscriminately attempts to retain all customers, the model still outperformed with a gain of </a:t>
+            </a:r>
+            <a:r>
+              <a:rPr lang="en-US" dirty="0">
+                <a:solidFill>
+                  <a:srgbClr val="FF0000"/>
+                </a:solidFill>
+                <a:latin typeface="Abadi (Body)"/>
+              </a:rPr>
+              <a:t>44</a:t>
+            </a:r>
+            <a:r>
+              <a:rPr lang="en-US" b="0" i="0" dirty="0">
+                <a:solidFill>
+                  <a:srgbClr val="FF0000"/>
+                </a:solidFill>
+                <a:effectLst/>
+                <a:latin typeface="Abadi (Body)"/>
+              </a:rPr>
+              <a:t>.51%</a:t>
+            </a:r>
+            <a:r>
+              <a:rPr lang="en-US" b="0" i="0" dirty="0">
+                <a:solidFill>
+                  <a:srgbClr val="1F1F1F"/>
+                </a:solidFill>
+                <a:effectLst/>
+                <a:latin typeface="Abadi (Body)"/>
+              </a:rPr>
+              <a:t>. These results underscore the value of predictive modeling in identifying and mitigating customer churn.</a:t>
+            </a:r>
+          </a:p>
+        </p:txBody>
+      </p:sp>
+      <p:sp>
+        <p:nvSpPr>
+          <p:cNvPr id="10" name="TextBox 9">
+            <a:extLst>
+              <a:ext uri="{FF2B5EF4-FFF2-40B4-BE49-F238E27FC236}">
+                <a16:creationId xmlns:a16="http://schemas.microsoft.com/office/drawing/2014/main" id="{C11FA7D0-2D9A-4A2C-BC72-083F443421F4}"/>
+              </a:ext>
+            </a:extLst>
+          </p:cNvPr>
+          <p:cNvSpPr txBox="1"/>
+          <p:nvPr/>
+        </p:nvSpPr>
+        <p:spPr>
+          <a:xfrm>
+            <a:off x="581710" y="3961667"/>
+            <a:ext cx="9893940" cy="2062103"/>
+          </a:xfrm>
+          <a:prstGeom prst="rect">
+            <a:avLst/>
+          </a:prstGeom>
+        </p:spPr>
+        <p:txBody>
+          <a:bodyPr wrap="square" rtlCol="0">
+            <a:spAutoFit/>
+          </a:bodyPr>
+          <a:lstStyle/>
+          <a:p>
+            <a:pPr algn="l"/>
+            <a:r>
+              <a:rPr lang="en-US" sz="2000" b="1" i="0" dirty="0">
+                <a:solidFill>
+                  <a:srgbClr val="1F1F1F"/>
+                </a:solidFill>
+                <a:effectLst/>
+                <a:latin typeface="Abadi (Body)"/>
+              </a:rPr>
+              <a:t>Recommendation</a:t>
+            </a:r>
+          </a:p>
+          <a:p>
+            <a:pPr marL="342900" indent="-342900" algn="l">
+              <a:buFont typeface="Arial" panose="020B0604020202020204" pitchFamily="34" charset="0"/>
+              <a:buChar char="•"/>
+            </a:pPr>
+            <a:r>
+              <a:rPr lang="en-US" b="0" i="0" dirty="0">
+                <a:solidFill>
+                  <a:srgbClr val="1F1F1F"/>
+                </a:solidFill>
+                <a:effectLst/>
+                <a:latin typeface="Abadi (Body)"/>
+              </a:rPr>
+              <a:t>Implement the churn prediction model as a core part of your customer retention strategy to identify at-risk customers.</a:t>
+            </a:r>
+          </a:p>
+          <a:p>
+            <a:pPr marL="342900" indent="-342900" algn="l">
+              <a:buFont typeface="Arial" panose="020B0604020202020204" pitchFamily="34" charset="0"/>
+              <a:buChar char="•"/>
+            </a:pPr>
+            <a:r>
+              <a:rPr lang="en-US" b="0" i="0" dirty="0">
+                <a:solidFill>
+                  <a:srgbClr val="1F1F1F"/>
+                </a:solidFill>
+                <a:effectLst/>
+                <a:latin typeface="Abadi (Body)"/>
+              </a:rPr>
+              <a:t>Develop personalized retention strategies based on the model's insights to optimize resource allocation.</a:t>
+            </a:r>
+          </a:p>
+          <a:p>
+            <a:pPr marL="342900" indent="-342900" algn="l">
+              <a:buFont typeface="Arial" panose="020B0604020202020204" pitchFamily="34" charset="0"/>
+              <a:buChar char="•"/>
+            </a:pPr>
+            <a:r>
+              <a:rPr lang="en-US" b="0" i="0" dirty="0">
+                <a:solidFill>
+                  <a:srgbClr val="1F1F1F"/>
+                </a:solidFill>
+                <a:effectLst/>
+                <a:latin typeface="Abadi (Body)"/>
+              </a:rPr>
+              <a:t>Regularly monitor and improve the churn prediction model to ensure its accuracy and effectiveness over time.</a:t>
+            </a:r>
+          </a:p>
+        </p:txBody>
+      </p:sp>
+    </p:spTree>
+    <p:extLst>
+      <p:ext uri="{BB962C8B-B14F-4D97-AF65-F5344CB8AC3E}">
+        <p14:creationId xmlns:p14="http://schemas.microsoft.com/office/powerpoint/2010/main" val="2657339354"/>
+      </p:ext>
+    </p:extLst>
+  </p:cSld>
+  <p:clrMapOvr>
+    <a:masterClrMapping/>
+  </p:clrMapOvr>
+</p:sld>
+</file>
+
+<file path=ppt/slides/slide12.xml><?xml version="1.0" encoding="utf-8"?>
+<p:sld xmlns:a="http://schemas.openxmlformats.org/drawingml/2006/main" xmlns:r="http://schemas.openxmlformats.org/officeDocument/2006/relationships" xmlns:p="http://schemas.openxmlformats.org/presentationml/2006/main">
+  <p:cSld>
+    <p:spTree>
+      <p:nvGrpSpPr>
+        <p:cNvPr id="1" name=""/>
+        <p:cNvGrpSpPr/>
+        <p:nvPr/>
+      </p:nvGrpSpPr>
+      <p:grpSpPr>
+        <a:xfrm>
+          <a:off x="0" y="0"/>
+          <a:ext cx="0" cy="0"/>
+          <a:chOff x="0" y="0"/>
+          <a:chExt cx="0" cy="0"/>
+        </a:xfrm>
+      </p:grpSpPr>
+      <p:sp>
+        <p:nvSpPr>
+          <p:cNvPr id="7" name="Slide Number Placeholder 6">
+            <a:extLst>
+              <a:ext uri="{FF2B5EF4-FFF2-40B4-BE49-F238E27FC236}">
+                <a16:creationId xmlns:a16="http://schemas.microsoft.com/office/drawing/2014/main" id="{8EA25C86-7BE3-4BC6-C0B8-7F7D7C3EC286}"/>
+              </a:ext>
+            </a:extLst>
+          </p:cNvPr>
+          <p:cNvSpPr>
+            <a:spLocks noGrp="1"/>
+          </p:cNvSpPr>
+          <p:nvPr>
+            <p:ph type="sldNum" sz="quarter" idx="29"/>
+          </p:nvPr>
+        </p:nvSpPr>
+        <p:spPr/>
+        <p:txBody>
+          <a:bodyPr/>
+          <a:lstStyle/>
+          <a:p>
+            <a:fld id="{47FEACEE-25B4-4A2D-B147-27296E36371D}" type="slidenum">
+              <a:rPr lang="en-US" altLang="zh-CN" smtClean="0">
+                <a:solidFill>
+                  <a:srgbClr val="1F1F1F"/>
+                </a:solidFill>
+              </a:rPr>
+              <a:pPr/>
+              <a:t>12</a:t>
+            </a:fld>
+            <a:endParaRPr lang="en-US" altLang="zh-CN" dirty="0">
+              <a:solidFill>
+                <a:srgbClr val="1F1F1F"/>
+              </a:solidFill>
+            </a:endParaRPr>
+          </a:p>
+        </p:txBody>
+      </p:sp>
+      <p:sp>
+        <p:nvSpPr>
+          <p:cNvPr id="16" name="Rectangle 15">
+            <a:extLst>
+              <a:ext uri="{FF2B5EF4-FFF2-40B4-BE49-F238E27FC236}">
+                <a16:creationId xmlns:a16="http://schemas.microsoft.com/office/drawing/2014/main" id="{B04CA16E-B9F2-4674-9F30-FFB20D731855}"/>
+              </a:ext>
+            </a:extLst>
+          </p:cNvPr>
+          <p:cNvSpPr/>
+          <p:nvPr/>
+        </p:nvSpPr>
+        <p:spPr>
+          <a:xfrm>
+            <a:off x="670486" y="994296"/>
+            <a:ext cx="6733490" cy="75463"/>
+          </a:xfrm>
+          <a:prstGeom prst="rect">
+            <a:avLst/>
+          </a:prstGeom>
+          <a:gradFill flip="none" rotWithShape="1">
+            <a:gsLst>
+              <a:gs pos="0">
+                <a:schemeClr val="accent4">
+                  <a:tint val="66000"/>
+                  <a:satMod val="160000"/>
+                </a:schemeClr>
+              </a:gs>
+              <a:gs pos="29000">
+                <a:schemeClr val="accent4">
+                  <a:tint val="44500"/>
+                  <a:satMod val="160000"/>
+                </a:schemeClr>
+              </a:gs>
+              <a:gs pos="95575">
+                <a:srgbClr val="F8F6F5"/>
+              </a:gs>
+              <a:gs pos="55000">
+                <a:schemeClr val="accent4">
+                  <a:tint val="23500"/>
+                  <a:satMod val="160000"/>
+                </a:schemeClr>
+              </a:gs>
+            </a:gsLst>
+            <a:path path="circle">
+              <a:fillToRect t="100000" r="100000"/>
+            </a:path>
+            <a:tileRect l="-100000" b="-100000"/>
+          </a:gradFill>
+          <a:ln>
+            <a:noFill/>
+          </a:ln>
+        </p:spPr>
+        <p:style>
+          <a:lnRef idx="2">
+            <a:schemeClr val="accent4">
+              <a:shade val="50000"/>
+            </a:schemeClr>
+          </a:lnRef>
+          <a:fillRef idx="1">
+            <a:schemeClr val="accent4"/>
+          </a:fillRef>
+          <a:effectRef idx="0">
+            <a:schemeClr val="accent4"/>
+          </a:effectRef>
+          <a:fontRef idx="minor">
+            <a:schemeClr val="lt1"/>
+          </a:fontRef>
+        </p:style>
+        <p:txBody>
+          <a:bodyPr rtlCol="0" anchor="ctr"/>
+          <a:lstStyle/>
+          <a:p>
+            <a:pPr algn="ctr"/>
+            <a:endParaRPr lang="en-US" dirty="0"/>
+          </a:p>
+        </p:txBody>
+      </p:sp>
+      <p:sp>
+        <p:nvSpPr>
+          <p:cNvPr id="11" name="Footer Placeholder 4">
+            <a:extLst>
+              <a:ext uri="{FF2B5EF4-FFF2-40B4-BE49-F238E27FC236}">
+                <a16:creationId xmlns:a16="http://schemas.microsoft.com/office/drawing/2014/main" id="{AC203E99-9D2D-42B0-AC30-85691E499597}"/>
+              </a:ext>
+            </a:extLst>
+          </p:cNvPr>
+          <p:cNvSpPr txBox="1">
+            <a:spLocks/>
+          </p:cNvSpPr>
+          <p:nvPr/>
+        </p:nvSpPr>
+        <p:spPr>
+          <a:xfrm>
+            <a:off x="8620218" y="6256093"/>
+            <a:ext cx="2573952" cy="288777"/>
+          </a:xfrm>
+          <a:prstGeom prst="rect">
+            <a:avLst/>
+          </a:prstGeom>
+        </p:spPr>
+        <p:txBody>
+          <a:bodyPr vert="horz" lIns="91440" tIns="45720" rIns="91440" bIns="45720" rtlCol="0">
+            <a:noAutofit/>
+          </a:bodyPr>
+          <a:lstStyle>
+            <a:lvl1pPr marL="228600" indent="-228600" algn="l" defTabSz="914400" rtl="0" eaLnBrk="1" latinLnBrk="0" hangingPunct="1">
+              <a:lnSpc>
+                <a:spcPct val="100000"/>
+              </a:lnSpc>
+              <a:spcBef>
+                <a:spcPts val="0"/>
+              </a:spcBef>
+              <a:spcAft>
+                <a:spcPts val="600"/>
+              </a:spcAft>
+              <a:buFont typeface="Arial" panose="020B0604020202020204" pitchFamily="34" charset="0"/>
+              <a:buChar char="•"/>
+              <a:defRPr sz="1400" b="0" kern="1200">
+                <a:solidFill>
+                  <a:schemeClr val="accent6"/>
+                </a:solidFill>
+                <a:latin typeface="+mn-lt"/>
+                <a:ea typeface="+mn-ea"/>
+                <a:cs typeface="+mn-cs"/>
+              </a:defRPr>
+            </a:lvl1pPr>
+            <a:lvl2pPr marL="685800" indent="-228600" algn="l" defTabSz="914400" rtl="0" eaLnBrk="1" latinLnBrk="0" hangingPunct="1">
+              <a:lnSpc>
+                <a:spcPct val="90000"/>
+              </a:lnSpc>
+              <a:spcBef>
+                <a:spcPts val="500"/>
+              </a:spcBef>
+              <a:buFont typeface="Arial" panose="020B0604020202020204" pitchFamily="34" charset="0"/>
+              <a:buChar char="•"/>
+              <a:defRPr sz="1000" kern="1200">
+                <a:solidFill>
+                  <a:schemeClr val="accent6"/>
+                </a:solidFill>
+                <a:latin typeface="+mn-lt"/>
+                <a:ea typeface="+mn-ea"/>
+                <a:cs typeface="+mn-cs"/>
+              </a:defRPr>
+            </a:lvl2pPr>
+            <a:lvl3pPr marL="1143000" indent="-228600" algn="l" defTabSz="914400" rtl="0" eaLnBrk="1" latinLnBrk="0" hangingPunct="1">
+              <a:lnSpc>
+                <a:spcPct val="90000"/>
+              </a:lnSpc>
+              <a:spcBef>
+                <a:spcPts val="500"/>
+              </a:spcBef>
+              <a:buFont typeface="Arial" panose="020B0604020202020204" pitchFamily="34" charset="0"/>
+              <a:buChar char="•"/>
+              <a:defRPr sz="900" kern="1200">
+                <a:solidFill>
+                  <a:schemeClr val="accent6"/>
+                </a:solidFill>
+                <a:latin typeface="+mn-lt"/>
+                <a:ea typeface="+mn-ea"/>
+                <a:cs typeface="+mn-cs"/>
+              </a:defRPr>
+            </a:lvl3pPr>
+            <a:lvl4pPr marL="1600200" indent="-228600" algn="l" defTabSz="914400" rtl="0" eaLnBrk="1" latinLnBrk="0" hangingPunct="1">
+              <a:lnSpc>
+                <a:spcPct val="90000"/>
+              </a:lnSpc>
+              <a:spcBef>
+                <a:spcPts val="500"/>
+              </a:spcBef>
+              <a:buFont typeface="Arial" panose="020B0604020202020204" pitchFamily="34" charset="0"/>
+              <a:buChar char="•"/>
+              <a:defRPr sz="800" kern="1200">
+                <a:solidFill>
+                  <a:schemeClr val="accent6"/>
+                </a:solidFill>
+                <a:latin typeface="+mn-lt"/>
+                <a:ea typeface="+mn-ea"/>
+                <a:cs typeface="+mn-cs"/>
+              </a:defRPr>
+            </a:lvl4pPr>
+            <a:lvl5pPr marL="2057400" indent="-228600" algn="l" defTabSz="914400" rtl="0" eaLnBrk="1" latinLnBrk="0" hangingPunct="1">
+              <a:lnSpc>
+                <a:spcPct val="90000"/>
+              </a:lnSpc>
+              <a:spcBef>
+                <a:spcPts val="500"/>
+              </a:spcBef>
+              <a:buFont typeface="Arial" panose="020B0604020202020204" pitchFamily="34" charset="0"/>
+              <a:buChar char="•"/>
+              <a:defRPr sz="800" kern="1200">
+                <a:solidFill>
+                  <a:schemeClr val="accent6"/>
+                </a:solidFill>
+                <a:latin typeface="+mn-lt"/>
+                <a:ea typeface="+mn-ea"/>
+                <a:cs typeface="+mn-cs"/>
+              </a:defRPr>
+            </a:lvl5pPr>
+            <a:lvl6pPr marL="2514600" indent="-228600" algn="l" defTabSz="914400" rtl="0" eaLnBrk="1" latinLnBrk="0" hangingPunct="1">
+              <a:lnSpc>
+                <a:spcPct val="90000"/>
+              </a:lnSpc>
+              <a:spcBef>
+                <a:spcPts val="500"/>
+              </a:spcBef>
+              <a:buFont typeface="Arial" panose="020B0604020202020204" pitchFamily="34" charset="0"/>
+              <a:buChar char="•"/>
+              <a:defRPr sz="1800" kern="1200">
+                <a:solidFill>
+                  <a:schemeClr val="tx1"/>
+                </a:solidFill>
+                <a:latin typeface="+mn-lt"/>
+                <a:ea typeface="+mn-ea"/>
+                <a:cs typeface="+mn-cs"/>
+              </a:defRPr>
+            </a:lvl6pPr>
+            <a:lvl7pPr marL="2971800" indent="-228600" algn="l" defTabSz="914400" rtl="0" eaLnBrk="1" latinLnBrk="0" hangingPunct="1">
+              <a:lnSpc>
+                <a:spcPct val="90000"/>
+              </a:lnSpc>
+              <a:spcBef>
+                <a:spcPts val="500"/>
+              </a:spcBef>
+              <a:buFont typeface="Arial" panose="020B0604020202020204" pitchFamily="34" charset="0"/>
+              <a:buChar char="•"/>
+              <a:defRPr sz="1800" kern="1200">
+                <a:solidFill>
+                  <a:schemeClr val="tx1"/>
+                </a:solidFill>
+                <a:latin typeface="+mn-lt"/>
+                <a:ea typeface="+mn-ea"/>
+                <a:cs typeface="+mn-cs"/>
+              </a:defRPr>
+            </a:lvl7pPr>
+            <a:lvl8pPr marL="3429000" indent="-228600" algn="l" defTabSz="914400" rtl="0" eaLnBrk="1" latinLnBrk="0" hangingPunct="1">
+              <a:lnSpc>
+                <a:spcPct val="90000"/>
+              </a:lnSpc>
+              <a:spcBef>
+                <a:spcPts val="500"/>
+              </a:spcBef>
+              <a:buFont typeface="Arial" panose="020B0604020202020204" pitchFamily="34" charset="0"/>
+              <a:buChar char="•"/>
+              <a:defRPr sz="1800" kern="1200">
+                <a:solidFill>
+                  <a:schemeClr val="tx1"/>
+                </a:solidFill>
+                <a:latin typeface="+mn-lt"/>
+                <a:ea typeface="+mn-ea"/>
+                <a:cs typeface="+mn-cs"/>
+              </a:defRPr>
+            </a:lvl8pPr>
+            <a:lvl9pPr marL="3886200" indent="-228600" algn="l" defTabSz="914400" rtl="0" eaLnBrk="1" latinLnBrk="0" hangingPunct="1">
+              <a:lnSpc>
+                <a:spcPct val="90000"/>
+              </a:lnSpc>
+              <a:spcBef>
+                <a:spcPts val="500"/>
+              </a:spcBef>
+              <a:buFont typeface="Arial" panose="020B0604020202020204" pitchFamily="34" charset="0"/>
+              <a:buChar char="•"/>
+              <a:defRPr sz="1800" kern="1200">
+                <a:solidFill>
+                  <a:schemeClr val="tx1"/>
+                </a:solidFill>
+                <a:latin typeface="+mn-lt"/>
+                <a:ea typeface="+mn-ea"/>
+                <a:cs typeface="+mn-cs"/>
+              </a:defRPr>
+            </a:lvl9pPr>
+          </a:lstStyle>
+          <a:p>
+            <a:pPr marL="0" indent="0">
+              <a:buNone/>
+            </a:pPr>
+            <a:r>
+              <a:rPr lang="en-US" altLang="zh-CN" sz="1200" dirty="0">
+                <a:solidFill>
+                  <a:srgbClr val="1F1F1F"/>
+                </a:solidFill>
+              </a:rPr>
+              <a:t>TELCO CHURN PREDICTION MODEL</a:t>
+            </a:r>
+            <a:endParaRPr lang="en-US" dirty="0">
+              <a:solidFill>
+                <a:srgbClr val="1F1F1F"/>
+              </a:solidFill>
+            </a:endParaRPr>
+          </a:p>
+        </p:txBody>
+      </p:sp>
+      <p:sp>
+        <p:nvSpPr>
           <p:cNvPr id="10" name="Title 11">
             <a:extLst>
               <a:ext uri="{FF2B5EF4-FFF2-40B4-BE49-F238E27FC236}">
@@ -25632,7 +26751,7 @@
 </p:sld>
 </file>
 
-<file path=ppt/slides/slide12.xml><?xml version="1.0" encoding="utf-8"?>
+<file path=ppt/slides/slide13.xml><?xml version="1.0" encoding="utf-8"?>
 <p:sld xmlns:a="http://schemas.openxmlformats.org/drawingml/2006/main" xmlns:r="http://schemas.openxmlformats.org/officeDocument/2006/relationships" xmlns:p="http://schemas.openxmlformats.org/presentationml/2006/main">
   <p:cSld>
     <p:spTree>
@@ -25746,7 +26865,7 @@
                 </a:solidFill>
               </a:rPr>
               <a:pPr/>
-              <a:t>12</a:t>
+              <a:t>13</a:t>
             </a:fld>
             <a:endParaRPr lang="en-US" altLang="zh-CN" dirty="0">
               <a:solidFill>
@@ -25983,7 +27102,7 @@
 </p:sld>
 </file>
 
-<file path=ppt/slides/slide13.xml><?xml version="1.0" encoding="utf-8"?>
+<file path=ppt/slides/slide14.xml><?xml version="1.0" encoding="utf-8"?>
 <p:sld xmlns:a="http://schemas.openxmlformats.org/drawingml/2006/main" xmlns:r="http://schemas.openxmlformats.org/officeDocument/2006/relationships" xmlns:p="http://schemas.openxmlformats.org/presentationml/2006/main">
   <p:cSld>
     <p:spTree>
@@ -26028,7 +27147,7 @@
                 </a:solidFill>
               </a:rPr>
               <a:pPr/>
-              <a:t>13</a:t>
+              <a:t>14</a:t>
             </a:fld>
             <a:endParaRPr lang="en-US" altLang="zh-CN" dirty="0">
               <a:solidFill>
@@ -27055,7 +28174,7 @@
 </p:sld>
 </file>
 
-<file path=ppt/slides/slide14.xml><?xml version="1.0" encoding="utf-8"?>
+<file path=ppt/slides/slide15.xml><?xml version="1.0" encoding="utf-8"?>
 <p:sld xmlns:a="http://schemas.openxmlformats.org/drawingml/2006/main" xmlns:r="http://schemas.openxmlformats.org/officeDocument/2006/relationships" xmlns:p="http://schemas.openxmlformats.org/presentationml/2006/main">
   <p:cSld>
     <p:spTree>
@@ -27100,7 +28219,7 @@
                 </a:solidFill>
               </a:rPr>
               <a:pPr/>
-              <a:t>14</a:t>
+              <a:t>15</a:t>
             </a:fld>
             <a:endParaRPr lang="en-US" altLang="zh-CN" dirty="0">
               <a:solidFill>
@@ -27646,7 +28765,7 @@
 </p:sld>
 </file>
 
-<file path=ppt/slides/slide15.xml><?xml version="1.0" encoding="utf-8"?>
+<file path=ppt/slides/slide16.xml><?xml version="1.0" encoding="utf-8"?>
 <p:sld xmlns:a="http://schemas.openxmlformats.org/drawingml/2006/main" xmlns:r="http://schemas.openxmlformats.org/officeDocument/2006/relationships" xmlns:p="http://schemas.openxmlformats.org/presentationml/2006/main">
   <p:cSld>
     <p:spTree>
@@ -27691,7 +28810,7 @@
                 </a:solidFill>
               </a:rPr>
               <a:pPr/>
-              <a:t>15</a:t>
+              <a:t>16</a:t>
             </a:fld>
             <a:endParaRPr lang="en-US" altLang="zh-CN" dirty="0">
               <a:solidFill>
@@ -28619,7 +29738,7 @@
 </p:sld>
 </file>
 
-<file path=ppt/slides/slide16.xml><?xml version="1.0" encoding="utf-8"?>
+<file path=ppt/slides/slide17.xml><?xml version="1.0" encoding="utf-8"?>
 <p:sld xmlns:a="http://schemas.openxmlformats.org/drawingml/2006/main" xmlns:r="http://schemas.openxmlformats.org/officeDocument/2006/relationships" xmlns:p="http://schemas.openxmlformats.org/presentationml/2006/main">
   <p:cSld>
     <p:spTree>
@@ -28664,7 +29783,7 @@
                 </a:solidFill>
               </a:rPr>
               <a:pPr/>
-              <a:t>16</a:t>
+              <a:t>17</a:t>
             </a:fld>
             <a:endParaRPr lang="en-US" altLang="zh-CN" dirty="0">
               <a:solidFill>
@@ -29311,7 +30430,7 @@
 </p:sld>
 </file>
 
-<file path=ppt/slides/slide17.xml><?xml version="1.0" encoding="utf-8"?>
+<file path=ppt/slides/slide18.xml><?xml version="1.0" encoding="utf-8"?>
 <p:sld xmlns:a="http://schemas.openxmlformats.org/drawingml/2006/main" xmlns:r="http://schemas.openxmlformats.org/officeDocument/2006/relationships" xmlns:p="http://schemas.openxmlformats.org/presentationml/2006/main">
   <p:cSld>
     <p:spTree>
@@ -29352,7 +30471,7 @@
             <a:fld id="{47FEACEE-25B4-4A2D-B147-27296E36371D}" type="slidenum">
               <a:rPr lang="en-US" altLang="zh-CN" smtClean="0"/>
               <a:pPr/>
-              <a:t>17</a:t>
+              <a:t>18</a:t>
             </a:fld>
             <a:endParaRPr lang="en-US" altLang="zh-CN" dirty="0"/>
           </a:p>
@@ -29894,7 +31013,7 @@
 </p:sld>
 </file>
 
-<file path=ppt/slides/slide18.xml><?xml version="1.0" encoding="utf-8"?>
+<file path=ppt/slides/slide19.xml><?xml version="1.0" encoding="utf-8"?>
 <p:sld xmlns:a="http://schemas.openxmlformats.org/drawingml/2006/main" xmlns:r="http://schemas.openxmlformats.org/officeDocument/2006/relationships" xmlns:p="http://schemas.openxmlformats.org/presentationml/2006/main">
   <p:cSld>
     <p:spTree>
@@ -29939,7 +31058,7 @@
                 </a:solidFill>
               </a:rPr>
               <a:pPr/>
-              <a:t>18</a:t>
+              <a:t>19</a:t>
             </a:fld>
             <a:endParaRPr lang="en-US" altLang="zh-CN" dirty="0">
               <a:solidFill>
@@ -30601,7 +31720,7 @@
 </p:sld>
 </file>
 
-<file path=ppt/slides/slide19.xml><?xml version="1.0" encoding="utf-8"?>
+<file path=ppt/slides/slide2.xml><?xml version="1.0" encoding="utf-8"?>
 <p:sld xmlns:a="http://schemas.openxmlformats.org/drawingml/2006/main" xmlns:r="http://schemas.openxmlformats.org/officeDocument/2006/relationships" xmlns:p="http://schemas.openxmlformats.org/presentationml/2006/main">
   <p:cSld>
     <p:spTree>
@@ -30620,6 +31739,1100 @@
       </p:grpSpPr>
       <p:sp>
         <p:nvSpPr>
+          <p:cNvPr id="12" name="Title 11">
+            <a:extLst>
+              <a:ext uri="{FF2B5EF4-FFF2-40B4-BE49-F238E27FC236}">
+                <a16:creationId xmlns:a16="http://schemas.microsoft.com/office/drawing/2014/main" id="{C13DFCA2-73A5-40AB-BC3B-D2112116B16B}"/>
+              </a:ext>
+            </a:extLst>
+          </p:cNvPr>
+          <p:cNvSpPr>
+            <a:spLocks noGrp="1"/>
+          </p:cNvSpPr>
+          <p:nvPr>
+            <p:ph type="title"/>
+          </p:nvPr>
+        </p:nvSpPr>
+        <p:spPr>
+          <a:xfrm>
+            <a:off x="581709" y="274954"/>
+            <a:ext cx="8894800" cy="677005"/>
+          </a:xfrm>
+        </p:spPr>
+        <p:txBody>
+          <a:bodyPr/>
+          <a:lstStyle/>
+          <a:p>
+            <a:r>
+              <a:rPr lang="en-US" altLang="zh-CN" sz="4400" dirty="0">
+                <a:solidFill>
+                  <a:srgbClr val="1F1F1F"/>
+                </a:solidFill>
+                <a:latin typeface="+mn-lt"/>
+              </a:rPr>
+              <a:t>TELCO CHURN PREDICTION MODEL</a:t>
+            </a:r>
+            <a:endParaRPr lang="en-US" dirty="0">
+              <a:solidFill>
+                <a:srgbClr val="1F1F1F"/>
+              </a:solidFill>
+              <a:latin typeface="+mn-lt"/>
+            </a:endParaRPr>
+          </a:p>
+        </p:txBody>
+      </p:sp>
+      <p:sp>
+        <p:nvSpPr>
+          <p:cNvPr id="15" name="Rectangle 14">
+            <a:extLst>
+              <a:ext uri="{FF2B5EF4-FFF2-40B4-BE49-F238E27FC236}">
+                <a16:creationId xmlns:a16="http://schemas.microsoft.com/office/drawing/2014/main" id="{914ECE35-32BA-4639-BDC0-9F2838750170}"/>
+              </a:ext>
+            </a:extLst>
+          </p:cNvPr>
+          <p:cNvSpPr/>
+          <p:nvPr/>
+        </p:nvSpPr>
+        <p:spPr>
+          <a:xfrm>
+            <a:off x="670486" y="994296"/>
+            <a:ext cx="6733490" cy="75871"/>
+          </a:xfrm>
+          <a:prstGeom prst="rect">
+            <a:avLst/>
+          </a:prstGeom>
+          <a:gradFill flip="none" rotWithShape="1">
+            <a:gsLst>
+              <a:gs pos="0">
+                <a:schemeClr val="accent4">
+                  <a:tint val="66000"/>
+                  <a:satMod val="160000"/>
+                </a:schemeClr>
+              </a:gs>
+              <a:gs pos="29000">
+                <a:schemeClr val="accent4">
+                  <a:tint val="44500"/>
+                  <a:satMod val="160000"/>
+                </a:schemeClr>
+              </a:gs>
+              <a:gs pos="95575">
+                <a:srgbClr val="F8F6F5"/>
+              </a:gs>
+              <a:gs pos="55000">
+                <a:schemeClr val="accent4">
+                  <a:tint val="23500"/>
+                  <a:satMod val="160000"/>
+                </a:schemeClr>
+              </a:gs>
+            </a:gsLst>
+            <a:path path="circle">
+              <a:fillToRect t="100000" r="100000"/>
+            </a:path>
+            <a:tileRect l="-100000" b="-100000"/>
+          </a:gradFill>
+          <a:ln>
+            <a:noFill/>
+          </a:ln>
+        </p:spPr>
+        <p:style>
+          <a:lnRef idx="2">
+            <a:schemeClr val="accent4">
+              <a:shade val="50000"/>
+            </a:schemeClr>
+          </a:lnRef>
+          <a:fillRef idx="1">
+            <a:schemeClr val="accent4"/>
+          </a:fillRef>
+          <a:effectRef idx="0">
+            <a:schemeClr val="accent4"/>
+          </a:effectRef>
+          <a:fontRef idx="minor">
+            <a:schemeClr val="lt1"/>
+          </a:fontRef>
+        </p:style>
+        <p:txBody>
+          <a:bodyPr rtlCol="0" anchor="ctr"/>
+          <a:lstStyle/>
+          <a:p>
+            <a:pPr algn="ctr"/>
+            <a:endParaRPr lang="en-US" dirty="0"/>
+          </a:p>
+        </p:txBody>
+      </p:sp>
+      <p:sp>
+        <p:nvSpPr>
+          <p:cNvPr id="27" name="Slide Number Placeholder 6">
+            <a:extLst>
+              <a:ext uri="{FF2B5EF4-FFF2-40B4-BE49-F238E27FC236}">
+                <a16:creationId xmlns:a16="http://schemas.microsoft.com/office/drawing/2014/main" id="{CEACC96B-4AEF-4D80-90D4-722D26A373FA}"/>
+              </a:ext>
+            </a:extLst>
+          </p:cNvPr>
+          <p:cNvSpPr>
+            <a:spLocks noGrp="1"/>
+          </p:cNvSpPr>
+          <p:nvPr>
+            <p:ph type="sldNum" sz="quarter" idx="29"/>
+          </p:nvPr>
+        </p:nvSpPr>
+        <p:spPr>
+          <a:xfrm>
+            <a:off x="11194169" y="6217920"/>
+            <a:ext cx="458592" cy="365125"/>
+          </a:xfrm>
+        </p:spPr>
+        <p:txBody>
+          <a:bodyPr/>
+          <a:lstStyle/>
+          <a:p>
+            <a:fld id="{47FEACEE-25B4-4A2D-B147-27296E36371D}" type="slidenum">
+              <a:rPr lang="en-US" altLang="zh-CN" smtClean="0">
+                <a:solidFill>
+                  <a:srgbClr val="1F1F1F"/>
+                </a:solidFill>
+                <a:latin typeface="Abadi" panose="020B0604020104020204" pitchFamily="34" charset="0"/>
+              </a:rPr>
+              <a:pPr/>
+              <a:t>2</a:t>
+            </a:fld>
+            <a:endParaRPr lang="en-US" altLang="zh-CN" dirty="0">
+              <a:solidFill>
+                <a:srgbClr val="1F1F1F"/>
+              </a:solidFill>
+              <a:latin typeface="Abadi" panose="020B0604020104020204" pitchFamily="34" charset="0"/>
+            </a:endParaRPr>
+          </a:p>
+        </p:txBody>
+      </p:sp>
+      <p:sp>
+        <p:nvSpPr>
+          <p:cNvPr id="28" name="Footer Placeholder 4">
+            <a:extLst>
+              <a:ext uri="{FF2B5EF4-FFF2-40B4-BE49-F238E27FC236}">
+                <a16:creationId xmlns:a16="http://schemas.microsoft.com/office/drawing/2014/main" id="{25A5F7CA-803E-4152-923B-9ED8095FF226}"/>
+              </a:ext>
+            </a:extLst>
+          </p:cNvPr>
+          <p:cNvSpPr txBox="1">
+            <a:spLocks/>
+          </p:cNvSpPr>
+          <p:nvPr/>
+        </p:nvSpPr>
+        <p:spPr>
+          <a:xfrm>
+            <a:off x="8620218" y="6256093"/>
+            <a:ext cx="2573952" cy="288777"/>
+          </a:xfrm>
+          <a:prstGeom prst="rect">
+            <a:avLst/>
+          </a:prstGeom>
+        </p:spPr>
+        <p:txBody>
+          <a:bodyPr vert="horz" lIns="91440" tIns="45720" rIns="91440" bIns="45720" rtlCol="0">
+            <a:noAutofit/>
+          </a:bodyPr>
+          <a:lstStyle>
+            <a:lvl1pPr marL="228600" indent="-228600" algn="l" defTabSz="914400" rtl="0" eaLnBrk="1" latinLnBrk="0" hangingPunct="1">
+              <a:lnSpc>
+                <a:spcPct val="100000"/>
+              </a:lnSpc>
+              <a:spcBef>
+                <a:spcPts val="0"/>
+              </a:spcBef>
+              <a:spcAft>
+                <a:spcPts val="600"/>
+              </a:spcAft>
+              <a:buFont typeface="Arial" panose="020B0604020202020204" pitchFamily="34" charset="0"/>
+              <a:buChar char="•"/>
+              <a:defRPr sz="1400" b="0" kern="1200">
+                <a:solidFill>
+                  <a:schemeClr val="accent6"/>
+                </a:solidFill>
+                <a:latin typeface="+mn-lt"/>
+                <a:ea typeface="+mn-ea"/>
+                <a:cs typeface="+mn-cs"/>
+              </a:defRPr>
+            </a:lvl1pPr>
+            <a:lvl2pPr marL="685800" indent="-228600" algn="l" defTabSz="914400" rtl="0" eaLnBrk="1" latinLnBrk="0" hangingPunct="1">
+              <a:lnSpc>
+                <a:spcPct val="90000"/>
+              </a:lnSpc>
+              <a:spcBef>
+                <a:spcPts val="500"/>
+              </a:spcBef>
+              <a:buFont typeface="Arial" panose="020B0604020202020204" pitchFamily="34" charset="0"/>
+              <a:buChar char="•"/>
+              <a:defRPr sz="1000" kern="1200">
+                <a:solidFill>
+                  <a:schemeClr val="accent6"/>
+                </a:solidFill>
+                <a:latin typeface="+mn-lt"/>
+                <a:ea typeface="+mn-ea"/>
+                <a:cs typeface="+mn-cs"/>
+              </a:defRPr>
+            </a:lvl2pPr>
+            <a:lvl3pPr marL="1143000" indent="-228600" algn="l" defTabSz="914400" rtl="0" eaLnBrk="1" latinLnBrk="0" hangingPunct="1">
+              <a:lnSpc>
+                <a:spcPct val="90000"/>
+              </a:lnSpc>
+              <a:spcBef>
+                <a:spcPts val="500"/>
+              </a:spcBef>
+              <a:buFont typeface="Arial" panose="020B0604020202020204" pitchFamily="34" charset="0"/>
+              <a:buChar char="•"/>
+              <a:defRPr sz="900" kern="1200">
+                <a:solidFill>
+                  <a:schemeClr val="accent6"/>
+                </a:solidFill>
+                <a:latin typeface="+mn-lt"/>
+                <a:ea typeface="+mn-ea"/>
+                <a:cs typeface="+mn-cs"/>
+              </a:defRPr>
+            </a:lvl3pPr>
+            <a:lvl4pPr marL="1600200" indent="-228600" algn="l" defTabSz="914400" rtl="0" eaLnBrk="1" latinLnBrk="0" hangingPunct="1">
+              <a:lnSpc>
+                <a:spcPct val="90000"/>
+              </a:lnSpc>
+              <a:spcBef>
+                <a:spcPts val="500"/>
+              </a:spcBef>
+              <a:buFont typeface="Arial" panose="020B0604020202020204" pitchFamily="34" charset="0"/>
+              <a:buChar char="•"/>
+              <a:defRPr sz="800" kern="1200">
+                <a:solidFill>
+                  <a:schemeClr val="accent6"/>
+                </a:solidFill>
+                <a:latin typeface="+mn-lt"/>
+                <a:ea typeface="+mn-ea"/>
+                <a:cs typeface="+mn-cs"/>
+              </a:defRPr>
+            </a:lvl4pPr>
+            <a:lvl5pPr marL="2057400" indent="-228600" algn="l" defTabSz="914400" rtl="0" eaLnBrk="1" latinLnBrk="0" hangingPunct="1">
+              <a:lnSpc>
+                <a:spcPct val="90000"/>
+              </a:lnSpc>
+              <a:spcBef>
+                <a:spcPts val="500"/>
+              </a:spcBef>
+              <a:buFont typeface="Arial" panose="020B0604020202020204" pitchFamily="34" charset="0"/>
+              <a:buChar char="•"/>
+              <a:defRPr sz="800" kern="1200">
+                <a:solidFill>
+                  <a:schemeClr val="accent6"/>
+                </a:solidFill>
+                <a:latin typeface="+mn-lt"/>
+                <a:ea typeface="+mn-ea"/>
+                <a:cs typeface="+mn-cs"/>
+              </a:defRPr>
+            </a:lvl5pPr>
+            <a:lvl6pPr marL="2514600" indent="-228600" algn="l" defTabSz="914400" rtl="0" eaLnBrk="1" latinLnBrk="0" hangingPunct="1">
+              <a:lnSpc>
+                <a:spcPct val="90000"/>
+              </a:lnSpc>
+              <a:spcBef>
+                <a:spcPts val="500"/>
+              </a:spcBef>
+              <a:buFont typeface="Arial" panose="020B0604020202020204" pitchFamily="34" charset="0"/>
+              <a:buChar char="•"/>
+              <a:defRPr sz="1800" kern="1200">
+                <a:solidFill>
+                  <a:schemeClr val="tx1"/>
+                </a:solidFill>
+                <a:latin typeface="+mn-lt"/>
+                <a:ea typeface="+mn-ea"/>
+                <a:cs typeface="+mn-cs"/>
+              </a:defRPr>
+            </a:lvl6pPr>
+            <a:lvl7pPr marL="2971800" indent="-228600" algn="l" defTabSz="914400" rtl="0" eaLnBrk="1" latinLnBrk="0" hangingPunct="1">
+              <a:lnSpc>
+                <a:spcPct val="90000"/>
+              </a:lnSpc>
+              <a:spcBef>
+                <a:spcPts val="500"/>
+              </a:spcBef>
+              <a:buFont typeface="Arial" panose="020B0604020202020204" pitchFamily="34" charset="0"/>
+              <a:buChar char="•"/>
+              <a:defRPr sz="1800" kern="1200">
+                <a:solidFill>
+                  <a:schemeClr val="tx1"/>
+                </a:solidFill>
+                <a:latin typeface="+mn-lt"/>
+                <a:ea typeface="+mn-ea"/>
+                <a:cs typeface="+mn-cs"/>
+              </a:defRPr>
+            </a:lvl7pPr>
+            <a:lvl8pPr marL="3429000" indent="-228600" algn="l" defTabSz="914400" rtl="0" eaLnBrk="1" latinLnBrk="0" hangingPunct="1">
+              <a:lnSpc>
+                <a:spcPct val="90000"/>
+              </a:lnSpc>
+              <a:spcBef>
+                <a:spcPts val="500"/>
+              </a:spcBef>
+              <a:buFont typeface="Arial" panose="020B0604020202020204" pitchFamily="34" charset="0"/>
+              <a:buChar char="•"/>
+              <a:defRPr sz="1800" kern="1200">
+                <a:solidFill>
+                  <a:schemeClr val="tx1"/>
+                </a:solidFill>
+                <a:latin typeface="+mn-lt"/>
+                <a:ea typeface="+mn-ea"/>
+                <a:cs typeface="+mn-cs"/>
+              </a:defRPr>
+            </a:lvl8pPr>
+            <a:lvl9pPr marL="3886200" indent="-228600" algn="l" defTabSz="914400" rtl="0" eaLnBrk="1" latinLnBrk="0" hangingPunct="1">
+              <a:lnSpc>
+                <a:spcPct val="90000"/>
+              </a:lnSpc>
+              <a:spcBef>
+                <a:spcPts val="500"/>
+              </a:spcBef>
+              <a:buFont typeface="Arial" panose="020B0604020202020204" pitchFamily="34" charset="0"/>
+              <a:buChar char="•"/>
+              <a:defRPr sz="1800" kern="1200">
+                <a:solidFill>
+                  <a:schemeClr val="tx1"/>
+                </a:solidFill>
+                <a:latin typeface="+mn-lt"/>
+                <a:ea typeface="+mn-ea"/>
+                <a:cs typeface="+mn-cs"/>
+              </a:defRPr>
+            </a:lvl9pPr>
+          </a:lstStyle>
+          <a:p>
+            <a:pPr marL="0" indent="0">
+              <a:buNone/>
+            </a:pPr>
+            <a:r>
+              <a:rPr lang="en-US" altLang="zh-CN" sz="1200" dirty="0">
+                <a:solidFill>
+                  <a:srgbClr val="1F1F1F"/>
+                </a:solidFill>
+                <a:latin typeface="Abadi" panose="020B0604020104020204" pitchFamily="34" charset="0"/>
+              </a:rPr>
+              <a:t>TELCO CHURN PREDICTION MODEL</a:t>
+            </a:r>
+            <a:endParaRPr lang="en-US" dirty="0">
+              <a:solidFill>
+                <a:srgbClr val="1F1F1F"/>
+              </a:solidFill>
+              <a:latin typeface="Abadi" panose="020B0604020104020204" pitchFamily="34" charset="0"/>
+            </a:endParaRPr>
+          </a:p>
+        </p:txBody>
+      </p:sp>
+      <p:sp>
+        <p:nvSpPr>
+          <p:cNvPr id="34" name="TextBox 33">
+            <a:extLst>
+              <a:ext uri="{FF2B5EF4-FFF2-40B4-BE49-F238E27FC236}">
+                <a16:creationId xmlns:a16="http://schemas.microsoft.com/office/drawing/2014/main" id="{47B15B13-0900-42E0-A975-51E7083C50E9}"/>
+              </a:ext>
+            </a:extLst>
+          </p:cNvPr>
+          <p:cNvSpPr txBox="1"/>
+          <p:nvPr/>
+        </p:nvSpPr>
+        <p:spPr>
+          <a:xfrm>
+            <a:off x="581710" y="1390243"/>
+            <a:ext cx="10243308" cy="1231106"/>
+          </a:xfrm>
+          <a:prstGeom prst="rect">
+            <a:avLst/>
+          </a:prstGeom>
+        </p:spPr>
+        <p:txBody>
+          <a:bodyPr wrap="square" rtlCol="0">
+            <a:spAutoFit/>
+          </a:bodyPr>
+          <a:lstStyle/>
+          <a:p>
+            <a:r>
+              <a:rPr lang="en-US" altLang="zh-CN" sz="2000" b="1" dirty="0">
+                <a:solidFill>
+                  <a:srgbClr val="1F1F1F"/>
+                </a:solidFill>
+                <a:latin typeface="Abadi (Body)"/>
+              </a:rPr>
+              <a:t>Problem context</a:t>
+            </a:r>
+          </a:p>
+          <a:p>
+            <a:pPr marL="285750" indent="-285750">
+              <a:buFont typeface="Arial" panose="020B0604020202020204" pitchFamily="34" charset="0"/>
+              <a:buChar char="•"/>
+            </a:pPr>
+            <a:r>
+              <a:rPr lang="en-US" dirty="0">
+                <a:solidFill>
+                  <a:srgbClr val="1F1F1F"/>
+                </a:solidFill>
+                <a:latin typeface="Abadi (Body)"/>
+              </a:rPr>
+              <a:t>Retaining existing customers is usually cheaper than acquiring new ones.</a:t>
+            </a:r>
+          </a:p>
+          <a:p>
+            <a:pPr marL="285750" indent="-285750">
+              <a:buFont typeface="Arial" panose="020B0604020202020204" pitchFamily="34" charset="0"/>
+              <a:buChar char="•"/>
+            </a:pPr>
+            <a:r>
+              <a:rPr lang="en-US" dirty="0">
+                <a:solidFill>
+                  <a:srgbClr val="1F1F1F"/>
+                </a:solidFill>
+                <a:latin typeface="Abadi (Body)"/>
+              </a:rPr>
+              <a:t>A Bain &amp; Company study found it can be 5 to 7 times more expensive to get new customers. </a:t>
+            </a:r>
+          </a:p>
+          <a:p>
+            <a:pPr marL="285750" indent="-285750">
+              <a:buFont typeface="Arial" panose="020B0604020202020204" pitchFamily="34" charset="0"/>
+              <a:buChar char="•"/>
+            </a:pPr>
+            <a:r>
+              <a:rPr lang="en-US" dirty="0">
+                <a:solidFill>
+                  <a:srgbClr val="1F1F1F"/>
+                </a:solidFill>
+                <a:latin typeface="Abadi (Body)"/>
+              </a:rPr>
+              <a:t>Existing customers are often more loyal and likely to continue their relationship with your business.</a:t>
+            </a:r>
+          </a:p>
+        </p:txBody>
+      </p:sp>
+      <p:sp>
+        <p:nvSpPr>
+          <p:cNvPr id="40" name="TextBox 39">
+            <a:extLst>
+              <a:ext uri="{FF2B5EF4-FFF2-40B4-BE49-F238E27FC236}">
+                <a16:creationId xmlns:a16="http://schemas.microsoft.com/office/drawing/2014/main" id="{51336076-D109-4587-8134-992851D7C7E2}"/>
+              </a:ext>
+            </a:extLst>
+          </p:cNvPr>
+          <p:cNvSpPr txBox="1"/>
+          <p:nvPr/>
+        </p:nvSpPr>
+        <p:spPr>
+          <a:xfrm>
+            <a:off x="581708" y="2814452"/>
+            <a:ext cx="10243307" cy="1231106"/>
+          </a:xfrm>
+          <a:prstGeom prst="rect">
+            <a:avLst/>
+          </a:prstGeom>
+        </p:spPr>
+        <p:txBody>
+          <a:bodyPr wrap="square" rtlCol="0">
+            <a:spAutoFit/>
+          </a:bodyPr>
+          <a:lstStyle/>
+          <a:p>
+            <a:r>
+              <a:rPr lang="en-US" altLang="zh-CN" sz="2000" b="1" dirty="0">
+                <a:solidFill>
+                  <a:srgbClr val="1F1F1F"/>
+                </a:solidFill>
+                <a:latin typeface="Abadi (Body)"/>
+                <a:ea typeface="+mn-ea"/>
+                <a:cs typeface="+mn-cs"/>
+              </a:rPr>
+              <a:t>Challenges</a:t>
+            </a:r>
+          </a:p>
+          <a:p>
+            <a:pPr marL="285750" indent="-285750">
+              <a:buFont typeface="Arial" panose="020B0604020202020204" pitchFamily="34" charset="0"/>
+              <a:buChar char="•"/>
+            </a:pPr>
+            <a:r>
+              <a:rPr lang="en-US" sz="1800" b="0" dirty="0">
+                <a:solidFill>
+                  <a:srgbClr val="1F1F1F"/>
+                </a:solidFill>
+                <a:latin typeface="Abadi (Body)"/>
+                <a:ea typeface="+mn-ea"/>
+                <a:cs typeface="+mn-cs"/>
+              </a:rPr>
+              <a:t>Imbalanced dataset</a:t>
+            </a:r>
+          </a:p>
+          <a:p>
+            <a:pPr marL="285750" indent="-285750">
+              <a:buFont typeface="Arial" panose="020B0604020202020204" pitchFamily="34" charset="0"/>
+              <a:buChar char="•"/>
+            </a:pPr>
+            <a:r>
+              <a:rPr lang="en-US" sz="1800" b="0" dirty="0">
+                <a:solidFill>
+                  <a:srgbClr val="1F1F1F"/>
+                </a:solidFill>
+                <a:latin typeface="Abadi (Body)"/>
+                <a:ea typeface="+mn-ea"/>
+                <a:cs typeface="+mn-cs"/>
+              </a:rPr>
+              <a:t>Metrics for measurement</a:t>
+            </a:r>
+          </a:p>
+          <a:p>
+            <a:pPr marL="285750" indent="-285750">
+              <a:buFont typeface="Arial" panose="020B0604020202020204" pitchFamily="34" charset="0"/>
+              <a:buChar char="•"/>
+            </a:pPr>
+            <a:r>
+              <a:rPr lang="en-US" sz="1800" b="0" dirty="0">
+                <a:solidFill>
+                  <a:srgbClr val="1F1F1F"/>
+                </a:solidFill>
+                <a:latin typeface="Abadi (Body)"/>
+                <a:ea typeface="+mn-ea"/>
+                <a:cs typeface="+mn-cs"/>
+              </a:rPr>
+              <a:t>Threshold selection</a:t>
+            </a:r>
+          </a:p>
+        </p:txBody>
+      </p:sp>
+      <p:sp>
+        <p:nvSpPr>
+          <p:cNvPr id="33" name="Title 6">
+            <a:extLst>
+              <a:ext uri="{FF2B5EF4-FFF2-40B4-BE49-F238E27FC236}">
+                <a16:creationId xmlns:a16="http://schemas.microsoft.com/office/drawing/2014/main" id="{E18B3105-34E9-4CD4-A8B2-5539F51E03E9}"/>
+              </a:ext>
+            </a:extLst>
+          </p:cNvPr>
+          <p:cNvSpPr txBox="1">
+            <a:spLocks/>
+          </p:cNvSpPr>
+          <p:nvPr/>
+        </p:nvSpPr>
+        <p:spPr>
+          <a:xfrm>
+            <a:off x="581709" y="4233823"/>
+            <a:ext cx="808326" cy="391629"/>
+          </a:xfrm>
+          <a:prstGeom prst="rect">
+            <a:avLst/>
+          </a:prstGeom>
+        </p:spPr>
+        <p:txBody>
+          <a:bodyPr vert="horz" lIns="91440" tIns="45720" rIns="91440" bIns="45720" rtlCol="0" anchor="t">
+            <a:noAutofit/>
+          </a:bodyPr>
+          <a:lstStyle>
+            <a:lvl1pPr algn="l" defTabSz="914400" rtl="0" eaLnBrk="1" latinLnBrk="0" hangingPunct="1">
+              <a:lnSpc>
+                <a:spcPct val="90000"/>
+              </a:lnSpc>
+              <a:spcBef>
+                <a:spcPct val="0"/>
+              </a:spcBef>
+              <a:buNone/>
+              <a:defRPr sz="4400" b="1" kern="1200">
+                <a:solidFill>
+                  <a:schemeClr val="accent6"/>
+                </a:solidFill>
+                <a:latin typeface="+mj-lt"/>
+                <a:ea typeface="+mj-ea"/>
+                <a:cs typeface="+mj-cs"/>
+              </a:defRPr>
+            </a:lvl1pPr>
+          </a:lstStyle>
+          <a:p>
+            <a:r>
+              <a:rPr lang="en-US" sz="2000" dirty="0">
+                <a:solidFill>
+                  <a:srgbClr val="1F1F1F"/>
+                </a:solidFill>
+                <a:latin typeface="Abadi (Body)"/>
+                <a:ea typeface="+mn-ea"/>
+                <a:cs typeface="+mn-cs"/>
+              </a:rPr>
+              <a:t>Tools</a:t>
+            </a:r>
+            <a:endParaRPr lang="en-US" altLang="zh-CN" sz="2000" dirty="0">
+              <a:solidFill>
+                <a:srgbClr val="1F1F1F"/>
+              </a:solidFill>
+              <a:latin typeface="Abadi (Body)"/>
+              <a:ea typeface="+mn-ea"/>
+              <a:cs typeface="+mn-cs"/>
+            </a:endParaRPr>
+          </a:p>
+        </p:txBody>
+      </p:sp>
+      <p:sp>
+        <p:nvSpPr>
+          <p:cNvPr id="44" name="Title 6">
+            <a:extLst>
+              <a:ext uri="{FF2B5EF4-FFF2-40B4-BE49-F238E27FC236}">
+                <a16:creationId xmlns:a16="http://schemas.microsoft.com/office/drawing/2014/main" id="{869582DA-F41A-431D-9798-2087CEC030CE}"/>
+              </a:ext>
+            </a:extLst>
+          </p:cNvPr>
+          <p:cNvSpPr txBox="1">
+            <a:spLocks/>
+          </p:cNvSpPr>
+          <p:nvPr/>
+        </p:nvSpPr>
+        <p:spPr>
+          <a:xfrm>
+            <a:off x="3146015" y="4231857"/>
+            <a:ext cx="2672903" cy="1986063"/>
+          </a:xfrm>
+          <a:prstGeom prst="rect">
+            <a:avLst/>
+          </a:prstGeom>
+        </p:spPr>
+        <p:txBody>
+          <a:bodyPr vert="horz" lIns="91440" tIns="45720" rIns="91440" bIns="45720" rtlCol="0" anchor="t">
+            <a:noAutofit/>
+          </a:bodyPr>
+          <a:lstStyle>
+            <a:lvl1pPr algn="l" defTabSz="914400" rtl="0" eaLnBrk="1" latinLnBrk="0" hangingPunct="1">
+              <a:lnSpc>
+                <a:spcPct val="90000"/>
+              </a:lnSpc>
+              <a:spcBef>
+                <a:spcPct val="0"/>
+              </a:spcBef>
+              <a:buNone/>
+              <a:defRPr sz="4400" b="1" kern="1200">
+                <a:solidFill>
+                  <a:schemeClr val="accent6"/>
+                </a:solidFill>
+                <a:latin typeface="+mj-lt"/>
+                <a:ea typeface="+mj-ea"/>
+                <a:cs typeface="+mj-cs"/>
+              </a:defRPr>
+            </a:lvl1pPr>
+          </a:lstStyle>
+          <a:p>
+            <a:r>
+              <a:rPr lang="en-US" sz="2000" dirty="0">
+                <a:solidFill>
+                  <a:srgbClr val="1F1F1F"/>
+                </a:solidFill>
+                <a:latin typeface="Abadi (Body)"/>
+                <a:ea typeface="+mn-ea"/>
+                <a:cs typeface="+mn-cs"/>
+              </a:rPr>
+              <a:t>Technique</a:t>
+            </a:r>
+          </a:p>
+          <a:p>
+            <a:pPr marL="342900" indent="-342900">
+              <a:buFont typeface="Arial" panose="020B0604020202020204" pitchFamily="34" charset="0"/>
+              <a:buChar char="•"/>
+            </a:pPr>
+            <a:r>
+              <a:rPr lang="en-US" altLang="zh-CN" sz="1800" b="0" dirty="0">
+                <a:solidFill>
+                  <a:srgbClr val="1F1F1F"/>
+                </a:solidFill>
+                <a:latin typeface="Abadi (Body)"/>
+                <a:ea typeface="+mn-ea"/>
+                <a:cs typeface="+mn-cs"/>
+              </a:rPr>
+              <a:t>Resampling</a:t>
+            </a:r>
+          </a:p>
+          <a:p>
+            <a:pPr marL="342900" indent="-342900">
+              <a:buFont typeface="Arial" panose="020B0604020202020204" pitchFamily="34" charset="0"/>
+              <a:buChar char="•"/>
+            </a:pPr>
+            <a:r>
+              <a:rPr lang="en-US" altLang="zh-CN" sz="1800" b="0" dirty="0">
+                <a:solidFill>
+                  <a:srgbClr val="1F1F1F"/>
+                </a:solidFill>
+                <a:latin typeface="Abadi (Body)"/>
+                <a:ea typeface="+mn-ea"/>
+                <a:cs typeface="+mn-cs"/>
+              </a:rPr>
+              <a:t>Random forest, </a:t>
+            </a:r>
+            <a:r>
+              <a:rPr lang="en-US" altLang="zh-CN" sz="1800" b="0" dirty="0" err="1">
+                <a:solidFill>
+                  <a:srgbClr val="1F1F1F"/>
+                </a:solidFill>
+                <a:latin typeface="Abadi (Body)"/>
+                <a:ea typeface="+mn-ea"/>
+                <a:cs typeface="+mn-cs"/>
+              </a:rPr>
+              <a:t>LightGBM</a:t>
+            </a:r>
+            <a:r>
+              <a:rPr lang="en-US" altLang="zh-CN" sz="1800" b="0" dirty="0">
+                <a:solidFill>
+                  <a:srgbClr val="1F1F1F"/>
+                </a:solidFill>
+                <a:latin typeface="Abadi (Body)"/>
+                <a:ea typeface="+mn-ea"/>
+                <a:cs typeface="+mn-cs"/>
+              </a:rPr>
+              <a:t>, </a:t>
+            </a:r>
+            <a:r>
+              <a:rPr lang="en-US" altLang="zh-CN" sz="1800" b="0" dirty="0" err="1">
+                <a:solidFill>
+                  <a:srgbClr val="1F1F1F"/>
+                </a:solidFill>
+                <a:latin typeface="Abadi (Body)"/>
+                <a:ea typeface="+mn-ea"/>
+                <a:cs typeface="+mn-cs"/>
+              </a:rPr>
+              <a:t>XGBoost</a:t>
+            </a:r>
+            <a:endParaRPr lang="en-US" altLang="zh-CN" sz="1800" b="0" dirty="0">
+              <a:solidFill>
+                <a:srgbClr val="1F1F1F"/>
+              </a:solidFill>
+              <a:latin typeface="Abadi (Body)"/>
+              <a:ea typeface="+mn-ea"/>
+              <a:cs typeface="+mn-cs"/>
+            </a:endParaRPr>
+          </a:p>
+          <a:p>
+            <a:pPr marL="342900" indent="-342900">
+              <a:buFont typeface="Arial" panose="020B0604020202020204" pitchFamily="34" charset="0"/>
+              <a:buChar char="•"/>
+            </a:pPr>
+            <a:r>
+              <a:rPr lang="en-US" altLang="zh-CN" sz="1800" b="0" dirty="0">
+                <a:solidFill>
+                  <a:srgbClr val="1F1F1F"/>
+                </a:solidFill>
+                <a:latin typeface="Abadi (Body)"/>
+                <a:ea typeface="+mn-ea"/>
+                <a:cs typeface="+mn-cs"/>
+              </a:rPr>
+              <a:t>Randomized search</a:t>
+            </a:r>
+          </a:p>
+          <a:p>
+            <a:pPr marL="342900" indent="-342900">
+              <a:buFont typeface="Arial" panose="020B0604020202020204" pitchFamily="34" charset="0"/>
+              <a:buChar char="•"/>
+            </a:pPr>
+            <a:r>
+              <a:rPr lang="en-US" altLang="zh-CN" sz="1800" b="0" dirty="0">
+                <a:solidFill>
+                  <a:srgbClr val="1F1F1F"/>
+                </a:solidFill>
+                <a:latin typeface="Abadi (Body)"/>
+                <a:ea typeface="+mn-ea"/>
+                <a:cs typeface="+mn-cs"/>
+              </a:rPr>
+              <a:t>Threshold selection</a:t>
+            </a:r>
+          </a:p>
+          <a:p>
+            <a:pPr marL="342900" indent="-342900">
+              <a:buFont typeface="Arial" panose="020B0604020202020204" pitchFamily="34" charset="0"/>
+              <a:buChar char="•"/>
+            </a:pPr>
+            <a:r>
+              <a:rPr lang="en-US" altLang="zh-CN" sz="1800" b="0" dirty="0" err="1">
+                <a:solidFill>
+                  <a:srgbClr val="1F1F1F"/>
+                </a:solidFill>
+                <a:latin typeface="Abadi (Body)"/>
+                <a:ea typeface="+mn-ea"/>
+                <a:cs typeface="+mn-cs"/>
+              </a:rPr>
+              <a:t>SHAPley</a:t>
+            </a:r>
+            <a:endParaRPr lang="en-US" altLang="zh-CN" sz="1800" b="0" dirty="0">
+              <a:solidFill>
+                <a:srgbClr val="1F1F1F"/>
+              </a:solidFill>
+              <a:latin typeface="Abadi (Body)"/>
+              <a:ea typeface="+mn-ea"/>
+              <a:cs typeface="+mn-cs"/>
+            </a:endParaRPr>
+          </a:p>
+        </p:txBody>
+      </p:sp>
+      <p:sp>
+        <p:nvSpPr>
+          <p:cNvPr id="62" name="Title 6">
+            <a:extLst>
+              <a:ext uri="{FF2B5EF4-FFF2-40B4-BE49-F238E27FC236}">
+                <a16:creationId xmlns:a16="http://schemas.microsoft.com/office/drawing/2014/main" id="{43E1B9C3-2C8C-4D13-A12F-F195D6CF7DD1}"/>
+              </a:ext>
+            </a:extLst>
+          </p:cNvPr>
+          <p:cNvSpPr txBox="1">
+            <a:spLocks/>
+          </p:cNvSpPr>
+          <p:nvPr/>
+        </p:nvSpPr>
+        <p:spPr>
+          <a:xfrm>
+            <a:off x="5969906" y="4238667"/>
+            <a:ext cx="3423476" cy="1625037"/>
+          </a:xfrm>
+          <a:prstGeom prst="rect">
+            <a:avLst/>
+          </a:prstGeom>
+        </p:spPr>
+        <p:txBody>
+          <a:bodyPr vert="horz" lIns="91440" tIns="45720" rIns="91440" bIns="45720" rtlCol="0" anchor="t">
+            <a:noAutofit/>
+          </a:bodyPr>
+          <a:lstStyle>
+            <a:lvl1pPr algn="l" defTabSz="914400" rtl="0" eaLnBrk="1" latinLnBrk="0" hangingPunct="1">
+              <a:lnSpc>
+                <a:spcPct val="90000"/>
+              </a:lnSpc>
+              <a:spcBef>
+                <a:spcPct val="0"/>
+              </a:spcBef>
+              <a:buNone/>
+              <a:defRPr sz="4400" b="1" kern="1200">
+                <a:solidFill>
+                  <a:schemeClr val="accent6"/>
+                </a:solidFill>
+                <a:latin typeface="+mj-lt"/>
+                <a:ea typeface="+mj-ea"/>
+                <a:cs typeface="+mj-cs"/>
+              </a:defRPr>
+            </a:lvl1pPr>
+          </a:lstStyle>
+          <a:p>
+            <a:r>
+              <a:rPr lang="en-US" sz="2000" dirty="0">
+                <a:solidFill>
+                  <a:srgbClr val="1F1F1F"/>
+                </a:solidFill>
+                <a:latin typeface="Abadi (Body)"/>
+                <a:ea typeface="+mn-ea"/>
+                <a:cs typeface="+mn-cs"/>
+              </a:rPr>
+              <a:t>Business</a:t>
+            </a:r>
+            <a:r>
+              <a:rPr lang="en-US" sz="2000" dirty="0">
+                <a:latin typeface="Abadi (Body)"/>
+              </a:rPr>
+              <a:t> </a:t>
+            </a:r>
+            <a:r>
+              <a:rPr lang="en-US" sz="2000" dirty="0">
+                <a:solidFill>
+                  <a:srgbClr val="1F1F1F"/>
+                </a:solidFill>
+                <a:latin typeface="Abadi (Body)"/>
+                <a:ea typeface="+mn-ea"/>
+                <a:cs typeface="+mn-cs"/>
+              </a:rPr>
+              <a:t>impact</a:t>
+            </a:r>
+            <a:endParaRPr lang="th-TH" sz="2000" dirty="0">
+              <a:solidFill>
+                <a:srgbClr val="1F1F1F"/>
+              </a:solidFill>
+              <a:latin typeface="Abadi (Body)"/>
+              <a:ea typeface="+mn-ea"/>
+              <a:cs typeface="+mn-cs"/>
+            </a:endParaRPr>
+          </a:p>
+          <a:p>
+            <a:pPr marL="285750" indent="-285750">
+              <a:buFont typeface="Arial" panose="020B0604020202020204" pitchFamily="34" charset="0"/>
+              <a:buChar char="•"/>
+            </a:pPr>
+            <a:r>
+              <a:rPr lang="en-US" sz="1800" b="0" dirty="0">
+                <a:solidFill>
+                  <a:schemeClr val="tx1"/>
+                </a:solidFill>
+                <a:latin typeface="Abadi (Body)"/>
+                <a:ea typeface="微软雅黑"/>
+                <a:cs typeface="Posterama" panose="020B0504020200020000" pitchFamily="34" charset="0"/>
+              </a:rPr>
+              <a:t>The model improved revenue by </a:t>
+            </a:r>
+            <a:r>
+              <a:rPr lang="en-US" sz="1800" b="0" dirty="0">
+                <a:solidFill>
+                  <a:srgbClr val="FF0000"/>
+                </a:solidFill>
+                <a:latin typeface="Abadi (Body)"/>
+                <a:ea typeface="微软雅黑"/>
+                <a:cs typeface="Posterama" panose="020B0504020200020000" pitchFamily="34" charset="0"/>
+              </a:rPr>
+              <a:t>164.24% </a:t>
+            </a:r>
+            <a:r>
+              <a:rPr lang="en-US" sz="1800" b="0" dirty="0">
+                <a:solidFill>
+                  <a:schemeClr val="tx1"/>
+                </a:solidFill>
+                <a:latin typeface="Abadi (Body)"/>
+                <a:ea typeface="微软雅黑"/>
+                <a:cs typeface="Posterama" panose="020B0504020200020000" pitchFamily="34" charset="0"/>
+              </a:rPr>
+              <a:t>compared to the 'do nothing' program and by </a:t>
+            </a:r>
+            <a:r>
+              <a:rPr lang="en-US" sz="1800" b="0" dirty="0">
+                <a:solidFill>
+                  <a:srgbClr val="FF0000"/>
+                </a:solidFill>
+                <a:latin typeface="Abadi (Body)"/>
+                <a:ea typeface="微软雅黑"/>
+                <a:cs typeface="Posterama" panose="020B0504020200020000" pitchFamily="34" charset="0"/>
+              </a:rPr>
+              <a:t>44.51% </a:t>
+            </a:r>
+            <a:r>
+              <a:rPr lang="en-US" sz="1800" b="0" dirty="0">
+                <a:solidFill>
+                  <a:schemeClr val="tx1"/>
+                </a:solidFill>
+                <a:latin typeface="Abadi (Body)"/>
+                <a:ea typeface="微软雅黑"/>
+                <a:cs typeface="Posterama" panose="020B0504020200020000" pitchFamily="34" charset="0"/>
+              </a:rPr>
+              <a:t>compared to the 'retain all' program.</a:t>
+            </a:r>
+          </a:p>
+        </p:txBody>
+      </p:sp>
+      <p:pic>
+        <p:nvPicPr>
+          <p:cNvPr id="29" name="Picture 2" descr="IT12A01: FUNDAMENTALS OF PYTHON PROGRAMMING (SF) (SYNCHRONOUS E-LEARNING) -  NTUC LearningHub">
+            <a:extLst>
+              <a:ext uri="{FF2B5EF4-FFF2-40B4-BE49-F238E27FC236}">
+                <a16:creationId xmlns:a16="http://schemas.microsoft.com/office/drawing/2014/main" id="{8EC36FB8-711A-4095-BBB9-88AD415D57D4}"/>
+              </a:ext>
+            </a:extLst>
+          </p:cNvPr>
+          <p:cNvPicPr>
+            <a:picLocks noChangeAspect="1" noChangeArrowheads="1"/>
+          </p:cNvPicPr>
+          <p:nvPr/>
+        </p:nvPicPr>
+        <p:blipFill>
+          <a:blip r:embed="rId3">
+            <a:extLst>
+              <a:ext uri="{28A0092B-C50C-407E-A947-70E740481C1C}">
+                <a14:useLocalDpi xmlns:a14="http://schemas.microsoft.com/office/drawing/2010/main" val="0"/>
+              </a:ext>
+            </a:extLst>
+          </a:blip>
+          <a:srcRect/>
+          <a:stretch>
+            <a:fillRect/>
+          </a:stretch>
+        </p:blipFill>
+        <p:spPr bwMode="auto">
+          <a:xfrm>
+            <a:off x="422524" y="4700077"/>
+            <a:ext cx="1197101" cy="677006"/>
+          </a:xfrm>
+          <a:prstGeom prst="rect">
+            <a:avLst/>
+          </a:prstGeom>
+          <a:noFill/>
+          <a:extLst>
+            <a:ext uri="{909E8E84-426E-40DD-AFC4-6F175D3DCCD1}">
+              <a14:hiddenFill xmlns:a14="http://schemas.microsoft.com/office/drawing/2010/main">
+                <a:solidFill>
+                  <a:srgbClr val="FFFFFF"/>
+                </a:solidFill>
+              </a14:hiddenFill>
+            </a:ext>
+          </a:extLst>
+        </p:spPr>
+      </p:pic>
+      <p:pic>
+        <p:nvPicPr>
+          <p:cNvPr id="30" name="Picture 20" descr="DIGI">
+            <a:extLst>
+              <a:ext uri="{FF2B5EF4-FFF2-40B4-BE49-F238E27FC236}">
+                <a16:creationId xmlns:a16="http://schemas.microsoft.com/office/drawing/2014/main" id="{8D5F491C-9583-4EBF-A579-1F2A1EF3021D}"/>
+              </a:ext>
+            </a:extLst>
+          </p:cNvPr>
+          <p:cNvPicPr>
+            <a:picLocks noChangeAspect="1" noChangeArrowheads="1"/>
+          </p:cNvPicPr>
+          <p:nvPr/>
+        </p:nvPicPr>
+        <p:blipFill>
+          <a:blip r:embed="rId4">
+            <a:extLst>
+              <a:ext uri="{28A0092B-C50C-407E-A947-70E740481C1C}">
+                <a14:useLocalDpi xmlns:a14="http://schemas.microsoft.com/office/drawing/2010/main" val="0"/>
+              </a:ext>
+            </a:extLst>
+          </a:blip>
+          <a:srcRect/>
+          <a:stretch>
+            <a:fillRect/>
+          </a:stretch>
+        </p:blipFill>
+        <p:spPr bwMode="auto">
+          <a:xfrm>
+            <a:off x="1507708" y="4778178"/>
+            <a:ext cx="1288169" cy="520803"/>
+          </a:xfrm>
+          <a:prstGeom prst="rect">
+            <a:avLst/>
+          </a:prstGeom>
+          <a:noFill/>
+          <a:extLst>
+            <a:ext uri="{909E8E84-426E-40DD-AFC4-6F175D3DCCD1}">
+              <a14:hiddenFill xmlns:a14="http://schemas.microsoft.com/office/drawing/2010/main">
+                <a:solidFill>
+                  <a:srgbClr val="FFFFFF"/>
+                </a:solidFill>
+              </a14:hiddenFill>
+            </a:ext>
+          </a:extLst>
+        </p:spPr>
+      </p:pic>
+    </p:spTree>
+    <p:extLst>
+      <p:ext uri="{BB962C8B-B14F-4D97-AF65-F5344CB8AC3E}">
+        <p14:creationId xmlns:p14="http://schemas.microsoft.com/office/powerpoint/2010/main" val="3806483560"/>
+      </p:ext>
+    </p:extLst>
+  </p:cSld>
+  <p:clrMapOvr>
+    <a:masterClrMapping/>
+  </p:clrMapOvr>
+</p:sld>
+</file>
+
+<file path=ppt/slides/slide20.xml><?xml version="1.0" encoding="utf-8"?>
+<p:sld xmlns:a="http://schemas.openxmlformats.org/drawingml/2006/main" xmlns:r="http://schemas.openxmlformats.org/officeDocument/2006/relationships" xmlns:p="http://schemas.openxmlformats.org/presentationml/2006/main">
+  <p:cSld>
+    <p:spTree>
+      <p:nvGrpSpPr>
+        <p:cNvPr id="1" name=""/>
+        <p:cNvGrpSpPr/>
+        <p:nvPr/>
+      </p:nvGrpSpPr>
+      <p:grpSpPr>
+        <a:xfrm>
+          <a:off x="0" y="0"/>
+          <a:ext cx="0" cy="0"/>
+          <a:chOff x="0" y="0"/>
+          <a:chExt cx="0" cy="0"/>
+        </a:xfrm>
+      </p:grpSpPr>
+      <p:sp>
+        <p:nvSpPr>
           <p:cNvPr id="7" name="Slide Number Placeholder 6">
             <a:extLst>
               <a:ext uri="{FF2B5EF4-FFF2-40B4-BE49-F238E27FC236}">
@@ -30647,7 +32860,7 @@
                 <a:latin typeface="Abadi (Body)"/>
               </a:rPr>
               <a:pPr/>
-              <a:t>19</a:t>
+              <a:t>20</a:t>
             </a:fld>
             <a:endParaRPr lang="en-US" altLang="zh-CN" dirty="0">
               <a:solidFill>
@@ -31470,7 +33683,7 @@
 </p:sld>
 </file>
 
-<file path=ppt/slides/slide2.xml><?xml version="1.0" encoding="utf-8"?>
+<file path=ppt/slides/slide21.xml><?xml version="1.0" encoding="utf-8"?>
 <p:sld xmlns:a="http://schemas.openxmlformats.org/drawingml/2006/main" xmlns:r="http://schemas.openxmlformats.org/officeDocument/2006/relationships" xmlns:p="http://schemas.openxmlformats.org/presentationml/2006/main">
   <p:cSld>
     <p:spTree>
@@ -31489,1686 +33702,6 @@
       </p:grpSpPr>
       <p:sp>
         <p:nvSpPr>
-          <p:cNvPr id="12" name="Title 11">
-            <a:extLst>
-              <a:ext uri="{FF2B5EF4-FFF2-40B4-BE49-F238E27FC236}">
-                <a16:creationId xmlns:a16="http://schemas.microsoft.com/office/drawing/2014/main" id="{C13DFCA2-73A5-40AB-BC3B-D2112116B16B}"/>
-              </a:ext>
-            </a:extLst>
-          </p:cNvPr>
-          <p:cNvSpPr>
-            <a:spLocks noGrp="1"/>
-          </p:cNvSpPr>
-          <p:nvPr>
-            <p:ph type="title"/>
-          </p:nvPr>
-        </p:nvSpPr>
-        <p:spPr>
-          <a:xfrm>
-            <a:off x="581709" y="274954"/>
-            <a:ext cx="8894800" cy="677005"/>
-          </a:xfrm>
-        </p:spPr>
-        <p:txBody>
-          <a:bodyPr/>
-          <a:lstStyle/>
-          <a:p>
-            <a:r>
-              <a:rPr lang="en-US" altLang="zh-CN" sz="4400" dirty="0">
-                <a:solidFill>
-                  <a:srgbClr val="1F1F1F"/>
-                </a:solidFill>
-                <a:latin typeface="+mn-lt"/>
-              </a:rPr>
-              <a:t>TELCO CHURN PREDICTION MODEL</a:t>
-            </a:r>
-            <a:endParaRPr lang="en-US" dirty="0">
-              <a:solidFill>
-                <a:srgbClr val="1F1F1F"/>
-              </a:solidFill>
-              <a:latin typeface="+mn-lt"/>
-            </a:endParaRPr>
-          </a:p>
-        </p:txBody>
-      </p:sp>
-      <p:sp>
-        <p:nvSpPr>
-          <p:cNvPr id="15" name="Rectangle 14">
-            <a:extLst>
-              <a:ext uri="{FF2B5EF4-FFF2-40B4-BE49-F238E27FC236}">
-                <a16:creationId xmlns:a16="http://schemas.microsoft.com/office/drawing/2014/main" id="{914ECE35-32BA-4639-BDC0-9F2838750170}"/>
-              </a:ext>
-            </a:extLst>
-          </p:cNvPr>
-          <p:cNvSpPr/>
-          <p:nvPr/>
-        </p:nvSpPr>
-        <p:spPr>
-          <a:xfrm>
-            <a:off x="670486" y="994296"/>
-            <a:ext cx="6733490" cy="75871"/>
-          </a:xfrm>
-          <a:prstGeom prst="rect">
-            <a:avLst/>
-          </a:prstGeom>
-          <a:gradFill flip="none" rotWithShape="1">
-            <a:gsLst>
-              <a:gs pos="0">
-                <a:schemeClr val="accent4">
-                  <a:tint val="66000"/>
-                  <a:satMod val="160000"/>
-                </a:schemeClr>
-              </a:gs>
-              <a:gs pos="29000">
-                <a:schemeClr val="accent4">
-                  <a:tint val="44500"/>
-                  <a:satMod val="160000"/>
-                </a:schemeClr>
-              </a:gs>
-              <a:gs pos="95575">
-                <a:srgbClr val="F8F6F5"/>
-              </a:gs>
-              <a:gs pos="55000">
-                <a:schemeClr val="accent4">
-                  <a:tint val="23500"/>
-                  <a:satMod val="160000"/>
-                </a:schemeClr>
-              </a:gs>
-            </a:gsLst>
-            <a:path path="circle">
-              <a:fillToRect t="100000" r="100000"/>
-            </a:path>
-            <a:tileRect l="-100000" b="-100000"/>
-          </a:gradFill>
-          <a:ln>
-            <a:noFill/>
-          </a:ln>
-        </p:spPr>
-        <p:style>
-          <a:lnRef idx="2">
-            <a:schemeClr val="accent4">
-              <a:shade val="50000"/>
-            </a:schemeClr>
-          </a:lnRef>
-          <a:fillRef idx="1">
-            <a:schemeClr val="accent4"/>
-          </a:fillRef>
-          <a:effectRef idx="0">
-            <a:schemeClr val="accent4"/>
-          </a:effectRef>
-          <a:fontRef idx="minor">
-            <a:schemeClr val="lt1"/>
-          </a:fontRef>
-        </p:style>
-        <p:txBody>
-          <a:bodyPr rtlCol="0" anchor="ctr"/>
-          <a:lstStyle/>
-          <a:p>
-            <a:pPr algn="ctr"/>
-            <a:endParaRPr lang="en-US" dirty="0"/>
-          </a:p>
-        </p:txBody>
-      </p:sp>
-      <p:sp>
-        <p:nvSpPr>
-          <p:cNvPr id="27" name="Slide Number Placeholder 6">
-            <a:extLst>
-              <a:ext uri="{FF2B5EF4-FFF2-40B4-BE49-F238E27FC236}">
-                <a16:creationId xmlns:a16="http://schemas.microsoft.com/office/drawing/2014/main" id="{CEACC96B-4AEF-4D80-90D4-722D26A373FA}"/>
-              </a:ext>
-            </a:extLst>
-          </p:cNvPr>
-          <p:cNvSpPr>
-            <a:spLocks noGrp="1"/>
-          </p:cNvSpPr>
-          <p:nvPr>
-            <p:ph type="sldNum" sz="quarter" idx="29"/>
-          </p:nvPr>
-        </p:nvSpPr>
-        <p:spPr>
-          <a:xfrm>
-            <a:off x="11194169" y="6217920"/>
-            <a:ext cx="458592" cy="365125"/>
-          </a:xfrm>
-        </p:spPr>
-        <p:txBody>
-          <a:bodyPr/>
-          <a:lstStyle/>
-          <a:p>
-            <a:fld id="{47FEACEE-25B4-4A2D-B147-27296E36371D}" type="slidenum">
-              <a:rPr lang="en-US" altLang="zh-CN" smtClean="0">
-                <a:solidFill>
-                  <a:srgbClr val="1F1F1F"/>
-                </a:solidFill>
-                <a:latin typeface="Abadi" panose="020B0604020104020204" pitchFamily="34" charset="0"/>
-              </a:rPr>
-              <a:pPr/>
-              <a:t>2</a:t>
-            </a:fld>
-            <a:endParaRPr lang="en-US" altLang="zh-CN" dirty="0">
-              <a:solidFill>
-                <a:srgbClr val="1F1F1F"/>
-              </a:solidFill>
-              <a:latin typeface="Abadi" panose="020B0604020104020204" pitchFamily="34" charset="0"/>
-            </a:endParaRPr>
-          </a:p>
-        </p:txBody>
-      </p:sp>
-      <p:sp>
-        <p:nvSpPr>
-          <p:cNvPr id="28" name="Footer Placeholder 4">
-            <a:extLst>
-              <a:ext uri="{FF2B5EF4-FFF2-40B4-BE49-F238E27FC236}">
-                <a16:creationId xmlns:a16="http://schemas.microsoft.com/office/drawing/2014/main" id="{25A5F7CA-803E-4152-923B-9ED8095FF226}"/>
-              </a:ext>
-            </a:extLst>
-          </p:cNvPr>
-          <p:cNvSpPr txBox="1">
-            <a:spLocks/>
-          </p:cNvSpPr>
-          <p:nvPr/>
-        </p:nvSpPr>
-        <p:spPr>
-          <a:xfrm>
-            <a:off x="8620218" y="6256093"/>
-            <a:ext cx="2573952" cy="288777"/>
-          </a:xfrm>
-          <a:prstGeom prst="rect">
-            <a:avLst/>
-          </a:prstGeom>
-        </p:spPr>
-        <p:txBody>
-          <a:bodyPr vert="horz" lIns="91440" tIns="45720" rIns="91440" bIns="45720" rtlCol="0">
-            <a:noAutofit/>
-          </a:bodyPr>
-          <a:lstStyle>
-            <a:lvl1pPr marL="228600" indent="-228600" algn="l" defTabSz="914400" rtl="0" eaLnBrk="1" latinLnBrk="0" hangingPunct="1">
-              <a:lnSpc>
-                <a:spcPct val="100000"/>
-              </a:lnSpc>
-              <a:spcBef>
-                <a:spcPts val="0"/>
-              </a:spcBef>
-              <a:spcAft>
-                <a:spcPts val="600"/>
-              </a:spcAft>
-              <a:buFont typeface="Arial" panose="020B0604020202020204" pitchFamily="34" charset="0"/>
-              <a:buChar char="•"/>
-              <a:defRPr sz="1400" b="0" kern="1200">
-                <a:solidFill>
-                  <a:schemeClr val="accent6"/>
-                </a:solidFill>
-                <a:latin typeface="+mn-lt"/>
-                <a:ea typeface="+mn-ea"/>
-                <a:cs typeface="+mn-cs"/>
-              </a:defRPr>
-            </a:lvl1pPr>
-            <a:lvl2pPr marL="685800" indent="-228600" algn="l" defTabSz="914400" rtl="0" eaLnBrk="1" latinLnBrk="0" hangingPunct="1">
-              <a:lnSpc>
-                <a:spcPct val="90000"/>
-              </a:lnSpc>
-              <a:spcBef>
-                <a:spcPts val="500"/>
-              </a:spcBef>
-              <a:buFont typeface="Arial" panose="020B0604020202020204" pitchFamily="34" charset="0"/>
-              <a:buChar char="•"/>
-              <a:defRPr sz="1000" kern="1200">
-                <a:solidFill>
-                  <a:schemeClr val="accent6"/>
-                </a:solidFill>
-                <a:latin typeface="+mn-lt"/>
-                <a:ea typeface="+mn-ea"/>
-                <a:cs typeface="+mn-cs"/>
-              </a:defRPr>
-            </a:lvl2pPr>
-            <a:lvl3pPr marL="1143000" indent="-228600" algn="l" defTabSz="914400" rtl="0" eaLnBrk="1" latinLnBrk="0" hangingPunct="1">
-              <a:lnSpc>
-                <a:spcPct val="90000"/>
-              </a:lnSpc>
-              <a:spcBef>
-                <a:spcPts val="500"/>
-              </a:spcBef>
-              <a:buFont typeface="Arial" panose="020B0604020202020204" pitchFamily="34" charset="0"/>
-              <a:buChar char="•"/>
-              <a:defRPr sz="900" kern="1200">
-                <a:solidFill>
-                  <a:schemeClr val="accent6"/>
-                </a:solidFill>
-                <a:latin typeface="+mn-lt"/>
-                <a:ea typeface="+mn-ea"/>
-                <a:cs typeface="+mn-cs"/>
-              </a:defRPr>
-            </a:lvl3pPr>
-            <a:lvl4pPr marL="1600200" indent="-228600" algn="l" defTabSz="914400" rtl="0" eaLnBrk="1" latinLnBrk="0" hangingPunct="1">
-              <a:lnSpc>
-                <a:spcPct val="90000"/>
-              </a:lnSpc>
-              <a:spcBef>
-                <a:spcPts val="500"/>
-              </a:spcBef>
-              <a:buFont typeface="Arial" panose="020B0604020202020204" pitchFamily="34" charset="0"/>
-              <a:buChar char="•"/>
-              <a:defRPr sz="800" kern="1200">
-                <a:solidFill>
-                  <a:schemeClr val="accent6"/>
-                </a:solidFill>
-                <a:latin typeface="+mn-lt"/>
-                <a:ea typeface="+mn-ea"/>
-                <a:cs typeface="+mn-cs"/>
-              </a:defRPr>
-            </a:lvl4pPr>
-            <a:lvl5pPr marL="2057400" indent="-228600" algn="l" defTabSz="914400" rtl="0" eaLnBrk="1" latinLnBrk="0" hangingPunct="1">
-              <a:lnSpc>
-                <a:spcPct val="90000"/>
-              </a:lnSpc>
-              <a:spcBef>
-                <a:spcPts val="500"/>
-              </a:spcBef>
-              <a:buFont typeface="Arial" panose="020B0604020202020204" pitchFamily="34" charset="0"/>
-              <a:buChar char="•"/>
-              <a:defRPr sz="800" kern="1200">
-                <a:solidFill>
-                  <a:schemeClr val="accent6"/>
-                </a:solidFill>
-                <a:latin typeface="+mn-lt"/>
-                <a:ea typeface="+mn-ea"/>
-                <a:cs typeface="+mn-cs"/>
-              </a:defRPr>
-            </a:lvl5pPr>
-            <a:lvl6pPr marL="2514600" indent="-228600" algn="l" defTabSz="914400" rtl="0" eaLnBrk="1" latinLnBrk="0" hangingPunct="1">
-              <a:lnSpc>
-                <a:spcPct val="90000"/>
-              </a:lnSpc>
-              <a:spcBef>
-                <a:spcPts val="500"/>
-              </a:spcBef>
-              <a:buFont typeface="Arial" panose="020B0604020202020204" pitchFamily="34" charset="0"/>
-              <a:buChar char="•"/>
-              <a:defRPr sz="1800" kern="1200">
-                <a:solidFill>
-                  <a:schemeClr val="tx1"/>
-                </a:solidFill>
-                <a:latin typeface="+mn-lt"/>
-                <a:ea typeface="+mn-ea"/>
-                <a:cs typeface="+mn-cs"/>
-              </a:defRPr>
-            </a:lvl6pPr>
-            <a:lvl7pPr marL="2971800" indent="-228600" algn="l" defTabSz="914400" rtl="0" eaLnBrk="1" latinLnBrk="0" hangingPunct="1">
-              <a:lnSpc>
-                <a:spcPct val="90000"/>
-              </a:lnSpc>
-              <a:spcBef>
-                <a:spcPts val="500"/>
-              </a:spcBef>
-              <a:buFont typeface="Arial" panose="020B0604020202020204" pitchFamily="34" charset="0"/>
-              <a:buChar char="•"/>
-              <a:defRPr sz="1800" kern="1200">
-                <a:solidFill>
-                  <a:schemeClr val="tx1"/>
-                </a:solidFill>
-                <a:latin typeface="+mn-lt"/>
-                <a:ea typeface="+mn-ea"/>
-                <a:cs typeface="+mn-cs"/>
-              </a:defRPr>
-            </a:lvl7pPr>
-            <a:lvl8pPr marL="3429000" indent="-228600" algn="l" defTabSz="914400" rtl="0" eaLnBrk="1" latinLnBrk="0" hangingPunct="1">
-              <a:lnSpc>
-                <a:spcPct val="90000"/>
-              </a:lnSpc>
-              <a:spcBef>
-                <a:spcPts val="500"/>
-              </a:spcBef>
-              <a:buFont typeface="Arial" panose="020B0604020202020204" pitchFamily="34" charset="0"/>
-              <a:buChar char="•"/>
-              <a:defRPr sz="1800" kern="1200">
-                <a:solidFill>
-                  <a:schemeClr val="tx1"/>
-                </a:solidFill>
-                <a:latin typeface="+mn-lt"/>
-                <a:ea typeface="+mn-ea"/>
-                <a:cs typeface="+mn-cs"/>
-              </a:defRPr>
-            </a:lvl8pPr>
-            <a:lvl9pPr marL="3886200" indent="-228600" algn="l" defTabSz="914400" rtl="0" eaLnBrk="1" latinLnBrk="0" hangingPunct="1">
-              <a:lnSpc>
-                <a:spcPct val="90000"/>
-              </a:lnSpc>
-              <a:spcBef>
-                <a:spcPts val="500"/>
-              </a:spcBef>
-              <a:buFont typeface="Arial" panose="020B0604020202020204" pitchFamily="34" charset="0"/>
-              <a:buChar char="•"/>
-              <a:defRPr sz="1800" kern="1200">
-                <a:solidFill>
-                  <a:schemeClr val="tx1"/>
-                </a:solidFill>
-                <a:latin typeface="+mn-lt"/>
-                <a:ea typeface="+mn-ea"/>
-                <a:cs typeface="+mn-cs"/>
-              </a:defRPr>
-            </a:lvl9pPr>
-          </a:lstStyle>
-          <a:p>
-            <a:pPr marL="0" indent="0">
-              <a:buNone/>
-            </a:pPr>
-            <a:r>
-              <a:rPr lang="en-US" altLang="zh-CN" sz="1200" dirty="0">
-                <a:solidFill>
-                  <a:srgbClr val="1F1F1F"/>
-                </a:solidFill>
-                <a:latin typeface="Abadi" panose="020B0604020104020204" pitchFamily="34" charset="0"/>
-              </a:rPr>
-              <a:t>TELCO CHURN PREDICTION MODEL</a:t>
-            </a:r>
-            <a:endParaRPr lang="en-US" dirty="0">
-              <a:solidFill>
-                <a:srgbClr val="1F1F1F"/>
-              </a:solidFill>
-              <a:latin typeface="Abadi" panose="020B0604020104020204" pitchFamily="34" charset="0"/>
-            </a:endParaRPr>
-          </a:p>
-        </p:txBody>
-      </p:sp>
-      <p:sp>
-        <p:nvSpPr>
-          <p:cNvPr id="34" name="TextBox 33">
-            <a:extLst>
-              <a:ext uri="{FF2B5EF4-FFF2-40B4-BE49-F238E27FC236}">
-                <a16:creationId xmlns:a16="http://schemas.microsoft.com/office/drawing/2014/main" id="{47B15B13-0900-42E0-A975-51E7083C50E9}"/>
-              </a:ext>
-            </a:extLst>
-          </p:cNvPr>
-          <p:cNvSpPr txBox="1"/>
-          <p:nvPr/>
-        </p:nvSpPr>
-        <p:spPr>
-          <a:xfrm>
-            <a:off x="581710" y="1390243"/>
-            <a:ext cx="10243308" cy="1231106"/>
-          </a:xfrm>
-          <a:prstGeom prst="rect">
-            <a:avLst/>
-          </a:prstGeom>
-        </p:spPr>
-        <p:txBody>
-          <a:bodyPr wrap="square" rtlCol="0">
-            <a:spAutoFit/>
-          </a:bodyPr>
-          <a:lstStyle/>
-          <a:p>
-            <a:r>
-              <a:rPr lang="en-US" altLang="zh-CN" sz="2000" b="1" dirty="0">
-                <a:solidFill>
-                  <a:srgbClr val="1F1F1F"/>
-                </a:solidFill>
-                <a:latin typeface="Abadi (Body)"/>
-              </a:rPr>
-              <a:t>Problem context</a:t>
-            </a:r>
-          </a:p>
-          <a:p>
-            <a:pPr marL="285750" indent="-285750">
-              <a:buFont typeface="Arial" panose="020B0604020202020204" pitchFamily="34" charset="0"/>
-              <a:buChar char="•"/>
-            </a:pPr>
-            <a:r>
-              <a:rPr lang="en-US" dirty="0">
-                <a:solidFill>
-                  <a:srgbClr val="1F1F1F"/>
-                </a:solidFill>
-                <a:latin typeface="Abadi (Body)"/>
-              </a:rPr>
-              <a:t>Retaining existing customers is usually cheaper than acquiring new ones.</a:t>
-            </a:r>
-          </a:p>
-          <a:p>
-            <a:pPr marL="285750" indent="-285750">
-              <a:buFont typeface="Arial" panose="020B0604020202020204" pitchFamily="34" charset="0"/>
-              <a:buChar char="•"/>
-            </a:pPr>
-            <a:r>
-              <a:rPr lang="en-US" dirty="0">
-                <a:solidFill>
-                  <a:srgbClr val="1F1F1F"/>
-                </a:solidFill>
-                <a:latin typeface="Abadi (Body)"/>
-              </a:rPr>
-              <a:t>A Bain &amp; Company study found it can be 5 to 7 times more expensive to get new customers. </a:t>
-            </a:r>
-          </a:p>
-          <a:p>
-            <a:pPr marL="285750" indent="-285750">
-              <a:buFont typeface="Arial" panose="020B0604020202020204" pitchFamily="34" charset="0"/>
-              <a:buChar char="•"/>
-            </a:pPr>
-            <a:r>
-              <a:rPr lang="en-US" dirty="0">
-                <a:solidFill>
-                  <a:srgbClr val="1F1F1F"/>
-                </a:solidFill>
-                <a:latin typeface="Abadi (Body)"/>
-              </a:rPr>
-              <a:t>Existing customers are often more loyal and likely to continue their relationship with your business.</a:t>
-            </a:r>
-          </a:p>
-        </p:txBody>
-      </p:sp>
-      <p:sp>
-        <p:nvSpPr>
-          <p:cNvPr id="40" name="TextBox 39">
-            <a:extLst>
-              <a:ext uri="{FF2B5EF4-FFF2-40B4-BE49-F238E27FC236}">
-                <a16:creationId xmlns:a16="http://schemas.microsoft.com/office/drawing/2014/main" id="{51336076-D109-4587-8134-992851D7C7E2}"/>
-              </a:ext>
-            </a:extLst>
-          </p:cNvPr>
-          <p:cNvSpPr txBox="1"/>
-          <p:nvPr/>
-        </p:nvSpPr>
-        <p:spPr>
-          <a:xfrm>
-            <a:off x="581708" y="2814452"/>
-            <a:ext cx="10243307" cy="1231106"/>
-          </a:xfrm>
-          <a:prstGeom prst="rect">
-            <a:avLst/>
-          </a:prstGeom>
-        </p:spPr>
-        <p:txBody>
-          <a:bodyPr wrap="square" rtlCol="0">
-            <a:spAutoFit/>
-          </a:bodyPr>
-          <a:lstStyle/>
-          <a:p>
-            <a:r>
-              <a:rPr lang="en-US" altLang="zh-CN" sz="2000" b="1" dirty="0">
-                <a:solidFill>
-                  <a:srgbClr val="1F1F1F"/>
-                </a:solidFill>
-                <a:latin typeface="Abadi (Body)"/>
-                <a:ea typeface="+mn-ea"/>
-                <a:cs typeface="+mn-cs"/>
-              </a:rPr>
-              <a:t>Challenges</a:t>
-            </a:r>
-          </a:p>
-          <a:p>
-            <a:pPr marL="285750" indent="-285750">
-              <a:buFont typeface="Arial" panose="020B0604020202020204" pitchFamily="34" charset="0"/>
-              <a:buChar char="•"/>
-            </a:pPr>
-            <a:r>
-              <a:rPr lang="en-US" sz="1800" b="0" dirty="0">
-                <a:solidFill>
-                  <a:srgbClr val="1F1F1F"/>
-                </a:solidFill>
-                <a:latin typeface="Abadi (Body)"/>
-                <a:ea typeface="+mn-ea"/>
-                <a:cs typeface="+mn-cs"/>
-              </a:rPr>
-              <a:t>Imbalanced dataset</a:t>
-            </a:r>
-          </a:p>
-          <a:p>
-            <a:pPr marL="285750" indent="-285750">
-              <a:buFont typeface="Arial" panose="020B0604020202020204" pitchFamily="34" charset="0"/>
-              <a:buChar char="•"/>
-            </a:pPr>
-            <a:r>
-              <a:rPr lang="en-US" sz="1800" b="0" dirty="0">
-                <a:solidFill>
-                  <a:srgbClr val="1F1F1F"/>
-                </a:solidFill>
-                <a:latin typeface="Abadi (Body)"/>
-                <a:ea typeface="+mn-ea"/>
-                <a:cs typeface="+mn-cs"/>
-              </a:rPr>
-              <a:t>Metrics for measurement</a:t>
-            </a:r>
-          </a:p>
-          <a:p>
-            <a:pPr marL="285750" indent="-285750">
-              <a:buFont typeface="Arial" panose="020B0604020202020204" pitchFamily="34" charset="0"/>
-              <a:buChar char="•"/>
-            </a:pPr>
-            <a:r>
-              <a:rPr lang="en-US" sz="1800" b="0" dirty="0">
-                <a:solidFill>
-                  <a:srgbClr val="1F1F1F"/>
-                </a:solidFill>
-                <a:latin typeface="Abadi (Body)"/>
-                <a:ea typeface="+mn-ea"/>
-                <a:cs typeface="+mn-cs"/>
-              </a:rPr>
-              <a:t>Threshold selection</a:t>
-            </a:r>
-          </a:p>
-        </p:txBody>
-      </p:sp>
-      <p:sp>
-        <p:nvSpPr>
-          <p:cNvPr id="33" name="Title 6">
-            <a:extLst>
-              <a:ext uri="{FF2B5EF4-FFF2-40B4-BE49-F238E27FC236}">
-                <a16:creationId xmlns:a16="http://schemas.microsoft.com/office/drawing/2014/main" id="{E18B3105-34E9-4CD4-A8B2-5539F51E03E9}"/>
-              </a:ext>
-            </a:extLst>
-          </p:cNvPr>
-          <p:cNvSpPr txBox="1">
-            <a:spLocks/>
-          </p:cNvSpPr>
-          <p:nvPr/>
-        </p:nvSpPr>
-        <p:spPr>
-          <a:xfrm>
-            <a:off x="581709" y="4259259"/>
-            <a:ext cx="808326" cy="391629"/>
-          </a:xfrm>
-          <a:prstGeom prst="rect">
-            <a:avLst/>
-          </a:prstGeom>
-        </p:spPr>
-        <p:txBody>
-          <a:bodyPr vert="horz" lIns="91440" tIns="45720" rIns="91440" bIns="45720" rtlCol="0" anchor="t">
-            <a:noAutofit/>
-          </a:bodyPr>
-          <a:lstStyle>
-            <a:lvl1pPr algn="l" defTabSz="914400" rtl="0" eaLnBrk="1" latinLnBrk="0" hangingPunct="1">
-              <a:lnSpc>
-                <a:spcPct val="90000"/>
-              </a:lnSpc>
-              <a:spcBef>
-                <a:spcPct val="0"/>
-              </a:spcBef>
-              <a:buNone/>
-              <a:defRPr sz="4400" b="1" kern="1200">
-                <a:solidFill>
-                  <a:schemeClr val="accent6"/>
-                </a:solidFill>
-                <a:latin typeface="+mj-lt"/>
-                <a:ea typeface="+mj-ea"/>
-                <a:cs typeface="+mj-cs"/>
-              </a:defRPr>
-            </a:lvl1pPr>
-          </a:lstStyle>
-          <a:p>
-            <a:r>
-              <a:rPr lang="en-US" sz="2000" dirty="0">
-                <a:solidFill>
-                  <a:srgbClr val="1F1F1F"/>
-                </a:solidFill>
-                <a:latin typeface="Abadi (Body)"/>
-                <a:ea typeface="+mn-ea"/>
-                <a:cs typeface="+mn-cs"/>
-              </a:rPr>
-              <a:t>Tools</a:t>
-            </a:r>
-            <a:endParaRPr lang="en-US" altLang="zh-CN" sz="2000" dirty="0">
-              <a:solidFill>
-                <a:srgbClr val="1F1F1F"/>
-              </a:solidFill>
-              <a:latin typeface="Abadi (Body)"/>
-              <a:ea typeface="+mn-ea"/>
-              <a:cs typeface="+mn-cs"/>
-            </a:endParaRPr>
-          </a:p>
-        </p:txBody>
-      </p:sp>
-      <p:sp>
-        <p:nvSpPr>
-          <p:cNvPr id="44" name="Title 6">
-            <a:extLst>
-              <a:ext uri="{FF2B5EF4-FFF2-40B4-BE49-F238E27FC236}">
-                <a16:creationId xmlns:a16="http://schemas.microsoft.com/office/drawing/2014/main" id="{869582DA-F41A-431D-9798-2087CEC030CE}"/>
-              </a:ext>
-            </a:extLst>
-          </p:cNvPr>
-          <p:cNvSpPr txBox="1">
-            <a:spLocks/>
-          </p:cNvSpPr>
-          <p:nvPr/>
-        </p:nvSpPr>
-        <p:spPr>
-          <a:xfrm>
-            <a:off x="3024484" y="4259259"/>
-            <a:ext cx="1187302" cy="391629"/>
-          </a:xfrm>
-          <a:prstGeom prst="rect">
-            <a:avLst/>
-          </a:prstGeom>
-        </p:spPr>
-        <p:txBody>
-          <a:bodyPr vert="horz" lIns="91440" tIns="45720" rIns="91440" bIns="45720" rtlCol="0" anchor="t">
-            <a:noAutofit/>
-          </a:bodyPr>
-          <a:lstStyle>
-            <a:lvl1pPr algn="l" defTabSz="914400" rtl="0" eaLnBrk="1" latinLnBrk="0" hangingPunct="1">
-              <a:lnSpc>
-                <a:spcPct val="90000"/>
-              </a:lnSpc>
-              <a:spcBef>
-                <a:spcPct val="0"/>
-              </a:spcBef>
-              <a:buNone/>
-              <a:defRPr sz="4400" b="1" kern="1200">
-                <a:solidFill>
-                  <a:schemeClr val="accent6"/>
-                </a:solidFill>
-                <a:latin typeface="+mj-lt"/>
-                <a:ea typeface="+mj-ea"/>
-                <a:cs typeface="+mj-cs"/>
-              </a:defRPr>
-            </a:lvl1pPr>
-          </a:lstStyle>
-          <a:p>
-            <a:r>
-              <a:rPr lang="en-US" sz="2000" dirty="0">
-                <a:solidFill>
-                  <a:srgbClr val="1F1F1F"/>
-                </a:solidFill>
-                <a:latin typeface="Abadi (Body)"/>
-                <a:ea typeface="+mn-ea"/>
-                <a:cs typeface="+mn-cs"/>
-              </a:rPr>
-              <a:t>Methods</a:t>
-            </a:r>
-            <a:endParaRPr lang="en-US" altLang="zh-CN" sz="2000" dirty="0">
-              <a:solidFill>
-                <a:srgbClr val="1F1F1F"/>
-              </a:solidFill>
-              <a:latin typeface="Abadi (Body)"/>
-              <a:ea typeface="+mn-ea"/>
-              <a:cs typeface="+mn-cs"/>
-            </a:endParaRPr>
-          </a:p>
-        </p:txBody>
-      </p:sp>
-      <p:pic>
-        <p:nvPicPr>
-          <p:cNvPr id="46" name="Picture 6" descr="Random Forest – TikZ.net">
-            <a:extLst>
-              <a:ext uri="{FF2B5EF4-FFF2-40B4-BE49-F238E27FC236}">
-                <a16:creationId xmlns:a16="http://schemas.microsoft.com/office/drawing/2014/main" id="{E80129DE-6672-4E33-9713-E25227A5616D}"/>
-              </a:ext>
-            </a:extLst>
-          </p:cNvPr>
-          <p:cNvPicPr>
-            <a:picLocks noChangeAspect="1" noChangeArrowheads="1"/>
-          </p:cNvPicPr>
-          <p:nvPr/>
-        </p:nvPicPr>
-        <p:blipFill>
-          <a:blip r:embed="rId3">
-            <a:extLst>
-              <a:ext uri="{28A0092B-C50C-407E-A947-70E740481C1C}">
-                <a14:useLocalDpi xmlns:a14="http://schemas.microsoft.com/office/drawing/2010/main" val="0"/>
-              </a:ext>
-            </a:extLst>
-          </a:blip>
-          <a:srcRect/>
-          <a:stretch>
-            <a:fillRect/>
-          </a:stretch>
-        </p:blipFill>
-        <p:spPr bwMode="auto">
-          <a:xfrm>
-            <a:off x="3065870" y="4650888"/>
-            <a:ext cx="992872" cy="718580"/>
-          </a:xfrm>
-          <a:prstGeom prst="rect">
-            <a:avLst/>
-          </a:prstGeom>
-          <a:noFill/>
-          <a:extLst>
-            <a:ext uri="{909E8E84-426E-40DD-AFC4-6F175D3DCCD1}">
-              <a14:hiddenFill xmlns:a14="http://schemas.microsoft.com/office/drawing/2010/main">
-                <a:solidFill>
-                  <a:srgbClr val="FFFFFF"/>
-                </a:solidFill>
-              </a14:hiddenFill>
-            </a:ext>
-          </a:extLst>
-        </p:spPr>
-      </p:pic>
-      <p:pic>
-        <p:nvPicPr>
-          <p:cNvPr id="48" name="Picture 8" descr="Top 5 Open-Source XGBoost Algorithm Projects to Study in 2023 | by Mrinal  Walia | Medium">
-            <a:extLst>
-              <a:ext uri="{FF2B5EF4-FFF2-40B4-BE49-F238E27FC236}">
-                <a16:creationId xmlns:a16="http://schemas.microsoft.com/office/drawing/2014/main" id="{38080960-69D1-4AF2-806B-436F0DA32D91}"/>
-              </a:ext>
-            </a:extLst>
-          </p:cNvPr>
-          <p:cNvPicPr>
-            <a:picLocks noChangeAspect="1" noChangeArrowheads="1"/>
-          </p:cNvPicPr>
-          <p:nvPr/>
-        </p:nvPicPr>
-        <p:blipFill rotWithShape="1">
-          <a:blip r:embed="rId4">
-            <a:extLst>
-              <a:ext uri="{28A0092B-C50C-407E-A947-70E740481C1C}">
-                <a14:useLocalDpi xmlns:a14="http://schemas.microsoft.com/office/drawing/2010/main" val="0"/>
-              </a:ext>
-            </a:extLst>
-          </a:blip>
-          <a:srcRect l="15640" t="25173" r="12494" b="23535"/>
-          <a:stretch/>
-        </p:blipFill>
-        <p:spPr bwMode="auto">
-          <a:xfrm>
-            <a:off x="5475545" y="4757742"/>
-            <a:ext cx="1427089" cy="565862"/>
-          </a:xfrm>
-          <a:prstGeom prst="rect">
-            <a:avLst/>
-          </a:prstGeom>
-          <a:noFill/>
-          <a:extLst>
-            <a:ext uri="{909E8E84-426E-40DD-AFC4-6F175D3DCCD1}">
-              <a14:hiddenFill xmlns:a14="http://schemas.microsoft.com/office/drawing/2010/main">
-                <a:solidFill>
-                  <a:srgbClr val="FFFFFF"/>
-                </a:solidFill>
-              </a14:hiddenFill>
-            </a:ext>
-          </a:extLst>
-        </p:spPr>
-      </p:pic>
-      <p:pic>
-        <p:nvPicPr>
-          <p:cNvPr id="49" name="Picture 10" descr="GitHub - microsoft/LightGBM: A fast, distributed, high performance gradient  boosting (GBT, GBDT, GBRT, GBM or MART) framework based on decision tree  algorithms, used for ranking, classification and many other machine  learning tasks.">
-            <a:extLst>
-              <a:ext uri="{FF2B5EF4-FFF2-40B4-BE49-F238E27FC236}">
-                <a16:creationId xmlns:a16="http://schemas.microsoft.com/office/drawing/2014/main" id="{FF66F2D2-7DC2-4C78-8DBE-74CDAB5B68A7}"/>
-              </a:ext>
-            </a:extLst>
-          </p:cNvPr>
-          <p:cNvPicPr>
-            <a:picLocks noChangeAspect="1" noChangeArrowheads="1"/>
-          </p:cNvPicPr>
-          <p:nvPr/>
-        </p:nvPicPr>
-        <p:blipFill>
-          <a:blip r:embed="rId5">
-            <a:extLst>
-              <a:ext uri="{28A0092B-C50C-407E-A947-70E740481C1C}">
-                <a14:useLocalDpi xmlns:a14="http://schemas.microsoft.com/office/drawing/2010/main" val="0"/>
-              </a:ext>
-            </a:extLst>
-          </a:blip>
-          <a:srcRect/>
-          <a:stretch>
-            <a:fillRect/>
-          </a:stretch>
-        </p:blipFill>
-        <p:spPr bwMode="auto">
-          <a:xfrm>
-            <a:off x="4181912" y="4716567"/>
-            <a:ext cx="1296425" cy="648213"/>
-          </a:xfrm>
-          <a:prstGeom prst="rect">
-            <a:avLst/>
-          </a:prstGeom>
-          <a:noFill/>
-          <a:extLst>
-            <a:ext uri="{909E8E84-426E-40DD-AFC4-6F175D3DCCD1}">
-              <a14:hiddenFill xmlns:a14="http://schemas.microsoft.com/office/drawing/2010/main">
-                <a:solidFill>
-                  <a:srgbClr val="FFFFFF"/>
-                </a:solidFill>
-              </a14:hiddenFill>
-            </a:ext>
-          </a:extLst>
-        </p:spPr>
-      </p:pic>
-      <p:pic>
-        <p:nvPicPr>
-          <p:cNvPr id="50" name="Picture 12" descr="Explainable AI (XAI): Understanding the SHAP magic | by Gaurav Agarwal |  Medium">
-            <a:extLst>
-              <a:ext uri="{FF2B5EF4-FFF2-40B4-BE49-F238E27FC236}">
-                <a16:creationId xmlns:a16="http://schemas.microsoft.com/office/drawing/2014/main" id="{E2BC4D4A-B1A4-4216-9D96-D4F914866921}"/>
-              </a:ext>
-            </a:extLst>
-          </p:cNvPr>
-          <p:cNvPicPr>
-            <a:picLocks noChangeAspect="1" noChangeArrowheads="1"/>
-          </p:cNvPicPr>
-          <p:nvPr/>
-        </p:nvPicPr>
-        <p:blipFill rotWithShape="1">
-          <a:blip r:embed="rId6">
-            <a:extLst>
-              <a:ext uri="{28A0092B-C50C-407E-A947-70E740481C1C}">
-                <a14:useLocalDpi xmlns:a14="http://schemas.microsoft.com/office/drawing/2010/main" val="0"/>
-              </a:ext>
-            </a:extLst>
-          </a:blip>
-          <a:srcRect l="31638" t="1" r="34864" b="39003"/>
-          <a:stretch/>
-        </p:blipFill>
-        <p:spPr bwMode="auto">
-          <a:xfrm>
-            <a:off x="5895652" y="5671995"/>
-            <a:ext cx="574676" cy="587516"/>
-          </a:xfrm>
-          <a:prstGeom prst="rect">
-            <a:avLst/>
-          </a:prstGeom>
-          <a:noFill/>
-          <a:extLst>
-            <a:ext uri="{909E8E84-426E-40DD-AFC4-6F175D3DCCD1}">
-              <a14:hiddenFill xmlns:a14="http://schemas.microsoft.com/office/drawing/2010/main">
-                <a:solidFill>
-                  <a:srgbClr val="FFFFFF"/>
-                </a:solidFill>
-              </a14:hiddenFill>
-            </a:ext>
-          </a:extLst>
-        </p:spPr>
-      </p:pic>
-      <p:pic>
-        <p:nvPicPr>
-          <p:cNvPr id="51" name="Picture 14" descr="Grid Search vs Random Search. In this article, we will focus on two… | by  Deepak Senapati | Medium">
-            <a:extLst>
-              <a:ext uri="{FF2B5EF4-FFF2-40B4-BE49-F238E27FC236}">
-                <a16:creationId xmlns:a16="http://schemas.microsoft.com/office/drawing/2014/main" id="{50A82AD9-FD10-4AAB-B8C3-5BAC21FCB66A}"/>
-              </a:ext>
-            </a:extLst>
-          </p:cNvPr>
-          <p:cNvPicPr>
-            <a:picLocks noChangeAspect="1" noChangeArrowheads="1"/>
-          </p:cNvPicPr>
-          <p:nvPr/>
-        </p:nvPicPr>
-        <p:blipFill rotWithShape="1">
-          <a:blip r:embed="rId7">
-            <a:extLst>
-              <a:ext uri="{28A0092B-C50C-407E-A947-70E740481C1C}">
-                <a14:useLocalDpi xmlns:a14="http://schemas.microsoft.com/office/drawing/2010/main" val="0"/>
-              </a:ext>
-            </a:extLst>
-          </a:blip>
-          <a:srcRect l="55981" t="20180" r="6802" b="8564"/>
-          <a:stretch/>
-        </p:blipFill>
-        <p:spPr bwMode="auto">
-          <a:xfrm>
-            <a:off x="4545442" y="5688083"/>
-            <a:ext cx="574677" cy="594630"/>
-          </a:xfrm>
-          <a:prstGeom prst="rect">
-            <a:avLst/>
-          </a:prstGeom>
-          <a:noFill/>
-          <a:extLst>
-            <a:ext uri="{909E8E84-426E-40DD-AFC4-6F175D3DCCD1}">
-              <a14:hiddenFill xmlns:a14="http://schemas.microsoft.com/office/drawing/2010/main">
-                <a:solidFill>
-                  <a:srgbClr val="FFFFFF"/>
-                </a:solidFill>
-              </a14:hiddenFill>
-            </a:ext>
-          </a:extLst>
-        </p:spPr>
-      </p:pic>
-      <p:sp>
-        <p:nvSpPr>
-          <p:cNvPr id="52" name="TextBox 51">
-            <a:extLst>
-              <a:ext uri="{FF2B5EF4-FFF2-40B4-BE49-F238E27FC236}">
-                <a16:creationId xmlns:a16="http://schemas.microsoft.com/office/drawing/2014/main" id="{251551CD-F3FE-41F5-8EDF-EA06A952A0B0}"/>
-              </a:ext>
-            </a:extLst>
-          </p:cNvPr>
-          <p:cNvSpPr txBox="1"/>
-          <p:nvPr/>
-        </p:nvSpPr>
-        <p:spPr>
-          <a:xfrm>
-            <a:off x="3024143" y="5321731"/>
-            <a:ext cx="1076326" cy="261610"/>
-          </a:xfrm>
-          <a:prstGeom prst="rect">
-            <a:avLst/>
-          </a:prstGeom>
-        </p:spPr>
-        <p:txBody>
-          <a:bodyPr wrap="square" rtlCol="0">
-            <a:spAutoFit/>
-          </a:bodyPr>
-          <a:lstStyle/>
-          <a:p>
-            <a:pPr marL="0" indent="0" algn="ctr">
-              <a:lnSpc>
-                <a:spcPct val="100000"/>
-              </a:lnSpc>
-              <a:spcBef>
-                <a:spcPts val="0"/>
-              </a:spcBef>
-              <a:buFontTx/>
-              <a:buNone/>
-            </a:pPr>
-            <a:r>
-              <a:rPr lang="en-US" sz="1050" dirty="0">
-                <a:solidFill>
-                  <a:schemeClr val="tx1">
-                    <a:lumMod val="75000"/>
-                    <a:lumOff val="25000"/>
-                  </a:schemeClr>
-                </a:solidFill>
-                <a:latin typeface="Abadi (Body)"/>
-                <a:ea typeface="微软雅黑"/>
-                <a:cs typeface="Posterama" panose="020B0504020200020000" pitchFamily="34" charset="0"/>
-              </a:rPr>
-              <a:t>Random forest</a:t>
-            </a:r>
-          </a:p>
-        </p:txBody>
-      </p:sp>
-      <p:sp>
-        <p:nvSpPr>
-          <p:cNvPr id="53" name="TextBox 52">
-            <a:extLst>
-              <a:ext uri="{FF2B5EF4-FFF2-40B4-BE49-F238E27FC236}">
-                <a16:creationId xmlns:a16="http://schemas.microsoft.com/office/drawing/2014/main" id="{71B210EF-001A-44E8-956C-93B79783DB2D}"/>
-              </a:ext>
-            </a:extLst>
-          </p:cNvPr>
-          <p:cNvSpPr txBox="1"/>
-          <p:nvPr/>
-        </p:nvSpPr>
-        <p:spPr>
-          <a:xfrm>
-            <a:off x="5656910" y="5321731"/>
-            <a:ext cx="1076326" cy="261610"/>
-          </a:xfrm>
-          <a:prstGeom prst="rect">
-            <a:avLst/>
-          </a:prstGeom>
-        </p:spPr>
-        <p:txBody>
-          <a:bodyPr wrap="square" rtlCol="0">
-            <a:spAutoFit/>
-          </a:bodyPr>
-          <a:lstStyle/>
-          <a:p>
-            <a:pPr marL="0" indent="0" algn="ctr">
-              <a:lnSpc>
-                <a:spcPct val="100000"/>
-              </a:lnSpc>
-              <a:spcBef>
-                <a:spcPts val="0"/>
-              </a:spcBef>
-              <a:buFontTx/>
-              <a:buNone/>
-            </a:pPr>
-            <a:r>
-              <a:rPr lang="en-US" sz="1050" dirty="0" err="1">
-                <a:solidFill>
-                  <a:schemeClr val="tx1">
-                    <a:lumMod val="75000"/>
-                    <a:lumOff val="25000"/>
-                  </a:schemeClr>
-                </a:solidFill>
-                <a:latin typeface="Abadi (Body)"/>
-                <a:ea typeface="微软雅黑"/>
-                <a:cs typeface="Posterama" panose="020B0504020200020000" pitchFamily="34" charset="0"/>
-              </a:rPr>
-              <a:t>XGBoost</a:t>
-            </a:r>
-            <a:endParaRPr lang="en-US" sz="1050" dirty="0">
-              <a:solidFill>
-                <a:schemeClr val="tx1">
-                  <a:lumMod val="75000"/>
-                  <a:lumOff val="25000"/>
-                </a:schemeClr>
-              </a:solidFill>
-              <a:latin typeface="Abadi (Body)"/>
-              <a:ea typeface="微软雅黑"/>
-              <a:cs typeface="Posterama" panose="020B0504020200020000" pitchFamily="34" charset="0"/>
-            </a:endParaRPr>
-          </a:p>
-        </p:txBody>
-      </p:sp>
-      <p:sp>
-        <p:nvSpPr>
-          <p:cNvPr id="54" name="TextBox 53">
-            <a:extLst>
-              <a:ext uri="{FF2B5EF4-FFF2-40B4-BE49-F238E27FC236}">
-                <a16:creationId xmlns:a16="http://schemas.microsoft.com/office/drawing/2014/main" id="{F2DB6DDB-1F3B-44CD-A38B-5952F6C0F61E}"/>
-              </a:ext>
-            </a:extLst>
-          </p:cNvPr>
-          <p:cNvSpPr txBox="1"/>
-          <p:nvPr/>
-        </p:nvSpPr>
-        <p:spPr>
-          <a:xfrm>
-            <a:off x="4351250" y="5321731"/>
-            <a:ext cx="1076326" cy="261610"/>
-          </a:xfrm>
-          <a:prstGeom prst="rect">
-            <a:avLst/>
-          </a:prstGeom>
-        </p:spPr>
-        <p:txBody>
-          <a:bodyPr wrap="square" rtlCol="0">
-            <a:spAutoFit/>
-          </a:bodyPr>
-          <a:lstStyle/>
-          <a:p>
-            <a:pPr marL="0" indent="0" algn="ctr">
-              <a:lnSpc>
-                <a:spcPct val="100000"/>
-              </a:lnSpc>
-              <a:spcBef>
-                <a:spcPts val="0"/>
-              </a:spcBef>
-              <a:buFontTx/>
-              <a:buNone/>
-            </a:pPr>
-            <a:r>
-              <a:rPr lang="en-US" sz="1050" dirty="0" err="1">
-                <a:solidFill>
-                  <a:schemeClr val="tx1">
-                    <a:lumMod val="75000"/>
-                    <a:lumOff val="25000"/>
-                  </a:schemeClr>
-                </a:solidFill>
-                <a:latin typeface="Abadi (Body)"/>
-                <a:ea typeface="微软雅黑"/>
-                <a:cs typeface="Posterama" panose="020B0504020200020000" pitchFamily="34" charset="0"/>
-              </a:rPr>
-              <a:t>LightGBM</a:t>
-            </a:r>
-            <a:endParaRPr lang="en-US" sz="1050" dirty="0">
-              <a:solidFill>
-                <a:schemeClr val="tx1">
-                  <a:lumMod val="75000"/>
-                  <a:lumOff val="25000"/>
-                </a:schemeClr>
-              </a:solidFill>
-              <a:latin typeface="Abadi (Body)"/>
-              <a:ea typeface="微软雅黑"/>
-              <a:cs typeface="Posterama" panose="020B0504020200020000" pitchFamily="34" charset="0"/>
-            </a:endParaRPr>
-          </a:p>
-        </p:txBody>
-      </p:sp>
-      <p:sp>
-        <p:nvSpPr>
-          <p:cNvPr id="55" name="TextBox 54">
-            <a:extLst>
-              <a:ext uri="{FF2B5EF4-FFF2-40B4-BE49-F238E27FC236}">
-                <a16:creationId xmlns:a16="http://schemas.microsoft.com/office/drawing/2014/main" id="{90EF4F9C-64A9-46D5-BE10-811EBB269434}"/>
-              </a:ext>
-            </a:extLst>
-          </p:cNvPr>
-          <p:cNvSpPr txBox="1"/>
-          <p:nvPr/>
-        </p:nvSpPr>
-        <p:spPr>
-          <a:xfrm>
-            <a:off x="5846709" y="6291582"/>
-            <a:ext cx="650241" cy="261610"/>
-          </a:xfrm>
-          <a:prstGeom prst="rect">
-            <a:avLst/>
-          </a:prstGeom>
-        </p:spPr>
-        <p:txBody>
-          <a:bodyPr wrap="square" rtlCol="0">
-            <a:spAutoFit/>
-          </a:bodyPr>
-          <a:lstStyle/>
-          <a:p>
-            <a:pPr marL="0" indent="0" algn="ctr">
-              <a:lnSpc>
-                <a:spcPct val="100000"/>
-              </a:lnSpc>
-              <a:spcBef>
-                <a:spcPts val="0"/>
-              </a:spcBef>
-              <a:buFontTx/>
-              <a:buNone/>
-            </a:pPr>
-            <a:r>
-              <a:rPr lang="en-US" sz="1050" dirty="0">
-                <a:solidFill>
-                  <a:schemeClr val="tx1">
-                    <a:lumMod val="75000"/>
-                    <a:lumOff val="25000"/>
-                  </a:schemeClr>
-                </a:solidFill>
-                <a:latin typeface="Abadi (Body)"/>
-                <a:ea typeface="微软雅黑"/>
-                <a:cs typeface="Posterama" panose="020B0504020200020000" pitchFamily="34" charset="0"/>
-              </a:rPr>
-              <a:t>SHAP</a:t>
-            </a:r>
-          </a:p>
-        </p:txBody>
-      </p:sp>
-      <p:sp>
-        <p:nvSpPr>
-          <p:cNvPr id="56" name="TextBox 55">
-            <a:extLst>
-              <a:ext uri="{FF2B5EF4-FFF2-40B4-BE49-F238E27FC236}">
-                <a16:creationId xmlns:a16="http://schemas.microsoft.com/office/drawing/2014/main" id="{CCBCF4D5-7DB4-48CA-B126-E8042E4D7E64}"/>
-              </a:ext>
-            </a:extLst>
-          </p:cNvPr>
-          <p:cNvSpPr txBox="1"/>
-          <p:nvPr/>
-        </p:nvSpPr>
-        <p:spPr>
-          <a:xfrm>
-            <a:off x="4140785" y="6302075"/>
-            <a:ext cx="1406839" cy="253916"/>
-          </a:xfrm>
-          <a:prstGeom prst="rect">
-            <a:avLst/>
-          </a:prstGeom>
-        </p:spPr>
-        <p:txBody>
-          <a:bodyPr wrap="square" rtlCol="0">
-            <a:spAutoFit/>
-          </a:bodyPr>
-          <a:lstStyle/>
-          <a:p>
-            <a:pPr marL="0" indent="0" algn="ctr">
-              <a:lnSpc>
-                <a:spcPct val="100000"/>
-              </a:lnSpc>
-              <a:spcBef>
-                <a:spcPts val="0"/>
-              </a:spcBef>
-              <a:buFontTx/>
-              <a:buNone/>
-            </a:pPr>
-            <a:r>
-              <a:rPr lang="en-US" sz="1050" dirty="0">
-                <a:solidFill>
-                  <a:schemeClr val="tx1">
-                    <a:lumMod val="75000"/>
-                    <a:lumOff val="25000"/>
-                  </a:schemeClr>
-                </a:solidFill>
-                <a:latin typeface="Abadi (Body)"/>
-                <a:ea typeface="微软雅黑"/>
-                <a:cs typeface="Posterama" panose="020B0504020200020000" pitchFamily="34" charset="0"/>
-              </a:rPr>
-              <a:t>Randomized search</a:t>
-            </a:r>
-          </a:p>
-        </p:txBody>
-      </p:sp>
-      <p:pic>
-        <p:nvPicPr>
-          <p:cNvPr id="58" name="Picture 2" descr="Imbalance dataset: Test and validate resampled tabular data">
-            <a:extLst>
-              <a:ext uri="{FF2B5EF4-FFF2-40B4-BE49-F238E27FC236}">
-                <a16:creationId xmlns:a16="http://schemas.microsoft.com/office/drawing/2014/main" id="{7B6A9A9C-8964-4ED7-B26D-AABC9A1D7DC8}"/>
-              </a:ext>
-            </a:extLst>
-          </p:cNvPr>
-          <p:cNvPicPr>
-            <a:picLocks noChangeAspect="1" noChangeArrowheads="1"/>
-          </p:cNvPicPr>
-          <p:nvPr/>
-        </p:nvPicPr>
-        <p:blipFill>
-          <a:blip r:embed="rId8">
-            <a:extLst>
-              <a:ext uri="{28A0092B-C50C-407E-A947-70E740481C1C}">
-                <a14:useLocalDpi xmlns:a14="http://schemas.microsoft.com/office/drawing/2010/main" val="0"/>
-              </a:ext>
-            </a:extLst>
-          </a:blip>
-          <a:srcRect/>
-          <a:stretch>
-            <a:fillRect/>
-          </a:stretch>
-        </p:blipFill>
-        <p:spPr bwMode="auto">
-          <a:xfrm flipH="1">
-            <a:off x="3145767" y="5702520"/>
-            <a:ext cx="833078" cy="539403"/>
-          </a:xfrm>
-          <a:prstGeom prst="rect">
-            <a:avLst/>
-          </a:prstGeom>
-          <a:noFill/>
-          <a:extLst>
-            <a:ext uri="{909E8E84-426E-40DD-AFC4-6F175D3DCCD1}">
-              <a14:hiddenFill xmlns:a14="http://schemas.microsoft.com/office/drawing/2010/main">
-                <a:solidFill>
-                  <a:srgbClr val="FFFFFF"/>
-                </a:solidFill>
-              </a14:hiddenFill>
-            </a:ext>
-          </a:extLst>
-        </p:spPr>
-      </p:pic>
-      <p:sp>
-        <p:nvSpPr>
-          <p:cNvPr id="59" name="TextBox 58">
-            <a:extLst>
-              <a:ext uri="{FF2B5EF4-FFF2-40B4-BE49-F238E27FC236}">
-                <a16:creationId xmlns:a16="http://schemas.microsoft.com/office/drawing/2014/main" id="{F257981A-AED0-4A5E-82D0-85844B7EBEC5}"/>
-              </a:ext>
-            </a:extLst>
-          </p:cNvPr>
-          <p:cNvSpPr txBox="1"/>
-          <p:nvPr/>
-        </p:nvSpPr>
-        <p:spPr>
-          <a:xfrm>
-            <a:off x="3060887" y="6296450"/>
-            <a:ext cx="979334" cy="253916"/>
-          </a:xfrm>
-          <a:prstGeom prst="rect">
-            <a:avLst/>
-          </a:prstGeom>
-        </p:spPr>
-        <p:txBody>
-          <a:bodyPr wrap="square" rtlCol="0">
-            <a:spAutoFit/>
-          </a:bodyPr>
-          <a:lstStyle/>
-          <a:p>
-            <a:pPr marL="0" indent="0" algn="ctr">
-              <a:lnSpc>
-                <a:spcPct val="100000"/>
-              </a:lnSpc>
-              <a:spcBef>
-                <a:spcPts val="0"/>
-              </a:spcBef>
-              <a:buFontTx/>
-              <a:buNone/>
-            </a:pPr>
-            <a:r>
-              <a:rPr lang="en-US" sz="1050" dirty="0">
-                <a:solidFill>
-                  <a:schemeClr val="tx1">
-                    <a:lumMod val="75000"/>
-                    <a:lumOff val="25000"/>
-                  </a:schemeClr>
-                </a:solidFill>
-                <a:latin typeface="Abadi (Body)"/>
-                <a:ea typeface="微软雅黑"/>
-                <a:cs typeface="Posterama" panose="020B0504020200020000" pitchFamily="34" charset="0"/>
-              </a:rPr>
-              <a:t>Resampling</a:t>
-            </a:r>
-          </a:p>
-        </p:txBody>
-      </p:sp>
-      <p:sp>
-        <p:nvSpPr>
-          <p:cNvPr id="62" name="Title 6">
-            <a:extLst>
-              <a:ext uri="{FF2B5EF4-FFF2-40B4-BE49-F238E27FC236}">
-                <a16:creationId xmlns:a16="http://schemas.microsoft.com/office/drawing/2014/main" id="{43E1B9C3-2C8C-4D13-A12F-F195D6CF7DD1}"/>
-              </a:ext>
-            </a:extLst>
-          </p:cNvPr>
-          <p:cNvSpPr txBox="1">
-            <a:spLocks/>
-          </p:cNvSpPr>
-          <p:nvPr/>
-        </p:nvSpPr>
-        <p:spPr>
-          <a:xfrm>
-            <a:off x="7023280" y="4259258"/>
-            <a:ext cx="1958319" cy="391629"/>
-          </a:xfrm>
-          <a:prstGeom prst="rect">
-            <a:avLst/>
-          </a:prstGeom>
-        </p:spPr>
-        <p:txBody>
-          <a:bodyPr vert="horz" lIns="91440" tIns="45720" rIns="91440" bIns="45720" rtlCol="0" anchor="t">
-            <a:noAutofit/>
-          </a:bodyPr>
-          <a:lstStyle>
-            <a:lvl1pPr algn="l" defTabSz="914400" rtl="0" eaLnBrk="1" latinLnBrk="0" hangingPunct="1">
-              <a:lnSpc>
-                <a:spcPct val="90000"/>
-              </a:lnSpc>
-              <a:spcBef>
-                <a:spcPct val="0"/>
-              </a:spcBef>
-              <a:buNone/>
-              <a:defRPr sz="4400" b="1" kern="1200">
-                <a:solidFill>
-                  <a:schemeClr val="accent6"/>
-                </a:solidFill>
-                <a:latin typeface="+mj-lt"/>
-                <a:ea typeface="+mj-ea"/>
-                <a:cs typeface="+mj-cs"/>
-              </a:defRPr>
-            </a:lvl1pPr>
-          </a:lstStyle>
-          <a:p>
-            <a:r>
-              <a:rPr lang="en-US" sz="2000" dirty="0">
-                <a:solidFill>
-                  <a:srgbClr val="1F1F1F"/>
-                </a:solidFill>
-                <a:latin typeface="Abadi (Body)"/>
-                <a:ea typeface="+mn-ea"/>
-                <a:cs typeface="+mn-cs"/>
-              </a:rPr>
-              <a:t>Business</a:t>
-            </a:r>
-            <a:r>
-              <a:rPr lang="en-US" sz="2000" dirty="0">
-                <a:latin typeface="Abadi (Body)"/>
-              </a:rPr>
-              <a:t> </a:t>
-            </a:r>
-            <a:r>
-              <a:rPr lang="en-US" sz="2000" dirty="0">
-                <a:solidFill>
-                  <a:srgbClr val="1F1F1F"/>
-                </a:solidFill>
-                <a:latin typeface="Abadi (Body)"/>
-                <a:ea typeface="+mn-ea"/>
-                <a:cs typeface="+mn-cs"/>
-              </a:rPr>
-              <a:t>impact</a:t>
-            </a:r>
-            <a:endParaRPr lang="en-US" altLang="zh-CN" sz="2000" dirty="0">
-              <a:solidFill>
-                <a:srgbClr val="1F1F1F"/>
-              </a:solidFill>
-              <a:latin typeface="Abadi (Body)"/>
-              <a:ea typeface="+mn-ea"/>
-              <a:cs typeface="+mn-cs"/>
-            </a:endParaRPr>
-          </a:p>
-        </p:txBody>
-      </p:sp>
-      <p:pic>
-        <p:nvPicPr>
-          <p:cNvPr id="63" name="Picture 18" descr="10 Ways Business Systems &quot;Directly&quot; Increase Profit!">
-            <a:extLst>
-              <a:ext uri="{FF2B5EF4-FFF2-40B4-BE49-F238E27FC236}">
-                <a16:creationId xmlns:a16="http://schemas.microsoft.com/office/drawing/2014/main" id="{2B0C041E-B097-4F25-8F6C-D9A122D9CD0B}"/>
-              </a:ext>
-            </a:extLst>
-          </p:cNvPr>
-          <p:cNvPicPr>
-            <a:picLocks noChangeAspect="1" noChangeArrowheads="1"/>
-          </p:cNvPicPr>
-          <p:nvPr/>
-        </p:nvPicPr>
-        <p:blipFill>
-          <a:blip r:embed="rId9">
-            <a:extLst>
-              <a:ext uri="{28A0092B-C50C-407E-A947-70E740481C1C}">
-                <a14:useLocalDpi xmlns:a14="http://schemas.microsoft.com/office/drawing/2010/main" val="0"/>
-              </a:ext>
-            </a:extLst>
-          </a:blip>
-          <a:srcRect/>
-          <a:stretch>
-            <a:fillRect/>
-          </a:stretch>
-        </p:blipFill>
-        <p:spPr bwMode="auto">
-          <a:xfrm>
-            <a:off x="7086474" y="4807367"/>
-            <a:ext cx="1008556" cy="1028727"/>
-          </a:xfrm>
-          <a:prstGeom prst="rect">
-            <a:avLst/>
-          </a:prstGeom>
-          <a:noFill/>
-          <a:extLst>
-            <a:ext uri="{909E8E84-426E-40DD-AFC4-6F175D3DCCD1}">
-              <a14:hiddenFill xmlns:a14="http://schemas.microsoft.com/office/drawing/2010/main">
-                <a:solidFill>
-                  <a:srgbClr val="FFFFFF"/>
-                </a:solidFill>
-              </a14:hiddenFill>
-            </a:ext>
-          </a:extLst>
-        </p:spPr>
-      </p:pic>
-      <p:sp>
-        <p:nvSpPr>
-          <p:cNvPr id="64" name="TextBox 63">
-            <a:extLst>
-              <a:ext uri="{FF2B5EF4-FFF2-40B4-BE49-F238E27FC236}">
-                <a16:creationId xmlns:a16="http://schemas.microsoft.com/office/drawing/2014/main" id="{4D9E5C4B-0904-4A44-8747-0ACABEB45065}"/>
-              </a:ext>
-            </a:extLst>
-          </p:cNvPr>
-          <p:cNvSpPr txBox="1"/>
-          <p:nvPr/>
-        </p:nvSpPr>
-        <p:spPr>
-          <a:xfrm>
-            <a:off x="8251162" y="4804152"/>
-            <a:ext cx="2127196" cy="1015663"/>
-          </a:xfrm>
-          <a:prstGeom prst="rect">
-            <a:avLst/>
-          </a:prstGeom>
-        </p:spPr>
-        <p:txBody>
-          <a:bodyPr wrap="square" rtlCol="0">
-            <a:spAutoFit/>
-          </a:bodyPr>
-          <a:lstStyle/>
-          <a:p>
-            <a:pPr marL="0" indent="0">
-              <a:lnSpc>
-                <a:spcPct val="100000"/>
-              </a:lnSpc>
-              <a:spcBef>
-                <a:spcPts val="0"/>
-              </a:spcBef>
-              <a:buFontTx/>
-              <a:buNone/>
-            </a:pPr>
-            <a:r>
-              <a:rPr lang="en-US" sz="1200" dirty="0">
-                <a:solidFill>
-                  <a:schemeClr val="tx1">
-                    <a:lumMod val="75000"/>
-                    <a:lumOff val="25000"/>
-                  </a:schemeClr>
-                </a:solidFill>
-                <a:latin typeface="Abadi (Body)"/>
-                <a:ea typeface="微软雅黑"/>
-                <a:cs typeface="Posterama" panose="020B0504020200020000" pitchFamily="34" charset="0"/>
-              </a:rPr>
-              <a:t>The model improved revenue by </a:t>
-            </a:r>
-            <a:r>
-              <a:rPr lang="en-US" sz="1200" dirty="0">
-                <a:solidFill>
-                  <a:srgbClr val="FF0000"/>
-                </a:solidFill>
-                <a:latin typeface="Abadi (Body)"/>
-                <a:ea typeface="微软雅黑"/>
-                <a:cs typeface="Posterama" panose="020B0504020200020000" pitchFamily="34" charset="0"/>
-              </a:rPr>
-              <a:t>164.24%</a:t>
-            </a:r>
-            <a:r>
-              <a:rPr lang="en-US" sz="1200" dirty="0">
-                <a:solidFill>
-                  <a:schemeClr val="tx1">
-                    <a:lumMod val="75000"/>
-                    <a:lumOff val="25000"/>
-                  </a:schemeClr>
-                </a:solidFill>
-                <a:latin typeface="Abadi (Body)"/>
-                <a:ea typeface="微软雅黑"/>
-                <a:cs typeface="Posterama" panose="020B0504020200020000" pitchFamily="34" charset="0"/>
-              </a:rPr>
-              <a:t> compared to the 'do nothing' program and by </a:t>
-            </a:r>
-            <a:r>
-              <a:rPr lang="en-US" sz="1200" dirty="0">
-                <a:solidFill>
-                  <a:srgbClr val="FF0000"/>
-                </a:solidFill>
-                <a:latin typeface="Abadi (Body)"/>
-                <a:ea typeface="微软雅黑"/>
-                <a:cs typeface="Posterama" panose="020B0504020200020000" pitchFamily="34" charset="0"/>
-              </a:rPr>
-              <a:t>44.51% </a:t>
-            </a:r>
-            <a:r>
-              <a:rPr lang="en-US" sz="1200" dirty="0">
-                <a:solidFill>
-                  <a:schemeClr val="tx1">
-                    <a:lumMod val="75000"/>
-                    <a:lumOff val="25000"/>
-                  </a:schemeClr>
-                </a:solidFill>
-                <a:latin typeface="Abadi (Body)"/>
-                <a:ea typeface="微软雅黑"/>
-                <a:cs typeface="Posterama" panose="020B0504020200020000" pitchFamily="34" charset="0"/>
-              </a:rPr>
-              <a:t>compared to the 'retain all' program.</a:t>
-            </a:r>
-          </a:p>
-        </p:txBody>
-      </p:sp>
-      <p:pic>
-        <p:nvPicPr>
-          <p:cNvPr id="29" name="Picture 2" descr="IT12A01: FUNDAMENTALS OF PYTHON PROGRAMMING (SF) (SYNCHRONOUS E-LEARNING) -  NTUC LearningHub">
-            <a:extLst>
-              <a:ext uri="{FF2B5EF4-FFF2-40B4-BE49-F238E27FC236}">
-                <a16:creationId xmlns:a16="http://schemas.microsoft.com/office/drawing/2014/main" id="{8EC36FB8-711A-4095-BBB9-88AD415D57D4}"/>
-              </a:ext>
-            </a:extLst>
-          </p:cNvPr>
-          <p:cNvPicPr>
-            <a:picLocks noChangeAspect="1" noChangeArrowheads="1"/>
-          </p:cNvPicPr>
-          <p:nvPr/>
-        </p:nvPicPr>
-        <p:blipFill>
-          <a:blip r:embed="rId10">
-            <a:extLst>
-              <a:ext uri="{28A0092B-C50C-407E-A947-70E740481C1C}">
-                <a14:useLocalDpi xmlns:a14="http://schemas.microsoft.com/office/drawing/2010/main" val="0"/>
-              </a:ext>
-            </a:extLst>
-          </a:blip>
-          <a:srcRect/>
-          <a:stretch>
-            <a:fillRect/>
-          </a:stretch>
-        </p:blipFill>
-        <p:spPr bwMode="auto">
-          <a:xfrm>
-            <a:off x="422524" y="4783201"/>
-            <a:ext cx="1197101" cy="677006"/>
-          </a:xfrm>
-          <a:prstGeom prst="rect">
-            <a:avLst/>
-          </a:prstGeom>
-          <a:noFill/>
-          <a:extLst>
-            <a:ext uri="{909E8E84-426E-40DD-AFC4-6F175D3DCCD1}">
-              <a14:hiddenFill xmlns:a14="http://schemas.microsoft.com/office/drawing/2010/main">
-                <a:solidFill>
-                  <a:srgbClr val="FFFFFF"/>
-                </a:solidFill>
-              </a14:hiddenFill>
-            </a:ext>
-          </a:extLst>
-        </p:spPr>
-      </p:pic>
-      <p:pic>
-        <p:nvPicPr>
-          <p:cNvPr id="30" name="Picture 20" descr="DIGI">
-            <a:extLst>
-              <a:ext uri="{FF2B5EF4-FFF2-40B4-BE49-F238E27FC236}">
-                <a16:creationId xmlns:a16="http://schemas.microsoft.com/office/drawing/2014/main" id="{8D5F491C-9583-4EBF-A579-1F2A1EF3021D}"/>
-              </a:ext>
-            </a:extLst>
-          </p:cNvPr>
-          <p:cNvPicPr>
-            <a:picLocks noChangeAspect="1" noChangeArrowheads="1"/>
-          </p:cNvPicPr>
-          <p:nvPr/>
-        </p:nvPicPr>
-        <p:blipFill>
-          <a:blip r:embed="rId11">
-            <a:extLst>
-              <a:ext uri="{28A0092B-C50C-407E-A947-70E740481C1C}">
-                <a14:useLocalDpi xmlns:a14="http://schemas.microsoft.com/office/drawing/2010/main" val="0"/>
-              </a:ext>
-            </a:extLst>
-          </a:blip>
-          <a:srcRect/>
-          <a:stretch>
-            <a:fillRect/>
-          </a:stretch>
-        </p:blipFill>
-        <p:spPr bwMode="auto">
-          <a:xfrm>
-            <a:off x="1507708" y="4861302"/>
-            <a:ext cx="1288169" cy="520803"/>
-          </a:xfrm>
-          <a:prstGeom prst="rect">
-            <a:avLst/>
-          </a:prstGeom>
-          <a:noFill/>
-          <a:extLst>
-            <a:ext uri="{909E8E84-426E-40DD-AFC4-6F175D3DCCD1}">
-              <a14:hiddenFill xmlns:a14="http://schemas.microsoft.com/office/drawing/2010/main">
-                <a:solidFill>
-                  <a:srgbClr val="FFFFFF"/>
-                </a:solidFill>
-              </a14:hiddenFill>
-            </a:ext>
-          </a:extLst>
-        </p:spPr>
-      </p:pic>
-    </p:spTree>
-    <p:extLst>
-      <p:ext uri="{BB962C8B-B14F-4D97-AF65-F5344CB8AC3E}">
-        <p14:creationId xmlns:p14="http://schemas.microsoft.com/office/powerpoint/2010/main" val="3806483560"/>
-      </p:ext>
-    </p:extLst>
-  </p:cSld>
-  <p:clrMapOvr>
-    <a:masterClrMapping/>
-  </p:clrMapOvr>
-</p:sld>
-</file>
-
-<file path=ppt/slides/slide20.xml><?xml version="1.0" encoding="utf-8"?>
-<p:sld xmlns:a="http://schemas.openxmlformats.org/drawingml/2006/main" xmlns:r="http://schemas.openxmlformats.org/officeDocument/2006/relationships" xmlns:p="http://schemas.openxmlformats.org/presentationml/2006/main">
-  <p:cSld>
-    <p:spTree>
-      <p:nvGrpSpPr>
-        <p:cNvPr id="1" name=""/>
-        <p:cNvGrpSpPr/>
-        <p:nvPr/>
-      </p:nvGrpSpPr>
-      <p:grpSpPr>
-        <a:xfrm>
-          <a:off x="0" y="0"/>
-          <a:ext cx="0" cy="0"/>
-          <a:chOff x="0" y="0"/>
-          <a:chExt cx="0" cy="0"/>
-        </a:xfrm>
-      </p:grpSpPr>
-      <p:sp>
-        <p:nvSpPr>
           <p:cNvPr id="7" name="Slide Number Placeholder 6">
             <a:extLst>
               <a:ext uri="{FF2B5EF4-FFF2-40B4-BE49-F238E27FC236}">
@@ -33195,7 +33728,7 @@
                 </a:solidFill>
               </a:rPr>
               <a:pPr/>
-              <a:t>20</a:t>
+              <a:t>21</a:t>
             </a:fld>
             <a:endParaRPr lang="en-US" altLang="zh-CN" dirty="0">
               <a:solidFill>
@@ -34077,7 +34610,7 @@
 </p:sld>
 </file>
 
-<file path=ppt/slides/slide21.xml><?xml version="1.0" encoding="utf-8"?>
+<file path=ppt/slides/slide22.xml><?xml version="1.0" encoding="utf-8"?>
 <p:sld xmlns:a="http://schemas.openxmlformats.org/drawingml/2006/main" xmlns:r="http://schemas.openxmlformats.org/officeDocument/2006/relationships" xmlns:p="http://schemas.openxmlformats.org/presentationml/2006/main">
   <p:cSld>
     <p:spTree>
@@ -34122,7 +34655,7 @@
                 </a:solidFill>
               </a:rPr>
               <a:pPr/>
-              <a:t>21</a:t>
+              <a:t>22</a:t>
             </a:fld>
             <a:endParaRPr lang="en-US" altLang="zh-CN" dirty="0">
               <a:solidFill>
@@ -34614,7 +35147,7 @@
 </p:sld>
 </file>
 
-<file path=ppt/slides/slide22.xml><?xml version="1.0" encoding="utf-8"?>
+<file path=ppt/slides/slide23.xml><?xml version="1.0" encoding="utf-8"?>
 <p:sld xmlns:a="http://schemas.openxmlformats.org/drawingml/2006/main" xmlns:r="http://schemas.openxmlformats.org/officeDocument/2006/relationships" xmlns:p="http://schemas.openxmlformats.org/presentationml/2006/main">
   <p:cSld>
     <p:spTree>
@@ -34848,7 +35381,7 @@
                 </a:solidFill>
               </a:rPr>
               <a:pPr/>
-              <a:t>22</a:t>
+              <a:t>23</a:t>
             </a:fld>
             <a:endParaRPr lang="en-US" altLang="zh-CN" dirty="0">
               <a:solidFill>
@@ -35430,6 +35963,782 @@
       </p:grpSpPr>
       <p:sp>
         <p:nvSpPr>
+          <p:cNvPr id="12" name="Title 11">
+            <a:extLst>
+              <a:ext uri="{FF2B5EF4-FFF2-40B4-BE49-F238E27FC236}">
+                <a16:creationId xmlns:a16="http://schemas.microsoft.com/office/drawing/2014/main" id="{C13DFCA2-73A5-40AB-BC3B-D2112116B16B}"/>
+              </a:ext>
+            </a:extLst>
+          </p:cNvPr>
+          <p:cNvSpPr>
+            <a:spLocks noGrp="1"/>
+          </p:cNvSpPr>
+          <p:nvPr>
+            <p:ph type="title"/>
+          </p:nvPr>
+        </p:nvSpPr>
+        <p:spPr>
+          <a:xfrm>
+            <a:off x="581709" y="274954"/>
+            <a:ext cx="8894800" cy="677005"/>
+          </a:xfrm>
+        </p:spPr>
+        <p:txBody>
+          <a:bodyPr/>
+          <a:lstStyle/>
+          <a:p>
+            <a:r>
+              <a:rPr lang="en-US" altLang="zh-CN" sz="4400" dirty="0">
+                <a:solidFill>
+                  <a:srgbClr val="1F1F1F"/>
+                </a:solidFill>
+                <a:latin typeface="+mn-lt"/>
+              </a:rPr>
+              <a:t>TELCO CHURN PREDICTION MODEL</a:t>
+            </a:r>
+            <a:endParaRPr lang="en-US" dirty="0">
+              <a:solidFill>
+                <a:srgbClr val="1F1F1F"/>
+              </a:solidFill>
+              <a:latin typeface="+mn-lt"/>
+            </a:endParaRPr>
+          </a:p>
+        </p:txBody>
+      </p:sp>
+      <p:sp>
+        <p:nvSpPr>
+          <p:cNvPr id="15" name="Rectangle 14">
+            <a:extLst>
+              <a:ext uri="{FF2B5EF4-FFF2-40B4-BE49-F238E27FC236}">
+                <a16:creationId xmlns:a16="http://schemas.microsoft.com/office/drawing/2014/main" id="{914ECE35-32BA-4639-BDC0-9F2838750170}"/>
+              </a:ext>
+            </a:extLst>
+          </p:cNvPr>
+          <p:cNvSpPr/>
+          <p:nvPr/>
+        </p:nvSpPr>
+        <p:spPr>
+          <a:xfrm>
+            <a:off x="670486" y="994296"/>
+            <a:ext cx="6733490" cy="75871"/>
+          </a:xfrm>
+          <a:prstGeom prst="rect">
+            <a:avLst/>
+          </a:prstGeom>
+          <a:gradFill flip="none" rotWithShape="1">
+            <a:gsLst>
+              <a:gs pos="0">
+                <a:schemeClr val="accent4">
+                  <a:tint val="66000"/>
+                  <a:satMod val="160000"/>
+                </a:schemeClr>
+              </a:gs>
+              <a:gs pos="29000">
+                <a:schemeClr val="accent4">
+                  <a:tint val="44500"/>
+                  <a:satMod val="160000"/>
+                </a:schemeClr>
+              </a:gs>
+              <a:gs pos="95575">
+                <a:srgbClr val="F8F6F5"/>
+              </a:gs>
+              <a:gs pos="55000">
+                <a:schemeClr val="accent4">
+                  <a:tint val="23500"/>
+                  <a:satMod val="160000"/>
+                </a:schemeClr>
+              </a:gs>
+            </a:gsLst>
+            <a:path path="circle">
+              <a:fillToRect t="100000" r="100000"/>
+            </a:path>
+            <a:tileRect l="-100000" b="-100000"/>
+          </a:gradFill>
+          <a:ln>
+            <a:noFill/>
+          </a:ln>
+        </p:spPr>
+        <p:style>
+          <a:lnRef idx="2">
+            <a:schemeClr val="accent4">
+              <a:shade val="50000"/>
+            </a:schemeClr>
+          </a:lnRef>
+          <a:fillRef idx="1">
+            <a:schemeClr val="accent4"/>
+          </a:fillRef>
+          <a:effectRef idx="0">
+            <a:schemeClr val="accent4"/>
+          </a:effectRef>
+          <a:fontRef idx="minor">
+            <a:schemeClr val="lt1"/>
+          </a:fontRef>
+        </p:style>
+        <p:txBody>
+          <a:bodyPr rtlCol="0" anchor="ctr"/>
+          <a:lstStyle/>
+          <a:p>
+            <a:pPr algn="ctr"/>
+            <a:endParaRPr lang="en-US" dirty="0"/>
+          </a:p>
+        </p:txBody>
+      </p:sp>
+      <p:sp>
+        <p:nvSpPr>
+          <p:cNvPr id="27" name="Slide Number Placeholder 6">
+            <a:extLst>
+              <a:ext uri="{FF2B5EF4-FFF2-40B4-BE49-F238E27FC236}">
+                <a16:creationId xmlns:a16="http://schemas.microsoft.com/office/drawing/2014/main" id="{CEACC96B-4AEF-4D80-90D4-722D26A373FA}"/>
+              </a:ext>
+            </a:extLst>
+          </p:cNvPr>
+          <p:cNvSpPr>
+            <a:spLocks noGrp="1"/>
+          </p:cNvSpPr>
+          <p:nvPr>
+            <p:ph type="sldNum" sz="quarter" idx="29"/>
+          </p:nvPr>
+        </p:nvSpPr>
+        <p:spPr>
+          <a:xfrm>
+            <a:off x="11194169" y="6217920"/>
+            <a:ext cx="458592" cy="365125"/>
+          </a:xfrm>
+        </p:spPr>
+        <p:txBody>
+          <a:bodyPr/>
+          <a:lstStyle/>
+          <a:p>
+            <a:fld id="{47FEACEE-25B4-4A2D-B147-27296E36371D}" type="slidenum">
+              <a:rPr lang="en-US" altLang="zh-CN" smtClean="0">
+                <a:solidFill>
+                  <a:srgbClr val="1F1F1F"/>
+                </a:solidFill>
+                <a:latin typeface="Abadi" panose="020B0604020104020204" pitchFamily="34" charset="0"/>
+              </a:rPr>
+              <a:pPr/>
+              <a:t>3</a:t>
+            </a:fld>
+            <a:endParaRPr lang="en-US" altLang="zh-CN" dirty="0">
+              <a:solidFill>
+                <a:srgbClr val="1F1F1F"/>
+              </a:solidFill>
+              <a:latin typeface="Abadi" panose="020B0604020104020204" pitchFamily="34" charset="0"/>
+            </a:endParaRPr>
+          </a:p>
+        </p:txBody>
+      </p:sp>
+      <p:sp>
+        <p:nvSpPr>
+          <p:cNvPr id="28" name="Footer Placeholder 4">
+            <a:extLst>
+              <a:ext uri="{FF2B5EF4-FFF2-40B4-BE49-F238E27FC236}">
+                <a16:creationId xmlns:a16="http://schemas.microsoft.com/office/drawing/2014/main" id="{25A5F7CA-803E-4152-923B-9ED8095FF226}"/>
+              </a:ext>
+            </a:extLst>
+          </p:cNvPr>
+          <p:cNvSpPr txBox="1">
+            <a:spLocks/>
+          </p:cNvSpPr>
+          <p:nvPr/>
+        </p:nvSpPr>
+        <p:spPr>
+          <a:xfrm>
+            <a:off x="8620218" y="6256093"/>
+            <a:ext cx="2573952" cy="288777"/>
+          </a:xfrm>
+          <a:prstGeom prst="rect">
+            <a:avLst/>
+          </a:prstGeom>
+        </p:spPr>
+        <p:txBody>
+          <a:bodyPr vert="horz" lIns="91440" tIns="45720" rIns="91440" bIns="45720" rtlCol="0">
+            <a:noAutofit/>
+          </a:bodyPr>
+          <a:lstStyle>
+            <a:lvl1pPr marL="228600" indent="-228600" algn="l" defTabSz="914400" rtl="0" eaLnBrk="1" latinLnBrk="0" hangingPunct="1">
+              <a:lnSpc>
+                <a:spcPct val="100000"/>
+              </a:lnSpc>
+              <a:spcBef>
+                <a:spcPts val="0"/>
+              </a:spcBef>
+              <a:spcAft>
+                <a:spcPts val="600"/>
+              </a:spcAft>
+              <a:buFont typeface="Arial" panose="020B0604020202020204" pitchFamily="34" charset="0"/>
+              <a:buChar char="•"/>
+              <a:defRPr sz="1400" b="0" kern="1200">
+                <a:solidFill>
+                  <a:schemeClr val="accent6"/>
+                </a:solidFill>
+                <a:latin typeface="+mn-lt"/>
+                <a:ea typeface="+mn-ea"/>
+                <a:cs typeface="+mn-cs"/>
+              </a:defRPr>
+            </a:lvl1pPr>
+            <a:lvl2pPr marL="685800" indent="-228600" algn="l" defTabSz="914400" rtl="0" eaLnBrk="1" latinLnBrk="0" hangingPunct="1">
+              <a:lnSpc>
+                <a:spcPct val="90000"/>
+              </a:lnSpc>
+              <a:spcBef>
+                <a:spcPts val="500"/>
+              </a:spcBef>
+              <a:buFont typeface="Arial" panose="020B0604020202020204" pitchFamily="34" charset="0"/>
+              <a:buChar char="•"/>
+              <a:defRPr sz="1000" kern="1200">
+                <a:solidFill>
+                  <a:schemeClr val="accent6"/>
+                </a:solidFill>
+                <a:latin typeface="+mn-lt"/>
+                <a:ea typeface="+mn-ea"/>
+                <a:cs typeface="+mn-cs"/>
+              </a:defRPr>
+            </a:lvl2pPr>
+            <a:lvl3pPr marL="1143000" indent="-228600" algn="l" defTabSz="914400" rtl="0" eaLnBrk="1" latinLnBrk="0" hangingPunct="1">
+              <a:lnSpc>
+                <a:spcPct val="90000"/>
+              </a:lnSpc>
+              <a:spcBef>
+                <a:spcPts val="500"/>
+              </a:spcBef>
+              <a:buFont typeface="Arial" panose="020B0604020202020204" pitchFamily="34" charset="0"/>
+              <a:buChar char="•"/>
+              <a:defRPr sz="900" kern="1200">
+                <a:solidFill>
+                  <a:schemeClr val="accent6"/>
+                </a:solidFill>
+                <a:latin typeface="+mn-lt"/>
+                <a:ea typeface="+mn-ea"/>
+                <a:cs typeface="+mn-cs"/>
+              </a:defRPr>
+            </a:lvl3pPr>
+            <a:lvl4pPr marL="1600200" indent="-228600" algn="l" defTabSz="914400" rtl="0" eaLnBrk="1" latinLnBrk="0" hangingPunct="1">
+              <a:lnSpc>
+                <a:spcPct val="90000"/>
+              </a:lnSpc>
+              <a:spcBef>
+                <a:spcPts val="500"/>
+              </a:spcBef>
+              <a:buFont typeface="Arial" panose="020B0604020202020204" pitchFamily="34" charset="0"/>
+              <a:buChar char="•"/>
+              <a:defRPr sz="800" kern="1200">
+                <a:solidFill>
+                  <a:schemeClr val="accent6"/>
+                </a:solidFill>
+                <a:latin typeface="+mn-lt"/>
+                <a:ea typeface="+mn-ea"/>
+                <a:cs typeface="+mn-cs"/>
+              </a:defRPr>
+            </a:lvl4pPr>
+            <a:lvl5pPr marL="2057400" indent="-228600" algn="l" defTabSz="914400" rtl="0" eaLnBrk="1" latinLnBrk="0" hangingPunct="1">
+              <a:lnSpc>
+                <a:spcPct val="90000"/>
+              </a:lnSpc>
+              <a:spcBef>
+                <a:spcPts val="500"/>
+              </a:spcBef>
+              <a:buFont typeface="Arial" panose="020B0604020202020204" pitchFamily="34" charset="0"/>
+              <a:buChar char="•"/>
+              <a:defRPr sz="800" kern="1200">
+                <a:solidFill>
+                  <a:schemeClr val="accent6"/>
+                </a:solidFill>
+                <a:latin typeface="+mn-lt"/>
+                <a:ea typeface="+mn-ea"/>
+                <a:cs typeface="+mn-cs"/>
+              </a:defRPr>
+            </a:lvl5pPr>
+            <a:lvl6pPr marL="2514600" indent="-228600" algn="l" defTabSz="914400" rtl="0" eaLnBrk="1" latinLnBrk="0" hangingPunct="1">
+              <a:lnSpc>
+                <a:spcPct val="90000"/>
+              </a:lnSpc>
+              <a:spcBef>
+                <a:spcPts val="500"/>
+              </a:spcBef>
+              <a:buFont typeface="Arial" panose="020B0604020202020204" pitchFamily="34" charset="0"/>
+              <a:buChar char="•"/>
+              <a:defRPr sz="1800" kern="1200">
+                <a:solidFill>
+                  <a:schemeClr val="tx1"/>
+                </a:solidFill>
+                <a:latin typeface="+mn-lt"/>
+                <a:ea typeface="+mn-ea"/>
+                <a:cs typeface="+mn-cs"/>
+              </a:defRPr>
+            </a:lvl6pPr>
+            <a:lvl7pPr marL="2971800" indent="-228600" algn="l" defTabSz="914400" rtl="0" eaLnBrk="1" latinLnBrk="0" hangingPunct="1">
+              <a:lnSpc>
+                <a:spcPct val="90000"/>
+              </a:lnSpc>
+              <a:spcBef>
+                <a:spcPts val="500"/>
+              </a:spcBef>
+              <a:buFont typeface="Arial" panose="020B0604020202020204" pitchFamily="34" charset="0"/>
+              <a:buChar char="•"/>
+              <a:defRPr sz="1800" kern="1200">
+                <a:solidFill>
+                  <a:schemeClr val="tx1"/>
+                </a:solidFill>
+                <a:latin typeface="+mn-lt"/>
+                <a:ea typeface="+mn-ea"/>
+                <a:cs typeface="+mn-cs"/>
+              </a:defRPr>
+            </a:lvl7pPr>
+            <a:lvl8pPr marL="3429000" indent="-228600" algn="l" defTabSz="914400" rtl="0" eaLnBrk="1" latinLnBrk="0" hangingPunct="1">
+              <a:lnSpc>
+                <a:spcPct val="90000"/>
+              </a:lnSpc>
+              <a:spcBef>
+                <a:spcPts val="500"/>
+              </a:spcBef>
+              <a:buFont typeface="Arial" panose="020B0604020202020204" pitchFamily="34" charset="0"/>
+              <a:buChar char="•"/>
+              <a:defRPr sz="1800" kern="1200">
+                <a:solidFill>
+                  <a:schemeClr val="tx1"/>
+                </a:solidFill>
+                <a:latin typeface="+mn-lt"/>
+                <a:ea typeface="+mn-ea"/>
+                <a:cs typeface="+mn-cs"/>
+              </a:defRPr>
+            </a:lvl8pPr>
+            <a:lvl9pPr marL="3886200" indent="-228600" algn="l" defTabSz="914400" rtl="0" eaLnBrk="1" latinLnBrk="0" hangingPunct="1">
+              <a:lnSpc>
+                <a:spcPct val="90000"/>
+              </a:lnSpc>
+              <a:spcBef>
+                <a:spcPts val="500"/>
+              </a:spcBef>
+              <a:buFont typeface="Arial" panose="020B0604020202020204" pitchFamily="34" charset="0"/>
+              <a:buChar char="•"/>
+              <a:defRPr sz="1800" kern="1200">
+                <a:solidFill>
+                  <a:schemeClr val="tx1"/>
+                </a:solidFill>
+                <a:latin typeface="+mn-lt"/>
+                <a:ea typeface="+mn-ea"/>
+                <a:cs typeface="+mn-cs"/>
+              </a:defRPr>
+            </a:lvl9pPr>
+          </a:lstStyle>
+          <a:p>
+            <a:pPr marL="0" indent="0">
+              <a:buNone/>
+            </a:pPr>
+            <a:r>
+              <a:rPr lang="en-US" altLang="zh-CN" sz="1200" dirty="0">
+                <a:solidFill>
+                  <a:srgbClr val="1F1F1F"/>
+                </a:solidFill>
+                <a:latin typeface="Abadi" panose="020B0604020104020204" pitchFamily="34" charset="0"/>
+              </a:rPr>
+              <a:t>TELCO CHURN PREDICTION MODEL</a:t>
+            </a:r>
+            <a:endParaRPr lang="en-US" dirty="0">
+              <a:solidFill>
+                <a:srgbClr val="1F1F1F"/>
+              </a:solidFill>
+              <a:latin typeface="Abadi" panose="020B0604020104020204" pitchFamily="34" charset="0"/>
+            </a:endParaRPr>
+          </a:p>
+        </p:txBody>
+      </p:sp>
+      <p:sp>
+        <p:nvSpPr>
+          <p:cNvPr id="34" name="TextBox 33">
+            <a:extLst>
+              <a:ext uri="{FF2B5EF4-FFF2-40B4-BE49-F238E27FC236}">
+                <a16:creationId xmlns:a16="http://schemas.microsoft.com/office/drawing/2014/main" id="{47B15B13-0900-42E0-A975-51E7083C50E9}"/>
+              </a:ext>
+            </a:extLst>
+          </p:cNvPr>
+          <p:cNvSpPr txBox="1"/>
+          <p:nvPr/>
+        </p:nvSpPr>
+        <p:spPr>
+          <a:xfrm>
+            <a:off x="581710" y="1390243"/>
+            <a:ext cx="10243308" cy="4401205"/>
+          </a:xfrm>
+          <a:prstGeom prst="rect">
+            <a:avLst/>
+          </a:prstGeom>
+        </p:spPr>
+        <p:txBody>
+          <a:bodyPr wrap="square" rtlCol="0">
+            <a:spAutoFit/>
+          </a:bodyPr>
+          <a:lstStyle/>
+          <a:p>
+            <a:r>
+              <a:rPr lang="en-US" altLang="zh-CN" sz="2000" b="1" dirty="0">
+                <a:solidFill>
+                  <a:srgbClr val="1F1F1F"/>
+                </a:solidFill>
+                <a:latin typeface="Abadi (Body)"/>
+              </a:rPr>
+              <a:t>Problem context</a:t>
+            </a:r>
+          </a:p>
+          <a:p>
+            <a:pPr marL="285750" indent="-285750">
+              <a:buFont typeface="Arial" panose="020B0604020202020204" pitchFamily="34" charset="0"/>
+              <a:buChar char="•"/>
+            </a:pPr>
+            <a:r>
+              <a:rPr lang="en-US" dirty="0">
+                <a:solidFill>
+                  <a:srgbClr val="1F1F1F"/>
+                </a:solidFill>
+                <a:latin typeface="Abadi (Body)"/>
+              </a:rPr>
+              <a:t>Retaining existing customers is usually cheaper than acquiring new ones.</a:t>
+            </a:r>
+          </a:p>
+          <a:p>
+            <a:pPr marL="285750" indent="-285750">
+              <a:buFont typeface="Arial" panose="020B0604020202020204" pitchFamily="34" charset="0"/>
+              <a:buChar char="•"/>
+            </a:pPr>
+            <a:r>
+              <a:rPr lang="en-US" dirty="0">
+                <a:solidFill>
+                  <a:srgbClr val="1F1F1F"/>
+                </a:solidFill>
+                <a:latin typeface="Abadi (Body)"/>
+              </a:rPr>
+              <a:t>A Bain &amp; Company study found it can be 5 to 7 times more expensive to get new customers. </a:t>
+            </a:r>
+          </a:p>
+          <a:p>
+            <a:pPr marL="285750" indent="-285750">
+              <a:buFont typeface="Arial" panose="020B0604020202020204" pitchFamily="34" charset="0"/>
+              <a:buChar char="•"/>
+            </a:pPr>
+            <a:r>
+              <a:rPr lang="en-US" dirty="0">
+                <a:solidFill>
+                  <a:srgbClr val="1F1F1F"/>
+                </a:solidFill>
+                <a:latin typeface="Abadi (Body)"/>
+              </a:rPr>
+              <a:t>Existing customers are often more loyal and likely to continue their relationship with your business.</a:t>
+            </a:r>
+          </a:p>
+          <a:p>
+            <a:r>
+              <a:rPr lang="en-US" altLang="zh-CN" sz="2000" b="1" dirty="0">
+                <a:solidFill>
+                  <a:srgbClr val="1F1F1F"/>
+                </a:solidFill>
+                <a:latin typeface="Abadi (Body)"/>
+              </a:rPr>
+              <a:t>Challenges</a:t>
+            </a:r>
+          </a:p>
+          <a:p>
+            <a:pPr marL="285750" indent="-285750">
+              <a:buFont typeface="Arial" panose="020B0604020202020204" pitchFamily="34" charset="0"/>
+              <a:buChar char="•"/>
+            </a:pPr>
+            <a:r>
+              <a:rPr lang="en-US" sz="1800" b="0" dirty="0">
+                <a:solidFill>
+                  <a:srgbClr val="1F1F1F"/>
+                </a:solidFill>
+                <a:latin typeface="Abadi (Body)"/>
+              </a:rPr>
+              <a:t>Imbalanced dataset</a:t>
+            </a:r>
+          </a:p>
+          <a:p>
+            <a:pPr marL="285750" indent="-285750">
+              <a:buFont typeface="Arial" panose="020B0604020202020204" pitchFamily="34" charset="0"/>
+              <a:buChar char="•"/>
+            </a:pPr>
+            <a:r>
+              <a:rPr lang="en-US" sz="1800" b="0" dirty="0">
+                <a:solidFill>
+                  <a:srgbClr val="1F1F1F"/>
+                </a:solidFill>
+                <a:latin typeface="Abadi (Body)"/>
+              </a:rPr>
+              <a:t>Metrics for measurement</a:t>
+            </a:r>
+          </a:p>
+          <a:p>
+            <a:pPr marL="285750" indent="-285750">
+              <a:buFont typeface="Arial" panose="020B0604020202020204" pitchFamily="34" charset="0"/>
+              <a:buChar char="•"/>
+            </a:pPr>
+            <a:r>
+              <a:rPr lang="en-US" sz="1800" b="0" dirty="0">
+                <a:solidFill>
+                  <a:srgbClr val="1F1F1F"/>
+                </a:solidFill>
+                <a:latin typeface="Abadi (Body)"/>
+              </a:rPr>
+              <a:t>Threshold selection</a:t>
+            </a:r>
+          </a:p>
+          <a:p>
+            <a:r>
+              <a:rPr lang="en-US" sz="2000" b="1" dirty="0">
+                <a:solidFill>
+                  <a:srgbClr val="1F1F1F"/>
+                </a:solidFill>
+                <a:latin typeface="Abadi (Body)"/>
+              </a:rPr>
+              <a:t>Business</a:t>
+            </a:r>
+            <a:r>
+              <a:rPr lang="en-US" sz="2000" b="1" dirty="0">
+                <a:latin typeface="Abadi (Body)"/>
+              </a:rPr>
+              <a:t> </a:t>
+            </a:r>
+            <a:r>
+              <a:rPr lang="en-US" sz="2000" b="1" dirty="0">
+                <a:solidFill>
+                  <a:srgbClr val="1F1F1F"/>
+                </a:solidFill>
+                <a:latin typeface="Abadi (Body)"/>
+              </a:rPr>
+              <a:t>impact</a:t>
+            </a:r>
+            <a:endParaRPr lang="th-TH" sz="2000" b="1" dirty="0">
+              <a:solidFill>
+                <a:srgbClr val="1F1F1F"/>
+              </a:solidFill>
+              <a:latin typeface="Abadi (Body)"/>
+            </a:endParaRPr>
+          </a:p>
+          <a:p>
+            <a:pPr marL="285750" indent="-285750">
+              <a:buFont typeface="Arial" panose="020B0604020202020204" pitchFamily="34" charset="0"/>
+              <a:buChar char="•"/>
+            </a:pPr>
+            <a:r>
+              <a:rPr lang="en-US" sz="1800" b="0" dirty="0">
+                <a:solidFill>
+                  <a:schemeClr val="tx1"/>
+                </a:solidFill>
+                <a:latin typeface="Abadi (Body)"/>
+                <a:ea typeface="微软雅黑"/>
+                <a:cs typeface="Posterama" panose="020B0504020200020000" pitchFamily="34" charset="0"/>
+              </a:rPr>
+              <a:t>The model improved revenue by </a:t>
+            </a:r>
+            <a:r>
+              <a:rPr lang="en-US" sz="1800" b="0" dirty="0">
+                <a:solidFill>
+                  <a:srgbClr val="FF0000"/>
+                </a:solidFill>
+                <a:latin typeface="Abadi (Body)"/>
+                <a:ea typeface="微软雅黑"/>
+                <a:cs typeface="Posterama" panose="020B0504020200020000" pitchFamily="34" charset="0"/>
+              </a:rPr>
+              <a:t>164.24% </a:t>
+            </a:r>
+            <a:r>
+              <a:rPr lang="en-US" sz="1800" b="0" dirty="0">
+                <a:solidFill>
+                  <a:schemeClr val="tx1"/>
+                </a:solidFill>
+                <a:latin typeface="Abadi (Body)"/>
+                <a:ea typeface="微软雅黑"/>
+                <a:cs typeface="Posterama" panose="020B0504020200020000" pitchFamily="34" charset="0"/>
+              </a:rPr>
+              <a:t>compared to the 'do nothing' program and by </a:t>
+            </a:r>
+            <a:r>
+              <a:rPr lang="en-US" sz="1800" b="0" dirty="0">
+                <a:solidFill>
+                  <a:srgbClr val="FF0000"/>
+                </a:solidFill>
+                <a:latin typeface="Abadi (Body)"/>
+                <a:ea typeface="微软雅黑"/>
+                <a:cs typeface="Posterama" panose="020B0504020200020000" pitchFamily="34" charset="0"/>
+              </a:rPr>
+              <a:t>44.51% </a:t>
+            </a:r>
+            <a:r>
+              <a:rPr lang="en-US" sz="1800" b="0" dirty="0">
+                <a:solidFill>
+                  <a:srgbClr val="1F1F1F"/>
+                </a:solidFill>
+                <a:latin typeface="Abadi (Body)"/>
+                <a:ea typeface="微软雅黑"/>
+                <a:cs typeface="Posterama" panose="020B0504020200020000" pitchFamily="34" charset="0"/>
+              </a:rPr>
+              <a:t>compared to the 'retain all' program.</a:t>
+            </a:r>
+          </a:p>
+          <a:p>
+            <a:r>
+              <a:rPr lang="en-US" sz="2000" b="1" dirty="0">
+                <a:solidFill>
+                  <a:srgbClr val="1F1F1F"/>
+                </a:solidFill>
+                <a:latin typeface="Abadi (Body)"/>
+                <a:ea typeface="微软雅黑"/>
+                <a:cs typeface="Posterama" panose="020B0504020200020000" pitchFamily="34" charset="0"/>
+              </a:rPr>
+              <a:t>Tools</a:t>
+            </a:r>
+          </a:p>
+          <a:p>
+            <a:pPr marL="285750" indent="-285750">
+              <a:buFont typeface="Arial" panose="020B0604020202020204" pitchFamily="34" charset="0"/>
+              <a:buChar char="•"/>
+            </a:pPr>
+            <a:r>
+              <a:rPr lang="en-US" sz="1800" b="0" dirty="0">
+                <a:solidFill>
+                  <a:srgbClr val="1F1F1F"/>
+                </a:solidFill>
+                <a:latin typeface="Abadi (Body)"/>
+                <a:ea typeface="微软雅黑"/>
+                <a:cs typeface="Posterama" panose="020B0504020200020000" pitchFamily="34" charset="0"/>
+              </a:rPr>
+              <a:t>Python/Pandas</a:t>
+            </a:r>
+          </a:p>
+          <a:p>
+            <a:r>
+              <a:rPr lang="en-US" sz="2000" b="1" dirty="0">
+                <a:solidFill>
+                  <a:srgbClr val="1F1F1F"/>
+                </a:solidFill>
+                <a:latin typeface="Abadi (Body)"/>
+                <a:ea typeface="微软雅黑"/>
+                <a:cs typeface="Posterama" panose="020B0504020200020000" pitchFamily="34" charset="0"/>
+              </a:rPr>
+              <a:t>Technique</a:t>
+            </a:r>
+          </a:p>
+          <a:p>
+            <a:pPr marL="342900" indent="-342900">
+              <a:buFont typeface="Arial" panose="020B0604020202020204" pitchFamily="34" charset="0"/>
+              <a:buChar char="•"/>
+            </a:pPr>
+            <a:r>
+              <a:rPr lang="en-US" altLang="zh-CN" sz="1800" b="0" dirty="0">
+                <a:solidFill>
+                  <a:srgbClr val="1F1F1F"/>
+                </a:solidFill>
+                <a:latin typeface="Abadi (Body)"/>
+                <a:ea typeface="+mn-ea"/>
+                <a:cs typeface="+mn-cs"/>
+              </a:rPr>
+              <a:t>Resampling/Random forest/</a:t>
+            </a:r>
+            <a:r>
+              <a:rPr lang="en-US" altLang="zh-CN" sz="1800" b="0" dirty="0" err="1">
+                <a:solidFill>
+                  <a:srgbClr val="1F1F1F"/>
+                </a:solidFill>
+                <a:latin typeface="Abadi (Body)"/>
+                <a:ea typeface="+mn-ea"/>
+                <a:cs typeface="+mn-cs"/>
+              </a:rPr>
+              <a:t>LightGBM</a:t>
+            </a:r>
+            <a:r>
+              <a:rPr lang="en-US" altLang="zh-CN" dirty="0">
+                <a:solidFill>
+                  <a:srgbClr val="1F1F1F"/>
+                </a:solidFill>
+                <a:latin typeface="Abadi (Body)"/>
+              </a:rPr>
+              <a:t>/</a:t>
+            </a:r>
+            <a:r>
+              <a:rPr lang="en-US" altLang="zh-CN" sz="1800" b="0" dirty="0" err="1">
+                <a:solidFill>
+                  <a:srgbClr val="1F1F1F"/>
+                </a:solidFill>
+                <a:latin typeface="Abadi (Body)"/>
+                <a:ea typeface="+mn-ea"/>
+                <a:cs typeface="+mn-cs"/>
+              </a:rPr>
+              <a:t>XGBoost</a:t>
+            </a:r>
+            <a:r>
+              <a:rPr lang="en-US" altLang="zh-CN" dirty="0">
+                <a:solidFill>
+                  <a:srgbClr val="1F1F1F"/>
+                </a:solidFill>
+                <a:latin typeface="Abadi (Body)"/>
+              </a:rPr>
+              <a:t>/</a:t>
+            </a:r>
+            <a:r>
+              <a:rPr lang="en-US" altLang="zh-CN" sz="1800" b="0" dirty="0">
+                <a:solidFill>
+                  <a:srgbClr val="1F1F1F"/>
+                </a:solidFill>
+                <a:latin typeface="Abadi (Body)"/>
+                <a:ea typeface="+mn-ea"/>
+                <a:cs typeface="+mn-cs"/>
+              </a:rPr>
+              <a:t>Randomized search/Threshold selection/</a:t>
+            </a:r>
+            <a:r>
+              <a:rPr lang="en-US" altLang="zh-CN" sz="1800" b="0" dirty="0" err="1">
+                <a:solidFill>
+                  <a:srgbClr val="1F1F1F"/>
+                </a:solidFill>
+                <a:latin typeface="Abadi (Body)"/>
+                <a:ea typeface="+mn-ea"/>
+                <a:cs typeface="+mn-cs"/>
+              </a:rPr>
+              <a:t>SHAPley</a:t>
+            </a:r>
+            <a:endParaRPr lang="en-US" altLang="zh-CN" sz="1800" b="0" dirty="0">
+              <a:solidFill>
+                <a:srgbClr val="1F1F1F"/>
+              </a:solidFill>
+              <a:latin typeface="Abadi (Body)"/>
+              <a:ea typeface="+mn-ea"/>
+              <a:cs typeface="+mn-cs"/>
+            </a:endParaRPr>
+          </a:p>
+        </p:txBody>
+      </p:sp>
+    </p:spTree>
+    <p:extLst>
+      <p:ext uri="{BB962C8B-B14F-4D97-AF65-F5344CB8AC3E}">
+        <p14:creationId xmlns:p14="http://schemas.microsoft.com/office/powerpoint/2010/main" val="1649638679"/>
+      </p:ext>
+    </p:extLst>
+  </p:cSld>
+  <p:clrMapOvr>
+    <a:masterClrMapping/>
+  </p:clrMapOvr>
+</p:sld>
+</file>
+
+<file path=ppt/slides/slide4.xml><?xml version="1.0" encoding="utf-8"?>
+<p:sld xmlns:a="http://schemas.openxmlformats.org/drawingml/2006/main" xmlns:r="http://schemas.openxmlformats.org/officeDocument/2006/relationships" xmlns:p="http://schemas.openxmlformats.org/presentationml/2006/main">
+  <p:cSld>
+    <p:spTree>
+      <p:nvGrpSpPr>
+        <p:cNvPr id="1" name=""/>
+        <p:cNvGrpSpPr/>
+        <p:nvPr/>
+      </p:nvGrpSpPr>
+      <p:grpSpPr>
+        <a:xfrm>
+          <a:off x="0" y="0"/>
+          <a:ext cx="0" cy="0"/>
+          <a:chOff x="0" y="0"/>
+          <a:chExt cx="0" cy="0"/>
+        </a:xfrm>
+      </p:grpSpPr>
+      <p:sp>
+        <p:nvSpPr>
           <p:cNvPr id="7" name="Slide Number Placeholder 6">
             <a:extLst>
               <a:ext uri="{FF2B5EF4-FFF2-40B4-BE49-F238E27FC236}">
@@ -35456,7 +36765,7 @@
                 </a:solidFill>
               </a:rPr>
               <a:pPr/>
-              <a:t>3</a:t>
+              <a:t>4</a:t>
             </a:fld>
             <a:endParaRPr lang="en-US" altLang="zh-CN" dirty="0">
               <a:solidFill>
@@ -35957,7 +37266,7 @@
 </p:sld>
 </file>
 
-<file path=ppt/slides/slide4.xml><?xml version="1.0" encoding="utf-8"?>
+<file path=ppt/slides/slide5.xml><?xml version="1.0" encoding="utf-8"?>
 <p:sld xmlns:a="http://schemas.openxmlformats.org/drawingml/2006/main" xmlns:r="http://schemas.openxmlformats.org/officeDocument/2006/relationships" xmlns:p="http://schemas.openxmlformats.org/presentationml/2006/main">
   <p:cSld>
     <p:spTree>
@@ -36002,7 +37311,7 @@
                 </a:solidFill>
               </a:rPr>
               <a:pPr/>
-              <a:t>4</a:t>
+              <a:t>5</a:t>
             </a:fld>
             <a:endParaRPr lang="en-US" altLang="zh-CN" dirty="0">
               <a:solidFill>
@@ -36428,7 +37737,7 @@
 </p:sld>
 </file>
 
-<file path=ppt/slides/slide5.xml><?xml version="1.0" encoding="utf-8"?>
+<file path=ppt/slides/slide6.xml><?xml version="1.0" encoding="utf-8"?>
 <p:sld xmlns:a="http://schemas.openxmlformats.org/drawingml/2006/main" xmlns:r="http://schemas.openxmlformats.org/officeDocument/2006/relationships" xmlns:p="http://schemas.openxmlformats.org/presentationml/2006/main">
   <p:cSld>
     <p:spTree>
@@ -36473,7 +37782,7 @@
                 </a:solidFill>
               </a:rPr>
               <a:pPr/>
-              <a:t>5</a:t>
+              <a:t>6</a:t>
             </a:fld>
             <a:endParaRPr lang="en-US" altLang="zh-CN" dirty="0">
               <a:solidFill>
@@ -36899,7 +38208,7 @@
 </p:sld>
 </file>
 
-<file path=ppt/slides/slide6.xml><?xml version="1.0" encoding="utf-8"?>
+<file path=ppt/slides/slide7.xml><?xml version="1.0" encoding="utf-8"?>
 <p:sld xmlns:a="http://schemas.openxmlformats.org/drawingml/2006/main" xmlns:r="http://schemas.openxmlformats.org/officeDocument/2006/relationships" xmlns:p="http://schemas.openxmlformats.org/presentationml/2006/main">
   <p:cSld>
     <p:spTree>
@@ -36944,7 +38253,7 @@
                 </a:solidFill>
               </a:rPr>
               <a:pPr/>
-              <a:t>6</a:t>
+              <a:t>7</a:t>
             </a:fld>
             <a:endParaRPr lang="en-US" altLang="zh-CN" dirty="0">
               <a:solidFill>
@@ -37801,7 +39110,7 @@
 </p:sld>
 </file>
 
-<file path=ppt/slides/slide7.xml><?xml version="1.0" encoding="utf-8"?>
+<file path=ppt/slides/slide8.xml><?xml version="1.0" encoding="utf-8"?>
 <p:sld xmlns:a="http://schemas.openxmlformats.org/drawingml/2006/main" xmlns:r="http://schemas.openxmlformats.org/officeDocument/2006/relationships" xmlns:p="http://schemas.openxmlformats.org/presentationml/2006/main">
   <p:cSld>
     <p:spTree>
@@ -37846,7 +39155,7 @@
                 </a:solidFill>
               </a:rPr>
               <a:pPr/>
-              <a:t>7</a:t>
+              <a:t>8</a:t>
             </a:fld>
             <a:endParaRPr lang="en-US" altLang="zh-CN" dirty="0">
               <a:solidFill>
@@ -38734,7 +40043,7 @@
 </p:sld>
 </file>
 
-<file path=ppt/slides/slide8.xml><?xml version="1.0" encoding="utf-8"?>
+<file path=ppt/slides/slide9.xml><?xml version="1.0" encoding="utf-8"?>
 <p:sld xmlns:a="http://schemas.openxmlformats.org/drawingml/2006/main" xmlns:r="http://schemas.openxmlformats.org/officeDocument/2006/relationships" xmlns:p="http://schemas.openxmlformats.org/presentationml/2006/main">
   <p:cSld>
     <p:spTree>
@@ -38779,7 +40088,7 @@
                 </a:solidFill>
               </a:rPr>
               <a:pPr/>
-              <a:t>8</a:t>
+              <a:t>9</a:t>
             </a:fld>
             <a:endParaRPr lang="en-US" altLang="zh-CN" dirty="0">
               <a:solidFill>
@@ -39941,1039 +41250,6 @@
     <p:extLst>
       <p:ext uri="{BB962C8B-B14F-4D97-AF65-F5344CB8AC3E}">
         <p14:creationId xmlns:p14="http://schemas.microsoft.com/office/powerpoint/2010/main" val="3677016462"/>
-      </p:ext>
-    </p:extLst>
-  </p:cSld>
-  <p:clrMapOvr>
-    <a:masterClrMapping/>
-  </p:clrMapOvr>
-</p:sld>
-</file>
-
-<file path=ppt/slides/slide9.xml><?xml version="1.0" encoding="utf-8"?>
-<p:sld xmlns:a="http://schemas.openxmlformats.org/drawingml/2006/main" xmlns:r="http://schemas.openxmlformats.org/officeDocument/2006/relationships" xmlns:p="http://schemas.openxmlformats.org/presentationml/2006/main">
-  <p:cSld>
-    <p:spTree>
-      <p:nvGrpSpPr>
-        <p:cNvPr id="1" name=""/>
-        <p:cNvGrpSpPr/>
-        <p:nvPr/>
-      </p:nvGrpSpPr>
-      <p:grpSpPr>
-        <a:xfrm>
-          <a:off x="0" y="0"/>
-          <a:ext cx="0" cy="0"/>
-          <a:chOff x="0" y="0"/>
-          <a:chExt cx="0" cy="0"/>
-        </a:xfrm>
-      </p:grpSpPr>
-      <p:sp>
-        <p:nvSpPr>
-          <p:cNvPr id="7" name="Slide Number Placeholder 6">
-            <a:extLst>
-              <a:ext uri="{FF2B5EF4-FFF2-40B4-BE49-F238E27FC236}">
-                <a16:creationId xmlns:a16="http://schemas.microsoft.com/office/drawing/2014/main" id="{8EA25C86-7BE3-4BC6-C0B8-7F7D7C3EC286}"/>
-              </a:ext>
-            </a:extLst>
-          </p:cNvPr>
-          <p:cNvSpPr>
-            <a:spLocks noGrp="1"/>
-          </p:cNvSpPr>
-          <p:nvPr>
-            <p:ph type="sldNum" sz="quarter" idx="29"/>
-          </p:nvPr>
-        </p:nvSpPr>
-        <p:spPr/>
-        <p:txBody>
-          <a:bodyPr/>
-          <a:lstStyle/>
-          <a:p>
-            <a:fld id="{47FEACEE-25B4-4A2D-B147-27296E36371D}" type="slidenum">
-              <a:rPr lang="en-US" altLang="zh-CN" smtClean="0">
-                <a:solidFill>
-                  <a:srgbClr val="1F1F1F"/>
-                </a:solidFill>
-              </a:rPr>
-              <a:pPr/>
-              <a:t>9</a:t>
-            </a:fld>
-            <a:endParaRPr lang="en-US" altLang="zh-CN" dirty="0">
-              <a:solidFill>
-                <a:srgbClr val="1F1F1F"/>
-              </a:solidFill>
-            </a:endParaRPr>
-          </a:p>
-        </p:txBody>
-      </p:sp>
-      <p:sp>
-        <p:nvSpPr>
-          <p:cNvPr id="12" name="Title 11">
-            <a:extLst>
-              <a:ext uri="{FF2B5EF4-FFF2-40B4-BE49-F238E27FC236}">
-                <a16:creationId xmlns:a16="http://schemas.microsoft.com/office/drawing/2014/main" id="{C13DFCA2-73A5-40AB-BC3B-D2112116B16B}"/>
-              </a:ext>
-            </a:extLst>
-          </p:cNvPr>
-          <p:cNvSpPr>
-            <a:spLocks noGrp="1"/>
-          </p:cNvSpPr>
-          <p:nvPr>
-            <p:ph type="title"/>
-          </p:nvPr>
-        </p:nvSpPr>
-        <p:spPr>
-          <a:xfrm>
-            <a:off x="581709" y="274955"/>
-            <a:ext cx="6031527" cy="673368"/>
-          </a:xfrm>
-        </p:spPr>
-        <p:txBody>
-          <a:bodyPr/>
-          <a:lstStyle/>
-          <a:p>
-            <a:r>
-              <a:rPr lang="en-US" dirty="0">
-                <a:solidFill>
-                  <a:srgbClr val="1F1F1F"/>
-                </a:solidFill>
-                <a:latin typeface="Abadi (Body)"/>
-              </a:rPr>
-              <a:t>4. RESULT</a:t>
-            </a:r>
-          </a:p>
-        </p:txBody>
-      </p:sp>
-      <p:sp>
-        <p:nvSpPr>
-          <p:cNvPr id="16" name="Rectangle 15">
-            <a:extLst>
-              <a:ext uri="{FF2B5EF4-FFF2-40B4-BE49-F238E27FC236}">
-                <a16:creationId xmlns:a16="http://schemas.microsoft.com/office/drawing/2014/main" id="{B04CA16E-B9F2-4674-9F30-FFB20D731855}"/>
-              </a:ext>
-            </a:extLst>
-          </p:cNvPr>
-          <p:cNvSpPr/>
-          <p:nvPr/>
-        </p:nvSpPr>
-        <p:spPr>
-          <a:xfrm>
-            <a:off x="670486" y="994296"/>
-            <a:ext cx="6733490" cy="75463"/>
-          </a:xfrm>
-          <a:prstGeom prst="rect">
-            <a:avLst/>
-          </a:prstGeom>
-          <a:gradFill flip="none" rotWithShape="1">
-            <a:gsLst>
-              <a:gs pos="0">
-                <a:schemeClr val="accent4">
-                  <a:tint val="66000"/>
-                  <a:satMod val="160000"/>
-                </a:schemeClr>
-              </a:gs>
-              <a:gs pos="29000">
-                <a:schemeClr val="accent4">
-                  <a:tint val="44500"/>
-                  <a:satMod val="160000"/>
-                </a:schemeClr>
-              </a:gs>
-              <a:gs pos="95575">
-                <a:srgbClr val="F8F6F5"/>
-              </a:gs>
-              <a:gs pos="55000">
-                <a:schemeClr val="accent4">
-                  <a:tint val="23500"/>
-                  <a:satMod val="160000"/>
-                </a:schemeClr>
-              </a:gs>
-            </a:gsLst>
-            <a:path path="circle">
-              <a:fillToRect t="100000" r="100000"/>
-            </a:path>
-            <a:tileRect l="-100000" b="-100000"/>
-          </a:gradFill>
-          <a:ln>
-            <a:noFill/>
-          </a:ln>
-        </p:spPr>
-        <p:style>
-          <a:lnRef idx="2">
-            <a:schemeClr val="accent4">
-              <a:shade val="50000"/>
-            </a:schemeClr>
-          </a:lnRef>
-          <a:fillRef idx="1">
-            <a:schemeClr val="accent4"/>
-          </a:fillRef>
-          <a:effectRef idx="0">
-            <a:schemeClr val="accent4"/>
-          </a:effectRef>
-          <a:fontRef idx="minor">
-            <a:schemeClr val="lt1"/>
-          </a:fontRef>
-        </p:style>
-        <p:txBody>
-          <a:bodyPr rtlCol="0" anchor="ctr"/>
-          <a:lstStyle/>
-          <a:p>
-            <a:pPr algn="ctr"/>
-            <a:endParaRPr lang="en-US" dirty="0"/>
-          </a:p>
-        </p:txBody>
-      </p:sp>
-      <p:sp>
-        <p:nvSpPr>
-          <p:cNvPr id="11" name="Footer Placeholder 4">
-            <a:extLst>
-              <a:ext uri="{FF2B5EF4-FFF2-40B4-BE49-F238E27FC236}">
-                <a16:creationId xmlns:a16="http://schemas.microsoft.com/office/drawing/2014/main" id="{AC203E99-9D2D-42B0-AC30-85691E499597}"/>
-              </a:ext>
-            </a:extLst>
-          </p:cNvPr>
-          <p:cNvSpPr txBox="1">
-            <a:spLocks/>
-          </p:cNvSpPr>
-          <p:nvPr/>
-        </p:nvSpPr>
-        <p:spPr>
-          <a:xfrm>
-            <a:off x="8620218" y="6256093"/>
-            <a:ext cx="2573952" cy="288777"/>
-          </a:xfrm>
-          <a:prstGeom prst="rect">
-            <a:avLst/>
-          </a:prstGeom>
-        </p:spPr>
-        <p:txBody>
-          <a:bodyPr vert="horz" lIns="91440" tIns="45720" rIns="91440" bIns="45720" rtlCol="0">
-            <a:noAutofit/>
-          </a:bodyPr>
-          <a:lstStyle>
-            <a:lvl1pPr marL="228600" indent="-228600" algn="l" defTabSz="914400" rtl="0" eaLnBrk="1" latinLnBrk="0" hangingPunct="1">
-              <a:lnSpc>
-                <a:spcPct val="100000"/>
-              </a:lnSpc>
-              <a:spcBef>
-                <a:spcPts val="0"/>
-              </a:spcBef>
-              <a:spcAft>
-                <a:spcPts val="600"/>
-              </a:spcAft>
-              <a:buFont typeface="Arial" panose="020B0604020202020204" pitchFamily="34" charset="0"/>
-              <a:buChar char="•"/>
-              <a:defRPr sz="1400" b="0" kern="1200">
-                <a:solidFill>
-                  <a:schemeClr val="accent6"/>
-                </a:solidFill>
-                <a:latin typeface="+mn-lt"/>
-                <a:ea typeface="+mn-ea"/>
-                <a:cs typeface="+mn-cs"/>
-              </a:defRPr>
-            </a:lvl1pPr>
-            <a:lvl2pPr marL="685800" indent="-228600" algn="l" defTabSz="914400" rtl="0" eaLnBrk="1" latinLnBrk="0" hangingPunct="1">
-              <a:lnSpc>
-                <a:spcPct val="90000"/>
-              </a:lnSpc>
-              <a:spcBef>
-                <a:spcPts val="500"/>
-              </a:spcBef>
-              <a:buFont typeface="Arial" panose="020B0604020202020204" pitchFamily="34" charset="0"/>
-              <a:buChar char="•"/>
-              <a:defRPr sz="1000" kern="1200">
-                <a:solidFill>
-                  <a:schemeClr val="accent6"/>
-                </a:solidFill>
-                <a:latin typeface="+mn-lt"/>
-                <a:ea typeface="+mn-ea"/>
-                <a:cs typeface="+mn-cs"/>
-              </a:defRPr>
-            </a:lvl2pPr>
-            <a:lvl3pPr marL="1143000" indent="-228600" algn="l" defTabSz="914400" rtl="0" eaLnBrk="1" latinLnBrk="0" hangingPunct="1">
-              <a:lnSpc>
-                <a:spcPct val="90000"/>
-              </a:lnSpc>
-              <a:spcBef>
-                <a:spcPts val="500"/>
-              </a:spcBef>
-              <a:buFont typeface="Arial" panose="020B0604020202020204" pitchFamily="34" charset="0"/>
-              <a:buChar char="•"/>
-              <a:defRPr sz="900" kern="1200">
-                <a:solidFill>
-                  <a:schemeClr val="accent6"/>
-                </a:solidFill>
-                <a:latin typeface="+mn-lt"/>
-                <a:ea typeface="+mn-ea"/>
-                <a:cs typeface="+mn-cs"/>
-              </a:defRPr>
-            </a:lvl3pPr>
-            <a:lvl4pPr marL="1600200" indent="-228600" algn="l" defTabSz="914400" rtl="0" eaLnBrk="1" latinLnBrk="0" hangingPunct="1">
-              <a:lnSpc>
-                <a:spcPct val="90000"/>
-              </a:lnSpc>
-              <a:spcBef>
-                <a:spcPts val="500"/>
-              </a:spcBef>
-              <a:buFont typeface="Arial" panose="020B0604020202020204" pitchFamily="34" charset="0"/>
-              <a:buChar char="•"/>
-              <a:defRPr sz="800" kern="1200">
-                <a:solidFill>
-                  <a:schemeClr val="accent6"/>
-                </a:solidFill>
-                <a:latin typeface="+mn-lt"/>
-                <a:ea typeface="+mn-ea"/>
-                <a:cs typeface="+mn-cs"/>
-              </a:defRPr>
-            </a:lvl4pPr>
-            <a:lvl5pPr marL="2057400" indent="-228600" algn="l" defTabSz="914400" rtl="0" eaLnBrk="1" latinLnBrk="0" hangingPunct="1">
-              <a:lnSpc>
-                <a:spcPct val="90000"/>
-              </a:lnSpc>
-              <a:spcBef>
-                <a:spcPts val="500"/>
-              </a:spcBef>
-              <a:buFont typeface="Arial" panose="020B0604020202020204" pitchFamily="34" charset="0"/>
-              <a:buChar char="•"/>
-              <a:defRPr sz="800" kern="1200">
-                <a:solidFill>
-                  <a:schemeClr val="accent6"/>
-                </a:solidFill>
-                <a:latin typeface="+mn-lt"/>
-                <a:ea typeface="+mn-ea"/>
-                <a:cs typeface="+mn-cs"/>
-              </a:defRPr>
-            </a:lvl5pPr>
-            <a:lvl6pPr marL="2514600" indent="-228600" algn="l" defTabSz="914400" rtl="0" eaLnBrk="1" latinLnBrk="0" hangingPunct="1">
-              <a:lnSpc>
-                <a:spcPct val="90000"/>
-              </a:lnSpc>
-              <a:spcBef>
-                <a:spcPts val="500"/>
-              </a:spcBef>
-              <a:buFont typeface="Arial" panose="020B0604020202020204" pitchFamily="34" charset="0"/>
-              <a:buChar char="•"/>
-              <a:defRPr sz="1800" kern="1200">
-                <a:solidFill>
-                  <a:schemeClr val="tx1"/>
-                </a:solidFill>
-                <a:latin typeface="+mn-lt"/>
-                <a:ea typeface="+mn-ea"/>
-                <a:cs typeface="+mn-cs"/>
-              </a:defRPr>
-            </a:lvl6pPr>
-            <a:lvl7pPr marL="2971800" indent="-228600" algn="l" defTabSz="914400" rtl="0" eaLnBrk="1" latinLnBrk="0" hangingPunct="1">
-              <a:lnSpc>
-                <a:spcPct val="90000"/>
-              </a:lnSpc>
-              <a:spcBef>
-                <a:spcPts val="500"/>
-              </a:spcBef>
-              <a:buFont typeface="Arial" panose="020B0604020202020204" pitchFamily="34" charset="0"/>
-              <a:buChar char="•"/>
-              <a:defRPr sz="1800" kern="1200">
-                <a:solidFill>
-                  <a:schemeClr val="tx1"/>
-                </a:solidFill>
-                <a:latin typeface="+mn-lt"/>
-                <a:ea typeface="+mn-ea"/>
-                <a:cs typeface="+mn-cs"/>
-              </a:defRPr>
-            </a:lvl7pPr>
-            <a:lvl8pPr marL="3429000" indent="-228600" algn="l" defTabSz="914400" rtl="0" eaLnBrk="1" latinLnBrk="0" hangingPunct="1">
-              <a:lnSpc>
-                <a:spcPct val="90000"/>
-              </a:lnSpc>
-              <a:spcBef>
-                <a:spcPts val="500"/>
-              </a:spcBef>
-              <a:buFont typeface="Arial" panose="020B0604020202020204" pitchFamily="34" charset="0"/>
-              <a:buChar char="•"/>
-              <a:defRPr sz="1800" kern="1200">
-                <a:solidFill>
-                  <a:schemeClr val="tx1"/>
-                </a:solidFill>
-                <a:latin typeface="+mn-lt"/>
-                <a:ea typeface="+mn-ea"/>
-                <a:cs typeface="+mn-cs"/>
-              </a:defRPr>
-            </a:lvl8pPr>
-            <a:lvl9pPr marL="3886200" indent="-228600" algn="l" defTabSz="914400" rtl="0" eaLnBrk="1" latinLnBrk="0" hangingPunct="1">
-              <a:lnSpc>
-                <a:spcPct val="90000"/>
-              </a:lnSpc>
-              <a:spcBef>
-                <a:spcPts val="500"/>
-              </a:spcBef>
-              <a:buFont typeface="Arial" panose="020B0604020202020204" pitchFamily="34" charset="0"/>
-              <a:buChar char="•"/>
-              <a:defRPr sz="1800" kern="1200">
-                <a:solidFill>
-                  <a:schemeClr val="tx1"/>
-                </a:solidFill>
-                <a:latin typeface="+mn-lt"/>
-                <a:ea typeface="+mn-ea"/>
-                <a:cs typeface="+mn-cs"/>
-              </a:defRPr>
-            </a:lvl9pPr>
-          </a:lstStyle>
-          <a:p>
-            <a:pPr marL="0" indent="0">
-              <a:buNone/>
-            </a:pPr>
-            <a:r>
-              <a:rPr lang="en-US" altLang="zh-CN" sz="1200" dirty="0">
-                <a:solidFill>
-                  <a:srgbClr val="1F1F1F"/>
-                </a:solidFill>
-              </a:rPr>
-              <a:t>TELCO CHURN PREDICTION MODEL</a:t>
-            </a:r>
-            <a:endParaRPr lang="en-US" dirty="0">
-              <a:solidFill>
-                <a:srgbClr val="1F1F1F"/>
-              </a:solidFill>
-            </a:endParaRPr>
-          </a:p>
-        </p:txBody>
-      </p:sp>
-      <p:graphicFrame>
-        <p:nvGraphicFramePr>
-          <p:cNvPr id="24" name="Table 7">
-            <a:extLst>
-              <a:ext uri="{FF2B5EF4-FFF2-40B4-BE49-F238E27FC236}">
-                <a16:creationId xmlns:a16="http://schemas.microsoft.com/office/drawing/2014/main" id="{A11C2CC6-BE33-4FEB-BB54-E59526361344}"/>
-              </a:ext>
-            </a:extLst>
-          </p:cNvPr>
-          <p:cNvGraphicFramePr>
-            <a:graphicFrameLocks noGrp="1"/>
-          </p:cNvGraphicFramePr>
-          <p:nvPr>
-            <p:extLst>
-              <p:ext uri="{D42A27DB-BD31-4B8C-83A1-F6EECF244321}">
-                <p14:modId xmlns:p14="http://schemas.microsoft.com/office/powerpoint/2010/main" val="1871204590"/>
-              </p:ext>
-            </p:extLst>
-          </p:nvPr>
-        </p:nvGraphicFramePr>
-        <p:xfrm>
-          <a:off x="670484" y="1925668"/>
-          <a:ext cx="9200787" cy="4022536"/>
-        </p:xfrm>
-        <a:graphic>
-          <a:graphicData uri="http://schemas.openxmlformats.org/drawingml/2006/table">
-            <a:tbl>
-              <a:tblPr firstRow="1" bandRow="1">
-                <a:tableStyleId>{5C22544A-7EE6-4342-B048-85BDC9FD1C3A}</a:tableStyleId>
-              </a:tblPr>
-              <a:tblGrid>
-                <a:gridCol w="598805">
-                  <a:extLst>
-                    <a:ext uri="{9D8B030D-6E8A-4147-A177-3AD203B41FA5}">
-                      <a16:colId xmlns:a16="http://schemas.microsoft.com/office/drawing/2014/main" val="2049887181"/>
-                    </a:ext>
-                  </a:extLst>
-                </a:gridCol>
-                <a:gridCol w="1663700">
-                  <a:extLst>
-                    <a:ext uri="{9D8B030D-6E8A-4147-A177-3AD203B41FA5}">
-                      <a16:colId xmlns:a16="http://schemas.microsoft.com/office/drawing/2014/main" val="3606999241"/>
-                    </a:ext>
-                  </a:extLst>
-                </a:gridCol>
-                <a:gridCol w="559118">
-                  <a:extLst>
-                    <a:ext uri="{9D8B030D-6E8A-4147-A177-3AD203B41FA5}">
-                      <a16:colId xmlns:a16="http://schemas.microsoft.com/office/drawing/2014/main" val="619952824"/>
-                    </a:ext>
-                  </a:extLst>
-                </a:gridCol>
-                <a:gridCol w="6379164">
-                  <a:extLst>
-                    <a:ext uri="{9D8B030D-6E8A-4147-A177-3AD203B41FA5}">
-                      <a16:colId xmlns:a16="http://schemas.microsoft.com/office/drawing/2014/main" val="2681954238"/>
-                    </a:ext>
-                  </a:extLst>
-                </a:gridCol>
-              </a:tblGrid>
-              <a:tr h="239187">
-                <a:tc>
-                  <a:txBody>
-                    <a:bodyPr/>
-                    <a:lstStyle/>
-                    <a:p>
-                      <a:r>
-                        <a:rPr lang="en-US" sz="1400" dirty="0">
-                          <a:latin typeface="Abadi (Body)"/>
-                        </a:rPr>
-                        <a:t>Rank</a:t>
-                      </a:r>
-                    </a:p>
-                  </a:txBody>
-                  <a:tcPr/>
-                </a:tc>
-                <a:tc>
-                  <a:txBody>
-                    <a:bodyPr/>
-                    <a:lstStyle/>
-                    <a:p>
-                      <a:r>
-                        <a:rPr lang="en-US" sz="1400" dirty="0">
-                          <a:latin typeface="Abadi (Body)"/>
-                        </a:rPr>
-                        <a:t>Features</a:t>
-                      </a:r>
-                    </a:p>
-                  </a:txBody>
-                  <a:tcPr/>
-                </a:tc>
-                <a:tc>
-                  <a:txBody>
-                    <a:bodyPr/>
-                    <a:lstStyle/>
-                    <a:p>
-                      <a:r>
-                        <a:rPr lang="en-US" sz="1400" dirty="0">
-                          <a:latin typeface="Abadi (Body)"/>
-                        </a:rPr>
-                        <a:t>Sign</a:t>
-                      </a:r>
-                    </a:p>
-                  </a:txBody>
-                  <a:tcPr/>
-                </a:tc>
-                <a:tc>
-                  <a:txBody>
-                    <a:bodyPr/>
-                    <a:lstStyle/>
-                    <a:p>
-                      <a:pPr marL="0" marR="0" lvl="0" indent="0" algn="l" defTabSz="914400" rtl="0" eaLnBrk="1" fontAlgn="auto" latinLnBrk="0" hangingPunct="1">
-                        <a:lnSpc>
-                          <a:spcPct val="100000"/>
-                        </a:lnSpc>
-                        <a:spcBef>
-                          <a:spcPts val="0"/>
-                        </a:spcBef>
-                        <a:spcAft>
-                          <a:spcPts val="0"/>
-                        </a:spcAft>
-                        <a:buClrTx/>
-                        <a:buSzTx/>
-                        <a:buFontTx/>
-                        <a:buNone/>
-                        <a:tabLst/>
-                        <a:defRPr/>
-                      </a:pPr>
-                      <a:r>
-                        <a:rPr lang="en-US" sz="1400" dirty="0">
-                          <a:latin typeface="Abadi (Body)"/>
-                        </a:rPr>
-                        <a:t>Meaning</a:t>
-                      </a:r>
-                    </a:p>
-                  </a:txBody>
-                  <a:tcPr/>
-                </a:tc>
-                <a:extLst>
-                  <a:ext uri="{0D108BD9-81ED-4DB2-BD59-A6C34878D82A}">
-                    <a16:rowId xmlns:a16="http://schemas.microsoft.com/office/drawing/2014/main" val="1504804843"/>
-                  </a:ext>
-                </a:extLst>
-              </a:tr>
-              <a:tr h="746554">
-                <a:tc>
-                  <a:txBody>
-                    <a:bodyPr/>
-                    <a:lstStyle/>
-                    <a:p>
-                      <a:r>
-                        <a:rPr lang="en-US" sz="1400" b="0" dirty="0">
-                          <a:effectLst/>
-                          <a:latin typeface="Abadi (Body)"/>
-                        </a:rPr>
-                        <a:t>1</a:t>
-                      </a:r>
-                    </a:p>
-                  </a:txBody>
-                  <a:tcPr marL="152400" marR="152400" marT="152400" marB="152400" anchor="ctr"/>
-                </a:tc>
-                <a:tc>
-                  <a:txBody>
-                    <a:bodyPr/>
-                    <a:lstStyle/>
-                    <a:p>
-                      <a:r>
-                        <a:rPr lang="en-US" sz="1400" b="0" dirty="0">
-                          <a:effectLst/>
-                          <a:latin typeface="Abadi (Body)"/>
-                        </a:rPr>
-                        <a:t>Contract</a:t>
-                      </a:r>
-                    </a:p>
-                  </a:txBody>
-                  <a:tcPr marL="152400" marR="152400" marT="152400" marB="152400" anchor="ctr"/>
-                </a:tc>
-                <a:tc>
-                  <a:txBody>
-                    <a:bodyPr/>
-                    <a:lstStyle/>
-                    <a:p>
-                      <a:pPr algn="ctr"/>
-                      <a:r>
-                        <a:rPr lang="en-US" sz="1400" b="0" dirty="0">
-                          <a:effectLst/>
-                          <a:latin typeface="Abadi (Body)"/>
-                        </a:rPr>
-                        <a:t>+</a:t>
-                      </a:r>
-                    </a:p>
-                  </a:txBody>
-                  <a:tcPr marL="152400" marR="152400" marT="152400" marB="152400" anchor="ctr"/>
-                </a:tc>
-                <a:tc>
-                  <a:txBody>
-                    <a:bodyPr/>
-                    <a:lstStyle/>
-                    <a:p>
-                      <a:r>
-                        <a:rPr lang="en-US" sz="1400" b="0" dirty="0">
-                          <a:effectLst/>
-                          <a:latin typeface="Abadi (Body)"/>
-                        </a:rPr>
-                        <a:t>Customers on contract or top-up plans are more likely to churn, possibly due to the ease of changing numbers for top-up customers.</a:t>
-                      </a:r>
-                    </a:p>
-                  </a:txBody>
-                  <a:tcPr marL="152400" marR="152400" marT="152400" marB="152400" anchor="ctr"/>
-                </a:tc>
-                <a:extLst>
-                  <a:ext uri="{0D108BD9-81ED-4DB2-BD59-A6C34878D82A}">
-                    <a16:rowId xmlns:a16="http://schemas.microsoft.com/office/drawing/2014/main" val="3436284998"/>
-                  </a:ext>
-                </a:extLst>
-              </a:tr>
-              <a:tr h="594344">
-                <a:tc>
-                  <a:txBody>
-                    <a:bodyPr/>
-                    <a:lstStyle/>
-                    <a:p>
-                      <a:r>
-                        <a:rPr lang="en-US" sz="1400" b="0" dirty="0">
-                          <a:effectLst/>
-                          <a:latin typeface="Abadi (Body)"/>
-                        </a:rPr>
-                        <a:t>2</a:t>
-                      </a:r>
-                    </a:p>
-                  </a:txBody>
-                  <a:tcPr marL="152400" marR="152400" marT="152400" marB="152400" anchor="ctr"/>
-                </a:tc>
-                <a:tc>
-                  <a:txBody>
-                    <a:bodyPr/>
-                    <a:lstStyle/>
-                    <a:p>
-                      <a:r>
-                        <a:rPr lang="en-US" sz="1400" b="0" dirty="0">
-                          <a:effectLst/>
-                          <a:latin typeface="Abadi (Body)"/>
-                        </a:rPr>
-                        <a:t>Tenure</a:t>
-                      </a:r>
-                    </a:p>
-                  </a:txBody>
-                  <a:tcPr marL="152400" marR="152400" marT="152400" marB="152400" anchor="ctr"/>
-                </a:tc>
-                <a:tc>
-                  <a:txBody>
-                    <a:bodyPr/>
-                    <a:lstStyle/>
-                    <a:p>
-                      <a:pPr algn="ctr"/>
-                      <a:r>
-                        <a:rPr lang="en-US" sz="1400" b="0" dirty="0">
-                          <a:effectLst/>
-                          <a:latin typeface="Abadi (Body)"/>
-                        </a:rPr>
-                        <a:t>+</a:t>
-                      </a:r>
-                    </a:p>
-                  </a:txBody>
-                  <a:tcPr marL="152400" marR="152400" marT="152400" marB="152400" anchor="ctr"/>
-                </a:tc>
-                <a:tc>
-                  <a:txBody>
-                    <a:bodyPr/>
-                    <a:lstStyle/>
-                    <a:p>
-                      <a:r>
-                        <a:rPr lang="en-US" sz="1400" b="0" dirty="0">
-                          <a:effectLst/>
-                          <a:latin typeface="Abadi (Body)"/>
-                        </a:rPr>
-                        <a:t>Long-time customers have a higher churn probability, potentially due to elderly individuals reducing phone usage to cut expenses.</a:t>
-                      </a:r>
-                    </a:p>
-                  </a:txBody>
-                  <a:tcPr marL="152400" marR="152400" marT="152400" marB="152400" anchor="ctr"/>
-                </a:tc>
-                <a:extLst>
-                  <a:ext uri="{0D108BD9-81ED-4DB2-BD59-A6C34878D82A}">
-                    <a16:rowId xmlns:a16="http://schemas.microsoft.com/office/drawing/2014/main" val="386041"/>
-                  </a:ext>
-                </a:extLst>
-              </a:tr>
-              <a:tr h="746554">
-                <a:tc>
-                  <a:txBody>
-                    <a:bodyPr/>
-                    <a:lstStyle/>
-                    <a:p>
-                      <a:pPr marL="0" marR="0" lvl="0" indent="0" algn="l" defTabSz="914400" rtl="0" eaLnBrk="1" fontAlgn="auto" latinLnBrk="0" hangingPunct="1">
-                        <a:lnSpc>
-                          <a:spcPct val="100000"/>
-                        </a:lnSpc>
-                        <a:spcBef>
-                          <a:spcPts val="0"/>
-                        </a:spcBef>
-                        <a:spcAft>
-                          <a:spcPts val="0"/>
-                        </a:spcAft>
-                        <a:buClrTx/>
-                        <a:buSzTx/>
-                        <a:buFontTx/>
-                        <a:buNone/>
-                        <a:tabLst/>
-                        <a:defRPr/>
-                      </a:pPr>
-                      <a:r>
-                        <a:rPr lang="en-US" sz="1400" b="0" dirty="0">
-                          <a:effectLst/>
-                          <a:latin typeface="Abadi (Body)"/>
-                        </a:rPr>
-                        <a:t>3</a:t>
-                      </a:r>
-                    </a:p>
-                  </a:txBody>
-                  <a:tcPr marL="152400" marR="152400" marT="152400" marB="152400" anchor="ctr"/>
-                </a:tc>
-                <a:tc>
-                  <a:txBody>
-                    <a:bodyPr/>
-                    <a:lstStyle/>
-                    <a:p>
-                      <a:pPr marL="0" marR="0" lvl="0" indent="0" algn="l" defTabSz="914400" rtl="0" eaLnBrk="1" fontAlgn="auto" latinLnBrk="0" hangingPunct="1">
-                        <a:lnSpc>
-                          <a:spcPct val="100000"/>
-                        </a:lnSpc>
-                        <a:spcBef>
-                          <a:spcPts val="0"/>
-                        </a:spcBef>
-                        <a:spcAft>
-                          <a:spcPts val="0"/>
-                        </a:spcAft>
-                        <a:buClrTx/>
-                        <a:buSzTx/>
-                        <a:buFontTx/>
-                        <a:buNone/>
-                        <a:tabLst/>
-                        <a:defRPr/>
-                      </a:pPr>
-                      <a:r>
-                        <a:rPr lang="en-US" sz="1400" b="0" dirty="0">
-                          <a:effectLst/>
-                          <a:latin typeface="Abadi (Body)"/>
-                        </a:rPr>
-                        <a:t>Monthly charges</a:t>
-                      </a:r>
-                    </a:p>
-                  </a:txBody>
-                  <a:tcPr marL="152400" marR="152400" marT="152400" marB="152400" anchor="ctr"/>
-                </a:tc>
-                <a:tc>
-                  <a:txBody>
-                    <a:bodyPr/>
-                    <a:lstStyle/>
-                    <a:p>
-                      <a:pPr algn="ctr"/>
-                      <a:r>
-                        <a:rPr lang="en-US" sz="1400" b="0" dirty="0">
-                          <a:effectLst/>
-                          <a:latin typeface="Abadi (Body)"/>
-                        </a:rPr>
-                        <a:t>-</a:t>
-                      </a:r>
-                    </a:p>
-                  </a:txBody>
-                  <a:tcPr marL="152400" marR="152400" marT="152400" marB="152400" anchor="ctr"/>
-                </a:tc>
-                <a:tc>
-                  <a:txBody>
-                    <a:bodyPr/>
-                    <a:lstStyle/>
-                    <a:p>
-                      <a:r>
-                        <a:rPr lang="en-US" sz="1400" b="0" i="0" kern="1200" dirty="0">
-                          <a:solidFill>
-                            <a:schemeClr val="dk1"/>
-                          </a:solidFill>
-                          <a:effectLst/>
-                          <a:latin typeface="+mn-lt"/>
-                          <a:ea typeface="+mn-ea"/>
-                          <a:cs typeface="+mn-cs"/>
-                        </a:rPr>
-                        <a:t>Customers paying lower charges are more likely to churn, influenced by industry trends towards appealing, low-priced packages from other operators.</a:t>
-                      </a:r>
-                    </a:p>
-                  </a:txBody>
-                  <a:tcPr marL="152400" marR="152400" marT="152400" marB="152400" anchor="ctr"/>
-                </a:tc>
-                <a:extLst>
-                  <a:ext uri="{0D108BD9-81ED-4DB2-BD59-A6C34878D82A}">
-                    <a16:rowId xmlns:a16="http://schemas.microsoft.com/office/drawing/2014/main" val="340580080"/>
-                  </a:ext>
-                </a:extLst>
-              </a:tr>
-              <a:tr h="746554">
-                <a:tc>
-                  <a:txBody>
-                    <a:bodyPr/>
-                    <a:lstStyle/>
-                    <a:p>
-                      <a:pPr marL="0" marR="0" lvl="0" indent="0" algn="l" defTabSz="914400" rtl="0" eaLnBrk="1" fontAlgn="auto" latinLnBrk="0" hangingPunct="1">
-                        <a:lnSpc>
-                          <a:spcPct val="100000"/>
-                        </a:lnSpc>
-                        <a:spcBef>
-                          <a:spcPts val="0"/>
-                        </a:spcBef>
-                        <a:spcAft>
-                          <a:spcPts val="0"/>
-                        </a:spcAft>
-                        <a:buClrTx/>
-                        <a:buSzTx/>
-                        <a:buFontTx/>
-                        <a:buNone/>
-                        <a:tabLst/>
-                        <a:defRPr/>
-                      </a:pPr>
-                      <a:r>
-                        <a:rPr lang="en-US" sz="1400" b="0" dirty="0">
-                          <a:effectLst/>
-                          <a:latin typeface="Abadi (Body)"/>
-                        </a:rPr>
-                        <a:t>4</a:t>
-                      </a:r>
-                    </a:p>
-                  </a:txBody>
-                  <a:tcPr marL="152400" marR="152400" marT="152400" marB="152400" anchor="ctr"/>
-                </a:tc>
-                <a:tc>
-                  <a:txBody>
-                    <a:bodyPr/>
-                    <a:lstStyle/>
-                    <a:p>
-                      <a:pPr marL="0" marR="0" lvl="0" indent="0" algn="l" defTabSz="914400" rtl="0" eaLnBrk="1" fontAlgn="auto" latinLnBrk="0" hangingPunct="1">
-                        <a:lnSpc>
-                          <a:spcPct val="100000"/>
-                        </a:lnSpc>
-                        <a:spcBef>
-                          <a:spcPts val="0"/>
-                        </a:spcBef>
-                        <a:spcAft>
-                          <a:spcPts val="0"/>
-                        </a:spcAft>
-                        <a:buClrTx/>
-                        <a:buSzTx/>
-                        <a:buFontTx/>
-                        <a:buNone/>
-                        <a:tabLst/>
-                        <a:defRPr/>
-                      </a:pPr>
-                      <a:r>
-                        <a:rPr lang="en-US" sz="1400" b="0" dirty="0">
-                          <a:effectLst/>
-                          <a:latin typeface="Abadi (Body)"/>
-                        </a:rPr>
-                        <a:t>Internet service</a:t>
-                      </a:r>
-                    </a:p>
-                  </a:txBody>
-                  <a:tcPr marL="152400" marR="152400" marT="152400" marB="152400" anchor="ctr"/>
-                </a:tc>
-                <a:tc>
-                  <a:txBody>
-                    <a:bodyPr/>
-                    <a:lstStyle/>
-                    <a:p>
-                      <a:pPr algn="ctr"/>
-                      <a:r>
-                        <a:rPr lang="en-US" sz="1400" b="0" dirty="0">
-                          <a:effectLst/>
-                          <a:latin typeface="Abadi (Body)"/>
-                        </a:rPr>
-                        <a:t>-</a:t>
-                      </a:r>
-                    </a:p>
-                  </a:txBody>
-                  <a:tcPr marL="152400" marR="152400" marT="152400" marB="152400" anchor="ctr"/>
-                </a:tc>
-                <a:tc>
-                  <a:txBody>
-                    <a:bodyPr/>
-                    <a:lstStyle/>
-                    <a:p>
-                      <a:r>
-                        <a:rPr lang="en-US" sz="1400" b="0" dirty="0">
-                          <a:effectLst/>
-                          <a:latin typeface="Abadi (Body)"/>
-                        </a:rPr>
-                        <a:t>Customers without internet in their package are at a higher churn risk, as competitors offer inclusive internet services, reflecting its growing importance.</a:t>
-                      </a:r>
-                    </a:p>
-                  </a:txBody>
-                  <a:tcPr marL="152400" marR="152400" marT="152400" marB="152400" anchor="ctr"/>
-                </a:tc>
-                <a:extLst>
-                  <a:ext uri="{0D108BD9-81ED-4DB2-BD59-A6C34878D82A}">
-                    <a16:rowId xmlns:a16="http://schemas.microsoft.com/office/drawing/2014/main" val="4047188243"/>
-                  </a:ext>
-                </a:extLst>
-              </a:tr>
-              <a:tr h="746554">
-                <a:tc>
-                  <a:txBody>
-                    <a:bodyPr/>
-                    <a:lstStyle/>
-                    <a:p>
-                      <a:r>
-                        <a:rPr lang="en-US" sz="1400" b="0" dirty="0">
-                          <a:effectLst/>
-                          <a:latin typeface="Abadi (Body)"/>
-                        </a:rPr>
-                        <a:t>5</a:t>
-                      </a:r>
-                    </a:p>
-                  </a:txBody>
-                  <a:tcPr marL="152400" marR="152400" marT="152400" marB="152400" anchor="ctr"/>
-                </a:tc>
-                <a:tc>
-                  <a:txBody>
-                    <a:bodyPr/>
-                    <a:lstStyle/>
-                    <a:p>
-                      <a:r>
-                        <a:rPr lang="en-US" sz="1400" b="0" dirty="0">
-                          <a:effectLst/>
-                          <a:latin typeface="Abadi (Body)"/>
-                        </a:rPr>
-                        <a:t>Payment method</a:t>
-                      </a:r>
-                      <a:br>
-                        <a:rPr lang="en-US" sz="1400" b="0" dirty="0">
-                          <a:effectLst/>
-                          <a:latin typeface="Abadi (Body)"/>
-                        </a:rPr>
-                      </a:br>
-                      <a:r>
-                        <a:rPr lang="en-US" sz="1400" b="0" dirty="0">
-                          <a:effectLst/>
-                          <a:latin typeface="Abadi (Body)"/>
-                        </a:rPr>
-                        <a:t>(electronic check)</a:t>
-                      </a:r>
-                    </a:p>
-                  </a:txBody>
-                  <a:tcPr marL="152400" marR="152400" marT="152400" marB="152400" anchor="ctr"/>
-                </a:tc>
-                <a:tc>
-                  <a:txBody>
-                    <a:bodyPr/>
-                    <a:lstStyle/>
-                    <a:p>
-                      <a:pPr algn="ctr"/>
-                      <a:r>
-                        <a:rPr lang="en-US" sz="1400" b="0" dirty="0">
-                          <a:effectLst/>
-                          <a:latin typeface="Abadi (Body)"/>
-                        </a:rPr>
-                        <a:t>-</a:t>
-                      </a:r>
-                    </a:p>
-                  </a:txBody>
-                  <a:tcPr marL="152400" marR="152400" marT="152400" marB="152400" anchor="ctr"/>
-                </a:tc>
-                <a:tc>
-                  <a:txBody>
-                    <a:bodyPr/>
-                    <a:lstStyle/>
-                    <a:p>
-                      <a:r>
-                        <a:rPr lang="en-US" sz="1400" b="0" dirty="0">
-                          <a:effectLst/>
-                          <a:latin typeface="Abadi (Body)"/>
-                        </a:rPr>
-                        <a:t>Non-users of electronic payment for bills are more likely to churn, possibly due to the inconvenience of payment, prompting a switch to other providers.</a:t>
-                      </a:r>
-                    </a:p>
-                  </a:txBody>
-                  <a:tcPr marL="152400" marR="152400" marT="152400" marB="152400" anchor="ctr"/>
-                </a:tc>
-                <a:extLst>
-                  <a:ext uri="{0D108BD9-81ED-4DB2-BD59-A6C34878D82A}">
-                    <a16:rowId xmlns:a16="http://schemas.microsoft.com/office/drawing/2014/main" val="3993279132"/>
-                  </a:ext>
-                </a:extLst>
-              </a:tr>
-            </a:tbl>
-          </a:graphicData>
-        </a:graphic>
-      </p:graphicFrame>
-      <p:sp>
-        <p:nvSpPr>
-          <p:cNvPr id="25" name="TextBox 24">
-            <a:extLst>
-              <a:ext uri="{FF2B5EF4-FFF2-40B4-BE49-F238E27FC236}">
-                <a16:creationId xmlns:a16="http://schemas.microsoft.com/office/drawing/2014/main" id="{C13F14B8-E154-44D5-88C6-A719716D6590}"/>
-              </a:ext>
-            </a:extLst>
-          </p:cNvPr>
-          <p:cNvSpPr txBox="1"/>
-          <p:nvPr/>
-        </p:nvSpPr>
-        <p:spPr>
-          <a:xfrm>
-            <a:off x="581710" y="1390243"/>
-            <a:ext cx="5438090" cy="400110"/>
-          </a:xfrm>
-          <a:prstGeom prst="rect">
-            <a:avLst/>
-          </a:prstGeom>
-        </p:spPr>
-        <p:txBody>
-          <a:bodyPr wrap="square" rtlCol="0">
-            <a:spAutoFit/>
-          </a:bodyPr>
-          <a:lstStyle/>
-          <a:p>
-            <a:pPr algn="l"/>
-            <a:r>
-              <a:rPr lang="en-US" sz="2000" b="1" i="0" dirty="0">
-                <a:solidFill>
-                  <a:srgbClr val="1F1F1F"/>
-                </a:solidFill>
-                <a:effectLst/>
-                <a:latin typeface="Abadi (Body)"/>
-              </a:rPr>
-              <a:t>Feature importance</a:t>
-            </a:r>
-          </a:p>
-        </p:txBody>
-      </p:sp>
-    </p:spTree>
-    <p:extLst>
-      <p:ext uri="{BB962C8B-B14F-4D97-AF65-F5344CB8AC3E}">
-        <p14:creationId xmlns:p14="http://schemas.microsoft.com/office/powerpoint/2010/main" val="2414579764"/>
       </p:ext>
     </p:extLst>
   </p:cSld>
@@ -41820,6 +42096,15 @@
 </file>
 
 <file path=customXml/item2.xml><?xml version="1.0" encoding="utf-8"?>
+<?mso-contentType ?>
+<FormTemplates xmlns="http://schemas.microsoft.com/sharepoint/v3/contenttype/forms">
+  <Display>DocumentLibraryForm</Display>
+  <Edit>DocumentLibraryForm</Edit>
+  <New>DocumentLibraryForm</New>
+</FormTemplates>
+</file>
+
+<file path=customXml/item3.xml><?xml version="1.0" encoding="utf-8"?>
 <ct:contentTypeSchema xmlns:ct="http://schemas.microsoft.com/office/2006/metadata/contentType" xmlns:ma="http://schemas.microsoft.com/office/2006/metadata/properties/metaAttributes" ct:_="" ma:_="" ma:contentTypeName="Document" ma:contentTypeID="0x01010079F111ED35F8CC479449609E8A0923A6" ma:contentTypeVersion="24" ma:contentTypeDescription="Create a new document." ma:contentTypeScope="" ma:versionID="2d714a3296df14eba7a100bb665443ca">
   <xsd:schema xmlns:xsd="http://www.w3.org/2001/XMLSchema" xmlns:xs="http://www.w3.org/2001/XMLSchema" xmlns:p="http://schemas.microsoft.com/office/2006/metadata/properties" xmlns:ns1="http://schemas.microsoft.com/sharepoint/v3" xmlns:ns2="71af3243-3dd4-4a8d-8c0d-dd76da1f02a5" xmlns:ns3="16c05727-aa75-4e4a-9b5f-8a80a1165891" xmlns:ns4="230e9df3-be65-4c73-a93b-d1236ebd677e" targetNamespace="http://schemas.microsoft.com/office/2006/metadata/properties" ma:root="true" ma:fieldsID="49549bf45bfbbfb6cffed527380e77e1" ns1:_="" ns2:_="" ns3:_="" ns4:_="">
     <xsd:import namespace="http://schemas.microsoft.com/sharepoint/v3"/>
@@ -42107,15 +42392,6 @@
 </ct:contentTypeSchema>
 </file>
 
-<file path=customXml/item3.xml><?xml version="1.0" encoding="utf-8"?>
-<?mso-contentType ?>
-<FormTemplates xmlns="http://schemas.microsoft.com/sharepoint/v3/contenttype/forms">
-  <Display>DocumentLibraryForm</Display>
-  <Edit>DocumentLibraryForm</Edit>
-  <New>DocumentLibraryForm</New>
-</FormTemplates>
-</file>
-
 <file path=customXml/itemProps1.xml><?xml version="1.0" encoding="utf-8"?>
 <ds:datastoreItem xmlns:ds="http://schemas.openxmlformats.org/officeDocument/2006/customXml" ds:itemID="{B2C81503-9DEF-42F3-A99B-D5E0223E195B}">
   <ds:schemaRefs>
@@ -42136,6 +42412,14 @@
 </file>
 
 <file path=customXml/itemProps2.xml><?xml version="1.0" encoding="utf-8"?>
+<ds:datastoreItem xmlns:ds="http://schemas.openxmlformats.org/officeDocument/2006/customXml" ds:itemID="{6F156100-9533-4411-B0C0-FA18F914F7B6}">
+  <ds:schemaRefs>
+    <ds:schemaRef ds:uri="http://schemas.microsoft.com/sharepoint/v3/contenttype/forms"/>
+  </ds:schemaRefs>
+</ds:datastoreItem>
+</file>
+
+<file path=customXml/itemProps3.xml><?xml version="1.0" encoding="utf-8"?>
 <ds:datastoreItem xmlns:ds="http://schemas.openxmlformats.org/officeDocument/2006/customXml" ds:itemID="{76A4D1D3-B327-4D60-927D-26045FF4AF3C}">
   <ds:schemaRefs>
     <ds:schemaRef ds:uri="http://schemas.microsoft.com/office/2006/metadata/contentType"/>
@@ -42156,14 +42440,6 @@
 </ds:datastoreItem>
 </file>
 
-<file path=customXml/itemProps3.xml><?xml version="1.0" encoding="utf-8"?>
-<ds:datastoreItem xmlns:ds="http://schemas.openxmlformats.org/officeDocument/2006/customXml" ds:itemID="{6F156100-9533-4411-B0C0-FA18F914F7B6}">
-  <ds:schemaRefs>
-    <ds:schemaRef ds:uri="http://schemas.microsoft.com/sharepoint/v3/contenttype/forms"/>
-  </ds:schemaRefs>
-</ds:datastoreItem>
-</file>
-
 <file path=docMetadata/LabelInfo.xml><?xml version="1.0" encoding="utf-8"?>
 <clbl:labelList xmlns:clbl="http://schemas.microsoft.com/office/2020/mipLabelMetadata"/>
 </file>